--- a/Soutenance_Stage.pptx
+++ b/Soutenance_Stage.pptx
@@ -5,7 +5,7 @@
     <p:sldMasterId id="2147483694" r:id="rId1"/>
   </p:sldMasterIdLst>
   <p:notesMasterIdLst>
-    <p:notesMasterId r:id="rId37"/>
+    <p:notesMasterId r:id="rId43"/>
   </p:notesMasterIdLst>
   <p:sldIdLst>
     <p:sldId id="256" r:id="rId2"/>
@@ -21,28 +21,34 @@
     <p:sldId id="310" r:id="rId12"/>
     <p:sldId id="311" r:id="rId13"/>
     <p:sldId id="313" r:id="rId14"/>
-    <p:sldId id="312" r:id="rId15"/>
-    <p:sldId id="270" r:id="rId16"/>
-    <p:sldId id="269" r:id="rId17"/>
-    <p:sldId id="271" r:id="rId18"/>
-    <p:sldId id="272" r:id="rId19"/>
-    <p:sldId id="275" r:id="rId20"/>
-    <p:sldId id="274" r:id="rId21"/>
-    <p:sldId id="277" r:id="rId22"/>
-    <p:sldId id="278" r:id="rId23"/>
-    <p:sldId id="307" r:id="rId24"/>
-    <p:sldId id="281" r:id="rId25"/>
-    <p:sldId id="287" r:id="rId26"/>
-    <p:sldId id="288" r:id="rId27"/>
-    <p:sldId id="289" r:id="rId28"/>
-    <p:sldId id="295" r:id="rId29"/>
-    <p:sldId id="297" r:id="rId30"/>
-    <p:sldId id="298" r:id="rId31"/>
-    <p:sldId id="299" r:id="rId32"/>
-    <p:sldId id="300" r:id="rId33"/>
-    <p:sldId id="301" r:id="rId34"/>
-    <p:sldId id="302" r:id="rId35"/>
-    <p:sldId id="305" r:id="rId36"/>
+    <p:sldId id="314" r:id="rId15"/>
+    <p:sldId id="315" r:id="rId16"/>
+    <p:sldId id="317" r:id="rId17"/>
+    <p:sldId id="318" r:id="rId18"/>
+    <p:sldId id="316" r:id="rId19"/>
+    <p:sldId id="269" r:id="rId20"/>
+    <p:sldId id="320" r:id="rId21"/>
+    <p:sldId id="321" r:id="rId22"/>
+    <p:sldId id="322" r:id="rId23"/>
+    <p:sldId id="272" r:id="rId24"/>
+    <p:sldId id="319" r:id="rId25"/>
+    <p:sldId id="275" r:id="rId26"/>
+    <p:sldId id="274" r:id="rId27"/>
+    <p:sldId id="277" r:id="rId28"/>
+    <p:sldId id="278" r:id="rId29"/>
+    <p:sldId id="307" r:id="rId30"/>
+    <p:sldId id="281" r:id="rId31"/>
+    <p:sldId id="287" r:id="rId32"/>
+    <p:sldId id="288" r:id="rId33"/>
+    <p:sldId id="289" r:id="rId34"/>
+    <p:sldId id="295" r:id="rId35"/>
+    <p:sldId id="297" r:id="rId36"/>
+    <p:sldId id="298" r:id="rId37"/>
+    <p:sldId id="299" r:id="rId38"/>
+    <p:sldId id="300" r:id="rId39"/>
+    <p:sldId id="301" r:id="rId40"/>
+    <p:sldId id="302" r:id="rId41"/>
+    <p:sldId id="305" r:id="rId42"/>
   </p:sldIdLst>
   <p:sldSz cx="9144000" cy="6858000" type="screen4x3"/>
   <p:notesSz cx="6858000" cy="9144000"/>
@@ -326,7 +332,6 @@
               <a:rPr lang="fr-FR"/>
               <a:t>Cinquième niveau</a:t>
             </a:r>
-            <a:endParaRPr lang="fr-FR"/>
           </a:p>
         </p:txBody>
       </p:sp>
@@ -3704,7 +3709,7 @@
         </p:nvSpPr>
         <p:spPr>
           <a:xfrm>
-            <a:off x="588352" y="2176637"/>
+            <a:off x="644109" y="2176637"/>
             <a:ext cx="8321471" cy="4351338"/>
           </a:xfrm>
         </p:spPr>
@@ -3719,7 +3724,7 @@
                 <a:solidFill>
                   <a:srgbClr val="004492"/>
                 </a:solidFill>
-                <a:latin typeface="Eurostile-Roman" pitchFamily="2" charset="0"/>
+                <a:latin typeface="Calibri (Corps)"/>
               </a:rPr>
               <a:t>Programme </a:t>
             </a:r>
@@ -3728,7 +3733,7 @@
                 <a:solidFill>
                   <a:srgbClr val="FF0000"/>
                 </a:solidFill>
-                <a:latin typeface="Eurostile-Roman" pitchFamily="2" charset="0"/>
+                <a:latin typeface="Calibri (Corps)"/>
               </a:rPr>
               <a:t>Certified</a:t>
             </a:r>
@@ -3737,7 +3742,7 @@
                 <a:solidFill>
                   <a:srgbClr val="FF0000"/>
                 </a:solidFill>
-                <a:latin typeface="Eurostile-Roman" pitchFamily="2" charset="0"/>
+                <a:latin typeface="Calibri (Corps)"/>
               </a:rPr>
               <a:t> for Microsoft Dynamics </a:t>
             </a:r>
@@ -3746,7 +3751,7 @@
                 <a:solidFill>
                   <a:srgbClr val="004492"/>
                 </a:solidFill>
-                <a:latin typeface="Eurostile-Roman" pitchFamily="2" charset="0"/>
+                <a:latin typeface="Calibri (Corps)"/>
               </a:rPr>
               <a:t>(CFMD) : </a:t>
             </a:r>
@@ -3756,7 +3761,7 @@
               <a:solidFill>
                 <a:srgbClr val="004492"/>
               </a:solidFill>
-              <a:latin typeface="Eurostile-Roman" pitchFamily="2" charset="0"/>
+              <a:latin typeface="Calibri (Corps)"/>
             </a:endParaRPr>
           </a:p>
           <a:p>
@@ -3766,7 +3771,7 @@
                 <a:solidFill>
                   <a:srgbClr val="004492"/>
                 </a:solidFill>
-                <a:latin typeface="Eurostile-Roman" pitchFamily="2" charset="0"/>
+                <a:latin typeface="Calibri (Corps)"/>
               </a:rPr>
               <a:t>Officialise un module développé par un partenaire Microsoft</a:t>
             </a:r>
@@ -3777,7 +3782,7 @@
               <a:solidFill>
                 <a:srgbClr val="004492"/>
               </a:solidFill>
-              <a:latin typeface="Eurostile-Roman" pitchFamily="2" charset="0"/>
+              <a:latin typeface="Calibri (Corps)"/>
             </a:endParaRPr>
           </a:p>
           <a:p>
@@ -3787,7 +3792,7 @@
                 <a:solidFill>
                   <a:srgbClr val="004492"/>
                 </a:solidFill>
-                <a:latin typeface="Eurostile-Roman" pitchFamily="2" charset="0"/>
+                <a:latin typeface="Calibri (Corps)"/>
               </a:rPr>
               <a:t>Certifie que le module est viable et efficace</a:t>
             </a:r>
@@ -3798,7 +3803,7 @@
               <a:solidFill>
                 <a:srgbClr val="004492"/>
               </a:solidFill>
-              <a:latin typeface="Eurostile-Roman" pitchFamily="2" charset="0"/>
+              <a:latin typeface="Calibri (Corps)"/>
             </a:endParaRPr>
           </a:p>
           <a:p>
@@ -3808,7 +3813,7 @@
                 <a:solidFill>
                   <a:srgbClr val="004492"/>
                 </a:solidFill>
-                <a:latin typeface="Eurostile-Roman" pitchFamily="2" charset="0"/>
+                <a:latin typeface="Calibri (Corps)"/>
               </a:rPr>
               <a:t>Rend le vertical disponible à la vente par les autres entreprises partenaires</a:t>
             </a:r>
@@ -3976,7 +3981,7 @@
         </p:nvSpPr>
         <p:spPr>
           <a:xfrm>
-            <a:off x="822529" y="2202316"/>
+            <a:off x="922889" y="2168862"/>
             <a:ext cx="8321471" cy="4351338"/>
           </a:xfrm>
         </p:spPr>
@@ -3991,7 +3996,7 @@
                 <a:solidFill>
                   <a:srgbClr val="004492"/>
                 </a:solidFill>
-                <a:latin typeface="Eurostile-Roman" pitchFamily="2" charset="0"/>
+                <a:latin typeface="Calibri (Corps)"/>
               </a:rPr>
               <a:t>Programme </a:t>
             </a:r>
@@ -4000,7 +4005,7 @@
                 <a:solidFill>
                   <a:srgbClr val="FF0000"/>
                 </a:solidFill>
-                <a:latin typeface="Eurostile-Roman" pitchFamily="2" charset="0"/>
+                <a:latin typeface="Calibri (Corps)"/>
               </a:rPr>
               <a:t>Certified</a:t>
             </a:r>
@@ -4009,7 +4014,7 @@
                 <a:solidFill>
                   <a:srgbClr val="FF0000"/>
                 </a:solidFill>
-                <a:latin typeface="Eurostile-Roman" pitchFamily="2" charset="0"/>
+                <a:latin typeface="Calibri (Corps)"/>
               </a:rPr>
               <a:t> for Microsoft Dynamics </a:t>
             </a:r>
@@ -4018,7 +4023,7 @@
                 <a:solidFill>
                   <a:srgbClr val="004492"/>
                 </a:solidFill>
-                <a:latin typeface="Eurostile-Roman" pitchFamily="2" charset="0"/>
+                <a:latin typeface="Calibri (Corps)"/>
               </a:rPr>
               <a:t>(CFMD) : </a:t>
             </a:r>
@@ -4028,7 +4033,7 @@
               <a:solidFill>
                 <a:srgbClr val="004492"/>
               </a:solidFill>
-              <a:latin typeface="Eurostile-Roman" pitchFamily="2" charset="0"/>
+              <a:latin typeface="Calibri (Corps)"/>
             </a:endParaRPr>
           </a:p>
           <a:p>
@@ -4038,7 +4043,7 @@
                 <a:solidFill>
                   <a:srgbClr val="004492"/>
                 </a:solidFill>
-                <a:latin typeface="Eurostile-Roman" pitchFamily="2" charset="0"/>
+                <a:latin typeface="Calibri (Corps)"/>
               </a:rPr>
               <a:t>Série de test réalisé par une entreprise externe à Microsoft</a:t>
             </a:r>
@@ -4049,7 +4054,7 @@
               <a:solidFill>
                 <a:srgbClr val="004492"/>
               </a:solidFill>
-              <a:latin typeface="Eurostile-Roman" pitchFamily="2" charset="0"/>
+              <a:latin typeface="Calibri (Corps)"/>
             </a:endParaRPr>
           </a:p>
           <a:p>
@@ -4059,7 +4064,7 @@
                 <a:solidFill>
                   <a:srgbClr val="004492"/>
                 </a:solidFill>
-                <a:latin typeface="Eurostile-Roman" pitchFamily="2" charset="0"/>
+                <a:latin typeface="Calibri (Corps)"/>
               </a:rPr>
               <a:t>Doit répondre à de nombreux critères </a:t>
             </a:r>
@@ -4068,7 +4073,7 @@
                 <a:solidFill>
                   <a:srgbClr val="004492"/>
                 </a:solidFill>
-                <a:latin typeface="Eurostile-Roman" pitchFamily="2" charset="0"/>
+                <a:latin typeface="Calibri (Corps)"/>
                 <a:sym typeface="Wingdings" panose="05000000000000000000" pitchFamily="2" charset="2"/>
               </a:rPr>
               <a:t> </a:t>
@@ -4078,7 +4083,7 @@
                 <a:solidFill>
                   <a:srgbClr val="004492"/>
                 </a:solidFill>
-                <a:latin typeface="Eurostile-Roman" pitchFamily="2" charset="0"/>
+                <a:latin typeface="Calibri (Corps)"/>
                 <a:sym typeface="Wingdings" panose="05000000000000000000" pitchFamily="2" charset="2"/>
               </a:rPr>
               <a:t>CfMD</a:t>
@@ -4088,7 +4093,7 @@
                 <a:solidFill>
                   <a:srgbClr val="004492"/>
                 </a:solidFill>
-                <a:latin typeface="Eurostile-Roman" pitchFamily="2" charset="0"/>
+                <a:latin typeface="Calibri (Corps)"/>
                 <a:sym typeface="Wingdings" panose="05000000000000000000" pitchFamily="2" charset="2"/>
               </a:rPr>
               <a:t> Guidelines</a:t>
@@ -4100,7 +4105,7 @@
               <a:solidFill>
                 <a:srgbClr val="004492"/>
               </a:solidFill>
-              <a:latin typeface="Eurostile-Roman" pitchFamily="2" charset="0"/>
+              <a:latin typeface="Calibri (Corps)"/>
               <a:sym typeface="Wingdings" panose="05000000000000000000" pitchFamily="2" charset="2"/>
             </a:endParaRPr>
           </a:p>
@@ -4111,7 +4116,7 @@
                 <a:solidFill>
                   <a:srgbClr val="004492"/>
                 </a:solidFill>
-                <a:latin typeface="Eurostile-Roman" pitchFamily="2" charset="0"/>
+                <a:latin typeface="Calibri (Corps)"/>
               </a:rPr>
               <a:t>L’entreprise doit fournir 10 références clients</a:t>
             </a:r>
@@ -4299,7 +4304,7 @@
                 <a:solidFill>
                   <a:srgbClr val="004492"/>
                 </a:solidFill>
-                <a:latin typeface="Eurostile-Roman" pitchFamily="2" charset="0"/>
+                <a:latin typeface="Calibri (Corps)"/>
               </a:rPr>
               <a:t>Auto-formation : CFMD Guidelines</a:t>
             </a:r>
@@ -4502,7 +4507,7 @@
                 <a:solidFill>
                   <a:srgbClr val="004492"/>
                 </a:solidFill>
-                <a:latin typeface="Eurostile-Roman" pitchFamily="2" charset="0"/>
+                <a:latin typeface="Calibri (Corps)"/>
               </a:rPr>
               <a:t>Document technique en anglais</a:t>
             </a:r>
@@ -4518,7 +4523,7 @@
               <a:solidFill>
                 <a:srgbClr val="004492"/>
               </a:solidFill>
-              <a:latin typeface="Eurostile-Roman" pitchFamily="2" charset="0"/>
+              <a:latin typeface="Calibri (Corps)"/>
             </a:endParaRPr>
           </a:p>
           <a:p>
@@ -4532,7 +4537,7 @@
                 <a:solidFill>
                   <a:srgbClr val="004492"/>
                 </a:solidFill>
-                <a:latin typeface="Eurostile-Roman" pitchFamily="2" charset="0"/>
+                <a:latin typeface="Calibri (Corps)"/>
               </a:rPr>
               <a:t>Décrit point par point la certification</a:t>
             </a:r>
@@ -4540,7 +4545,7 @@
               <a:solidFill>
                 <a:srgbClr val="004492"/>
               </a:solidFill>
-              <a:latin typeface="Eurostile-Roman" pitchFamily="2" charset="0"/>
+              <a:latin typeface="Calibri (Corps)"/>
             </a:endParaRPr>
           </a:p>
           <a:p>
@@ -4554,7 +4559,7 @@
               <a:solidFill>
                 <a:srgbClr val="004492"/>
               </a:solidFill>
-              <a:latin typeface="Eurostile-Roman" pitchFamily="2" charset="0"/>
+              <a:latin typeface="Calibri (Corps)"/>
             </a:endParaRPr>
           </a:p>
         </p:txBody>
@@ -4720,7 +4725,7 @@
         </p:nvSpPr>
         <p:spPr>
           <a:xfrm>
-            <a:off x="904010" y="1901879"/>
+            <a:off x="904010" y="2136055"/>
             <a:ext cx="7886700" cy="1053962"/>
           </a:xfrm>
         </p:spPr>
@@ -4740,7 +4745,7 @@
                 <a:solidFill>
                   <a:srgbClr val="004492"/>
                 </a:solidFill>
-                <a:latin typeface="Eurostile-Roman" pitchFamily="2" charset="0"/>
+                <a:latin typeface="Calibri (Corps)"/>
               </a:rPr>
               <a:t>1</a:t>
             </a:r>
@@ -4749,7 +4754,7 @@
                 <a:solidFill>
                   <a:srgbClr val="004492"/>
                 </a:solidFill>
-                <a:latin typeface="Eurostile-Roman" pitchFamily="2" charset="0"/>
+                <a:latin typeface="Calibri (Corps)"/>
               </a:rPr>
               <a:t>er</a:t>
             </a:r>
@@ -4758,7 +4763,7 @@
                 <a:solidFill>
                   <a:srgbClr val="004492"/>
                 </a:solidFill>
-                <a:latin typeface="Eurostile-Roman" pitchFamily="2" charset="0"/>
+                <a:latin typeface="Calibri (Corps)"/>
               </a:rPr>
               <a:t> travail : renumérotation des objets Dynamics </a:t>
             </a:r>
@@ -4767,7 +4772,7 @@
                 <a:solidFill>
                   <a:srgbClr val="004492"/>
                 </a:solidFill>
-                <a:latin typeface="Eurostile-Roman" pitchFamily="2" charset="0"/>
+                <a:latin typeface="Calibri (Corps)"/>
               </a:rPr>
               <a:t>Nav</a:t>
             </a:r>
@@ -4775,7 +4780,7 @@
               <a:solidFill>
                 <a:srgbClr val="004492"/>
               </a:solidFill>
-              <a:latin typeface="Eurostile-Roman" pitchFamily="2" charset="0"/>
+              <a:latin typeface="Calibri (Corps)"/>
             </a:endParaRPr>
           </a:p>
         </p:txBody>
@@ -4790,7 +4795,7 @@
         </p:nvSpPr>
         <p:spPr>
           <a:xfrm>
-            <a:off x="1084118" y="2522377"/>
+            <a:off x="1084118" y="2926858"/>
             <a:ext cx="8059882" cy="3826469"/>
           </a:xfrm>
           <a:prstGeom prst="rect">
@@ -4978,29 +4983,24 @@
                 <a:solidFill>
                   <a:srgbClr val="004492"/>
                 </a:solidFill>
-                <a:latin typeface="Eurostile" panose="020B0504020202050204" pitchFamily="34" charset="0"/>
-              </a:rPr>
-              <a:t> Service Windows </a:t>
-            </a:r>
-            <a:r>
-              <a:rPr lang="fr-FR" sz="2000" dirty="0">
-                <a:solidFill>
-                  <a:srgbClr val="004492"/>
-                </a:solidFill>
-                <a:latin typeface="Eurostile" panose="020B0504020202050204" pitchFamily="34" charset="0"/>
-                <a:sym typeface="Wingdings" panose="05000000000000000000" pitchFamily="2" charset="2"/>
-              </a:rPr>
-              <a:t></a:t>
-            </a:r>
-            <a:r>
-              <a:rPr lang="fr-FR" sz="2000" dirty="0">
-                <a:solidFill>
-                  <a:srgbClr val="004492"/>
-                </a:solidFill>
-                <a:latin typeface="Eurostile" panose="020B0504020202050204" pitchFamily="34" charset="0"/>
-              </a:rPr>
-              <a:t> Langage C#</a:t>
-            </a:r>
+                <a:latin typeface="Calibri (Corps)"/>
+              </a:rPr>
+              <a:t>Indispensable pour la certification</a:t>
+            </a:r>
+          </a:p>
+          <a:p>
+            <a:pPr marL="342900" lvl="1" indent="0">
+              <a:lnSpc>
+                <a:spcPct val="200000"/>
+              </a:lnSpc>
+              <a:buNone/>
+            </a:pPr>
+            <a:endParaRPr lang="fr-FR" sz="1500" dirty="0">
+              <a:solidFill>
+                <a:srgbClr val="004492"/>
+              </a:solidFill>
+              <a:latin typeface="Calibri (Corps)"/>
+            </a:endParaRPr>
           </a:p>
           <a:p>
             <a:pPr lvl="1">
@@ -5015,9 +5015,27 @@
                 <a:solidFill>
                   <a:srgbClr val="004492"/>
                 </a:solidFill>
-                <a:latin typeface="Eurostile" panose="020B0504020202050204" pitchFamily="34" charset="0"/>
-              </a:rPr>
-              <a:t> IDE : Microsoft Visual Studio 2015</a:t>
+                <a:latin typeface="Calibri (Corps)"/>
+              </a:rPr>
+              <a:t> Placer les identifiants des objets </a:t>
+            </a:r>
+            <a:r>
+              <a:rPr lang="fr-FR" sz="2000" dirty="0" err="1">
+                <a:solidFill>
+                  <a:srgbClr val="004492"/>
+                </a:solidFill>
+                <a:latin typeface="Calibri (Corps)"/>
+              </a:rPr>
+              <a:t>Nav</a:t>
+            </a:r>
+            <a:r>
+              <a:rPr lang="fr-FR" sz="2000" dirty="0">
+                <a:solidFill>
+                  <a:srgbClr val="004492"/>
+                </a:solidFill>
+                <a:latin typeface="Calibri (Corps)"/>
+              </a:rPr>
+              <a:t> dans la plage fournie</a:t>
             </a:r>
           </a:p>
           <a:p>
@@ -5025,49 +5043,12 @@
               <a:lnSpc>
                 <a:spcPct val="200000"/>
               </a:lnSpc>
-              <a:buFont typeface="Wingdings" panose="05000000000000000000" pitchFamily="2" charset="2"/>
-              <a:buChar char="§"/>
-            </a:pPr>
-            <a:r>
-              <a:rPr lang="fr-FR" sz="2000" dirty="0">
-                <a:solidFill>
-                  <a:srgbClr val="004492"/>
-                </a:solidFill>
-                <a:latin typeface="Eurostile" panose="020B0504020202050204" pitchFamily="34" charset="0"/>
-              </a:rPr>
-              <a:t>Création d’un service « base »</a:t>
-            </a:r>
-          </a:p>
-          <a:p>
-            <a:pPr lvl="1">
-              <a:lnSpc>
-                <a:spcPct val="200000"/>
-              </a:lnSpc>
-              <a:buFont typeface="Wingdings" panose="05000000000000000000" pitchFamily="2" charset="2"/>
-              <a:buChar char="§"/>
-            </a:pPr>
-            <a:r>
-              <a:rPr lang="fr-FR" sz="2000" dirty="0">
-                <a:solidFill>
-                  <a:srgbClr val="004492"/>
-                </a:solidFill>
-                <a:latin typeface="Eurostile" panose="020B0504020202050204" pitchFamily="34" charset="0"/>
-              </a:rPr>
-              <a:t>Enrichissement du service avec des fonctionnalités de plus en plus poussées </a:t>
-            </a:r>
-          </a:p>
-          <a:p>
-            <a:pPr marL="342900" lvl="1" indent="0">
-              <a:lnSpc>
-                <a:spcPct val="200000"/>
-              </a:lnSpc>
-              <a:buNone/>
             </a:pPr>
             <a:endParaRPr lang="fr-FR" sz="2000" dirty="0">
               <a:solidFill>
                 <a:srgbClr val="004492"/>
               </a:solidFill>
-              <a:latin typeface="Eurostile" panose="020B0504020202050204" pitchFamily="34" charset="0"/>
+              <a:latin typeface="Calibri (Corps)"/>
             </a:endParaRPr>
           </a:p>
         </p:txBody>
@@ -5167,7 +5148,7 @@
                 <a:solidFill>
                   <a:schemeClr val="bg1"/>
                 </a:solidFill>
-                <a:latin typeface="Eurostile" panose="020B0504020202050204" pitchFamily="34" charset="0"/>
+                <a:latin typeface="Eurostile-Roman" pitchFamily="2" charset="0"/>
               </a:rPr>
               <a:t>Développement </a:t>
             </a:r>
@@ -5176,7 +5157,7 @@
                 <a:solidFill>
                   <a:schemeClr val="bg1"/>
                 </a:solidFill>
-                <a:latin typeface="Eurostile" panose="020B0504020202050204" pitchFamily="34" charset="0"/>
+                <a:latin typeface="Eurostile-Roman" pitchFamily="2" charset="0"/>
               </a:rPr>
             </a:br>
             <a:r>
@@ -5184,7 +5165,7 @@
                 <a:solidFill>
                   <a:schemeClr val="bg1"/>
                 </a:solidFill>
-                <a:latin typeface="Eurostile" panose="020B0504020202050204" pitchFamily="34" charset="0"/>
+                <a:latin typeface="Eurostile-Roman" pitchFamily="2" charset="0"/>
               </a:rPr>
               <a:t>de la solution</a:t>
             </a:r>
@@ -5193,7 +5174,7 @@
       </p:sp>
       <p:sp>
         <p:nvSpPr>
-          <p:cNvPr id="4" name="Espace réservé du contenu 30"/>
+          <p:cNvPr id="7" name="Espace réservé du contenu 30"/>
           <p:cNvSpPr>
             <a:spLocks noGrp="1"/>
           </p:cNvSpPr>
@@ -5203,7 +5184,7 @@
         </p:nvSpPr>
         <p:spPr>
           <a:xfrm>
-            <a:off x="904010" y="1901879"/>
+            <a:off x="904010" y="1801519"/>
             <a:ext cx="7886700" cy="1053962"/>
           </a:xfrm>
         </p:spPr>
@@ -5223,34 +5204,34 @@
                 <a:solidFill>
                   <a:srgbClr val="004492"/>
                 </a:solidFill>
-                <a:latin typeface="Eurostile" panose="020B0504020202050204" pitchFamily="34" charset="0"/>
-              </a:rPr>
-              <a:t>1</a:t>
-            </a:r>
-            <a:r>
-              <a:rPr lang="fr-FR" sz="2200" baseline="30000" dirty="0">
-                <a:solidFill>
-                  <a:srgbClr val="004492"/>
-                </a:solidFill>
-                <a:latin typeface="Eurostile" panose="020B0504020202050204" pitchFamily="34" charset="0"/>
-              </a:rPr>
-              <a:t>er</a:t>
+                <a:latin typeface="Calibri (Corps)"/>
+              </a:rPr>
+              <a:t>Fonctionnement des objets Dynamics </a:t>
+            </a:r>
+            <a:r>
+              <a:rPr lang="fr-FR" sz="2200" dirty="0" err="1">
+                <a:solidFill>
+                  <a:srgbClr val="004492"/>
+                </a:solidFill>
+                <a:latin typeface="Calibri (Corps)"/>
+              </a:rPr>
+              <a:t>Nav</a:t>
             </a:r>
             <a:r>
               <a:rPr lang="fr-FR" sz="2200" dirty="0">
                 <a:solidFill>
                   <a:srgbClr val="004492"/>
                 </a:solidFill>
-                <a:latin typeface="Eurostile" panose="020B0504020202050204" pitchFamily="34" charset="0"/>
-              </a:rPr>
-              <a:t> </a:t>
-            </a:r>
-          </a:p>
-        </p:txBody>
-      </p:sp>
-      <p:sp>
-        <p:nvSpPr>
-          <p:cNvPr id="9" name="Espace réservé du contenu 30"/>
+                <a:latin typeface="Calibri (Corps)"/>
+              </a:rPr>
+              <a:t> :</a:t>
+            </a:r>
+          </a:p>
+        </p:txBody>
+      </p:sp>
+      <p:sp>
+        <p:nvSpPr>
+          <p:cNvPr id="8" name="Espace réservé du contenu 30"/>
           <p:cNvSpPr txBox="1">
             <a:spLocks/>
           </p:cNvSpPr>
@@ -5258,7 +5239,7 @@
         </p:nvSpPr>
         <p:spPr>
           <a:xfrm>
-            <a:off x="1084118" y="2522377"/>
+            <a:off x="1084118" y="2328500"/>
             <a:ext cx="8059882" cy="3826469"/>
           </a:xfrm>
           <a:prstGeom prst="rect">
@@ -5446,32 +5427,13 @@
                 <a:solidFill>
                   <a:srgbClr val="004492"/>
                 </a:solidFill>
-                <a:latin typeface="Eurostile" panose="020B0504020202050204" pitchFamily="34" charset="0"/>
-              </a:rPr>
-              <a:t> Service Windows </a:t>
-            </a:r>
-            <a:r>
-              <a:rPr lang="fr-FR" sz="2000" dirty="0">
-                <a:solidFill>
-                  <a:srgbClr val="004492"/>
-                </a:solidFill>
-                <a:latin typeface="Eurostile" panose="020B0504020202050204" pitchFamily="34" charset="0"/>
-                <a:sym typeface="Wingdings" panose="05000000000000000000" pitchFamily="2" charset="2"/>
-              </a:rPr>
-              <a:t></a:t>
-            </a:r>
-            <a:r>
-              <a:rPr lang="fr-FR" sz="2000" dirty="0">
-                <a:solidFill>
-                  <a:srgbClr val="004492"/>
-                </a:solidFill>
-                <a:latin typeface="Eurostile" panose="020B0504020202050204" pitchFamily="34" charset="0"/>
-              </a:rPr>
-              <a:t> Langage C#</a:t>
-            </a:r>
-          </a:p>
-          <a:p>
-            <a:pPr lvl="1">
+                <a:latin typeface="Calibri (Corps)"/>
+              </a:rPr>
+              <a:t>Multitude d’objets de types différents :</a:t>
+            </a:r>
+          </a:p>
+          <a:p>
+            <a:pPr lvl="2">
               <a:lnSpc>
                 <a:spcPct val="200000"/>
               </a:lnSpc>
@@ -5479,17 +5441,17 @@
               <a:buChar char="§"/>
             </a:pPr>
             <a:r>
-              <a:rPr lang="fr-FR" sz="2000" dirty="0">
-                <a:solidFill>
-                  <a:srgbClr val="004492"/>
-                </a:solidFill>
-                <a:latin typeface="Eurostile" panose="020B0504020202050204" pitchFamily="34" charset="0"/>
-              </a:rPr>
-              <a:t> IDE : Microsoft Visual Studio 2015</a:t>
-            </a:r>
-          </a:p>
-          <a:p>
-            <a:pPr lvl="1">
+              <a:rPr lang="fr-FR" sz="1700" dirty="0">
+                <a:solidFill>
+                  <a:srgbClr val="004492"/>
+                </a:solidFill>
+                <a:latin typeface="Calibri (Corps)"/>
+              </a:rPr>
+              <a:t>Tables</a:t>
+            </a:r>
+          </a:p>
+          <a:p>
+            <a:pPr lvl="2">
               <a:lnSpc>
                 <a:spcPct val="200000"/>
               </a:lnSpc>
@@ -5497,17 +5459,17 @@
               <a:buChar char="§"/>
             </a:pPr>
             <a:r>
-              <a:rPr lang="fr-FR" sz="2000" dirty="0">
-                <a:solidFill>
-                  <a:srgbClr val="004492"/>
-                </a:solidFill>
-                <a:latin typeface="Eurostile" panose="020B0504020202050204" pitchFamily="34" charset="0"/>
-              </a:rPr>
-              <a:t>Création d’un service « base »</a:t>
-            </a:r>
-          </a:p>
-          <a:p>
-            <a:pPr lvl="1">
+              <a:rPr lang="fr-FR" sz="1700" dirty="0">
+                <a:solidFill>
+                  <a:srgbClr val="004492"/>
+                </a:solidFill>
+                <a:latin typeface="Calibri (Corps)"/>
+              </a:rPr>
+              <a:t>Pages</a:t>
+            </a:r>
+          </a:p>
+          <a:p>
+            <a:pPr lvl="2">
               <a:lnSpc>
                 <a:spcPct val="200000"/>
               </a:lnSpc>
@@ -5515,34 +5477,75 @@
               <a:buChar char="§"/>
             </a:pPr>
             <a:r>
+              <a:rPr lang="fr-FR" sz="1700" dirty="0" err="1">
+                <a:solidFill>
+                  <a:srgbClr val="004492"/>
+                </a:solidFill>
+                <a:latin typeface="Calibri (Corps)"/>
+              </a:rPr>
+              <a:t>Codeunit</a:t>
+            </a:r>
+            <a:endParaRPr lang="fr-FR" sz="1700" dirty="0">
+              <a:solidFill>
+                <a:srgbClr val="004492"/>
+              </a:solidFill>
+              <a:latin typeface="Calibri (Corps)"/>
+            </a:endParaRPr>
+          </a:p>
+          <a:p>
+            <a:pPr lvl="2">
+              <a:lnSpc>
+                <a:spcPct val="200000"/>
+              </a:lnSpc>
+              <a:buFont typeface="Wingdings" panose="05000000000000000000" pitchFamily="2" charset="2"/>
+              <a:buChar char="§"/>
+            </a:pPr>
+            <a:r>
+              <a:rPr lang="fr-FR" sz="1700" dirty="0">
+                <a:solidFill>
+                  <a:srgbClr val="004492"/>
+                </a:solidFill>
+                <a:latin typeface="Calibri (Corps)"/>
+              </a:rPr>
+              <a:t>…</a:t>
+            </a:r>
+          </a:p>
+          <a:p>
+            <a:pPr lvl="1">
+              <a:lnSpc>
+                <a:spcPct val="200000"/>
+              </a:lnSpc>
+              <a:buFont typeface="Wingdings" panose="05000000000000000000" pitchFamily="2" charset="2"/>
+              <a:buChar char="§"/>
+            </a:pPr>
+            <a:r>
               <a:rPr lang="fr-FR" sz="2000" dirty="0">
                 <a:solidFill>
                   <a:srgbClr val="004492"/>
                 </a:solidFill>
-                <a:latin typeface="Eurostile" panose="020B0504020202050204" pitchFamily="34" charset="0"/>
-              </a:rPr>
-              <a:t>Enrichissement du service avec des fonctionnalités de plus en plus poussées </a:t>
-            </a:r>
-          </a:p>
-          <a:p>
-            <a:pPr marL="342900" lvl="1" indent="0">
+                <a:latin typeface="Calibri (Corps)"/>
+              </a:rPr>
+              <a:t>Objets stockés dans une base de données liée</a:t>
+            </a:r>
+          </a:p>
+          <a:p>
+            <a:pPr lvl="1">
               <a:lnSpc>
                 <a:spcPct val="200000"/>
               </a:lnSpc>
-              <a:buNone/>
             </a:pPr>
             <a:endParaRPr lang="fr-FR" sz="2000" dirty="0">
               <a:solidFill>
                 <a:srgbClr val="004492"/>
               </a:solidFill>
-              <a:latin typeface="Eurostile" panose="020B0504020202050204" pitchFamily="34" charset="0"/>
+              <a:latin typeface="Calibri (Corps)"/>
             </a:endParaRPr>
           </a:p>
         </p:txBody>
       </p:sp>
       <p:sp>
         <p:nvSpPr>
-          <p:cNvPr id="7" name="Espace réservé du numéro de diapositive 1"/>
+          <p:cNvPr id="11" name="Espace réservé du numéro de diapositive 1"/>
           <p:cNvSpPr>
             <a:spLocks noGrp="1"/>
           </p:cNvSpPr>
@@ -5581,7 +5584,7 @@
     </p:spTree>
     <p:extLst>
       <p:ext uri="{BB962C8B-B14F-4D97-AF65-F5344CB8AC3E}">
-        <p14:creationId xmlns:p14="http://schemas.microsoft.com/office/powerpoint/2010/main" val="4110128355"/>
+        <p14:creationId xmlns:p14="http://schemas.microsoft.com/office/powerpoint/2010/main" val="457717691"/>
       </p:ext>
     </p:extLst>
   </p:cSld>
@@ -5635,7 +5638,7 @@
                 <a:solidFill>
                   <a:schemeClr val="bg1"/>
                 </a:solidFill>
-                <a:latin typeface="Eurostile" panose="020B0504020202050204" pitchFamily="34" charset="0"/>
+                <a:latin typeface="Eurostile-Roman" pitchFamily="2" charset="0"/>
               </a:rPr>
               <a:t>Développement </a:t>
             </a:r>
@@ -5644,7 +5647,7 @@
                 <a:solidFill>
                   <a:schemeClr val="bg1"/>
                 </a:solidFill>
-                <a:latin typeface="Eurostile" panose="020B0504020202050204" pitchFamily="34" charset="0"/>
+                <a:latin typeface="Eurostile-Roman" pitchFamily="2" charset="0"/>
               </a:rPr>
             </a:br>
             <a:r>
@@ -5652,7 +5655,7 @@
                 <a:solidFill>
                   <a:schemeClr val="bg1"/>
                 </a:solidFill>
-                <a:latin typeface="Eurostile" panose="020B0504020202050204" pitchFamily="34" charset="0"/>
+                <a:latin typeface="Eurostile-Roman" pitchFamily="2" charset="0"/>
               </a:rPr>
               <a:t>de la solution</a:t>
             </a:r>
@@ -5661,46 +5664,7 @@
       </p:sp>
       <p:sp>
         <p:nvSpPr>
-          <p:cNvPr id="4" name="Espace réservé du contenu 30"/>
-          <p:cNvSpPr>
-            <a:spLocks noGrp="1"/>
-          </p:cNvSpPr>
-          <p:nvPr>
-            <p:ph idx="1"/>
-          </p:nvPr>
-        </p:nvSpPr>
-        <p:spPr>
-          <a:xfrm>
-            <a:off x="1257300" y="1816796"/>
-            <a:ext cx="7886700" cy="1053962"/>
-          </a:xfrm>
-        </p:spPr>
-        <p:txBody>
-          <a:bodyPr>
-            <a:normAutofit/>
-          </a:bodyPr>
-          <a:lstStyle/>
-          <a:p>
-            <a:pPr>
-              <a:lnSpc>
-                <a:spcPct val="150000"/>
-              </a:lnSpc>
-            </a:pPr>
-            <a:r>
-              <a:rPr lang="fr-FR" sz="2200" dirty="0">
-                <a:solidFill>
-                  <a:srgbClr val="004492"/>
-                </a:solidFill>
-                <a:latin typeface="Eurostile" panose="020B0504020202050204" pitchFamily="34" charset="0"/>
-              </a:rPr>
-              <a:t>Auto-formation : utilisation de nouvelles technologies :</a:t>
-            </a:r>
-          </a:p>
-        </p:txBody>
-      </p:sp>
-      <p:sp>
-        <p:nvSpPr>
-          <p:cNvPr id="10" name="Espace réservé du contenu 30"/>
+          <p:cNvPr id="8" name="Espace réservé du contenu 30"/>
           <p:cNvSpPr txBox="1">
             <a:spLocks/>
           </p:cNvSpPr>
@@ -5708,8 +5672,8 @@
         </p:nvSpPr>
         <p:spPr>
           <a:xfrm>
-            <a:off x="822046" y="2993720"/>
-            <a:ext cx="2597727" cy="854208"/>
+            <a:off x="2264288" y="4220093"/>
+            <a:ext cx="8059882" cy="3826469"/>
           </a:xfrm>
           <a:prstGeom prst="rect">
             <a:avLst/>
@@ -5884,766 +5848,42 @@
             </a:lvl9pPr>
           </a:lstStyle>
           <a:p>
-            <a:pPr marL="0" indent="0">
-              <a:lnSpc>
-                <a:spcPct val="150000"/>
+            <a:pPr marL="342900" lvl="1" indent="0">
+              <a:lnSpc>
+                <a:spcPct val="200000"/>
               </a:lnSpc>
               <a:buNone/>
             </a:pPr>
             <a:r>
-              <a:rPr lang="fr-FR" sz="2600" b="1" dirty="0">
-                <a:solidFill>
-                  <a:srgbClr val="FF0000"/>
-                </a:solidFill>
-                <a:latin typeface="Eurostile" panose="020B0504020202050204" pitchFamily="34" charset="0"/>
-              </a:rPr>
-              <a:t>Web Services </a:t>
-            </a:r>
-          </a:p>
-        </p:txBody>
-      </p:sp>
-      <p:sp>
-        <p:nvSpPr>
-          <p:cNvPr id="9" name="Espace réservé du contenu 30"/>
-          <p:cNvSpPr txBox="1">
-            <a:spLocks/>
-          </p:cNvSpPr>
-          <p:nvPr/>
-        </p:nvSpPr>
-        <p:spPr>
-          <a:xfrm>
-            <a:off x="3041074" y="2719914"/>
-            <a:ext cx="7886700" cy="1872867"/>
-          </a:xfrm>
-          <a:prstGeom prst="rect">
-            <a:avLst/>
-          </a:prstGeom>
-        </p:spPr>
-        <p:txBody>
-          <a:bodyPr vert="horz" lIns="91440" tIns="45720" rIns="91440" bIns="45720" rtlCol="0">
-            <a:normAutofit/>
-          </a:bodyPr>
-          <a:lstStyle>
-            <a:lvl1pPr marL="171450" indent="-171450" algn="l" defTabSz="685800" rtl="0" eaLnBrk="1" latinLnBrk="0" hangingPunct="1">
-              <a:lnSpc>
-                <a:spcPct val="90000"/>
-              </a:lnSpc>
-              <a:spcBef>
-                <a:spcPts val="750"/>
-              </a:spcBef>
-              <a:buFont typeface="Arial" panose="020B0604020202020204" pitchFamily="34" charset="0"/>
-              <a:buChar char="•"/>
-              <a:defRPr sz="2100" kern="1200">
-                <a:solidFill>
-                  <a:schemeClr val="tx1"/>
-                </a:solidFill>
-                <a:latin typeface="+mn-lt"/>
-                <a:ea typeface="+mn-ea"/>
-                <a:cs typeface="+mn-cs"/>
-              </a:defRPr>
-            </a:lvl1pPr>
-            <a:lvl2pPr marL="514350" indent="-171450" algn="l" defTabSz="685800" rtl="0" eaLnBrk="1" latinLnBrk="0" hangingPunct="1">
-              <a:lnSpc>
-                <a:spcPct val="90000"/>
-              </a:lnSpc>
-              <a:spcBef>
-                <a:spcPts val="375"/>
-              </a:spcBef>
-              <a:buFont typeface="Arial" panose="020B0604020202020204" pitchFamily="34" charset="0"/>
-              <a:buChar char="•"/>
-              <a:defRPr sz="1800" kern="1200">
-                <a:solidFill>
-                  <a:schemeClr val="tx1"/>
-                </a:solidFill>
-                <a:latin typeface="+mn-lt"/>
-                <a:ea typeface="+mn-ea"/>
-                <a:cs typeface="+mn-cs"/>
-              </a:defRPr>
-            </a:lvl2pPr>
-            <a:lvl3pPr marL="857250" indent="-171450" algn="l" defTabSz="685800" rtl="0" eaLnBrk="1" latinLnBrk="0" hangingPunct="1">
-              <a:lnSpc>
-                <a:spcPct val="90000"/>
-              </a:lnSpc>
-              <a:spcBef>
-                <a:spcPts val="375"/>
-              </a:spcBef>
-              <a:buFont typeface="Arial" panose="020B0604020202020204" pitchFamily="34" charset="0"/>
-              <a:buChar char="•"/>
-              <a:defRPr sz="1500" kern="1200">
-                <a:solidFill>
-                  <a:schemeClr val="tx1"/>
-                </a:solidFill>
-                <a:latin typeface="+mn-lt"/>
-                <a:ea typeface="+mn-ea"/>
-                <a:cs typeface="+mn-cs"/>
-              </a:defRPr>
-            </a:lvl3pPr>
-            <a:lvl4pPr marL="1200150" indent="-171450" algn="l" defTabSz="685800" rtl="0" eaLnBrk="1" latinLnBrk="0" hangingPunct="1">
-              <a:lnSpc>
-                <a:spcPct val="90000"/>
-              </a:lnSpc>
-              <a:spcBef>
-                <a:spcPts val="375"/>
-              </a:spcBef>
-              <a:buFont typeface="Arial" panose="020B0604020202020204" pitchFamily="34" charset="0"/>
-              <a:buChar char="•"/>
-              <a:defRPr sz="1350" kern="1200">
-                <a:solidFill>
-                  <a:schemeClr val="tx1"/>
-                </a:solidFill>
-                <a:latin typeface="+mn-lt"/>
-                <a:ea typeface="+mn-ea"/>
-                <a:cs typeface="+mn-cs"/>
-              </a:defRPr>
-            </a:lvl4pPr>
-            <a:lvl5pPr marL="1543050" indent="-171450" algn="l" defTabSz="685800" rtl="0" eaLnBrk="1" latinLnBrk="0" hangingPunct="1">
-              <a:lnSpc>
-                <a:spcPct val="90000"/>
-              </a:lnSpc>
-              <a:spcBef>
-                <a:spcPts val="375"/>
-              </a:spcBef>
-              <a:buFont typeface="Arial" panose="020B0604020202020204" pitchFamily="34" charset="0"/>
-              <a:buChar char="•"/>
-              <a:defRPr sz="1350" kern="1200">
-                <a:solidFill>
-                  <a:schemeClr val="tx1"/>
-                </a:solidFill>
-                <a:latin typeface="+mn-lt"/>
-                <a:ea typeface="+mn-ea"/>
-                <a:cs typeface="+mn-cs"/>
-              </a:defRPr>
-            </a:lvl5pPr>
-            <a:lvl6pPr marL="1885950" indent="-171450" algn="l" defTabSz="685800" rtl="0" eaLnBrk="1" latinLnBrk="0" hangingPunct="1">
-              <a:lnSpc>
-                <a:spcPct val="90000"/>
-              </a:lnSpc>
-              <a:spcBef>
-                <a:spcPts val="375"/>
-              </a:spcBef>
-              <a:buFont typeface="Arial" panose="020B0604020202020204" pitchFamily="34" charset="0"/>
-              <a:buChar char="•"/>
-              <a:defRPr sz="1350" kern="1200">
-                <a:solidFill>
-                  <a:schemeClr val="tx1"/>
-                </a:solidFill>
-                <a:latin typeface="+mn-lt"/>
-                <a:ea typeface="+mn-ea"/>
-                <a:cs typeface="+mn-cs"/>
-              </a:defRPr>
-            </a:lvl6pPr>
-            <a:lvl7pPr marL="2228850" indent="-171450" algn="l" defTabSz="685800" rtl="0" eaLnBrk="1" latinLnBrk="0" hangingPunct="1">
-              <a:lnSpc>
-                <a:spcPct val="90000"/>
-              </a:lnSpc>
-              <a:spcBef>
-                <a:spcPts val="375"/>
-              </a:spcBef>
-              <a:buFont typeface="Arial" panose="020B0604020202020204" pitchFamily="34" charset="0"/>
-              <a:buChar char="•"/>
-              <a:defRPr sz="1350" kern="1200">
-                <a:solidFill>
-                  <a:schemeClr val="tx1"/>
-                </a:solidFill>
-                <a:latin typeface="+mn-lt"/>
-                <a:ea typeface="+mn-ea"/>
-                <a:cs typeface="+mn-cs"/>
-              </a:defRPr>
-            </a:lvl7pPr>
-            <a:lvl8pPr marL="2571750" indent="-171450" algn="l" defTabSz="685800" rtl="0" eaLnBrk="1" latinLnBrk="0" hangingPunct="1">
-              <a:lnSpc>
-                <a:spcPct val="90000"/>
-              </a:lnSpc>
-              <a:spcBef>
-                <a:spcPts val="375"/>
-              </a:spcBef>
-              <a:buFont typeface="Arial" panose="020B0604020202020204" pitchFamily="34" charset="0"/>
-              <a:buChar char="•"/>
-              <a:defRPr sz="1350" kern="1200">
-                <a:solidFill>
-                  <a:schemeClr val="tx1"/>
-                </a:solidFill>
-                <a:latin typeface="+mn-lt"/>
-                <a:ea typeface="+mn-ea"/>
-                <a:cs typeface="+mn-cs"/>
-              </a:defRPr>
-            </a:lvl8pPr>
-            <a:lvl9pPr marL="2914650" indent="-171450" algn="l" defTabSz="685800" rtl="0" eaLnBrk="1" latinLnBrk="0" hangingPunct="1">
-              <a:lnSpc>
-                <a:spcPct val="90000"/>
-              </a:lnSpc>
-              <a:spcBef>
-                <a:spcPts val="375"/>
-              </a:spcBef>
-              <a:buFont typeface="Arial" panose="020B0604020202020204" pitchFamily="34" charset="0"/>
-              <a:buChar char="•"/>
-              <a:defRPr sz="1350" kern="1200">
-                <a:solidFill>
-                  <a:schemeClr val="tx1"/>
-                </a:solidFill>
-                <a:latin typeface="+mn-lt"/>
-                <a:ea typeface="+mn-ea"/>
-                <a:cs typeface="+mn-cs"/>
-              </a:defRPr>
-            </a:lvl9pPr>
-          </a:lstStyle>
-          <a:p>
-            <a:pPr>
-              <a:lnSpc>
-                <a:spcPct val="150000"/>
-              </a:lnSpc>
-            </a:pPr>
-            <a:r>
-              <a:rPr lang="fr-FR" sz="2200" dirty="0">
-                <a:solidFill>
-                  <a:srgbClr val="004492"/>
-                </a:solidFill>
-                <a:latin typeface="Eurostile" panose="020B0504020202050204" pitchFamily="34" charset="0"/>
-              </a:rPr>
-              <a:t>Application servant de communication</a:t>
-            </a:r>
-          </a:p>
-          <a:p>
-            <a:pPr marL="342900" lvl="1" indent="0">
-              <a:lnSpc>
-                <a:spcPct val="150000"/>
-              </a:lnSpc>
-              <a:buNone/>
-            </a:pPr>
-            <a:r>
               <a:rPr lang="fr-FR" sz="2000" dirty="0">
                 <a:solidFill>
                   <a:srgbClr val="004492"/>
                 </a:solidFill>
-                <a:latin typeface="Eurostile" panose="020B0504020202050204" pitchFamily="34" charset="0"/>
-                <a:sym typeface="Wingdings" panose="05000000000000000000" pitchFamily="2" charset="2"/>
-              </a:rPr>
-              <a:t> Entre programmes distribués</a:t>
+                <a:latin typeface="Calibri (Corps)"/>
+              </a:rPr>
+              <a:t>Exemple d’objets Dynamics </a:t>
+            </a:r>
+            <a:r>
+              <a:rPr lang="fr-FR" sz="2000" dirty="0" err="1">
+                <a:solidFill>
+                  <a:srgbClr val="004492"/>
+                </a:solidFill>
+                <a:latin typeface="Calibri (Corps)"/>
+              </a:rPr>
+              <a:t>Nav</a:t>
             </a:r>
             <a:endParaRPr lang="fr-FR" sz="2000" dirty="0">
               <a:solidFill>
                 <a:srgbClr val="004492"/>
               </a:solidFill>
-              <a:latin typeface="Eurostile" panose="020B0504020202050204" pitchFamily="34" charset="0"/>
+              <a:latin typeface="Calibri (Corps)"/>
             </a:endParaRPr>
           </a:p>
-          <a:p>
-            <a:pPr>
-              <a:lnSpc>
-                <a:spcPct val="150000"/>
-              </a:lnSpc>
-            </a:pPr>
-            <a:r>
-              <a:rPr lang="fr-FR" sz="2200" dirty="0">
-                <a:solidFill>
-                  <a:srgbClr val="004492"/>
-                </a:solidFill>
-                <a:latin typeface="Eurostile" panose="020B0504020202050204" pitchFamily="34" charset="0"/>
-              </a:rPr>
-              <a:t>Protocole de transport : HTTP</a:t>
-            </a:r>
-          </a:p>
-          <a:p>
-            <a:pPr marL="0" indent="0">
-              <a:lnSpc>
-                <a:spcPct val="150000"/>
-              </a:lnSpc>
-              <a:buNone/>
-            </a:pPr>
-            <a:endParaRPr lang="fr-FR" sz="2200" dirty="0">
-              <a:solidFill>
-                <a:srgbClr val="004492"/>
-              </a:solidFill>
-              <a:latin typeface="Eurostile" panose="020B0504020202050204" pitchFamily="34" charset="0"/>
-            </a:endParaRPr>
-          </a:p>
-          <a:p>
-            <a:pPr marL="342900" lvl="1" indent="0">
-              <a:lnSpc>
-                <a:spcPct val="150000"/>
-              </a:lnSpc>
-              <a:buNone/>
-            </a:pPr>
-            <a:endParaRPr lang="fr-FR" sz="1900" dirty="0">
-              <a:solidFill>
-                <a:srgbClr val="004492"/>
-              </a:solidFill>
-              <a:latin typeface="Eurostile" panose="020B0504020202050204" pitchFamily="34" charset="0"/>
-            </a:endParaRPr>
-          </a:p>
-        </p:txBody>
-      </p:sp>
-      <p:sp>
-        <p:nvSpPr>
-          <p:cNvPr id="11" name="Espace réservé du contenu 30"/>
-          <p:cNvSpPr txBox="1">
-            <a:spLocks/>
-          </p:cNvSpPr>
-          <p:nvPr/>
-        </p:nvSpPr>
-        <p:spPr>
-          <a:xfrm>
-            <a:off x="822046" y="4971336"/>
-            <a:ext cx="2055655" cy="1303247"/>
-          </a:xfrm>
-          <a:prstGeom prst="rect">
-            <a:avLst/>
-          </a:prstGeom>
-        </p:spPr>
-        <p:txBody>
-          <a:bodyPr vert="horz" lIns="91440" tIns="45720" rIns="91440" bIns="45720" rtlCol="0">
-            <a:noAutofit/>
-          </a:bodyPr>
-          <a:lstStyle>
-            <a:lvl1pPr marL="171450" indent="-171450" algn="l" defTabSz="685800" rtl="0" eaLnBrk="1" latinLnBrk="0" hangingPunct="1">
-              <a:lnSpc>
-                <a:spcPct val="90000"/>
-              </a:lnSpc>
-              <a:spcBef>
-                <a:spcPts val="750"/>
-              </a:spcBef>
-              <a:buFont typeface="Arial" panose="020B0604020202020204" pitchFamily="34" charset="0"/>
-              <a:buChar char="•"/>
-              <a:defRPr sz="2100" kern="1200">
-                <a:solidFill>
-                  <a:schemeClr val="tx1"/>
-                </a:solidFill>
-                <a:latin typeface="+mn-lt"/>
-                <a:ea typeface="+mn-ea"/>
-                <a:cs typeface="+mn-cs"/>
-              </a:defRPr>
-            </a:lvl1pPr>
-            <a:lvl2pPr marL="514350" indent="-171450" algn="l" defTabSz="685800" rtl="0" eaLnBrk="1" latinLnBrk="0" hangingPunct="1">
-              <a:lnSpc>
-                <a:spcPct val="90000"/>
-              </a:lnSpc>
-              <a:spcBef>
-                <a:spcPts val="375"/>
-              </a:spcBef>
-              <a:buFont typeface="Arial" panose="020B0604020202020204" pitchFamily="34" charset="0"/>
-              <a:buChar char="•"/>
-              <a:defRPr sz="1800" kern="1200">
-                <a:solidFill>
-                  <a:schemeClr val="tx1"/>
-                </a:solidFill>
-                <a:latin typeface="+mn-lt"/>
-                <a:ea typeface="+mn-ea"/>
-                <a:cs typeface="+mn-cs"/>
-              </a:defRPr>
-            </a:lvl2pPr>
-            <a:lvl3pPr marL="857250" indent="-171450" algn="l" defTabSz="685800" rtl="0" eaLnBrk="1" latinLnBrk="0" hangingPunct="1">
-              <a:lnSpc>
-                <a:spcPct val="90000"/>
-              </a:lnSpc>
-              <a:spcBef>
-                <a:spcPts val="375"/>
-              </a:spcBef>
-              <a:buFont typeface="Arial" panose="020B0604020202020204" pitchFamily="34" charset="0"/>
-              <a:buChar char="•"/>
-              <a:defRPr sz="1500" kern="1200">
-                <a:solidFill>
-                  <a:schemeClr val="tx1"/>
-                </a:solidFill>
-                <a:latin typeface="+mn-lt"/>
-                <a:ea typeface="+mn-ea"/>
-                <a:cs typeface="+mn-cs"/>
-              </a:defRPr>
-            </a:lvl3pPr>
-            <a:lvl4pPr marL="1200150" indent="-171450" algn="l" defTabSz="685800" rtl="0" eaLnBrk="1" latinLnBrk="0" hangingPunct="1">
-              <a:lnSpc>
-                <a:spcPct val="90000"/>
-              </a:lnSpc>
-              <a:spcBef>
-                <a:spcPts val="375"/>
-              </a:spcBef>
-              <a:buFont typeface="Arial" panose="020B0604020202020204" pitchFamily="34" charset="0"/>
-              <a:buChar char="•"/>
-              <a:defRPr sz="1350" kern="1200">
-                <a:solidFill>
-                  <a:schemeClr val="tx1"/>
-                </a:solidFill>
-                <a:latin typeface="+mn-lt"/>
-                <a:ea typeface="+mn-ea"/>
-                <a:cs typeface="+mn-cs"/>
-              </a:defRPr>
-            </a:lvl4pPr>
-            <a:lvl5pPr marL="1543050" indent="-171450" algn="l" defTabSz="685800" rtl="0" eaLnBrk="1" latinLnBrk="0" hangingPunct="1">
-              <a:lnSpc>
-                <a:spcPct val="90000"/>
-              </a:lnSpc>
-              <a:spcBef>
-                <a:spcPts val="375"/>
-              </a:spcBef>
-              <a:buFont typeface="Arial" panose="020B0604020202020204" pitchFamily="34" charset="0"/>
-              <a:buChar char="•"/>
-              <a:defRPr sz="1350" kern="1200">
-                <a:solidFill>
-                  <a:schemeClr val="tx1"/>
-                </a:solidFill>
-                <a:latin typeface="+mn-lt"/>
-                <a:ea typeface="+mn-ea"/>
-                <a:cs typeface="+mn-cs"/>
-              </a:defRPr>
-            </a:lvl5pPr>
-            <a:lvl6pPr marL="1885950" indent="-171450" algn="l" defTabSz="685800" rtl="0" eaLnBrk="1" latinLnBrk="0" hangingPunct="1">
-              <a:lnSpc>
-                <a:spcPct val="90000"/>
-              </a:lnSpc>
-              <a:spcBef>
-                <a:spcPts val="375"/>
-              </a:spcBef>
-              <a:buFont typeface="Arial" panose="020B0604020202020204" pitchFamily="34" charset="0"/>
-              <a:buChar char="•"/>
-              <a:defRPr sz="1350" kern="1200">
-                <a:solidFill>
-                  <a:schemeClr val="tx1"/>
-                </a:solidFill>
-                <a:latin typeface="+mn-lt"/>
-                <a:ea typeface="+mn-ea"/>
-                <a:cs typeface="+mn-cs"/>
-              </a:defRPr>
-            </a:lvl6pPr>
-            <a:lvl7pPr marL="2228850" indent="-171450" algn="l" defTabSz="685800" rtl="0" eaLnBrk="1" latinLnBrk="0" hangingPunct="1">
-              <a:lnSpc>
-                <a:spcPct val="90000"/>
-              </a:lnSpc>
-              <a:spcBef>
-                <a:spcPts val="375"/>
-              </a:spcBef>
-              <a:buFont typeface="Arial" panose="020B0604020202020204" pitchFamily="34" charset="0"/>
-              <a:buChar char="•"/>
-              <a:defRPr sz="1350" kern="1200">
-                <a:solidFill>
-                  <a:schemeClr val="tx1"/>
-                </a:solidFill>
-                <a:latin typeface="+mn-lt"/>
-                <a:ea typeface="+mn-ea"/>
-                <a:cs typeface="+mn-cs"/>
-              </a:defRPr>
-            </a:lvl7pPr>
-            <a:lvl8pPr marL="2571750" indent="-171450" algn="l" defTabSz="685800" rtl="0" eaLnBrk="1" latinLnBrk="0" hangingPunct="1">
-              <a:lnSpc>
-                <a:spcPct val="90000"/>
-              </a:lnSpc>
-              <a:spcBef>
-                <a:spcPts val="375"/>
-              </a:spcBef>
-              <a:buFont typeface="Arial" panose="020B0604020202020204" pitchFamily="34" charset="0"/>
-              <a:buChar char="•"/>
-              <a:defRPr sz="1350" kern="1200">
-                <a:solidFill>
-                  <a:schemeClr val="tx1"/>
-                </a:solidFill>
-                <a:latin typeface="+mn-lt"/>
-                <a:ea typeface="+mn-ea"/>
-                <a:cs typeface="+mn-cs"/>
-              </a:defRPr>
-            </a:lvl8pPr>
-            <a:lvl9pPr marL="2914650" indent="-171450" algn="l" defTabSz="685800" rtl="0" eaLnBrk="1" latinLnBrk="0" hangingPunct="1">
-              <a:lnSpc>
-                <a:spcPct val="90000"/>
-              </a:lnSpc>
-              <a:spcBef>
-                <a:spcPts val="375"/>
-              </a:spcBef>
-              <a:buFont typeface="Arial" panose="020B0604020202020204" pitchFamily="34" charset="0"/>
-              <a:buChar char="•"/>
-              <a:defRPr sz="1350" kern="1200">
-                <a:solidFill>
-                  <a:schemeClr val="tx1"/>
-                </a:solidFill>
-                <a:latin typeface="+mn-lt"/>
-                <a:ea typeface="+mn-ea"/>
-                <a:cs typeface="+mn-cs"/>
-              </a:defRPr>
-            </a:lvl9pPr>
-          </a:lstStyle>
-          <a:p>
-            <a:pPr marL="0" indent="0">
-              <a:lnSpc>
-                <a:spcPct val="100000"/>
-              </a:lnSpc>
-              <a:buNone/>
-            </a:pPr>
-            <a:r>
-              <a:rPr lang="fr-FR" sz="2500" b="1" dirty="0">
-                <a:solidFill>
-                  <a:srgbClr val="FF0000"/>
-                </a:solidFill>
-                <a:latin typeface="Eurostile" panose="020B0504020202050204" pitchFamily="34" charset="0"/>
-              </a:rPr>
-              <a:t>Web Services</a:t>
-            </a:r>
-          </a:p>
-          <a:p>
-            <a:pPr marL="0" indent="0" algn="ctr">
-              <a:lnSpc>
-                <a:spcPct val="100000"/>
-              </a:lnSpc>
-              <a:buNone/>
-            </a:pPr>
-            <a:r>
-              <a:rPr lang="fr-FR" sz="2500" b="1" dirty="0">
-                <a:solidFill>
-                  <a:srgbClr val="FF0000"/>
-                </a:solidFill>
-                <a:latin typeface="Eurostile" panose="020B0504020202050204" pitchFamily="34" charset="0"/>
-              </a:rPr>
-              <a:t>SOAP </a:t>
-            </a:r>
-          </a:p>
-        </p:txBody>
-      </p:sp>
-      <p:sp>
-        <p:nvSpPr>
-          <p:cNvPr id="12" name="Espace réservé du contenu 30"/>
-          <p:cNvSpPr txBox="1">
-            <a:spLocks/>
-          </p:cNvSpPr>
-          <p:nvPr/>
-        </p:nvSpPr>
-        <p:spPr>
-          <a:xfrm>
-            <a:off x="3041074" y="4825099"/>
-            <a:ext cx="7886700" cy="1803537"/>
-          </a:xfrm>
-          <a:prstGeom prst="rect">
-            <a:avLst/>
-          </a:prstGeom>
-        </p:spPr>
-        <p:txBody>
-          <a:bodyPr vert="horz" lIns="91440" tIns="45720" rIns="91440" bIns="45720" rtlCol="0">
-            <a:normAutofit/>
-          </a:bodyPr>
-          <a:lstStyle>
-            <a:lvl1pPr marL="171450" indent="-171450" algn="l" defTabSz="685800" rtl="0" eaLnBrk="1" latinLnBrk="0" hangingPunct="1">
-              <a:lnSpc>
-                <a:spcPct val="90000"/>
-              </a:lnSpc>
-              <a:spcBef>
-                <a:spcPts val="750"/>
-              </a:spcBef>
-              <a:buFont typeface="Arial" panose="020B0604020202020204" pitchFamily="34" charset="0"/>
-              <a:buChar char="•"/>
-              <a:defRPr sz="2100" kern="1200">
-                <a:solidFill>
-                  <a:schemeClr val="tx1"/>
-                </a:solidFill>
-                <a:latin typeface="+mn-lt"/>
-                <a:ea typeface="+mn-ea"/>
-                <a:cs typeface="+mn-cs"/>
-              </a:defRPr>
-            </a:lvl1pPr>
-            <a:lvl2pPr marL="514350" indent="-171450" algn="l" defTabSz="685800" rtl="0" eaLnBrk="1" latinLnBrk="0" hangingPunct="1">
-              <a:lnSpc>
-                <a:spcPct val="90000"/>
-              </a:lnSpc>
-              <a:spcBef>
-                <a:spcPts val="375"/>
-              </a:spcBef>
-              <a:buFont typeface="Arial" panose="020B0604020202020204" pitchFamily="34" charset="0"/>
-              <a:buChar char="•"/>
-              <a:defRPr sz="1800" kern="1200">
-                <a:solidFill>
-                  <a:schemeClr val="tx1"/>
-                </a:solidFill>
-                <a:latin typeface="+mn-lt"/>
-                <a:ea typeface="+mn-ea"/>
-                <a:cs typeface="+mn-cs"/>
-              </a:defRPr>
-            </a:lvl2pPr>
-            <a:lvl3pPr marL="857250" indent="-171450" algn="l" defTabSz="685800" rtl="0" eaLnBrk="1" latinLnBrk="0" hangingPunct="1">
-              <a:lnSpc>
-                <a:spcPct val="90000"/>
-              </a:lnSpc>
-              <a:spcBef>
-                <a:spcPts val="375"/>
-              </a:spcBef>
-              <a:buFont typeface="Arial" panose="020B0604020202020204" pitchFamily="34" charset="0"/>
-              <a:buChar char="•"/>
-              <a:defRPr sz="1500" kern="1200">
-                <a:solidFill>
-                  <a:schemeClr val="tx1"/>
-                </a:solidFill>
-                <a:latin typeface="+mn-lt"/>
-                <a:ea typeface="+mn-ea"/>
-                <a:cs typeface="+mn-cs"/>
-              </a:defRPr>
-            </a:lvl3pPr>
-            <a:lvl4pPr marL="1200150" indent="-171450" algn="l" defTabSz="685800" rtl="0" eaLnBrk="1" latinLnBrk="0" hangingPunct="1">
-              <a:lnSpc>
-                <a:spcPct val="90000"/>
-              </a:lnSpc>
-              <a:spcBef>
-                <a:spcPts val="375"/>
-              </a:spcBef>
-              <a:buFont typeface="Arial" panose="020B0604020202020204" pitchFamily="34" charset="0"/>
-              <a:buChar char="•"/>
-              <a:defRPr sz="1350" kern="1200">
-                <a:solidFill>
-                  <a:schemeClr val="tx1"/>
-                </a:solidFill>
-                <a:latin typeface="+mn-lt"/>
-                <a:ea typeface="+mn-ea"/>
-                <a:cs typeface="+mn-cs"/>
-              </a:defRPr>
-            </a:lvl4pPr>
-            <a:lvl5pPr marL="1543050" indent="-171450" algn="l" defTabSz="685800" rtl="0" eaLnBrk="1" latinLnBrk="0" hangingPunct="1">
-              <a:lnSpc>
-                <a:spcPct val="90000"/>
-              </a:lnSpc>
-              <a:spcBef>
-                <a:spcPts val="375"/>
-              </a:spcBef>
-              <a:buFont typeface="Arial" panose="020B0604020202020204" pitchFamily="34" charset="0"/>
-              <a:buChar char="•"/>
-              <a:defRPr sz="1350" kern="1200">
-                <a:solidFill>
-                  <a:schemeClr val="tx1"/>
-                </a:solidFill>
-                <a:latin typeface="+mn-lt"/>
-                <a:ea typeface="+mn-ea"/>
-                <a:cs typeface="+mn-cs"/>
-              </a:defRPr>
-            </a:lvl5pPr>
-            <a:lvl6pPr marL="1885950" indent="-171450" algn="l" defTabSz="685800" rtl="0" eaLnBrk="1" latinLnBrk="0" hangingPunct="1">
-              <a:lnSpc>
-                <a:spcPct val="90000"/>
-              </a:lnSpc>
-              <a:spcBef>
-                <a:spcPts val="375"/>
-              </a:spcBef>
-              <a:buFont typeface="Arial" panose="020B0604020202020204" pitchFamily="34" charset="0"/>
-              <a:buChar char="•"/>
-              <a:defRPr sz="1350" kern="1200">
-                <a:solidFill>
-                  <a:schemeClr val="tx1"/>
-                </a:solidFill>
-                <a:latin typeface="+mn-lt"/>
-                <a:ea typeface="+mn-ea"/>
-                <a:cs typeface="+mn-cs"/>
-              </a:defRPr>
-            </a:lvl6pPr>
-            <a:lvl7pPr marL="2228850" indent="-171450" algn="l" defTabSz="685800" rtl="0" eaLnBrk="1" latinLnBrk="0" hangingPunct="1">
-              <a:lnSpc>
-                <a:spcPct val="90000"/>
-              </a:lnSpc>
-              <a:spcBef>
-                <a:spcPts val="375"/>
-              </a:spcBef>
-              <a:buFont typeface="Arial" panose="020B0604020202020204" pitchFamily="34" charset="0"/>
-              <a:buChar char="•"/>
-              <a:defRPr sz="1350" kern="1200">
-                <a:solidFill>
-                  <a:schemeClr val="tx1"/>
-                </a:solidFill>
-                <a:latin typeface="+mn-lt"/>
-                <a:ea typeface="+mn-ea"/>
-                <a:cs typeface="+mn-cs"/>
-              </a:defRPr>
-            </a:lvl7pPr>
-            <a:lvl8pPr marL="2571750" indent="-171450" algn="l" defTabSz="685800" rtl="0" eaLnBrk="1" latinLnBrk="0" hangingPunct="1">
-              <a:lnSpc>
-                <a:spcPct val="90000"/>
-              </a:lnSpc>
-              <a:spcBef>
-                <a:spcPts val="375"/>
-              </a:spcBef>
-              <a:buFont typeface="Arial" panose="020B0604020202020204" pitchFamily="34" charset="0"/>
-              <a:buChar char="•"/>
-              <a:defRPr sz="1350" kern="1200">
-                <a:solidFill>
-                  <a:schemeClr val="tx1"/>
-                </a:solidFill>
-                <a:latin typeface="+mn-lt"/>
-                <a:ea typeface="+mn-ea"/>
-                <a:cs typeface="+mn-cs"/>
-              </a:defRPr>
-            </a:lvl8pPr>
-            <a:lvl9pPr marL="2914650" indent="-171450" algn="l" defTabSz="685800" rtl="0" eaLnBrk="1" latinLnBrk="0" hangingPunct="1">
-              <a:lnSpc>
-                <a:spcPct val="90000"/>
-              </a:lnSpc>
-              <a:spcBef>
-                <a:spcPts val="375"/>
-              </a:spcBef>
-              <a:buFont typeface="Arial" panose="020B0604020202020204" pitchFamily="34" charset="0"/>
-              <a:buChar char="•"/>
-              <a:defRPr sz="1350" kern="1200">
-                <a:solidFill>
-                  <a:schemeClr val="tx1"/>
-                </a:solidFill>
-                <a:latin typeface="+mn-lt"/>
-                <a:ea typeface="+mn-ea"/>
-                <a:cs typeface="+mn-cs"/>
-              </a:defRPr>
-            </a:lvl9pPr>
-          </a:lstStyle>
-          <a:p>
-            <a:pPr>
-              <a:lnSpc>
-                <a:spcPct val="150000"/>
-              </a:lnSpc>
-            </a:pPr>
-            <a:r>
-              <a:rPr lang="fr-FR" sz="2200" dirty="0">
-                <a:solidFill>
-                  <a:srgbClr val="004492"/>
-                </a:solidFill>
-                <a:latin typeface="Eurostile" panose="020B0504020202050204" pitchFamily="34" charset="0"/>
-              </a:rPr>
-              <a:t>Simple Object Access Protocol </a:t>
-            </a:r>
-          </a:p>
-          <a:p>
-            <a:pPr>
-              <a:lnSpc>
-                <a:spcPct val="150000"/>
-              </a:lnSpc>
-            </a:pPr>
-            <a:r>
-              <a:rPr lang="fr-FR" sz="2200" dirty="0">
-                <a:solidFill>
-                  <a:srgbClr val="004492"/>
-                </a:solidFill>
-                <a:latin typeface="Eurostile" panose="020B0504020202050204" pitchFamily="34" charset="0"/>
-              </a:rPr>
-              <a:t>Architecture : XML</a:t>
-            </a:r>
-          </a:p>
-          <a:p>
-            <a:pPr marL="0" indent="0">
-              <a:lnSpc>
-                <a:spcPct val="150000"/>
-              </a:lnSpc>
-              <a:buNone/>
-            </a:pPr>
-            <a:endParaRPr lang="fr-FR" sz="2200" dirty="0">
-              <a:solidFill>
-                <a:srgbClr val="004492"/>
-              </a:solidFill>
-              <a:latin typeface="Eurostile" panose="020B0504020202050204" pitchFamily="34" charset="0"/>
-            </a:endParaRPr>
-          </a:p>
-          <a:p>
-            <a:pPr marL="342900" lvl="1" indent="0">
-              <a:lnSpc>
-                <a:spcPct val="150000"/>
-              </a:lnSpc>
-              <a:buNone/>
-            </a:pPr>
-            <a:endParaRPr lang="fr-FR" sz="1900" dirty="0">
-              <a:solidFill>
-                <a:srgbClr val="004492"/>
-              </a:solidFill>
-              <a:latin typeface="Eurostile" panose="020B0504020202050204" pitchFamily="34" charset="0"/>
-            </a:endParaRPr>
-          </a:p>
-        </p:txBody>
-      </p:sp>
-      <p:sp>
-        <p:nvSpPr>
-          <p:cNvPr id="3" name="Espace réservé du numéro de diapositive 2"/>
+        </p:txBody>
+      </p:sp>
+      <p:sp>
+        <p:nvSpPr>
+          <p:cNvPr id="11" name="Espace réservé du numéro de diapositive 1"/>
           <p:cNvSpPr>
             <a:spLocks noGrp="1"/>
           </p:cNvSpPr>
@@ -6651,23 +5891,68 @@
             <p:ph type="sldNum" sz="quarter" idx="12"/>
           </p:nvPr>
         </p:nvSpPr>
-        <p:spPr/>
+        <p:spPr>
+          <a:xfrm>
+            <a:off x="6603423" y="6255991"/>
+            <a:ext cx="2057400" cy="365125"/>
+          </a:xfrm>
+        </p:spPr>
         <p:txBody>
           <a:bodyPr/>
           <a:lstStyle/>
           <a:p>
+            <a:r>
+              <a:rPr lang="fr-FR" sz="1800" dirty="0">
+                <a:latin typeface="Eurostile-Roman" pitchFamily="2" charset="0"/>
+              </a:rPr>
+              <a:t>Diapositive </a:t>
+            </a:r>
             <a:fld id="{0A0AF257-D28F-495E-9E53-3BED59B8AA35}" type="slidenum">
-              <a:rPr lang="fr-FR" smtClean="0"/>
+              <a:rPr lang="fr-FR" sz="1800" smtClean="0">
+                <a:latin typeface="Eurostile-Roman" pitchFamily="2" charset="0"/>
+              </a:rPr>
               <a:t>15</a:t>
             </a:fld>
-            <a:endParaRPr lang="fr-FR"/>
-          </a:p>
-        </p:txBody>
-      </p:sp>
+            <a:endParaRPr lang="fr-FR" sz="1800" dirty="0">
+              <a:latin typeface="Eurostile-Roman" pitchFamily="2" charset="0"/>
+            </a:endParaRPr>
+          </a:p>
+        </p:txBody>
+      </p:sp>
+      <p:pic>
+        <p:nvPicPr>
+          <p:cNvPr id="4" name="Image 3"/>
+          <p:cNvPicPr>
+            <a:picLocks noChangeAspect="1"/>
+          </p:cNvPicPr>
+          <p:nvPr/>
+        </p:nvPicPr>
+        <p:blipFill>
+          <a:blip r:embed="rId2">
+            <a:extLst>
+              <a:ext uri="{28A0092B-C50C-407E-A947-70E740481C1C}">
+                <a14:useLocalDpi xmlns:a14="http://schemas.microsoft.com/office/drawing/2010/main" val="0"/>
+              </a:ext>
+            </a:extLst>
+          </a:blip>
+          <a:stretch>
+            <a:fillRect/>
+          </a:stretch>
+        </p:blipFill>
+        <p:spPr>
+          <a:xfrm>
+            <a:off x="112102" y="2664262"/>
+            <a:ext cx="8898083" cy="1443753"/>
+          </a:xfrm>
+          <a:prstGeom prst="rect">
+            <a:avLst/>
+          </a:prstGeom>
+        </p:spPr>
+      </p:pic>
     </p:spTree>
     <p:extLst>
       <p:ext uri="{BB962C8B-B14F-4D97-AF65-F5344CB8AC3E}">
-        <p14:creationId xmlns:p14="http://schemas.microsoft.com/office/powerpoint/2010/main" val="1916624664"/>
+        <p14:creationId xmlns:p14="http://schemas.microsoft.com/office/powerpoint/2010/main" val="2079117772"/>
       </p:ext>
     </p:extLst>
   </p:cSld>
@@ -6747,6 +6032,2212 @@
       </p:sp>
       <p:sp>
         <p:nvSpPr>
+          <p:cNvPr id="8" name="Espace réservé du contenu 30"/>
+          <p:cNvSpPr txBox="1">
+            <a:spLocks/>
+          </p:cNvSpPr>
+          <p:nvPr/>
+        </p:nvSpPr>
+        <p:spPr>
+          <a:xfrm>
+            <a:off x="1327586" y="2655832"/>
+            <a:ext cx="8059882" cy="3826469"/>
+          </a:xfrm>
+          <a:prstGeom prst="rect">
+            <a:avLst/>
+          </a:prstGeom>
+        </p:spPr>
+        <p:txBody>
+          <a:bodyPr vert="horz" lIns="91440" tIns="45720" rIns="91440" bIns="45720" rtlCol="0">
+            <a:normAutofit/>
+          </a:bodyPr>
+          <a:lstStyle>
+            <a:lvl1pPr marL="171450" indent="-171450" algn="l" defTabSz="685800" rtl="0" eaLnBrk="1" latinLnBrk="0" hangingPunct="1">
+              <a:lnSpc>
+                <a:spcPct val="90000"/>
+              </a:lnSpc>
+              <a:spcBef>
+                <a:spcPts val="750"/>
+              </a:spcBef>
+              <a:buFont typeface="Arial" panose="020B0604020202020204" pitchFamily="34" charset="0"/>
+              <a:buChar char="•"/>
+              <a:defRPr sz="2100" kern="1200">
+                <a:solidFill>
+                  <a:schemeClr val="tx1"/>
+                </a:solidFill>
+                <a:latin typeface="+mn-lt"/>
+                <a:ea typeface="+mn-ea"/>
+                <a:cs typeface="+mn-cs"/>
+              </a:defRPr>
+            </a:lvl1pPr>
+            <a:lvl2pPr marL="514350" indent="-171450" algn="l" defTabSz="685800" rtl="0" eaLnBrk="1" latinLnBrk="0" hangingPunct="1">
+              <a:lnSpc>
+                <a:spcPct val="90000"/>
+              </a:lnSpc>
+              <a:spcBef>
+                <a:spcPts val="375"/>
+              </a:spcBef>
+              <a:buFont typeface="Arial" panose="020B0604020202020204" pitchFamily="34" charset="0"/>
+              <a:buChar char="•"/>
+              <a:defRPr sz="1800" kern="1200">
+                <a:solidFill>
+                  <a:schemeClr val="tx1"/>
+                </a:solidFill>
+                <a:latin typeface="+mn-lt"/>
+                <a:ea typeface="+mn-ea"/>
+                <a:cs typeface="+mn-cs"/>
+              </a:defRPr>
+            </a:lvl2pPr>
+            <a:lvl3pPr marL="857250" indent="-171450" algn="l" defTabSz="685800" rtl="0" eaLnBrk="1" latinLnBrk="0" hangingPunct="1">
+              <a:lnSpc>
+                <a:spcPct val="90000"/>
+              </a:lnSpc>
+              <a:spcBef>
+                <a:spcPts val="375"/>
+              </a:spcBef>
+              <a:buFont typeface="Arial" panose="020B0604020202020204" pitchFamily="34" charset="0"/>
+              <a:buChar char="•"/>
+              <a:defRPr sz="1500" kern="1200">
+                <a:solidFill>
+                  <a:schemeClr val="tx1"/>
+                </a:solidFill>
+                <a:latin typeface="+mn-lt"/>
+                <a:ea typeface="+mn-ea"/>
+                <a:cs typeface="+mn-cs"/>
+              </a:defRPr>
+            </a:lvl3pPr>
+            <a:lvl4pPr marL="1200150" indent="-171450" algn="l" defTabSz="685800" rtl="0" eaLnBrk="1" latinLnBrk="0" hangingPunct="1">
+              <a:lnSpc>
+                <a:spcPct val="90000"/>
+              </a:lnSpc>
+              <a:spcBef>
+                <a:spcPts val="375"/>
+              </a:spcBef>
+              <a:buFont typeface="Arial" panose="020B0604020202020204" pitchFamily="34" charset="0"/>
+              <a:buChar char="•"/>
+              <a:defRPr sz="1350" kern="1200">
+                <a:solidFill>
+                  <a:schemeClr val="tx1"/>
+                </a:solidFill>
+                <a:latin typeface="+mn-lt"/>
+                <a:ea typeface="+mn-ea"/>
+                <a:cs typeface="+mn-cs"/>
+              </a:defRPr>
+            </a:lvl4pPr>
+            <a:lvl5pPr marL="1543050" indent="-171450" algn="l" defTabSz="685800" rtl="0" eaLnBrk="1" latinLnBrk="0" hangingPunct="1">
+              <a:lnSpc>
+                <a:spcPct val="90000"/>
+              </a:lnSpc>
+              <a:spcBef>
+                <a:spcPts val="375"/>
+              </a:spcBef>
+              <a:buFont typeface="Arial" panose="020B0604020202020204" pitchFamily="34" charset="0"/>
+              <a:buChar char="•"/>
+              <a:defRPr sz="1350" kern="1200">
+                <a:solidFill>
+                  <a:schemeClr val="tx1"/>
+                </a:solidFill>
+                <a:latin typeface="+mn-lt"/>
+                <a:ea typeface="+mn-ea"/>
+                <a:cs typeface="+mn-cs"/>
+              </a:defRPr>
+            </a:lvl5pPr>
+            <a:lvl6pPr marL="1885950" indent="-171450" algn="l" defTabSz="685800" rtl="0" eaLnBrk="1" latinLnBrk="0" hangingPunct="1">
+              <a:lnSpc>
+                <a:spcPct val="90000"/>
+              </a:lnSpc>
+              <a:spcBef>
+                <a:spcPts val="375"/>
+              </a:spcBef>
+              <a:buFont typeface="Arial" panose="020B0604020202020204" pitchFamily="34" charset="0"/>
+              <a:buChar char="•"/>
+              <a:defRPr sz="1350" kern="1200">
+                <a:solidFill>
+                  <a:schemeClr val="tx1"/>
+                </a:solidFill>
+                <a:latin typeface="+mn-lt"/>
+                <a:ea typeface="+mn-ea"/>
+                <a:cs typeface="+mn-cs"/>
+              </a:defRPr>
+            </a:lvl6pPr>
+            <a:lvl7pPr marL="2228850" indent="-171450" algn="l" defTabSz="685800" rtl="0" eaLnBrk="1" latinLnBrk="0" hangingPunct="1">
+              <a:lnSpc>
+                <a:spcPct val="90000"/>
+              </a:lnSpc>
+              <a:spcBef>
+                <a:spcPts val="375"/>
+              </a:spcBef>
+              <a:buFont typeface="Arial" panose="020B0604020202020204" pitchFamily="34" charset="0"/>
+              <a:buChar char="•"/>
+              <a:defRPr sz="1350" kern="1200">
+                <a:solidFill>
+                  <a:schemeClr val="tx1"/>
+                </a:solidFill>
+                <a:latin typeface="+mn-lt"/>
+                <a:ea typeface="+mn-ea"/>
+                <a:cs typeface="+mn-cs"/>
+              </a:defRPr>
+            </a:lvl7pPr>
+            <a:lvl8pPr marL="2571750" indent="-171450" algn="l" defTabSz="685800" rtl="0" eaLnBrk="1" latinLnBrk="0" hangingPunct="1">
+              <a:lnSpc>
+                <a:spcPct val="90000"/>
+              </a:lnSpc>
+              <a:spcBef>
+                <a:spcPts val="375"/>
+              </a:spcBef>
+              <a:buFont typeface="Arial" panose="020B0604020202020204" pitchFamily="34" charset="0"/>
+              <a:buChar char="•"/>
+              <a:defRPr sz="1350" kern="1200">
+                <a:solidFill>
+                  <a:schemeClr val="tx1"/>
+                </a:solidFill>
+                <a:latin typeface="+mn-lt"/>
+                <a:ea typeface="+mn-ea"/>
+                <a:cs typeface="+mn-cs"/>
+              </a:defRPr>
+            </a:lvl8pPr>
+            <a:lvl9pPr marL="2914650" indent="-171450" algn="l" defTabSz="685800" rtl="0" eaLnBrk="1" latinLnBrk="0" hangingPunct="1">
+              <a:lnSpc>
+                <a:spcPct val="90000"/>
+              </a:lnSpc>
+              <a:spcBef>
+                <a:spcPts val="375"/>
+              </a:spcBef>
+              <a:buFont typeface="Arial" panose="020B0604020202020204" pitchFamily="34" charset="0"/>
+              <a:buChar char="•"/>
+              <a:defRPr sz="1350" kern="1200">
+                <a:solidFill>
+                  <a:schemeClr val="tx1"/>
+                </a:solidFill>
+                <a:latin typeface="+mn-lt"/>
+                <a:ea typeface="+mn-ea"/>
+                <a:cs typeface="+mn-cs"/>
+              </a:defRPr>
+            </a:lvl9pPr>
+          </a:lstStyle>
+          <a:p>
+            <a:pPr lvl="0">
+              <a:lnSpc>
+                <a:spcPct val="250000"/>
+              </a:lnSpc>
+            </a:pPr>
+            <a:r>
+              <a:rPr lang="fr-FR" sz="2000" dirty="0">
+                <a:solidFill>
+                  <a:srgbClr val="004492"/>
+                </a:solidFill>
+                <a:latin typeface="Calibri (Corps)"/>
+              </a:rPr>
+              <a:t>Identifiant entre </a:t>
+            </a:r>
+            <a:r>
+              <a:rPr lang="fr-FR" sz="2000" b="1" dirty="0">
+                <a:solidFill>
+                  <a:srgbClr val="004492"/>
+                </a:solidFill>
+                <a:latin typeface="Calibri (Corps)"/>
+              </a:rPr>
+              <a:t>1</a:t>
+            </a:r>
+            <a:r>
+              <a:rPr lang="fr-FR" sz="2000" dirty="0">
+                <a:solidFill>
+                  <a:srgbClr val="004492"/>
+                </a:solidFill>
+                <a:latin typeface="Calibri (Corps)"/>
+              </a:rPr>
+              <a:t> et </a:t>
+            </a:r>
+            <a:r>
+              <a:rPr lang="fr-FR" sz="2000" b="1" dirty="0">
+                <a:solidFill>
+                  <a:srgbClr val="004492"/>
+                </a:solidFill>
+                <a:latin typeface="Calibri (Corps)"/>
+              </a:rPr>
+              <a:t>49 999</a:t>
+            </a:r>
+            <a:r>
+              <a:rPr lang="fr-FR" sz="2000" dirty="0">
+                <a:solidFill>
+                  <a:srgbClr val="004492"/>
+                </a:solidFill>
+                <a:latin typeface="Calibri (Corps)"/>
+              </a:rPr>
+              <a:t> : </a:t>
+            </a:r>
+            <a:r>
+              <a:rPr lang="fr-FR" sz="2000" b="1" dirty="0">
+                <a:solidFill>
+                  <a:srgbClr val="FF0000"/>
+                </a:solidFill>
+                <a:latin typeface="Calibri (Corps)"/>
+              </a:rPr>
+              <a:t>objets</a:t>
+            </a:r>
+            <a:r>
+              <a:rPr lang="fr-FR" sz="2000" b="1" dirty="0">
+                <a:solidFill>
+                  <a:srgbClr val="004492"/>
+                </a:solidFill>
+                <a:latin typeface="Calibri (Corps)"/>
+              </a:rPr>
+              <a:t> </a:t>
+            </a:r>
+            <a:r>
+              <a:rPr lang="fr-FR" sz="2000" b="1" dirty="0">
+                <a:solidFill>
+                  <a:srgbClr val="FF0000"/>
+                </a:solidFill>
+                <a:latin typeface="Calibri (Corps)"/>
+              </a:rPr>
+              <a:t>standards</a:t>
+            </a:r>
+          </a:p>
+          <a:p>
+            <a:pPr lvl="0">
+              <a:lnSpc>
+                <a:spcPct val="250000"/>
+              </a:lnSpc>
+            </a:pPr>
+            <a:r>
+              <a:rPr lang="fr-FR" sz="2000" dirty="0">
+                <a:solidFill>
+                  <a:srgbClr val="004492"/>
+                </a:solidFill>
+                <a:latin typeface="Calibri (Corps)"/>
+              </a:rPr>
+              <a:t>Identifiant entre </a:t>
+            </a:r>
+            <a:r>
+              <a:rPr lang="fr-FR" sz="2000" b="1" dirty="0">
+                <a:solidFill>
+                  <a:srgbClr val="004492"/>
+                </a:solidFill>
+                <a:latin typeface="Calibri (Corps)"/>
+              </a:rPr>
+              <a:t>50</a:t>
+            </a:r>
+            <a:r>
+              <a:rPr lang="fr-FR" sz="2000" dirty="0">
+                <a:solidFill>
+                  <a:srgbClr val="004492"/>
+                </a:solidFill>
+                <a:latin typeface="Calibri (Corps)"/>
+              </a:rPr>
+              <a:t> </a:t>
+            </a:r>
+            <a:r>
+              <a:rPr lang="fr-FR" sz="2000" b="1" dirty="0">
+                <a:solidFill>
+                  <a:srgbClr val="004492"/>
+                </a:solidFill>
+                <a:latin typeface="Calibri (Corps)"/>
+              </a:rPr>
+              <a:t>000</a:t>
+            </a:r>
+            <a:r>
+              <a:rPr lang="fr-FR" sz="2000" dirty="0">
+                <a:solidFill>
+                  <a:srgbClr val="004492"/>
+                </a:solidFill>
+                <a:latin typeface="Calibri (Corps)"/>
+              </a:rPr>
+              <a:t> et </a:t>
+            </a:r>
+            <a:r>
+              <a:rPr lang="fr-FR" sz="2000" b="1" dirty="0">
+                <a:solidFill>
+                  <a:srgbClr val="004492"/>
+                </a:solidFill>
+                <a:latin typeface="Calibri (Corps)"/>
+              </a:rPr>
+              <a:t>99</a:t>
+            </a:r>
+            <a:r>
+              <a:rPr lang="fr-FR" sz="2000" dirty="0">
+                <a:solidFill>
+                  <a:srgbClr val="004492"/>
+                </a:solidFill>
+                <a:latin typeface="Calibri (Corps)"/>
+              </a:rPr>
+              <a:t> </a:t>
+            </a:r>
+            <a:r>
+              <a:rPr lang="fr-FR" sz="2000" b="1" dirty="0">
+                <a:solidFill>
+                  <a:srgbClr val="004492"/>
+                </a:solidFill>
+                <a:latin typeface="Calibri (Corps)"/>
+              </a:rPr>
+              <a:t>999</a:t>
+            </a:r>
+            <a:r>
+              <a:rPr lang="fr-FR" sz="2000" dirty="0">
+                <a:solidFill>
+                  <a:srgbClr val="004492"/>
+                </a:solidFill>
+                <a:latin typeface="Calibri (Corps)"/>
+              </a:rPr>
+              <a:t> : </a:t>
+            </a:r>
+            <a:r>
+              <a:rPr lang="fr-FR" sz="2000" b="1" dirty="0">
+                <a:solidFill>
+                  <a:srgbClr val="FF0000"/>
+                </a:solidFill>
+                <a:latin typeface="Calibri (Corps)"/>
+              </a:rPr>
+              <a:t>objets</a:t>
+            </a:r>
+            <a:r>
+              <a:rPr lang="fr-FR" sz="2000" b="1" dirty="0">
+                <a:solidFill>
+                  <a:srgbClr val="004492"/>
+                </a:solidFill>
+                <a:latin typeface="Calibri (Corps)"/>
+              </a:rPr>
+              <a:t> </a:t>
+            </a:r>
+            <a:r>
+              <a:rPr lang="fr-FR" sz="2000" b="1" dirty="0">
+                <a:solidFill>
+                  <a:srgbClr val="FF0000"/>
+                </a:solidFill>
+                <a:latin typeface="Calibri (Corps)"/>
+              </a:rPr>
+              <a:t>spécifiques</a:t>
+            </a:r>
+          </a:p>
+          <a:p>
+            <a:pPr lvl="0">
+              <a:lnSpc>
+                <a:spcPct val="250000"/>
+              </a:lnSpc>
+            </a:pPr>
+            <a:r>
+              <a:rPr lang="fr-FR" sz="2000" dirty="0">
+                <a:solidFill>
+                  <a:srgbClr val="004492"/>
+                </a:solidFill>
+                <a:latin typeface="Calibri (Corps)"/>
+              </a:rPr>
+              <a:t>Identifiant entre </a:t>
+            </a:r>
+            <a:r>
+              <a:rPr lang="fr-FR" sz="2000" b="1" dirty="0">
+                <a:solidFill>
+                  <a:srgbClr val="004492"/>
+                </a:solidFill>
+                <a:latin typeface="Calibri (Corps)"/>
+              </a:rPr>
+              <a:t>100</a:t>
+            </a:r>
+            <a:r>
+              <a:rPr lang="fr-FR" sz="2000" dirty="0">
+                <a:solidFill>
+                  <a:srgbClr val="004492"/>
+                </a:solidFill>
+                <a:latin typeface="Calibri (Corps)"/>
+              </a:rPr>
+              <a:t> </a:t>
+            </a:r>
+            <a:r>
+              <a:rPr lang="fr-FR" sz="2000" b="1" dirty="0">
+                <a:solidFill>
+                  <a:srgbClr val="004492"/>
+                </a:solidFill>
+                <a:latin typeface="Calibri (Corps)"/>
+              </a:rPr>
+              <a:t>000</a:t>
+            </a:r>
+            <a:r>
+              <a:rPr lang="fr-FR" sz="2000" dirty="0">
+                <a:solidFill>
+                  <a:srgbClr val="004492"/>
+                </a:solidFill>
+                <a:latin typeface="Calibri (Corps)"/>
+              </a:rPr>
+              <a:t> et </a:t>
+            </a:r>
+            <a:r>
+              <a:rPr lang="fr-FR" sz="2000" b="1" dirty="0">
+                <a:solidFill>
+                  <a:srgbClr val="004492"/>
+                </a:solidFill>
+                <a:latin typeface="Calibri (Corps)"/>
+              </a:rPr>
+              <a:t>999</a:t>
+            </a:r>
+            <a:r>
+              <a:rPr lang="fr-FR" sz="2000" dirty="0">
+                <a:solidFill>
+                  <a:srgbClr val="004492"/>
+                </a:solidFill>
+                <a:latin typeface="Calibri (Corps)"/>
+              </a:rPr>
+              <a:t> </a:t>
+            </a:r>
+            <a:r>
+              <a:rPr lang="fr-FR" sz="2000" b="1" dirty="0">
+                <a:solidFill>
+                  <a:srgbClr val="004492"/>
+                </a:solidFill>
+                <a:latin typeface="Calibri (Corps)"/>
+              </a:rPr>
+              <a:t>999</a:t>
+            </a:r>
+            <a:r>
+              <a:rPr lang="fr-FR" sz="2000" dirty="0">
+                <a:solidFill>
+                  <a:srgbClr val="004492"/>
+                </a:solidFill>
+                <a:latin typeface="Calibri (Corps)"/>
+              </a:rPr>
+              <a:t> </a:t>
+            </a:r>
+            <a:r>
+              <a:rPr lang="fr-FR" sz="2000" b="1" dirty="0">
+                <a:solidFill>
+                  <a:srgbClr val="004492"/>
+                </a:solidFill>
+                <a:latin typeface="Calibri (Corps)"/>
+              </a:rPr>
+              <a:t>999</a:t>
+            </a:r>
+            <a:r>
+              <a:rPr lang="fr-FR" sz="2000" dirty="0">
+                <a:solidFill>
+                  <a:srgbClr val="004492"/>
+                </a:solidFill>
+                <a:latin typeface="Calibri (Corps)"/>
+              </a:rPr>
+              <a:t> : </a:t>
+            </a:r>
+            <a:r>
+              <a:rPr lang="fr-FR" sz="2000" b="1" dirty="0">
+                <a:solidFill>
+                  <a:srgbClr val="FF0000"/>
+                </a:solidFill>
+                <a:latin typeface="Calibri (Corps)"/>
+              </a:rPr>
+              <a:t>objets</a:t>
+            </a:r>
+            <a:r>
+              <a:rPr lang="fr-FR" sz="2000" b="1" dirty="0">
+                <a:solidFill>
+                  <a:srgbClr val="004492"/>
+                </a:solidFill>
+                <a:latin typeface="Calibri (Corps)"/>
+              </a:rPr>
+              <a:t> </a:t>
+            </a:r>
+            <a:r>
+              <a:rPr lang="fr-FR" sz="2000" b="1" dirty="0">
+                <a:solidFill>
+                  <a:srgbClr val="FF0000"/>
+                </a:solidFill>
+                <a:latin typeface="Calibri (Corps)"/>
+              </a:rPr>
+              <a:t>certifiés</a:t>
+            </a:r>
+            <a:endParaRPr lang="fr-FR" sz="2000" b="1" dirty="0">
+              <a:solidFill>
+                <a:srgbClr val="004492"/>
+              </a:solidFill>
+              <a:latin typeface="Calibri (Corps)"/>
+            </a:endParaRPr>
+          </a:p>
+        </p:txBody>
+      </p:sp>
+      <p:sp>
+        <p:nvSpPr>
+          <p:cNvPr id="11" name="Espace réservé du numéro de diapositive 1"/>
+          <p:cNvSpPr>
+            <a:spLocks noGrp="1"/>
+          </p:cNvSpPr>
+          <p:nvPr>
+            <p:ph type="sldNum" sz="quarter" idx="12"/>
+          </p:nvPr>
+        </p:nvSpPr>
+        <p:spPr>
+          <a:xfrm>
+            <a:off x="6603423" y="6255991"/>
+            <a:ext cx="2057400" cy="365125"/>
+          </a:xfrm>
+        </p:spPr>
+        <p:txBody>
+          <a:bodyPr/>
+          <a:lstStyle/>
+          <a:p>
+            <a:r>
+              <a:rPr lang="fr-FR" sz="1800" dirty="0">
+                <a:latin typeface="Eurostile-Roman" pitchFamily="2" charset="0"/>
+              </a:rPr>
+              <a:t>Diapositive </a:t>
+            </a:r>
+            <a:fld id="{0A0AF257-D28F-495E-9E53-3BED59B8AA35}" type="slidenum">
+              <a:rPr lang="fr-FR" sz="1800" smtClean="0">
+                <a:latin typeface="Eurostile-Roman" pitchFamily="2" charset="0"/>
+              </a:rPr>
+              <a:t>16</a:t>
+            </a:fld>
+            <a:endParaRPr lang="fr-FR" sz="1800" dirty="0">
+              <a:latin typeface="Eurostile-Roman" pitchFamily="2" charset="0"/>
+            </a:endParaRPr>
+          </a:p>
+        </p:txBody>
+      </p:sp>
+      <p:sp>
+        <p:nvSpPr>
+          <p:cNvPr id="7" name="Espace réservé du contenu 30"/>
+          <p:cNvSpPr>
+            <a:spLocks noGrp="1"/>
+          </p:cNvSpPr>
+          <p:nvPr>
+            <p:ph idx="1"/>
+          </p:nvPr>
+        </p:nvSpPr>
+        <p:spPr>
+          <a:xfrm>
+            <a:off x="937463" y="1953762"/>
+            <a:ext cx="7886700" cy="1053962"/>
+          </a:xfrm>
+        </p:spPr>
+        <p:txBody>
+          <a:bodyPr>
+            <a:normAutofit/>
+          </a:bodyPr>
+          <a:lstStyle/>
+          <a:p>
+            <a:pPr>
+              <a:lnSpc>
+                <a:spcPct val="150000"/>
+              </a:lnSpc>
+            </a:pPr>
+            <a:r>
+              <a:rPr lang="fr-FR" sz="2200" dirty="0">
+                <a:solidFill>
+                  <a:srgbClr val="004492"/>
+                </a:solidFill>
+                <a:latin typeface="Calibri (Corps)"/>
+              </a:rPr>
+              <a:t>Fonctionnement des objets Dynamics </a:t>
+            </a:r>
+            <a:r>
+              <a:rPr lang="fr-FR" sz="2200" dirty="0" err="1">
+                <a:solidFill>
+                  <a:srgbClr val="004492"/>
+                </a:solidFill>
+                <a:latin typeface="Calibri (Corps)"/>
+              </a:rPr>
+              <a:t>Nav</a:t>
+            </a:r>
+            <a:r>
+              <a:rPr lang="fr-FR" sz="2200" dirty="0">
+                <a:solidFill>
+                  <a:srgbClr val="004492"/>
+                </a:solidFill>
+                <a:latin typeface="Calibri (Corps)"/>
+              </a:rPr>
+              <a:t> :</a:t>
+            </a:r>
+          </a:p>
+        </p:txBody>
+      </p:sp>
+    </p:spTree>
+    <p:extLst>
+      <p:ext uri="{BB962C8B-B14F-4D97-AF65-F5344CB8AC3E}">
+        <p14:creationId xmlns:p14="http://schemas.microsoft.com/office/powerpoint/2010/main" val="2940327227"/>
+      </p:ext>
+    </p:extLst>
+  </p:cSld>
+  <p:clrMapOvr>
+    <a:masterClrMapping/>
+  </p:clrMapOvr>
+</p:sld>
+</file>
+
+<file path=ppt/slides/slide17.xml><?xml version="1.0" encoding="utf-8"?>
+<p:sld xmlns:a="http://schemas.openxmlformats.org/drawingml/2006/main" xmlns:r="http://schemas.openxmlformats.org/officeDocument/2006/relationships" xmlns:p="http://schemas.openxmlformats.org/presentationml/2006/main">
+  <p:cSld>
+    <p:spTree>
+      <p:nvGrpSpPr>
+        <p:cNvPr id="1" name=""/>
+        <p:cNvGrpSpPr/>
+        <p:nvPr/>
+      </p:nvGrpSpPr>
+      <p:grpSpPr>
+        <a:xfrm>
+          <a:off x="0" y="0"/>
+          <a:ext cx="0" cy="0"/>
+          <a:chOff x="0" y="0"/>
+          <a:chExt cx="0" cy="0"/>
+        </a:xfrm>
+      </p:grpSpPr>
+      <p:sp>
+        <p:nvSpPr>
+          <p:cNvPr id="2" name="Titre 1"/>
+          <p:cNvSpPr>
+            <a:spLocks noGrp="1"/>
+          </p:cNvSpPr>
+          <p:nvPr>
+            <p:ph type="title"/>
+          </p:nvPr>
+        </p:nvSpPr>
+        <p:spPr>
+          <a:xfrm>
+            <a:off x="245917" y="0"/>
+            <a:ext cx="6347713" cy="1320800"/>
+          </a:xfrm>
+        </p:spPr>
+        <p:txBody>
+          <a:bodyPr>
+            <a:normAutofit/>
+          </a:bodyPr>
+          <a:lstStyle/>
+          <a:p>
+            <a:r>
+              <a:rPr lang="fr-FR" sz="3500" dirty="0">
+                <a:solidFill>
+                  <a:schemeClr val="bg1"/>
+                </a:solidFill>
+                <a:latin typeface="Eurostile-Roman" pitchFamily="2" charset="0"/>
+              </a:rPr>
+              <a:t>Développement </a:t>
+            </a:r>
+            <a:br>
+              <a:rPr lang="fr-FR" sz="3500" dirty="0">
+                <a:solidFill>
+                  <a:schemeClr val="bg1"/>
+                </a:solidFill>
+                <a:latin typeface="Eurostile-Roman" pitchFamily="2" charset="0"/>
+              </a:rPr>
+            </a:br>
+            <a:r>
+              <a:rPr lang="fr-FR" sz="3500" dirty="0">
+                <a:solidFill>
+                  <a:schemeClr val="bg1"/>
+                </a:solidFill>
+                <a:latin typeface="Eurostile-Roman" pitchFamily="2" charset="0"/>
+              </a:rPr>
+              <a:t>de la solution</a:t>
+            </a:r>
+          </a:p>
+        </p:txBody>
+      </p:sp>
+      <p:sp>
+        <p:nvSpPr>
+          <p:cNvPr id="7" name="Espace réservé du contenu 30"/>
+          <p:cNvSpPr>
+            <a:spLocks noGrp="1"/>
+          </p:cNvSpPr>
+          <p:nvPr>
+            <p:ph idx="1"/>
+          </p:nvPr>
+        </p:nvSpPr>
+        <p:spPr>
+          <a:xfrm>
+            <a:off x="904010" y="1855714"/>
+            <a:ext cx="7886700" cy="1053962"/>
+          </a:xfrm>
+        </p:spPr>
+        <p:txBody>
+          <a:bodyPr>
+            <a:normAutofit/>
+          </a:bodyPr>
+          <a:lstStyle/>
+          <a:p>
+            <a:pPr>
+              <a:lnSpc>
+                <a:spcPct val="150000"/>
+              </a:lnSpc>
+            </a:pPr>
+            <a:r>
+              <a:rPr lang="fr-FR" sz="2200" dirty="0">
+                <a:solidFill>
+                  <a:srgbClr val="004492"/>
+                </a:solidFill>
+                <a:latin typeface="Calibri (Corps)"/>
+              </a:rPr>
+              <a:t>Fonctionnement des objets Dynamics </a:t>
+            </a:r>
+            <a:r>
+              <a:rPr lang="fr-FR" sz="2200" dirty="0" err="1">
+                <a:solidFill>
+                  <a:srgbClr val="004492"/>
+                </a:solidFill>
+                <a:latin typeface="Calibri (Corps)"/>
+              </a:rPr>
+              <a:t>Nav</a:t>
+            </a:r>
+            <a:r>
+              <a:rPr lang="fr-FR" sz="2200" dirty="0">
+                <a:solidFill>
+                  <a:srgbClr val="004492"/>
+                </a:solidFill>
+                <a:latin typeface="Calibri (Corps)"/>
+              </a:rPr>
+              <a:t> :</a:t>
+            </a:r>
+          </a:p>
+        </p:txBody>
+      </p:sp>
+      <p:sp>
+        <p:nvSpPr>
+          <p:cNvPr id="8" name="Espace réservé du contenu 30"/>
+          <p:cNvSpPr txBox="1">
+            <a:spLocks/>
+          </p:cNvSpPr>
+          <p:nvPr/>
+        </p:nvSpPr>
+        <p:spPr>
+          <a:xfrm>
+            <a:off x="1084118" y="2473465"/>
+            <a:ext cx="8059882" cy="1998173"/>
+          </a:xfrm>
+          <a:prstGeom prst="rect">
+            <a:avLst/>
+          </a:prstGeom>
+        </p:spPr>
+        <p:txBody>
+          <a:bodyPr vert="horz" lIns="91440" tIns="45720" rIns="91440" bIns="45720" rtlCol="0">
+            <a:normAutofit/>
+          </a:bodyPr>
+          <a:lstStyle>
+            <a:lvl1pPr marL="171450" indent="-171450" algn="l" defTabSz="685800" rtl="0" eaLnBrk="1" latinLnBrk="0" hangingPunct="1">
+              <a:lnSpc>
+                <a:spcPct val="90000"/>
+              </a:lnSpc>
+              <a:spcBef>
+                <a:spcPts val="750"/>
+              </a:spcBef>
+              <a:buFont typeface="Arial" panose="020B0604020202020204" pitchFamily="34" charset="0"/>
+              <a:buChar char="•"/>
+              <a:defRPr sz="2100" kern="1200">
+                <a:solidFill>
+                  <a:schemeClr val="tx1"/>
+                </a:solidFill>
+                <a:latin typeface="+mn-lt"/>
+                <a:ea typeface="+mn-ea"/>
+                <a:cs typeface="+mn-cs"/>
+              </a:defRPr>
+            </a:lvl1pPr>
+            <a:lvl2pPr marL="514350" indent="-171450" algn="l" defTabSz="685800" rtl="0" eaLnBrk="1" latinLnBrk="0" hangingPunct="1">
+              <a:lnSpc>
+                <a:spcPct val="90000"/>
+              </a:lnSpc>
+              <a:spcBef>
+                <a:spcPts val="375"/>
+              </a:spcBef>
+              <a:buFont typeface="Arial" panose="020B0604020202020204" pitchFamily="34" charset="0"/>
+              <a:buChar char="•"/>
+              <a:defRPr sz="1800" kern="1200">
+                <a:solidFill>
+                  <a:schemeClr val="tx1"/>
+                </a:solidFill>
+                <a:latin typeface="+mn-lt"/>
+                <a:ea typeface="+mn-ea"/>
+                <a:cs typeface="+mn-cs"/>
+              </a:defRPr>
+            </a:lvl2pPr>
+            <a:lvl3pPr marL="857250" indent="-171450" algn="l" defTabSz="685800" rtl="0" eaLnBrk="1" latinLnBrk="0" hangingPunct="1">
+              <a:lnSpc>
+                <a:spcPct val="90000"/>
+              </a:lnSpc>
+              <a:spcBef>
+                <a:spcPts val="375"/>
+              </a:spcBef>
+              <a:buFont typeface="Arial" panose="020B0604020202020204" pitchFamily="34" charset="0"/>
+              <a:buChar char="•"/>
+              <a:defRPr sz="1500" kern="1200">
+                <a:solidFill>
+                  <a:schemeClr val="tx1"/>
+                </a:solidFill>
+                <a:latin typeface="+mn-lt"/>
+                <a:ea typeface="+mn-ea"/>
+                <a:cs typeface="+mn-cs"/>
+              </a:defRPr>
+            </a:lvl3pPr>
+            <a:lvl4pPr marL="1200150" indent="-171450" algn="l" defTabSz="685800" rtl="0" eaLnBrk="1" latinLnBrk="0" hangingPunct="1">
+              <a:lnSpc>
+                <a:spcPct val="90000"/>
+              </a:lnSpc>
+              <a:spcBef>
+                <a:spcPts val="375"/>
+              </a:spcBef>
+              <a:buFont typeface="Arial" panose="020B0604020202020204" pitchFamily="34" charset="0"/>
+              <a:buChar char="•"/>
+              <a:defRPr sz="1350" kern="1200">
+                <a:solidFill>
+                  <a:schemeClr val="tx1"/>
+                </a:solidFill>
+                <a:latin typeface="+mn-lt"/>
+                <a:ea typeface="+mn-ea"/>
+                <a:cs typeface="+mn-cs"/>
+              </a:defRPr>
+            </a:lvl4pPr>
+            <a:lvl5pPr marL="1543050" indent="-171450" algn="l" defTabSz="685800" rtl="0" eaLnBrk="1" latinLnBrk="0" hangingPunct="1">
+              <a:lnSpc>
+                <a:spcPct val="90000"/>
+              </a:lnSpc>
+              <a:spcBef>
+                <a:spcPts val="375"/>
+              </a:spcBef>
+              <a:buFont typeface="Arial" panose="020B0604020202020204" pitchFamily="34" charset="0"/>
+              <a:buChar char="•"/>
+              <a:defRPr sz="1350" kern="1200">
+                <a:solidFill>
+                  <a:schemeClr val="tx1"/>
+                </a:solidFill>
+                <a:latin typeface="+mn-lt"/>
+                <a:ea typeface="+mn-ea"/>
+                <a:cs typeface="+mn-cs"/>
+              </a:defRPr>
+            </a:lvl5pPr>
+            <a:lvl6pPr marL="1885950" indent="-171450" algn="l" defTabSz="685800" rtl="0" eaLnBrk="1" latinLnBrk="0" hangingPunct="1">
+              <a:lnSpc>
+                <a:spcPct val="90000"/>
+              </a:lnSpc>
+              <a:spcBef>
+                <a:spcPts val="375"/>
+              </a:spcBef>
+              <a:buFont typeface="Arial" panose="020B0604020202020204" pitchFamily="34" charset="0"/>
+              <a:buChar char="•"/>
+              <a:defRPr sz="1350" kern="1200">
+                <a:solidFill>
+                  <a:schemeClr val="tx1"/>
+                </a:solidFill>
+                <a:latin typeface="+mn-lt"/>
+                <a:ea typeface="+mn-ea"/>
+                <a:cs typeface="+mn-cs"/>
+              </a:defRPr>
+            </a:lvl6pPr>
+            <a:lvl7pPr marL="2228850" indent="-171450" algn="l" defTabSz="685800" rtl="0" eaLnBrk="1" latinLnBrk="0" hangingPunct="1">
+              <a:lnSpc>
+                <a:spcPct val="90000"/>
+              </a:lnSpc>
+              <a:spcBef>
+                <a:spcPts val="375"/>
+              </a:spcBef>
+              <a:buFont typeface="Arial" panose="020B0604020202020204" pitchFamily="34" charset="0"/>
+              <a:buChar char="•"/>
+              <a:defRPr sz="1350" kern="1200">
+                <a:solidFill>
+                  <a:schemeClr val="tx1"/>
+                </a:solidFill>
+                <a:latin typeface="+mn-lt"/>
+                <a:ea typeface="+mn-ea"/>
+                <a:cs typeface="+mn-cs"/>
+              </a:defRPr>
+            </a:lvl7pPr>
+            <a:lvl8pPr marL="2571750" indent="-171450" algn="l" defTabSz="685800" rtl="0" eaLnBrk="1" latinLnBrk="0" hangingPunct="1">
+              <a:lnSpc>
+                <a:spcPct val="90000"/>
+              </a:lnSpc>
+              <a:spcBef>
+                <a:spcPts val="375"/>
+              </a:spcBef>
+              <a:buFont typeface="Arial" panose="020B0604020202020204" pitchFamily="34" charset="0"/>
+              <a:buChar char="•"/>
+              <a:defRPr sz="1350" kern="1200">
+                <a:solidFill>
+                  <a:schemeClr val="tx1"/>
+                </a:solidFill>
+                <a:latin typeface="+mn-lt"/>
+                <a:ea typeface="+mn-ea"/>
+                <a:cs typeface="+mn-cs"/>
+              </a:defRPr>
+            </a:lvl8pPr>
+            <a:lvl9pPr marL="2914650" indent="-171450" algn="l" defTabSz="685800" rtl="0" eaLnBrk="1" latinLnBrk="0" hangingPunct="1">
+              <a:lnSpc>
+                <a:spcPct val="90000"/>
+              </a:lnSpc>
+              <a:spcBef>
+                <a:spcPts val="375"/>
+              </a:spcBef>
+              <a:buFont typeface="Arial" panose="020B0604020202020204" pitchFamily="34" charset="0"/>
+              <a:buChar char="•"/>
+              <a:defRPr sz="1350" kern="1200">
+                <a:solidFill>
+                  <a:schemeClr val="tx1"/>
+                </a:solidFill>
+                <a:latin typeface="+mn-lt"/>
+                <a:ea typeface="+mn-ea"/>
+                <a:cs typeface="+mn-cs"/>
+              </a:defRPr>
+            </a:lvl9pPr>
+          </a:lstStyle>
+          <a:p>
+            <a:pPr lvl="1">
+              <a:lnSpc>
+                <a:spcPct val="250000"/>
+              </a:lnSpc>
+              <a:buFont typeface="Wingdings" panose="05000000000000000000" pitchFamily="2" charset="2"/>
+              <a:buChar char="§"/>
+            </a:pPr>
+            <a:r>
+              <a:rPr lang="fr-FR" sz="2000" dirty="0">
+                <a:solidFill>
+                  <a:srgbClr val="004492"/>
+                </a:solidFill>
+                <a:latin typeface="Calibri (Corps)"/>
+              </a:rPr>
+              <a:t>Objets très liés entre eux (par l’identifiant)</a:t>
+            </a:r>
+          </a:p>
+          <a:p>
+            <a:pPr lvl="1">
+              <a:lnSpc>
+                <a:spcPct val="250000"/>
+              </a:lnSpc>
+              <a:buFont typeface="Wingdings" panose="05000000000000000000" pitchFamily="2" charset="2"/>
+              <a:buChar char="§"/>
+            </a:pPr>
+            <a:r>
+              <a:rPr lang="fr-FR" sz="2000" dirty="0">
+                <a:solidFill>
+                  <a:srgbClr val="004492"/>
+                </a:solidFill>
+                <a:latin typeface="Calibri (Corps)"/>
+              </a:rPr>
+              <a:t>Renumérotation impossible nativement sans perte de données</a:t>
+            </a:r>
+          </a:p>
+          <a:p>
+            <a:pPr lvl="1">
+              <a:lnSpc>
+                <a:spcPct val="250000"/>
+              </a:lnSpc>
+              <a:buFont typeface="Wingdings" panose="05000000000000000000" pitchFamily="2" charset="2"/>
+              <a:buChar char="§"/>
+            </a:pPr>
+            <a:endParaRPr lang="fr-FR" sz="2000" dirty="0">
+              <a:solidFill>
+                <a:srgbClr val="004492"/>
+              </a:solidFill>
+              <a:latin typeface="Calibri (Corps)"/>
+            </a:endParaRPr>
+          </a:p>
+          <a:p>
+            <a:pPr lvl="1">
+              <a:lnSpc>
+                <a:spcPct val="250000"/>
+              </a:lnSpc>
+            </a:pPr>
+            <a:endParaRPr lang="fr-FR" sz="2000" dirty="0">
+              <a:solidFill>
+                <a:srgbClr val="004492"/>
+              </a:solidFill>
+              <a:latin typeface="Calibri (Corps)"/>
+            </a:endParaRPr>
+          </a:p>
+        </p:txBody>
+      </p:sp>
+      <p:sp>
+        <p:nvSpPr>
+          <p:cNvPr id="11" name="Espace réservé du numéro de diapositive 1"/>
+          <p:cNvSpPr>
+            <a:spLocks noGrp="1"/>
+          </p:cNvSpPr>
+          <p:nvPr>
+            <p:ph type="sldNum" sz="quarter" idx="12"/>
+          </p:nvPr>
+        </p:nvSpPr>
+        <p:spPr>
+          <a:xfrm>
+            <a:off x="6603423" y="6255991"/>
+            <a:ext cx="2057400" cy="365125"/>
+          </a:xfrm>
+        </p:spPr>
+        <p:txBody>
+          <a:bodyPr/>
+          <a:lstStyle/>
+          <a:p>
+            <a:r>
+              <a:rPr lang="fr-FR" sz="1800" dirty="0">
+                <a:latin typeface="Eurostile-Roman" pitchFamily="2" charset="0"/>
+              </a:rPr>
+              <a:t>Diapositive </a:t>
+            </a:r>
+            <a:fld id="{0A0AF257-D28F-495E-9E53-3BED59B8AA35}" type="slidenum">
+              <a:rPr lang="fr-FR" sz="1800" smtClean="0">
+                <a:latin typeface="Eurostile-Roman" pitchFamily="2" charset="0"/>
+              </a:rPr>
+              <a:t>17</a:t>
+            </a:fld>
+            <a:endParaRPr lang="fr-FR" sz="1800" dirty="0">
+              <a:latin typeface="Eurostile-Roman" pitchFamily="2" charset="0"/>
+            </a:endParaRPr>
+          </a:p>
+        </p:txBody>
+      </p:sp>
+      <p:sp>
+        <p:nvSpPr>
+          <p:cNvPr id="6" name="Espace réservé du contenu 30"/>
+          <p:cNvSpPr txBox="1">
+            <a:spLocks/>
+          </p:cNvSpPr>
+          <p:nvPr/>
+        </p:nvSpPr>
+        <p:spPr>
+          <a:xfrm>
+            <a:off x="730828" y="4360126"/>
+            <a:ext cx="8059882" cy="1998173"/>
+          </a:xfrm>
+          <a:prstGeom prst="rect">
+            <a:avLst/>
+          </a:prstGeom>
+        </p:spPr>
+        <p:txBody>
+          <a:bodyPr vert="horz" lIns="91440" tIns="45720" rIns="91440" bIns="45720" rtlCol="0">
+            <a:normAutofit/>
+          </a:bodyPr>
+          <a:lstStyle>
+            <a:lvl1pPr marL="171450" indent="-171450" algn="l" defTabSz="685800" rtl="0" eaLnBrk="1" latinLnBrk="0" hangingPunct="1">
+              <a:lnSpc>
+                <a:spcPct val="90000"/>
+              </a:lnSpc>
+              <a:spcBef>
+                <a:spcPts val="750"/>
+              </a:spcBef>
+              <a:buFont typeface="Arial" panose="020B0604020202020204" pitchFamily="34" charset="0"/>
+              <a:buChar char="•"/>
+              <a:defRPr sz="2100" kern="1200">
+                <a:solidFill>
+                  <a:schemeClr val="tx1"/>
+                </a:solidFill>
+                <a:latin typeface="+mn-lt"/>
+                <a:ea typeface="+mn-ea"/>
+                <a:cs typeface="+mn-cs"/>
+              </a:defRPr>
+            </a:lvl1pPr>
+            <a:lvl2pPr marL="514350" indent="-171450" algn="l" defTabSz="685800" rtl="0" eaLnBrk="1" latinLnBrk="0" hangingPunct="1">
+              <a:lnSpc>
+                <a:spcPct val="90000"/>
+              </a:lnSpc>
+              <a:spcBef>
+                <a:spcPts val="375"/>
+              </a:spcBef>
+              <a:buFont typeface="Arial" panose="020B0604020202020204" pitchFamily="34" charset="0"/>
+              <a:buChar char="•"/>
+              <a:defRPr sz="1800" kern="1200">
+                <a:solidFill>
+                  <a:schemeClr val="tx1"/>
+                </a:solidFill>
+                <a:latin typeface="+mn-lt"/>
+                <a:ea typeface="+mn-ea"/>
+                <a:cs typeface="+mn-cs"/>
+              </a:defRPr>
+            </a:lvl2pPr>
+            <a:lvl3pPr marL="857250" indent="-171450" algn="l" defTabSz="685800" rtl="0" eaLnBrk="1" latinLnBrk="0" hangingPunct="1">
+              <a:lnSpc>
+                <a:spcPct val="90000"/>
+              </a:lnSpc>
+              <a:spcBef>
+                <a:spcPts val="375"/>
+              </a:spcBef>
+              <a:buFont typeface="Arial" panose="020B0604020202020204" pitchFamily="34" charset="0"/>
+              <a:buChar char="•"/>
+              <a:defRPr sz="1500" kern="1200">
+                <a:solidFill>
+                  <a:schemeClr val="tx1"/>
+                </a:solidFill>
+                <a:latin typeface="+mn-lt"/>
+                <a:ea typeface="+mn-ea"/>
+                <a:cs typeface="+mn-cs"/>
+              </a:defRPr>
+            </a:lvl3pPr>
+            <a:lvl4pPr marL="1200150" indent="-171450" algn="l" defTabSz="685800" rtl="0" eaLnBrk="1" latinLnBrk="0" hangingPunct="1">
+              <a:lnSpc>
+                <a:spcPct val="90000"/>
+              </a:lnSpc>
+              <a:spcBef>
+                <a:spcPts val="375"/>
+              </a:spcBef>
+              <a:buFont typeface="Arial" panose="020B0604020202020204" pitchFamily="34" charset="0"/>
+              <a:buChar char="•"/>
+              <a:defRPr sz="1350" kern="1200">
+                <a:solidFill>
+                  <a:schemeClr val="tx1"/>
+                </a:solidFill>
+                <a:latin typeface="+mn-lt"/>
+                <a:ea typeface="+mn-ea"/>
+                <a:cs typeface="+mn-cs"/>
+              </a:defRPr>
+            </a:lvl4pPr>
+            <a:lvl5pPr marL="1543050" indent="-171450" algn="l" defTabSz="685800" rtl="0" eaLnBrk="1" latinLnBrk="0" hangingPunct="1">
+              <a:lnSpc>
+                <a:spcPct val="90000"/>
+              </a:lnSpc>
+              <a:spcBef>
+                <a:spcPts val="375"/>
+              </a:spcBef>
+              <a:buFont typeface="Arial" panose="020B0604020202020204" pitchFamily="34" charset="0"/>
+              <a:buChar char="•"/>
+              <a:defRPr sz="1350" kern="1200">
+                <a:solidFill>
+                  <a:schemeClr val="tx1"/>
+                </a:solidFill>
+                <a:latin typeface="+mn-lt"/>
+                <a:ea typeface="+mn-ea"/>
+                <a:cs typeface="+mn-cs"/>
+              </a:defRPr>
+            </a:lvl5pPr>
+            <a:lvl6pPr marL="1885950" indent="-171450" algn="l" defTabSz="685800" rtl="0" eaLnBrk="1" latinLnBrk="0" hangingPunct="1">
+              <a:lnSpc>
+                <a:spcPct val="90000"/>
+              </a:lnSpc>
+              <a:spcBef>
+                <a:spcPts val="375"/>
+              </a:spcBef>
+              <a:buFont typeface="Arial" panose="020B0604020202020204" pitchFamily="34" charset="0"/>
+              <a:buChar char="•"/>
+              <a:defRPr sz="1350" kern="1200">
+                <a:solidFill>
+                  <a:schemeClr val="tx1"/>
+                </a:solidFill>
+                <a:latin typeface="+mn-lt"/>
+                <a:ea typeface="+mn-ea"/>
+                <a:cs typeface="+mn-cs"/>
+              </a:defRPr>
+            </a:lvl6pPr>
+            <a:lvl7pPr marL="2228850" indent="-171450" algn="l" defTabSz="685800" rtl="0" eaLnBrk="1" latinLnBrk="0" hangingPunct="1">
+              <a:lnSpc>
+                <a:spcPct val="90000"/>
+              </a:lnSpc>
+              <a:spcBef>
+                <a:spcPts val="375"/>
+              </a:spcBef>
+              <a:buFont typeface="Arial" panose="020B0604020202020204" pitchFamily="34" charset="0"/>
+              <a:buChar char="•"/>
+              <a:defRPr sz="1350" kern="1200">
+                <a:solidFill>
+                  <a:schemeClr val="tx1"/>
+                </a:solidFill>
+                <a:latin typeface="+mn-lt"/>
+                <a:ea typeface="+mn-ea"/>
+                <a:cs typeface="+mn-cs"/>
+              </a:defRPr>
+            </a:lvl7pPr>
+            <a:lvl8pPr marL="2571750" indent="-171450" algn="l" defTabSz="685800" rtl="0" eaLnBrk="1" latinLnBrk="0" hangingPunct="1">
+              <a:lnSpc>
+                <a:spcPct val="90000"/>
+              </a:lnSpc>
+              <a:spcBef>
+                <a:spcPts val="375"/>
+              </a:spcBef>
+              <a:buFont typeface="Arial" panose="020B0604020202020204" pitchFamily="34" charset="0"/>
+              <a:buChar char="•"/>
+              <a:defRPr sz="1350" kern="1200">
+                <a:solidFill>
+                  <a:schemeClr val="tx1"/>
+                </a:solidFill>
+                <a:latin typeface="+mn-lt"/>
+                <a:ea typeface="+mn-ea"/>
+                <a:cs typeface="+mn-cs"/>
+              </a:defRPr>
+            </a:lvl8pPr>
+            <a:lvl9pPr marL="2914650" indent="-171450" algn="l" defTabSz="685800" rtl="0" eaLnBrk="1" latinLnBrk="0" hangingPunct="1">
+              <a:lnSpc>
+                <a:spcPct val="90000"/>
+              </a:lnSpc>
+              <a:spcBef>
+                <a:spcPts val="375"/>
+              </a:spcBef>
+              <a:buFont typeface="Arial" panose="020B0604020202020204" pitchFamily="34" charset="0"/>
+              <a:buChar char="•"/>
+              <a:defRPr sz="1350" kern="1200">
+                <a:solidFill>
+                  <a:schemeClr val="tx1"/>
+                </a:solidFill>
+                <a:latin typeface="+mn-lt"/>
+                <a:ea typeface="+mn-ea"/>
+                <a:cs typeface="+mn-cs"/>
+              </a:defRPr>
+            </a:lvl9pPr>
+          </a:lstStyle>
+          <a:p>
+            <a:pPr marL="342900" lvl="1" indent="0">
+              <a:lnSpc>
+                <a:spcPct val="250000"/>
+              </a:lnSpc>
+              <a:buNone/>
+            </a:pPr>
+            <a:r>
+              <a:rPr lang="fr-FR" sz="2000" b="1" dirty="0">
+                <a:solidFill>
+                  <a:srgbClr val="FF0000"/>
+                </a:solidFill>
+                <a:latin typeface="Calibri (Corps)"/>
+              </a:rPr>
+              <a:t>Problématique : </a:t>
+            </a:r>
+            <a:r>
+              <a:rPr lang="fr-FR" sz="2000" b="1" dirty="0">
+                <a:solidFill>
+                  <a:srgbClr val="004492"/>
+                </a:solidFill>
+                <a:latin typeface="Calibri (Corps)"/>
+              </a:rPr>
+              <a:t>migrer objets et champs spécifiques dans la plage certifiée.</a:t>
+            </a:r>
+          </a:p>
+        </p:txBody>
+      </p:sp>
+    </p:spTree>
+    <p:extLst>
+      <p:ext uri="{BB962C8B-B14F-4D97-AF65-F5344CB8AC3E}">
+        <p14:creationId xmlns:p14="http://schemas.microsoft.com/office/powerpoint/2010/main" val="1362145608"/>
+      </p:ext>
+    </p:extLst>
+  </p:cSld>
+  <p:clrMapOvr>
+    <a:masterClrMapping/>
+  </p:clrMapOvr>
+</p:sld>
+</file>
+
+<file path=ppt/slides/slide18.xml><?xml version="1.0" encoding="utf-8"?>
+<p:sld xmlns:a="http://schemas.openxmlformats.org/drawingml/2006/main" xmlns:r="http://schemas.openxmlformats.org/officeDocument/2006/relationships" xmlns:p="http://schemas.openxmlformats.org/presentationml/2006/main">
+  <p:cSld>
+    <p:spTree>
+      <p:nvGrpSpPr>
+        <p:cNvPr id="1" name=""/>
+        <p:cNvGrpSpPr/>
+        <p:nvPr/>
+      </p:nvGrpSpPr>
+      <p:grpSpPr>
+        <a:xfrm>
+          <a:off x="0" y="0"/>
+          <a:ext cx="0" cy="0"/>
+          <a:chOff x="0" y="0"/>
+          <a:chExt cx="0" cy="0"/>
+        </a:xfrm>
+      </p:grpSpPr>
+      <p:sp>
+        <p:nvSpPr>
+          <p:cNvPr id="2" name="Titre 1"/>
+          <p:cNvSpPr>
+            <a:spLocks noGrp="1"/>
+          </p:cNvSpPr>
+          <p:nvPr>
+            <p:ph type="title"/>
+          </p:nvPr>
+        </p:nvSpPr>
+        <p:spPr>
+          <a:xfrm>
+            <a:off x="245917" y="0"/>
+            <a:ext cx="6347713" cy="1320800"/>
+          </a:xfrm>
+        </p:spPr>
+        <p:txBody>
+          <a:bodyPr>
+            <a:normAutofit/>
+          </a:bodyPr>
+          <a:lstStyle/>
+          <a:p>
+            <a:r>
+              <a:rPr lang="fr-FR" sz="3500" dirty="0">
+                <a:solidFill>
+                  <a:schemeClr val="bg1"/>
+                </a:solidFill>
+                <a:latin typeface="Eurostile-Roman" pitchFamily="2" charset="0"/>
+              </a:rPr>
+              <a:t>Développement </a:t>
+            </a:r>
+            <a:br>
+              <a:rPr lang="fr-FR" sz="3500" dirty="0">
+                <a:solidFill>
+                  <a:schemeClr val="bg1"/>
+                </a:solidFill>
+                <a:latin typeface="Eurostile-Roman" pitchFamily="2" charset="0"/>
+              </a:rPr>
+            </a:br>
+            <a:r>
+              <a:rPr lang="fr-FR" sz="3500" dirty="0">
+                <a:solidFill>
+                  <a:schemeClr val="bg1"/>
+                </a:solidFill>
+                <a:latin typeface="Eurostile-Roman" pitchFamily="2" charset="0"/>
+              </a:rPr>
+              <a:t>de la solution</a:t>
+            </a:r>
+          </a:p>
+        </p:txBody>
+      </p:sp>
+      <p:sp>
+        <p:nvSpPr>
+          <p:cNvPr id="7" name="Espace réservé du contenu 30"/>
+          <p:cNvSpPr>
+            <a:spLocks noGrp="1"/>
+          </p:cNvSpPr>
+          <p:nvPr>
+            <p:ph idx="1"/>
+          </p:nvPr>
+        </p:nvSpPr>
+        <p:spPr>
+          <a:xfrm>
+            <a:off x="904010" y="2238847"/>
+            <a:ext cx="7886700" cy="1053962"/>
+          </a:xfrm>
+        </p:spPr>
+        <p:txBody>
+          <a:bodyPr>
+            <a:normAutofit/>
+          </a:bodyPr>
+          <a:lstStyle/>
+          <a:p>
+            <a:pPr>
+              <a:lnSpc>
+                <a:spcPct val="150000"/>
+              </a:lnSpc>
+            </a:pPr>
+            <a:r>
+              <a:rPr lang="fr-FR" sz="2200" dirty="0">
+                <a:solidFill>
+                  <a:srgbClr val="004492"/>
+                </a:solidFill>
+                <a:latin typeface="Calibri (Corps)"/>
+              </a:rPr>
+              <a:t>Outils de renumérotations :</a:t>
+            </a:r>
+          </a:p>
+        </p:txBody>
+      </p:sp>
+      <p:sp>
+        <p:nvSpPr>
+          <p:cNvPr id="8" name="Espace réservé du contenu 30"/>
+          <p:cNvSpPr txBox="1">
+            <a:spLocks/>
+          </p:cNvSpPr>
+          <p:nvPr/>
+        </p:nvSpPr>
+        <p:spPr>
+          <a:xfrm>
+            <a:off x="1084118" y="2745086"/>
+            <a:ext cx="8059882" cy="1998173"/>
+          </a:xfrm>
+          <a:prstGeom prst="rect">
+            <a:avLst/>
+          </a:prstGeom>
+        </p:spPr>
+        <p:txBody>
+          <a:bodyPr vert="horz" lIns="91440" tIns="45720" rIns="91440" bIns="45720" rtlCol="0">
+            <a:normAutofit/>
+          </a:bodyPr>
+          <a:lstStyle>
+            <a:lvl1pPr marL="171450" indent="-171450" algn="l" defTabSz="685800" rtl="0" eaLnBrk="1" latinLnBrk="0" hangingPunct="1">
+              <a:lnSpc>
+                <a:spcPct val="90000"/>
+              </a:lnSpc>
+              <a:spcBef>
+                <a:spcPts val="750"/>
+              </a:spcBef>
+              <a:buFont typeface="Arial" panose="020B0604020202020204" pitchFamily="34" charset="0"/>
+              <a:buChar char="•"/>
+              <a:defRPr sz="2100" kern="1200">
+                <a:solidFill>
+                  <a:schemeClr val="tx1"/>
+                </a:solidFill>
+                <a:latin typeface="+mn-lt"/>
+                <a:ea typeface="+mn-ea"/>
+                <a:cs typeface="+mn-cs"/>
+              </a:defRPr>
+            </a:lvl1pPr>
+            <a:lvl2pPr marL="514350" indent="-171450" algn="l" defTabSz="685800" rtl="0" eaLnBrk="1" latinLnBrk="0" hangingPunct="1">
+              <a:lnSpc>
+                <a:spcPct val="90000"/>
+              </a:lnSpc>
+              <a:spcBef>
+                <a:spcPts val="375"/>
+              </a:spcBef>
+              <a:buFont typeface="Arial" panose="020B0604020202020204" pitchFamily="34" charset="0"/>
+              <a:buChar char="•"/>
+              <a:defRPr sz="1800" kern="1200">
+                <a:solidFill>
+                  <a:schemeClr val="tx1"/>
+                </a:solidFill>
+                <a:latin typeface="+mn-lt"/>
+                <a:ea typeface="+mn-ea"/>
+                <a:cs typeface="+mn-cs"/>
+              </a:defRPr>
+            </a:lvl2pPr>
+            <a:lvl3pPr marL="857250" indent="-171450" algn="l" defTabSz="685800" rtl="0" eaLnBrk="1" latinLnBrk="0" hangingPunct="1">
+              <a:lnSpc>
+                <a:spcPct val="90000"/>
+              </a:lnSpc>
+              <a:spcBef>
+                <a:spcPts val="375"/>
+              </a:spcBef>
+              <a:buFont typeface="Arial" panose="020B0604020202020204" pitchFamily="34" charset="0"/>
+              <a:buChar char="•"/>
+              <a:defRPr sz="1500" kern="1200">
+                <a:solidFill>
+                  <a:schemeClr val="tx1"/>
+                </a:solidFill>
+                <a:latin typeface="+mn-lt"/>
+                <a:ea typeface="+mn-ea"/>
+                <a:cs typeface="+mn-cs"/>
+              </a:defRPr>
+            </a:lvl3pPr>
+            <a:lvl4pPr marL="1200150" indent="-171450" algn="l" defTabSz="685800" rtl="0" eaLnBrk="1" latinLnBrk="0" hangingPunct="1">
+              <a:lnSpc>
+                <a:spcPct val="90000"/>
+              </a:lnSpc>
+              <a:spcBef>
+                <a:spcPts val="375"/>
+              </a:spcBef>
+              <a:buFont typeface="Arial" panose="020B0604020202020204" pitchFamily="34" charset="0"/>
+              <a:buChar char="•"/>
+              <a:defRPr sz="1350" kern="1200">
+                <a:solidFill>
+                  <a:schemeClr val="tx1"/>
+                </a:solidFill>
+                <a:latin typeface="+mn-lt"/>
+                <a:ea typeface="+mn-ea"/>
+                <a:cs typeface="+mn-cs"/>
+              </a:defRPr>
+            </a:lvl4pPr>
+            <a:lvl5pPr marL="1543050" indent="-171450" algn="l" defTabSz="685800" rtl="0" eaLnBrk="1" latinLnBrk="0" hangingPunct="1">
+              <a:lnSpc>
+                <a:spcPct val="90000"/>
+              </a:lnSpc>
+              <a:spcBef>
+                <a:spcPts val="375"/>
+              </a:spcBef>
+              <a:buFont typeface="Arial" panose="020B0604020202020204" pitchFamily="34" charset="0"/>
+              <a:buChar char="•"/>
+              <a:defRPr sz="1350" kern="1200">
+                <a:solidFill>
+                  <a:schemeClr val="tx1"/>
+                </a:solidFill>
+                <a:latin typeface="+mn-lt"/>
+                <a:ea typeface="+mn-ea"/>
+                <a:cs typeface="+mn-cs"/>
+              </a:defRPr>
+            </a:lvl5pPr>
+            <a:lvl6pPr marL="1885950" indent="-171450" algn="l" defTabSz="685800" rtl="0" eaLnBrk="1" latinLnBrk="0" hangingPunct="1">
+              <a:lnSpc>
+                <a:spcPct val="90000"/>
+              </a:lnSpc>
+              <a:spcBef>
+                <a:spcPts val="375"/>
+              </a:spcBef>
+              <a:buFont typeface="Arial" panose="020B0604020202020204" pitchFamily="34" charset="0"/>
+              <a:buChar char="•"/>
+              <a:defRPr sz="1350" kern="1200">
+                <a:solidFill>
+                  <a:schemeClr val="tx1"/>
+                </a:solidFill>
+                <a:latin typeface="+mn-lt"/>
+                <a:ea typeface="+mn-ea"/>
+                <a:cs typeface="+mn-cs"/>
+              </a:defRPr>
+            </a:lvl6pPr>
+            <a:lvl7pPr marL="2228850" indent="-171450" algn="l" defTabSz="685800" rtl="0" eaLnBrk="1" latinLnBrk="0" hangingPunct="1">
+              <a:lnSpc>
+                <a:spcPct val="90000"/>
+              </a:lnSpc>
+              <a:spcBef>
+                <a:spcPts val="375"/>
+              </a:spcBef>
+              <a:buFont typeface="Arial" panose="020B0604020202020204" pitchFamily="34" charset="0"/>
+              <a:buChar char="•"/>
+              <a:defRPr sz="1350" kern="1200">
+                <a:solidFill>
+                  <a:schemeClr val="tx1"/>
+                </a:solidFill>
+                <a:latin typeface="+mn-lt"/>
+                <a:ea typeface="+mn-ea"/>
+                <a:cs typeface="+mn-cs"/>
+              </a:defRPr>
+            </a:lvl7pPr>
+            <a:lvl8pPr marL="2571750" indent="-171450" algn="l" defTabSz="685800" rtl="0" eaLnBrk="1" latinLnBrk="0" hangingPunct="1">
+              <a:lnSpc>
+                <a:spcPct val="90000"/>
+              </a:lnSpc>
+              <a:spcBef>
+                <a:spcPts val="375"/>
+              </a:spcBef>
+              <a:buFont typeface="Arial" panose="020B0604020202020204" pitchFamily="34" charset="0"/>
+              <a:buChar char="•"/>
+              <a:defRPr sz="1350" kern="1200">
+                <a:solidFill>
+                  <a:schemeClr val="tx1"/>
+                </a:solidFill>
+                <a:latin typeface="+mn-lt"/>
+                <a:ea typeface="+mn-ea"/>
+                <a:cs typeface="+mn-cs"/>
+              </a:defRPr>
+            </a:lvl8pPr>
+            <a:lvl9pPr marL="2914650" indent="-171450" algn="l" defTabSz="685800" rtl="0" eaLnBrk="1" latinLnBrk="0" hangingPunct="1">
+              <a:lnSpc>
+                <a:spcPct val="90000"/>
+              </a:lnSpc>
+              <a:spcBef>
+                <a:spcPts val="375"/>
+              </a:spcBef>
+              <a:buFont typeface="Arial" panose="020B0604020202020204" pitchFamily="34" charset="0"/>
+              <a:buChar char="•"/>
+              <a:defRPr sz="1350" kern="1200">
+                <a:solidFill>
+                  <a:schemeClr val="tx1"/>
+                </a:solidFill>
+                <a:latin typeface="+mn-lt"/>
+                <a:ea typeface="+mn-ea"/>
+                <a:cs typeface="+mn-cs"/>
+              </a:defRPr>
+            </a:lvl9pPr>
+          </a:lstStyle>
+          <a:p>
+            <a:pPr lvl="1">
+              <a:lnSpc>
+                <a:spcPct val="250000"/>
+              </a:lnSpc>
+              <a:buFont typeface="Wingdings" panose="05000000000000000000" pitchFamily="2" charset="2"/>
+              <a:buChar char="§"/>
+            </a:pPr>
+            <a:r>
+              <a:rPr lang="fr-FR" sz="2000" dirty="0">
+                <a:solidFill>
+                  <a:srgbClr val="004492"/>
+                </a:solidFill>
+                <a:latin typeface="Calibri (Corps)"/>
+              </a:rPr>
+              <a:t>Outils externes trop complexes / couteux</a:t>
+            </a:r>
+          </a:p>
+          <a:p>
+            <a:pPr lvl="1">
+              <a:lnSpc>
+                <a:spcPct val="250000"/>
+              </a:lnSpc>
+              <a:buFont typeface="Wingdings" panose="05000000000000000000" pitchFamily="2" charset="2"/>
+              <a:buChar char="§"/>
+            </a:pPr>
+            <a:endParaRPr lang="fr-FR" sz="2000" dirty="0">
+              <a:solidFill>
+                <a:srgbClr val="004492"/>
+              </a:solidFill>
+              <a:latin typeface="Calibri (Corps)"/>
+            </a:endParaRPr>
+          </a:p>
+          <a:p>
+            <a:pPr lvl="1">
+              <a:lnSpc>
+                <a:spcPct val="250000"/>
+              </a:lnSpc>
+              <a:buFont typeface="Wingdings" panose="05000000000000000000" pitchFamily="2" charset="2"/>
+              <a:buChar char="§"/>
+            </a:pPr>
+            <a:endParaRPr lang="fr-FR" sz="2000" dirty="0">
+              <a:solidFill>
+                <a:srgbClr val="004492"/>
+              </a:solidFill>
+              <a:latin typeface="Calibri (Corps)"/>
+            </a:endParaRPr>
+          </a:p>
+          <a:p>
+            <a:pPr lvl="1">
+              <a:lnSpc>
+                <a:spcPct val="250000"/>
+              </a:lnSpc>
+            </a:pPr>
+            <a:endParaRPr lang="fr-FR" sz="2000" dirty="0">
+              <a:solidFill>
+                <a:srgbClr val="004492"/>
+              </a:solidFill>
+              <a:latin typeface="Calibri (Corps)"/>
+            </a:endParaRPr>
+          </a:p>
+        </p:txBody>
+      </p:sp>
+      <p:sp>
+        <p:nvSpPr>
+          <p:cNvPr id="11" name="Espace réservé du numéro de diapositive 1"/>
+          <p:cNvSpPr>
+            <a:spLocks noGrp="1"/>
+          </p:cNvSpPr>
+          <p:nvPr>
+            <p:ph type="sldNum" sz="quarter" idx="12"/>
+          </p:nvPr>
+        </p:nvSpPr>
+        <p:spPr>
+          <a:xfrm>
+            <a:off x="6603423" y="6255991"/>
+            <a:ext cx="2057400" cy="365125"/>
+          </a:xfrm>
+        </p:spPr>
+        <p:txBody>
+          <a:bodyPr/>
+          <a:lstStyle/>
+          <a:p>
+            <a:r>
+              <a:rPr lang="fr-FR" sz="1800" dirty="0">
+                <a:latin typeface="Eurostile-Roman" pitchFamily="2" charset="0"/>
+              </a:rPr>
+              <a:t>Diapositive </a:t>
+            </a:r>
+            <a:fld id="{0A0AF257-D28F-495E-9E53-3BED59B8AA35}" type="slidenum">
+              <a:rPr lang="fr-FR" sz="1800" smtClean="0">
+                <a:latin typeface="Eurostile-Roman" pitchFamily="2" charset="0"/>
+              </a:rPr>
+              <a:t>18</a:t>
+            </a:fld>
+            <a:endParaRPr lang="fr-FR" sz="1800" dirty="0">
+              <a:latin typeface="Eurostile-Roman" pitchFamily="2" charset="0"/>
+            </a:endParaRPr>
+          </a:p>
+        </p:txBody>
+      </p:sp>
+      <p:sp>
+        <p:nvSpPr>
+          <p:cNvPr id="9" name="Espace réservé du contenu 30"/>
+          <p:cNvSpPr txBox="1">
+            <a:spLocks/>
+          </p:cNvSpPr>
+          <p:nvPr/>
+        </p:nvSpPr>
+        <p:spPr>
+          <a:xfrm>
+            <a:off x="904010" y="4171580"/>
+            <a:ext cx="7886700" cy="1053962"/>
+          </a:xfrm>
+          <a:prstGeom prst="rect">
+            <a:avLst/>
+          </a:prstGeom>
+        </p:spPr>
+        <p:txBody>
+          <a:bodyPr vert="horz" lIns="91440" tIns="45720" rIns="91440" bIns="45720" rtlCol="0">
+            <a:normAutofit/>
+          </a:bodyPr>
+          <a:lstStyle>
+            <a:lvl1pPr marL="171450" indent="-171450" algn="l" defTabSz="685800" rtl="0" eaLnBrk="1" latinLnBrk="0" hangingPunct="1">
+              <a:lnSpc>
+                <a:spcPct val="90000"/>
+              </a:lnSpc>
+              <a:spcBef>
+                <a:spcPts val="750"/>
+              </a:spcBef>
+              <a:buFont typeface="Arial" panose="020B0604020202020204" pitchFamily="34" charset="0"/>
+              <a:buChar char="•"/>
+              <a:defRPr sz="2100" kern="1200">
+                <a:solidFill>
+                  <a:schemeClr val="tx1"/>
+                </a:solidFill>
+                <a:latin typeface="+mn-lt"/>
+                <a:ea typeface="+mn-ea"/>
+                <a:cs typeface="+mn-cs"/>
+              </a:defRPr>
+            </a:lvl1pPr>
+            <a:lvl2pPr marL="514350" indent="-171450" algn="l" defTabSz="685800" rtl="0" eaLnBrk="1" latinLnBrk="0" hangingPunct="1">
+              <a:lnSpc>
+                <a:spcPct val="90000"/>
+              </a:lnSpc>
+              <a:spcBef>
+                <a:spcPts val="375"/>
+              </a:spcBef>
+              <a:buFont typeface="Arial" panose="020B0604020202020204" pitchFamily="34" charset="0"/>
+              <a:buChar char="•"/>
+              <a:defRPr sz="1800" kern="1200">
+                <a:solidFill>
+                  <a:schemeClr val="tx1"/>
+                </a:solidFill>
+                <a:latin typeface="+mn-lt"/>
+                <a:ea typeface="+mn-ea"/>
+                <a:cs typeface="+mn-cs"/>
+              </a:defRPr>
+            </a:lvl2pPr>
+            <a:lvl3pPr marL="857250" indent="-171450" algn="l" defTabSz="685800" rtl="0" eaLnBrk="1" latinLnBrk="0" hangingPunct="1">
+              <a:lnSpc>
+                <a:spcPct val="90000"/>
+              </a:lnSpc>
+              <a:spcBef>
+                <a:spcPts val="375"/>
+              </a:spcBef>
+              <a:buFont typeface="Arial" panose="020B0604020202020204" pitchFamily="34" charset="0"/>
+              <a:buChar char="•"/>
+              <a:defRPr sz="1500" kern="1200">
+                <a:solidFill>
+                  <a:schemeClr val="tx1"/>
+                </a:solidFill>
+                <a:latin typeface="+mn-lt"/>
+                <a:ea typeface="+mn-ea"/>
+                <a:cs typeface="+mn-cs"/>
+              </a:defRPr>
+            </a:lvl3pPr>
+            <a:lvl4pPr marL="1200150" indent="-171450" algn="l" defTabSz="685800" rtl="0" eaLnBrk="1" latinLnBrk="0" hangingPunct="1">
+              <a:lnSpc>
+                <a:spcPct val="90000"/>
+              </a:lnSpc>
+              <a:spcBef>
+                <a:spcPts val="375"/>
+              </a:spcBef>
+              <a:buFont typeface="Arial" panose="020B0604020202020204" pitchFamily="34" charset="0"/>
+              <a:buChar char="•"/>
+              <a:defRPr sz="1350" kern="1200">
+                <a:solidFill>
+                  <a:schemeClr val="tx1"/>
+                </a:solidFill>
+                <a:latin typeface="+mn-lt"/>
+                <a:ea typeface="+mn-ea"/>
+                <a:cs typeface="+mn-cs"/>
+              </a:defRPr>
+            </a:lvl4pPr>
+            <a:lvl5pPr marL="1543050" indent="-171450" algn="l" defTabSz="685800" rtl="0" eaLnBrk="1" latinLnBrk="0" hangingPunct="1">
+              <a:lnSpc>
+                <a:spcPct val="90000"/>
+              </a:lnSpc>
+              <a:spcBef>
+                <a:spcPts val="375"/>
+              </a:spcBef>
+              <a:buFont typeface="Arial" panose="020B0604020202020204" pitchFamily="34" charset="0"/>
+              <a:buChar char="•"/>
+              <a:defRPr sz="1350" kern="1200">
+                <a:solidFill>
+                  <a:schemeClr val="tx1"/>
+                </a:solidFill>
+                <a:latin typeface="+mn-lt"/>
+                <a:ea typeface="+mn-ea"/>
+                <a:cs typeface="+mn-cs"/>
+              </a:defRPr>
+            </a:lvl5pPr>
+            <a:lvl6pPr marL="1885950" indent="-171450" algn="l" defTabSz="685800" rtl="0" eaLnBrk="1" latinLnBrk="0" hangingPunct="1">
+              <a:lnSpc>
+                <a:spcPct val="90000"/>
+              </a:lnSpc>
+              <a:spcBef>
+                <a:spcPts val="375"/>
+              </a:spcBef>
+              <a:buFont typeface="Arial" panose="020B0604020202020204" pitchFamily="34" charset="0"/>
+              <a:buChar char="•"/>
+              <a:defRPr sz="1350" kern="1200">
+                <a:solidFill>
+                  <a:schemeClr val="tx1"/>
+                </a:solidFill>
+                <a:latin typeface="+mn-lt"/>
+                <a:ea typeface="+mn-ea"/>
+                <a:cs typeface="+mn-cs"/>
+              </a:defRPr>
+            </a:lvl6pPr>
+            <a:lvl7pPr marL="2228850" indent="-171450" algn="l" defTabSz="685800" rtl="0" eaLnBrk="1" latinLnBrk="0" hangingPunct="1">
+              <a:lnSpc>
+                <a:spcPct val="90000"/>
+              </a:lnSpc>
+              <a:spcBef>
+                <a:spcPts val="375"/>
+              </a:spcBef>
+              <a:buFont typeface="Arial" panose="020B0604020202020204" pitchFamily="34" charset="0"/>
+              <a:buChar char="•"/>
+              <a:defRPr sz="1350" kern="1200">
+                <a:solidFill>
+                  <a:schemeClr val="tx1"/>
+                </a:solidFill>
+                <a:latin typeface="+mn-lt"/>
+                <a:ea typeface="+mn-ea"/>
+                <a:cs typeface="+mn-cs"/>
+              </a:defRPr>
+            </a:lvl7pPr>
+            <a:lvl8pPr marL="2571750" indent="-171450" algn="l" defTabSz="685800" rtl="0" eaLnBrk="1" latinLnBrk="0" hangingPunct="1">
+              <a:lnSpc>
+                <a:spcPct val="90000"/>
+              </a:lnSpc>
+              <a:spcBef>
+                <a:spcPts val="375"/>
+              </a:spcBef>
+              <a:buFont typeface="Arial" panose="020B0604020202020204" pitchFamily="34" charset="0"/>
+              <a:buChar char="•"/>
+              <a:defRPr sz="1350" kern="1200">
+                <a:solidFill>
+                  <a:schemeClr val="tx1"/>
+                </a:solidFill>
+                <a:latin typeface="+mn-lt"/>
+                <a:ea typeface="+mn-ea"/>
+                <a:cs typeface="+mn-cs"/>
+              </a:defRPr>
+            </a:lvl8pPr>
+            <a:lvl9pPr marL="2914650" indent="-171450" algn="l" defTabSz="685800" rtl="0" eaLnBrk="1" latinLnBrk="0" hangingPunct="1">
+              <a:lnSpc>
+                <a:spcPct val="90000"/>
+              </a:lnSpc>
+              <a:spcBef>
+                <a:spcPts val="375"/>
+              </a:spcBef>
+              <a:buFont typeface="Arial" panose="020B0604020202020204" pitchFamily="34" charset="0"/>
+              <a:buChar char="•"/>
+              <a:defRPr sz="1350" kern="1200">
+                <a:solidFill>
+                  <a:schemeClr val="tx1"/>
+                </a:solidFill>
+                <a:latin typeface="+mn-lt"/>
+                <a:ea typeface="+mn-ea"/>
+                <a:cs typeface="+mn-cs"/>
+              </a:defRPr>
+            </a:lvl9pPr>
+          </a:lstStyle>
+          <a:p>
+            <a:pPr>
+              <a:lnSpc>
+                <a:spcPct val="150000"/>
+              </a:lnSpc>
+            </a:pPr>
+            <a:r>
+              <a:rPr lang="fr-FR" sz="2200" dirty="0">
+                <a:solidFill>
+                  <a:srgbClr val="004492"/>
+                </a:solidFill>
+                <a:latin typeface="Calibri (Corps)"/>
+              </a:rPr>
+              <a:t>Choix technique retenu :</a:t>
+            </a:r>
+          </a:p>
+          <a:p>
+            <a:pPr>
+              <a:lnSpc>
+                <a:spcPct val="150000"/>
+              </a:lnSpc>
+            </a:pPr>
+            <a:endParaRPr lang="fr-FR" sz="2200" dirty="0">
+              <a:solidFill>
+                <a:srgbClr val="004492"/>
+              </a:solidFill>
+              <a:latin typeface="Calibri (Corps)"/>
+            </a:endParaRPr>
+          </a:p>
+        </p:txBody>
+      </p:sp>
+      <p:sp>
+        <p:nvSpPr>
+          <p:cNvPr id="10" name="Espace réservé du contenu 30"/>
+          <p:cNvSpPr txBox="1">
+            <a:spLocks/>
+          </p:cNvSpPr>
+          <p:nvPr/>
+        </p:nvSpPr>
+        <p:spPr>
+          <a:xfrm>
+            <a:off x="1084118" y="4622943"/>
+            <a:ext cx="8059882" cy="1998173"/>
+          </a:xfrm>
+          <a:prstGeom prst="rect">
+            <a:avLst/>
+          </a:prstGeom>
+        </p:spPr>
+        <p:txBody>
+          <a:bodyPr vert="horz" lIns="91440" tIns="45720" rIns="91440" bIns="45720" rtlCol="0">
+            <a:normAutofit/>
+          </a:bodyPr>
+          <a:lstStyle>
+            <a:lvl1pPr marL="171450" indent="-171450" algn="l" defTabSz="685800" rtl="0" eaLnBrk="1" latinLnBrk="0" hangingPunct="1">
+              <a:lnSpc>
+                <a:spcPct val="90000"/>
+              </a:lnSpc>
+              <a:spcBef>
+                <a:spcPts val="750"/>
+              </a:spcBef>
+              <a:buFont typeface="Arial" panose="020B0604020202020204" pitchFamily="34" charset="0"/>
+              <a:buChar char="•"/>
+              <a:defRPr sz="2100" kern="1200">
+                <a:solidFill>
+                  <a:schemeClr val="tx1"/>
+                </a:solidFill>
+                <a:latin typeface="+mn-lt"/>
+                <a:ea typeface="+mn-ea"/>
+                <a:cs typeface="+mn-cs"/>
+              </a:defRPr>
+            </a:lvl1pPr>
+            <a:lvl2pPr marL="514350" indent="-171450" algn="l" defTabSz="685800" rtl="0" eaLnBrk="1" latinLnBrk="0" hangingPunct="1">
+              <a:lnSpc>
+                <a:spcPct val="90000"/>
+              </a:lnSpc>
+              <a:spcBef>
+                <a:spcPts val="375"/>
+              </a:spcBef>
+              <a:buFont typeface="Arial" panose="020B0604020202020204" pitchFamily="34" charset="0"/>
+              <a:buChar char="•"/>
+              <a:defRPr sz="1800" kern="1200">
+                <a:solidFill>
+                  <a:schemeClr val="tx1"/>
+                </a:solidFill>
+                <a:latin typeface="+mn-lt"/>
+                <a:ea typeface="+mn-ea"/>
+                <a:cs typeface="+mn-cs"/>
+              </a:defRPr>
+            </a:lvl2pPr>
+            <a:lvl3pPr marL="857250" indent="-171450" algn="l" defTabSz="685800" rtl="0" eaLnBrk="1" latinLnBrk="0" hangingPunct="1">
+              <a:lnSpc>
+                <a:spcPct val="90000"/>
+              </a:lnSpc>
+              <a:spcBef>
+                <a:spcPts val="375"/>
+              </a:spcBef>
+              <a:buFont typeface="Arial" panose="020B0604020202020204" pitchFamily="34" charset="0"/>
+              <a:buChar char="•"/>
+              <a:defRPr sz="1500" kern="1200">
+                <a:solidFill>
+                  <a:schemeClr val="tx1"/>
+                </a:solidFill>
+                <a:latin typeface="+mn-lt"/>
+                <a:ea typeface="+mn-ea"/>
+                <a:cs typeface="+mn-cs"/>
+              </a:defRPr>
+            </a:lvl3pPr>
+            <a:lvl4pPr marL="1200150" indent="-171450" algn="l" defTabSz="685800" rtl="0" eaLnBrk="1" latinLnBrk="0" hangingPunct="1">
+              <a:lnSpc>
+                <a:spcPct val="90000"/>
+              </a:lnSpc>
+              <a:spcBef>
+                <a:spcPts val="375"/>
+              </a:spcBef>
+              <a:buFont typeface="Arial" panose="020B0604020202020204" pitchFamily="34" charset="0"/>
+              <a:buChar char="•"/>
+              <a:defRPr sz="1350" kern="1200">
+                <a:solidFill>
+                  <a:schemeClr val="tx1"/>
+                </a:solidFill>
+                <a:latin typeface="+mn-lt"/>
+                <a:ea typeface="+mn-ea"/>
+                <a:cs typeface="+mn-cs"/>
+              </a:defRPr>
+            </a:lvl4pPr>
+            <a:lvl5pPr marL="1543050" indent="-171450" algn="l" defTabSz="685800" rtl="0" eaLnBrk="1" latinLnBrk="0" hangingPunct="1">
+              <a:lnSpc>
+                <a:spcPct val="90000"/>
+              </a:lnSpc>
+              <a:spcBef>
+                <a:spcPts val="375"/>
+              </a:spcBef>
+              <a:buFont typeface="Arial" panose="020B0604020202020204" pitchFamily="34" charset="0"/>
+              <a:buChar char="•"/>
+              <a:defRPr sz="1350" kern="1200">
+                <a:solidFill>
+                  <a:schemeClr val="tx1"/>
+                </a:solidFill>
+                <a:latin typeface="+mn-lt"/>
+                <a:ea typeface="+mn-ea"/>
+                <a:cs typeface="+mn-cs"/>
+              </a:defRPr>
+            </a:lvl5pPr>
+            <a:lvl6pPr marL="1885950" indent="-171450" algn="l" defTabSz="685800" rtl="0" eaLnBrk="1" latinLnBrk="0" hangingPunct="1">
+              <a:lnSpc>
+                <a:spcPct val="90000"/>
+              </a:lnSpc>
+              <a:spcBef>
+                <a:spcPts val="375"/>
+              </a:spcBef>
+              <a:buFont typeface="Arial" panose="020B0604020202020204" pitchFamily="34" charset="0"/>
+              <a:buChar char="•"/>
+              <a:defRPr sz="1350" kern="1200">
+                <a:solidFill>
+                  <a:schemeClr val="tx1"/>
+                </a:solidFill>
+                <a:latin typeface="+mn-lt"/>
+                <a:ea typeface="+mn-ea"/>
+                <a:cs typeface="+mn-cs"/>
+              </a:defRPr>
+            </a:lvl6pPr>
+            <a:lvl7pPr marL="2228850" indent="-171450" algn="l" defTabSz="685800" rtl="0" eaLnBrk="1" latinLnBrk="0" hangingPunct="1">
+              <a:lnSpc>
+                <a:spcPct val="90000"/>
+              </a:lnSpc>
+              <a:spcBef>
+                <a:spcPts val="375"/>
+              </a:spcBef>
+              <a:buFont typeface="Arial" panose="020B0604020202020204" pitchFamily="34" charset="0"/>
+              <a:buChar char="•"/>
+              <a:defRPr sz="1350" kern="1200">
+                <a:solidFill>
+                  <a:schemeClr val="tx1"/>
+                </a:solidFill>
+                <a:latin typeface="+mn-lt"/>
+                <a:ea typeface="+mn-ea"/>
+                <a:cs typeface="+mn-cs"/>
+              </a:defRPr>
+            </a:lvl7pPr>
+            <a:lvl8pPr marL="2571750" indent="-171450" algn="l" defTabSz="685800" rtl="0" eaLnBrk="1" latinLnBrk="0" hangingPunct="1">
+              <a:lnSpc>
+                <a:spcPct val="90000"/>
+              </a:lnSpc>
+              <a:spcBef>
+                <a:spcPts val="375"/>
+              </a:spcBef>
+              <a:buFont typeface="Arial" panose="020B0604020202020204" pitchFamily="34" charset="0"/>
+              <a:buChar char="•"/>
+              <a:defRPr sz="1350" kern="1200">
+                <a:solidFill>
+                  <a:schemeClr val="tx1"/>
+                </a:solidFill>
+                <a:latin typeface="+mn-lt"/>
+                <a:ea typeface="+mn-ea"/>
+                <a:cs typeface="+mn-cs"/>
+              </a:defRPr>
+            </a:lvl8pPr>
+            <a:lvl9pPr marL="2914650" indent="-171450" algn="l" defTabSz="685800" rtl="0" eaLnBrk="1" latinLnBrk="0" hangingPunct="1">
+              <a:lnSpc>
+                <a:spcPct val="90000"/>
+              </a:lnSpc>
+              <a:spcBef>
+                <a:spcPts val="375"/>
+              </a:spcBef>
+              <a:buFont typeface="Arial" panose="020B0604020202020204" pitchFamily="34" charset="0"/>
+              <a:buChar char="•"/>
+              <a:defRPr sz="1350" kern="1200">
+                <a:solidFill>
+                  <a:schemeClr val="tx1"/>
+                </a:solidFill>
+                <a:latin typeface="+mn-lt"/>
+                <a:ea typeface="+mn-ea"/>
+                <a:cs typeface="+mn-cs"/>
+              </a:defRPr>
+            </a:lvl9pPr>
+          </a:lstStyle>
+          <a:p>
+            <a:pPr lvl="1">
+              <a:lnSpc>
+                <a:spcPct val="250000"/>
+              </a:lnSpc>
+              <a:buFont typeface="Wingdings" panose="05000000000000000000" pitchFamily="2" charset="2"/>
+              <a:buChar char="§"/>
+            </a:pPr>
+            <a:r>
+              <a:rPr lang="fr-FR" sz="2000" dirty="0">
+                <a:solidFill>
+                  <a:srgbClr val="004492"/>
+                </a:solidFill>
+                <a:latin typeface="Calibri (Corps)"/>
+              </a:rPr>
+              <a:t>Développement d’un outil en C#</a:t>
+            </a:r>
+          </a:p>
+          <a:p>
+            <a:pPr lvl="1">
+              <a:lnSpc>
+                <a:spcPct val="250000"/>
+              </a:lnSpc>
+              <a:buFont typeface="Wingdings" panose="05000000000000000000" pitchFamily="2" charset="2"/>
+              <a:buChar char="§"/>
+            </a:pPr>
+            <a:endParaRPr lang="fr-FR" sz="2000" dirty="0">
+              <a:solidFill>
+                <a:srgbClr val="004492"/>
+              </a:solidFill>
+              <a:latin typeface="Calibri (Corps)"/>
+            </a:endParaRPr>
+          </a:p>
+          <a:p>
+            <a:pPr lvl="1">
+              <a:lnSpc>
+                <a:spcPct val="250000"/>
+              </a:lnSpc>
+              <a:buFont typeface="Wingdings" panose="05000000000000000000" pitchFamily="2" charset="2"/>
+              <a:buChar char="§"/>
+            </a:pPr>
+            <a:endParaRPr lang="fr-FR" sz="2000" dirty="0">
+              <a:solidFill>
+                <a:srgbClr val="004492"/>
+              </a:solidFill>
+              <a:latin typeface="Calibri (Corps)"/>
+            </a:endParaRPr>
+          </a:p>
+          <a:p>
+            <a:pPr lvl="1">
+              <a:lnSpc>
+                <a:spcPct val="250000"/>
+              </a:lnSpc>
+            </a:pPr>
+            <a:endParaRPr lang="fr-FR" sz="2000" dirty="0">
+              <a:solidFill>
+                <a:srgbClr val="004492"/>
+              </a:solidFill>
+              <a:latin typeface="Calibri (Corps)"/>
+            </a:endParaRPr>
+          </a:p>
+        </p:txBody>
+      </p:sp>
+    </p:spTree>
+    <p:extLst>
+      <p:ext uri="{BB962C8B-B14F-4D97-AF65-F5344CB8AC3E}">
+        <p14:creationId xmlns:p14="http://schemas.microsoft.com/office/powerpoint/2010/main" val="1048848423"/>
+      </p:ext>
+    </p:extLst>
+  </p:cSld>
+  <p:clrMapOvr>
+    <a:masterClrMapping/>
+  </p:clrMapOvr>
+</p:sld>
+</file>
+
+<file path=ppt/slides/slide19.xml><?xml version="1.0" encoding="utf-8"?>
+<p:sld xmlns:a="http://schemas.openxmlformats.org/drawingml/2006/main" xmlns:r="http://schemas.openxmlformats.org/officeDocument/2006/relationships" xmlns:p="http://schemas.openxmlformats.org/presentationml/2006/main">
+  <p:cSld>
+    <p:spTree>
+      <p:nvGrpSpPr>
+        <p:cNvPr id="1" name=""/>
+        <p:cNvGrpSpPr/>
+        <p:nvPr/>
+      </p:nvGrpSpPr>
+      <p:grpSpPr>
+        <a:xfrm>
+          <a:off x="0" y="0"/>
+          <a:ext cx="0" cy="0"/>
+          <a:chOff x="0" y="0"/>
+          <a:chExt cx="0" cy="0"/>
+        </a:xfrm>
+      </p:grpSpPr>
+      <p:sp>
+        <p:nvSpPr>
+          <p:cNvPr id="2" name="Titre 1"/>
+          <p:cNvSpPr>
+            <a:spLocks noGrp="1"/>
+          </p:cNvSpPr>
+          <p:nvPr>
+            <p:ph type="title"/>
+          </p:nvPr>
+        </p:nvSpPr>
+        <p:spPr>
+          <a:xfrm>
+            <a:off x="245917" y="0"/>
+            <a:ext cx="6347713" cy="1320800"/>
+          </a:xfrm>
+        </p:spPr>
+        <p:txBody>
+          <a:bodyPr>
+            <a:normAutofit/>
+          </a:bodyPr>
+          <a:lstStyle/>
+          <a:p>
+            <a:r>
+              <a:rPr lang="fr-FR" sz="3500" dirty="0">
+                <a:solidFill>
+                  <a:schemeClr val="bg1"/>
+                </a:solidFill>
+                <a:latin typeface="Eurostile-Roman" pitchFamily="2" charset="0"/>
+              </a:rPr>
+              <a:t>Développement </a:t>
+            </a:r>
+            <a:br>
+              <a:rPr lang="fr-FR" sz="3500" dirty="0">
+                <a:solidFill>
+                  <a:schemeClr val="bg1"/>
+                </a:solidFill>
+                <a:latin typeface="Eurostile-Roman" pitchFamily="2" charset="0"/>
+              </a:rPr>
+            </a:br>
+            <a:r>
+              <a:rPr lang="fr-FR" sz="3500" dirty="0">
+                <a:solidFill>
+                  <a:schemeClr val="bg1"/>
+                </a:solidFill>
+                <a:latin typeface="Eurostile-Roman" pitchFamily="2" charset="0"/>
+              </a:rPr>
+              <a:t>de la solution</a:t>
+            </a:r>
+          </a:p>
+        </p:txBody>
+      </p:sp>
+      <p:sp>
+        <p:nvSpPr>
           <p:cNvPr id="4" name="Espace réservé du contenu 30"/>
           <p:cNvSpPr>
             <a:spLocks noGrp="1"/>
@@ -6777,7 +8268,7 @@
                 <a:solidFill>
                   <a:srgbClr val="004492"/>
                 </a:solidFill>
-                <a:latin typeface="Eurostile-Roman" pitchFamily="2" charset="0"/>
+                <a:latin typeface="Calibri (Corps)"/>
               </a:rPr>
               <a:t>Auto-formation : utilisation de nouvelles technologies :</a:t>
             </a:r>
@@ -7021,7 +8512,7 @@
                 <a:solidFill>
                   <a:srgbClr val="004492"/>
                 </a:solidFill>
-                <a:latin typeface="Eurostile-Roman" pitchFamily="2" charset="0"/>
+                <a:latin typeface="Calibri (Corps)"/>
               </a:rPr>
               <a:t>Langage de programmation orienté objet</a:t>
             </a:r>
@@ -7037,7 +8528,7 @@
                 <a:solidFill>
                   <a:srgbClr val="004492"/>
                 </a:solidFill>
-                <a:latin typeface="Eurostile-Roman" pitchFamily="2" charset="0"/>
+                <a:latin typeface="Calibri (Corps)"/>
               </a:rPr>
               <a:t>Langage propriétaire : Microsoft</a:t>
             </a:r>
@@ -7053,7 +8544,7 @@
                 <a:solidFill>
                   <a:srgbClr val="004492"/>
                 </a:solidFill>
-                <a:latin typeface="Eurostile-Roman" pitchFamily="2" charset="0"/>
+                <a:latin typeface="Calibri (Corps)"/>
               </a:rPr>
               <a:t>Similitudes :</a:t>
             </a:r>
@@ -7069,7 +8560,7 @@
                 <a:solidFill>
                   <a:srgbClr val="004492"/>
                 </a:solidFill>
-                <a:latin typeface="Eurostile-Roman" pitchFamily="2" charset="0"/>
+                <a:latin typeface="Calibri (Corps)"/>
               </a:rPr>
               <a:t>C++</a:t>
             </a:r>
@@ -7085,7 +8576,7 @@
                 <a:solidFill>
                   <a:srgbClr val="004492"/>
                 </a:solidFill>
-                <a:latin typeface="Eurostile-Roman" pitchFamily="2" charset="0"/>
+                <a:latin typeface="Calibri (Corps)"/>
               </a:rPr>
               <a:t>JAVA</a:t>
             </a:r>
@@ -7101,7 +8592,7 @@
               <a:solidFill>
                 <a:srgbClr val="004492"/>
               </a:solidFill>
-              <a:latin typeface="Eurostile-Roman" pitchFamily="2" charset="0"/>
+              <a:latin typeface="Calibri (Corps)"/>
             </a:endParaRPr>
           </a:p>
         </p:txBody>
@@ -7123,7 +8614,7 @@
           <a:p>
             <a:fld id="{0A0AF257-D28F-495E-9E53-3BED59B8AA35}" type="slidenum">
               <a:rPr lang="fr-FR" smtClean="0"/>
-              <a:t>16</a:t>
+              <a:t>19</a:t>
             </a:fld>
             <a:endParaRPr lang="fr-FR"/>
           </a:p>
@@ -7142,7 +8633,7 @@
 </p:sld>
 </file>
 
-<file path=ppt/slides/slide17.xml><?xml version="1.0" encoding="utf-8"?>
+<file path=ppt/slides/slide2.xml><?xml version="1.0" encoding="utf-8"?>
 <p:sld xmlns:a="http://schemas.openxmlformats.org/drawingml/2006/main" xmlns:r="http://schemas.openxmlformats.org/officeDocument/2006/relationships" xmlns:p="http://schemas.openxmlformats.org/presentationml/2006/main">
   <p:cSld>
     <p:spTree>
@@ -7161,58 +8652,7 @@
       </p:grpSpPr>
       <p:sp>
         <p:nvSpPr>
-          <p:cNvPr id="2" name="Titre 1"/>
-          <p:cNvSpPr>
-            <a:spLocks noGrp="1"/>
-          </p:cNvSpPr>
-          <p:nvPr>
-            <p:ph type="title"/>
-          </p:nvPr>
-        </p:nvSpPr>
-        <p:spPr>
-          <a:xfrm>
-            <a:off x="245917" y="0"/>
-            <a:ext cx="6347713" cy="1320800"/>
-          </a:xfrm>
-        </p:spPr>
-        <p:txBody>
-          <a:bodyPr>
-            <a:normAutofit/>
-          </a:bodyPr>
-          <a:lstStyle/>
-          <a:p>
-            <a:r>
-              <a:rPr lang="fr-FR" sz="3500" dirty="0">
-                <a:solidFill>
-                  <a:schemeClr val="bg1"/>
-                </a:solidFill>
-                <a:latin typeface="Eurostile" panose="020B0504020202050204" pitchFamily="34" charset="0"/>
-              </a:rPr>
-              <a:t>Développement </a:t>
-            </a:r>
-            <a:br>
-              <a:rPr lang="fr-FR" sz="3500" dirty="0">
-                <a:solidFill>
-                  <a:schemeClr val="bg1"/>
-                </a:solidFill>
-                <a:latin typeface="Eurostile" panose="020B0504020202050204" pitchFamily="34" charset="0"/>
-              </a:rPr>
-            </a:br>
-            <a:r>
-              <a:rPr lang="fr-FR" sz="3500" dirty="0">
-                <a:solidFill>
-                  <a:schemeClr val="bg1"/>
-                </a:solidFill>
-                <a:latin typeface="Eurostile" panose="020B0504020202050204" pitchFamily="34" charset="0"/>
-              </a:rPr>
-              <a:t>de la solution</a:t>
-            </a:r>
-          </a:p>
-        </p:txBody>
-      </p:sp>
-      <p:sp>
-        <p:nvSpPr>
-          <p:cNvPr id="4" name="Espace réservé du contenu 30"/>
+          <p:cNvPr id="3" name="Espace réservé du contenu 2"/>
           <p:cNvSpPr>
             <a:spLocks noGrp="1"/>
           </p:cNvSpPr>
@@ -7222,8 +8662,8 @@
         </p:nvSpPr>
         <p:spPr>
           <a:xfrm>
-            <a:off x="904010" y="1901879"/>
-            <a:ext cx="7886700" cy="1053962"/>
+            <a:off x="896787" y="2102126"/>
+            <a:ext cx="7886700" cy="4351338"/>
           </a:xfrm>
         </p:spPr>
         <p:txBody>
@@ -7232,360 +8672,139 @@
           </a:bodyPr>
           <a:lstStyle/>
           <a:p>
-            <a:pPr>
+            <a:pPr marL="457200" indent="-457200">
               <a:lnSpc>
                 <a:spcPct val="150000"/>
               </a:lnSpc>
+              <a:buAutoNum type="arabicPeriod"/>
             </a:pPr>
             <a:r>
-              <a:rPr lang="fr-FR" sz="2200" dirty="0">
-                <a:solidFill>
-                  <a:srgbClr val="004492"/>
-                </a:solidFill>
-                <a:latin typeface="Eurostile" panose="020B0504020202050204" pitchFamily="34" charset="0"/>
-              </a:rPr>
-              <a:t>Développement du service </a:t>
-            </a:r>
-            <a:r>
-              <a:rPr lang="fr-FR" sz="2200" dirty="0" err="1">
-                <a:solidFill>
-                  <a:srgbClr val="004492"/>
-                </a:solidFill>
-                <a:latin typeface="Eurostile" panose="020B0504020202050204" pitchFamily="34" charset="0"/>
-              </a:rPr>
-              <a:t>Eskape.Service.CTI</a:t>
-            </a:r>
-            <a:r>
-              <a:rPr lang="fr-FR" sz="2200" dirty="0">
-                <a:solidFill>
-                  <a:srgbClr val="004492"/>
-                </a:solidFill>
-                <a:latin typeface="Eurostile" panose="020B0504020202050204" pitchFamily="34" charset="0"/>
-              </a:rPr>
-              <a:t> :</a:t>
-            </a:r>
-          </a:p>
-        </p:txBody>
-      </p:sp>
-      <p:sp>
-        <p:nvSpPr>
-          <p:cNvPr id="9" name="Espace réservé du contenu 30"/>
-          <p:cNvSpPr txBox="1">
-            <a:spLocks/>
-          </p:cNvSpPr>
+              <a:rPr lang="fr-FR" sz="2600" dirty="0">
+                <a:solidFill>
+                  <a:srgbClr val="004492"/>
+                </a:solidFill>
+              </a:rPr>
+              <a:t>Introduction</a:t>
+            </a:r>
+          </a:p>
+          <a:p>
+            <a:pPr marL="457200" indent="-457200">
+              <a:lnSpc>
+                <a:spcPct val="150000"/>
+              </a:lnSpc>
+              <a:buAutoNum type="arabicPeriod"/>
+            </a:pPr>
+            <a:r>
+              <a:rPr lang="fr-FR" sz="2600" dirty="0">
+                <a:solidFill>
+                  <a:srgbClr val="004492"/>
+                </a:solidFill>
+              </a:rPr>
+              <a:t>Présentation de l’entreprise </a:t>
+            </a:r>
+            <a:r>
+              <a:rPr lang="fr-FR" sz="2600" dirty="0" err="1">
+                <a:solidFill>
+                  <a:srgbClr val="004492"/>
+                </a:solidFill>
+              </a:rPr>
+              <a:t>Eskape</a:t>
+            </a:r>
+            <a:endParaRPr lang="fr-FR" sz="2600" dirty="0">
+              <a:solidFill>
+                <a:srgbClr val="004492"/>
+              </a:solidFill>
+            </a:endParaRPr>
+          </a:p>
+          <a:p>
+            <a:pPr marL="457200" indent="-457200">
+              <a:lnSpc>
+                <a:spcPct val="150000"/>
+              </a:lnSpc>
+              <a:buAutoNum type="arabicPeriod"/>
+            </a:pPr>
+            <a:r>
+              <a:rPr lang="fr-FR" sz="2600" dirty="0">
+                <a:solidFill>
+                  <a:srgbClr val="004492"/>
+                </a:solidFill>
+              </a:rPr>
+              <a:t>Sujet du stage</a:t>
+            </a:r>
+          </a:p>
+          <a:p>
+            <a:pPr marL="457200" indent="-457200">
+              <a:lnSpc>
+                <a:spcPct val="150000"/>
+              </a:lnSpc>
+              <a:buAutoNum type="arabicPeriod"/>
+            </a:pPr>
+            <a:r>
+              <a:rPr lang="fr-FR" sz="2600" dirty="0">
+                <a:solidFill>
+                  <a:srgbClr val="004492"/>
+                </a:solidFill>
+              </a:rPr>
+              <a:t>Développement de la solution</a:t>
+            </a:r>
+          </a:p>
+          <a:p>
+            <a:pPr marL="457200" indent="-457200">
+              <a:lnSpc>
+                <a:spcPct val="150000"/>
+              </a:lnSpc>
+              <a:buAutoNum type="arabicPeriod"/>
+            </a:pPr>
+            <a:r>
+              <a:rPr lang="fr-FR" sz="2600" dirty="0">
+                <a:solidFill>
+                  <a:srgbClr val="004492"/>
+                </a:solidFill>
+              </a:rPr>
+              <a:t>Bilan humain et technique</a:t>
+            </a:r>
+          </a:p>
+        </p:txBody>
+      </p:sp>
+      <p:sp>
+        <p:nvSpPr>
+          <p:cNvPr id="4" name="ZoneTexte 3"/>
+          <p:cNvSpPr txBox="1"/>
           <p:nvPr/>
         </p:nvSpPr>
         <p:spPr>
           <a:xfrm>
-            <a:off x="1084118" y="2522377"/>
-            <a:ext cx="8059882" cy="3826469"/>
+            <a:off x="215315" y="188776"/>
+            <a:ext cx="3629321" cy="938719"/>
           </a:xfrm>
           <a:prstGeom prst="rect">
             <a:avLst/>
           </a:prstGeom>
+          <a:noFill/>
         </p:spPr>
         <p:txBody>
-          <a:bodyPr vert="horz" lIns="91440" tIns="45720" rIns="91440" bIns="45720" rtlCol="0">
-            <a:normAutofit/>
+          <a:bodyPr wrap="square" rtlCol="0">
+            <a:spAutoFit/>
           </a:bodyPr>
-          <a:lstStyle>
-            <a:lvl1pPr marL="171450" indent="-171450" algn="l" defTabSz="685800" rtl="0" eaLnBrk="1" latinLnBrk="0" hangingPunct="1">
-              <a:lnSpc>
-                <a:spcPct val="90000"/>
-              </a:lnSpc>
-              <a:spcBef>
-                <a:spcPts val="750"/>
-              </a:spcBef>
-              <a:buFont typeface="Arial" panose="020B0604020202020204" pitchFamily="34" charset="0"/>
-              <a:buChar char="•"/>
-              <a:defRPr sz="2100" kern="1200">
-                <a:solidFill>
-                  <a:schemeClr val="tx1"/>
-                </a:solidFill>
-                <a:latin typeface="+mn-lt"/>
-                <a:ea typeface="+mn-ea"/>
-                <a:cs typeface="+mn-cs"/>
-              </a:defRPr>
-            </a:lvl1pPr>
-            <a:lvl2pPr marL="514350" indent="-171450" algn="l" defTabSz="685800" rtl="0" eaLnBrk="1" latinLnBrk="0" hangingPunct="1">
-              <a:lnSpc>
-                <a:spcPct val="90000"/>
-              </a:lnSpc>
-              <a:spcBef>
-                <a:spcPts val="375"/>
-              </a:spcBef>
-              <a:buFont typeface="Arial" panose="020B0604020202020204" pitchFamily="34" charset="0"/>
-              <a:buChar char="•"/>
-              <a:defRPr sz="1800" kern="1200">
-                <a:solidFill>
-                  <a:schemeClr val="tx1"/>
-                </a:solidFill>
-                <a:latin typeface="+mn-lt"/>
-                <a:ea typeface="+mn-ea"/>
-                <a:cs typeface="+mn-cs"/>
-              </a:defRPr>
-            </a:lvl2pPr>
-            <a:lvl3pPr marL="857250" indent="-171450" algn="l" defTabSz="685800" rtl="0" eaLnBrk="1" latinLnBrk="0" hangingPunct="1">
-              <a:lnSpc>
-                <a:spcPct val="90000"/>
-              </a:lnSpc>
-              <a:spcBef>
-                <a:spcPts val="375"/>
-              </a:spcBef>
-              <a:buFont typeface="Arial" panose="020B0604020202020204" pitchFamily="34" charset="0"/>
-              <a:buChar char="•"/>
-              <a:defRPr sz="1500" kern="1200">
-                <a:solidFill>
-                  <a:schemeClr val="tx1"/>
-                </a:solidFill>
-                <a:latin typeface="+mn-lt"/>
-                <a:ea typeface="+mn-ea"/>
-                <a:cs typeface="+mn-cs"/>
-              </a:defRPr>
-            </a:lvl3pPr>
-            <a:lvl4pPr marL="1200150" indent="-171450" algn="l" defTabSz="685800" rtl="0" eaLnBrk="1" latinLnBrk="0" hangingPunct="1">
-              <a:lnSpc>
-                <a:spcPct val="90000"/>
-              </a:lnSpc>
-              <a:spcBef>
-                <a:spcPts val="375"/>
-              </a:spcBef>
-              <a:buFont typeface="Arial" panose="020B0604020202020204" pitchFamily="34" charset="0"/>
-              <a:buChar char="•"/>
-              <a:defRPr sz="1350" kern="1200">
-                <a:solidFill>
-                  <a:schemeClr val="tx1"/>
-                </a:solidFill>
-                <a:latin typeface="+mn-lt"/>
-                <a:ea typeface="+mn-ea"/>
-                <a:cs typeface="+mn-cs"/>
-              </a:defRPr>
-            </a:lvl4pPr>
-            <a:lvl5pPr marL="1543050" indent="-171450" algn="l" defTabSz="685800" rtl="0" eaLnBrk="1" latinLnBrk="0" hangingPunct="1">
-              <a:lnSpc>
-                <a:spcPct val="90000"/>
-              </a:lnSpc>
-              <a:spcBef>
-                <a:spcPts val="375"/>
-              </a:spcBef>
-              <a:buFont typeface="Arial" panose="020B0604020202020204" pitchFamily="34" charset="0"/>
-              <a:buChar char="•"/>
-              <a:defRPr sz="1350" kern="1200">
-                <a:solidFill>
-                  <a:schemeClr val="tx1"/>
-                </a:solidFill>
-                <a:latin typeface="+mn-lt"/>
-                <a:ea typeface="+mn-ea"/>
-                <a:cs typeface="+mn-cs"/>
-              </a:defRPr>
-            </a:lvl5pPr>
-            <a:lvl6pPr marL="1885950" indent="-171450" algn="l" defTabSz="685800" rtl="0" eaLnBrk="1" latinLnBrk="0" hangingPunct="1">
-              <a:lnSpc>
-                <a:spcPct val="90000"/>
-              </a:lnSpc>
-              <a:spcBef>
-                <a:spcPts val="375"/>
-              </a:spcBef>
-              <a:buFont typeface="Arial" panose="020B0604020202020204" pitchFamily="34" charset="0"/>
-              <a:buChar char="•"/>
-              <a:defRPr sz="1350" kern="1200">
-                <a:solidFill>
-                  <a:schemeClr val="tx1"/>
-                </a:solidFill>
-                <a:latin typeface="+mn-lt"/>
-                <a:ea typeface="+mn-ea"/>
-                <a:cs typeface="+mn-cs"/>
-              </a:defRPr>
-            </a:lvl6pPr>
-            <a:lvl7pPr marL="2228850" indent="-171450" algn="l" defTabSz="685800" rtl="0" eaLnBrk="1" latinLnBrk="0" hangingPunct="1">
-              <a:lnSpc>
-                <a:spcPct val="90000"/>
-              </a:lnSpc>
-              <a:spcBef>
-                <a:spcPts val="375"/>
-              </a:spcBef>
-              <a:buFont typeface="Arial" panose="020B0604020202020204" pitchFamily="34" charset="0"/>
-              <a:buChar char="•"/>
-              <a:defRPr sz="1350" kern="1200">
-                <a:solidFill>
-                  <a:schemeClr val="tx1"/>
-                </a:solidFill>
-                <a:latin typeface="+mn-lt"/>
-                <a:ea typeface="+mn-ea"/>
-                <a:cs typeface="+mn-cs"/>
-              </a:defRPr>
-            </a:lvl7pPr>
-            <a:lvl8pPr marL="2571750" indent="-171450" algn="l" defTabSz="685800" rtl="0" eaLnBrk="1" latinLnBrk="0" hangingPunct="1">
-              <a:lnSpc>
-                <a:spcPct val="90000"/>
-              </a:lnSpc>
-              <a:spcBef>
-                <a:spcPts val="375"/>
-              </a:spcBef>
-              <a:buFont typeface="Arial" panose="020B0604020202020204" pitchFamily="34" charset="0"/>
-              <a:buChar char="•"/>
-              <a:defRPr sz="1350" kern="1200">
-                <a:solidFill>
-                  <a:schemeClr val="tx1"/>
-                </a:solidFill>
-                <a:latin typeface="+mn-lt"/>
-                <a:ea typeface="+mn-ea"/>
-                <a:cs typeface="+mn-cs"/>
-              </a:defRPr>
-            </a:lvl8pPr>
-            <a:lvl9pPr marL="2914650" indent="-171450" algn="l" defTabSz="685800" rtl="0" eaLnBrk="1" latinLnBrk="0" hangingPunct="1">
-              <a:lnSpc>
-                <a:spcPct val="90000"/>
-              </a:lnSpc>
-              <a:spcBef>
-                <a:spcPts val="375"/>
-              </a:spcBef>
-              <a:buFont typeface="Arial" panose="020B0604020202020204" pitchFamily="34" charset="0"/>
-              <a:buChar char="•"/>
-              <a:defRPr sz="1350" kern="1200">
-                <a:solidFill>
-                  <a:schemeClr val="tx1"/>
-                </a:solidFill>
-                <a:latin typeface="+mn-lt"/>
-                <a:ea typeface="+mn-ea"/>
-                <a:cs typeface="+mn-cs"/>
-              </a:defRPr>
-            </a:lvl9pPr>
-          </a:lstStyle>
-          <a:p>
-            <a:pPr lvl="1">
-              <a:lnSpc>
-                <a:spcPct val="200000"/>
-              </a:lnSpc>
-              <a:buFont typeface="Wingdings" panose="05000000000000000000" pitchFamily="2" charset="2"/>
-              <a:buChar char="§"/>
-            </a:pPr>
-            <a:r>
-              <a:rPr lang="fr-FR" sz="2000" dirty="0">
-                <a:solidFill>
-                  <a:srgbClr val="004492"/>
-                </a:solidFill>
-                <a:latin typeface="Eurostile" panose="020B0504020202050204" pitchFamily="34" charset="0"/>
-              </a:rPr>
-              <a:t> Service Windows </a:t>
-            </a:r>
-            <a:r>
-              <a:rPr lang="fr-FR" sz="2000" dirty="0">
-                <a:solidFill>
-                  <a:srgbClr val="004492"/>
-                </a:solidFill>
-                <a:latin typeface="Eurostile" panose="020B0504020202050204" pitchFamily="34" charset="0"/>
-                <a:sym typeface="Wingdings" panose="05000000000000000000" pitchFamily="2" charset="2"/>
-              </a:rPr>
-              <a:t></a:t>
-            </a:r>
-            <a:r>
-              <a:rPr lang="fr-FR" sz="2000" dirty="0">
-                <a:solidFill>
-                  <a:srgbClr val="004492"/>
-                </a:solidFill>
-                <a:latin typeface="Eurostile" panose="020B0504020202050204" pitchFamily="34" charset="0"/>
-              </a:rPr>
-              <a:t> Langage C#</a:t>
-            </a:r>
-          </a:p>
-          <a:p>
-            <a:pPr lvl="1">
-              <a:lnSpc>
-                <a:spcPct val="200000"/>
-              </a:lnSpc>
-              <a:buFont typeface="Wingdings" panose="05000000000000000000" pitchFamily="2" charset="2"/>
-              <a:buChar char="§"/>
-            </a:pPr>
-            <a:r>
-              <a:rPr lang="fr-FR" sz="2000" dirty="0">
-                <a:solidFill>
-                  <a:srgbClr val="004492"/>
-                </a:solidFill>
-                <a:latin typeface="Eurostile" panose="020B0504020202050204" pitchFamily="34" charset="0"/>
-              </a:rPr>
-              <a:t> IDE : Microsoft Visual Studio 2015</a:t>
-            </a:r>
-          </a:p>
-          <a:p>
-            <a:pPr lvl="1">
-              <a:lnSpc>
-                <a:spcPct val="200000"/>
-              </a:lnSpc>
-              <a:buFont typeface="Wingdings" panose="05000000000000000000" pitchFamily="2" charset="2"/>
-              <a:buChar char="§"/>
-            </a:pPr>
-            <a:r>
-              <a:rPr lang="fr-FR" sz="2000" dirty="0">
-                <a:solidFill>
-                  <a:srgbClr val="004492"/>
-                </a:solidFill>
-                <a:latin typeface="Eurostile" panose="020B0504020202050204" pitchFamily="34" charset="0"/>
-              </a:rPr>
-              <a:t>Création d’un service « base »</a:t>
-            </a:r>
-          </a:p>
-          <a:p>
-            <a:pPr lvl="1">
-              <a:lnSpc>
-                <a:spcPct val="200000"/>
-              </a:lnSpc>
-              <a:buFont typeface="Wingdings" panose="05000000000000000000" pitchFamily="2" charset="2"/>
-              <a:buChar char="§"/>
-            </a:pPr>
-            <a:r>
-              <a:rPr lang="fr-FR" sz="2000" dirty="0">
-                <a:solidFill>
-                  <a:srgbClr val="004492"/>
-                </a:solidFill>
-                <a:latin typeface="Eurostile" panose="020B0504020202050204" pitchFamily="34" charset="0"/>
-              </a:rPr>
-              <a:t>Enrichissement du service avec des fonctionnalités de plus en plus poussées </a:t>
-            </a:r>
-          </a:p>
-          <a:p>
-            <a:pPr marL="342900" lvl="1" indent="0">
-              <a:lnSpc>
-                <a:spcPct val="200000"/>
-              </a:lnSpc>
-              <a:buNone/>
-            </a:pPr>
-            <a:endParaRPr lang="fr-FR" sz="2000" dirty="0">
-              <a:solidFill>
-                <a:srgbClr val="004492"/>
-              </a:solidFill>
-              <a:latin typeface="Eurostile" panose="020B0504020202050204" pitchFamily="34" charset="0"/>
-            </a:endParaRPr>
-          </a:p>
-        </p:txBody>
-      </p:sp>
-      <p:sp>
-        <p:nvSpPr>
-          <p:cNvPr id="3" name="Espace réservé du numéro de diapositive 2"/>
-          <p:cNvSpPr>
-            <a:spLocks noGrp="1"/>
-          </p:cNvSpPr>
-          <p:nvPr>
-            <p:ph type="sldNum" sz="quarter" idx="12"/>
-          </p:nvPr>
-        </p:nvSpPr>
-        <p:spPr/>
-        <p:txBody>
-          <a:bodyPr/>
           <a:lstStyle/>
           <a:p>
-            <a:fld id="{0A0AF257-D28F-495E-9E53-3BED59B8AA35}" type="slidenum">
-              <a:rPr lang="fr-FR" smtClean="0"/>
-              <a:t>17</a:t>
-            </a:fld>
-            <a:endParaRPr lang="fr-FR"/>
+            <a:r>
+              <a:rPr lang="fr-FR" sz="5500" dirty="0">
+                <a:solidFill>
+                  <a:schemeClr val="bg1"/>
+                </a:solidFill>
+                <a:latin typeface="Eurostile-Roman" pitchFamily="2" charset="0"/>
+                <a:cs typeface="Microsoft New Tai Lue" panose="020B0502040204020203" pitchFamily="34" charset="0"/>
+              </a:rPr>
+              <a:t>Sommaire</a:t>
+            </a:r>
           </a:p>
         </p:txBody>
       </p:sp>
     </p:spTree>
     <p:extLst>
       <p:ext uri="{BB962C8B-B14F-4D97-AF65-F5344CB8AC3E}">
-        <p14:creationId xmlns:p14="http://schemas.microsoft.com/office/powerpoint/2010/main" val="3542783475"/>
+        <p14:creationId xmlns:p14="http://schemas.microsoft.com/office/powerpoint/2010/main" val="1512130365"/>
       </p:ext>
     </p:extLst>
   </p:cSld>
@@ -7595,7 +8814,1096 @@
 </p:sld>
 </file>
 
-<file path=ppt/slides/slide18.xml><?xml version="1.0" encoding="utf-8"?>
+<file path=ppt/slides/slide20.xml><?xml version="1.0" encoding="utf-8"?>
+<p:sld xmlns:a="http://schemas.openxmlformats.org/drawingml/2006/main" xmlns:r="http://schemas.openxmlformats.org/officeDocument/2006/relationships" xmlns:p="http://schemas.openxmlformats.org/presentationml/2006/main">
+  <p:cSld>
+    <p:spTree>
+      <p:nvGrpSpPr>
+        <p:cNvPr id="1" name=""/>
+        <p:cNvGrpSpPr/>
+        <p:nvPr/>
+      </p:nvGrpSpPr>
+      <p:grpSpPr>
+        <a:xfrm>
+          <a:off x="0" y="0"/>
+          <a:ext cx="0" cy="0"/>
+          <a:chOff x="0" y="0"/>
+          <a:chExt cx="0" cy="0"/>
+        </a:xfrm>
+      </p:grpSpPr>
+      <p:sp>
+        <p:nvSpPr>
+          <p:cNvPr id="2" name="Titre 1"/>
+          <p:cNvSpPr>
+            <a:spLocks noGrp="1"/>
+          </p:cNvSpPr>
+          <p:nvPr>
+            <p:ph type="title"/>
+          </p:nvPr>
+        </p:nvSpPr>
+        <p:spPr>
+          <a:xfrm>
+            <a:off x="245917" y="0"/>
+            <a:ext cx="6347713" cy="1320800"/>
+          </a:xfrm>
+        </p:spPr>
+        <p:txBody>
+          <a:bodyPr>
+            <a:normAutofit/>
+          </a:bodyPr>
+          <a:lstStyle/>
+          <a:p>
+            <a:r>
+              <a:rPr lang="fr-FR" sz="3500" dirty="0">
+                <a:solidFill>
+                  <a:schemeClr val="bg1"/>
+                </a:solidFill>
+                <a:latin typeface="Eurostile-Roman" pitchFamily="2" charset="0"/>
+              </a:rPr>
+              <a:t>Développement </a:t>
+            </a:r>
+            <a:br>
+              <a:rPr lang="fr-FR" sz="3500" dirty="0">
+                <a:solidFill>
+                  <a:schemeClr val="bg1"/>
+                </a:solidFill>
+                <a:latin typeface="Eurostile-Roman" pitchFamily="2" charset="0"/>
+              </a:rPr>
+            </a:br>
+            <a:r>
+              <a:rPr lang="fr-FR" sz="3500" dirty="0">
+                <a:solidFill>
+                  <a:schemeClr val="bg1"/>
+                </a:solidFill>
+                <a:latin typeface="Eurostile-Roman" pitchFamily="2" charset="0"/>
+              </a:rPr>
+              <a:t>de la solution</a:t>
+            </a:r>
+          </a:p>
+        </p:txBody>
+      </p:sp>
+      <p:sp>
+        <p:nvSpPr>
+          <p:cNvPr id="7" name="Espace réservé du contenu 30"/>
+          <p:cNvSpPr>
+            <a:spLocks noGrp="1"/>
+          </p:cNvSpPr>
+          <p:nvPr>
+            <p:ph idx="1"/>
+          </p:nvPr>
+        </p:nvSpPr>
+        <p:spPr>
+          <a:xfrm>
+            <a:off x="904010" y="2022983"/>
+            <a:ext cx="7886700" cy="1053962"/>
+          </a:xfrm>
+        </p:spPr>
+        <p:txBody>
+          <a:bodyPr>
+            <a:normAutofit/>
+          </a:bodyPr>
+          <a:lstStyle/>
+          <a:p>
+            <a:pPr>
+              <a:lnSpc>
+                <a:spcPct val="150000"/>
+              </a:lnSpc>
+            </a:pPr>
+            <a:r>
+              <a:rPr lang="fr-FR" sz="2200" dirty="0">
+                <a:solidFill>
+                  <a:srgbClr val="004492"/>
+                </a:solidFill>
+                <a:latin typeface="Calibri (Corps)"/>
+              </a:rPr>
+              <a:t>Solution de renumérotation :</a:t>
+            </a:r>
+          </a:p>
+        </p:txBody>
+      </p:sp>
+      <p:sp>
+        <p:nvSpPr>
+          <p:cNvPr id="8" name="Espace réservé du contenu 30"/>
+          <p:cNvSpPr txBox="1">
+            <a:spLocks/>
+          </p:cNvSpPr>
+          <p:nvPr/>
+        </p:nvSpPr>
+        <p:spPr>
+          <a:xfrm>
+            <a:off x="1084118" y="2562675"/>
+            <a:ext cx="8059882" cy="3347471"/>
+          </a:xfrm>
+          <a:prstGeom prst="rect">
+            <a:avLst/>
+          </a:prstGeom>
+        </p:spPr>
+        <p:txBody>
+          <a:bodyPr vert="horz" lIns="91440" tIns="45720" rIns="91440" bIns="45720" rtlCol="0">
+            <a:normAutofit/>
+          </a:bodyPr>
+          <a:lstStyle>
+            <a:lvl1pPr marL="171450" indent="-171450" algn="l" defTabSz="685800" rtl="0" eaLnBrk="1" latinLnBrk="0" hangingPunct="1">
+              <a:lnSpc>
+                <a:spcPct val="90000"/>
+              </a:lnSpc>
+              <a:spcBef>
+                <a:spcPts val="750"/>
+              </a:spcBef>
+              <a:buFont typeface="Arial" panose="020B0604020202020204" pitchFamily="34" charset="0"/>
+              <a:buChar char="•"/>
+              <a:defRPr sz="2100" kern="1200">
+                <a:solidFill>
+                  <a:schemeClr val="tx1"/>
+                </a:solidFill>
+                <a:latin typeface="+mn-lt"/>
+                <a:ea typeface="+mn-ea"/>
+                <a:cs typeface="+mn-cs"/>
+              </a:defRPr>
+            </a:lvl1pPr>
+            <a:lvl2pPr marL="514350" indent="-171450" algn="l" defTabSz="685800" rtl="0" eaLnBrk="1" latinLnBrk="0" hangingPunct="1">
+              <a:lnSpc>
+                <a:spcPct val="90000"/>
+              </a:lnSpc>
+              <a:spcBef>
+                <a:spcPts val="375"/>
+              </a:spcBef>
+              <a:buFont typeface="Arial" panose="020B0604020202020204" pitchFamily="34" charset="0"/>
+              <a:buChar char="•"/>
+              <a:defRPr sz="1800" kern="1200">
+                <a:solidFill>
+                  <a:schemeClr val="tx1"/>
+                </a:solidFill>
+                <a:latin typeface="+mn-lt"/>
+                <a:ea typeface="+mn-ea"/>
+                <a:cs typeface="+mn-cs"/>
+              </a:defRPr>
+            </a:lvl2pPr>
+            <a:lvl3pPr marL="857250" indent="-171450" algn="l" defTabSz="685800" rtl="0" eaLnBrk="1" latinLnBrk="0" hangingPunct="1">
+              <a:lnSpc>
+                <a:spcPct val="90000"/>
+              </a:lnSpc>
+              <a:spcBef>
+                <a:spcPts val="375"/>
+              </a:spcBef>
+              <a:buFont typeface="Arial" panose="020B0604020202020204" pitchFamily="34" charset="0"/>
+              <a:buChar char="•"/>
+              <a:defRPr sz="1500" kern="1200">
+                <a:solidFill>
+                  <a:schemeClr val="tx1"/>
+                </a:solidFill>
+                <a:latin typeface="+mn-lt"/>
+                <a:ea typeface="+mn-ea"/>
+                <a:cs typeface="+mn-cs"/>
+              </a:defRPr>
+            </a:lvl3pPr>
+            <a:lvl4pPr marL="1200150" indent="-171450" algn="l" defTabSz="685800" rtl="0" eaLnBrk="1" latinLnBrk="0" hangingPunct="1">
+              <a:lnSpc>
+                <a:spcPct val="90000"/>
+              </a:lnSpc>
+              <a:spcBef>
+                <a:spcPts val="375"/>
+              </a:spcBef>
+              <a:buFont typeface="Arial" panose="020B0604020202020204" pitchFamily="34" charset="0"/>
+              <a:buChar char="•"/>
+              <a:defRPr sz="1350" kern="1200">
+                <a:solidFill>
+                  <a:schemeClr val="tx1"/>
+                </a:solidFill>
+                <a:latin typeface="+mn-lt"/>
+                <a:ea typeface="+mn-ea"/>
+                <a:cs typeface="+mn-cs"/>
+              </a:defRPr>
+            </a:lvl4pPr>
+            <a:lvl5pPr marL="1543050" indent="-171450" algn="l" defTabSz="685800" rtl="0" eaLnBrk="1" latinLnBrk="0" hangingPunct="1">
+              <a:lnSpc>
+                <a:spcPct val="90000"/>
+              </a:lnSpc>
+              <a:spcBef>
+                <a:spcPts val="375"/>
+              </a:spcBef>
+              <a:buFont typeface="Arial" panose="020B0604020202020204" pitchFamily="34" charset="0"/>
+              <a:buChar char="•"/>
+              <a:defRPr sz="1350" kern="1200">
+                <a:solidFill>
+                  <a:schemeClr val="tx1"/>
+                </a:solidFill>
+                <a:latin typeface="+mn-lt"/>
+                <a:ea typeface="+mn-ea"/>
+                <a:cs typeface="+mn-cs"/>
+              </a:defRPr>
+            </a:lvl5pPr>
+            <a:lvl6pPr marL="1885950" indent="-171450" algn="l" defTabSz="685800" rtl="0" eaLnBrk="1" latinLnBrk="0" hangingPunct="1">
+              <a:lnSpc>
+                <a:spcPct val="90000"/>
+              </a:lnSpc>
+              <a:spcBef>
+                <a:spcPts val="375"/>
+              </a:spcBef>
+              <a:buFont typeface="Arial" panose="020B0604020202020204" pitchFamily="34" charset="0"/>
+              <a:buChar char="•"/>
+              <a:defRPr sz="1350" kern="1200">
+                <a:solidFill>
+                  <a:schemeClr val="tx1"/>
+                </a:solidFill>
+                <a:latin typeface="+mn-lt"/>
+                <a:ea typeface="+mn-ea"/>
+                <a:cs typeface="+mn-cs"/>
+              </a:defRPr>
+            </a:lvl6pPr>
+            <a:lvl7pPr marL="2228850" indent="-171450" algn="l" defTabSz="685800" rtl="0" eaLnBrk="1" latinLnBrk="0" hangingPunct="1">
+              <a:lnSpc>
+                <a:spcPct val="90000"/>
+              </a:lnSpc>
+              <a:spcBef>
+                <a:spcPts val="375"/>
+              </a:spcBef>
+              <a:buFont typeface="Arial" panose="020B0604020202020204" pitchFamily="34" charset="0"/>
+              <a:buChar char="•"/>
+              <a:defRPr sz="1350" kern="1200">
+                <a:solidFill>
+                  <a:schemeClr val="tx1"/>
+                </a:solidFill>
+                <a:latin typeface="+mn-lt"/>
+                <a:ea typeface="+mn-ea"/>
+                <a:cs typeface="+mn-cs"/>
+              </a:defRPr>
+            </a:lvl7pPr>
+            <a:lvl8pPr marL="2571750" indent="-171450" algn="l" defTabSz="685800" rtl="0" eaLnBrk="1" latinLnBrk="0" hangingPunct="1">
+              <a:lnSpc>
+                <a:spcPct val="90000"/>
+              </a:lnSpc>
+              <a:spcBef>
+                <a:spcPts val="375"/>
+              </a:spcBef>
+              <a:buFont typeface="Arial" panose="020B0604020202020204" pitchFamily="34" charset="0"/>
+              <a:buChar char="•"/>
+              <a:defRPr sz="1350" kern="1200">
+                <a:solidFill>
+                  <a:schemeClr val="tx1"/>
+                </a:solidFill>
+                <a:latin typeface="+mn-lt"/>
+                <a:ea typeface="+mn-ea"/>
+                <a:cs typeface="+mn-cs"/>
+              </a:defRPr>
+            </a:lvl8pPr>
+            <a:lvl9pPr marL="2914650" indent="-171450" algn="l" defTabSz="685800" rtl="0" eaLnBrk="1" latinLnBrk="0" hangingPunct="1">
+              <a:lnSpc>
+                <a:spcPct val="90000"/>
+              </a:lnSpc>
+              <a:spcBef>
+                <a:spcPts val="375"/>
+              </a:spcBef>
+              <a:buFont typeface="Arial" panose="020B0604020202020204" pitchFamily="34" charset="0"/>
+              <a:buChar char="•"/>
+              <a:defRPr sz="1350" kern="1200">
+                <a:solidFill>
+                  <a:schemeClr val="tx1"/>
+                </a:solidFill>
+                <a:latin typeface="+mn-lt"/>
+                <a:ea typeface="+mn-ea"/>
+                <a:cs typeface="+mn-cs"/>
+              </a:defRPr>
+            </a:lvl9pPr>
+          </a:lstStyle>
+          <a:p>
+            <a:pPr lvl="1">
+              <a:lnSpc>
+                <a:spcPct val="250000"/>
+              </a:lnSpc>
+              <a:buFont typeface="Wingdings" panose="05000000000000000000" pitchFamily="2" charset="2"/>
+              <a:buChar char="§"/>
+            </a:pPr>
+            <a:r>
+              <a:rPr lang="fr-FR" sz="2000" dirty="0">
+                <a:solidFill>
+                  <a:srgbClr val="004492"/>
+                </a:solidFill>
+                <a:latin typeface="Calibri (Corps)"/>
+              </a:rPr>
+              <a:t>Exports des objets en fichiers .TXT.</a:t>
+            </a:r>
+          </a:p>
+          <a:p>
+            <a:pPr lvl="1">
+              <a:lnSpc>
+                <a:spcPct val="250000"/>
+              </a:lnSpc>
+              <a:buFont typeface="Wingdings" panose="05000000000000000000" pitchFamily="2" charset="2"/>
+              <a:buChar char="§"/>
+            </a:pPr>
+            <a:r>
+              <a:rPr lang="fr-FR" sz="2000" dirty="0">
+                <a:solidFill>
+                  <a:srgbClr val="004492"/>
+                </a:solidFill>
+                <a:latin typeface="Calibri (Corps)"/>
+              </a:rPr>
+              <a:t>Modification des fichiers de structure exportés.</a:t>
+            </a:r>
+          </a:p>
+          <a:p>
+            <a:pPr lvl="1">
+              <a:lnSpc>
+                <a:spcPct val="250000"/>
+              </a:lnSpc>
+              <a:buFont typeface="Wingdings" panose="05000000000000000000" pitchFamily="2" charset="2"/>
+              <a:buChar char="§"/>
+            </a:pPr>
+            <a:r>
+              <a:rPr lang="fr-FR" sz="2000" dirty="0">
+                <a:solidFill>
+                  <a:srgbClr val="004492"/>
+                </a:solidFill>
+                <a:latin typeface="Calibri (Corps)"/>
+              </a:rPr>
+              <a:t>Réimportation des objets et migration des données.</a:t>
+            </a:r>
+          </a:p>
+          <a:p>
+            <a:pPr lvl="1">
+              <a:lnSpc>
+                <a:spcPct val="250000"/>
+              </a:lnSpc>
+              <a:buFont typeface="Wingdings" panose="05000000000000000000" pitchFamily="2" charset="2"/>
+              <a:buChar char="§"/>
+            </a:pPr>
+            <a:endParaRPr lang="fr-FR" sz="2000" dirty="0">
+              <a:solidFill>
+                <a:srgbClr val="004492"/>
+              </a:solidFill>
+              <a:latin typeface="Calibri (Corps)"/>
+            </a:endParaRPr>
+          </a:p>
+          <a:p>
+            <a:pPr lvl="1">
+              <a:lnSpc>
+                <a:spcPct val="250000"/>
+              </a:lnSpc>
+            </a:pPr>
+            <a:endParaRPr lang="fr-FR" sz="2000" dirty="0">
+              <a:solidFill>
+                <a:srgbClr val="004492"/>
+              </a:solidFill>
+              <a:latin typeface="Calibri (Corps)"/>
+            </a:endParaRPr>
+          </a:p>
+        </p:txBody>
+      </p:sp>
+      <p:sp>
+        <p:nvSpPr>
+          <p:cNvPr id="11" name="Espace réservé du numéro de diapositive 1"/>
+          <p:cNvSpPr>
+            <a:spLocks noGrp="1"/>
+          </p:cNvSpPr>
+          <p:nvPr>
+            <p:ph type="sldNum" sz="quarter" idx="12"/>
+          </p:nvPr>
+        </p:nvSpPr>
+        <p:spPr>
+          <a:xfrm>
+            <a:off x="6603423" y="6255991"/>
+            <a:ext cx="2057400" cy="365125"/>
+          </a:xfrm>
+        </p:spPr>
+        <p:txBody>
+          <a:bodyPr/>
+          <a:lstStyle/>
+          <a:p>
+            <a:r>
+              <a:rPr lang="fr-FR" sz="1800" dirty="0">
+                <a:latin typeface="Eurostile-Roman" pitchFamily="2" charset="0"/>
+              </a:rPr>
+              <a:t>Diapositive </a:t>
+            </a:r>
+            <a:fld id="{0A0AF257-D28F-495E-9E53-3BED59B8AA35}" type="slidenum">
+              <a:rPr lang="fr-FR" sz="1800" smtClean="0">
+                <a:latin typeface="Eurostile-Roman" pitchFamily="2" charset="0"/>
+              </a:rPr>
+              <a:t>20</a:t>
+            </a:fld>
+            <a:endParaRPr lang="fr-FR" sz="1800" dirty="0">
+              <a:latin typeface="Eurostile-Roman" pitchFamily="2" charset="0"/>
+            </a:endParaRPr>
+          </a:p>
+        </p:txBody>
+      </p:sp>
+    </p:spTree>
+    <p:extLst>
+      <p:ext uri="{BB962C8B-B14F-4D97-AF65-F5344CB8AC3E}">
+        <p14:creationId xmlns:p14="http://schemas.microsoft.com/office/powerpoint/2010/main" val="3180818915"/>
+      </p:ext>
+    </p:extLst>
+  </p:cSld>
+  <p:clrMapOvr>
+    <a:masterClrMapping/>
+  </p:clrMapOvr>
+</p:sld>
+</file>
+
+<file path=ppt/slides/slide21.xml><?xml version="1.0" encoding="utf-8"?>
+<p:sld xmlns:a="http://schemas.openxmlformats.org/drawingml/2006/main" xmlns:r="http://schemas.openxmlformats.org/officeDocument/2006/relationships" xmlns:p="http://schemas.openxmlformats.org/presentationml/2006/main">
+  <p:cSld>
+    <p:spTree>
+      <p:nvGrpSpPr>
+        <p:cNvPr id="1" name=""/>
+        <p:cNvGrpSpPr/>
+        <p:nvPr/>
+      </p:nvGrpSpPr>
+      <p:grpSpPr>
+        <a:xfrm>
+          <a:off x="0" y="0"/>
+          <a:ext cx="0" cy="0"/>
+          <a:chOff x="0" y="0"/>
+          <a:chExt cx="0" cy="0"/>
+        </a:xfrm>
+      </p:grpSpPr>
+      <p:sp>
+        <p:nvSpPr>
+          <p:cNvPr id="2" name="Titre 1"/>
+          <p:cNvSpPr>
+            <a:spLocks noGrp="1"/>
+          </p:cNvSpPr>
+          <p:nvPr>
+            <p:ph type="title"/>
+          </p:nvPr>
+        </p:nvSpPr>
+        <p:spPr>
+          <a:xfrm>
+            <a:off x="245917" y="0"/>
+            <a:ext cx="6347713" cy="1320800"/>
+          </a:xfrm>
+        </p:spPr>
+        <p:txBody>
+          <a:bodyPr>
+            <a:normAutofit/>
+          </a:bodyPr>
+          <a:lstStyle/>
+          <a:p>
+            <a:r>
+              <a:rPr lang="fr-FR" sz="3500" dirty="0">
+                <a:solidFill>
+                  <a:schemeClr val="bg1"/>
+                </a:solidFill>
+                <a:latin typeface="Eurostile-Roman" pitchFamily="2" charset="0"/>
+              </a:rPr>
+              <a:t>Développement </a:t>
+            </a:r>
+            <a:br>
+              <a:rPr lang="fr-FR" sz="3500" dirty="0">
+                <a:solidFill>
+                  <a:schemeClr val="bg1"/>
+                </a:solidFill>
+                <a:latin typeface="Eurostile-Roman" pitchFamily="2" charset="0"/>
+              </a:rPr>
+            </a:br>
+            <a:r>
+              <a:rPr lang="fr-FR" sz="3500" dirty="0">
+                <a:solidFill>
+                  <a:schemeClr val="bg1"/>
+                </a:solidFill>
+                <a:latin typeface="Eurostile-Roman" pitchFamily="2" charset="0"/>
+              </a:rPr>
+              <a:t>de la solution</a:t>
+            </a:r>
+          </a:p>
+        </p:txBody>
+      </p:sp>
+      <p:sp>
+        <p:nvSpPr>
+          <p:cNvPr id="11" name="Espace réservé du numéro de diapositive 1"/>
+          <p:cNvSpPr>
+            <a:spLocks noGrp="1"/>
+          </p:cNvSpPr>
+          <p:nvPr>
+            <p:ph type="sldNum" sz="quarter" idx="12"/>
+          </p:nvPr>
+        </p:nvSpPr>
+        <p:spPr>
+          <a:xfrm>
+            <a:off x="6603423" y="6255991"/>
+            <a:ext cx="2057400" cy="365125"/>
+          </a:xfrm>
+        </p:spPr>
+        <p:txBody>
+          <a:bodyPr/>
+          <a:lstStyle/>
+          <a:p>
+            <a:r>
+              <a:rPr lang="fr-FR" sz="1800" dirty="0">
+                <a:latin typeface="Eurostile-Roman" pitchFamily="2" charset="0"/>
+              </a:rPr>
+              <a:t>Diapositive </a:t>
+            </a:r>
+            <a:fld id="{0A0AF257-D28F-495E-9E53-3BED59B8AA35}" type="slidenum">
+              <a:rPr lang="fr-FR" sz="1800" smtClean="0">
+                <a:latin typeface="Eurostile-Roman" pitchFamily="2" charset="0"/>
+              </a:rPr>
+              <a:t>21</a:t>
+            </a:fld>
+            <a:endParaRPr lang="fr-FR" sz="1800" dirty="0">
+              <a:latin typeface="Eurostile-Roman" pitchFamily="2" charset="0"/>
+            </a:endParaRPr>
+          </a:p>
+        </p:txBody>
+      </p:sp>
+      <p:pic>
+        <p:nvPicPr>
+          <p:cNvPr id="4" name="Image 3"/>
+          <p:cNvPicPr>
+            <a:picLocks noChangeAspect="1"/>
+          </p:cNvPicPr>
+          <p:nvPr/>
+        </p:nvPicPr>
+        <p:blipFill>
+          <a:blip r:embed="rId2">
+            <a:extLst>
+              <a:ext uri="{28A0092B-C50C-407E-A947-70E740481C1C}">
+                <a14:useLocalDpi xmlns:a14="http://schemas.microsoft.com/office/drawing/2010/main" val="0"/>
+              </a:ext>
+            </a:extLst>
+          </a:blip>
+          <a:stretch>
+            <a:fillRect/>
+          </a:stretch>
+        </p:blipFill>
+        <p:spPr>
+          <a:xfrm>
+            <a:off x="1717956" y="1579956"/>
+            <a:ext cx="5792351" cy="4676035"/>
+          </a:xfrm>
+          <a:prstGeom prst="rect">
+            <a:avLst/>
+          </a:prstGeom>
+        </p:spPr>
+      </p:pic>
+    </p:spTree>
+    <p:extLst>
+      <p:ext uri="{BB962C8B-B14F-4D97-AF65-F5344CB8AC3E}">
+        <p14:creationId xmlns:p14="http://schemas.microsoft.com/office/powerpoint/2010/main" val="2439316477"/>
+      </p:ext>
+    </p:extLst>
+  </p:cSld>
+  <p:clrMapOvr>
+    <a:masterClrMapping/>
+  </p:clrMapOvr>
+</p:sld>
+</file>
+
+<file path=ppt/slides/slide22.xml><?xml version="1.0" encoding="utf-8"?>
+<p:sld xmlns:a="http://schemas.openxmlformats.org/drawingml/2006/main" xmlns:r="http://schemas.openxmlformats.org/officeDocument/2006/relationships" xmlns:p="http://schemas.openxmlformats.org/presentationml/2006/main">
+  <p:cSld>
+    <p:spTree>
+      <p:nvGrpSpPr>
+        <p:cNvPr id="1" name=""/>
+        <p:cNvGrpSpPr/>
+        <p:nvPr/>
+      </p:nvGrpSpPr>
+      <p:grpSpPr>
+        <a:xfrm>
+          <a:off x="0" y="0"/>
+          <a:ext cx="0" cy="0"/>
+          <a:chOff x="0" y="0"/>
+          <a:chExt cx="0" cy="0"/>
+        </a:xfrm>
+      </p:grpSpPr>
+      <p:sp>
+        <p:nvSpPr>
+          <p:cNvPr id="2" name="Titre 1"/>
+          <p:cNvSpPr>
+            <a:spLocks noGrp="1"/>
+          </p:cNvSpPr>
+          <p:nvPr>
+            <p:ph type="title"/>
+          </p:nvPr>
+        </p:nvSpPr>
+        <p:spPr>
+          <a:xfrm>
+            <a:off x="245917" y="0"/>
+            <a:ext cx="6347713" cy="1320800"/>
+          </a:xfrm>
+        </p:spPr>
+        <p:txBody>
+          <a:bodyPr>
+            <a:normAutofit/>
+          </a:bodyPr>
+          <a:lstStyle/>
+          <a:p>
+            <a:r>
+              <a:rPr lang="fr-FR" sz="3500" dirty="0">
+                <a:solidFill>
+                  <a:schemeClr val="bg1"/>
+                </a:solidFill>
+                <a:latin typeface="Eurostile-Roman" pitchFamily="2" charset="0"/>
+              </a:rPr>
+              <a:t>Développement </a:t>
+            </a:r>
+            <a:br>
+              <a:rPr lang="fr-FR" sz="3500" dirty="0">
+                <a:solidFill>
+                  <a:schemeClr val="bg1"/>
+                </a:solidFill>
+                <a:latin typeface="Eurostile-Roman" pitchFamily="2" charset="0"/>
+              </a:rPr>
+            </a:br>
+            <a:r>
+              <a:rPr lang="fr-FR" sz="3500" dirty="0">
+                <a:solidFill>
+                  <a:schemeClr val="bg1"/>
+                </a:solidFill>
+                <a:latin typeface="Eurostile-Roman" pitchFamily="2" charset="0"/>
+              </a:rPr>
+              <a:t>de la solution</a:t>
+            </a:r>
+          </a:p>
+        </p:txBody>
+      </p:sp>
+      <p:sp>
+        <p:nvSpPr>
+          <p:cNvPr id="11" name="Espace réservé du numéro de diapositive 1"/>
+          <p:cNvSpPr>
+            <a:spLocks noGrp="1"/>
+          </p:cNvSpPr>
+          <p:nvPr>
+            <p:ph type="sldNum" sz="quarter" idx="12"/>
+          </p:nvPr>
+        </p:nvSpPr>
+        <p:spPr>
+          <a:xfrm>
+            <a:off x="6603423" y="6255991"/>
+            <a:ext cx="2057400" cy="365125"/>
+          </a:xfrm>
+        </p:spPr>
+        <p:txBody>
+          <a:bodyPr/>
+          <a:lstStyle/>
+          <a:p>
+            <a:r>
+              <a:rPr lang="fr-FR" sz="1800" dirty="0">
+                <a:latin typeface="Eurostile-Roman" pitchFamily="2" charset="0"/>
+              </a:rPr>
+              <a:t>Diapositive </a:t>
+            </a:r>
+            <a:fld id="{0A0AF257-D28F-495E-9E53-3BED59B8AA35}" type="slidenum">
+              <a:rPr lang="fr-FR" sz="1800" smtClean="0">
+                <a:latin typeface="Eurostile-Roman" pitchFamily="2" charset="0"/>
+              </a:rPr>
+              <a:t>22</a:t>
+            </a:fld>
+            <a:endParaRPr lang="fr-FR" sz="1800" dirty="0">
+              <a:latin typeface="Eurostile-Roman" pitchFamily="2" charset="0"/>
+            </a:endParaRPr>
+          </a:p>
+        </p:txBody>
+      </p:sp>
+      <p:sp>
+        <p:nvSpPr>
+          <p:cNvPr id="5" name="Espace réservé du contenu 30"/>
+          <p:cNvSpPr>
+            <a:spLocks noGrp="1"/>
+          </p:cNvSpPr>
+          <p:nvPr>
+            <p:ph idx="1"/>
+          </p:nvPr>
+        </p:nvSpPr>
+        <p:spPr>
+          <a:xfrm>
+            <a:off x="948615" y="1922622"/>
+            <a:ext cx="7886700" cy="753671"/>
+          </a:xfrm>
+        </p:spPr>
+        <p:txBody>
+          <a:bodyPr>
+            <a:normAutofit/>
+          </a:bodyPr>
+          <a:lstStyle/>
+          <a:p>
+            <a:pPr>
+              <a:lnSpc>
+                <a:spcPct val="150000"/>
+              </a:lnSpc>
+            </a:pPr>
+            <a:r>
+              <a:rPr lang="fr-FR" sz="2200" dirty="0">
+                <a:solidFill>
+                  <a:srgbClr val="004492"/>
+                </a:solidFill>
+                <a:latin typeface="Calibri (Corps)"/>
+              </a:rPr>
+              <a:t>Développement d’un analyseur syntaxique</a:t>
+            </a:r>
+          </a:p>
+        </p:txBody>
+      </p:sp>
+      <p:sp>
+        <p:nvSpPr>
+          <p:cNvPr id="7" name="Espace réservé du contenu 30"/>
+          <p:cNvSpPr txBox="1">
+            <a:spLocks/>
+          </p:cNvSpPr>
+          <p:nvPr/>
+        </p:nvSpPr>
+        <p:spPr>
+          <a:xfrm>
+            <a:off x="1084118" y="2529222"/>
+            <a:ext cx="8059882" cy="3347471"/>
+          </a:xfrm>
+          <a:prstGeom prst="rect">
+            <a:avLst/>
+          </a:prstGeom>
+        </p:spPr>
+        <p:txBody>
+          <a:bodyPr vert="horz" lIns="91440" tIns="45720" rIns="91440" bIns="45720" rtlCol="0">
+            <a:normAutofit/>
+          </a:bodyPr>
+          <a:lstStyle>
+            <a:lvl1pPr marL="171450" indent="-171450" algn="l" defTabSz="685800" rtl="0" eaLnBrk="1" latinLnBrk="0" hangingPunct="1">
+              <a:lnSpc>
+                <a:spcPct val="90000"/>
+              </a:lnSpc>
+              <a:spcBef>
+                <a:spcPts val="750"/>
+              </a:spcBef>
+              <a:buFont typeface="Arial" panose="020B0604020202020204" pitchFamily="34" charset="0"/>
+              <a:buChar char="•"/>
+              <a:defRPr sz="2100" kern="1200">
+                <a:solidFill>
+                  <a:schemeClr val="tx1"/>
+                </a:solidFill>
+                <a:latin typeface="+mn-lt"/>
+                <a:ea typeface="+mn-ea"/>
+                <a:cs typeface="+mn-cs"/>
+              </a:defRPr>
+            </a:lvl1pPr>
+            <a:lvl2pPr marL="514350" indent="-171450" algn="l" defTabSz="685800" rtl="0" eaLnBrk="1" latinLnBrk="0" hangingPunct="1">
+              <a:lnSpc>
+                <a:spcPct val="90000"/>
+              </a:lnSpc>
+              <a:spcBef>
+                <a:spcPts val="375"/>
+              </a:spcBef>
+              <a:buFont typeface="Arial" panose="020B0604020202020204" pitchFamily="34" charset="0"/>
+              <a:buChar char="•"/>
+              <a:defRPr sz="1800" kern="1200">
+                <a:solidFill>
+                  <a:schemeClr val="tx1"/>
+                </a:solidFill>
+                <a:latin typeface="+mn-lt"/>
+                <a:ea typeface="+mn-ea"/>
+                <a:cs typeface="+mn-cs"/>
+              </a:defRPr>
+            </a:lvl2pPr>
+            <a:lvl3pPr marL="857250" indent="-171450" algn="l" defTabSz="685800" rtl="0" eaLnBrk="1" latinLnBrk="0" hangingPunct="1">
+              <a:lnSpc>
+                <a:spcPct val="90000"/>
+              </a:lnSpc>
+              <a:spcBef>
+                <a:spcPts val="375"/>
+              </a:spcBef>
+              <a:buFont typeface="Arial" panose="020B0604020202020204" pitchFamily="34" charset="0"/>
+              <a:buChar char="•"/>
+              <a:defRPr sz="1500" kern="1200">
+                <a:solidFill>
+                  <a:schemeClr val="tx1"/>
+                </a:solidFill>
+                <a:latin typeface="+mn-lt"/>
+                <a:ea typeface="+mn-ea"/>
+                <a:cs typeface="+mn-cs"/>
+              </a:defRPr>
+            </a:lvl3pPr>
+            <a:lvl4pPr marL="1200150" indent="-171450" algn="l" defTabSz="685800" rtl="0" eaLnBrk="1" latinLnBrk="0" hangingPunct="1">
+              <a:lnSpc>
+                <a:spcPct val="90000"/>
+              </a:lnSpc>
+              <a:spcBef>
+                <a:spcPts val="375"/>
+              </a:spcBef>
+              <a:buFont typeface="Arial" panose="020B0604020202020204" pitchFamily="34" charset="0"/>
+              <a:buChar char="•"/>
+              <a:defRPr sz="1350" kern="1200">
+                <a:solidFill>
+                  <a:schemeClr val="tx1"/>
+                </a:solidFill>
+                <a:latin typeface="+mn-lt"/>
+                <a:ea typeface="+mn-ea"/>
+                <a:cs typeface="+mn-cs"/>
+              </a:defRPr>
+            </a:lvl4pPr>
+            <a:lvl5pPr marL="1543050" indent="-171450" algn="l" defTabSz="685800" rtl="0" eaLnBrk="1" latinLnBrk="0" hangingPunct="1">
+              <a:lnSpc>
+                <a:spcPct val="90000"/>
+              </a:lnSpc>
+              <a:spcBef>
+                <a:spcPts val="375"/>
+              </a:spcBef>
+              <a:buFont typeface="Arial" panose="020B0604020202020204" pitchFamily="34" charset="0"/>
+              <a:buChar char="•"/>
+              <a:defRPr sz="1350" kern="1200">
+                <a:solidFill>
+                  <a:schemeClr val="tx1"/>
+                </a:solidFill>
+                <a:latin typeface="+mn-lt"/>
+                <a:ea typeface="+mn-ea"/>
+                <a:cs typeface="+mn-cs"/>
+              </a:defRPr>
+            </a:lvl5pPr>
+            <a:lvl6pPr marL="1885950" indent="-171450" algn="l" defTabSz="685800" rtl="0" eaLnBrk="1" latinLnBrk="0" hangingPunct="1">
+              <a:lnSpc>
+                <a:spcPct val="90000"/>
+              </a:lnSpc>
+              <a:spcBef>
+                <a:spcPts val="375"/>
+              </a:spcBef>
+              <a:buFont typeface="Arial" panose="020B0604020202020204" pitchFamily="34" charset="0"/>
+              <a:buChar char="•"/>
+              <a:defRPr sz="1350" kern="1200">
+                <a:solidFill>
+                  <a:schemeClr val="tx1"/>
+                </a:solidFill>
+                <a:latin typeface="+mn-lt"/>
+                <a:ea typeface="+mn-ea"/>
+                <a:cs typeface="+mn-cs"/>
+              </a:defRPr>
+            </a:lvl6pPr>
+            <a:lvl7pPr marL="2228850" indent="-171450" algn="l" defTabSz="685800" rtl="0" eaLnBrk="1" latinLnBrk="0" hangingPunct="1">
+              <a:lnSpc>
+                <a:spcPct val="90000"/>
+              </a:lnSpc>
+              <a:spcBef>
+                <a:spcPts val="375"/>
+              </a:spcBef>
+              <a:buFont typeface="Arial" panose="020B0604020202020204" pitchFamily="34" charset="0"/>
+              <a:buChar char="•"/>
+              <a:defRPr sz="1350" kern="1200">
+                <a:solidFill>
+                  <a:schemeClr val="tx1"/>
+                </a:solidFill>
+                <a:latin typeface="+mn-lt"/>
+                <a:ea typeface="+mn-ea"/>
+                <a:cs typeface="+mn-cs"/>
+              </a:defRPr>
+            </a:lvl7pPr>
+            <a:lvl8pPr marL="2571750" indent="-171450" algn="l" defTabSz="685800" rtl="0" eaLnBrk="1" latinLnBrk="0" hangingPunct="1">
+              <a:lnSpc>
+                <a:spcPct val="90000"/>
+              </a:lnSpc>
+              <a:spcBef>
+                <a:spcPts val="375"/>
+              </a:spcBef>
+              <a:buFont typeface="Arial" panose="020B0604020202020204" pitchFamily="34" charset="0"/>
+              <a:buChar char="•"/>
+              <a:defRPr sz="1350" kern="1200">
+                <a:solidFill>
+                  <a:schemeClr val="tx1"/>
+                </a:solidFill>
+                <a:latin typeface="+mn-lt"/>
+                <a:ea typeface="+mn-ea"/>
+                <a:cs typeface="+mn-cs"/>
+              </a:defRPr>
+            </a:lvl8pPr>
+            <a:lvl9pPr marL="2914650" indent="-171450" algn="l" defTabSz="685800" rtl="0" eaLnBrk="1" latinLnBrk="0" hangingPunct="1">
+              <a:lnSpc>
+                <a:spcPct val="90000"/>
+              </a:lnSpc>
+              <a:spcBef>
+                <a:spcPts val="375"/>
+              </a:spcBef>
+              <a:buFont typeface="Arial" panose="020B0604020202020204" pitchFamily="34" charset="0"/>
+              <a:buChar char="•"/>
+              <a:defRPr sz="1350" kern="1200">
+                <a:solidFill>
+                  <a:schemeClr val="tx1"/>
+                </a:solidFill>
+                <a:latin typeface="+mn-lt"/>
+                <a:ea typeface="+mn-ea"/>
+                <a:cs typeface="+mn-cs"/>
+              </a:defRPr>
+            </a:lvl9pPr>
+          </a:lstStyle>
+          <a:p>
+            <a:pPr lvl="1">
+              <a:lnSpc>
+                <a:spcPct val="250000"/>
+              </a:lnSpc>
+              <a:buFont typeface="Wingdings" panose="05000000000000000000" pitchFamily="2" charset="2"/>
+              <a:buChar char="§"/>
+            </a:pPr>
+            <a:r>
+              <a:rPr lang="fr-FR" sz="2000" dirty="0">
+                <a:solidFill>
+                  <a:srgbClr val="004492"/>
+                </a:solidFill>
+                <a:latin typeface="Calibri (Corps)"/>
+              </a:rPr>
+              <a:t>Reconnaissance de « patterns » : exemples :</a:t>
+            </a:r>
+          </a:p>
+          <a:p>
+            <a:pPr lvl="2">
+              <a:lnSpc>
+                <a:spcPct val="250000"/>
+              </a:lnSpc>
+              <a:buClr>
+                <a:srgbClr val="004492"/>
+              </a:buClr>
+              <a:buFont typeface="Wingdings" panose="05000000000000000000" pitchFamily="2" charset="2"/>
+              <a:buChar char="§"/>
+            </a:pPr>
+            <a:r>
+              <a:rPr lang="fr-FR" sz="1800" b="1" dirty="0">
+                <a:latin typeface="Calibri (Corps)"/>
+                <a:ea typeface="Times New Roman" panose="02020603050405020304" pitchFamily="18" charset="0"/>
+                <a:cs typeface="Arial" panose="020B0604020202020204" pitchFamily="34" charset="0"/>
+              </a:rPr>
+              <a:t>OBJECT </a:t>
+            </a:r>
+            <a:r>
+              <a:rPr lang="fr-FR" sz="1800" b="1" dirty="0">
+                <a:solidFill>
+                  <a:srgbClr val="FF0000"/>
+                </a:solidFill>
+                <a:latin typeface="Calibri (Corps)"/>
+                <a:ea typeface="Times New Roman" panose="02020603050405020304" pitchFamily="18" charset="0"/>
+                <a:cs typeface="Arial" panose="020B0604020202020204" pitchFamily="34" charset="0"/>
+              </a:rPr>
+              <a:t>type </a:t>
+            </a:r>
+            <a:r>
+              <a:rPr lang="fr-FR" sz="1800" b="1" dirty="0">
+                <a:solidFill>
+                  <a:srgbClr val="385623"/>
+                </a:solidFill>
+                <a:latin typeface="Calibri (Corps)"/>
+                <a:ea typeface="Times New Roman" panose="02020603050405020304" pitchFamily="18" charset="0"/>
+                <a:cs typeface="Arial" panose="020B0604020202020204" pitchFamily="34" charset="0"/>
+              </a:rPr>
+              <a:t>identifiant </a:t>
+            </a:r>
+            <a:r>
+              <a:rPr lang="fr-FR" sz="1800" b="1" dirty="0">
+                <a:solidFill>
+                  <a:srgbClr val="0070C0"/>
+                </a:solidFill>
+                <a:latin typeface="Calibri (Corps)"/>
+                <a:ea typeface="Times New Roman" panose="02020603050405020304" pitchFamily="18" charset="0"/>
+                <a:cs typeface="Arial" panose="020B0604020202020204" pitchFamily="34" charset="0"/>
+              </a:rPr>
+              <a:t>nom</a:t>
+            </a:r>
+          </a:p>
+          <a:p>
+            <a:pPr lvl="2">
+              <a:lnSpc>
+                <a:spcPct val="250000"/>
+              </a:lnSpc>
+              <a:buClr>
+                <a:srgbClr val="004492"/>
+              </a:buClr>
+              <a:buFont typeface="Wingdings" panose="05000000000000000000" pitchFamily="2" charset="2"/>
+              <a:buChar char="§"/>
+            </a:pPr>
+            <a:r>
+              <a:rPr lang="fr-FR" sz="1800" b="1" dirty="0">
+                <a:solidFill>
+                  <a:srgbClr val="FF0000"/>
+                </a:solidFill>
+                <a:latin typeface="Calibri (Corps)"/>
+                <a:ea typeface="Times New Roman" panose="02020603050405020304" pitchFamily="18" charset="0"/>
+                <a:cs typeface="Arial" panose="020B0604020202020204" pitchFamily="34" charset="0"/>
+              </a:rPr>
+              <a:t>Type </a:t>
+            </a:r>
+            <a:r>
+              <a:rPr lang="fr-FR" sz="1800" b="1" dirty="0">
+                <a:solidFill>
+                  <a:srgbClr val="385623"/>
+                </a:solidFill>
+                <a:latin typeface="Calibri (Corps)"/>
+                <a:ea typeface="Times New Roman" panose="02020603050405020304" pitchFamily="18" charset="0"/>
+                <a:cs typeface="Arial" panose="020B0604020202020204" pitchFamily="34" charset="0"/>
+              </a:rPr>
+              <a:t>identifiant</a:t>
+            </a:r>
+            <a:r>
+              <a:rPr lang="fr-FR" sz="1800" b="1" dirty="0">
+                <a:solidFill>
+                  <a:srgbClr val="000000"/>
+                </a:solidFill>
+                <a:latin typeface="Calibri (Corps)"/>
+                <a:ea typeface="Times New Roman" panose="02020603050405020304" pitchFamily="18" charset="0"/>
+                <a:cs typeface="Arial" panose="020B0604020202020204" pitchFamily="34" charset="0"/>
+              </a:rPr>
+              <a:t>;</a:t>
+            </a:r>
+            <a:endParaRPr lang="fr-FR" sz="1700" b="1" dirty="0">
+              <a:solidFill>
+                <a:srgbClr val="004492"/>
+              </a:solidFill>
+              <a:latin typeface="Calibri (Corps)"/>
+            </a:endParaRPr>
+          </a:p>
+          <a:p>
+            <a:pPr lvl="1">
+              <a:lnSpc>
+                <a:spcPct val="250000"/>
+              </a:lnSpc>
+              <a:buFont typeface="Wingdings" panose="05000000000000000000" pitchFamily="2" charset="2"/>
+              <a:buChar char="§"/>
+            </a:pPr>
+            <a:r>
+              <a:rPr lang="fr-FR" sz="2000" dirty="0">
+                <a:solidFill>
+                  <a:srgbClr val="004492"/>
+                </a:solidFill>
+                <a:latin typeface="Calibri (Corps)"/>
+              </a:rPr>
+              <a:t>Réimportation des objets et migration des données.</a:t>
+            </a:r>
+          </a:p>
+          <a:p>
+            <a:pPr lvl="1">
+              <a:lnSpc>
+                <a:spcPct val="250000"/>
+              </a:lnSpc>
+              <a:buFont typeface="Wingdings" panose="05000000000000000000" pitchFamily="2" charset="2"/>
+              <a:buChar char="§"/>
+            </a:pPr>
+            <a:endParaRPr lang="fr-FR" sz="2000" dirty="0">
+              <a:solidFill>
+                <a:srgbClr val="004492"/>
+              </a:solidFill>
+              <a:latin typeface="Calibri (Corps)"/>
+            </a:endParaRPr>
+          </a:p>
+          <a:p>
+            <a:pPr lvl="1">
+              <a:lnSpc>
+                <a:spcPct val="250000"/>
+              </a:lnSpc>
+            </a:pPr>
+            <a:endParaRPr lang="fr-FR" sz="2000" dirty="0">
+              <a:solidFill>
+                <a:srgbClr val="004492"/>
+              </a:solidFill>
+              <a:latin typeface="Calibri (Corps)"/>
+            </a:endParaRPr>
+          </a:p>
+        </p:txBody>
+      </p:sp>
+    </p:spTree>
+    <p:extLst>
+      <p:ext uri="{BB962C8B-B14F-4D97-AF65-F5344CB8AC3E}">
+        <p14:creationId xmlns:p14="http://schemas.microsoft.com/office/powerpoint/2010/main" val="128446700"/>
+      </p:ext>
+    </p:extLst>
+  </p:cSld>
+  <p:clrMapOvr>
+    <a:masterClrMapping/>
+  </p:clrMapOvr>
+</p:sld>
+</file>
+
+<file path=ppt/slides/slide23.xml><?xml version="1.0" encoding="utf-8"?>
 <p:sld xmlns:a="http://schemas.openxmlformats.org/drawingml/2006/main" xmlns:r="http://schemas.openxmlformats.org/officeDocument/2006/relationships" xmlns:p="http://schemas.openxmlformats.org/presentationml/2006/main">
   <p:cSld>
     <p:spTree>
@@ -8101,7 +10409,7 @@
           <a:p>
             <a:fld id="{0A0AF257-D28F-495E-9E53-3BED59B8AA35}" type="slidenum">
               <a:rPr lang="fr-FR" smtClean="0"/>
-              <a:t>18</a:t>
+              <a:t>23</a:t>
             </a:fld>
             <a:endParaRPr lang="fr-FR"/>
           </a:p>
@@ -8120,7 +10428,7 @@
 </p:sld>
 </file>
 
-<file path=ppt/slides/slide19.xml><?xml version="1.0" encoding="utf-8"?>
+<file path=ppt/slides/slide24.xml><?xml version="1.0" encoding="utf-8"?>
 <p:sld xmlns:a="http://schemas.openxmlformats.org/drawingml/2006/main" xmlns:r="http://schemas.openxmlformats.org/officeDocument/2006/relationships" xmlns:p="http://schemas.openxmlformats.org/presentationml/2006/main">
   <p:cSld>
     <p:spTree>
@@ -8188,6 +10496,36 @@
           </a:p>
         </p:txBody>
       </p:sp>
+      <p:pic>
+        <p:nvPicPr>
+          <p:cNvPr id="3" name="Image 2"/>
+          <p:cNvPicPr>
+            <a:picLocks noChangeAspect="1"/>
+          </p:cNvPicPr>
+          <p:nvPr/>
+        </p:nvPicPr>
+        <p:blipFill>
+          <a:blip r:embed="rId2" cstate="print">
+            <a:extLst>
+              <a:ext uri="{28A0092B-C50C-407E-A947-70E740481C1C}">
+                <a14:useLocalDpi xmlns:a14="http://schemas.microsoft.com/office/drawing/2010/main" val="0"/>
+              </a:ext>
+            </a:extLst>
+          </a:blip>
+          <a:stretch>
+            <a:fillRect/>
+          </a:stretch>
+        </p:blipFill>
+        <p:spPr>
+          <a:xfrm>
+            <a:off x="5878200" y="1143000"/>
+            <a:ext cx="2913294" cy="5070764"/>
+          </a:xfrm>
+          <a:prstGeom prst="rect">
+            <a:avLst/>
+          </a:prstGeom>
+        </p:spPr>
+      </p:pic>
       <p:sp>
         <p:nvSpPr>
           <p:cNvPr id="4" name="Espace réservé du contenu 30"/>
@@ -8200,7 +10538,7 @@
         </p:nvSpPr>
         <p:spPr>
           <a:xfrm>
-            <a:off x="904010" y="1974616"/>
+            <a:off x="505691" y="2017738"/>
             <a:ext cx="7886700" cy="1053962"/>
           </a:xfrm>
         </p:spPr>
@@ -8273,7 +10611,7 @@
         </p:nvSpPr>
         <p:spPr>
           <a:xfrm>
-            <a:off x="1084118" y="2719805"/>
+            <a:off x="730827" y="2812625"/>
             <a:ext cx="6729846" cy="3826469"/>
           </a:xfrm>
           <a:prstGeom prst="rect">
@@ -8449,11 +10787,12 @@
             </a:lvl9pPr>
           </a:lstStyle>
           <a:p>
-            <a:pPr marL="800100" lvl="1" indent="-457200">
+            <a:pPr lvl="1">
               <a:lnSpc>
                 <a:spcPct val="250000"/>
               </a:lnSpc>
-              <a:buAutoNum type="arabicPeriod"/>
+              <a:buFont typeface="Wingdings" panose="05000000000000000000" pitchFamily="2" charset="2"/>
+              <a:buChar char="§"/>
             </a:pPr>
             <a:r>
               <a:rPr lang="fr-FR" sz="2000" dirty="0">
@@ -8462,15 +10801,16 @@
                 </a:solidFill>
                 <a:latin typeface="Eurostile" panose="020B0504020202050204" pitchFamily="34" charset="0"/>
               </a:rPr>
-              <a:t>Tri des évènements utiles</a:t>
-            </a:r>
-          </a:p>
-          <a:p>
-            <a:pPr marL="800100" lvl="1" indent="-457200">
+              <a:t>CtiServerConnector.DLL</a:t>
+            </a:r>
+          </a:p>
+          <a:p>
+            <a:pPr lvl="1">
               <a:lnSpc>
                 <a:spcPct val="250000"/>
               </a:lnSpc>
-              <a:buAutoNum type="arabicPeriod"/>
+              <a:buFont typeface="Wingdings" panose="05000000000000000000" pitchFamily="2" charset="2"/>
+              <a:buChar char="§"/>
             </a:pPr>
             <a:r>
               <a:rPr lang="fr-FR" sz="2000" dirty="0">
@@ -8479,8 +10819,49 @@
                 </a:solidFill>
                 <a:latin typeface="Eurostile" panose="020B0504020202050204" pitchFamily="34" charset="0"/>
               </a:rPr>
-              <a:t>Définition de méthodes d’écoutes de ces évènements</a:t>
-            </a:r>
+              <a:t>Instancie une connexion avec la solution ELIOT</a:t>
+            </a:r>
+          </a:p>
+          <a:p>
+            <a:pPr lvl="1">
+              <a:lnSpc>
+                <a:spcPct val="250000"/>
+              </a:lnSpc>
+              <a:buFont typeface="Wingdings" panose="05000000000000000000" pitchFamily="2" charset="2"/>
+              <a:buChar char="§"/>
+            </a:pPr>
+            <a:r>
+              <a:rPr lang="fr-FR" sz="2000" dirty="0">
+                <a:solidFill>
+                  <a:srgbClr val="004492"/>
+                </a:solidFill>
+                <a:latin typeface="Eurostile" panose="020B0504020202050204" pitchFamily="34" charset="0"/>
+              </a:rPr>
+              <a:t>Permet l’écoute et le traitement d’évènements </a:t>
+            </a:r>
+          </a:p>
+          <a:p>
+            <a:pPr marL="342900" lvl="1" indent="0">
+              <a:lnSpc>
+                <a:spcPct val="250000"/>
+              </a:lnSpc>
+              <a:buNone/>
+            </a:pPr>
+            <a:r>
+              <a:rPr lang="fr-FR" sz="2000" dirty="0">
+                <a:solidFill>
+                  <a:srgbClr val="004492"/>
+                </a:solidFill>
+                <a:latin typeface="Eurostile" panose="020B0504020202050204" pitchFamily="34" charset="0"/>
+              </a:rPr>
+              <a:t>   </a:t>
+            </a:r>
+            <a:endParaRPr lang="fr-FR" sz="1700" dirty="0">
+              <a:solidFill>
+                <a:srgbClr val="004492"/>
+              </a:solidFill>
+              <a:latin typeface="Eurostile" panose="020B0504020202050204" pitchFamily="34" charset="0"/>
+            </a:endParaRPr>
           </a:p>
           <a:p>
             <a:pPr marL="342900" lvl="1" indent="0">
@@ -8496,53 +10877,49 @@
               <a:latin typeface="Eurostile" panose="020B0504020202050204" pitchFamily="34" charset="0"/>
             </a:endParaRPr>
           </a:p>
-          <a:p>
-            <a:pPr marL="800100" lvl="1" indent="-457200">
-              <a:lnSpc>
-                <a:spcPct val="250000"/>
-              </a:lnSpc>
-              <a:buAutoNum type="arabicPeriod"/>
-            </a:pPr>
-            <a:endParaRPr lang="fr-FR" sz="2000" dirty="0">
-              <a:solidFill>
-                <a:srgbClr val="004492"/>
-              </a:solidFill>
-              <a:latin typeface="Eurostile" panose="020B0504020202050204" pitchFamily="34" charset="0"/>
-            </a:endParaRPr>
-          </a:p>
-          <a:p>
-            <a:pPr marL="342900" lvl="1" indent="0">
-              <a:lnSpc>
-                <a:spcPct val="250000"/>
-              </a:lnSpc>
-              <a:buNone/>
-            </a:pPr>
-            <a:endParaRPr lang="fr-FR" sz="1700" dirty="0">
-              <a:solidFill>
-                <a:srgbClr val="004492"/>
-              </a:solidFill>
-              <a:latin typeface="Eurostile" panose="020B0504020202050204" pitchFamily="34" charset="0"/>
-            </a:endParaRPr>
-          </a:p>
-          <a:p>
-            <a:pPr marL="342900" lvl="1" indent="0">
-              <a:lnSpc>
-                <a:spcPct val="250000"/>
-              </a:lnSpc>
-              <a:buNone/>
-            </a:pPr>
-            <a:endParaRPr lang="fr-FR" sz="2000" dirty="0">
-              <a:solidFill>
-                <a:srgbClr val="004492"/>
-              </a:solidFill>
-              <a:latin typeface="Eurostile" panose="020B0504020202050204" pitchFamily="34" charset="0"/>
-            </a:endParaRPr>
-          </a:p>
-        </p:txBody>
-      </p:sp>
-      <p:sp>
-        <p:nvSpPr>
-          <p:cNvPr id="3" name="Espace réservé du numéro de diapositive 2"/>
+        </p:txBody>
+      </p:sp>
+      <p:sp>
+        <p:nvSpPr>
+          <p:cNvPr id="5" name="ZoneTexte 4"/>
+          <p:cNvSpPr txBox="1"/>
+          <p:nvPr/>
+        </p:nvSpPr>
+        <p:spPr>
+          <a:xfrm>
+            <a:off x="1267896" y="5237019"/>
+            <a:ext cx="4073236" cy="677108"/>
+          </a:xfrm>
+          <a:prstGeom prst="rect">
+            <a:avLst/>
+          </a:prstGeom>
+          <a:noFill/>
+        </p:spPr>
+        <p:txBody>
+          <a:bodyPr wrap="square" rtlCol="0">
+            <a:spAutoFit/>
+          </a:bodyPr>
+          <a:lstStyle/>
+          <a:p>
+            <a:pPr marL="0" lvl="1"/>
+            <a:r>
+              <a:rPr lang="fr-FR" sz="2000" dirty="0">
+                <a:solidFill>
+                  <a:srgbClr val="004492"/>
+                </a:solidFill>
+                <a:latin typeface="Eurostile" panose="020B0504020202050204" pitchFamily="34" charset="0"/>
+              </a:rPr>
+              <a:t>envoyés par ELIOT</a:t>
+            </a:r>
+          </a:p>
+          <a:p>
+            <a:endParaRPr lang="fr-FR" dirty="0"/>
+          </a:p>
+        </p:txBody>
+      </p:sp>
+      <p:sp>
+        <p:nvSpPr>
+          <p:cNvPr id="6" name="Espace réservé du numéro de diapositive 5"/>
           <p:cNvSpPr>
             <a:spLocks noGrp="1"/>
           </p:cNvSpPr>
@@ -8557,7 +10934,7 @@
           <a:p>
             <a:fld id="{0A0AF257-D28F-495E-9E53-3BED59B8AA35}" type="slidenum">
               <a:rPr lang="fr-FR" smtClean="0"/>
-              <a:t>19</a:t>
+              <a:t>24</a:t>
             </a:fld>
             <a:endParaRPr lang="fr-FR"/>
           </a:p>
@@ -8566,7 +10943,7 @@
     </p:spTree>
     <p:extLst>
       <p:ext uri="{BB962C8B-B14F-4D97-AF65-F5344CB8AC3E}">
-        <p14:creationId xmlns:p14="http://schemas.microsoft.com/office/powerpoint/2010/main" val="3962560826"/>
+        <p14:creationId xmlns:p14="http://schemas.microsoft.com/office/powerpoint/2010/main" val="3104496963"/>
       </p:ext>
     </p:extLst>
   </p:cSld>
@@ -8576,7 +10953,7 @@
 </p:sld>
 </file>
 
-<file path=ppt/slides/slide2.xml><?xml version="1.0" encoding="utf-8"?>
+<file path=ppt/slides/slide25.xml><?xml version="1.0" encoding="utf-8"?>
 <p:sld xmlns:a="http://schemas.openxmlformats.org/drawingml/2006/main" xmlns:r="http://schemas.openxmlformats.org/officeDocument/2006/relationships" xmlns:p="http://schemas.openxmlformats.org/presentationml/2006/main">
   <p:cSld>
     <p:spTree>
@@ -8595,7 +10972,58 @@
       </p:grpSpPr>
       <p:sp>
         <p:nvSpPr>
-          <p:cNvPr id="3" name="Espace réservé du contenu 2"/>
+          <p:cNvPr id="2" name="Titre 1"/>
+          <p:cNvSpPr>
+            <a:spLocks noGrp="1"/>
+          </p:cNvSpPr>
+          <p:nvPr>
+            <p:ph type="title"/>
+          </p:nvPr>
+        </p:nvSpPr>
+        <p:spPr>
+          <a:xfrm>
+            <a:off x="245917" y="0"/>
+            <a:ext cx="6347713" cy="1320800"/>
+          </a:xfrm>
+        </p:spPr>
+        <p:txBody>
+          <a:bodyPr>
+            <a:normAutofit/>
+          </a:bodyPr>
+          <a:lstStyle/>
+          <a:p>
+            <a:r>
+              <a:rPr lang="fr-FR" sz="3500" dirty="0">
+                <a:solidFill>
+                  <a:schemeClr val="bg1"/>
+                </a:solidFill>
+                <a:latin typeface="Eurostile" panose="020B0504020202050204" pitchFamily="34" charset="0"/>
+              </a:rPr>
+              <a:t>Développement </a:t>
+            </a:r>
+            <a:br>
+              <a:rPr lang="fr-FR" sz="3500" dirty="0">
+                <a:solidFill>
+                  <a:schemeClr val="bg1"/>
+                </a:solidFill>
+                <a:latin typeface="Eurostile" panose="020B0504020202050204" pitchFamily="34" charset="0"/>
+              </a:rPr>
+            </a:br>
+            <a:r>
+              <a:rPr lang="fr-FR" sz="3500" dirty="0">
+                <a:solidFill>
+                  <a:schemeClr val="bg1"/>
+                </a:solidFill>
+                <a:latin typeface="Eurostile" panose="020B0504020202050204" pitchFamily="34" charset="0"/>
+              </a:rPr>
+              <a:t>de la solution</a:t>
+            </a:r>
+          </a:p>
+        </p:txBody>
+      </p:sp>
+      <p:sp>
+        <p:nvSpPr>
+          <p:cNvPr id="4" name="Espace réservé du contenu 30"/>
           <p:cNvSpPr>
             <a:spLocks noGrp="1"/>
           </p:cNvSpPr>
@@ -8605,8 +11033,8 @@
         </p:nvSpPr>
         <p:spPr>
           <a:xfrm>
-            <a:off x="774123" y="1990613"/>
-            <a:ext cx="7886700" cy="4351338"/>
+            <a:off x="904010" y="1974616"/>
+            <a:ext cx="7886700" cy="1053962"/>
           </a:xfrm>
         </p:spPr>
         <p:txBody>
@@ -8615,146 +11043,363 @@
           </a:bodyPr>
           <a:lstStyle/>
           <a:p>
-            <a:pPr marL="457200" indent="-457200">
+            <a:pPr>
               <a:lnSpc>
                 <a:spcPct val="150000"/>
               </a:lnSpc>
-              <a:buAutoNum type="arabicPeriod"/>
             </a:pPr>
             <a:r>
-              <a:rPr lang="fr-FR" sz="2600" dirty="0">
-                <a:solidFill>
-                  <a:srgbClr val="004492"/>
-                </a:solidFill>
-                <a:latin typeface="Eurostile-Roman" pitchFamily="2" charset="0"/>
-              </a:rPr>
-              <a:t>Introduction</a:t>
-            </a:r>
-          </a:p>
-          <a:p>
-            <a:pPr marL="457200" indent="-457200">
-              <a:lnSpc>
-                <a:spcPct val="150000"/>
-              </a:lnSpc>
-              <a:buAutoNum type="arabicPeriod"/>
-            </a:pPr>
-            <a:r>
-              <a:rPr lang="fr-FR" sz="2600" dirty="0">
-                <a:solidFill>
-                  <a:srgbClr val="004492"/>
-                </a:solidFill>
-                <a:latin typeface="Eurostile-Roman" pitchFamily="2" charset="0"/>
-              </a:rPr>
-              <a:t>Présentation de l’entreprise </a:t>
-            </a:r>
-            <a:r>
-              <a:rPr lang="fr-FR" sz="2600" dirty="0" err="1">
-                <a:solidFill>
-                  <a:srgbClr val="004492"/>
-                </a:solidFill>
-                <a:latin typeface="Eurostile-Roman" pitchFamily="2" charset="0"/>
-              </a:rPr>
-              <a:t>Eskape</a:t>
-            </a:r>
-            <a:endParaRPr lang="fr-FR" sz="2600" dirty="0">
-              <a:solidFill>
-                <a:srgbClr val="004492"/>
-              </a:solidFill>
-              <a:latin typeface="Eurostile-Roman" pitchFamily="2" charset="0"/>
-            </a:endParaRPr>
-          </a:p>
-          <a:p>
-            <a:pPr marL="457200" indent="-457200">
-              <a:lnSpc>
-                <a:spcPct val="150000"/>
-              </a:lnSpc>
-              <a:buAutoNum type="arabicPeriod"/>
-            </a:pPr>
-            <a:r>
-              <a:rPr lang="fr-FR" sz="2600" dirty="0">
-                <a:solidFill>
-                  <a:srgbClr val="004492"/>
-                </a:solidFill>
-                <a:latin typeface="Eurostile-Roman" pitchFamily="2" charset="0"/>
-              </a:rPr>
-              <a:t>Sujet du stage</a:t>
-            </a:r>
-          </a:p>
-          <a:p>
-            <a:pPr marL="457200" indent="-457200">
-              <a:lnSpc>
-                <a:spcPct val="150000"/>
-              </a:lnSpc>
-              <a:buAutoNum type="arabicPeriod"/>
-            </a:pPr>
-            <a:r>
-              <a:rPr lang="fr-FR" sz="2600" dirty="0">
-                <a:solidFill>
-                  <a:srgbClr val="004492"/>
-                </a:solidFill>
-                <a:latin typeface="Eurostile-Roman" pitchFamily="2" charset="0"/>
-              </a:rPr>
-              <a:t>Développement de la solution</a:t>
-            </a:r>
-          </a:p>
-          <a:p>
-            <a:pPr marL="457200" indent="-457200">
-              <a:lnSpc>
-                <a:spcPct val="150000"/>
-              </a:lnSpc>
-              <a:buAutoNum type="arabicPeriod"/>
-            </a:pPr>
-            <a:r>
-              <a:rPr lang="fr-FR" sz="2600" dirty="0">
-                <a:solidFill>
-                  <a:srgbClr val="004492"/>
-                </a:solidFill>
-                <a:latin typeface="Eurostile-Roman" pitchFamily="2" charset="0"/>
-              </a:rPr>
-              <a:t>Bilan humain et technique</a:t>
-            </a:r>
-          </a:p>
-        </p:txBody>
-      </p:sp>
-      <p:sp>
-        <p:nvSpPr>
-          <p:cNvPr id="4" name="ZoneTexte 3"/>
-          <p:cNvSpPr txBox="1"/>
+              <a:rPr lang="fr-FR" sz="2200" dirty="0">
+                <a:solidFill>
+                  <a:srgbClr val="004492"/>
+                </a:solidFill>
+                <a:latin typeface="Eurostile" panose="020B0504020202050204" pitchFamily="34" charset="0"/>
+              </a:rPr>
+              <a:t>1</a:t>
+            </a:r>
+            <a:r>
+              <a:rPr lang="fr-FR" sz="2200" baseline="30000" dirty="0">
+                <a:solidFill>
+                  <a:srgbClr val="004492"/>
+                </a:solidFill>
+                <a:latin typeface="Eurostile" panose="020B0504020202050204" pitchFamily="34" charset="0"/>
+              </a:rPr>
+              <a:t>er</a:t>
+            </a:r>
+            <a:r>
+              <a:rPr lang="fr-FR" sz="2200" dirty="0">
+                <a:solidFill>
+                  <a:srgbClr val="004492"/>
+                </a:solidFill>
+                <a:latin typeface="Eurostile" panose="020B0504020202050204" pitchFamily="34" charset="0"/>
+              </a:rPr>
+              <a:t> travail : interface </a:t>
+            </a:r>
+            <a:r>
+              <a:rPr lang="fr-FR" sz="2200" dirty="0" err="1">
+                <a:solidFill>
+                  <a:srgbClr val="004492"/>
+                </a:solidFill>
+                <a:latin typeface="Eurostile" panose="020B0504020202050204" pitchFamily="34" charset="0"/>
+              </a:rPr>
+              <a:t>Eskape.Service.CTI</a:t>
+            </a:r>
+            <a:r>
+              <a:rPr lang="fr-FR" sz="2200" dirty="0">
+                <a:solidFill>
+                  <a:srgbClr val="004492"/>
+                </a:solidFill>
+                <a:latin typeface="Eurostile" panose="020B0504020202050204" pitchFamily="34" charset="0"/>
+              </a:rPr>
+              <a:t> / ELIOT :</a:t>
+            </a:r>
+          </a:p>
+        </p:txBody>
+      </p:sp>
+      <p:sp>
+        <p:nvSpPr>
+          <p:cNvPr id="9" name="Espace réservé du contenu 30"/>
+          <p:cNvSpPr txBox="1">
+            <a:spLocks/>
+          </p:cNvSpPr>
           <p:nvPr/>
         </p:nvSpPr>
         <p:spPr>
           <a:xfrm>
-            <a:off x="215315" y="188776"/>
-            <a:ext cx="3629321" cy="938719"/>
+            <a:off x="1084118" y="2719805"/>
+            <a:ext cx="6729846" cy="3826469"/>
           </a:xfrm>
           <a:prstGeom prst="rect">
             <a:avLst/>
           </a:prstGeom>
-          <a:noFill/>
         </p:spPr>
         <p:txBody>
-          <a:bodyPr wrap="square" rtlCol="0">
-            <a:spAutoFit/>
+          <a:bodyPr vert="horz" lIns="91440" tIns="45720" rIns="91440" bIns="45720" rtlCol="0">
+            <a:normAutofit/>
           </a:bodyPr>
+          <a:lstStyle>
+            <a:lvl1pPr marL="171450" indent="-171450" algn="l" defTabSz="685800" rtl="0" eaLnBrk="1" latinLnBrk="0" hangingPunct="1">
+              <a:lnSpc>
+                <a:spcPct val="90000"/>
+              </a:lnSpc>
+              <a:spcBef>
+                <a:spcPts val="750"/>
+              </a:spcBef>
+              <a:buFont typeface="Arial" panose="020B0604020202020204" pitchFamily="34" charset="0"/>
+              <a:buChar char="•"/>
+              <a:defRPr sz="2100" kern="1200">
+                <a:solidFill>
+                  <a:schemeClr val="tx1"/>
+                </a:solidFill>
+                <a:latin typeface="+mn-lt"/>
+                <a:ea typeface="+mn-ea"/>
+                <a:cs typeface="+mn-cs"/>
+              </a:defRPr>
+            </a:lvl1pPr>
+            <a:lvl2pPr marL="514350" indent="-171450" algn="l" defTabSz="685800" rtl="0" eaLnBrk="1" latinLnBrk="0" hangingPunct="1">
+              <a:lnSpc>
+                <a:spcPct val="90000"/>
+              </a:lnSpc>
+              <a:spcBef>
+                <a:spcPts val="375"/>
+              </a:spcBef>
+              <a:buFont typeface="Arial" panose="020B0604020202020204" pitchFamily="34" charset="0"/>
+              <a:buChar char="•"/>
+              <a:defRPr sz="1800" kern="1200">
+                <a:solidFill>
+                  <a:schemeClr val="tx1"/>
+                </a:solidFill>
+                <a:latin typeface="+mn-lt"/>
+                <a:ea typeface="+mn-ea"/>
+                <a:cs typeface="+mn-cs"/>
+              </a:defRPr>
+            </a:lvl2pPr>
+            <a:lvl3pPr marL="857250" indent="-171450" algn="l" defTabSz="685800" rtl="0" eaLnBrk="1" latinLnBrk="0" hangingPunct="1">
+              <a:lnSpc>
+                <a:spcPct val="90000"/>
+              </a:lnSpc>
+              <a:spcBef>
+                <a:spcPts val="375"/>
+              </a:spcBef>
+              <a:buFont typeface="Arial" panose="020B0604020202020204" pitchFamily="34" charset="0"/>
+              <a:buChar char="•"/>
+              <a:defRPr sz="1500" kern="1200">
+                <a:solidFill>
+                  <a:schemeClr val="tx1"/>
+                </a:solidFill>
+                <a:latin typeface="+mn-lt"/>
+                <a:ea typeface="+mn-ea"/>
+                <a:cs typeface="+mn-cs"/>
+              </a:defRPr>
+            </a:lvl3pPr>
+            <a:lvl4pPr marL="1200150" indent="-171450" algn="l" defTabSz="685800" rtl="0" eaLnBrk="1" latinLnBrk="0" hangingPunct="1">
+              <a:lnSpc>
+                <a:spcPct val="90000"/>
+              </a:lnSpc>
+              <a:spcBef>
+                <a:spcPts val="375"/>
+              </a:spcBef>
+              <a:buFont typeface="Arial" panose="020B0604020202020204" pitchFamily="34" charset="0"/>
+              <a:buChar char="•"/>
+              <a:defRPr sz="1350" kern="1200">
+                <a:solidFill>
+                  <a:schemeClr val="tx1"/>
+                </a:solidFill>
+                <a:latin typeface="+mn-lt"/>
+                <a:ea typeface="+mn-ea"/>
+                <a:cs typeface="+mn-cs"/>
+              </a:defRPr>
+            </a:lvl4pPr>
+            <a:lvl5pPr marL="1543050" indent="-171450" algn="l" defTabSz="685800" rtl="0" eaLnBrk="1" latinLnBrk="0" hangingPunct="1">
+              <a:lnSpc>
+                <a:spcPct val="90000"/>
+              </a:lnSpc>
+              <a:spcBef>
+                <a:spcPts val="375"/>
+              </a:spcBef>
+              <a:buFont typeface="Arial" panose="020B0604020202020204" pitchFamily="34" charset="0"/>
+              <a:buChar char="•"/>
+              <a:defRPr sz="1350" kern="1200">
+                <a:solidFill>
+                  <a:schemeClr val="tx1"/>
+                </a:solidFill>
+                <a:latin typeface="+mn-lt"/>
+                <a:ea typeface="+mn-ea"/>
+                <a:cs typeface="+mn-cs"/>
+              </a:defRPr>
+            </a:lvl5pPr>
+            <a:lvl6pPr marL="1885950" indent="-171450" algn="l" defTabSz="685800" rtl="0" eaLnBrk="1" latinLnBrk="0" hangingPunct="1">
+              <a:lnSpc>
+                <a:spcPct val="90000"/>
+              </a:lnSpc>
+              <a:spcBef>
+                <a:spcPts val="375"/>
+              </a:spcBef>
+              <a:buFont typeface="Arial" panose="020B0604020202020204" pitchFamily="34" charset="0"/>
+              <a:buChar char="•"/>
+              <a:defRPr sz="1350" kern="1200">
+                <a:solidFill>
+                  <a:schemeClr val="tx1"/>
+                </a:solidFill>
+                <a:latin typeface="+mn-lt"/>
+                <a:ea typeface="+mn-ea"/>
+                <a:cs typeface="+mn-cs"/>
+              </a:defRPr>
+            </a:lvl6pPr>
+            <a:lvl7pPr marL="2228850" indent="-171450" algn="l" defTabSz="685800" rtl="0" eaLnBrk="1" latinLnBrk="0" hangingPunct="1">
+              <a:lnSpc>
+                <a:spcPct val="90000"/>
+              </a:lnSpc>
+              <a:spcBef>
+                <a:spcPts val="375"/>
+              </a:spcBef>
+              <a:buFont typeface="Arial" panose="020B0604020202020204" pitchFamily="34" charset="0"/>
+              <a:buChar char="•"/>
+              <a:defRPr sz="1350" kern="1200">
+                <a:solidFill>
+                  <a:schemeClr val="tx1"/>
+                </a:solidFill>
+                <a:latin typeface="+mn-lt"/>
+                <a:ea typeface="+mn-ea"/>
+                <a:cs typeface="+mn-cs"/>
+              </a:defRPr>
+            </a:lvl7pPr>
+            <a:lvl8pPr marL="2571750" indent="-171450" algn="l" defTabSz="685800" rtl="0" eaLnBrk="1" latinLnBrk="0" hangingPunct="1">
+              <a:lnSpc>
+                <a:spcPct val="90000"/>
+              </a:lnSpc>
+              <a:spcBef>
+                <a:spcPts val="375"/>
+              </a:spcBef>
+              <a:buFont typeface="Arial" panose="020B0604020202020204" pitchFamily="34" charset="0"/>
+              <a:buChar char="•"/>
+              <a:defRPr sz="1350" kern="1200">
+                <a:solidFill>
+                  <a:schemeClr val="tx1"/>
+                </a:solidFill>
+                <a:latin typeface="+mn-lt"/>
+                <a:ea typeface="+mn-ea"/>
+                <a:cs typeface="+mn-cs"/>
+              </a:defRPr>
+            </a:lvl8pPr>
+            <a:lvl9pPr marL="2914650" indent="-171450" algn="l" defTabSz="685800" rtl="0" eaLnBrk="1" latinLnBrk="0" hangingPunct="1">
+              <a:lnSpc>
+                <a:spcPct val="90000"/>
+              </a:lnSpc>
+              <a:spcBef>
+                <a:spcPts val="375"/>
+              </a:spcBef>
+              <a:buFont typeface="Arial" panose="020B0604020202020204" pitchFamily="34" charset="0"/>
+              <a:buChar char="•"/>
+              <a:defRPr sz="1350" kern="1200">
+                <a:solidFill>
+                  <a:schemeClr val="tx1"/>
+                </a:solidFill>
+                <a:latin typeface="+mn-lt"/>
+                <a:ea typeface="+mn-ea"/>
+                <a:cs typeface="+mn-cs"/>
+              </a:defRPr>
+            </a:lvl9pPr>
+          </a:lstStyle>
+          <a:p>
+            <a:pPr marL="800100" lvl="1" indent="-457200">
+              <a:lnSpc>
+                <a:spcPct val="250000"/>
+              </a:lnSpc>
+              <a:buAutoNum type="arabicPeriod"/>
+            </a:pPr>
+            <a:r>
+              <a:rPr lang="fr-FR" sz="2000" dirty="0">
+                <a:solidFill>
+                  <a:srgbClr val="004492"/>
+                </a:solidFill>
+                <a:latin typeface="Eurostile" panose="020B0504020202050204" pitchFamily="34" charset="0"/>
+              </a:rPr>
+              <a:t>Tri des évènements utiles</a:t>
+            </a:r>
+          </a:p>
+          <a:p>
+            <a:pPr marL="800100" lvl="1" indent="-457200">
+              <a:lnSpc>
+                <a:spcPct val="250000"/>
+              </a:lnSpc>
+              <a:buAutoNum type="arabicPeriod"/>
+            </a:pPr>
+            <a:r>
+              <a:rPr lang="fr-FR" sz="2000" dirty="0">
+                <a:solidFill>
+                  <a:srgbClr val="004492"/>
+                </a:solidFill>
+                <a:latin typeface="Eurostile" panose="020B0504020202050204" pitchFamily="34" charset="0"/>
+              </a:rPr>
+              <a:t>Définition de méthodes d’écoutes de ces évènements</a:t>
+            </a:r>
+          </a:p>
+          <a:p>
+            <a:pPr marL="342900" lvl="1" indent="0">
+              <a:lnSpc>
+                <a:spcPct val="250000"/>
+              </a:lnSpc>
+              <a:buNone/>
+            </a:pPr>
+            <a:endParaRPr lang="fr-FR" sz="2000" dirty="0">
+              <a:solidFill>
+                <a:srgbClr val="004492"/>
+              </a:solidFill>
+              <a:latin typeface="Eurostile" panose="020B0504020202050204" pitchFamily="34" charset="0"/>
+            </a:endParaRPr>
+          </a:p>
+          <a:p>
+            <a:pPr marL="800100" lvl="1" indent="-457200">
+              <a:lnSpc>
+                <a:spcPct val="250000"/>
+              </a:lnSpc>
+              <a:buAutoNum type="arabicPeriod"/>
+            </a:pPr>
+            <a:endParaRPr lang="fr-FR" sz="2000" dirty="0">
+              <a:solidFill>
+                <a:srgbClr val="004492"/>
+              </a:solidFill>
+              <a:latin typeface="Eurostile" panose="020B0504020202050204" pitchFamily="34" charset="0"/>
+            </a:endParaRPr>
+          </a:p>
+          <a:p>
+            <a:pPr marL="342900" lvl="1" indent="0">
+              <a:lnSpc>
+                <a:spcPct val="250000"/>
+              </a:lnSpc>
+              <a:buNone/>
+            </a:pPr>
+            <a:endParaRPr lang="fr-FR" sz="1700" dirty="0">
+              <a:solidFill>
+                <a:srgbClr val="004492"/>
+              </a:solidFill>
+              <a:latin typeface="Eurostile" panose="020B0504020202050204" pitchFamily="34" charset="0"/>
+            </a:endParaRPr>
+          </a:p>
+          <a:p>
+            <a:pPr marL="342900" lvl="1" indent="0">
+              <a:lnSpc>
+                <a:spcPct val="250000"/>
+              </a:lnSpc>
+              <a:buNone/>
+            </a:pPr>
+            <a:endParaRPr lang="fr-FR" sz="2000" dirty="0">
+              <a:solidFill>
+                <a:srgbClr val="004492"/>
+              </a:solidFill>
+              <a:latin typeface="Eurostile" panose="020B0504020202050204" pitchFamily="34" charset="0"/>
+            </a:endParaRPr>
+          </a:p>
+        </p:txBody>
+      </p:sp>
+      <p:sp>
+        <p:nvSpPr>
+          <p:cNvPr id="3" name="Espace réservé du numéro de diapositive 2"/>
+          <p:cNvSpPr>
+            <a:spLocks noGrp="1"/>
+          </p:cNvSpPr>
+          <p:nvPr>
+            <p:ph type="sldNum" sz="quarter" idx="12"/>
+          </p:nvPr>
+        </p:nvSpPr>
+        <p:spPr/>
+        <p:txBody>
+          <a:bodyPr/>
           <a:lstStyle/>
           <a:p>
-            <a:r>
-              <a:rPr lang="fr-FR" sz="5500" dirty="0">
-                <a:solidFill>
-                  <a:schemeClr val="bg1"/>
-                </a:solidFill>
-                <a:latin typeface="Eurostile-Roman" pitchFamily="2" charset="0"/>
-                <a:cs typeface="Microsoft New Tai Lue" panose="020B0502040204020203" pitchFamily="34" charset="0"/>
-              </a:rPr>
-              <a:t>Sommaire</a:t>
-            </a:r>
+            <a:fld id="{0A0AF257-D28F-495E-9E53-3BED59B8AA35}" type="slidenum">
+              <a:rPr lang="fr-FR" smtClean="0"/>
+              <a:t>25</a:t>
+            </a:fld>
+            <a:endParaRPr lang="fr-FR"/>
           </a:p>
         </p:txBody>
       </p:sp>
     </p:spTree>
     <p:extLst>
       <p:ext uri="{BB962C8B-B14F-4D97-AF65-F5344CB8AC3E}">
-        <p14:creationId xmlns:p14="http://schemas.microsoft.com/office/powerpoint/2010/main" val="1512130365"/>
+        <p14:creationId xmlns:p14="http://schemas.microsoft.com/office/powerpoint/2010/main" val="3962560826"/>
       </p:ext>
     </p:extLst>
   </p:cSld>
@@ -8764,7 +11409,7 @@
 </p:sld>
 </file>
 
-<file path=ppt/slides/slide20.xml><?xml version="1.0" encoding="utf-8"?>
+<file path=ppt/slides/slide26.xml><?xml version="1.0" encoding="utf-8"?>
 <p:sld xmlns:a="http://schemas.openxmlformats.org/drawingml/2006/main" xmlns:r="http://schemas.openxmlformats.org/officeDocument/2006/relationships" xmlns:p="http://schemas.openxmlformats.org/presentationml/2006/main">
   <p:cSld>
     <p:spTree>
@@ -9129,7 +11774,7 @@
           <a:p>
             <a:fld id="{0A0AF257-D28F-495E-9E53-3BED59B8AA35}" type="slidenum">
               <a:rPr lang="fr-FR" smtClean="0"/>
-              <a:t>20</a:t>
+              <a:t>26</a:t>
             </a:fld>
             <a:endParaRPr lang="fr-FR"/>
           </a:p>
@@ -9148,7 +11793,7 @@
 </p:sld>
 </file>
 
-<file path=ppt/slides/slide21.xml><?xml version="1.0" encoding="utf-8"?>
+<file path=ppt/slides/slide27.xml><?xml version="1.0" encoding="utf-8"?>
 <p:sld xmlns:a="http://schemas.openxmlformats.org/drawingml/2006/main" xmlns:r="http://schemas.openxmlformats.org/officeDocument/2006/relationships" xmlns:p="http://schemas.openxmlformats.org/presentationml/2006/main">
   <p:cSld>
     <p:spTree>
@@ -9669,7 +12314,7 @@
           <a:p>
             <a:fld id="{0A0AF257-D28F-495E-9E53-3BED59B8AA35}" type="slidenum">
               <a:rPr lang="fr-FR" smtClean="0"/>
-              <a:t>21</a:t>
+              <a:t>27</a:t>
             </a:fld>
             <a:endParaRPr lang="fr-FR"/>
           </a:p>
@@ -9688,7 +12333,7 @@
 </p:sld>
 </file>
 
-<file path=ppt/slides/slide22.xml><?xml version="1.0" encoding="utf-8"?>
+<file path=ppt/slides/slide28.xml><?xml version="1.0" encoding="utf-8"?>
 <p:sld xmlns:a="http://schemas.openxmlformats.org/drawingml/2006/main" xmlns:r="http://schemas.openxmlformats.org/officeDocument/2006/relationships" xmlns:p="http://schemas.openxmlformats.org/presentationml/2006/main">
   <p:cSld>
     <p:spTree>
@@ -10274,7 +12919,7 @@
           <a:p>
             <a:fld id="{0A0AF257-D28F-495E-9E53-3BED59B8AA35}" type="slidenum">
               <a:rPr lang="fr-FR" smtClean="0"/>
-              <a:t>22</a:t>
+              <a:t>28</a:t>
             </a:fld>
             <a:endParaRPr lang="fr-FR"/>
           </a:p>
@@ -10293,7 +12938,7 @@
 </p:sld>
 </file>
 
-<file path=ppt/slides/slide23.xml><?xml version="1.0" encoding="utf-8"?>
+<file path=ppt/slides/slide29.xml><?xml version="1.0" encoding="utf-8"?>
 <p:sld xmlns:a="http://schemas.openxmlformats.org/drawingml/2006/main" xmlns:r="http://schemas.openxmlformats.org/officeDocument/2006/relationships" xmlns:p="http://schemas.openxmlformats.org/presentationml/2006/main">
   <p:cSld>
     <p:spTree>
@@ -11563,7 +14208,7 @@
           <a:p>
             <a:fld id="{0A0AF257-D28F-495E-9E53-3BED59B8AA35}" type="slidenum">
               <a:rPr lang="fr-FR" smtClean="0"/>
-              <a:t>23</a:t>
+              <a:t>29</a:t>
             </a:fld>
             <a:endParaRPr lang="fr-FR"/>
           </a:p>
@@ -11582,7 +14227,7 @@
 </p:sld>
 </file>
 
-<file path=ppt/slides/slide24.xml><?xml version="1.0" encoding="utf-8"?>
+<file path=ppt/slides/slide3.xml><?xml version="1.0" encoding="utf-8"?>
 <p:sld xmlns:a="http://schemas.openxmlformats.org/drawingml/2006/main" xmlns:r="http://schemas.openxmlformats.org/officeDocument/2006/relationships" xmlns:p="http://schemas.openxmlformats.org/presentationml/2006/main">
   <p:cSld>
     <p:spTree>
@@ -11601,6 +14246,435 @@
       </p:grpSpPr>
       <p:sp>
         <p:nvSpPr>
+          <p:cNvPr id="5" name="Espace réservé du contenu 2"/>
+          <p:cNvSpPr txBox="1">
+            <a:spLocks/>
+          </p:cNvSpPr>
+          <p:nvPr/>
+        </p:nvSpPr>
+        <p:spPr>
+          <a:xfrm>
+            <a:off x="1117024" y="2194934"/>
+            <a:ext cx="7886700" cy="4351338"/>
+          </a:xfrm>
+          <a:prstGeom prst="rect">
+            <a:avLst/>
+          </a:prstGeom>
+        </p:spPr>
+        <p:txBody>
+          <a:bodyPr vert="horz" lIns="91440" tIns="45720" rIns="91440" bIns="45720" rtlCol="0">
+            <a:noAutofit/>
+          </a:bodyPr>
+          <a:lstStyle>
+            <a:lvl1pPr marL="171450" indent="-171450" algn="l" defTabSz="685800" rtl="0" eaLnBrk="1" latinLnBrk="0" hangingPunct="1">
+              <a:lnSpc>
+                <a:spcPct val="90000"/>
+              </a:lnSpc>
+              <a:spcBef>
+                <a:spcPts val="750"/>
+              </a:spcBef>
+              <a:buFont typeface="Arial" panose="020B0604020202020204" pitchFamily="34" charset="0"/>
+              <a:buChar char="•"/>
+              <a:defRPr sz="2100" kern="1200">
+                <a:solidFill>
+                  <a:schemeClr val="tx1"/>
+                </a:solidFill>
+                <a:latin typeface="+mn-lt"/>
+                <a:ea typeface="+mn-ea"/>
+                <a:cs typeface="+mn-cs"/>
+              </a:defRPr>
+            </a:lvl1pPr>
+            <a:lvl2pPr marL="514350" indent="-171450" algn="l" defTabSz="685800" rtl="0" eaLnBrk="1" latinLnBrk="0" hangingPunct="1">
+              <a:lnSpc>
+                <a:spcPct val="90000"/>
+              </a:lnSpc>
+              <a:spcBef>
+                <a:spcPts val="375"/>
+              </a:spcBef>
+              <a:buFont typeface="Arial" panose="020B0604020202020204" pitchFamily="34" charset="0"/>
+              <a:buChar char="•"/>
+              <a:defRPr sz="1800" kern="1200">
+                <a:solidFill>
+                  <a:schemeClr val="tx1"/>
+                </a:solidFill>
+                <a:latin typeface="+mn-lt"/>
+                <a:ea typeface="+mn-ea"/>
+                <a:cs typeface="+mn-cs"/>
+              </a:defRPr>
+            </a:lvl2pPr>
+            <a:lvl3pPr marL="857250" indent="-171450" algn="l" defTabSz="685800" rtl="0" eaLnBrk="1" latinLnBrk="0" hangingPunct="1">
+              <a:lnSpc>
+                <a:spcPct val="90000"/>
+              </a:lnSpc>
+              <a:spcBef>
+                <a:spcPts val="375"/>
+              </a:spcBef>
+              <a:buFont typeface="Arial" panose="020B0604020202020204" pitchFamily="34" charset="0"/>
+              <a:buChar char="•"/>
+              <a:defRPr sz="1500" kern="1200">
+                <a:solidFill>
+                  <a:schemeClr val="tx1"/>
+                </a:solidFill>
+                <a:latin typeface="+mn-lt"/>
+                <a:ea typeface="+mn-ea"/>
+                <a:cs typeface="+mn-cs"/>
+              </a:defRPr>
+            </a:lvl3pPr>
+            <a:lvl4pPr marL="1200150" indent="-171450" algn="l" defTabSz="685800" rtl="0" eaLnBrk="1" latinLnBrk="0" hangingPunct="1">
+              <a:lnSpc>
+                <a:spcPct val="90000"/>
+              </a:lnSpc>
+              <a:spcBef>
+                <a:spcPts val="375"/>
+              </a:spcBef>
+              <a:buFont typeface="Arial" panose="020B0604020202020204" pitchFamily="34" charset="0"/>
+              <a:buChar char="•"/>
+              <a:defRPr sz="1350" kern="1200">
+                <a:solidFill>
+                  <a:schemeClr val="tx1"/>
+                </a:solidFill>
+                <a:latin typeface="+mn-lt"/>
+                <a:ea typeface="+mn-ea"/>
+                <a:cs typeface="+mn-cs"/>
+              </a:defRPr>
+            </a:lvl4pPr>
+            <a:lvl5pPr marL="1543050" indent="-171450" algn="l" defTabSz="685800" rtl="0" eaLnBrk="1" latinLnBrk="0" hangingPunct="1">
+              <a:lnSpc>
+                <a:spcPct val="90000"/>
+              </a:lnSpc>
+              <a:spcBef>
+                <a:spcPts val="375"/>
+              </a:spcBef>
+              <a:buFont typeface="Arial" panose="020B0604020202020204" pitchFamily="34" charset="0"/>
+              <a:buChar char="•"/>
+              <a:defRPr sz="1350" kern="1200">
+                <a:solidFill>
+                  <a:schemeClr val="tx1"/>
+                </a:solidFill>
+                <a:latin typeface="+mn-lt"/>
+                <a:ea typeface="+mn-ea"/>
+                <a:cs typeface="+mn-cs"/>
+              </a:defRPr>
+            </a:lvl5pPr>
+            <a:lvl6pPr marL="1885950" indent="-171450" algn="l" defTabSz="685800" rtl="0" eaLnBrk="1" latinLnBrk="0" hangingPunct="1">
+              <a:lnSpc>
+                <a:spcPct val="90000"/>
+              </a:lnSpc>
+              <a:spcBef>
+                <a:spcPts val="375"/>
+              </a:spcBef>
+              <a:buFont typeface="Arial" panose="020B0604020202020204" pitchFamily="34" charset="0"/>
+              <a:buChar char="•"/>
+              <a:defRPr sz="1350" kern="1200">
+                <a:solidFill>
+                  <a:schemeClr val="tx1"/>
+                </a:solidFill>
+                <a:latin typeface="+mn-lt"/>
+                <a:ea typeface="+mn-ea"/>
+                <a:cs typeface="+mn-cs"/>
+              </a:defRPr>
+            </a:lvl6pPr>
+            <a:lvl7pPr marL="2228850" indent="-171450" algn="l" defTabSz="685800" rtl="0" eaLnBrk="1" latinLnBrk="0" hangingPunct="1">
+              <a:lnSpc>
+                <a:spcPct val="90000"/>
+              </a:lnSpc>
+              <a:spcBef>
+                <a:spcPts val="375"/>
+              </a:spcBef>
+              <a:buFont typeface="Arial" panose="020B0604020202020204" pitchFamily="34" charset="0"/>
+              <a:buChar char="•"/>
+              <a:defRPr sz="1350" kern="1200">
+                <a:solidFill>
+                  <a:schemeClr val="tx1"/>
+                </a:solidFill>
+                <a:latin typeface="+mn-lt"/>
+                <a:ea typeface="+mn-ea"/>
+                <a:cs typeface="+mn-cs"/>
+              </a:defRPr>
+            </a:lvl7pPr>
+            <a:lvl8pPr marL="2571750" indent="-171450" algn="l" defTabSz="685800" rtl="0" eaLnBrk="1" latinLnBrk="0" hangingPunct="1">
+              <a:lnSpc>
+                <a:spcPct val="90000"/>
+              </a:lnSpc>
+              <a:spcBef>
+                <a:spcPts val="375"/>
+              </a:spcBef>
+              <a:buFont typeface="Arial" panose="020B0604020202020204" pitchFamily="34" charset="0"/>
+              <a:buChar char="•"/>
+              <a:defRPr sz="1350" kern="1200">
+                <a:solidFill>
+                  <a:schemeClr val="tx1"/>
+                </a:solidFill>
+                <a:latin typeface="+mn-lt"/>
+                <a:ea typeface="+mn-ea"/>
+                <a:cs typeface="+mn-cs"/>
+              </a:defRPr>
+            </a:lvl8pPr>
+            <a:lvl9pPr marL="2914650" indent="-171450" algn="l" defTabSz="685800" rtl="0" eaLnBrk="1" latinLnBrk="0" hangingPunct="1">
+              <a:lnSpc>
+                <a:spcPct val="90000"/>
+              </a:lnSpc>
+              <a:spcBef>
+                <a:spcPts val="375"/>
+              </a:spcBef>
+              <a:buFont typeface="Arial" panose="020B0604020202020204" pitchFamily="34" charset="0"/>
+              <a:buChar char="•"/>
+              <a:defRPr sz="1350" kern="1200">
+                <a:solidFill>
+                  <a:schemeClr val="tx1"/>
+                </a:solidFill>
+                <a:latin typeface="+mn-lt"/>
+                <a:ea typeface="+mn-ea"/>
+                <a:cs typeface="+mn-cs"/>
+              </a:defRPr>
+            </a:lvl9pPr>
+          </a:lstStyle>
+          <a:p>
+            <a:r>
+              <a:rPr lang="fr-FR" sz="2400" dirty="0">
+                <a:solidFill>
+                  <a:srgbClr val="004492"/>
+                </a:solidFill>
+                <a:latin typeface="Calibri (Corps)"/>
+              </a:rPr>
+              <a:t>Fin de Licence 3 Informatique : stage de 8 semaines</a:t>
+            </a:r>
+          </a:p>
+          <a:p>
+            <a:pPr marL="342900" lvl="1" indent="0">
+              <a:lnSpc>
+                <a:spcPct val="200000"/>
+              </a:lnSpc>
+              <a:buNone/>
+            </a:pPr>
+            <a:r>
+              <a:rPr lang="fr-FR" sz="2100" dirty="0">
+                <a:solidFill>
+                  <a:srgbClr val="004492"/>
+                </a:solidFill>
+                <a:latin typeface="Calibri (Corps)"/>
+                <a:sym typeface="Wingdings" panose="05000000000000000000" pitchFamily="2" charset="2"/>
+              </a:rPr>
+              <a:t> Partie intégrante de la formation</a:t>
+            </a:r>
+            <a:endParaRPr lang="fr-FR" sz="2100" dirty="0">
+              <a:solidFill>
+                <a:srgbClr val="004492"/>
+              </a:solidFill>
+              <a:latin typeface="Calibri (Corps)"/>
+            </a:endParaRPr>
+          </a:p>
+          <a:p>
+            <a:pPr marL="342900" lvl="1" indent="0">
+              <a:buNone/>
+            </a:pPr>
+            <a:endParaRPr lang="fr-FR" sz="2400" dirty="0">
+              <a:solidFill>
+                <a:srgbClr val="004492"/>
+              </a:solidFill>
+              <a:latin typeface="Calibri (Corps)"/>
+            </a:endParaRPr>
+          </a:p>
+          <a:p>
+            <a:r>
+              <a:rPr lang="fr-FR" sz="2400" dirty="0">
+                <a:solidFill>
+                  <a:srgbClr val="004492"/>
+                </a:solidFill>
+                <a:latin typeface="Calibri (Corps)"/>
+              </a:rPr>
+              <a:t>Réalisé au sein de l’entreprise </a:t>
+            </a:r>
+            <a:r>
+              <a:rPr lang="fr-FR" sz="2400" dirty="0" err="1">
+                <a:solidFill>
+                  <a:srgbClr val="004492"/>
+                </a:solidFill>
+                <a:latin typeface="Calibri (Corps)"/>
+              </a:rPr>
+              <a:t>Eskape</a:t>
+            </a:r>
+            <a:endParaRPr lang="fr-FR" sz="2400" dirty="0">
+              <a:solidFill>
+                <a:srgbClr val="004492"/>
+              </a:solidFill>
+              <a:latin typeface="Calibri (Corps)"/>
+            </a:endParaRPr>
+          </a:p>
+          <a:p>
+            <a:endParaRPr lang="fr-FR" sz="2400" dirty="0">
+              <a:solidFill>
+                <a:srgbClr val="004492"/>
+              </a:solidFill>
+              <a:latin typeface="Calibri (Corps)"/>
+            </a:endParaRPr>
+          </a:p>
+          <a:p>
+            <a:pPr lvl="1"/>
+            <a:endParaRPr lang="fr-FR" sz="2400" dirty="0">
+              <a:solidFill>
+                <a:srgbClr val="004492"/>
+              </a:solidFill>
+              <a:latin typeface="Calibri (Corps)"/>
+            </a:endParaRPr>
+          </a:p>
+          <a:p>
+            <a:pPr marL="914400" lvl="2" indent="0">
+              <a:buFont typeface="Arial" panose="020B0604020202020204" pitchFamily="34" charset="0"/>
+              <a:buNone/>
+            </a:pPr>
+            <a:endParaRPr lang="fr-FR" sz="2400" dirty="0">
+              <a:solidFill>
+                <a:srgbClr val="004492"/>
+              </a:solidFill>
+              <a:latin typeface="Calibri (Corps)"/>
+            </a:endParaRPr>
+          </a:p>
+          <a:p>
+            <a:endParaRPr lang="fr-FR" sz="2400" dirty="0">
+              <a:solidFill>
+                <a:srgbClr val="004492"/>
+              </a:solidFill>
+              <a:latin typeface="Calibri (Corps)"/>
+            </a:endParaRPr>
+          </a:p>
+        </p:txBody>
+      </p:sp>
+      <p:pic>
+        <p:nvPicPr>
+          <p:cNvPr id="6" name="Image 5"/>
+          <p:cNvPicPr>
+            <a:picLocks noChangeAspect="1"/>
+          </p:cNvPicPr>
+          <p:nvPr/>
+        </p:nvPicPr>
+        <p:blipFill>
+          <a:blip r:embed="rId2">
+            <a:extLst>
+              <a:ext uri="{28A0092B-C50C-407E-A947-70E740481C1C}">
+                <a14:useLocalDpi xmlns:a14="http://schemas.microsoft.com/office/drawing/2010/main" val="0"/>
+              </a:ext>
+            </a:extLst>
+          </a:blip>
+          <a:stretch>
+            <a:fillRect/>
+          </a:stretch>
+        </p:blipFill>
+        <p:spPr>
+          <a:xfrm>
+            <a:off x="3532632" y="4548981"/>
+            <a:ext cx="2078736" cy="1621536"/>
+          </a:xfrm>
+          <a:prstGeom prst="rect">
+            <a:avLst/>
+          </a:prstGeom>
+        </p:spPr>
+      </p:pic>
+      <p:sp>
+        <p:nvSpPr>
+          <p:cNvPr id="7" name="ZoneTexte 6"/>
+          <p:cNvSpPr txBox="1"/>
+          <p:nvPr/>
+        </p:nvSpPr>
+        <p:spPr>
+          <a:xfrm>
+            <a:off x="182621" y="109957"/>
+            <a:ext cx="3805967" cy="938719"/>
+          </a:xfrm>
+          <a:prstGeom prst="rect">
+            <a:avLst/>
+          </a:prstGeom>
+          <a:noFill/>
+        </p:spPr>
+        <p:txBody>
+          <a:bodyPr wrap="square" rtlCol="0">
+            <a:spAutoFit/>
+          </a:bodyPr>
+          <a:lstStyle/>
+          <a:p>
+            <a:r>
+              <a:rPr lang="fr-FR" sz="5500" dirty="0">
+                <a:solidFill>
+                  <a:schemeClr val="bg1"/>
+                </a:solidFill>
+                <a:latin typeface="Eurostile-Roman" pitchFamily="2" charset="0"/>
+                <a:cs typeface="Microsoft New Tai Lue" panose="020B0502040204020203" pitchFamily="34" charset="0"/>
+              </a:rPr>
+              <a:t>Introduction</a:t>
+            </a:r>
+          </a:p>
+        </p:txBody>
+      </p:sp>
+      <p:sp>
+        <p:nvSpPr>
+          <p:cNvPr id="8" name="Espace réservé du numéro de diapositive 1"/>
+          <p:cNvSpPr>
+            <a:spLocks noGrp="1"/>
+          </p:cNvSpPr>
+          <p:nvPr>
+            <p:ph type="sldNum" sz="quarter" idx="12"/>
+          </p:nvPr>
+        </p:nvSpPr>
+        <p:spPr>
+          <a:xfrm>
+            <a:off x="6603423" y="6255991"/>
+            <a:ext cx="2057400" cy="365125"/>
+          </a:xfrm>
+        </p:spPr>
+        <p:txBody>
+          <a:bodyPr/>
+          <a:lstStyle/>
+          <a:p>
+            <a:r>
+              <a:rPr lang="fr-FR" sz="1800" dirty="0">
+                <a:latin typeface="Eurostile-Roman" pitchFamily="2" charset="0"/>
+              </a:rPr>
+              <a:t>Diapositive </a:t>
+            </a:r>
+            <a:fld id="{0A0AF257-D28F-495E-9E53-3BED59B8AA35}" type="slidenum">
+              <a:rPr lang="fr-FR" sz="1800" smtClean="0">
+                <a:latin typeface="Eurostile-Roman" pitchFamily="2" charset="0"/>
+              </a:rPr>
+              <a:t>3</a:t>
+            </a:fld>
+            <a:endParaRPr lang="fr-FR" sz="1800" dirty="0">
+              <a:latin typeface="Eurostile-Roman" pitchFamily="2" charset="0"/>
+            </a:endParaRPr>
+          </a:p>
+        </p:txBody>
+      </p:sp>
+    </p:spTree>
+    <p:extLst>
+      <p:ext uri="{BB962C8B-B14F-4D97-AF65-F5344CB8AC3E}">
+        <p14:creationId xmlns:p14="http://schemas.microsoft.com/office/powerpoint/2010/main" val="842433483"/>
+      </p:ext>
+    </p:extLst>
+  </p:cSld>
+  <p:clrMapOvr>
+    <a:masterClrMapping/>
+  </p:clrMapOvr>
+</p:sld>
+</file>
+
+<file path=ppt/slides/slide30.xml><?xml version="1.0" encoding="utf-8"?>
+<p:sld xmlns:a="http://schemas.openxmlformats.org/drawingml/2006/main" xmlns:r="http://schemas.openxmlformats.org/officeDocument/2006/relationships" xmlns:p="http://schemas.openxmlformats.org/presentationml/2006/main">
+  <p:cSld>
+    <p:spTree>
+      <p:nvGrpSpPr>
+        <p:cNvPr id="1" name=""/>
+        <p:cNvGrpSpPr/>
+        <p:nvPr/>
+      </p:nvGrpSpPr>
+      <p:grpSpPr>
+        <a:xfrm>
+          <a:off x="0" y="0"/>
+          <a:ext cx="0" cy="0"/>
+          <a:chOff x="0" y="0"/>
+          <a:chExt cx="0" cy="0"/>
+        </a:xfrm>
+      </p:grpSpPr>
+      <p:sp>
+        <p:nvSpPr>
           <p:cNvPr id="2" name="Titre 1"/>
           <p:cNvSpPr>
             <a:spLocks noGrp="1"/>
@@ -12039,7 +15113,7 @@
           <a:p>
             <a:fld id="{0A0AF257-D28F-495E-9E53-3BED59B8AA35}" type="slidenum">
               <a:rPr lang="fr-FR" smtClean="0"/>
-              <a:t>24</a:t>
+              <a:t>30</a:t>
             </a:fld>
             <a:endParaRPr lang="fr-FR"/>
           </a:p>
@@ -12058,7 +15132,7 @@
 </p:sld>
 </file>
 
-<file path=ppt/slides/slide25.xml><?xml version="1.0" encoding="utf-8"?>
+<file path=ppt/slides/slide31.xml><?xml version="1.0" encoding="utf-8"?>
 <p:sld xmlns:a="http://schemas.openxmlformats.org/drawingml/2006/main" xmlns:r="http://schemas.openxmlformats.org/officeDocument/2006/relationships" xmlns:p="http://schemas.openxmlformats.org/presentationml/2006/main">
   <p:cSld>
     <p:spTree>
@@ -12638,7 +15712,7 @@
           <a:p>
             <a:fld id="{0A0AF257-D28F-495E-9E53-3BED59B8AA35}" type="slidenum">
               <a:rPr lang="fr-FR" smtClean="0"/>
-              <a:t>25</a:t>
+              <a:t>31</a:t>
             </a:fld>
             <a:endParaRPr lang="fr-FR"/>
           </a:p>
@@ -12657,7 +15731,7 @@
 </p:sld>
 </file>
 
-<file path=ppt/slides/slide26.xml><?xml version="1.0" encoding="utf-8"?>
+<file path=ppt/slides/slide32.xml><?xml version="1.0" encoding="utf-8"?>
 <p:sld xmlns:a="http://schemas.openxmlformats.org/drawingml/2006/main" xmlns:r="http://schemas.openxmlformats.org/officeDocument/2006/relationships" xmlns:p="http://schemas.openxmlformats.org/presentationml/2006/main">
   <p:cSld>
     <p:spTree>
@@ -13115,7 +16189,7 @@
           <a:p>
             <a:fld id="{0A0AF257-D28F-495E-9E53-3BED59B8AA35}" type="slidenum">
               <a:rPr lang="fr-FR" smtClean="0"/>
-              <a:t>26</a:t>
+              <a:t>32</a:t>
             </a:fld>
             <a:endParaRPr lang="fr-FR"/>
           </a:p>
@@ -13134,7 +16208,7 @@
 </p:sld>
 </file>
 
-<file path=ppt/slides/slide27.xml><?xml version="1.0" encoding="utf-8"?>
+<file path=ppt/slides/slide33.xml><?xml version="1.0" encoding="utf-8"?>
 <p:sld xmlns:a="http://schemas.openxmlformats.org/drawingml/2006/main" xmlns:r="http://schemas.openxmlformats.org/officeDocument/2006/relationships" xmlns:p="http://schemas.openxmlformats.org/presentationml/2006/main">
   <p:cSld>
     <p:spTree>
@@ -13990,7 +17064,7 @@
           <a:p>
             <a:fld id="{0A0AF257-D28F-495E-9E53-3BED59B8AA35}" type="slidenum">
               <a:rPr lang="fr-FR" smtClean="0"/>
-              <a:t>27</a:t>
+              <a:t>33</a:t>
             </a:fld>
             <a:endParaRPr lang="fr-FR"/>
           </a:p>
@@ -14009,7 +17083,7 @@
 </p:sld>
 </file>
 
-<file path=ppt/slides/slide28.xml><?xml version="1.0" encoding="utf-8"?>
+<file path=ppt/slides/slide34.xml><?xml version="1.0" encoding="utf-8"?>
 <p:sld xmlns:a="http://schemas.openxmlformats.org/drawingml/2006/main" xmlns:r="http://schemas.openxmlformats.org/officeDocument/2006/relationships" xmlns:p="http://schemas.openxmlformats.org/presentationml/2006/main">
   <p:cSld>
     <p:spTree>
@@ -14168,7 +17242,7 @@
           <a:p>
             <a:fld id="{0A0AF257-D28F-495E-9E53-3BED59B8AA35}" type="slidenum">
               <a:rPr lang="fr-FR" smtClean="0"/>
-              <a:t>28</a:t>
+              <a:t>34</a:t>
             </a:fld>
             <a:endParaRPr lang="fr-FR"/>
           </a:p>
@@ -14187,7 +17261,7 @@
 </p:sld>
 </file>
 
-<file path=ppt/slides/slide29.xml><?xml version="1.0" encoding="utf-8"?>
+<file path=ppt/slides/slide35.xml><?xml version="1.0" encoding="utf-8"?>
 <p:sld xmlns:a="http://schemas.openxmlformats.org/drawingml/2006/main" xmlns:r="http://schemas.openxmlformats.org/officeDocument/2006/relationships" xmlns:p="http://schemas.openxmlformats.org/presentationml/2006/main">
   <p:cSld>
     <p:spTree>
@@ -14632,7 +17706,7 @@
           <a:p>
             <a:fld id="{0A0AF257-D28F-495E-9E53-3BED59B8AA35}" type="slidenum">
               <a:rPr lang="fr-FR" smtClean="0"/>
-              <a:t>29</a:t>
+              <a:t>35</a:t>
             </a:fld>
             <a:endParaRPr lang="fr-FR"/>
           </a:p>
@@ -14651,436 +17725,7 @@
 </p:sld>
 </file>
 
-<file path=ppt/slides/slide3.xml><?xml version="1.0" encoding="utf-8"?>
-<p:sld xmlns:a="http://schemas.openxmlformats.org/drawingml/2006/main" xmlns:r="http://schemas.openxmlformats.org/officeDocument/2006/relationships" xmlns:p="http://schemas.openxmlformats.org/presentationml/2006/main">
-  <p:cSld>
-    <p:spTree>
-      <p:nvGrpSpPr>
-        <p:cNvPr id="1" name=""/>
-        <p:cNvGrpSpPr/>
-        <p:nvPr/>
-      </p:nvGrpSpPr>
-      <p:grpSpPr>
-        <a:xfrm>
-          <a:off x="0" y="0"/>
-          <a:ext cx="0" cy="0"/>
-          <a:chOff x="0" y="0"/>
-          <a:chExt cx="0" cy="0"/>
-        </a:xfrm>
-      </p:grpSpPr>
-      <p:sp>
-        <p:nvSpPr>
-          <p:cNvPr id="5" name="Espace réservé du contenu 2"/>
-          <p:cNvSpPr txBox="1">
-            <a:spLocks/>
-          </p:cNvSpPr>
-          <p:nvPr/>
-        </p:nvSpPr>
-        <p:spPr>
-          <a:xfrm>
-            <a:off x="1117024" y="2194934"/>
-            <a:ext cx="7886700" cy="4351338"/>
-          </a:xfrm>
-          <a:prstGeom prst="rect">
-            <a:avLst/>
-          </a:prstGeom>
-        </p:spPr>
-        <p:txBody>
-          <a:bodyPr vert="horz" lIns="91440" tIns="45720" rIns="91440" bIns="45720" rtlCol="0">
-            <a:noAutofit/>
-          </a:bodyPr>
-          <a:lstStyle>
-            <a:lvl1pPr marL="171450" indent="-171450" algn="l" defTabSz="685800" rtl="0" eaLnBrk="1" latinLnBrk="0" hangingPunct="1">
-              <a:lnSpc>
-                <a:spcPct val="90000"/>
-              </a:lnSpc>
-              <a:spcBef>
-                <a:spcPts val="750"/>
-              </a:spcBef>
-              <a:buFont typeface="Arial" panose="020B0604020202020204" pitchFamily="34" charset="0"/>
-              <a:buChar char="•"/>
-              <a:defRPr sz="2100" kern="1200">
-                <a:solidFill>
-                  <a:schemeClr val="tx1"/>
-                </a:solidFill>
-                <a:latin typeface="+mn-lt"/>
-                <a:ea typeface="+mn-ea"/>
-                <a:cs typeface="+mn-cs"/>
-              </a:defRPr>
-            </a:lvl1pPr>
-            <a:lvl2pPr marL="514350" indent="-171450" algn="l" defTabSz="685800" rtl="0" eaLnBrk="1" latinLnBrk="0" hangingPunct="1">
-              <a:lnSpc>
-                <a:spcPct val="90000"/>
-              </a:lnSpc>
-              <a:spcBef>
-                <a:spcPts val="375"/>
-              </a:spcBef>
-              <a:buFont typeface="Arial" panose="020B0604020202020204" pitchFamily="34" charset="0"/>
-              <a:buChar char="•"/>
-              <a:defRPr sz="1800" kern="1200">
-                <a:solidFill>
-                  <a:schemeClr val="tx1"/>
-                </a:solidFill>
-                <a:latin typeface="+mn-lt"/>
-                <a:ea typeface="+mn-ea"/>
-                <a:cs typeface="+mn-cs"/>
-              </a:defRPr>
-            </a:lvl2pPr>
-            <a:lvl3pPr marL="857250" indent="-171450" algn="l" defTabSz="685800" rtl="0" eaLnBrk="1" latinLnBrk="0" hangingPunct="1">
-              <a:lnSpc>
-                <a:spcPct val="90000"/>
-              </a:lnSpc>
-              <a:spcBef>
-                <a:spcPts val="375"/>
-              </a:spcBef>
-              <a:buFont typeface="Arial" panose="020B0604020202020204" pitchFamily="34" charset="0"/>
-              <a:buChar char="•"/>
-              <a:defRPr sz="1500" kern="1200">
-                <a:solidFill>
-                  <a:schemeClr val="tx1"/>
-                </a:solidFill>
-                <a:latin typeface="+mn-lt"/>
-                <a:ea typeface="+mn-ea"/>
-                <a:cs typeface="+mn-cs"/>
-              </a:defRPr>
-            </a:lvl3pPr>
-            <a:lvl4pPr marL="1200150" indent="-171450" algn="l" defTabSz="685800" rtl="0" eaLnBrk="1" latinLnBrk="0" hangingPunct="1">
-              <a:lnSpc>
-                <a:spcPct val="90000"/>
-              </a:lnSpc>
-              <a:spcBef>
-                <a:spcPts val="375"/>
-              </a:spcBef>
-              <a:buFont typeface="Arial" panose="020B0604020202020204" pitchFamily="34" charset="0"/>
-              <a:buChar char="•"/>
-              <a:defRPr sz="1350" kern="1200">
-                <a:solidFill>
-                  <a:schemeClr val="tx1"/>
-                </a:solidFill>
-                <a:latin typeface="+mn-lt"/>
-                <a:ea typeface="+mn-ea"/>
-                <a:cs typeface="+mn-cs"/>
-              </a:defRPr>
-            </a:lvl4pPr>
-            <a:lvl5pPr marL="1543050" indent="-171450" algn="l" defTabSz="685800" rtl="0" eaLnBrk="1" latinLnBrk="0" hangingPunct="1">
-              <a:lnSpc>
-                <a:spcPct val="90000"/>
-              </a:lnSpc>
-              <a:spcBef>
-                <a:spcPts val="375"/>
-              </a:spcBef>
-              <a:buFont typeface="Arial" panose="020B0604020202020204" pitchFamily="34" charset="0"/>
-              <a:buChar char="•"/>
-              <a:defRPr sz="1350" kern="1200">
-                <a:solidFill>
-                  <a:schemeClr val="tx1"/>
-                </a:solidFill>
-                <a:latin typeface="+mn-lt"/>
-                <a:ea typeface="+mn-ea"/>
-                <a:cs typeface="+mn-cs"/>
-              </a:defRPr>
-            </a:lvl5pPr>
-            <a:lvl6pPr marL="1885950" indent="-171450" algn="l" defTabSz="685800" rtl="0" eaLnBrk="1" latinLnBrk="0" hangingPunct="1">
-              <a:lnSpc>
-                <a:spcPct val="90000"/>
-              </a:lnSpc>
-              <a:spcBef>
-                <a:spcPts val="375"/>
-              </a:spcBef>
-              <a:buFont typeface="Arial" panose="020B0604020202020204" pitchFamily="34" charset="0"/>
-              <a:buChar char="•"/>
-              <a:defRPr sz="1350" kern="1200">
-                <a:solidFill>
-                  <a:schemeClr val="tx1"/>
-                </a:solidFill>
-                <a:latin typeface="+mn-lt"/>
-                <a:ea typeface="+mn-ea"/>
-                <a:cs typeface="+mn-cs"/>
-              </a:defRPr>
-            </a:lvl6pPr>
-            <a:lvl7pPr marL="2228850" indent="-171450" algn="l" defTabSz="685800" rtl="0" eaLnBrk="1" latinLnBrk="0" hangingPunct="1">
-              <a:lnSpc>
-                <a:spcPct val="90000"/>
-              </a:lnSpc>
-              <a:spcBef>
-                <a:spcPts val="375"/>
-              </a:spcBef>
-              <a:buFont typeface="Arial" panose="020B0604020202020204" pitchFamily="34" charset="0"/>
-              <a:buChar char="•"/>
-              <a:defRPr sz="1350" kern="1200">
-                <a:solidFill>
-                  <a:schemeClr val="tx1"/>
-                </a:solidFill>
-                <a:latin typeface="+mn-lt"/>
-                <a:ea typeface="+mn-ea"/>
-                <a:cs typeface="+mn-cs"/>
-              </a:defRPr>
-            </a:lvl7pPr>
-            <a:lvl8pPr marL="2571750" indent="-171450" algn="l" defTabSz="685800" rtl="0" eaLnBrk="1" latinLnBrk="0" hangingPunct="1">
-              <a:lnSpc>
-                <a:spcPct val="90000"/>
-              </a:lnSpc>
-              <a:spcBef>
-                <a:spcPts val="375"/>
-              </a:spcBef>
-              <a:buFont typeface="Arial" panose="020B0604020202020204" pitchFamily="34" charset="0"/>
-              <a:buChar char="•"/>
-              <a:defRPr sz="1350" kern="1200">
-                <a:solidFill>
-                  <a:schemeClr val="tx1"/>
-                </a:solidFill>
-                <a:latin typeface="+mn-lt"/>
-                <a:ea typeface="+mn-ea"/>
-                <a:cs typeface="+mn-cs"/>
-              </a:defRPr>
-            </a:lvl8pPr>
-            <a:lvl9pPr marL="2914650" indent="-171450" algn="l" defTabSz="685800" rtl="0" eaLnBrk="1" latinLnBrk="0" hangingPunct="1">
-              <a:lnSpc>
-                <a:spcPct val="90000"/>
-              </a:lnSpc>
-              <a:spcBef>
-                <a:spcPts val="375"/>
-              </a:spcBef>
-              <a:buFont typeface="Arial" panose="020B0604020202020204" pitchFamily="34" charset="0"/>
-              <a:buChar char="•"/>
-              <a:defRPr sz="1350" kern="1200">
-                <a:solidFill>
-                  <a:schemeClr val="tx1"/>
-                </a:solidFill>
-                <a:latin typeface="+mn-lt"/>
-                <a:ea typeface="+mn-ea"/>
-                <a:cs typeface="+mn-cs"/>
-              </a:defRPr>
-            </a:lvl9pPr>
-          </a:lstStyle>
-          <a:p>
-            <a:r>
-              <a:rPr lang="fr-FR" sz="2400" dirty="0">
-                <a:solidFill>
-                  <a:srgbClr val="004492"/>
-                </a:solidFill>
-                <a:latin typeface="Eurostile-Roman" pitchFamily="2" charset="0"/>
-              </a:rPr>
-              <a:t>Fin de Licence 3 Informatique : stage de 8 semaines</a:t>
-            </a:r>
-          </a:p>
-          <a:p>
-            <a:pPr marL="342900" lvl="1" indent="0">
-              <a:lnSpc>
-                <a:spcPct val="200000"/>
-              </a:lnSpc>
-              <a:buNone/>
-            </a:pPr>
-            <a:r>
-              <a:rPr lang="fr-FR" sz="2100" dirty="0">
-                <a:solidFill>
-                  <a:srgbClr val="004492"/>
-                </a:solidFill>
-                <a:latin typeface="Eurostile-Roman" pitchFamily="2" charset="0"/>
-                <a:sym typeface="Wingdings" panose="05000000000000000000" pitchFamily="2" charset="2"/>
-              </a:rPr>
-              <a:t> Partie intégrante de la formation</a:t>
-            </a:r>
-            <a:endParaRPr lang="fr-FR" sz="2100" dirty="0">
-              <a:solidFill>
-                <a:srgbClr val="004492"/>
-              </a:solidFill>
-              <a:latin typeface="Eurostile-Roman" pitchFamily="2" charset="0"/>
-            </a:endParaRPr>
-          </a:p>
-          <a:p>
-            <a:pPr marL="342900" lvl="1" indent="0">
-              <a:buNone/>
-            </a:pPr>
-            <a:endParaRPr lang="fr-FR" sz="2400" dirty="0">
-              <a:solidFill>
-                <a:srgbClr val="004492"/>
-              </a:solidFill>
-              <a:latin typeface="Eurostile-Roman" pitchFamily="2" charset="0"/>
-            </a:endParaRPr>
-          </a:p>
-          <a:p>
-            <a:r>
-              <a:rPr lang="fr-FR" sz="2400" dirty="0">
-                <a:solidFill>
-                  <a:srgbClr val="004492"/>
-                </a:solidFill>
-                <a:latin typeface="Eurostile-Roman" pitchFamily="2" charset="0"/>
-              </a:rPr>
-              <a:t>Réalisé au sein de l’entreprise </a:t>
-            </a:r>
-            <a:r>
-              <a:rPr lang="fr-FR" sz="2400" dirty="0" err="1">
-                <a:solidFill>
-                  <a:srgbClr val="004492"/>
-                </a:solidFill>
-                <a:latin typeface="Eurostile-Roman" pitchFamily="2" charset="0"/>
-              </a:rPr>
-              <a:t>Eskape</a:t>
-            </a:r>
-            <a:endParaRPr lang="fr-FR" sz="2400" dirty="0">
-              <a:solidFill>
-                <a:srgbClr val="004492"/>
-              </a:solidFill>
-              <a:latin typeface="Eurostile-Roman" pitchFamily="2" charset="0"/>
-            </a:endParaRPr>
-          </a:p>
-          <a:p>
-            <a:endParaRPr lang="fr-FR" sz="2400" dirty="0">
-              <a:solidFill>
-                <a:srgbClr val="004492"/>
-              </a:solidFill>
-              <a:latin typeface="Eurostile-Roman" pitchFamily="2" charset="0"/>
-            </a:endParaRPr>
-          </a:p>
-          <a:p>
-            <a:pPr lvl="1"/>
-            <a:endParaRPr lang="fr-FR" sz="2400" dirty="0">
-              <a:solidFill>
-                <a:srgbClr val="004492"/>
-              </a:solidFill>
-              <a:latin typeface="Eurostile-Roman" pitchFamily="2" charset="0"/>
-            </a:endParaRPr>
-          </a:p>
-          <a:p>
-            <a:pPr marL="914400" lvl="2" indent="0">
-              <a:buFont typeface="Arial" panose="020B0604020202020204" pitchFamily="34" charset="0"/>
-              <a:buNone/>
-            </a:pPr>
-            <a:endParaRPr lang="fr-FR" sz="2400" dirty="0">
-              <a:solidFill>
-                <a:srgbClr val="004492"/>
-              </a:solidFill>
-              <a:latin typeface="Eurostile-Roman" pitchFamily="2" charset="0"/>
-            </a:endParaRPr>
-          </a:p>
-          <a:p>
-            <a:endParaRPr lang="fr-FR" sz="2400" dirty="0">
-              <a:solidFill>
-                <a:srgbClr val="004492"/>
-              </a:solidFill>
-              <a:latin typeface="Eurostile-Roman" pitchFamily="2" charset="0"/>
-            </a:endParaRPr>
-          </a:p>
-        </p:txBody>
-      </p:sp>
-      <p:pic>
-        <p:nvPicPr>
-          <p:cNvPr id="6" name="Image 5"/>
-          <p:cNvPicPr>
-            <a:picLocks noChangeAspect="1"/>
-          </p:cNvPicPr>
-          <p:nvPr/>
-        </p:nvPicPr>
-        <p:blipFill>
-          <a:blip r:embed="rId2">
-            <a:extLst>
-              <a:ext uri="{28A0092B-C50C-407E-A947-70E740481C1C}">
-                <a14:useLocalDpi xmlns:a14="http://schemas.microsoft.com/office/drawing/2010/main" val="0"/>
-              </a:ext>
-            </a:extLst>
-          </a:blip>
-          <a:stretch>
-            <a:fillRect/>
-          </a:stretch>
-        </p:blipFill>
-        <p:spPr>
-          <a:xfrm>
-            <a:off x="3532632" y="4548981"/>
-            <a:ext cx="2078736" cy="1621536"/>
-          </a:xfrm>
-          <a:prstGeom prst="rect">
-            <a:avLst/>
-          </a:prstGeom>
-        </p:spPr>
-      </p:pic>
-      <p:sp>
-        <p:nvSpPr>
-          <p:cNvPr id="7" name="ZoneTexte 6"/>
-          <p:cNvSpPr txBox="1"/>
-          <p:nvPr/>
-        </p:nvSpPr>
-        <p:spPr>
-          <a:xfrm>
-            <a:off x="182621" y="109957"/>
-            <a:ext cx="3805967" cy="938719"/>
-          </a:xfrm>
-          <a:prstGeom prst="rect">
-            <a:avLst/>
-          </a:prstGeom>
-          <a:noFill/>
-        </p:spPr>
-        <p:txBody>
-          <a:bodyPr wrap="square" rtlCol="0">
-            <a:spAutoFit/>
-          </a:bodyPr>
-          <a:lstStyle/>
-          <a:p>
-            <a:r>
-              <a:rPr lang="fr-FR" sz="5500" dirty="0">
-                <a:solidFill>
-                  <a:schemeClr val="bg1"/>
-                </a:solidFill>
-                <a:latin typeface="Eurostile-Roman" pitchFamily="2" charset="0"/>
-                <a:cs typeface="Microsoft New Tai Lue" panose="020B0502040204020203" pitchFamily="34" charset="0"/>
-              </a:rPr>
-              <a:t>Introduction</a:t>
-            </a:r>
-          </a:p>
-        </p:txBody>
-      </p:sp>
-      <p:sp>
-        <p:nvSpPr>
-          <p:cNvPr id="8" name="Espace réservé du numéro de diapositive 1"/>
-          <p:cNvSpPr>
-            <a:spLocks noGrp="1"/>
-          </p:cNvSpPr>
-          <p:nvPr>
-            <p:ph type="sldNum" sz="quarter" idx="12"/>
-          </p:nvPr>
-        </p:nvSpPr>
-        <p:spPr>
-          <a:xfrm>
-            <a:off x="6603423" y="6255991"/>
-            <a:ext cx="2057400" cy="365125"/>
-          </a:xfrm>
-        </p:spPr>
-        <p:txBody>
-          <a:bodyPr/>
-          <a:lstStyle/>
-          <a:p>
-            <a:r>
-              <a:rPr lang="fr-FR" sz="1800" dirty="0">
-                <a:latin typeface="Eurostile-Roman" pitchFamily="2" charset="0"/>
-              </a:rPr>
-              <a:t>Diapositive </a:t>
-            </a:r>
-            <a:fld id="{0A0AF257-D28F-495E-9E53-3BED59B8AA35}" type="slidenum">
-              <a:rPr lang="fr-FR" sz="1800" smtClean="0">
-                <a:latin typeface="Eurostile-Roman" pitchFamily="2" charset="0"/>
-              </a:rPr>
-              <a:t>3</a:t>
-            </a:fld>
-            <a:endParaRPr lang="fr-FR" sz="1800" dirty="0">
-              <a:latin typeface="Eurostile-Roman" pitchFamily="2" charset="0"/>
-            </a:endParaRPr>
-          </a:p>
-        </p:txBody>
-      </p:sp>
-    </p:spTree>
-    <p:extLst>
-      <p:ext uri="{BB962C8B-B14F-4D97-AF65-F5344CB8AC3E}">
-        <p14:creationId xmlns:p14="http://schemas.microsoft.com/office/powerpoint/2010/main" val="842433483"/>
-      </p:ext>
-    </p:extLst>
-  </p:cSld>
-  <p:clrMapOvr>
-    <a:masterClrMapping/>
-  </p:clrMapOvr>
-</p:sld>
-</file>
-
-<file path=ppt/slides/slide30.xml><?xml version="1.0" encoding="utf-8"?>
+<file path=ppt/slides/slide36.xml><?xml version="1.0" encoding="utf-8"?>
 <p:sld xmlns:a="http://schemas.openxmlformats.org/drawingml/2006/main" xmlns:r="http://schemas.openxmlformats.org/officeDocument/2006/relationships" xmlns:p="http://schemas.openxmlformats.org/presentationml/2006/main">
   <p:cSld>
     <p:spTree>
@@ -15239,7 +17884,7 @@
           <a:p>
             <a:fld id="{0A0AF257-D28F-495E-9E53-3BED59B8AA35}" type="slidenum">
               <a:rPr lang="fr-FR" smtClean="0"/>
-              <a:t>30</a:t>
+              <a:t>36</a:t>
             </a:fld>
             <a:endParaRPr lang="fr-FR"/>
           </a:p>
@@ -15258,7 +17903,7 @@
 </p:sld>
 </file>
 
-<file path=ppt/slides/slide31.xml><?xml version="1.0" encoding="utf-8"?>
+<file path=ppt/slides/slide37.xml><?xml version="1.0" encoding="utf-8"?>
 <p:sld xmlns:a="http://schemas.openxmlformats.org/drawingml/2006/main" xmlns:r="http://schemas.openxmlformats.org/officeDocument/2006/relationships" xmlns:p="http://schemas.openxmlformats.org/presentationml/2006/main">
   <p:cSld>
     <p:spTree>
@@ -15678,7 +18323,7 @@
           <a:p>
             <a:fld id="{0A0AF257-D28F-495E-9E53-3BED59B8AA35}" type="slidenum">
               <a:rPr lang="fr-FR" smtClean="0"/>
-              <a:t>31</a:t>
+              <a:t>37</a:t>
             </a:fld>
             <a:endParaRPr lang="fr-FR"/>
           </a:p>
@@ -15697,7 +18342,7 @@
 </p:sld>
 </file>
 
-<file path=ppt/slides/slide32.xml><?xml version="1.0" encoding="utf-8"?>
+<file path=ppt/slides/slide38.xml><?xml version="1.0" encoding="utf-8"?>
 <p:sld xmlns:a="http://schemas.openxmlformats.org/drawingml/2006/main" xmlns:r="http://schemas.openxmlformats.org/officeDocument/2006/relationships" xmlns:p="http://schemas.openxmlformats.org/presentationml/2006/main">
   <p:cSld>
     <p:spTree>
@@ -16125,7 +18770,7 @@
           <a:p>
             <a:fld id="{0A0AF257-D28F-495E-9E53-3BED59B8AA35}" type="slidenum">
               <a:rPr lang="fr-FR" smtClean="0"/>
-              <a:t>32</a:t>
+              <a:t>38</a:t>
             </a:fld>
             <a:endParaRPr lang="fr-FR"/>
           </a:p>
@@ -16144,7 +18789,7 @@
 </p:sld>
 </file>
 
-<file path=ppt/slides/slide33.xml><?xml version="1.0" encoding="utf-8"?>
+<file path=ppt/slides/slide39.xml><?xml version="1.0" encoding="utf-8"?>
 <p:sld xmlns:a="http://schemas.openxmlformats.org/drawingml/2006/main" xmlns:r="http://schemas.openxmlformats.org/officeDocument/2006/relationships" xmlns:p="http://schemas.openxmlformats.org/presentationml/2006/main">
   <p:cSld>
     <p:spTree>
@@ -16507,7 +19152,7 @@
           <a:p>
             <a:fld id="{0A0AF257-D28F-495E-9E53-3BED59B8AA35}" type="slidenum">
               <a:rPr lang="fr-FR" smtClean="0"/>
-              <a:t>33</a:t>
+              <a:t>39</a:t>
             </a:fld>
             <a:endParaRPr lang="fr-FR"/>
           </a:p>
@@ -16517,633 +19162,6 @@
     <p:extLst>
       <p:ext uri="{BB962C8B-B14F-4D97-AF65-F5344CB8AC3E}">
         <p14:creationId xmlns:p14="http://schemas.microsoft.com/office/powerpoint/2010/main" val="152622507"/>
-      </p:ext>
-    </p:extLst>
-  </p:cSld>
-  <p:clrMapOvr>
-    <a:masterClrMapping/>
-  </p:clrMapOvr>
-</p:sld>
-</file>
-
-<file path=ppt/slides/slide34.xml><?xml version="1.0" encoding="utf-8"?>
-<p:sld xmlns:a="http://schemas.openxmlformats.org/drawingml/2006/main" xmlns:r="http://schemas.openxmlformats.org/officeDocument/2006/relationships" xmlns:p="http://schemas.openxmlformats.org/presentationml/2006/main">
-  <p:cSld>
-    <p:spTree>
-      <p:nvGrpSpPr>
-        <p:cNvPr id="1" name=""/>
-        <p:cNvGrpSpPr/>
-        <p:nvPr/>
-      </p:nvGrpSpPr>
-      <p:grpSpPr>
-        <a:xfrm>
-          <a:off x="0" y="0"/>
-          <a:ext cx="0" cy="0"/>
-          <a:chOff x="0" y="0"/>
-          <a:chExt cx="0" cy="0"/>
-        </a:xfrm>
-      </p:grpSpPr>
-      <p:sp>
-        <p:nvSpPr>
-          <p:cNvPr id="2" name="Titre 1"/>
-          <p:cNvSpPr>
-            <a:spLocks noGrp="1"/>
-          </p:cNvSpPr>
-          <p:nvPr>
-            <p:ph type="title"/>
-          </p:nvPr>
-        </p:nvSpPr>
-        <p:spPr>
-          <a:xfrm>
-            <a:off x="245917" y="10391"/>
-            <a:ext cx="6347713" cy="1320800"/>
-          </a:xfrm>
-        </p:spPr>
-        <p:txBody>
-          <a:bodyPr>
-            <a:normAutofit/>
-          </a:bodyPr>
-          <a:lstStyle/>
-          <a:p>
-            <a:r>
-              <a:rPr lang="fr-FR" sz="3500" dirty="0">
-                <a:solidFill>
-                  <a:schemeClr val="bg1"/>
-                </a:solidFill>
-                <a:latin typeface="Eurostile" panose="020B0504020202050204" pitchFamily="34" charset="0"/>
-              </a:rPr>
-              <a:t>Bilan humain et</a:t>
-            </a:r>
-            <a:br>
-              <a:rPr lang="fr-FR" sz="3500" dirty="0">
-                <a:solidFill>
-                  <a:schemeClr val="bg1"/>
-                </a:solidFill>
-                <a:latin typeface="Eurostile" panose="020B0504020202050204" pitchFamily="34" charset="0"/>
-              </a:rPr>
-            </a:br>
-            <a:r>
-              <a:rPr lang="fr-FR" sz="3500" dirty="0">
-                <a:solidFill>
-                  <a:schemeClr val="bg1"/>
-                </a:solidFill>
-                <a:latin typeface="Eurostile" panose="020B0504020202050204" pitchFamily="34" charset="0"/>
-              </a:rPr>
-              <a:t>technique</a:t>
-            </a:r>
-          </a:p>
-        </p:txBody>
-      </p:sp>
-      <p:sp>
-        <p:nvSpPr>
-          <p:cNvPr id="5" name="Espace réservé du contenu 30"/>
-          <p:cNvSpPr txBox="1">
-            <a:spLocks/>
-          </p:cNvSpPr>
-          <p:nvPr/>
-        </p:nvSpPr>
-        <p:spPr>
-          <a:xfrm>
-            <a:off x="1161183" y="1987101"/>
-            <a:ext cx="8359485" cy="3862981"/>
-          </a:xfrm>
-          <a:prstGeom prst="rect">
-            <a:avLst/>
-          </a:prstGeom>
-        </p:spPr>
-        <p:txBody>
-          <a:bodyPr vert="horz" lIns="91440" tIns="45720" rIns="91440" bIns="45720" rtlCol="0">
-            <a:normAutofit/>
-          </a:bodyPr>
-          <a:lstStyle>
-            <a:lvl1pPr marL="171450" indent="-171450" algn="l" defTabSz="685800" rtl="0" eaLnBrk="1" latinLnBrk="0" hangingPunct="1">
-              <a:lnSpc>
-                <a:spcPct val="90000"/>
-              </a:lnSpc>
-              <a:spcBef>
-                <a:spcPts val="750"/>
-              </a:spcBef>
-              <a:buFont typeface="Arial" panose="020B0604020202020204" pitchFamily="34" charset="0"/>
-              <a:buChar char="•"/>
-              <a:defRPr sz="2100" kern="1200">
-                <a:solidFill>
-                  <a:schemeClr val="tx1"/>
-                </a:solidFill>
-                <a:latin typeface="+mn-lt"/>
-                <a:ea typeface="+mn-ea"/>
-                <a:cs typeface="+mn-cs"/>
-              </a:defRPr>
-            </a:lvl1pPr>
-            <a:lvl2pPr marL="514350" indent="-171450" algn="l" defTabSz="685800" rtl="0" eaLnBrk="1" latinLnBrk="0" hangingPunct="1">
-              <a:lnSpc>
-                <a:spcPct val="90000"/>
-              </a:lnSpc>
-              <a:spcBef>
-                <a:spcPts val="375"/>
-              </a:spcBef>
-              <a:buFont typeface="Arial" panose="020B0604020202020204" pitchFamily="34" charset="0"/>
-              <a:buChar char="•"/>
-              <a:defRPr sz="1800" kern="1200">
-                <a:solidFill>
-                  <a:schemeClr val="tx1"/>
-                </a:solidFill>
-                <a:latin typeface="+mn-lt"/>
-                <a:ea typeface="+mn-ea"/>
-                <a:cs typeface="+mn-cs"/>
-              </a:defRPr>
-            </a:lvl2pPr>
-            <a:lvl3pPr marL="857250" indent="-171450" algn="l" defTabSz="685800" rtl="0" eaLnBrk="1" latinLnBrk="0" hangingPunct="1">
-              <a:lnSpc>
-                <a:spcPct val="90000"/>
-              </a:lnSpc>
-              <a:spcBef>
-                <a:spcPts val="375"/>
-              </a:spcBef>
-              <a:buFont typeface="Arial" panose="020B0604020202020204" pitchFamily="34" charset="0"/>
-              <a:buChar char="•"/>
-              <a:defRPr sz="1500" kern="1200">
-                <a:solidFill>
-                  <a:schemeClr val="tx1"/>
-                </a:solidFill>
-                <a:latin typeface="+mn-lt"/>
-                <a:ea typeface="+mn-ea"/>
-                <a:cs typeface="+mn-cs"/>
-              </a:defRPr>
-            </a:lvl3pPr>
-            <a:lvl4pPr marL="1200150" indent="-171450" algn="l" defTabSz="685800" rtl="0" eaLnBrk="1" latinLnBrk="0" hangingPunct="1">
-              <a:lnSpc>
-                <a:spcPct val="90000"/>
-              </a:lnSpc>
-              <a:spcBef>
-                <a:spcPts val="375"/>
-              </a:spcBef>
-              <a:buFont typeface="Arial" panose="020B0604020202020204" pitchFamily="34" charset="0"/>
-              <a:buChar char="•"/>
-              <a:defRPr sz="1350" kern="1200">
-                <a:solidFill>
-                  <a:schemeClr val="tx1"/>
-                </a:solidFill>
-                <a:latin typeface="+mn-lt"/>
-                <a:ea typeface="+mn-ea"/>
-                <a:cs typeface="+mn-cs"/>
-              </a:defRPr>
-            </a:lvl4pPr>
-            <a:lvl5pPr marL="1543050" indent="-171450" algn="l" defTabSz="685800" rtl="0" eaLnBrk="1" latinLnBrk="0" hangingPunct="1">
-              <a:lnSpc>
-                <a:spcPct val="90000"/>
-              </a:lnSpc>
-              <a:spcBef>
-                <a:spcPts val="375"/>
-              </a:spcBef>
-              <a:buFont typeface="Arial" panose="020B0604020202020204" pitchFamily="34" charset="0"/>
-              <a:buChar char="•"/>
-              <a:defRPr sz="1350" kern="1200">
-                <a:solidFill>
-                  <a:schemeClr val="tx1"/>
-                </a:solidFill>
-                <a:latin typeface="+mn-lt"/>
-                <a:ea typeface="+mn-ea"/>
-                <a:cs typeface="+mn-cs"/>
-              </a:defRPr>
-            </a:lvl5pPr>
-            <a:lvl6pPr marL="1885950" indent="-171450" algn="l" defTabSz="685800" rtl="0" eaLnBrk="1" latinLnBrk="0" hangingPunct="1">
-              <a:lnSpc>
-                <a:spcPct val="90000"/>
-              </a:lnSpc>
-              <a:spcBef>
-                <a:spcPts val="375"/>
-              </a:spcBef>
-              <a:buFont typeface="Arial" panose="020B0604020202020204" pitchFamily="34" charset="0"/>
-              <a:buChar char="•"/>
-              <a:defRPr sz="1350" kern="1200">
-                <a:solidFill>
-                  <a:schemeClr val="tx1"/>
-                </a:solidFill>
-                <a:latin typeface="+mn-lt"/>
-                <a:ea typeface="+mn-ea"/>
-                <a:cs typeface="+mn-cs"/>
-              </a:defRPr>
-            </a:lvl6pPr>
-            <a:lvl7pPr marL="2228850" indent="-171450" algn="l" defTabSz="685800" rtl="0" eaLnBrk="1" latinLnBrk="0" hangingPunct="1">
-              <a:lnSpc>
-                <a:spcPct val="90000"/>
-              </a:lnSpc>
-              <a:spcBef>
-                <a:spcPts val="375"/>
-              </a:spcBef>
-              <a:buFont typeface="Arial" panose="020B0604020202020204" pitchFamily="34" charset="0"/>
-              <a:buChar char="•"/>
-              <a:defRPr sz="1350" kern="1200">
-                <a:solidFill>
-                  <a:schemeClr val="tx1"/>
-                </a:solidFill>
-                <a:latin typeface="+mn-lt"/>
-                <a:ea typeface="+mn-ea"/>
-                <a:cs typeface="+mn-cs"/>
-              </a:defRPr>
-            </a:lvl7pPr>
-            <a:lvl8pPr marL="2571750" indent="-171450" algn="l" defTabSz="685800" rtl="0" eaLnBrk="1" latinLnBrk="0" hangingPunct="1">
-              <a:lnSpc>
-                <a:spcPct val="90000"/>
-              </a:lnSpc>
-              <a:spcBef>
-                <a:spcPts val="375"/>
-              </a:spcBef>
-              <a:buFont typeface="Arial" panose="020B0604020202020204" pitchFamily="34" charset="0"/>
-              <a:buChar char="•"/>
-              <a:defRPr sz="1350" kern="1200">
-                <a:solidFill>
-                  <a:schemeClr val="tx1"/>
-                </a:solidFill>
-                <a:latin typeface="+mn-lt"/>
-                <a:ea typeface="+mn-ea"/>
-                <a:cs typeface="+mn-cs"/>
-              </a:defRPr>
-            </a:lvl8pPr>
-            <a:lvl9pPr marL="2914650" indent="-171450" algn="l" defTabSz="685800" rtl="0" eaLnBrk="1" latinLnBrk="0" hangingPunct="1">
-              <a:lnSpc>
-                <a:spcPct val="90000"/>
-              </a:lnSpc>
-              <a:spcBef>
-                <a:spcPts val="375"/>
-              </a:spcBef>
-              <a:buFont typeface="Arial" panose="020B0604020202020204" pitchFamily="34" charset="0"/>
-              <a:buChar char="•"/>
-              <a:defRPr sz="1350" kern="1200">
-                <a:solidFill>
-                  <a:schemeClr val="tx1"/>
-                </a:solidFill>
-                <a:latin typeface="+mn-lt"/>
-                <a:ea typeface="+mn-ea"/>
-                <a:cs typeface="+mn-cs"/>
-              </a:defRPr>
-            </a:lvl9pPr>
-          </a:lstStyle>
-          <a:p>
-            <a:pPr>
-              <a:lnSpc>
-                <a:spcPct val="250000"/>
-              </a:lnSpc>
-              <a:buFont typeface="Wingdings" panose="05000000000000000000" pitchFamily="2" charset="2"/>
-              <a:buChar char="§"/>
-            </a:pPr>
-            <a:r>
-              <a:rPr lang="fr-FR" sz="2200" dirty="0">
-                <a:solidFill>
-                  <a:srgbClr val="004492"/>
-                </a:solidFill>
-                <a:latin typeface="Eurostile" panose="020B0504020202050204" pitchFamily="34" charset="0"/>
-              </a:rPr>
-              <a:t> Stage de 10 semaines : atout pour le parcours professionnel</a:t>
-            </a:r>
-          </a:p>
-          <a:p>
-            <a:pPr>
-              <a:lnSpc>
-                <a:spcPct val="250000"/>
-              </a:lnSpc>
-              <a:buFont typeface="Wingdings" panose="05000000000000000000" pitchFamily="2" charset="2"/>
-              <a:buChar char="§"/>
-            </a:pPr>
-            <a:r>
-              <a:rPr lang="fr-FR" sz="2200" dirty="0">
-                <a:solidFill>
-                  <a:srgbClr val="004492"/>
-                </a:solidFill>
-                <a:latin typeface="Eurostile" panose="020B0504020202050204" pitchFamily="34" charset="0"/>
-                <a:sym typeface="Wingdings" panose="05000000000000000000" pitchFamily="2" charset="2"/>
-              </a:rPr>
-              <a:t> Premier pas dans le monde professionnel</a:t>
-            </a:r>
-          </a:p>
-          <a:p>
-            <a:pPr>
-              <a:lnSpc>
-                <a:spcPct val="250000"/>
-              </a:lnSpc>
-              <a:buFont typeface="Wingdings" panose="05000000000000000000" pitchFamily="2" charset="2"/>
-              <a:buChar char="§"/>
-            </a:pPr>
-            <a:r>
-              <a:rPr lang="fr-FR" sz="2200" dirty="0">
-                <a:solidFill>
-                  <a:srgbClr val="004492"/>
-                </a:solidFill>
-                <a:latin typeface="Eurostile" panose="020B0504020202050204" pitchFamily="34" charset="0"/>
-                <a:sym typeface="Wingdings" panose="05000000000000000000" pitchFamily="2" charset="2"/>
-              </a:rPr>
-              <a:t> Me conforte dans mon envie de me diriger vers les métiers du développement de projets informatiques</a:t>
-            </a:r>
-          </a:p>
-          <a:p>
-            <a:pPr>
-              <a:lnSpc>
-                <a:spcPct val="250000"/>
-              </a:lnSpc>
-              <a:buFont typeface="Wingdings" panose="05000000000000000000" pitchFamily="2" charset="2"/>
-              <a:buChar char="§"/>
-            </a:pPr>
-            <a:endParaRPr lang="fr-FR" sz="2200" dirty="0">
-              <a:solidFill>
-                <a:srgbClr val="004492"/>
-              </a:solidFill>
-              <a:latin typeface="Eurostile" panose="020B0504020202050204" pitchFamily="34" charset="0"/>
-              <a:sym typeface="Wingdings" panose="05000000000000000000" pitchFamily="2" charset="2"/>
-            </a:endParaRPr>
-          </a:p>
-        </p:txBody>
-      </p:sp>
-      <p:sp>
-        <p:nvSpPr>
-          <p:cNvPr id="3" name="Espace réservé du numéro de diapositive 2"/>
-          <p:cNvSpPr>
-            <a:spLocks noGrp="1"/>
-          </p:cNvSpPr>
-          <p:nvPr>
-            <p:ph type="sldNum" sz="quarter" idx="12"/>
-          </p:nvPr>
-        </p:nvSpPr>
-        <p:spPr/>
-        <p:txBody>
-          <a:bodyPr/>
-          <a:lstStyle/>
-          <a:p>
-            <a:fld id="{0A0AF257-D28F-495E-9E53-3BED59B8AA35}" type="slidenum">
-              <a:rPr lang="fr-FR" smtClean="0"/>
-              <a:t>34</a:t>
-            </a:fld>
-            <a:endParaRPr lang="fr-FR"/>
-          </a:p>
-        </p:txBody>
-      </p:sp>
-    </p:spTree>
-    <p:extLst>
-      <p:ext uri="{BB962C8B-B14F-4D97-AF65-F5344CB8AC3E}">
-        <p14:creationId xmlns:p14="http://schemas.microsoft.com/office/powerpoint/2010/main" val="2284297550"/>
-      </p:ext>
-    </p:extLst>
-  </p:cSld>
-  <p:clrMapOvr>
-    <a:masterClrMapping/>
-  </p:clrMapOvr>
-</p:sld>
-</file>
-
-<file path=ppt/slides/slide35.xml><?xml version="1.0" encoding="utf-8"?>
-<p:sld xmlns:a="http://schemas.openxmlformats.org/drawingml/2006/main" xmlns:r="http://schemas.openxmlformats.org/officeDocument/2006/relationships" xmlns:p="http://schemas.openxmlformats.org/presentationml/2006/main">
-  <p:cSld>
-    <p:spTree>
-      <p:nvGrpSpPr>
-        <p:cNvPr id="1" name=""/>
-        <p:cNvGrpSpPr/>
-        <p:nvPr/>
-      </p:nvGrpSpPr>
-      <p:grpSpPr>
-        <a:xfrm>
-          <a:off x="0" y="0"/>
-          <a:ext cx="0" cy="0"/>
-          <a:chOff x="0" y="0"/>
-          <a:chExt cx="0" cy="0"/>
-        </a:xfrm>
-      </p:grpSpPr>
-      <p:sp>
-        <p:nvSpPr>
-          <p:cNvPr id="6" name="Espace réservé du contenu 30"/>
-          <p:cNvSpPr txBox="1">
-            <a:spLocks/>
-          </p:cNvSpPr>
-          <p:nvPr/>
-        </p:nvSpPr>
-        <p:spPr>
-          <a:xfrm>
-            <a:off x="0" y="2018273"/>
-            <a:ext cx="9144000" cy="3862981"/>
-          </a:xfrm>
-          <a:prstGeom prst="rect">
-            <a:avLst/>
-          </a:prstGeom>
-        </p:spPr>
-        <p:txBody>
-          <a:bodyPr vert="horz" lIns="91440" tIns="45720" rIns="91440" bIns="45720" rtlCol="0">
-            <a:normAutofit/>
-          </a:bodyPr>
-          <a:lstStyle>
-            <a:lvl1pPr marL="171450" indent="-171450" algn="l" defTabSz="685800" rtl="0" eaLnBrk="1" latinLnBrk="0" hangingPunct="1">
-              <a:lnSpc>
-                <a:spcPct val="90000"/>
-              </a:lnSpc>
-              <a:spcBef>
-                <a:spcPts val="750"/>
-              </a:spcBef>
-              <a:buFont typeface="Arial" panose="020B0604020202020204" pitchFamily="34" charset="0"/>
-              <a:buChar char="•"/>
-              <a:defRPr sz="2100" kern="1200">
-                <a:solidFill>
-                  <a:schemeClr val="tx1"/>
-                </a:solidFill>
-                <a:latin typeface="+mn-lt"/>
-                <a:ea typeface="+mn-ea"/>
-                <a:cs typeface="+mn-cs"/>
-              </a:defRPr>
-            </a:lvl1pPr>
-            <a:lvl2pPr marL="514350" indent="-171450" algn="l" defTabSz="685800" rtl="0" eaLnBrk="1" latinLnBrk="0" hangingPunct="1">
-              <a:lnSpc>
-                <a:spcPct val="90000"/>
-              </a:lnSpc>
-              <a:spcBef>
-                <a:spcPts val="375"/>
-              </a:spcBef>
-              <a:buFont typeface="Arial" panose="020B0604020202020204" pitchFamily="34" charset="0"/>
-              <a:buChar char="•"/>
-              <a:defRPr sz="1800" kern="1200">
-                <a:solidFill>
-                  <a:schemeClr val="tx1"/>
-                </a:solidFill>
-                <a:latin typeface="+mn-lt"/>
-                <a:ea typeface="+mn-ea"/>
-                <a:cs typeface="+mn-cs"/>
-              </a:defRPr>
-            </a:lvl2pPr>
-            <a:lvl3pPr marL="857250" indent="-171450" algn="l" defTabSz="685800" rtl="0" eaLnBrk="1" latinLnBrk="0" hangingPunct="1">
-              <a:lnSpc>
-                <a:spcPct val="90000"/>
-              </a:lnSpc>
-              <a:spcBef>
-                <a:spcPts val="375"/>
-              </a:spcBef>
-              <a:buFont typeface="Arial" panose="020B0604020202020204" pitchFamily="34" charset="0"/>
-              <a:buChar char="•"/>
-              <a:defRPr sz="1500" kern="1200">
-                <a:solidFill>
-                  <a:schemeClr val="tx1"/>
-                </a:solidFill>
-                <a:latin typeface="+mn-lt"/>
-                <a:ea typeface="+mn-ea"/>
-                <a:cs typeface="+mn-cs"/>
-              </a:defRPr>
-            </a:lvl3pPr>
-            <a:lvl4pPr marL="1200150" indent="-171450" algn="l" defTabSz="685800" rtl="0" eaLnBrk="1" latinLnBrk="0" hangingPunct="1">
-              <a:lnSpc>
-                <a:spcPct val="90000"/>
-              </a:lnSpc>
-              <a:spcBef>
-                <a:spcPts val="375"/>
-              </a:spcBef>
-              <a:buFont typeface="Arial" panose="020B0604020202020204" pitchFamily="34" charset="0"/>
-              <a:buChar char="•"/>
-              <a:defRPr sz="1350" kern="1200">
-                <a:solidFill>
-                  <a:schemeClr val="tx1"/>
-                </a:solidFill>
-                <a:latin typeface="+mn-lt"/>
-                <a:ea typeface="+mn-ea"/>
-                <a:cs typeface="+mn-cs"/>
-              </a:defRPr>
-            </a:lvl4pPr>
-            <a:lvl5pPr marL="1543050" indent="-171450" algn="l" defTabSz="685800" rtl="0" eaLnBrk="1" latinLnBrk="0" hangingPunct="1">
-              <a:lnSpc>
-                <a:spcPct val="90000"/>
-              </a:lnSpc>
-              <a:spcBef>
-                <a:spcPts val="375"/>
-              </a:spcBef>
-              <a:buFont typeface="Arial" panose="020B0604020202020204" pitchFamily="34" charset="0"/>
-              <a:buChar char="•"/>
-              <a:defRPr sz="1350" kern="1200">
-                <a:solidFill>
-                  <a:schemeClr val="tx1"/>
-                </a:solidFill>
-                <a:latin typeface="+mn-lt"/>
-                <a:ea typeface="+mn-ea"/>
-                <a:cs typeface="+mn-cs"/>
-              </a:defRPr>
-            </a:lvl5pPr>
-            <a:lvl6pPr marL="1885950" indent="-171450" algn="l" defTabSz="685800" rtl="0" eaLnBrk="1" latinLnBrk="0" hangingPunct="1">
-              <a:lnSpc>
-                <a:spcPct val="90000"/>
-              </a:lnSpc>
-              <a:spcBef>
-                <a:spcPts val="375"/>
-              </a:spcBef>
-              <a:buFont typeface="Arial" panose="020B0604020202020204" pitchFamily="34" charset="0"/>
-              <a:buChar char="•"/>
-              <a:defRPr sz="1350" kern="1200">
-                <a:solidFill>
-                  <a:schemeClr val="tx1"/>
-                </a:solidFill>
-                <a:latin typeface="+mn-lt"/>
-                <a:ea typeface="+mn-ea"/>
-                <a:cs typeface="+mn-cs"/>
-              </a:defRPr>
-            </a:lvl6pPr>
-            <a:lvl7pPr marL="2228850" indent="-171450" algn="l" defTabSz="685800" rtl="0" eaLnBrk="1" latinLnBrk="0" hangingPunct="1">
-              <a:lnSpc>
-                <a:spcPct val="90000"/>
-              </a:lnSpc>
-              <a:spcBef>
-                <a:spcPts val="375"/>
-              </a:spcBef>
-              <a:buFont typeface="Arial" panose="020B0604020202020204" pitchFamily="34" charset="0"/>
-              <a:buChar char="•"/>
-              <a:defRPr sz="1350" kern="1200">
-                <a:solidFill>
-                  <a:schemeClr val="tx1"/>
-                </a:solidFill>
-                <a:latin typeface="+mn-lt"/>
-                <a:ea typeface="+mn-ea"/>
-                <a:cs typeface="+mn-cs"/>
-              </a:defRPr>
-            </a:lvl7pPr>
-            <a:lvl8pPr marL="2571750" indent="-171450" algn="l" defTabSz="685800" rtl="0" eaLnBrk="1" latinLnBrk="0" hangingPunct="1">
-              <a:lnSpc>
-                <a:spcPct val="90000"/>
-              </a:lnSpc>
-              <a:spcBef>
-                <a:spcPts val="375"/>
-              </a:spcBef>
-              <a:buFont typeface="Arial" panose="020B0604020202020204" pitchFamily="34" charset="0"/>
-              <a:buChar char="•"/>
-              <a:defRPr sz="1350" kern="1200">
-                <a:solidFill>
-                  <a:schemeClr val="tx1"/>
-                </a:solidFill>
-                <a:latin typeface="+mn-lt"/>
-                <a:ea typeface="+mn-ea"/>
-                <a:cs typeface="+mn-cs"/>
-              </a:defRPr>
-            </a:lvl8pPr>
-            <a:lvl9pPr marL="2914650" indent="-171450" algn="l" defTabSz="685800" rtl="0" eaLnBrk="1" latinLnBrk="0" hangingPunct="1">
-              <a:lnSpc>
-                <a:spcPct val="90000"/>
-              </a:lnSpc>
-              <a:spcBef>
-                <a:spcPts val="375"/>
-              </a:spcBef>
-              <a:buFont typeface="Arial" panose="020B0604020202020204" pitchFamily="34" charset="0"/>
-              <a:buChar char="•"/>
-              <a:defRPr sz="1350" kern="1200">
-                <a:solidFill>
-                  <a:schemeClr val="tx1"/>
-                </a:solidFill>
-                <a:latin typeface="+mn-lt"/>
-                <a:ea typeface="+mn-ea"/>
-                <a:cs typeface="+mn-cs"/>
-              </a:defRPr>
-            </a:lvl9pPr>
-          </a:lstStyle>
-          <a:p>
-            <a:pPr marL="0" indent="0" algn="ctr">
-              <a:lnSpc>
-                <a:spcPct val="250000"/>
-              </a:lnSpc>
-              <a:buNone/>
-            </a:pPr>
-            <a:r>
-              <a:rPr lang="fr-FR" sz="5500" b="1" dirty="0">
-                <a:solidFill>
-                  <a:srgbClr val="004492"/>
-                </a:solidFill>
-                <a:latin typeface="Eurostile" panose="020B0504020202050204" pitchFamily="34" charset="0"/>
-              </a:rPr>
-              <a:t>Merci de votre attention</a:t>
-            </a:r>
-            <a:endParaRPr lang="fr-FR" sz="5500" b="1" dirty="0">
-              <a:solidFill>
-                <a:srgbClr val="004492"/>
-              </a:solidFill>
-              <a:latin typeface="Eurostile" panose="020B0504020202050204" pitchFamily="34" charset="0"/>
-              <a:sym typeface="Wingdings" panose="05000000000000000000" pitchFamily="2" charset="2"/>
-            </a:endParaRPr>
-          </a:p>
-        </p:txBody>
-      </p:sp>
-      <p:sp>
-        <p:nvSpPr>
-          <p:cNvPr id="2" name="Espace réservé du numéro de diapositive 1"/>
-          <p:cNvSpPr>
-            <a:spLocks noGrp="1"/>
-          </p:cNvSpPr>
-          <p:nvPr>
-            <p:ph type="sldNum" sz="quarter" idx="12"/>
-          </p:nvPr>
-        </p:nvSpPr>
-        <p:spPr/>
-        <p:txBody>
-          <a:bodyPr/>
-          <a:lstStyle/>
-          <a:p>
-            <a:fld id="{0A0AF257-D28F-495E-9E53-3BED59B8AA35}" type="slidenum">
-              <a:rPr lang="fr-FR" smtClean="0"/>
-              <a:t>35</a:t>
-            </a:fld>
-            <a:endParaRPr lang="fr-FR"/>
-          </a:p>
-        </p:txBody>
-      </p:sp>
-    </p:spTree>
-    <p:extLst>
-      <p:ext uri="{BB962C8B-B14F-4D97-AF65-F5344CB8AC3E}">
-        <p14:creationId xmlns:p14="http://schemas.microsoft.com/office/powerpoint/2010/main" val="3018602494"/>
       </p:ext>
     </p:extLst>
   </p:cSld>
@@ -17366,7 +19384,7 @@
                 <a:solidFill>
                   <a:srgbClr val="004492"/>
                 </a:solidFill>
-                <a:latin typeface="Eurostile-Roman" pitchFamily="2" charset="0"/>
+                <a:latin typeface="Calibri (Corps)"/>
               </a:rPr>
               <a:t>Travail autour d’un projet majeur :</a:t>
             </a:r>
@@ -17382,7 +19400,7 @@
                 <a:solidFill>
                   <a:srgbClr val="004492"/>
                 </a:solidFill>
-                <a:latin typeface="Eurostile-Roman" pitchFamily="2" charset="0"/>
+                <a:latin typeface="Calibri (Corps)"/>
               </a:rPr>
               <a:t>Certification d’un vertical développé par </a:t>
             </a:r>
@@ -17391,7 +19409,7 @@
                 <a:solidFill>
                   <a:srgbClr val="004492"/>
                 </a:solidFill>
-                <a:latin typeface="Eurostile-Roman" pitchFamily="2" charset="0"/>
+                <a:latin typeface="Calibri (Corps)"/>
               </a:rPr>
               <a:t>Eskape</a:t>
             </a:r>
@@ -17399,7 +19417,7 @@
               <a:solidFill>
                 <a:srgbClr val="004492"/>
               </a:solidFill>
-              <a:latin typeface="Eurostile-Roman" pitchFamily="2" charset="0"/>
+              <a:latin typeface="Calibri (Corps)"/>
             </a:endParaRPr>
           </a:p>
           <a:p>
@@ -17412,7 +19430,7 @@
               <a:solidFill>
                 <a:srgbClr val="004492"/>
               </a:solidFill>
-              <a:latin typeface="Eurostile" panose="020B0504020202050204" pitchFamily="34" charset="0"/>
+              <a:latin typeface="Calibri (Corps)"/>
             </a:endParaRPr>
           </a:p>
         </p:txBody>
@@ -17533,6 +19551,633 @@
 </p:sld>
 </file>
 
+<file path=ppt/slides/slide40.xml><?xml version="1.0" encoding="utf-8"?>
+<p:sld xmlns:a="http://schemas.openxmlformats.org/drawingml/2006/main" xmlns:r="http://schemas.openxmlformats.org/officeDocument/2006/relationships" xmlns:p="http://schemas.openxmlformats.org/presentationml/2006/main">
+  <p:cSld>
+    <p:spTree>
+      <p:nvGrpSpPr>
+        <p:cNvPr id="1" name=""/>
+        <p:cNvGrpSpPr/>
+        <p:nvPr/>
+      </p:nvGrpSpPr>
+      <p:grpSpPr>
+        <a:xfrm>
+          <a:off x="0" y="0"/>
+          <a:ext cx="0" cy="0"/>
+          <a:chOff x="0" y="0"/>
+          <a:chExt cx="0" cy="0"/>
+        </a:xfrm>
+      </p:grpSpPr>
+      <p:sp>
+        <p:nvSpPr>
+          <p:cNvPr id="2" name="Titre 1"/>
+          <p:cNvSpPr>
+            <a:spLocks noGrp="1"/>
+          </p:cNvSpPr>
+          <p:nvPr>
+            <p:ph type="title"/>
+          </p:nvPr>
+        </p:nvSpPr>
+        <p:spPr>
+          <a:xfrm>
+            <a:off x="245917" y="10391"/>
+            <a:ext cx="6347713" cy="1320800"/>
+          </a:xfrm>
+        </p:spPr>
+        <p:txBody>
+          <a:bodyPr>
+            <a:normAutofit/>
+          </a:bodyPr>
+          <a:lstStyle/>
+          <a:p>
+            <a:r>
+              <a:rPr lang="fr-FR" sz="3500" dirty="0">
+                <a:solidFill>
+                  <a:schemeClr val="bg1"/>
+                </a:solidFill>
+                <a:latin typeface="Eurostile" panose="020B0504020202050204" pitchFamily="34" charset="0"/>
+              </a:rPr>
+              <a:t>Bilan humain et</a:t>
+            </a:r>
+            <a:br>
+              <a:rPr lang="fr-FR" sz="3500" dirty="0">
+                <a:solidFill>
+                  <a:schemeClr val="bg1"/>
+                </a:solidFill>
+                <a:latin typeface="Eurostile" panose="020B0504020202050204" pitchFamily="34" charset="0"/>
+              </a:rPr>
+            </a:br>
+            <a:r>
+              <a:rPr lang="fr-FR" sz="3500" dirty="0">
+                <a:solidFill>
+                  <a:schemeClr val="bg1"/>
+                </a:solidFill>
+                <a:latin typeface="Eurostile" panose="020B0504020202050204" pitchFamily="34" charset="0"/>
+              </a:rPr>
+              <a:t>technique</a:t>
+            </a:r>
+          </a:p>
+        </p:txBody>
+      </p:sp>
+      <p:sp>
+        <p:nvSpPr>
+          <p:cNvPr id="5" name="Espace réservé du contenu 30"/>
+          <p:cNvSpPr txBox="1">
+            <a:spLocks/>
+          </p:cNvSpPr>
+          <p:nvPr/>
+        </p:nvSpPr>
+        <p:spPr>
+          <a:xfrm>
+            <a:off x="1161183" y="1987101"/>
+            <a:ext cx="8359485" cy="3862981"/>
+          </a:xfrm>
+          <a:prstGeom prst="rect">
+            <a:avLst/>
+          </a:prstGeom>
+        </p:spPr>
+        <p:txBody>
+          <a:bodyPr vert="horz" lIns="91440" tIns="45720" rIns="91440" bIns="45720" rtlCol="0">
+            <a:normAutofit/>
+          </a:bodyPr>
+          <a:lstStyle>
+            <a:lvl1pPr marL="171450" indent="-171450" algn="l" defTabSz="685800" rtl="0" eaLnBrk="1" latinLnBrk="0" hangingPunct="1">
+              <a:lnSpc>
+                <a:spcPct val="90000"/>
+              </a:lnSpc>
+              <a:spcBef>
+                <a:spcPts val="750"/>
+              </a:spcBef>
+              <a:buFont typeface="Arial" panose="020B0604020202020204" pitchFamily="34" charset="0"/>
+              <a:buChar char="•"/>
+              <a:defRPr sz="2100" kern="1200">
+                <a:solidFill>
+                  <a:schemeClr val="tx1"/>
+                </a:solidFill>
+                <a:latin typeface="+mn-lt"/>
+                <a:ea typeface="+mn-ea"/>
+                <a:cs typeface="+mn-cs"/>
+              </a:defRPr>
+            </a:lvl1pPr>
+            <a:lvl2pPr marL="514350" indent="-171450" algn="l" defTabSz="685800" rtl="0" eaLnBrk="1" latinLnBrk="0" hangingPunct="1">
+              <a:lnSpc>
+                <a:spcPct val="90000"/>
+              </a:lnSpc>
+              <a:spcBef>
+                <a:spcPts val="375"/>
+              </a:spcBef>
+              <a:buFont typeface="Arial" panose="020B0604020202020204" pitchFamily="34" charset="0"/>
+              <a:buChar char="•"/>
+              <a:defRPr sz="1800" kern="1200">
+                <a:solidFill>
+                  <a:schemeClr val="tx1"/>
+                </a:solidFill>
+                <a:latin typeface="+mn-lt"/>
+                <a:ea typeface="+mn-ea"/>
+                <a:cs typeface="+mn-cs"/>
+              </a:defRPr>
+            </a:lvl2pPr>
+            <a:lvl3pPr marL="857250" indent="-171450" algn="l" defTabSz="685800" rtl="0" eaLnBrk="1" latinLnBrk="0" hangingPunct="1">
+              <a:lnSpc>
+                <a:spcPct val="90000"/>
+              </a:lnSpc>
+              <a:spcBef>
+                <a:spcPts val="375"/>
+              </a:spcBef>
+              <a:buFont typeface="Arial" panose="020B0604020202020204" pitchFamily="34" charset="0"/>
+              <a:buChar char="•"/>
+              <a:defRPr sz="1500" kern="1200">
+                <a:solidFill>
+                  <a:schemeClr val="tx1"/>
+                </a:solidFill>
+                <a:latin typeface="+mn-lt"/>
+                <a:ea typeface="+mn-ea"/>
+                <a:cs typeface="+mn-cs"/>
+              </a:defRPr>
+            </a:lvl3pPr>
+            <a:lvl4pPr marL="1200150" indent="-171450" algn="l" defTabSz="685800" rtl="0" eaLnBrk="1" latinLnBrk="0" hangingPunct="1">
+              <a:lnSpc>
+                <a:spcPct val="90000"/>
+              </a:lnSpc>
+              <a:spcBef>
+                <a:spcPts val="375"/>
+              </a:spcBef>
+              <a:buFont typeface="Arial" panose="020B0604020202020204" pitchFamily="34" charset="0"/>
+              <a:buChar char="•"/>
+              <a:defRPr sz="1350" kern="1200">
+                <a:solidFill>
+                  <a:schemeClr val="tx1"/>
+                </a:solidFill>
+                <a:latin typeface="+mn-lt"/>
+                <a:ea typeface="+mn-ea"/>
+                <a:cs typeface="+mn-cs"/>
+              </a:defRPr>
+            </a:lvl4pPr>
+            <a:lvl5pPr marL="1543050" indent="-171450" algn="l" defTabSz="685800" rtl="0" eaLnBrk="1" latinLnBrk="0" hangingPunct="1">
+              <a:lnSpc>
+                <a:spcPct val="90000"/>
+              </a:lnSpc>
+              <a:spcBef>
+                <a:spcPts val="375"/>
+              </a:spcBef>
+              <a:buFont typeface="Arial" panose="020B0604020202020204" pitchFamily="34" charset="0"/>
+              <a:buChar char="•"/>
+              <a:defRPr sz="1350" kern="1200">
+                <a:solidFill>
+                  <a:schemeClr val="tx1"/>
+                </a:solidFill>
+                <a:latin typeface="+mn-lt"/>
+                <a:ea typeface="+mn-ea"/>
+                <a:cs typeface="+mn-cs"/>
+              </a:defRPr>
+            </a:lvl5pPr>
+            <a:lvl6pPr marL="1885950" indent="-171450" algn="l" defTabSz="685800" rtl="0" eaLnBrk="1" latinLnBrk="0" hangingPunct="1">
+              <a:lnSpc>
+                <a:spcPct val="90000"/>
+              </a:lnSpc>
+              <a:spcBef>
+                <a:spcPts val="375"/>
+              </a:spcBef>
+              <a:buFont typeface="Arial" panose="020B0604020202020204" pitchFamily="34" charset="0"/>
+              <a:buChar char="•"/>
+              <a:defRPr sz="1350" kern="1200">
+                <a:solidFill>
+                  <a:schemeClr val="tx1"/>
+                </a:solidFill>
+                <a:latin typeface="+mn-lt"/>
+                <a:ea typeface="+mn-ea"/>
+                <a:cs typeface="+mn-cs"/>
+              </a:defRPr>
+            </a:lvl6pPr>
+            <a:lvl7pPr marL="2228850" indent="-171450" algn="l" defTabSz="685800" rtl="0" eaLnBrk="1" latinLnBrk="0" hangingPunct="1">
+              <a:lnSpc>
+                <a:spcPct val="90000"/>
+              </a:lnSpc>
+              <a:spcBef>
+                <a:spcPts val="375"/>
+              </a:spcBef>
+              <a:buFont typeface="Arial" panose="020B0604020202020204" pitchFamily="34" charset="0"/>
+              <a:buChar char="•"/>
+              <a:defRPr sz="1350" kern="1200">
+                <a:solidFill>
+                  <a:schemeClr val="tx1"/>
+                </a:solidFill>
+                <a:latin typeface="+mn-lt"/>
+                <a:ea typeface="+mn-ea"/>
+                <a:cs typeface="+mn-cs"/>
+              </a:defRPr>
+            </a:lvl7pPr>
+            <a:lvl8pPr marL="2571750" indent="-171450" algn="l" defTabSz="685800" rtl="0" eaLnBrk="1" latinLnBrk="0" hangingPunct="1">
+              <a:lnSpc>
+                <a:spcPct val="90000"/>
+              </a:lnSpc>
+              <a:spcBef>
+                <a:spcPts val="375"/>
+              </a:spcBef>
+              <a:buFont typeface="Arial" panose="020B0604020202020204" pitchFamily="34" charset="0"/>
+              <a:buChar char="•"/>
+              <a:defRPr sz="1350" kern="1200">
+                <a:solidFill>
+                  <a:schemeClr val="tx1"/>
+                </a:solidFill>
+                <a:latin typeface="+mn-lt"/>
+                <a:ea typeface="+mn-ea"/>
+                <a:cs typeface="+mn-cs"/>
+              </a:defRPr>
+            </a:lvl8pPr>
+            <a:lvl9pPr marL="2914650" indent="-171450" algn="l" defTabSz="685800" rtl="0" eaLnBrk="1" latinLnBrk="0" hangingPunct="1">
+              <a:lnSpc>
+                <a:spcPct val="90000"/>
+              </a:lnSpc>
+              <a:spcBef>
+                <a:spcPts val="375"/>
+              </a:spcBef>
+              <a:buFont typeface="Arial" panose="020B0604020202020204" pitchFamily="34" charset="0"/>
+              <a:buChar char="•"/>
+              <a:defRPr sz="1350" kern="1200">
+                <a:solidFill>
+                  <a:schemeClr val="tx1"/>
+                </a:solidFill>
+                <a:latin typeface="+mn-lt"/>
+                <a:ea typeface="+mn-ea"/>
+                <a:cs typeface="+mn-cs"/>
+              </a:defRPr>
+            </a:lvl9pPr>
+          </a:lstStyle>
+          <a:p>
+            <a:pPr>
+              <a:lnSpc>
+                <a:spcPct val="250000"/>
+              </a:lnSpc>
+              <a:buFont typeface="Wingdings" panose="05000000000000000000" pitchFamily="2" charset="2"/>
+              <a:buChar char="§"/>
+            </a:pPr>
+            <a:r>
+              <a:rPr lang="fr-FR" sz="2200" dirty="0">
+                <a:solidFill>
+                  <a:srgbClr val="004492"/>
+                </a:solidFill>
+                <a:latin typeface="Eurostile" panose="020B0504020202050204" pitchFamily="34" charset="0"/>
+              </a:rPr>
+              <a:t> Stage de 10 semaines : atout pour le parcours professionnel</a:t>
+            </a:r>
+          </a:p>
+          <a:p>
+            <a:pPr>
+              <a:lnSpc>
+                <a:spcPct val="250000"/>
+              </a:lnSpc>
+              <a:buFont typeface="Wingdings" panose="05000000000000000000" pitchFamily="2" charset="2"/>
+              <a:buChar char="§"/>
+            </a:pPr>
+            <a:r>
+              <a:rPr lang="fr-FR" sz="2200" dirty="0">
+                <a:solidFill>
+                  <a:srgbClr val="004492"/>
+                </a:solidFill>
+                <a:latin typeface="Eurostile" panose="020B0504020202050204" pitchFamily="34" charset="0"/>
+                <a:sym typeface="Wingdings" panose="05000000000000000000" pitchFamily="2" charset="2"/>
+              </a:rPr>
+              <a:t> Premier pas dans le monde professionnel</a:t>
+            </a:r>
+          </a:p>
+          <a:p>
+            <a:pPr>
+              <a:lnSpc>
+                <a:spcPct val="250000"/>
+              </a:lnSpc>
+              <a:buFont typeface="Wingdings" panose="05000000000000000000" pitchFamily="2" charset="2"/>
+              <a:buChar char="§"/>
+            </a:pPr>
+            <a:r>
+              <a:rPr lang="fr-FR" sz="2200" dirty="0">
+                <a:solidFill>
+                  <a:srgbClr val="004492"/>
+                </a:solidFill>
+                <a:latin typeface="Eurostile" panose="020B0504020202050204" pitchFamily="34" charset="0"/>
+                <a:sym typeface="Wingdings" panose="05000000000000000000" pitchFamily="2" charset="2"/>
+              </a:rPr>
+              <a:t> Me conforte dans mon envie de me diriger vers les métiers du développement de projets informatiques</a:t>
+            </a:r>
+          </a:p>
+          <a:p>
+            <a:pPr>
+              <a:lnSpc>
+                <a:spcPct val="250000"/>
+              </a:lnSpc>
+              <a:buFont typeface="Wingdings" panose="05000000000000000000" pitchFamily="2" charset="2"/>
+              <a:buChar char="§"/>
+            </a:pPr>
+            <a:endParaRPr lang="fr-FR" sz="2200" dirty="0">
+              <a:solidFill>
+                <a:srgbClr val="004492"/>
+              </a:solidFill>
+              <a:latin typeface="Eurostile" panose="020B0504020202050204" pitchFamily="34" charset="0"/>
+              <a:sym typeface="Wingdings" panose="05000000000000000000" pitchFamily="2" charset="2"/>
+            </a:endParaRPr>
+          </a:p>
+        </p:txBody>
+      </p:sp>
+      <p:sp>
+        <p:nvSpPr>
+          <p:cNvPr id="3" name="Espace réservé du numéro de diapositive 2"/>
+          <p:cNvSpPr>
+            <a:spLocks noGrp="1"/>
+          </p:cNvSpPr>
+          <p:nvPr>
+            <p:ph type="sldNum" sz="quarter" idx="12"/>
+          </p:nvPr>
+        </p:nvSpPr>
+        <p:spPr/>
+        <p:txBody>
+          <a:bodyPr/>
+          <a:lstStyle/>
+          <a:p>
+            <a:fld id="{0A0AF257-D28F-495E-9E53-3BED59B8AA35}" type="slidenum">
+              <a:rPr lang="fr-FR" smtClean="0"/>
+              <a:t>40</a:t>
+            </a:fld>
+            <a:endParaRPr lang="fr-FR"/>
+          </a:p>
+        </p:txBody>
+      </p:sp>
+    </p:spTree>
+    <p:extLst>
+      <p:ext uri="{BB962C8B-B14F-4D97-AF65-F5344CB8AC3E}">
+        <p14:creationId xmlns:p14="http://schemas.microsoft.com/office/powerpoint/2010/main" val="2284297550"/>
+      </p:ext>
+    </p:extLst>
+  </p:cSld>
+  <p:clrMapOvr>
+    <a:masterClrMapping/>
+  </p:clrMapOvr>
+</p:sld>
+</file>
+
+<file path=ppt/slides/slide41.xml><?xml version="1.0" encoding="utf-8"?>
+<p:sld xmlns:a="http://schemas.openxmlformats.org/drawingml/2006/main" xmlns:r="http://schemas.openxmlformats.org/officeDocument/2006/relationships" xmlns:p="http://schemas.openxmlformats.org/presentationml/2006/main">
+  <p:cSld>
+    <p:spTree>
+      <p:nvGrpSpPr>
+        <p:cNvPr id="1" name=""/>
+        <p:cNvGrpSpPr/>
+        <p:nvPr/>
+      </p:nvGrpSpPr>
+      <p:grpSpPr>
+        <a:xfrm>
+          <a:off x="0" y="0"/>
+          <a:ext cx="0" cy="0"/>
+          <a:chOff x="0" y="0"/>
+          <a:chExt cx="0" cy="0"/>
+        </a:xfrm>
+      </p:grpSpPr>
+      <p:sp>
+        <p:nvSpPr>
+          <p:cNvPr id="6" name="Espace réservé du contenu 30"/>
+          <p:cNvSpPr txBox="1">
+            <a:spLocks/>
+          </p:cNvSpPr>
+          <p:nvPr/>
+        </p:nvSpPr>
+        <p:spPr>
+          <a:xfrm>
+            <a:off x="0" y="2018273"/>
+            <a:ext cx="9144000" cy="3862981"/>
+          </a:xfrm>
+          <a:prstGeom prst="rect">
+            <a:avLst/>
+          </a:prstGeom>
+        </p:spPr>
+        <p:txBody>
+          <a:bodyPr vert="horz" lIns="91440" tIns="45720" rIns="91440" bIns="45720" rtlCol="0">
+            <a:normAutofit/>
+          </a:bodyPr>
+          <a:lstStyle>
+            <a:lvl1pPr marL="171450" indent="-171450" algn="l" defTabSz="685800" rtl="0" eaLnBrk="1" latinLnBrk="0" hangingPunct="1">
+              <a:lnSpc>
+                <a:spcPct val="90000"/>
+              </a:lnSpc>
+              <a:spcBef>
+                <a:spcPts val="750"/>
+              </a:spcBef>
+              <a:buFont typeface="Arial" panose="020B0604020202020204" pitchFamily="34" charset="0"/>
+              <a:buChar char="•"/>
+              <a:defRPr sz="2100" kern="1200">
+                <a:solidFill>
+                  <a:schemeClr val="tx1"/>
+                </a:solidFill>
+                <a:latin typeface="+mn-lt"/>
+                <a:ea typeface="+mn-ea"/>
+                <a:cs typeface="+mn-cs"/>
+              </a:defRPr>
+            </a:lvl1pPr>
+            <a:lvl2pPr marL="514350" indent="-171450" algn="l" defTabSz="685800" rtl="0" eaLnBrk="1" latinLnBrk="0" hangingPunct="1">
+              <a:lnSpc>
+                <a:spcPct val="90000"/>
+              </a:lnSpc>
+              <a:spcBef>
+                <a:spcPts val="375"/>
+              </a:spcBef>
+              <a:buFont typeface="Arial" panose="020B0604020202020204" pitchFamily="34" charset="0"/>
+              <a:buChar char="•"/>
+              <a:defRPr sz="1800" kern="1200">
+                <a:solidFill>
+                  <a:schemeClr val="tx1"/>
+                </a:solidFill>
+                <a:latin typeface="+mn-lt"/>
+                <a:ea typeface="+mn-ea"/>
+                <a:cs typeface="+mn-cs"/>
+              </a:defRPr>
+            </a:lvl2pPr>
+            <a:lvl3pPr marL="857250" indent="-171450" algn="l" defTabSz="685800" rtl="0" eaLnBrk="1" latinLnBrk="0" hangingPunct="1">
+              <a:lnSpc>
+                <a:spcPct val="90000"/>
+              </a:lnSpc>
+              <a:spcBef>
+                <a:spcPts val="375"/>
+              </a:spcBef>
+              <a:buFont typeface="Arial" panose="020B0604020202020204" pitchFamily="34" charset="0"/>
+              <a:buChar char="•"/>
+              <a:defRPr sz="1500" kern="1200">
+                <a:solidFill>
+                  <a:schemeClr val="tx1"/>
+                </a:solidFill>
+                <a:latin typeface="+mn-lt"/>
+                <a:ea typeface="+mn-ea"/>
+                <a:cs typeface="+mn-cs"/>
+              </a:defRPr>
+            </a:lvl3pPr>
+            <a:lvl4pPr marL="1200150" indent="-171450" algn="l" defTabSz="685800" rtl="0" eaLnBrk="1" latinLnBrk="0" hangingPunct="1">
+              <a:lnSpc>
+                <a:spcPct val="90000"/>
+              </a:lnSpc>
+              <a:spcBef>
+                <a:spcPts val="375"/>
+              </a:spcBef>
+              <a:buFont typeface="Arial" panose="020B0604020202020204" pitchFamily="34" charset="0"/>
+              <a:buChar char="•"/>
+              <a:defRPr sz="1350" kern="1200">
+                <a:solidFill>
+                  <a:schemeClr val="tx1"/>
+                </a:solidFill>
+                <a:latin typeface="+mn-lt"/>
+                <a:ea typeface="+mn-ea"/>
+                <a:cs typeface="+mn-cs"/>
+              </a:defRPr>
+            </a:lvl4pPr>
+            <a:lvl5pPr marL="1543050" indent="-171450" algn="l" defTabSz="685800" rtl="0" eaLnBrk="1" latinLnBrk="0" hangingPunct="1">
+              <a:lnSpc>
+                <a:spcPct val="90000"/>
+              </a:lnSpc>
+              <a:spcBef>
+                <a:spcPts val="375"/>
+              </a:spcBef>
+              <a:buFont typeface="Arial" panose="020B0604020202020204" pitchFamily="34" charset="0"/>
+              <a:buChar char="•"/>
+              <a:defRPr sz="1350" kern="1200">
+                <a:solidFill>
+                  <a:schemeClr val="tx1"/>
+                </a:solidFill>
+                <a:latin typeface="+mn-lt"/>
+                <a:ea typeface="+mn-ea"/>
+                <a:cs typeface="+mn-cs"/>
+              </a:defRPr>
+            </a:lvl5pPr>
+            <a:lvl6pPr marL="1885950" indent="-171450" algn="l" defTabSz="685800" rtl="0" eaLnBrk="1" latinLnBrk="0" hangingPunct="1">
+              <a:lnSpc>
+                <a:spcPct val="90000"/>
+              </a:lnSpc>
+              <a:spcBef>
+                <a:spcPts val="375"/>
+              </a:spcBef>
+              <a:buFont typeface="Arial" panose="020B0604020202020204" pitchFamily="34" charset="0"/>
+              <a:buChar char="•"/>
+              <a:defRPr sz="1350" kern="1200">
+                <a:solidFill>
+                  <a:schemeClr val="tx1"/>
+                </a:solidFill>
+                <a:latin typeface="+mn-lt"/>
+                <a:ea typeface="+mn-ea"/>
+                <a:cs typeface="+mn-cs"/>
+              </a:defRPr>
+            </a:lvl6pPr>
+            <a:lvl7pPr marL="2228850" indent="-171450" algn="l" defTabSz="685800" rtl="0" eaLnBrk="1" latinLnBrk="0" hangingPunct="1">
+              <a:lnSpc>
+                <a:spcPct val="90000"/>
+              </a:lnSpc>
+              <a:spcBef>
+                <a:spcPts val="375"/>
+              </a:spcBef>
+              <a:buFont typeface="Arial" panose="020B0604020202020204" pitchFamily="34" charset="0"/>
+              <a:buChar char="•"/>
+              <a:defRPr sz="1350" kern="1200">
+                <a:solidFill>
+                  <a:schemeClr val="tx1"/>
+                </a:solidFill>
+                <a:latin typeface="+mn-lt"/>
+                <a:ea typeface="+mn-ea"/>
+                <a:cs typeface="+mn-cs"/>
+              </a:defRPr>
+            </a:lvl7pPr>
+            <a:lvl8pPr marL="2571750" indent="-171450" algn="l" defTabSz="685800" rtl="0" eaLnBrk="1" latinLnBrk="0" hangingPunct="1">
+              <a:lnSpc>
+                <a:spcPct val="90000"/>
+              </a:lnSpc>
+              <a:spcBef>
+                <a:spcPts val="375"/>
+              </a:spcBef>
+              <a:buFont typeface="Arial" panose="020B0604020202020204" pitchFamily="34" charset="0"/>
+              <a:buChar char="•"/>
+              <a:defRPr sz="1350" kern="1200">
+                <a:solidFill>
+                  <a:schemeClr val="tx1"/>
+                </a:solidFill>
+                <a:latin typeface="+mn-lt"/>
+                <a:ea typeface="+mn-ea"/>
+                <a:cs typeface="+mn-cs"/>
+              </a:defRPr>
+            </a:lvl8pPr>
+            <a:lvl9pPr marL="2914650" indent="-171450" algn="l" defTabSz="685800" rtl="0" eaLnBrk="1" latinLnBrk="0" hangingPunct="1">
+              <a:lnSpc>
+                <a:spcPct val="90000"/>
+              </a:lnSpc>
+              <a:spcBef>
+                <a:spcPts val="375"/>
+              </a:spcBef>
+              <a:buFont typeface="Arial" panose="020B0604020202020204" pitchFamily="34" charset="0"/>
+              <a:buChar char="•"/>
+              <a:defRPr sz="1350" kern="1200">
+                <a:solidFill>
+                  <a:schemeClr val="tx1"/>
+                </a:solidFill>
+                <a:latin typeface="+mn-lt"/>
+                <a:ea typeface="+mn-ea"/>
+                <a:cs typeface="+mn-cs"/>
+              </a:defRPr>
+            </a:lvl9pPr>
+          </a:lstStyle>
+          <a:p>
+            <a:pPr marL="0" indent="0" algn="ctr">
+              <a:lnSpc>
+                <a:spcPct val="250000"/>
+              </a:lnSpc>
+              <a:buNone/>
+            </a:pPr>
+            <a:r>
+              <a:rPr lang="fr-FR" sz="5500" b="1" dirty="0">
+                <a:solidFill>
+                  <a:srgbClr val="004492"/>
+                </a:solidFill>
+                <a:latin typeface="Eurostile" panose="020B0504020202050204" pitchFamily="34" charset="0"/>
+              </a:rPr>
+              <a:t>Merci de votre attention</a:t>
+            </a:r>
+            <a:endParaRPr lang="fr-FR" sz="5500" b="1" dirty="0">
+              <a:solidFill>
+                <a:srgbClr val="004492"/>
+              </a:solidFill>
+              <a:latin typeface="Eurostile" panose="020B0504020202050204" pitchFamily="34" charset="0"/>
+              <a:sym typeface="Wingdings" panose="05000000000000000000" pitchFamily="2" charset="2"/>
+            </a:endParaRPr>
+          </a:p>
+        </p:txBody>
+      </p:sp>
+      <p:sp>
+        <p:nvSpPr>
+          <p:cNvPr id="2" name="Espace réservé du numéro de diapositive 1"/>
+          <p:cNvSpPr>
+            <a:spLocks noGrp="1"/>
+          </p:cNvSpPr>
+          <p:nvPr>
+            <p:ph type="sldNum" sz="quarter" idx="12"/>
+          </p:nvPr>
+        </p:nvSpPr>
+        <p:spPr/>
+        <p:txBody>
+          <a:bodyPr/>
+          <a:lstStyle/>
+          <a:p>
+            <a:fld id="{0A0AF257-D28F-495E-9E53-3BED59B8AA35}" type="slidenum">
+              <a:rPr lang="fr-FR" smtClean="0"/>
+              <a:t>41</a:t>
+            </a:fld>
+            <a:endParaRPr lang="fr-FR"/>
+          </a:p>
+        </p:txBody>
+      </p:sp>
+    </p:spTree>
+    <p:extLst>
+      <p:ext uri="{BB962C8B-B14F-4D97-AF65-F5344CB8AC3E}">
+        <p14:creationId xmlns:p14="http://schemas.microsoft.com/office/powerpoint/2010/main" val="3018602494"/>
+      </p:ext>
+    </p:extLst>
+  </p:cSld>
+  <p:clrMapOvr>
+    <a:masterClrMapping/>
+  </p:clrMapOvr>
+</p:sld>
+</file>
+
 <file path=ppt/slides/slide5.xml><?xml version="1.0" encoding="utf-8"?>
 <p:sld xmlns:a="http://schemas.openxmlformats.org/drawingml/2006/main" xmlns:r="http://schemas.openxmlformats.org/officeDocument/2006/relationships" xmlns:p="http://schemas.openxmlformats.org/presentationml/2006/main">
   <p:cSld>
@@ -17835,7 +20480,7 @@
                 <a:solidFill>
                   <a:srgbClr val="004492"/>
                 </a:solidFill>
-                <a:latin typeface="Eurostile-Roman" pitchFamily="2" charset="0"/>
+                <a:latin typeface="Calibri (Corps)"/>
               </a:rPr>
               <a:t>SARL </a:t>
             </a:r>
@@ -17844,7 +20489,7 @@
                 <a:solidFill>
                   <a:srgbClr val="004492"/>
                 </a:solidFill>
-                <a:latin typeface="Eurostile-Roman" pitchFamily="2" charset="0"/>
+                <a:latin typeface="Calibri (Corps)"/>
               </a:rPr>
               <a:t>Eskape</a:t>
             </a:r>
@@ -17853,7 +20498,7 @@
                 <a:solidFill>
                   <a:srgbClr val="004492"/>
                 </a:solidFill>
-                <a:latin typeface="Eurostile-Roman" pitchFamily="2" charset="0"/>
+                <a:latin typeface="Calibri (Corps)"/>
               </a:rPr>
               <a:t> :</a:t>
             </a:r>
@@ -17869,7 +20514,7 @@
                 <a:solidFill>
                   <a:srgbClr val="004492"/>
                 </a:solidFill>
-                <a:latin typeface="Eurostile-Roman" pitchFamily="2" charset="0"/>
+                <a:latin typeface="Calibri (Corps)"/>
               </a:rPr>
               <a:t>Entreprise de services du numérique (ESN)</a:t>
             </a:r>
@@ -17885,7 +20530,7 @@
                 <a:solidFill>
                   <a:srgbClr val="004492"/>
                 </a:solidFill>
-                <a:latin typeface="Eurostile-Roman" pitchFamily="2" charset="0"/>
+                <a:latin typeface="Calibri (Corps)"/>
               </a:rPr>
               <a:t>Fondée en 1998 par Laurent </a:t>
             </a:r>
@@ -17894,7 +20539,7 @@
                 <a:solidFill>
                   <a:srgbClr val="004492"/>
                 </a:solidFill>
-                <a:latin typeface="Eurostile-Roman" pitchFamily="2" charset="0"/>
+                <a:latin typeface="Calibri (Corps)"/>
               </a:rPr>
               <a:t>Fontenit</a:t>
             </a:r>
@@ -17902,7 +20547,7 @@
               <a:solidFill>
                 <a:srgbClr val="004492"/>
               </a:solidFill>
-              <a:latin typeface="Eurostile-Roman" pitchFamily="2" charset="0"/>
+              <a:latin typeface="Calibri (Corps)"/>
             </a:endParaRPr>
           </a:p>
           <a:p>
@@ -17916,7 +20561,7 @@
                 <a:solidFill>
                   <a:srgbClr val="004492"/>
                 </a:solidFill>
-                <a:latin typeface="Eurostile-Roman" pitchFamily="2" charset="0"/>
+                <a:latin typeface="Calibri (Corps)"/>
               </a:rPr>
               <a:t>Plusieurs pôles :</a:t>
             </a:r>
@@ -17934,7 +20579,7 @@
                 <a:solidFill>
                   <a:srgbClr val="004492"/>
                 </a:solidFill>
-                <a:latin typeface="Eurostile-Roman" pitchFamily="2" charset="0"/>
+                <a:latin typeface="Calibri (Corps)"/>
               </a:rPr>
               <a:t>Développement ERP</a:t>
             </a:r>
@@ -17952,7 +20597,7 @@
                 <a:solidFill>
                   <a:srgbClr val="004492"/>
                 </a:solidFill>
-                <a:latin typeface="Eurostile-Roman" pitchFamily="2" charset="0"/>
+                <a:latin typeface="Calibri (Corps)"/>
               </a:rPr>
               <a:t>Système et réseaux</a:t>
             </a:r>
@@ -17970,7 +20615,7 @@
                 <a:solidFill>
                   <a:srgbClr val="004492"/>
                 </a:solidFill>
-                <a:latin typeface="Eurostile-Roman" pitchFamily="2" charset="0"/>
+                <a:latin typeface="Calibri (Corps)"/>
               </a:rPr>
               <a:t>Administratif</a:t>
             </a:r>
@@ -17988,7 +20633,7 @@
                 <a:solidFill>
                   <a:srgbClr val="004492"/>
                 </a:solidFill>
-                <a:latin typeface="Eurostile-Roman" pitchFamily="2" charset="0"/>
+                <a:latin typeface="Calibri (Corps)"/>
               </a:rPr>
               <a:t>Marketing</a:t>
             </a:r>
@@ -17999,7 +20644,7 @@
               <a:solidFill>
                 <a:srgbClr val="004492"/>
               </a:solidFill>
-              <a:latin typeface="Eurostile-Roman" pitchFamily="2" charset="0"/>
+              <a:latin typeface="Calibri (Corps)"/>
             </a:endParaRPr>
           </a:p>
           <a:p>
@@ -18011,7 +20656,7 @@
               <a:solidFill>
                 <a:srgbClr val="004492"/>
               </a:solidFill>
-              <a:latin typeface="Eurostile-Roman" pitchFamily="2" charset="0"/>
+              <a:latin typeface="Calibri (Corps)"/>
             </a:endParaRPr>
           </a:p>
           <a:p>
@@ -18019,7 +20664,7 @@
               <a:solidFill>
                 <a:srgbClr val="004492"/>
               </a:solidFill>
-              <a:latin typeface="Eurostile-Roman" pitchFamily="2" charset="0"/>
+              <a:latin typeface="Calibri (Corps)"/>
             </a:endParaRPr>
           </a:p>
         </p:txBody>
@@ -18313,7 +20958,7 @@
                 <a:solidFill>
                   <a:srgbClr val="004492"/>
                 </a:solidFill>
-                <a:latin typeface="Eurostile-Roman" pitchFamily="2" charset="0"/>
+                <a:latin typeface="Calibri (Corps)"/>
               </a:rPr>
               <a:t>Projets : </a:t>
             </a:r>
@@ -18322,7 +20967,7 @@
                 <a:solidFill>
                   <a:srgbClr val="FF0000"/>
                 </a:solidFill>
-                <a:latin typeface="Eurostile-Roman" pitchFamily="2" charset="0"/>
+                <a:latin typeface="Calibri (Corps)"/>
               </a:rPr>
               <a:t>ERP Microsoft Dynamics </a:t>
             </a:r>
@@ -18331,7 +20976,7 @@
                 <a:solidFill>
                   <a:srgbClr val="FF0000"/>
                 </a:solidFill>
-                <a:latin typeface="Eurostile-Roman" pitchFamily="2" charset="0"/>
+                <a:latin typeface="Calibri (Corps)"/>
               </a:rPr>
               <a:t>Nav</a:t>
             </a:r>
@@ -18339,7 +20984,7 @@
               <a:solidFill>
                 <a:srgbClr val="FF0000"/>
               </a:solidFill>
-              <a:latin typeface="Eurostile-Roman" pitchFamily="2" charset="0"/>
+              <a:latin typeface="Calibri (Corps)"/>
             </a:endParaRPr>
           </a:p>
           <a:p>
@@ -18353,7 +20998,7 @@
                 <a:solidFill>
                   <a:srgbClr val="004492"/>
                 </a:solidFill>
-                <a:latin typeface="Eurostile-Roman" pitchFamily="2" charset="0"/>
+                <a:latin typeface="Calibri (Corps)"/>
               </a:rPr>
               <a:t>Mise en place</a:t>
             </a:r>
@@ -18369,7 +21014,7 @@
                 <a:solidFill>
                   <a:srgbClr val="004492"/>
                 </a:solidFill>
-                <a:latin typeface="Eurostile-Roman" pitchFamily="2" charset="0"/>
+                <a:latin typeface="Calibri (Corps)"/>
               </a:rPr>
               <a:t>Développement de modules spécifiques</a:t>
             </a:r>
@@ -18383,7 +21028,7 @@
               <a:solidFill>
                 <a:srgbClr val="004492"/>
               </a:solidFill>
-              <a:latin typeface="Eurostile-Roman" pitchFamily="2" charset="0"/>
+              <a:latin typeface="Calibri (Corps)"/>
             </a:endParaRPr>
           </a:p>
           <a:p>
@@ -18391,7 +21036,7 @@
               <a:solidFill>
                 <a:srgbClr val="004492"/>
               </a:solidFill>
-              <a:latin typeface="Eurostile-Roman" pitchFamily="2" charset="0"/>
+              <a:latin typeface="Calibri (Corps)"/>
             </a:endParaRPr>
           </a:p>
         </p:txBody>
@@ -18430,7 +21075,7 @@
                 <a:solidFill>
                   <a:srgbClr val="004492"/>
                 </a:solidFill>
-                <a:latin typeface="Eurostile-Roman" pitchFamily="2" charset="0"/>
+                <a:latin typeface="Calibri (Corps)"/>
               </a:rPr>
               <a:t>Dynamics </a:t>
             </a:r>
@@ -18439,7 +21084,7 @@
                 <a:solidFill>
                   <a:srgbClr val="004492"/>
                 </a:solidFill>
-                <a:latin typeface="Eurostile-Roman" pitchFamily="2" charset="0"/>
+                <a:latin typeface="Calibri (Corps)"/>
               </a:rPr>
               <a:t>Nav</a:t>
             </a:r>
@@ -18448,7 +21093,7 @@
                 <a:solidFill>
                   <a:srgbClr val="004492"/>
                 </a:solidFill>
-                <a:latin typeface="Eurostile-Roman" pitchFamily="2" charset="0"/>
+                <a:latin typeface="Calibri (Corps)"/>
               </a:rPr>
               <a:t> :</a:t>
             </a:r>
@@ -18466,7 +21111,7 @@
                 <a:solidFill>
                   <a:srgbClr val="004492"/>
                 </a:solidFill>
-                <a:latin typeface="Eurostile-Roman" pitchFamily="2" charset="0"/>
+                <a:latin typeface="Calibri (Corps)"/>
               </a:rPr>
               <a:t>Progiciel de gestion intégré de Microsoft</a:t>
             </a:r>
@@ -18484,7 +21129,7 @@
                 <a:solidFill>
                   <a:srgbClr val="004492"/>
                 </a:solidFill>
-                <a:latin typeface="Eurostile-Roman" pitchFamily="2" charset="0"/>
+                <a:latin typeface="Calibri (Corps)"/>
               </a:rPr>
               <a:t>Adapté aux PME-PMI</a:t>
             </a:r>
@@ -18500,12 +21145,12 @@
                 <a:solidFill>
                   <a:srgbClr val="004492"/>
                 </a:solidFill>
-                <a:latin typeface="Eurostile-Roman" pitchFamily="2" charset="0"/>
+                <a:latin typeface="Calibri (Corps)"/>
               </a:rPr>
               <a:t>	</a:t>
             </a:r>
             <a:endParaRPr lang="fr-FR" sz="1900" dirty="0">
-              <a:latin typeface="Eurostile-Roman" pitchFamily="2" charset="0"/>
+              <a:latin typeface="Calibri (Corps)"/>
             </a:endParaRPr>
           </a:p>
         </p:txBody>
@@ -18745,7 +21390,7 @@
                 <a:solidFill>
                   <a:srgbClr val="004492"/>
                 </a:solidFill>
-                <a:latin typeface="Eurostile-Roman" pitchFamily="2" charset="0"/>
+                <a:latin typeface="Calibri (Corps)"/>
               </a:rPr>
               <a:t>Vertical développé par </a:t>
             </a:r>
@@ -18754,7 +21399,7 @@
                 <a:solidFill>
                   <a:srgbClr val="004492"/>
                 </a:solidFill>
-                <a:latin typeface="Eurostile-Roman" pitchFamily="2" charset="0"/>
+                <a:latin typeface="Calibri (Corps)"/>
               </a:rPr>
               <a:t>Eskape</a:t>
             </a:r>
@@ -18763,7 +21408,7 @@
                 <a:solidFill>
                   <a:srgbClr val="004492"/>
                 </a:solidFill>
-                <a:latin typeface="Eurostile-Roman" pitchFamily="2" charset="0"/>
+                <a:latin typeface="Calibri (Corps)"/>
               </a:rPr>
               <a:t> : </a:t>
             </a:r>
@@ -18772,7 +21417,7 @@
                 <a:solidFill>
                   <a:srgbClr val="004492"/>
                 </a:solidFill>
-                <a:latin typeface="Eurostile-Roman" pitchFamily="2" charset="0"/>
+                <a:latin typeface="Calibri (Corps)"/>
               </a:rPr>
               <a:t>NAViDMS</a:t>
             </a:r>
@@ -18781,7 +21426,7 @@
                 <a:solidFill>
                   <a:srgbClr val="004492"/>
                 </a:solidFill>
-                <a:latin typeface="Eurostile-Roman" pitchFamily="2" charset="0"/>
+                <a:latin typeface="Calibri (Corps)"/>
               </a:rPr>
               <a:t> </a:t>
             </a:r>
@@ -18792,7 +21437,7 @@
               <a:solidFill>
                 <a:srgbClr val="004492"/>
               </a:solidFill>
-              <a:latin typeface="Eurostile-Roman" pitchFamily="2" charset="0"/>
+              <a:latin typeface="Calibri (Corps)"/>
             </a:endParaRPr>
           </a:p>
           <a:p>
@@ -18802,7 +21447,7 @@
                 <a:solidFill>
                   <a:srgbClr val="004492"/>
                 </a:solidFill>
-                <a:latin typeface="Eurostile-Roman" pitchFamily="2" charset="0"/>
+                <a:latin typeface="Calibri (Corps)"/>
               </a:rPr>
               <a:t>Module spécifique développé pour un client</a:t>
             </a:r>
@@ -18813,7 +21458,7 @@
               <a:solidFill>
                 <a:srgbClr val="004492"/>
               </a:solidFill>
-              <a:latin typeface="Eurostile-Roman" pitchFamily="2" charset="0"/>
+              <a:latin typeface="Calibri (Corps)"/>
             </a:endParaRPr>
           </a:p>
           <a:p>
@@ -18823,7 +21468,7 @@
                 <a:solidFill>
                   <a:srgbClr val="004492"/>
                 </a:solidFill>
-                <a:latin typeface="Eurostile-Roman" pitchFamily="2" charset="0"/>
+                <a:latin typeface="Calibri (Corps)"/>
               </a:rPr>
               <a:t>Adapté aux besoins exprimés </a:t>
             </a:r>
@@ -18834,7 +21479,7 @@
               <a:solidFill>
                 <a:srgbClr val="004492"/>
               </a:solidFill>
-              <a:latin typeface="Eurostile-Roman" pitchFamily="2" charset="0"/>
+              <a:latin typeface="Calibri (Corps)"/>
             </a:endParaRPr>
           </a:p>
           <a:p>
@@ -18844,7 +21489,7 @@
                 <a:solidFill>
                   <a:srgbClr val="004492"/>
                 </a:solidFill>
-                <a:latin typeface="Eurostile-Roman" pitchFamily="2" charset="0"/>
+                <a:latin typeface="Calibri (Corps)"/>
               </a:rPr>
               <a:t>Installé et éprouvé </a:t>
             </a:r>
@@ -18855,7 +21500,7 @@
               <a:solidFill>
                 <a:srgbClr val="004492"/>
               </a:solidFill>
-              <a:latin typeface="Eurostile-Roman" pitchFamily="2" charset="0"/>
+              <a:latin typeface="Calibri (Corps)"/>
             </a:endParaRPr>
           </a:p>
           <a:p>
@@ -18866,7 +21511,7 @@
               <a:solidFill>
                 <a:srgbClr val="004492"/>
               </a:solidFill>
-              <a:latin typeface="Eurostile-Roman" pitchFamily="2" charset="0"/>
+              <a:latin typeface="Calibri (Corps)"/>
             </a:endParaRPr>
           </a:p>
           <a:p>
@@ -18874,7 +21519,7 @@
               <a:solidFill>
                 <a:srgbClr val="004492"/>
               </a:solidFill>
-              <a:latin typeface="Eurostile-Roman" pitchFamily="2" charset="0"/>
+              <a:latin typeface="Calibri (Corps)"/>
             </a:endParaRPr>
           </a:p>
         </p:txBody>
@@ -19150,7 +21795,7 @@
         </p:nvSpPr>
         <p:spPr>
           <a:xfrm>
-            <a:off x="1130202" y="1941819"/>
+            <a:off x="1257300" y="1948661"/>
             <a:ext cx="7886700" cy="1948555"/>
           </a:xfrm>
         </p:spPr>
@@ -19165,7 +21810,7 @@
                 <a:solidFill>
                   <a:srgbClr val="004492"/>
                 </a:solidFill>
-                <a:latin typeface="Eurostile-Roman" pitchFamily="2" charset="0"/>
+                <a:latin typeface="Calibri (Corps)"/>
               </a:rPr>
               <a:t>Vertical développé par </a:t>
             </a:r>
@@ -19174,7 +21819,7 @@
                 <a:solidFill>
                   <a:srgbClr val="004492"/>
                 </a:solidFill>
-                <a:latin typeface="Eurostile-Roman" pitchFamily="2" charset="0"/>
+                <a:latin typeface="Calibri (Corps)"/>
               </a:rPr>
               <a:t>Eskape</a:t>
             </a:r>
@@ -19183,7 +21828,7 @@
                 <a:solidFill>
                   <a:srgbClr val="004492"/>
                 </a:solidFill>
-                <a:latin typeface="Eurostile-Roman" pitchFamily="2" charset="0"/>
+                <a:latin typeface="Calibri (Corps)"/>
               </a:rPr>
               <a:t> : </a:t>
             </a:r>
@@ -19192,7 +21837,7 @@
                 <a:solidFill>
                   <a:srgbClr val="004492"/>
                 </a:solidFill>
-                <a:latin typeface="Eurostile-Roman" pitchFamily="2" charset="0"/>
+                <a:latin typeface="Calibri (Corps)"/>
               </a:rPr>
               <a:t>NAViDMS</a:t>
             </a:r>
@@ -19201,7 +21846,7 @@
                 <a:solidFill>
                   <a:srgbClr val="004492"/>
                 </a:solidFill>
-                <a:latin typeface="Eurostile-Roman" pitchFamily="2" charset="0"/>
+                <a:latin typeface="Calibri (Corps)"/>
               </a:rPr>
               <a:t> </a:t>
             </a:r>
@@ -19212,7 +21857,7 @@
               <a:solidFill>
                 <a:srgbClr val="004492"/>
               </a:solidFill>
-              <a:latin typeface="Eurostile-Roman" pitchFamily="2" charset="0"/>
+              <a:latin typeface="Calibri (Corps)"/>
             </a:endParaRPr>
           </a:p>
           <a:p>
@@ -19222,7 +21867,7 @@
                 <a:solidFill>
                   <a:srgbClr val="004492"/>
                 </a:solidFill>
-                <a:latin typeface="Eurostile-Roman" pitchFamily="2" charset="0"/>
+                <a:latin typeface="Calibri (Corps)"/>
               </a:rPr>
               <a:t>Module très spécifique mais …</a:t>
             </a:r>
@@ -19233,7 +21878,7 @@
               <a:solidFill>
                 <a:srgbClr val="004492"/>
               </a:solidFill>
-              <a:latin typeface="Eurostile-Roman" pitchFamily="2" charset="0"/>
+              <a:latin typeface="Calibri (Corps)"/>
             </a:endParaRPr>
           </a:p>
           <a:p>
@@ -19243,7 +21888,7 @@
                 <a:solidFill>
                   <a:srgbClr val="004492"/>
                 </a:solidFill>
-                <a:latin typeface="Eurostile-Roman" pitchFamily="2" charset="0"/>
+                <a:latin typeface="Calibri (Corps)"/>
               </a:rPr>
               <a:t>… adapté pour toutes les entreprises de même profil</a:t>
             </a:r>
@@ -19254,7 +21899,7 @@
               <a:solidFill>
                 <a:srgbClr val="004492"/>
               </a:solidFill>
-              <a:latin typeface="Eurostile-Roman" pitchFamily="2" charset="0"/>
+              <a:latin typeface="Calibri (Corps)"/>
             </a:endParaRPr>
           </a:p>
           <a:p>
@@ -19263,7 +21908,7 @@
               <a:solidFill>
                 <a:srgbClr val="004492"/>
               </a:solidFill>
-              <a:latin typeface="Eurostile-Roman" pitchFamily="2" charset="0"/>
+              <a:latin typeface="Calibri (Corps)"/>
             </a:endParaRPr>
           </a:p>
           <a:p>
@@ -19274,7 +21919,7 @@
               <a:solidFill>
                 <a:srgbClr val="004492"/>
               </a:solidFill>
-              <a:latin typeface="Eurostile-Roman" pitchFamily="2" charset="0"/>
+              <a:latin typeface="Calibri (Corps)"/>
             </a:endParaRPr>
           </a:p>
           <a:p>
@@ -19282,7 +21927,7 @@
               <a:solidFill>
                 <a:srgbClr val="004492"/>
               </a:solidFill>
-              <a:latin typeface="Eurostile-Roman" pitchFamily="2" charset="0"/>
+              <a:latin typeface="Calibri (Corps)"/>
             </a:endParaRPr>
           </a:p>
         </p:txBody>
@@ -19706,7 +22351,7 @@
                 <a:solidFill>
                   <a:srgbClr val="FF0000"/>
                 </a:solidFill>
-                <a:latin typeface="Eurostile-Roman" pitchFamily="2" charset="0"/>
+                <a:latin typeface="Calibri (Corps)"/>
                 <a:sym typeface="Wingdings" panose="05000000000000000000" pitchFamily="2" charset="2"/>
               </a:rPr>
               <a:t>Certification du vertical </a:t>
@@ -19716,7 +22361,7 @@
                 <a:solidFill>
                   <a:srgbClr val="FF0000"/>
                 </a:solidFill>
-                <a:latin typeface="Eurostile-Roman" pitchFamily="2" charset="0"/>
+                <a:latin typeface="Calibri (Corps)"/>
                 <a:sym typeface="Wingdings" panose="05000000000000000000" pitchFamily="2" charset="2"/>
               </a:rPr>
               <a:t>NAViDMS</a:t>
@@ -19725,7 +22370,7 @@
               <a:solidFill>
                 <a:srgbClr val="FF0000"/>
               </a:solidFill>
-              <a:latin typeface="Eurostile-Roman" pitchFamily="2" charset="0"/>
+              <a:latin typeface="Calibri (Corps)"/>
             </a:endParaRPr>
           </a:p>
         </p:txBody>

--- a/Soutenance_Stage.pptx
+++ b/Soutenance_Stage.pptx
@@ -5,7 +5,7 @@
     <p:sldMasterId id="2147483694" r:id="rId1"/>
   </p:sldMasterIdLst>
   <p:notesMasterIdLst>
-    <p:notesMasterId r:id="rId43"/>
+    <p:notesMasterId r:id="rId49"/>
   </p:notesMasterIdLst>
   <p:sldIdLst>
     <p:sldId id="256" r:id="rId2"/>
@@ -30,25 +30,31 @@
     <p:sldId id="320" r:id="rId21"/>
     <p:sldId id="321" r:id="rId22"/>
     <p:sldId id="322" r:id="rId23"/>
-    <p:sldId id="272" r:id="rId24"/>
-    <p:sldId id="319" r:id="rId25"/>
-    <p:sldId id="275" r:id="rId26"/>
-    <p:sldId id="274" r:id="rId27"/>
-    <p:sldId id="277" r:id="rId28"/>
-    <p:sldId id="278" r:id="rId29"/>
-    <p:sldId id="307" r:id="rId30"/>
-    <p:sldId id="281" r:id="rId31"/>
-    <p:sldId id="287" r:id="rId32"/>
-    <p:sldId id="288" r:id="rId33"/>
-    <p:sldId id="289" r:id="rId34"/>
-    <p:sldId id="295" r:id="rId35"/>
-    <p:sldId id="297" r:id="rId36"/>
-    <p:sldId id="298" r:id="rId37"/>
-    <p:sldId id="299" r:id="rId38"/>
-    <p:sldId id="300" r:id="rId39"/>
-    <p:sldId id="301" r:id="rId40"/>
-    <p:sldId id="302" r:id="rId41"/>
-    <p:sldId id="305" r:id="rId42"/>
+    <p:sldId id="324" r:id="rId24"/>
+    <p:sldId id="325" r:id="rId25"/>
+    <p:sldId id="326" r:id="rId26"/>
+    <p:sldId id="327" r:id="rId27"/>
+    <p:sldId id="328" r:id="rId28"/>
+    <p:sldId id="329" r:id="rId29"/>
+    <p:sldId id="272" r:id="rId30"/>
+    <p:sldId id="319" r:id="rId31"/>
+    <p:sldId id="275" r:id="rId32"/>
+    <p:sldId id="274" r:id="rId33"/>
+    <p:sldId id="277" r:id="rId34"/>
+    <p:sldId id="278" r:id="rId35"/>
+    <p:sldId id="307" r:id="rId36"/>
+    <p:sldId id="281" r:id="rId37"/>
+    <p:sldId id="287" r:id="rId38"/>
+    <p:sldId id="288" r:id="rId39"/>
+    <p:sldId id="289" r:id="rId40"/>
+    <p:sldId id="295" r:id="rId41"/>
+    <p:sldId id="297" r:id="rId42"/>
+    <p:sldId id="298" r:id="rId43"/>
+    <p:sldId id="299" r:id="rId44"/>
+    <p:sldId id="300" r:id="rId45"/>
+    <p:sldId id="301" r:id="rId46"/>
+    <p:sldId id="302" r:id="rId47"/>
+    <p:sldId id="305" r:id="rId48"/>
   </p:sldIdLst>
   <p:sldSz cx="9144000" cy="6858000" type="screen4x3"/>
   <p:notesSz cx="6858000" cy="9144000"/>
@@ -9857,7 +9863,7 @@
                 </a:solidFill>
                 <a:latin typeface="Calibri (Corps)"/>
               </a:rPr>
-              <a:t>Réimportation des objets et migration des données.</a:t>
+              <a:t>Conservation des renumérotations : dictionnaires</a:t>
             </a:r>
           </a:p>
           <a:p>
@@ -9947,6 +9953,3296 @@
                 <a:solidFill>
                   <a:schemeClr val="bg1"/>
                 </a:solidFill>
+                <a:latin typeface="Eurostile-Roman" pitchFamily="2" charset="0"/>
+              </a:rPr>
+              <a:t>Développement </a:t>
+            </a:r>
+            <a:br>
+              <a:rPr lang="fr-FR" sz="3500" dirty="0">
+                <a:solidFill>
+                  <a:schemeClr val="bg1"/>
+                </a:solidFill>
+                <a:latin typeface="Eurostile-Roman" pitchFamily="2" charset="0"/>
+              </a:rPr>
+            </a:br>
+            <a:r>
+              <a:rPr lang="fr-FR" sz="3500" dirty="0">
+                <a:solidFill>
+                  <a:schemeClr val="bg1"/>
+                </a:solidFill>
+                <a:latin typeface="Eurostile-Roman" pitchFamily="2" charset="0"/>
+              </a:rPr>
+              <a:t>de la solution</a:t>
+            </a:r>
+          </a:p>
+        </p:txBody>
+      </p:sp>
+      <p:sp>
+        <p:nvSpPr>
+          <p:cNvPr id="11" name="Espace réservé du numéro de diapositive 1"/>
+          <p:cNvSpPr>
+            <a:spLocks noGrp="1"/>
+          </p:cNvSpPr>
+          <p:nvPr>
+            <p:ph type="sldNum" sz="quarter" idx="12"/>
+          </p:nvPr>
+        </p:nvSpPr>
+        <p:spPr>
+          <a:xfrm>
+            <a:off x="6603423" y="6255991"/>
+            <a:ext cx="2057400" cy="365125"/>
+          </a:xfrm>
+        </p:spPr>
+        <p:txBody>
+          <a:bodyPr/>
+          <a:lstStyle/>
+          <a:p>
+            <a:r>
+              <a:rPr lang="fr-FR" sz="1800" dirty="0">
+                <a:latin typeface="Eurostile-Roman" pitchFamily="2" charset="0"/>
+              </a:rPr>
+              <a:t>Diapositive </a:t>
+            </a:r>
+            <a:fld id="{0A0AF257-D28F-495E-9E53-3BED59B8AA35}" type="slidenum">
+              <a:rPr lang="fr-FR" sz="1800" smtClean="0">
+                <a:latin typeface="Eurostile-Roman" pitchFamily="2" charset="0"/>
+              </a:rPr>
+              <a:t>23</a:t>
+            </a:fld>
+            <a:endParaRPr lang="fr-FR" sz="1800" dirty="0">
+              <a:latin typeface="Eurostile-Roman" pitchFamily="2" charset="0"/>
+            </a:endParaRPr>
+          </a:p>
+        </p:txBody>
+      </p:sp>
+      <p:pic>
+        <p:nvPicPr>
+          <p:cNvPr id="6" name="Image 5"/>
+          <p:cNvPicPr>
+            <a:picLocks noChangeAspect="1"/>
+          </p:cNvPicPr>
+          <p:nvPr/>
+        </p:nvPicPr>
+        <p:blipFill>
+          <a:blip r:embed="rId2">
+            <a:extLst>
+              <a:ext uri="{28A0092B-C50C-407E-A947-70E740481C1C}">
+                <a14:useLocalDpi xmlns:a14="http://schemas.microsoft.com/office/drawing/2010/main" val="0"/>
+              </a:ext>
+            </a:extLst>
+          </a:blip>
+          <a:stretch>
+            <a:fillRect/>
+          </a:stretch>
+        </p:blipFill>
+        <p:spPr>
+          <a:xfrm>
+            <a:off x="2117322" y="1471960"/>
+            <a:ext cx="5001725" cy="5071097"/>
+          </a:xfrm>
+          <a:prstGeom prst="rect">
+            <a:avLst/>
+          </a:prstGeom>
+        </p:spPr>
+      </p:pic>
+    </p:spTree>
+    <p:extLst>
+      <p:ext uri="{BB962C8B-B14F-4D97-AF65-F5344CB8AC3E}">
+        <p14:creationId xmlns:p14="http://schemas.microsoft.com/office/powerpoint/2010/main" val="4142976062"/>
+      </p:ext>
+    </p:extLst>
+  </p:cSld>
+  <p:clrMapOvr>
+    <a:masterClrMapping/>
+  </p:clrMapOvr>
+</p:sld>
+</file>
+
+<file path=ppt/slides/slide24.xml><?xml version="1.0" encoding="utf-8"?>
+<p:sld xmlns:a="http://schemas.openxmlformats.org/drawingml/2006/main" xmlns:r="http://schemas.openxmlformats.org/officeDocument/2006/relationships" xmlns:p="http://schemas.openxmlformats.org/presentationml/2006/main">
+  <p:cSld>
+    <p:spTree>
+      <p:nvGrpSpPr>
+        <p:cNvPr id="1" name=""/>
+        <p:cNvGrpSpPr/>
+        <p:nvPr/>
+      </p:nvGrpSpPr>
+      <p:grpSpPr>
+        <a:xfrm>
+          <a:off x="0" y="0"/>
+          <a:ext cx="0" cy="0"/>
+          <a:chOff x="0" y="0"/>
+          <a:chExt cx="0" cy="0"/>
+        </a:xfrm>
+      </p:grpSpPr>
+      <p:sp>
+        <p:nvSpPr>
+          <p:cNvPr id="2" name="Titre 1"/>
+          <p:cNvSpPr>
+            <a:spLocks noGrp="1"/>
+          </p:cNvSpPr>
+          <p:nvPr>
+            <p:ph type="title"/>
+          </p:nvPr>
+        </p:nvSpPr>
+        <p:spPr>
+          <a:xfrm>
+            <a:off x="245917" y="0"/>
+            <a:ext cx="6347713" cy="1320800"/>
+          </a:xfrm>
+        </p:spPr>
+        <p:txBody>
+          <a:bodyPr>
+            <a:normAutofit/>
+          </a:bodyPr>
+          <a:lstStyle/>
+          <a:p>
+            <a:r>
+              <a:rPr lang="fr-FR" sz="3500" dirty="0">
+                <a:solidFill>
+                  <a:schemeClr val="bg1"/>
+                </a:solidFill>
+                <a:latin typeface="Eurostile-Roman" pitchFamily="2" charset="0"/>
+              </a:rPr>
+              <a:t>Développement </a:t>
+            </a:r>
+            <a:br>
+              <a:rPr lang="fr-FR" sz="3500" dirty="0">
+                <a:solidFill>
+                  <a:schemeClr val="bg1"/>
+                </a:solidFill>
+                <a:latin typeface="Eurostile-Roman" pitchFamily="2" charset="0"/>
+              </a:rPr>
+            </a:br>
+            <a:r>
+              <a:rPr lang="fr-FR" sz="3500" dirty="0">
+                <a:solidFill>
+                  <a:schemeClr val="bg1"/>
+                </a:solidFill>
+                <a:latin typeface="Eurostile-Roman" pitchFamily="2" charset="0"/>
+              </a:rPr>
+              <a:t>de la solution</a:t>
+            </a:r>
+          </a:p>
+        </p:txBody>
+      </p:sp>
+      <p:sp>
+        <p:nvSpPr>
+          <p:cNvPr id="11" name="Espace réservé du numéro de diapositive 1"/>
+          <p:cNvSpPr>
+            <a:spLocks noGrp="1"/>
+          </p:cNvSpPr>
+          <p:nvPr>
+            <p:ph type="sldNum" sz="quarter" idx="12"/>
+          </p:nvPr>
+        </p:nvSpPr>
+        <p:spPr>
+          <a:xfrm>
+            <a:off x="6603423" y="6255991"/>
+            <a:ext cx="2057400" cy="365125"/>
+          </a:xfrm>
+        </p:spPr>
+        <p:txBody>
+          <a:bodyPr/>
+          <a:lstStyle/>
+          <a:p>
+            <a:r>
+              <a:rPr lang="fr-FR" sz="1800" dirty="0">
+                <a:latin typeface="Eurostile-Roman" pitchFamily="2" charset="0"/>
+              </a:rPr>
+              <a:t>Diapositive </a:t>
+            </a:r>
+            <a:fld id="{0A0AF257-D28F-495E-9E53-3BED59B8AA35}" type="slidenum">
+              <a:rPr lang="fr-FR" sz="1800" smtClean="0">
+                <a:latin typeface="Eurostile-Roman" pitchFamily="2" charset="0"/>
+              </a:rPr>
+              <a:t>24</a:t>
+            </a:fld>
+            <a:endParaRPr lang="fr-FR" sz="1800" dirty="0">
+              <a:latin typeface="Eurostile-Roman" pitchFamily="2" charset="0"/>
+            </a:endParaRPr>
+          </a:p>
+        </p:txBody>
+      </p:sp>
+      <p:sp>
+        <p:nvSpPr>
+          <p:cNvPr id="5" name="Espace réservé du contenu 30"/>
+          <p:cNvSpPr>
+            <a:spLocks noGrp="1"/>
+          </p:cNvSpPr>
+          <p:nvPr>
+            <p:ph idx="1"/>
+          </p:nvPr>
+        </p:nvSpPr>
+        <p:spPr>
+          <a:xfrm>
+            <a:off x="948615" y="2190251"/>
+            <a:ext cx="7886700" cy="753671"/>
+          </a:xfrm>
+        </p:spPr>
+        <p:txBody>
+          <a:bodyPr>
+            <a:normAutofit/>
+          </a:bodyPr>
+          <a:lstStyle/>
+          <a:p>
+            <a:pPr>
+              <a:lnSpc>
+                <a:spcPct val="150000"/>
+              </a:lnSpc>
+            </a:pPr>
+            <a:r>
+              <a:rPr lang="fr-FR" sz="2200" dirty="0">
+                <a:solidFill>
+                  <a:srgbClr val="004492"/>
+                </a:solidFill>
+                <a:latin typeface="Calibri (Corps)"/>
+              </a:rPr>
+              <a:t>Développement d’un </a:t>
+            </a:r>
+            <a:r>
+              <a:rPr lang="fr-FR" sz="2200" dirty="0" err="1">
+                <a:solidFill>
+                  <a:srgbClr val="004492"/>
+                </a:solidFill>
+                <a:latin typeface="Calibri (Corps)"/>
+              </a:rPr>
+              <a:t>Codeunit</a:t>
+            </a:r>
+            <a:r>
+              <a:rPr lang="fr-FR" sz="2200" dirty="0">
+                <a:solidFill>
+                  <a:srgbClr val="004492"/>
+                </a:solidFill>
+                <a:latin typeface="Calibri (Corps)"/>
+              </a:rPr>
+              <a:t> de migration des données :</a:t>
+            </a:r>
+          </a:p>
+        </p:txBody>
+      </p:sp>
+      <p:sp>
+        <p:nvSpPr>
+          <p:cNvPr id="7" name="Espace réservé du contenu 30"/>
+          <p:cNvSpPr txBox="1">
+            <a:spLocks/>
+          </p:cNvSpPr>
+          <p:nvPr/>
+        </p:nvSpPr>
+        <p:spPr>
+          <a:xfrm>
+            <a:off x="1084118" y="2796851"/>
+            <a:ext cx="8059882" cy="3347471"/>
+          </a:xfrm>
+          <a:prstGeom prst="rect">
+            <a:avLst/>
+          </a:prstGeom>
+        </p:spPr>
+        <p:txBody>
+          <a:bodyPr vert="horz" lIns="91440" tIns="45720" rIns="91440" bIns="45720" rtlCol="0">
+            <a:normAutofit/>
+          </a:bodyPr>
+          <a:lstStyle>
+            <a:lvl1pPr marL="171450" indent="-171450" algn="l" defTabSz="685800" rtl="0" eaLnBrk="1" latinLnBrk="0" hangingPunct="1">
+              <a:lnSpc>
+                <a:spcPct val="90000"/>
+              </a:lnSpc>
+              <a:spcBef>
+                <a:spcPts val="750"/>
+              </a:spcBef>
+              <a:buFont typeface="Arial" panose="020B0604020202020204" pitchFamily="34" charset="0"/>
+              <a:buChar char="•"/>
+              <a:defRPr sz="2100" kern="1200">
+                <a:solidFill>
+                  <a:schemeClr val="tx1"/>
+                </a:solidFill>
+                <a:latin typeface="+mn-lt"/>
+                <a:ea typeface="+mn-ea"/>
+                <a:cs typeface="+mn-cs"/>
+              </a:defRPr>
+            </a:lvl1pPr>
+            <a:lvl2pPr marL="514350" indent="-171450" algn="l" defTabSz="685800" rtl="0" eaLnBrk="1" latinLnBrk="0" hangingPunct="1">
+              <a:lnSpc>
+                <a:spcPct val="90000"/>
+              </a:lnSpc>
+              <a:spcBef>
+                <a:spcPts val="375"/>
+              </a:spcBef>
+              <a:buFont typeface="Arial" panose="020B0604020202020204" pitchFamily="34" charset="0"/>
+              <a:buChar char="•"/>
+              <a:defRPr sz="1800" kern="1200">
+                <a:solidFill>
+                  <a:schemeClr val="tx1"/>
+                </a:solidFill>
+                <a:latin typeface="+mn-lt"/>
+                <a:ea typeface="+mn-ea"/>
+                <a:cs typeface="+mn-cs"/>
+              </a:defRPr>
+            </a:lvl2pPr>
+            <a:lvl3pPr marL="857250" indent="-171450" algn="l" defTabSz="685800" rtl="0" eaLnBrk="1" latinLnBrk="0" hangingPunct="1">
+              <a:lnSpc>
+                <a:spcPct val="90000"/>
+              </a:lnSpc>
+              <a:spcBef>
+                <a:spcPts val="375"/>
+              </a:spcBef>
+              <a:buFont typeface="Arial" panose="020B0604020202020204" pitchFamily="34" charset="0"/>
+              <a:buChar char="•"/>
+              <a:defRPr sz="1500" kern="1200">
+                <a:solidFill>
+                  <a:schemeClr val="tx1"/>
+                </a:solidFill>
+                <a:latin typeface="+mn-lt"/>
+                <a:ea typeface="+mn-ea"/>
+                <a:cs typeface="+mn-cs"/>
+              </a:defRPr>
+            </a:lvl3pPr>
+            <a:lvl4pPr marL="1200150" indent="-171450" algn="l" defTabSz="685800" rtl="0" eaLnBrk="1" latinLnBrk="0" hangingPunct="1">
+              <a:lnSpc>
+                <a:spcPct val="90000"/>
+              </a:lnSpc>
+              <a:spcBef>
+                <a:spcPts val="375"/>
+              </a:spcBef>
+              <a:buFont typeface="Arial" panose="020B0604020202020204" pitchFamily="34" charset="0"/>
+              <a:buChar char="•"/>
+              <a:defRPr sz="1350" kern="1200">
+                <a:solidFill>
+                  <a:schemeClr val="tx1"/>
+                </a:solidFill>
+                <a:latin typeface="+mn-lt"/>
+                <a:ea typeface="+mn-ea"/>
+                <a:cs typeface="+mn-cs"/>
+              </a:defRPr>
+            </a:lvl4pPr>
+            <a:lvl5pPr marL="1543050" indent="-171450" algn="l" defTabSz="685800" rtl="0" eaLnBrk="1" latinLnBrk="0" hangingPunct="1">
+              <a:lnSpc>
+                <a:spcPct val="90000"/>
+              </a:lnSpc>
+              <a:spcBef>
+                <a:spcPts val="375"/>
+              </a:spcBef>
+              <a:buFont typeface="Arial" panose="020B0604020202020204" pitchFamily="34" charset="0"/>
+              <a:buChar char="•"/>
+              <a:defRPr sz="1350" kern="1200">
+                <a:solidFill>
+                  <a:schemeClr val="tx1"/>
+                </a:solidFill>
+                <a:latin typeface="+mn-lt"/>
+                <a:ea typeface="+mn-ea"/>
+                <a:cs typeface="+mn-cs"/>
+              </a:defRPr>
+            </a:lvl5pPr>
+            <a:lvl6pPr marL="1885950" indent="-171450" algn="l" defTabSz="685800" rtl="0" eaLnBrk="1" latinLnBrk="0" hangingPunct="1">
+              <a:lnSpc>
+                <a:spcPct val="90000"/>
+              </a:lnSpc>
+              <a:spcBef>
+                <a:spcPts val="375"/>
+              </a:spcBef>
+              <a:buFont typeface="Arial" panose="020B0604020202020204" pitchFamily="34" charset="0"/>
+              <a:buChar char="•"/>
+              <a:defRPr sz="1350" kern="1200">
+                <a:solidFill>
+                  <a:schemeClr val="tx1"/>
+                </a:solidFill>
+                <a:latin typeface="+mn-lt"/>
+                <a:ea typeface="+mn-ea"/>
+                <a:cs typeface="+mn-cs"/>
+              </a:defRPr>
+            </a:lvl6pPr>
+            <a:lvl7pPr marL="2228850" indent="-171450" algn="l" defTabSz="685800" rtl="0" eaLnBrk="1" latinLnBrk="0" hangingPunct="1">
+              <a:lnSpc>
+                <a:spcPct val="90000"/>
+              </a:lnSpc>
+              <a:spcBef>
+                <a:spcPts val="375"/>
+              </a:spcBef>
+              <a:buFont typeface="Arial" panose="020B0604020202020204" pitchFamily="34" charset="0"/>
+              <a:buChar char="•"/>
+              <a:defRPr sz="1350" kern="1200">
+                <a:solidFill>
+                  <a:schemeClr val="tx1"/>
+                </a:solidFill>
+                <a:latin typeface="+mn-lt"/>
+                <a:ea typeface="+mn-ea"/>
+                <a:cs typeface="+mn-cs"/>
+              </a:defRPr>
+            </a:lvl7pPr>
+            <a:lvl8pPr marL="2571750" indent="-171450" algn="l" defTabSz="685800" rtl="0" eaLnBrk="1" latinLnBrk="0" hangingPunct="1">
+              <a:lnSpc>
+                <a:spcPct val="90000"/>
+              </a:lnSpc>
+              <a:spcBef>
+                <a:spcPts val="375"/>
+              </a:spcBef>
+              <a:buFont typeface="Arial" panose="020B0604020202020204" pitchFamily="34" charset="0"/>
+              <a:buChar char="•"/>
+              <a:defRPr sz="1350" kern="1200">
+                <a:solidFill>
+                  <a:schemeClr val="tx1"/>
+                </a:solidFill>
+                <a:latin typeface="+mn-lt"/>
+                <a:ea typeface="+mn-ea"/>
+                <a:cs typeface="+mn-cs"/>
+              </a:defRPr>
+            </a:lvl8pPr>
+            <a:lvl9pPr marL="2914650" indent="-171450" algn="l" defTabSz="685800" rtl="0" eaLnBrk="1" latinLnBrk="0" hangingPunct="1">
+              <a:lnSpc>
+                <a:spcPct val="90000"/>
+              </a:lnSpc>
+              <a:spcBef>
+                <a:spcPts val="375"/>
+              </a:spcBef>
+              <a:buFont typeface="Arial" panose="020B0604020202020204" pitchFamily="34" charset="0"/>
+              <a:buChar char="•"/>
+              <a:defRPr sz="1350" kern="1200">
+                <a:solidFill>
+                  <a:schemeClr val="tx1"/>
+                </a:solidFill>
+                <a:latin typeface="+mn-lt"/>
+                <a:ea typeface="+mn-ea"/>
+                <a:cs typeface="+mn-cs"/>
+              </a:defRPr>
+            </a:lvl9pPr>
+          </a:lstStyle>
+          <a:p>
+            <a:pPr lvl="1">
+              <a:lnSpc>
+                <a:spcPct val="250000"/>
+              </a:lnSpc>
+              <a:buFont typeface="Wingdings" panose="05000000000000000000" pitchFamily="2" charset="2"/>
+              <a:buChar char="§"/>
+            </a:pPr>
+            <a:r>
+              <a:rPr lang="fr-FR" sz="2000" dirty="0">
+                <a:solidFill>
+                  <a:srgbClr val="004492"/>
+                </a:solidFill>
+                <a:latin typeface="Calibri (Corps)"/>
+              </a:rPr>
+              <a:t>Langage C/AL : très orienté données</a:t>
+            </a:r>
+          </a:p>
+          <a:p>
+            <a:pPr lvl="1">
+              <a:lnSpc>
+                <a:spcPct val="250000"/>
+              </a:lnSpc>
+              <a:buFont typeface="Wingdings" panose="05000000000000000000" pitchFamily="2" charset="2"/>
+              <a:buChar char="§"/>
+            </a:pPr>
+            <a:r>
+              <a:rPr lang="fr-FR" sz="2000" dirty="0">
+                <a:solidFill>
+                  <a:srgbClr val="004492"/>
+                </a:solidFill>
+                <a:latin typeface="Calibri (Corps)"/>
+              </a:rPr>
+              <a:t>Migration par transfert entre tables : ancienne vers nouvelle</a:t>
+            </a:r>
+          </a:p>
+          <a:p>
+            <a:pPr lvl="1">
+              <a:lnSpc>
+                <a:spcPct val="250000"/>
+              </a:lnSpc>
+              <a:buFont typeface="Wingdings" panose="05000000000000000000" pitchFamily="2" charset="2"/>
+              <a:buChar char="§"/>
+            </a:pPr>
+            <a:r>
+              <a:rPr lang="fr-FR" sz="2000" dirty="0">
+                <a:solidFill>
+                  <a:srgbClr val="004492"/>
+                </a:solidFill>
+                <a:latin typeface="Calibri (Corps)"/>
+              </a:rPr>
+              <a:t>Boucle sur toutes les tables à migrer : renommage </a:t>
+            </a:r>
+            <a:r>
+              <a:rPr lang="fr-FR" sz="2000" b="1" dirty="0">
+                <a:solidFill>
+                  <a:srgbClr val="004492"/>
+                </a:solidFill>
+                <a:latin typeface="Calibri (Corps)"/>
+              </a:rPr>
+              <a:t>MIG</a:t>
+            </a:r>
+            <a:endParaRPr lang="fr-FR" sz="2000" b="1" dirty="0">
+              <a:solidFill>
+                <a:srgbClr val="004492"/>
+              </a:solidFill>
+              <a:latin typeface="Calibri (Corps)"/>
+            </a:endParaRPr>
+          </a:p>
+          <a:p>
+            <a:pPr lvl="1">
+              <a:lnSpc>
+                <a:spcPct val="250000"/>
+              </a:lnSpc>
+            </a:pPr>
+            <a:endParaRPr lang="fr-FR" sz="2000" dirty="0">
+              <a:solidFill>
+                <a:srgbClr val="004492"/>
+              </a:solidFill>
+              <a:latin typeface="Calibri (Corps)"/>
+            </a:endParaRPr>
+          </a:p>
+        </p:txBody>
+      </p:sp>
+    </p:spTree>
+    <p:extLst>
+      <p:ext uri="{BB962C8B-B14F-4D97-AF65-F5344CB8AC3E}">
+        <p14:creationId xmlns:p14="http://schemas.microsoft.com/office/powerpoint/2010/main" val="3695814013"/>
+      </p:ext>
+    </p:extLst>
+  </p:cSld>
+  <p:clrMapOvr>
+    <a:masterClrMapping/>
+  </p:clrMapOvr>
+</p:sld>
+</file>
+
+<file path=ppt/slides/slide25.xml><?xml version="1.0" encoding="utf-8"?>
+<p:sld xmlns:a="http://schemas.openxmlformats.org/drawingml/2006/main" xmlns:r="http://schemas.openxmlformats.org/officeDocument/2006/relationships" xmlns:p="http://schemas.openxmlformats.org/presentationml/2006/main">
+  <p:cSld>
+    <p:spTree>
+      <p:nvGrpSpPr>
+        <p:cNvPr id="1" name=""/>
+        <p:cNvGrpSpPr/>
+        <p:nvPr/>
+      </p:nvGrpSpPr>
+      <p:grpSpPr>
+        <a:xfrm>
+          <a:off x="0" y="0"/>
+          <a:ext cx="0" cy="0"/>
+          <a:chOff x="0" y="0"/>
+          <a:chExt cx="0" cy="0"/>
+        </a:xfrm>
+      </p:grpSpPr>
+      <p:sp>
+        <p:nvSpPr>
+          <p:cNvPr id="2" name="Titre 1"/>
+          <p:cNvSpPr>
+            <a:spLocks noGrp="1"/>
+          </p:cNvSpPr>
+          <p:nvPr>
+            <p:ph type="title"/>
+          </p:nvPr>
+        </p:nvSpPr>
+        <p:spPr>
+          <a:xfrm>
+            <a:off x="245917" y="0"/>
+            <a:ext cx="6347713" cy="1320800"/>
+          </a:xfrm>
+        </p:spPr>
+        <p:txBody>
+          <a:bodyPr>
+            <a:normAutofit/>
+          </a:bodyPr>
+          <a:lstStyle/>
+          <a:p>
+            <a:r>
+              <a:rPr lang="fr-FR" sz="3500" dirty="0">
+                <a:solidFill>
+                  <a:schemeClr val="bg1"/>
+                </a:solidFill>
+                <a:latin typeface="Eurostile-Roman" pitchFamily="2" charset="0"/>
+              </a:rPr>
+              <a:t>Développement </a:t>
+            </a:r>
+            <a:br>
+              <a:rPr lang="fr-FR" sz="3500" dirty="0">
+                <a:solidFill>
+                  <a:schemeClr val="bg1"/>
+                </a:solidFill>
+                <a:latin typeface="Eurostile-Roman" pitchFamily="2" charset="0"/>
+              </a:rPr>
+            </a:br>
+            <a:r>
+              <a:rPr lang="fr-FR" sz="3500" dirty="0">
+                <a:solidFill>
+                  <a:schemeClr val="bg1"/>
+                </a:solidFill>
+                <a:latin typeface="Eurostile-Roman" pitchFamily="2" charset="0"/>
+              </a:rPr>
+              <a:t>de la solution</a:t>
+            </a:r>
+          </a:p>
+        </p:txBody>
+      </p:sp>
+      <p:sp>
+        <p:nvSpPr>
+          <p:cNvPr id="11" name="Espace réservé du numéro de diapositive 1"/>
+          <p:cNvSpPr>
+            <a:spLocks noGrp="1"/>
+          </p:cNvSpPr>
+          <p:nvPr>
+            <p:ph type="sldNum" sz="quarter" idx="12"/>
+          </p:nvPr>
+        </p:nvSpPr>
+        <p:spPr>
+          <a:xfrm>
+            <a:off x="6603423" y="6255991"/>
+            <a:ext cx="2057400" cy="365125"/>
+          </a:xfrm>
+        </p:spPr>
+        <p:txBody>
+          <a:bodyPr/>
+          <a:lstStyle/>
+          <a:p>
+            <a:r>
+              <a:rPr lang="fr-FR" sz="1800" dirty="0">
+                <a:latin typeface="Eurostile-Roman" pitchFamily="2" charset="0"/>
+              </a:rPr>
+              <a:t>Diapositive </a:t>
+            </a:r>
+            <a:fld id="{0A0AF257-D28F-495E-9E53-3BED59B8AA35}" type="slidenum">
+              <a:rPr lang="fr-FR" sz="1800" smtClean="0">
+                <a:latin typeface="Eurostile-Roman" pitchFamily="2" charset="0"/>
+              </a:rPr>
+              <a:t>25</a:t>
+            </a:fld>
+            <a:endParaRPr lang="fr-FR" sz="1800" dirty="0">
+              <a:latin typeface="Eurostile-Roman" pitchFamily="2" charset="0"/>
+            </a:endParaRPr>
+          </a:p>
+        </p:txBody>
+      </p:sp>
+      <p:sp>
+        <p:nvSpPr>
+          <p:cNvPr id="5" name="Espace réservé du contenu 30"/>
+          <p:cNvSpPr>
+            <a:spLocks noGrp="1"/>
+          </p:cNvSpPr>
+          <p:nvPr>
+            <p:ph idx="1"/>
+          </p:nvPr>
+        </p:nvSpPr>
+        <p:spPr>
+          <a:xfrm>
+            <a:off x="948615" y="2089891"/>
+            <a:ext cx="7886700" cy="753671"/>
+          </a:xfrm>
+        </p:spPr>
+        <p:txBody>
+          <a:bodyPr>
+            <a:normAutofit/>
+          </a:bodyPr>
+          <a:lstStyle/>
+          <a:p>
+            <a:pPr>
+              <a:lnSpc>
+                <a:spcPct val="150000"/>
+              </a:lnSpc>
+            </a:pPr>
+            <a:r>
+              <a:rPr lang="fr-FR" sz="2200" dirty="0">
+                <a:solidFill>
+                  <a:srgbClr val="004492"/>
+                </a:solidFill>
+                <a:latin typeface="Calibri (Corps)"/>
+              </a:rPr>
+              <a:t>Enrichissement du </a:t>
+            </a:r>
+            <a:r>
+              <a:rPr lang="fr-FR" sz="2200" dirty="0" err="1">
+                <a:solidFill>
+                  <a:srgbClr val="004492"/>
+                </a:solidFill>
+                <a:latin typeface="Calibri (Corps)"/>
+              </a:rPr>
+              <a:t>Codeunit</a:t>
+            </a:r>
+            <a:r>
+              <a:rPr lang="fr-FR" sz="2200" dirty="0">
+                <a:solidFill>
+                  <a:srgbClr val="004492"/>
+                </a:solidFill>
+                <a:latin typeface="Calibri (Corps)"/>
+              </a:rPr>
+              <a:t> : migration spécifique</a:t>
+            </a:r>
+          </a:p>
+        </p:txBody>
+      </p:sp>
+      <p:sp>
+        <p:nvSpPr>
+          <p:cNvPr id="7" name="Espace réservé du contenu 30"/>
+          <p:cNvSpPr txBox="1">
+            <a:spLocks/>
+          </p:cNvSpPr>
+          <p:nvPr/>
+        </p:nvSpPr>
+        <p:spPr>
+          <a:xfrm>
+            <a:off x="1084118" y="2696492"/>
+            <a:ext cx="8059882" cy="1987022"/>
+          </a:xfrm>
+          <a:prstGeom prst="rect">
+            <a:avLst/>
+          </a:prstGeom>
+        </p:spPr>
+        <p:txBody>
+          <a:bodyPr vert="horz" lIns="91440" tIns="45720" rIns="91440" bIns="45720" rtlCol="0">
+            <a:normAutofit/>
+          </a:bodyPr>
+          <a:lstStyle>
+            <a:lvl1pPr marL="171450" indent="-171450" algn="l" defTabSz="685800" rtl="0" eaLnBrk="1" latinLnBrk="0" hangingPunct="1">
+              <a:lnSpc>
+                <a:spcPct val="90000"/>
+              </a:lnSpc>
+              <a:spcBef>
+                <a:spcPts val="750"/>
+              </a:spcBef>
+              <a:buFont typeface="Arial" panose="020B0604020202020204" pitchFamily="34" charset="0"/>
+              <a:buChar char="•"/>
+              <a:defRPr sz="2100" kern="1200">
+                <a:solidFill>
+                  <a:schemeClr val="tx1"/>
+                </a:solidFill>
+                <a:latin typeface="+mn-lt"/>
+                <a:ea typeface="+mn-ea"/>
+                <a:cs typeface="+mn-cs"/>
+              </a:defRPr>
+            </a:lvl1pPr>
+            <a:lvl2pPr marL="514350" indent="-171450" algn="l" defTabSz="685800" rtl="0" eaLnBrk="1" latinLnBrk="0" hangingPunct="1">
+              <a:lnSpc>
+                <a:spcPct val="90000"/>
+              </a:lnSpc>
+              <a:spcBef>
+                <a:spcPts val="375"/>
+              </a:spcBef>
+              <a:buFont typeface="Arial" panose="020B0604020202020204" pitchFamily="34" charset="0"/>
+              <a:buChar char="•"/>
+              <a:defRPr sz="1800" kern="1200">
+                <a:solidFill>
+                  <a:schemeClr val="tx1"/>
+                </a:solidFill>
+                <a:latin typeface="+mn-lt"/>
+                <a:ea typeface="+mn-ea"/>
+                <a:cs typeface="+mn-cs"/>
+              </a:defRPr>
+            </a:lvl2pPr>
+            <a:lvl3pPr marL="857250" indent="-171450" algn="l" defTabSz="685800" rtl="0" eaLnBrk="1" latinLnBrk="0" hangingPunct="1">
+              <a:lnSpc>
+                <a:spcPct val="90000"/>
+              </a:lnSpc>
+              <a:spcBef>
+                <a:spcPts val="375"/>
+              </a:spcBef>
+              <a:buFont typeface="Arial" panose="020B0604020202020204" pitchFamily="34" charset="0"/>
+              <a:buChar char="•"/>
+              <a:defRPr sz="1500" kern="1200">
+                <a:solidFill>
+                  <a:schemeClr val="tx1"/>
+                </a:solidFill>
+                <a:latin typeface="+mn-lt"/>
+                <a:ea typeface="+mn-ea"/>
+                <a:cs typeface="+mn-cs"/>
+              </a:defRPr>
+            </a:lvl3pPr>
+            <a:lvl4pPr marL="1200150" indent="-171450" algn="l" defTabSz="685800" rtl="0" eaLnBrk="1" latinLnBrk="0" hangingPunct="1">
+              <a:lnSpc>
+                <a:spcPct val="90000"/>
+              </a:lnSpc>
+              <a:spcBef>
+                <a:spcPts val="375"/>
+              </a:spcBef>
+              <a:buFont typeface="Arial" panose="020B0604020202020204" pitchFamily="34" charset="0"/>
+              <a:buChar char="•"/>
+              <a:defRPr sz="1350" kern="1200">
+                <a:solidFill>
+                  <a:schemeClr val="tx1"/>
+                </a:solidFill>
+                <a:latin typeface="+mn-lt"/>
+                <a:ea typeface="+mn-ea"/>
+                <a:cs typeface="+mn-cs"/>
+              </a:defRPr>
+            </a:lvl4pPr>
+            <a:lvl5pPr marL="1543050" indent="-171450" algn="l" defTabSz="685800" rtl="0" eaLnBrk="1" latinLnBrk="0" hangingPunct="1">
+              <a:lnSpc>
+                <a:spcPct val="90000"/>
+              </a:lnSpc>
+              <a:spcBef>
+                <a:spcPts val="375"/>
+              </a:spcBef>
+              <a:buFont typeface="Arial" panose="020B0604020202020204" pitchFamily="34" charset="0"/>
+              <a:buChar char="•"/>
+              <a:defRPr sz="1350" kern="1200">
+                <a:solidFill>
+                  <a:schemeClr val="tx1"/>
+                </a:solidFill>
+                <a:latin typeface="+mn-lt"/>
+                <a:ea typeface="+mn-ea"/>
+                <a:cs typeface="+mn-cs"/>
+              </a:defRPr>
+            </a:lvl5pPr>
+            <a:lvl6pPr marL="1885950" indent="-171450" algn="l" defTabSz="685800" rtl="0" eaLnBrk="1" latinLnBrk="0" hangingPunct="1">
+              <a:lnSpc>
+                <a:spcPct val="90000"/>
+              </a:lnSpc>
+              <a:spcBef>
+                <a:spcPts val="375"/>
+              </a:spcBef>
+              <a:buFont typeface="Arial" panose="020B0604020202020204" pitchFamily="34" charset="0"/>
+              <a:buChar char="•"/>
+              <a:defRPr sz="1350" kern="1200">
+                <a:solidFill>
+                  <a:schemeClr val="tx1"/>
+                </a:solidFill>
+                <a:latin typeface="+mn-lt"/>
+                <a:ea typeface="+mn-ea"/>
+                <a:cs typeface="+mn-cs"/>
+              </a:defRPr>
+            </a:lvl6pPr>
+            <a:lvl7pPr marL="2228850" indent="-171450" algn="l" defTabSz="685800" rtl="0" eaLnBrk="1" latinLnBrk="0" hangingPunct="1">
+              <a:lnSpc>
+                <a:spcPct val="90000"/>
+              </a:lnSpc>
+              <a:spcBef>
+                <a:spcPts val="375"/>
+              </a:spcBef>
+              <a:buFont typeface="Arial" panose="020B0604020202020204" pitchFamily="34" charset="0"/>
+              <a:buChar char="•"/>
+              <a:defRPr sz="1350" kern="1200">
+                <a:solidFill>
+                  <a:schemeClr val="tx1"/>
+                </a:solidFill>
+                <a:latin typeface="+mn-lt"/>
+                <a:ea typeface="+mn-ea"/>
+                <a:cs typeface="+mn-cs"/>
+              </a:defRPr>
+            </a:lvl7pPr>
+            <a:lvl8pPr marL="2571750" indent="-171450" algn="l" defTabSz="685800" rtl="0" eaLnBrk="1" latinLnBrk="0" hangingPunct="1">
+              <a:lnSpc>
+                <a:spcPct val="90000"/>
+              </a:lnSpc>
+              <a:spcBef>
+                <a:spcPts val="375"/>
+              </a:spcBef>
+              <a:buFont typeface="Arial" panose="020B0604020202020204" pitchFamily="34" charset="0"/>
+              <a:buChar char="•"/>
+              <a:defRPr sz="1350" kern="1200">
+                <a:solidFill>
+                  <a:schemeClr val="tx1"/>
+                </a:solidFill>
+                <a:latin typeface="+mn-lt"/>
+                <a:ea typeface="+mn-ea"/>
+                <a:cs typeface="+mn-cs"/>
+              </a:defRPr>
+            </a:lvl8pPr>
+            <a:lvl9pPr marL="2914650" indent="-171450" algn="l" defTabSz="685800" rtl="0" eaLnBrk="1" latinLnBrk="0" hangingPunct="1">
+              <a:lnSpc>
+                <a:spcPct val="90000"/>
+              </a:lnSpc>
+              <a:spcBef>
+                <a:spcPts val="375"/>
+              </a:spcBef>
+              <a:buFont typeface="Arial" panose="020B0604020202020204" pitchFamily="34" charset="0"/>
+              <a:buChar char="•"/>
+              <a:defRPr sz="1350" kern="1200">
+                <a:solidFill>
+                  <a:schemeClr val="tx1"/>
+                </a:solidFill>
+                <a:latin typeface="+mn-lt"/>
+                <a:ea typeface="+mn-ea"/>
+                <a:cs typeface="+mn-cs"/>
+              </a:defRPr>
+            </a:lvl9pPr>
+          </a:lstStyle>
+          <a:p>
+            <a:pPr lvl="1">
+              <a:lnSpc>
+                <a:spcPct val="250000"/>
+              </a:lnSpc>
+              <a:buFont typeface="Wingdings" panose="05000000000000000000" pitchFamily="2" charset="2"/>
+              <a:buChar char="§"/>
+            </a:pPr>
+            <a:r>
+              <a:rPr lang="fr-FR" sz="2000" dirty="0">
+                <a:solidFill>
+                  <a:srgbClr val="004492"/>
+                </a:solidFill>
+                <a:latin typeface="Calibri (Corps)"/>
+              </a:rPr>
+              <a:t>Migration précédente : migration générale</a:t>
+            </a:r>
+          </a:p>
+          <a:p>
+            <a:pPr lvl="1">
+              <a:lnSpc>
+                <a:spcPct val="250000"/>
+              </a:lnSpc>
+              <a:buFont typeface="Wingdings" panose="05000000000000000000" pitchFamily="2" charset="2"/>
+              <a:buChar char="§"/>
+            </a:pPr>
+            <a:r>
+              <a:rPr lang="fr-FR" sz="2000" dirty="0">
+                <a:solidFill>
+                  <a:srgbClr val="004492"/>
+                </a:solidFill>
+                <a:latin typeface="Calibri (Corps)"/>
+              </a:rPr>
+              <a:t>Ajout de méthodes de migration spécifique </a:t>
+            </a:r>
+            <a:r>
+              <a:rPr lang="fr-FR" sz="2000" dirty="0" err="1">
+                <a:solidFill>
+                  <a:srgbClr val="004492"/>
+                </a:solidFill>
+                <a:latin typeface="Calibri (Corps)"/>
+              </a:rPr>
+              <a:t>NAViDMS</a:t>
+            </a:r>
+            <a:endParaRPr lang="fr-FR" sz="2000" dirty="0">
+              <a:solidFill>
+                <a:srgbClr val="004492"/>
+              </a:solidFill>
+              <a:latin typeface="Calibri (Corps)"/>
+            </a:endParaRPr>
+          </a:p>
+          <a:p>
+            <a:pPr lvl="1">
+              <a:lnSpc>
+                <a:spcPct val="250000"/>
+              </a:lnSpc>
+              <a:buFont typeface="Wingdings" panose="05000000000000000000" pitchFamily="2" charset="2"/>
+              <a:buChar char="§"/>
+            </a:pPr>
+            <a:endParaRPr lang="fr-FR" sz="2000" b="1" dirty="0">
+              <a:solidFill>
+                <a:srgbClr val="004492"/>
+              </a:solidFill>
+              <a:latin typeface="Calibri (Corps)"/>
+            </a:endParaRPr>
+          </a:p>
+          <a:p>
+            <a:pPr lvl="1">
+              <a:lnSpc>
+                <a:spcPct val="250000"/>
+              </a:lnSpc>
+            </a:pPr>
+            <a:endParaRPr lang="fr-FR" sz="2000" dirty="0">
+              <a:solidFill>
+                <a:srgbClr val="004492"/>
+              </a:solidFill>
+              <a:latin typeface="Calibri (Corps)"/>
+            </a:endParaRPr>
+          </a:p>
+        </p:txBody>
+      </p:sp>
+      <p:sp>
+        <p:nvSpPr>
+          <p:cNvPr id="6" name="Espace réservé du contenu 30"/>
+          <p:cNvSpPr txBox="1">
+            <a:spLocks/>
+          </p:cNvSpPr>
+          <p:nvPr/>
+        </p:nvSpPr>
+        <p:spPr>
+          <a:xfrm>
+            <a:off x="1084118" y="4436238"/>
+            <a:ext cx="8059882" cy="1987022"/>
+          </a:xfrm>
+          <a:prstGeom prst="rect">
+            <a:avLst/>
+          </a:prstGeom>
+        </p:spPr>
+        <p:txBody>
+          <a:bodyPr vert="horz" lIns="91440" tIns="45720" rIns="91440" bIns="45720" rtlCol="0">
+            <a:normAutofit/>
+          </a:bodyPr>
+          <a:lstStyle>
+            <a:lvl1pPr marL="171450" indent="-171450" algn="l" defTabSz="685800" rtl="0" eaLnBrk="1" latinLnBrk="0" hangingPunct="1">
+              <a:lnSpc>
+                <a:spcPct val="90000"/>
+              </a:lnSpc>
+              <a:spcBef>
+                <a:spcPts val="750"/>
+              </a:spcBef>
+              <a:buFont typeface="Arial" panose="020B0604020202020204" pitchFamily="34" charset="0"/>
+              <a:buChar char="•"/>
+              <a:defRPr sz="2100" kern="1200">
+                <a:solidFill>
+                  <a:schemeClr val="tx1"/>
+                </a:solidFill>
+                <a:latin typeface="+mn-lt"/>
+                <a:ea typeface="+mn-ea"/>
+                <a:cs typeface="+mn-cs"/>
+              </a:defRPr>
+            </a:lvl1pPr>
+            <a:lvl2pPr marL="514350" indent="-171450" algn="l" defTabSz="685800" rtl="0" eaLnBrk="1" latinLnBrk="0" hangingPunct="1">
+              <a:lnSpc>
+                <a:spcPct val="90000"/>
+              </a:lnSpc>
+              <a:spcBef>
+                <a:spcPts val="375"/>
+              </a:spcBef>
+              <a:buFont typeface="Arial" panose="020B0604020202020204" pitchFamily="34" charset="0"/>
+              <a:buChar char="•"/>
+              <a:defRPr sz="1800" kern="1200">
+                <a:solidFill>
+                  <a:schemeClr val="tx1"/>
+                </a:solidFill>
+                <a:latin typeface="+mn-lt"/>
+                <a:ea typeface="+mn-ea"/>
+                <a:cs typeface="+mn-cs"/>
+              </a:defRPr>
+            </a:lvl2pPr>
+            <a:lvl3pPr marL="857250" indent="-171450" algn="l" defTabSz="685800" rtl="0" eaLnBrk="1" latinLnBrk="0" hangingPunct="1">
+              <a:lnSpc>
+                <a:spcPct val="90000"/>
+              </a:lnSpc>
+              <a:spcBef>
+                <a:spcPts val="375"/>
+              </a:spcBef>
+              <a:buFont typeface="Arial" panose="020B0604020202020204" pitchFamily="34" charset="0"/>
+              <a:buChar char="•"/>
+              <a:defRPr sz="1500" kern="1200">
+                <a:solidFill>
+                  <a:schemeClr val="tx1"/>
+                </a:solidFill>
+                <a:latin typeface="+mn-lt"/>
+                <a:ea typeface="+mn-ea"/>
+                <a:cs typeface="+mn-cs"/>
+              </a:defRPr>
+            </a:lvl3pPr>
+            <a:lvl4pPr marL="1200150" indent="-171450" algn="l" defTabSz="685800" rtl="0" eaLnBrk="1" latinLnBrk="0" hangingPunct="1">
+              <a:lnSpc>
+                <a:spcPct val="90000"/>
+              </a:lnSpc>
+              <a:spcBef>
+                <a:spcPts val="375"/>
+              </a:spcBef>
+              <a:buFont typeface="Arial" panose="020B0604020202020204" pitchFamily="34" charset="0"/>
+              <a:buChar char="•"/>
+              <a:defRPr sz="1350" kern="1200">
+                <a:solidFill>
+                  <a:schemeClr val="tx1"/>
+                </a:solidFill>
+                <a:latin typeface="+mn-lt"/>
+                <a:ea typeface="+mn-ea"/>
+                <a:cs typeface="+mn-cs"/>
+              </a:defRPr>
+            </a:lvl4pPr>
+            <a:lvl5pPr marL="1543050" indent="-171450" algn="l" defTabSz="685800" rtl="0" eaLnBrk="1" latinLnBrk="0" hangingPunct="1">
+              <a:lnSpc>
+                <a:spcPct val="90000"/>
+              </a:lnSpc>
+              <a:spcBef>
+                <a:spcPts val="375"/>
+              </a:spcBef>
+              <a:buFont typeface="Arial" panose="020B0604020202020204" pitchFamily="34" charset="0"/>
+              <a:buChar char="•"/>
+              <a:defRPr sz="1350" kern="1200">
+                <a:solidFill>
+                  <a:schemeClr val="tx1"/>
+                </a:solidFill>
+                <a:latin typeface="+mn-lt"/>
+                <a:ea typeface="+mn-ea"/>
+                <a:cs typeface="+mn-cs"/>
+              </a:defRPr>
+            </a:lvl5pPr>
+            <a:lvl6pPr marL="1885950" indent="-171450" algn="l" defTabSz="685800" rtl="0" eaLnBrk="1" latinLnBrk="0" hangingPunct="1">
+              <a:lnSpc>
+                <a:spcPct val="90000"/>
+              </a:lnSpc>
+              <a:spcBef>
+                <a:spcPts val="375"/>
+              </a:spcBef>
+              <a:buFont typeface="Arial" panose="020B0604020202020204" pitchFamily="34" charset="0"/>
+              <a:buChar char="•"/>
+              <a:defRPr sz="1350" kern="1200">
+                <a:solidFill>
+                  <a:schemeClr val="tx1"/>
+                </a:solidFill>
+                <a:latin typeface="+mn-lt"/>
+                <a:ea typeface="+mn-ea"/>
+                <a:cs typeface="+mn-cs"/>
+              </a:defRPr>
+            </a:lvl6pPr>
+            <a:lvl7pPr marL="2228850" indent="-171450" algn="l" defTabSz="685800" rtl="0" eaLnBrk="1" latinLnBrk="0" hangingPunct="1">
+              <a:lnSpc>
+                <a:spcPct val="90000"/>
+              </a:lnSpc>
+              <a:spcBef>
+                <a:spcPts val="375"/>
+              </a:spcBef>
+              <a:buFont typeface="Arial" panose="020B0604020202020204" pitchFamily="34" charset="0"/>
+              <a:buChar char="•"/>
+              <a:defRPr sz="1350" kern="1200">
+                <a:solidFill>
+                  <a:schemeClr val="tx1"/>
+                </a:solidFill>
+                <a:latin typeface="+mn-lt"/>
+                <a:ea typeface="+mn-ea"/>
+                <a:cs typeface="+mn-cs"/>
+              </a:defRPr>
+            </a:lvl7pPr>
+            <a:lvl8pPr marL="2571750" indent="-171450" algn="l" defTabSz="685800" rtl="0" eaLnBrk="1" latinLnBrk="0" hangingPunct="1">
+              <a:lnSpc>
+                <a:spcPct val="90000"/>
+              </a:lnSpc>
+              <a:spcBef>
+                <a:spcPts val="375"/>
+              </a:spcBef>
+              <a:buFont typeface="Arial" panose="020B0604020202020204" pitchFamily="34" charset="0"/>
+              <a:buChar char="•"/>
+              <a:defRPr sz="1350" kern="1200">
+                <a:solidFill>
+                  <a:schemeClr val="tx1"/>
+                </a:solidFill>
+                <a:latin typeface="+mn-lt"/>
+                <a:ea typeface="+mn-ea"/>
+                <a:cs typeface="+mn-cs"/>
+              </a:defRPr>
+            </a:lvl8pPr>
+            <a:lvl9pPr marL="2914650" indent="-171450" algn="l" defTabSz="685800" rtl="0" eaLnBrk="1" latinLnBrk="0" hangingPunct="1">
+              <a:lnSpc>
+                <a:spcPct val="90000"/>
+              </a:lnSpc>
+              <a:spcBef>
+                <a:spcPts val="375"/>
+              </a:spcBef>
+              <a:buFont typeface="Arial" panose="020B0604020202020204" pitchFamily="34" charset="0"/>
+              <a:buChar char="•"/>
+              <a:defRPr sz="1350" kern="1200">
+                <a:solidFill>
+                  <a:schemeClr val="tx1"/>
+                </a:solidFill>
+                <a:latin typeface="+mn-lt"/>
+                <a:ea typeface="+mn-ea"/>
+                <a:cs typeface="+mn-cs"/>
+              </a:defRPr>
+            </a:lvl9pPr>
+          </a:lstStyle>
+          <a:p>
+            <a:pPr lvl="1">
+              <a:lnSpc>
+                <a:spcPct val="250000"/>
+              </a:lnSpc>
+              <a:buFont typeface="Wingdings" panose="05000000000000000000" pitchFamily="2" charset="2"/>
+              <a:buChar char="§"/>
+            </a:pPr>
+            <a:r>
+              <a:rPr lang="fr-FR" sz="2000" dirty="0">
+                <a:solidFill>
+                  <a:srgbClr val="004492"/>
+                </a:solidFill>
+                <a:latin typeface="Calibri (Corps)"/>
+              </a:rPr>
+              <a:t>Modification d’identifiants stockés avec nouveaux ID</a:t>
+            </a:r>
+          </a:p>
+        </p:txBody>
+      </p:sp>
+    </p:spTree>
+    <p:extLst>
+      <p:ext uri="{BB962C8B-B14F-4D97-AF65-F5344CB8AC3E}">
+        <p14:creationId xmlns:p14="http://schemas.microsoft.com/office/powerpoint/2010/main" val="2589673425"/>
+      </p:ext>
+    </p:extLst>
+  </p:cSld>
+  <p:clrMapOvr>
+    <a:masterClrMapping/>
+  </p:clrMapOvr>
+</p:sld>
+</file>
+
+<file path=ppt/slides/slide26.xml><?xml version="1.0" encoding="utf-8"?>
+<p:sld xmlns:a="http://schemas.openxmlformats.org/drawingml/2006/main" xmlns:r="http://schemas.openxmlformats.org/officeDocument/2006/relationships" xmlns:p="http://schemas.openxmlformats.org/presentationml/2006/main">
+  <p:cSld>
+    <p:spTree>
+      <p:nvGrpSpPr>
+        <p:cNvPr id="1" name=""/>
+        <p:cNvGrpSpPr/>
+        <p:nvPr/>
+      </p:nvGrpSpPr>
+      <p:grpSpPr>
+        <a:xfrm>
+          <a:off x="0" y="0"/>
+          <a:ext cx="0" cy="0"/>
+          <a:chOff x="0" y="0"/>
+          <a:chExt cx="0" cy="0"/>
+        </a:xfrm>
+      </p:grpSpPr>
+      <p:sp>
+        <p:nvSpPr>
+          <p:cNvPr id="2" name="Titre 1"/>
+          <p:cNvSpPr>
+            <a:spLocks noGrp="1"/>
+          </p:cNvSpPr>
+          <p:nvPr>
+            <p:ph type="title"/>
+          </p:nvPr>
+        </p:nvSpPr>
+        <p:spPr>
+          <a:xfrm>
+            <a:off x="245917" y="0"/>
+            <a:ext cx="6347713" cy="1320800"/>
+          </a:xfrm>
+        </p:spPr>
+        <p:txBody>
+          <a:bodyPr>
+            <a:normAutofit/>
+          </a:bodyPr>
+          <a:lstStyle/>
+          <a:p>
+            <a:r>
+              <a:rPr lang="fr-FR" sz="3500" dirty="0">
+                <a:solidFill>
+                  <a:schemeClr val="bg1"/>
+                </a:solidFill>
+                <a:latin typeface="Eurostile-Roman" pitchFamily="2" charset="0"/>
+              </a:rPr>
+              <a:t>Développement </a:t>
+            </a:r>
+            <a:br>
+              <a:rPr lang="fr-FR" sz="3500" dirty="0">
+                <a:solidFill>
+                  <a:schemeClr val="bg1"/>
+                </a:solidFill>
+                <a:latin typeface="Eurostile-Roman" pitchFamily="2" charset="0"/>
+              </a:rPr>
+            </a:br>
+            <a:r>
+              <a:rPr lang="fr-FR" sz="3500" dirty="0">
+                <a:solidFill>
+                  <a:schemeClr val="bg1"/>
+                </a:solidFill>
+                <a:latin typeface="Eurostile-Roman" pitchFamily="2" charset="0"/>
+              </a:rPr>
+              <a:t>de la solution</a:t>
+            </a:r>
+          </a:p>
+        </p:txBody>
+      </p:sp>
+      <p:sp>
+        <p:nvSpPr>
+          <p:cNvPr id="11" name="Espace réservé du numéro de diapositive 1"/>
+          <p:cNvSpPr>
+            <a:spLocks noGrp="1"/>
+          </p:cNvSpPr>
+          <p:nvPr>
+            <p:ph type="sldNum" sz="quarter" idx="12"/>
+          </p:nvPr>
+        </p:nvSpPr>
+        <p:spPr>
+          <a:xfrm>
+            <a:off x="6603423" y="6255991"/>
+            <a:ext cx="2057400" cy="365125"/>
+          </a:xfrm>
+        </p:spPr>
+        <p:txBody>
+          <a:bodyPr/>
+          <a:lstStyle/>
+          <a:p>
+            <a:r>
+              <a:rPr lang="fr-FR" sz="1800" dirty="0">
+                <a:latin typeface="Eurostile-Roman" pitchFamily="2" charset="0"/>
+              </a:rPr>
+              <a:t>Diapositive </a:t>
+            </a:r>
+            <a:fld id="{0A0AF257-D28F-495E-9E53-3BED59B8AA35}" type="slidenum">
+              <a:rPr lang="fr-FR" sz="1800" smtClean="0">
+                <a:latin typeface="Eurostile-Roman" pitchFamily="2" charset="0"/>
+              </a:rPr>
+              <a:t>26</a:t>
+            </a:fld>
+            <a:endParaRPr lang="fr-FR" sz="1800" dirty="0">
+              <a:latin typeface="Eurostile-Roman" pitchFamily="2" charset="0"/>
+            </a:endParaRPr>
+          </a:p>
+        </p:txBody>
+      </p:sp>
+      <p:sp>
+        <p:nvSpPr>
+          <p:cNvPr id="7" name="Espace réservé du contenu 30"/>
+          <p:cNvSpPr txBox="1">
+            <a:spLocks/>
+          </p:cNvSpPr>
+          <p:nvPr/>
+        </p:nvSpPr>
+        <p:spPr>
+          <a:xfrm>
+            <a:off x="1084118" y="2852756"/>
+            <a:ext cx="8059882" cy="1987022"/>
+          </a:xfrm>
+          <a:prstGeom prst="rect">
+            <a:avLst/>
+          </a:prstGeom>
+        </p:spPr>
+        <p:txBody>
+          <a:bodyPr vert="horz" lIns="91440" tIns="45720" rIns="91440" bIns="45720" rtlCol="0">
+            <a:normAutofit/>
+          </a:bodyPr>
+          <a:lstStyle>
+            <a:lvl1pPr marL="171450" indent="-171450" algn="l" defTabSz="685800" rtl="0" eaLnBrk="1" latinLnBrk="0" hangingPunct="1">
+              <a:lnSpc>
+                <a:spcPct val="90000"/>
+              </a:lnSpc>
+              <a:spcBef>
+                <a:spcPts val="750"/>
+              </a:spcBef>
+              <a:buFont typeface="Arial" panose="020B0604020202020204" pitchFamily="34" charset="0"/>
+              <a:buChar char="•"/>
+              <a:defRPr sz="2100" kern="1200">
+                <a:solidFill>
+                  <a:schemeClr val="tx1"/>
+                </a:solidFill>
+                <a:latin typeface="+mn-lt"/>
+                <a:ea typeface="+mn-ea"/>
+                <a:cs typeface="+mn-cs"/>
+              </a:defRPr>
+            </a:lvl1pPr>
+            <a:lvl2pPr marL="514350" indent="-171450" algn="l" defTabSz="685800" rtl="0" eaLnBrk="1" latinLnBrk="0" hangingPunct="1">
+              <a:lnSpc>
+                <a:spcPct val="90000"/>
+              </a:lnSpc>
+              <a:spcBef>
+                <a:spcPts val="375"/>
+              </a:spcBef>
+              <a:buFont typeface="Arial" panose="020B0604020202020204" pitchFamily="34" charset="0"/>
+              <a:buChar char="•"/>
+              <a:defRPr sz="1800" kern="1200">
+                <a:solidFill>
+                  <a:schemeClr val="tx1"/>
+                </a:solidFill>
+                <a:latin typeface="+mn-lt"/>
+                <a:ea typeface="+mn-ea"/>
+                <a:cs typeface="+mn-cs"/>
+              </a:defRPr>
+            </a:lvl2pPr>
+            <a:lvl3pPr marL="857250" indent="-171450" algn="l" defTabSz="685800" rtl="0" eaLnBrk="1" latinLnBrk="0" hangingPunct="1">
+              <a:lnSpc>
+                <a:spcPct val="90000"/>
+              </a:lnSpc>
+              <a:spcBef>
+                <a:spcPts val="375"/>
+              </a:spcBef>
+              <a:buFont typeface="Arial" panose="020B0604020202020204" pitchFamily="34" charset="0"/>
+              <a:buChar char="•"/>
+              <a:defRPr sz="1500" kern="1200">
+                <a:solidFill>
+                  <a:schemeClr val="tx1"/>
+                </a:solidFill>
+                <a:latin typeface="+mn-lt"/>
+                <a:ea typeface="+mn-ea"/>
+                <a:cs typeface="+mn-cs"/>
+              </a:defRPr>
+            </a:lvl3pPr>
+            <a:lvl4pPr marL="1200150" indent="-171450" algn="l" defTabSz="685800" rtl="0" eaLnBrk="1" latinLnBrk="0" hangingPunct="1">
+              <a:lnSpc>
+                <a:spcPct val="90000"/>
+              </a:lnSpc>
+              <a:spcBef>
+                <a:spcPts val="375"/>
+              </a:spcBef>
+              <a:buFont typeface="Arial" panose="020B0604020202020204" pitchFamily="34" charset="0"/>
+              <a:buChar char="•"/>
+              <a:defRPr sz="1350" kern="1200">
+                <a:solidFill>
+                  <a:schemeClr val="tx1"/>
+                </a:solidFill>
+                <a:latin typeface="+mn-lt"/>
+                <a:ea typeface="+mn-ea"/>
+                <a:cs typeface="+mn-cs"/>
+              </a:defRPr>
+            </a:lvl4pPr>
+            <a:lvl5pPr marL="1543050" indent="-171450" algn="l" defTabSz="685800" rtl="0" eaLnBrk="1" latinLnBrk="0" hangingPunct="1">
+              <a:lnSpc>
+                <a:spcPct val="90000"/>
+              </a:lnSpc>
+              <a:spcBef>
+                <a:spcPts val="375"/>
+              </a:spcBef>
+              <a:buFont typeface="Arial" panose="020B0604020202020204" pitchFamily="34" charset="0"/>
+              <a:buChar char="•"/>
+              <a:defRPr sz="1350" kern="1200">
+                <a:solidFill>
+                  <a:schemeClr val="tx1"/>
+                </a:solidFill>
+                <a:latin typeface="+mn-lt"/>
+                <a:ea typeface="+mn-ea"/>
+                <a:cs typeface="+mn-cs"/>
+              </a:defRPr>
+            </a:lvl5pPr>
+            <a:lvl6pPr marL="1885950" indent="-171450" algn="l" defTabSz="685800" rtl="0" eaLnBrk="1" latinLnBrk="0" hangingPunct="1">
+              <a:lnSpc>
+                <a:spcPct val="90000"/>
+              </a:lnSpc>
+              <a:spcBef>
+                <a:spcPts val="375"/>
+              </a:spcBef>
+              <a:buFont typeface="Arial" panose="020B0604020202020204" pitchFamily="34" charset="0"/>
+              <a:buChar char="•"/>
+              <a:defRPr sz="1350" kern="1200">
+                <a:solidFill>
+                  <a:schemeClr val="tx1"/>
+                </a:solidFill>
+                <a:latin typeface="+mn-lt"/>
+                <a:ea typeface="+mn-ea"/>
+                <a:cs typeface="+mn-cs"/>
+              </a:defRPr>
+            </a:lvl6pPr>
+            <a:lvl7pPr marL="2228850" indent="-171450" algn="l" defTabSz="685800" rtl="0" eaLnBrk="1" latinLnBrk="0" hangingPunct="1">
+              <a:lnSpc>
+                <a:spcPct val="90000"/>
+              </a:lnSpc>
+              <a:spcBef>
+                <a:spcPts val="375"/>
+              </a:spcBef>
+              <a:buFont typeface="Arial" panose="020B0604020202020204" pitchFamily="34" charset="0"/>
+              <a:buChar char="•"/>
+              <a:defRPr sz="1350" kern="1200">
+                <a:solidFill>
+                  <a:schemeClr val="tx1"/>
+                </a:solidFill>
+                <a:latin typeface="+mn-lt"/>
+                <a:ea typeface="+mn-ea"/>
+                <a:cs typeface="+mn-cs"/>
+              </a:defRPr>
+            </a:lvl7pPr>
+            <a:lvl8pPr marL="2571750" indent="-171450" algn="l" defTabSz="685800" rtl="0" eaLnBrk="1" latinLnBrk="0" hangingPunct="1">
+              <a:lnSpc>
+                <a:spcPct val="90000"/>
+              </a:lnSpc>
+              <a:spcBef>
+                <a:spcPts val="375"/>
+              </a:spcBef>
+              <a:buFont typeface="Arial" panose="020B0604020202020204" pitchFamily="34" charset="0"/>
+              <a:buChar char="•"/>
+              <a:defRPr sz="1350" kern="1200">
+                <a:solidFill>
+                  <a:schemeClr val="tx1"/>
+                </a:solidFill>
+                <a:latin typeface="+mn-lt"/>
+                <a:ea typeface="+mn-ea"/>
+                <a:cs typeface="+mn-cs"/>
+              </a:defRPr>
+            </a:lvl8pPr>
+            <a:lvl9pPr marL="2914650" indent="-171450" algn="l" defTabSz="685800" rtl="0" eaLnBrk="1" latinLnBrk="0" hangingPunct="1">
+              <a:lnSpc>
+                <a:spcPct val="90000"/>
+              </a:lnSpc>
+              <a:spcBef>
+                <a:spcPts val="375"/>
+              </a:spcBef>
+              <a:buFont typeface="Arial" panose="020B0604020202020204" pitchFamily="34" charset="0"/>
+              <a:buChar char="•"/>
+              <a:defRPr sz="1350" kern="1200">
+                <a:solidFill>
+                  <a:schemeClr val="tx1"/>
+                </a:solidFill>
+                <a:latin typeface="+mn-lt"/>
+                <a:ea typeface="+mn-ea"/>
+                <a:cs typeface="+mn-cs"/>
+              </a:defRPr>
+            </a:lvl9pPr>
+          </a:lstStyle>
+          <a:p>
+            <a:pPr lvl="1">
+              <a:lnSpc>
+                <a:spcPct val="250000"/>
+              </a:lnSpc>
+              <a:buFont typeface="Wingdings" panose="05000000000000000000" pitchFamily="2" charset="2"/>
+              <a:buChar char="§"/>
+            </a:pPr>
+            <a:r>
+              <a:rPr lang="fr-FR" sz="2000" dirty="0">
+                <a:solidFill>
+                  <a:srgbClr val="004492"/>
+                </a:solidFill>
+                <a:latin typeface="Calibri (Corps)"/>
+              </a:rPr>
+              <a:t>Vertical </a:t>
+            </a:r>
+            <a:r>
+              <a:rPr lang="fr-FR" sz="2000" dirty="0" err="1">
+                <a:solidFill>
+                  <a:srgbClr val="004492"/>
+                </a:solidFill>
+                <a:latin typeface="Calibri (Corps)"/>
+              </a:rPr>
+              <a:t>NAViDMS</a:t>
+            </a:r>
+            <a:r>
+              <a:rPr lang="fr-FR" sz="2000" dirty="0">
+                <a:solidFill>
+                  <a:srgbClr val="004492"/>
+                </a:solidFill>
+                <a:latin typeface="Calibri (Corps)"/>
+              </a:rPr>
+              <a:t> : conçu comme un module spécifique</a:t>
+            </a:r>
+          </a:p>
+          <a:p>
+            <a:pPr lvl="1">
+              <a:lnSpc>
+                <a:spcPct val="250000"/>
+              </a:lnSpc>
+              <a:buFont typeface="Wingdings" panose="05000000000000000000" pitchFamily="2" charset="2"/>
+              <a:buChar char="§"/>
+            </a:pPr>
+            <a:r>
+              <a:rPr lang="fr-FR" sz="2000" dirty="0">
+                <a:solidFill>
+                  <a:srgbClr val="004492"/>
+                </a:solidFill>
+                <a:latin typeface="Calibri (Corps)"/>
+              </a:rPr>
+              <a:t>Certains identifiants écrits en dur dans les codes C/AL</a:t>
+            </a:r>
+          </a:p>
+          <a:p>
+            <a:pPr lvl="1">
+              <a:lnSpc>
+                <a:spcPct val="250000"/>
+              </a:lnSpc>
+              <a:buFont typeface="Wingdings" panose="05000000000000000000" pitchFamily="2" charset="2"/>
+              <a:buChar char="§"/>
+            </a:pPr>
+            <a:endParaRPr lang="fr-FR" sz="2000" b="1" dirty="0">
+              <a:solidFill>
+                <a:srgbClr val="004492"/>
+              </a:solidFill>
+              <a:latin typeface="Calibri (Corps)"/>
+            </a:endParaRPr>
+          </a:p>
+          <a:p>
+            <a:pPr lvl="1">
+              <a:lnSpc>
+                <a:spcPct val="250000"/>
+              </a:lnSpc>
+            </a:pPr>
+            <a:endParaRPr lang="fr-FR" sz="2000" dirty="0">
+              <a:solidFill>
+                <a:srgbClr val="004492"/>
+              </a:solidFill>
+              <a:latin typeface="Calibri (Corps)"/>
+            </a:endParaRPr>
+          </a:p>
+        </p:txBody>
+      </p:sp>
+      <p:sp>
+        <p:nvSpPr>
+          <p:cNvPr id="9" name="Espace réservé du contenu 30"/>
+          <p:cNvSpPr txBox="1">
+            <a:spLocks/>
+          </p:cNvSpPr>
+          <p:nvPr/>
+        </p:nvSpPr>
+        <p:spPr>
+          <a:xfrm>
+            <a:off x="917188" y="2302587"/>
+            <a:ext cx="7886700" cy="1053962"/>
+          </a:xfrm>
+          <a:prstGeom prst="rect">
+            <a:avLst/>
+          </a:prstGeom>
+        </p:spPr>
+        <p:txBody>
+          <a:bodyPr vert="horz" lIns="91440" tIns="45720" rIns="91440" bIns="45720" rtlCol="0">
+            <a:normAutofit/>
+          </a:bodyPr>
+          <a:lstStyle>
+            <a:lvl1pPr marL="171450" indent="-171450" algn="l" defTabSz="685800" rtl="0" eaLnBrk="1" latinLnBrk="0" hangingPunct="1">
+              <a:lnSpc>
+                <a:spcPct val="90000"/>
+              </a:lnSpc>
+              <a:spcBef>
+                <a:spcPts val="750"/>
+              </a:spcBef>
+              <a:buFont typeface="Arial" panose="020B0604020202020204" pitchFamily="34" charset="0"/>
+              <a:buChar char="•"/>
+              <a:defRPr sz="2100" kern="1200">
+                <a:solidFill>
+                  <a:schemeClr val="tx1"/>
+                </a:solidFill>
+                <a:latin typeface="+mn-lt"/>
+                <a:ea typeface="+mn-ea"/>
+                <a:cs typeface="+mn-cs"/>
+              </a:defRPr>
+            </a:lvl1pPr>
+            <a:lvl2pPr marL="514350" indent="-171450" algn="l" defTabSz="685800" rtl="0" eaLnBrk="1" latinLnBrk="0" hangingPunct="1">
+              <a:lnSpc>
+                <a:spcPct val="90000"/>
+              </a:lnSpc>
+              <a:spcBef>
+                <a:spcPts val="375"/>
+              </a:spcBef>
+              <a:buFont typeface="Arial" panose="020B0604020202020204" pitchFamily="34" charset="0"/>
+              <a:buChar char="•"/>
+              <a:defRPr sz="1800" kern="1200">
+                <a:solidFill>
+                  <a:schemeClr val="tx1"/>
+                </a:solidFill>
+                <a:latin typeface="+mn-lt"/>
+                <a:ea typeface="+mn-ea"/>
+                <a:cs typeface="+mn-cs"/>
+              </a:defRPr>
+            </a:lvl2pPr>
+            <a:lvl3pPr marL="857250" indent="-171450" algn="l" defTabSz="685800" rtl="0" eaLnBrk="1" latinLnBrk="0" hangingPunct="1">
+              <a:lnSpc>
+                <a:spcPct val="90000"/>
+              </a:lnSpc>
+              <a:spcBef>
+                <a:spcPts val="375"/>
+              </a:spcBef>
+              <a:buFont typeface="Arial" panose="020B0604020202020204" pitchFamily="34" charset="0"/>
+              <a:buChar char="•"/>
+              <a:defRPr sz="1500" kern="1200">
+                <a:solidFill>
+                  <a:schemeClr val="tx1"/>
+                </a:solidFill>
+                <a:latin typeface="+mn-lt"/>
+                <a:ea typeface="+mn-ea"/>
+                <a:cs typeface="+mn-cs"/>
+              </a:defRPr>
+            </a:lvl3pPr>
+            <a:lvl4pPr marL="1200150" indent="-171450" algn="l" defTabSz="685800" rtl="0" eaLnBrk="1" latinLnBrk="0" hangingPunct="1">
+              <a:lnSpc>
+                <a:spcPct val="90000"/>
+              </a:lnSpc>
+              <a:spcBef>
+                <a:spcPts val="375"/>
+              </a:spcBef>
+              <a:buFont typeface="Arial" panose="020B0604020202020204" pitchFamily="34" charset="0"/>
+              <a:buChar char="•"/>
+              <a:defRPr sz="1350" kern="1200">
+                <a:solidFill>
+                  <a:schemeClr val="tx1"/>
+                </a:solidFill>
+                <a:latin typeface="+mn-lt"/>
+                <a:ea typeface="+mn-ea"/>
+                <a:cs typeface="+mn-cs"/>
+              </a:defRPr>
+            </a:lvl4pPr>
+            <a:lvl5pPr marL="1543050" indent="-171450" algn="l" defTabSz="685800" rtl="0" eaLnBrk="1" latinLnBrk="0" hangingPunct="1">
+              <a:lnSpc>
+                <a:spcPct val="90000"/>
+              </a:lnSpc>
+              <a:spcBef>
+                <a:spcPts val="375"/>
+              </a:spcBef>
+              <a:buFont typeface="Arial" panose="020B0604020202020204" pitchFamily="34" charset="0"/>
+              <a:buChar char="•"/>
+              <a:defRPr sz="1350" kern="1200">
+                <a:solidFill>
+                  <a:schemeClr val="tx1"/>
+                </a:solidFill>
+                <a:latin typeface="+mn-lt"/>
+                <a:ea typeface="+mn-ea"/>
+                <a:cs typeface="+mn-cs"/>
+              </a:defRPr>
+            </a:lvl5pPr>
+            <a:lvl6pPr marL="1885950" indent="-171450" algn="l" defTabSz="685800" rtl="0" eaLnBrk="1" latinLnBrk="0" hangingPunct="1">
+              <a:lnSpc>
+                <a:spcPct val="90000"/>
+              </a:lnSpc>
+              <a:spcBef>
+                <a:spcPts val="375"/>
+              </a:spcBef>
+              <a:buFont typeface="Arial" panose="020B0604020202020204" pitchFamily="34" charset="0"/>
+              <a:buChar char="•"/>
+              <a:defRPr sz="1350" kern="1200">
+                <a:solidFill>
+                  <a:schemeClr val="tx1"/>
+                </a:solidFill>
+                <a:latin typeface="+mn-lt"/>
+                <a:ea typeface="+mn-ea"/>
+                <a:cs typeface="+mn-cs"/>
+              </a:defRPr>
+            </a:lvl6pPr>
+            <a:lvl7pPr marL="2228850" indent="-171450" algn="l" defTabSz="685800" rtl="0" eaLnBrk="1" latinLnBrk="0" hangingPunct="1">
+              <a:lnSpc>
+                <a:spcPct val="90000"/>
+              </a:lnSpc>
+              <a:spcBef>
+                <a:spcPts val="375"/>
+              </a:spcBef>
+              <a:buFont typeface="Arial" panose="020B0604020202020204" pitchFamily="34" charset="0"/>
+              <a:buChar char="•"/>
+              <a:defRPr sz="1350" kern="1200">
+                <a:solidFill>
+                  <a:schemeClr val="tx1"/>
+                </a:solidFill>
+                <a:latin typeface="+mn-lt"/>
+                <a:ea typeface="+mn-ea"/>
+                <a:cs typeface="+mn-cs"/>
+              </a:defRPr>
+            </a:lvl7pPr>
+            <a:lvl8pPr marL="2571750" indent="-171450" algn="l" defTabSz="685800" rtl="0" eaLnBrk="1" latinLnBrk="0" hangingPunct="1">
+              <a:lnSpc>
+                <a:spcPct val="90000"/>
+              </a:lnSpc>
+              <a:spcBef>
+                <a:spcPts val="375"/>
+              </a:spcBef>
+              <a:buFont typeface="Arial" panose="020B0604020202020204" pitchFamily="34" charset="0"/>
+              <a:buChar char="•"/>
+              <a:defRPr sz="1350" kern="1200">
+                <a:solidFill>
+                  <a:schemeClr val="tx1"/>
+                </a:solidFill>
+                <a:latin typeface="+mn-lt"/>
+                <a:ea typeface="+mn-ea"/>
+                <a:cs typeface="+mn-cs"/>
+              </a:defRPr>
+            </a:lvl8pPr>
+            <a:lvl9pPr marL="2914650" indent="-171450" algn="l" defTabSz="685800" rtl="0" eaLnBrk="1" latinLnBrk="0" hangingPunct="1">
+              <a:lnSpc>
+                <a:spcPct val="90000"/>
+              </a:lnSpc>
+              <a:spcBef>
+                <a:spcPts val="375"/>
+              </a:spcBef>
+              <a:buFont typeface="Arial" panose="020B0604020202020204" pitchFamily="34" charset="0"/>
+              <a:buChar char="•"/>
+              <a:defRPr sz="1350" kern="1200">
+                <a:solidFill>
+                  <a:schemeClr val="tx1"/>
+                </a:solidFill>
+                <a:latin typeface="+mn-lt"/>
+                <a:ea typeface="+mn-ea"/>
+                <a:cs typeface="+mn-cs"/>
+              </a:defRPr>
+            </a:lvl9pPr>
+          </a:lstStyle>
+          <a:p>
+            <a:pPr>
+              <a:lnSpc>
+                <a:spcPct val="150000"/>
+              </a:lnSpc>
+            </a:pPr>
+            <a:r>
+              <a:rPr lang="fr-FR" sz="2200" dirty="0">
+                <a:solidFill>
+                  <a:srgbClr val="004492"/>
+                </a:solidFill>
+                <a:latin typeface="Calibri (Corps)"/>
+              </a:rPr>
+              <a:t>2</a:t>
+            </a:r>
+            <a:r>
+              <a:rPr lang="fr-FR" sz="2200" baseline="30000" dirty="0">
+                <a:solidFill>
+                  <a:srgbClr val="004492"/>
+                </a:solidFill>
+                <a:latin typeface="Calibri (Corps)"/>
+              </a:rPr>
+              <a:t>ème</a:t>
+            </a:r>
+            <a:r>
+              <a:rPr lang="fr-FR" sz="2200" dirty="0">
+                <a:solidFill>
+                  <a:srgbClr val="004492"/>
+                </a:solidFill>
+                <a:latin typeface="Calibri (Corps)"/>
+              </a:rPr>
+              <a:t>  travail : outil d’analyse d’objet</a:t>
+            </a:r>
+          </a:p>
+        </p:txBody>
+      </p:sp>
+      <p:sp>
+        <p:nvSpPr>
+          <p:cNvPr id="12" name="Espace réservé du contenu 2"/>
+          <p:cNvSpPr txBox="1">
+            <a:spLocks/>
+          </p:cNvSpPr>
+          <p:nvPr/>
+        </p:nvSpPr>
+        <p:spPr>
+          <a:xfrm>
+            <a:off x="1972564" y="4839778"/>
+            <a:ext cx="7886700" cy="1948555"/>
+          </a:xfrm>
+          <a:prstGeom prst="rect">
+            <a:avLst/>
+          </a:prstGeom>
+        </p:spPr>
+        <p:txBody>
+          <a:bodyPr vert="horz" lIns="91440" tIns="45720" rIns="91440" bIns="45720" rtlCol="0">
+            <a:noAutofit/>
+          </a:bodyPr>
+          <a:lstStyle>
+            <a:lvl1pPr marL="171450" indent="-171450" algn="l" defTabSz="685800" rtl="0" eaLnBrk="1" latinLnBrk="0" hangingPunct="1">
+              <a:lnSpc>
+                <a:spcPct val="90000"/>
+              </a:lnSpc>
+              <a:spcBef>
+                <a:spcPts val="750"/>
+              </a:spcBef>
+              <a:buFont typeface="Arial" panose="020B0604020202020204" pitchFamily="34" charset="0"/>
+              <a:buChar char="•"/>
+              <a:defRPr sz="2100" kern="1200">
+                <a:solidFill>
+                  <a:schemeClr val="tx1"/>
+                </a:solidFill>
+                <a:latin typeface="+mn-lt"/>
+                <a:ea typeface="+mn-ea"/>
+                <a:cs typeface="+mn-cs"/>
+              </a:defRPr>
+            </a:lvl1pPr>
+            <a:lvl2pPr marL="514350" indent="-171450" algn="l" defTabSz="685800" rtl="0" eaLnBrk="1" latinLnBrk="0" hangingPunct="1">
+              <a:lnSpc>
+                <a:spcPct val="90000"/>
+              </a:lnSpc>
+              <a:spcBef>
+                <a:spcPts val="375"/>
+              </a:spcBef>
+              <a:buFont typeface="Arial" panose="020B0604020202020204" pitchFamily="34" charset="0"/>
+              <a:buChar char="•"/>
+              <a:defRPr sz="1800" kern="1200">
+                <a:solidFill>
+                  <a:schemeClr val="tx1"/>
+                </a:solidFill>
+                <a:latin typeface="+mn-lt"/>
+                <a:ea typeface="+mn-ea"/>
+                <a:cs typeface="+mn-cs"/>
+              </a:defRPr>
+            </a:lvl2pPr>
+            <a:lvl3pPr marL="857250" indent="-171450" algn="l" defTabSz="685800" rtl="0" eaLnBrk="1" latinLnBrk="0" hangingPunct="1">
+              <a:lnSpc>
+                <a:spcPct val="90000"/>
+              </a:lnSpc>
+              <a:spcBef>
+                <a:spcPts val="375"/>
+              </a:spcBef>
+              <a:buFont typeface="Arial" panose="020B0604020202020204" pitchFamily="34" charset="0"/>
+              <a:buChar char="•"/>
+              <a:defRPr sz="1500" kern="1200">
+                <a:solidFill>
+                  <a:schemeClr val="tx1"/>
+                </a:solidFill>
+                <a:latin typeface="+mn-lt"/>
+                <a:ea typeface="+mn-ea"/>
+                <a:cs typeface="+mn-cs"/>
+              </a:defRPr>
+            </a:lvl3pPr>
+            <a:lvl4pPr marL="1200150" indent="-171450" algn="l" defTabSz="685800" rtl="0" eaLnBrk="1" latinLnBrk="0" hangingPunct="1">
+              <a:lnSpc>
+                <a:spcPct val="90000"/>
+              </a:lnSpc>
+              <a:spcBef>
+                <a:spcPts val="375"/>
+              </a:spcBef>
+              <a:buFont typeface="Arial" panose="020B0604020202020204" pitchFamily="34" charset="0"/>
+              <a:buChar char="•"/>
+              <a:defRPr sz="1350" kern="1200">
+                <a:solidFill>
+                  <a:schemeClr val="tx1"/>
+                </a:solidFill>
+                <a:latin typeface="+mn-lt"/>
+                <a:ea typeface="+mn-ea"/>
+                <a:cs typeface="+mn-cs"/>
+              </a:defRPr>
+            </a:lvl4pPr>
+            <a:lvl5pPr marL="1543050" indent="-171450" algn="l" defTabSz="685800" rtl="0" eaLnBrk="1" latinLnBrk="0" hangingPunct="1">
+              <a:lnSpc>
+                <a:spcPct val="90000"/>
+              </a:lnSpc>
+              <a:spcBef>
+                <a:spcPts val="375"/>
+              </a:spcBef>
+              <a:buFont typeface="Arial" panose="020B0604020202020204" pitchFamily="34" charset="0"/>
+              <a:buChar char="•"/>
+              <a:defRPr sz="1350" kern="1200">
+                <a:solidFill>
+                  <a:schemeClr val="tx1"/>
+                </a:solidFill>
+                <a:latin typeface="+mn-lt"/>
+                <a:ea typeface="+mn-ea"/>
+                <a:cs typeface="+mn-cs"/>
+              </a:defRPr>
+            </a:lvl5pPr>
+            <a:lvl6pPr marL="1885950" indent="-171450" algn="l" defTabSz="685800" rtl="0" eaLnBrk="1" latinLnBrk="0" hangingPunct="1">
+              <a:lnSpc>
+                <a:spcPct val="90000"/>
+              </a:lnSpc>
+              <a:spcBef>
+                <a:spcPts val="375"/>
+              </a:spcBef>
+              <a:buFont typeface="Arial" panose="020B0604020202020204" pitchFamily="34" charset="0"/>
+              <a:buChar char="•"/>
+              <a:defRPr sz="1350" kern="1200">
+                <a:solidFill>
+                  <a:schemeClr val="tx1"/>
+                </a:solidFill>
+                <a:latin typeface="+mn-lt"/>
+                <a:ea typeface="+mn-ea"/>
+                <a:cs typeface="+mn-cs"/>
+              </a:defRPr>
+            </a:lvl6pPr>
+            <a:lvl7pPr marL="2228850" indent="-171450" algn="l" defTabSz="685800" rtl="0" eaLnBrk="1" latinLnBrk="0" hangingPunct="1">
+              <a:lnSpc>
+                <a:spcPct val="90000"/>
+              </a:lnSpc>
+              <a:spcBef>
+                <a:spcPts val="375"/>
+              </a:spcBef>
+              <a:buFont typeface="Arial" panose="020B0604020202020204" pitchFamily="34" charset="0"/>
+              <a:buChar char="•"/>
+              <a:defRPr sz="1350" kern="1200">
+                <a:solidFill>
+                  <a:schemeClr val="tx1"/>
+                </a:solidFill>
+                <a:latin typeface="+mn-lt"/>
+                <a:ea typeface="+mn-ea"/>
+                <a:cs typeface="+mn-cs"/>
+              </a:defRPr>
+            </a:lvl7pPr>
+            <a:lvl8pPr marL="2571750" indent="-171450" algn="l" defTabSz="685800" rtl="0" eaLnBrk="1" latinLnBrk="0" hangingPunct="1">
+              <a:lnSpc>
+                <a:spcPct val="90000"/>
+              </a:lnSpc>
+              <a:spcBef>
+                <a:spcPts val="375"/>
+              </a:spcBef>
+              <a:buFont typeface="Arial" panose="020B0604020202020204" pitchFamily="34" charset="0"/>
+              <a:buChar char="•"/>
+              <a:defRPr sz="1350" kern="1200">
+                <a:solidFill>
+                  <a:schemeClr val="tx1"/>
+                </a:solidFill>
+                <a:latin typeface="+mn-lt"/>
+                <a:ea typeface="+mn-ea"/>
+                <a:cs typeface="+mn-cs"/>
+              </a:defRPr>
+            </a:lvl8pPr>
+            <a:lvl9pPr marL="2914650" indent="-171450" algn="l" defTabSz="685800" rtl="0" eaLnBrk="1" latinLnBrk="0" hangingPunct="1">
+              <a:lnSpc>
+                <a:spcPct val="90000"/>
+              </a:lnSpc>
+              <a:spcBef>
+                <a:spcPts val="375"/>
+              </a:spcBef>
+              <a:buFont typeface="Arial" panose="020B0604020202020204" pitchFamily="34" charset="0"/>
+              <a:buChar char="•"/>
+              <a:defRPr sz="1350" kern="1200">
+                <a:solidFill>
+                  <a:schemeClr val="tx1"/>
+                </a:solidFill>
+                <a:latin typeface="+mn-lt"/>
+                <a:ea typeface="+mn-ea"/>
+                <a:cs typeface="+mn-cs"/>
+              </a:defRPr>
+            </a:lvl9pPr>
+          </a:lstStyle>
+          <a:p>
+            <a:pPr marL="0" indent="0">
+              <a:buNone/>
+            </a:pPr>
+            <a:r>
+              <a:rPr lang="fr-FR" sz="2000" b="1" dirty="0">
+                <a:solidFill>
+                  <a:srgbClr val="004492"/>
+                </a:solidFill>
+                <a:latin typeface="Calibri (Corps)"/>
+                <a:sym typeface="Wingdings" panose="05000000000000000000" pitchFamily="2" charset="2"/>
+              </a:rPr>
+              <a:t>Impossibles à identifier / renuméroter automatiquement</a:t>
+            </a:r>
+            <a:endParaRPr lang="fr-FR" sz="2000" b="1" dirty="0">
+              <a:solidFill>
+                <a:srgbClr val="004492"/>
+              </a:solidFill>
+              <a:latin typeface="Calibri (Corps)"/>
+            </a:endParaRPr>
+          </a:p>
+        </p:txBody>
+      </p:sp>
+      <p:sp>
+        <p:nvSpPr>
+          <p:cNvPr id="13" name="Flèche : droite 12"/>
+          <p:cNvSpPr/>
+          <p:nvPr/>
+        </p:nvSpPr>
+        <p:spPr>
+          <a:xfrm>
+            <a:off x="1064265" y="4839778"/>
+            <a:ext cx="680224" cy="320125"/>
+          </a:xfrm>
+          <a:prstGeom prst="rightArrow">
+            <a:avLst/>
+          </a:prstGeom>
+          <a:solidFill>
+            <a:srgbClr val="004492"/>
+          </a:solidFill>
+          <a:ln>
+            <a:solidFill>
+              <a:srgbClr val="004492"/>
+            </a:solidFill>
+          </a:ln>
+        </p:spPr>
+        <p:style>
+          <a:lnRef idx="2">
+            <a:schemeClr val="accent6"/>
+          </a:lnRef>
+          <a:fillRef idx="1">
+            <a:schemeClr val="lt1"/>
+          </a:fillRef>
+          <a:effectRef idx="0">
+            <a:schemeClr val="accent6"/>
+          </a:effectRef>
+          <a:fontRef idx="minor">
+            <a:schemeClr val="dk1"/>
+          </a:fontRef>
+        </p:style>
+        <p:txBody>
+          <a:bodyPr rtlCol="0" anchor="ctr"/>
+          <a:lstStyle/>
+          <a:p>
+            <a:pPr algn="ctr"/>
+            <a:endParaRPr lang="fr-FR">
+              <a:solidFill>
+                <a:srgbClr val="0070C0"/>
+              </a:solidFill>
+            </a:endParaRPr>
+          </a:p>
+        </p:txBody>
+      </p:sp>
+    </p:spTree>
+    <p:extLst>
+      <p:ext uri="{BB962C8B-B14F-4D97-AF65-F5344CB8AC3E}">
+        <p14:creationId xmlns:p14="http://schemas.microsoft.com/office/powerpoint/2010/main" val="2473577392"/>
+      </p:ext>
+    </p:extLst>
+  </p:cSld>
+  <p:clrMapOvr>
+    <a:masterClrMapping/>
+  </p:clrMapOvr>
+</p:sld>
+</file>
+
+<file path=ppt/slides/slide27.xml><?xml version="1.0" encoding="utf-8"?>
+<p:sld xmlns:a="http://schemas.openxmlformats.org/drawingml/2006/main" xmlns:r="http://schemas.openxmlformats.org/officeDocument/2006/relationships" xmlns:p="http://schemas.openxmlformats.org/presentationml/2006/main">
+  <p:cSld>
+    <p:spTree>
+      <p:nvGrpSpPr>
+        <p:cNvPr id="1" name=""/>
+        <p:cNvGrpSpPr/>
+        <p:nvPr/>
+      </p:nvGrpSpPr>
+      <p:grpSpPr>
+        <a:xfrm>
+          <a:off x="0" y="0"/>
+          <a:ext cx="0" cy="0"/>
+          <a:chOff x="0" y="0"/>
+          <a:chExt cx="0" cy="0"/>
+        </a:xfrm>
+      </p:grpSpPr>
+      <p:sp>
+        <p:nvSpPr>
+          <p:cNvPr id="2" name="Titre 1"/>
+          <p:cNvSpPr>
+            <a:spLocks noGrp="1"/>
+          </p:cNvSpPr>
+          <p:nvPr>
+            <p:ph type="title"/>
+          </p:nvPr>
+        </p:nvSpPr>
+        <p:spPr>
+          <a:xfrm>
+            <a:off x="245917" y="0"/>
+            <a:ext cx="6347713" cy="1320800"/>
+          </a:xfrm>
+        </p:spPr>
+        <p:txBody>
+          <a:bodyPr>
+            <a:normAutofit/>
+          </a:bodyPr>
+          <a:lstStyle/>
+          <a:p>
+            <a:r>
+              <a:rPr lang="fr-FR" sz="3500" dirty="0">
+                <a:solidFill>
+                  <a:schemeClr val="bg1"/>
+                </a:solidFill>
+                <a:latin typeface="Eurostile-Roman" pitchFamily="2" charset="0"/>
+              </a:rPr>
+              <a:t>Développement </a:t>
+            </a:r>
+            <a:br>
+              <a:rPr lang="fr-FR" sz="3500" dirty="0">
+                <a:solidFill>
+                  <a:schemeClr val="bg1"/>
+                </a:solidFill>
+                <a:latin typeface="Eurostile-Roman" pitchFamily="2" charset="0"/>
+              </a:rPr>
+            </a:br>
+            <a:r>
+              <a:rPr lang="fr-FR" sz="3500" dirty="0">
+                <a:solidFill>
+                  <a:schemeClr val="bg1"/>
+                </a:solidFill>
+                <a:latin typeface="Eurostile-Roman" pitchFamily="2" charset="0"/>
+              </a:rPr>
+              <a:t>de la solution</a:t>
+            </a:r>
+          </a:p>
+        </p:txBody>
+      </p:sp>
+      <p:sp>
+        <p:nvSpPr>
+          <p:cNvPr id="11" name="Espace réservé du numéro de diapositive 1"/>
+          <p:cNvSpPr>
+            <a:spLocks noGrp="1"/>
+          </p:cNvSpPr>
+          <p:nvPr>
+            <p:ph type="sldNum" sz="quarter" idx="12"/>
+          </p:nvPr>
+        </p:nvSpPr>
+        <p:spPr>
+          <a:xfrm>
+            <a:off x="6603423" y="6255991"/>
+            <a:ext cx="2057400" cy="365125"/>
+          </a:xfrm>
+        </p:spPr>
+        <p:txBody>
+          <a:bodyPr/>
+          <a:lstStyle/>
+          <a:p>
+            <a:r>
+              <a:rPr lang="fr-FR" sz="1800" dirty="0">
+                <a:latin typeface="Eurostile-Roman" pitchFamily="2" charset="0"/>
+              </a:rPr>
+              <a:t>Diapositive </a:t>
+            </a:r>
+            <a:fld id="{0A0AF257-D28F-495E-9E53-3BED59B8AA35}" type="slidenum">
+              <a:rPr lang="fr-FR" sz="1800" smtClean="0">
+                <a:latin typeface="Eurostile-Roman" pitchFamily="2" charset="0"/>
+              </a:rPr>
+              <a:t>27</a:t>
+            </a:fld>
+            <a:endParaRPr lang="fr-FR" sz="1800" dirty="0">
+              <a:latin typeface="Eurostile-Roman" pitchFamily="2" charset="0"/>
+            </a:endParaRPr>
+          </a:p>
+        </p:txBody>
+      </p:sp>
+      <p:sp>
+        <p:nvSpPr>
+          <p:cNvPr id="7" name="Espace réservé du contenu 30"/>
+          <p:cNvSpPr txBox="1">
+            <a:spLocks/>
+          </p:cNvSpPr>
+          <p:nvPr/>
+        </p:nvSpPr>
+        <p:spPr>
+          <a:xfrm>
+            <a:off x="1084118" y="2852755"/>
+            <a:ext cx="8059882" cy="2789761"/>
+          </a:xfrm>
+          <a:prstGeom prst="rect">
+            <a:avLst/>
+          </a:prstGeom>
+        </p:spPr>
+        <p:txBody>
+          <a:bodyPr vert="horz" lIns="91440" tIns="45720" rIns="91440" bIns="45720" rtlCol="0">
+            <a:normAutofit/>
+          </a:bodyPr>
+          <a:lstStyle>
+            <a:lvl1pPr marL="171450" indent="-171450" algn="l" defTabSz="685800" rtl="0" eaLnBrk="1" latinLnBrk="0" hangingPunct="1">
+              <a:lnSpc>
+                <a:spcPct val="90000"/>
+              </a:lnSpc>
+              <a:spcBef>
+                <a:spcPts val="750"/>
+              </a:spcBef>
+              <a:buFont typeface="Arial" panose="020B0604020202020204" pitchFamily="34" charset="0"/>
+              <a:buChar char="•"/>
+              <a:defRPr sz="2100" kern="1200">
+                <a:solidFill>
+                  <a:schemeClr val="tx1"/>
+                </a:solidFill>
+                <a:latin typeface="+mn-lt"/>
+                <a:ea typeface="+mn-ea"/>
+                <a:cs typeface="+mn-cs"/>
+              </a:defRPr>
+            </a:lvl1pPr>
+            <a:lvl2pPr marL="514350" indent="-171450" algn="l" defTabSz="685800" rtl="0" eaLnBrk="1" latinLnBrk="0" hangingPunct="1">
+              <a:lnSpc>
+                <a:spcPct val="90000"/>
+              </a:lnSpc>
+              <a:spcBef>
+                <a:spcPts val="375"/>
+              </a:spcBef>
+              <a:buFont typeface="Arial" panose="020B0604020202020204" pitchFamily="34" charset="0"/>
+              <a:buChar char="•"/>
+              <a:defRPr sz="1800" kern="1200">
+                <a:solidFill>
+                  <a:schemeClr val="tx1"/>
+                </a:solidFill>
+                <a:latin typeface="+mn-lt"/>
+                <a:ea typeface="+mn-ea"/>
+                <a:cs typeface="+mn-cs"/>
+              </a:defRPr>
+            </a:lvl2pPr>
+            <a:lvl3pPr marL="857250" indent="-171450" algn="l" defTabSz="685800" rtl="0" eaLnBrk="1" latinLnBrk="0" hangingPunct="1">
+              <a:lnSpc>
+                <a:spcPct val="90000"/>
+              </a:lnSpc>
+              <a:spcBef>
+                <a:spcPts val="375"/>
+              </a:spcBef>
+              <a:buFont typeface="Arial" panose="020B0604020202020204" pitchFamily="34" charset="0"/>
+              <a:buChar char="•"/>
+              <a:defRPr sz="1500" kern="1200">
+                <a:solidFill>
+                  <a:schemeClr val="tx1"/>
+                </a:solidFill>
+                <a:latin typeface="+mn-lt"/>
+                <a:ea typeface="+mn-ea"/>
+                <a:cs typeface="+mn-cs"/>
+              </a:defRPr>
+            </a:lvl3pPr>
+            <a:lvl4pPr marL="1200150" indent="-171450" algn="l" defTabSz="685800" rtl="0" eaLnBrk="1" latinLnBrk="0" hangingPunct="1">
+              <a:lnSpc>
+                <a:spcPct val="90000"/>
+              </a:lnSpc>
+              <a:spcBef>
+                <a:spcPts val="375"/>
+              </a:spcBef>
+              <a:buFont typeface="Arial" panose="020B0604020202020204" pitchFamily="34" charset="0"/>
+              <a:buChar char="•"/>
+              <a:defRPr sz="1350" kern="1200">
+                <a:solidFill>
+                  <a:schemeClr val="tx1"/>
+                </a:solidFill>
+                <a:latin typeface="+mn-lt"/>
+                <a:ea typeface="+mn-ea"/>
+                <a:cs typeface="+mn-cs"/>
+              </a:defRPr>
+            </a:lvl4pPr>
+            <a:lvl5pPr marL="1543050" indent="-171450" algn="l" defTabSz="685800" rtl="0" eaLnBrk="1" latinLnBrk="0" hangingPunct="1">
+              <a:lnSpc>
+                <a:spcPct val="90000"/>
+              </a:lnSpc>
+              <a:spcBef>
+                <a:spcPts val="375"/>
+              </a:spcBef>
+              <a:buFont typeface="Arial" panose="020B0604020202020204" pitchFamily="34" charset="0"/>
+              <a:buChar char="•"/>
+              <a:defRPr sz="1350" kern="1200">
+                <a:solidFill>
+                  <a:schemeClr val="tx1"/>
+                </a:solidFill>
+                <a:latin typeface="+mn-lt"/>
+                <a:ea typeface="+mn-ea"/>
+                <a:cs typeface="+mn-cs"/>
+              </a:defRPr>
+            </a:lvl5pPr>
+            <a:lvl6pPr marL="1885950" indent="-171450" algn="l" defTabSz="685800" rtl="0" eaLnBrk="1" latinLnBrk="0" hangingPunct="1">
+              <a:lnSpc>
+                <a:spcPct val="90000"/>
+              </a:lnSpc>
+              <a:spcBef>
+                <a:spcPts val="375"/>
+              </a:spcBef>
+              <a:buFont typeface="Arial" panose="020B0604020202020204" pitchFamily="34" charset="0"/>
+              <a:buChar char="•"/>
+              <a:defRPr sz="1350" kern="1200">
+                <a:solidFill>
+                  <a:schemeClr val="tx1"/>
+                </a:solidFill>
+                <a:latin typeface="+mn-lt"/>
+                <a:ea typeface="+mn-ea"/>
+                <a:cs typeface="+mn-cs"/>
+              </a:defRPr>
+            </a:lvl6pPr>
+            <a:lvl7pPr marL="2228850" indent="-171450" algn="l" defTabSz="685800" rtl="0" eaLnBrk="1" latinLnBrk="0" hangingPunct="1">
+              <a:lnSpc>
+                <a:spcPct val="90000"/>
+              </a:lnSpc>
+              <a:spcBef>
+                <a:spcPts val="375"/>
+              </a:spcBef>
+              <a:buFont typeface="Arial" panose="020B0604020202020204" pitchFamily="34" charset="0"/>
+              <a:buChar char="•"/>
+              <a:defRPr sz="1350" kern="1200">
+                <a:solidFill>
+                  <a:schemeClr val="tx1"/>
+                </a:solidFill>
+                <a:latin typeface="+mn-lt"/>
+                <a:ea typeface="+mn-ea"/>
+                <a:cs typeface="+mn-cs"/>
+              </a:defRPr>
+            </a:lvl7pPr>
+            <a:lvl8pPr marL="2571750" indent="-171450" algn="l" defTabSz="685800" rtl="0" eaLnBrk="1" latinLnBrk="0" hangingPunct="1">
+              <a:lnSpc>
+                <a:spcPct val="90000"/>
+              </a:lnSpc>
+              <a:spcBef>
+                <a:spcPts val="375"/>
+              </a:spcBef>
+              <a:buFont typeface="Arial" panose="020B0604020202020204" pitchFamily="34" charset="0"/>
+              <a:buChar char="•"/>
+              <a:defRPr sz="1350" kern="1200">
+                <a:solidFill>
+                  <a:schemeClr val="tx1"/>
+                </a:solidFill>
+                <a:latin typeface="+mn-lt"/>
+                <a:ea typeface="+mn-ea"/>
+                <a:cs typeface="+mn-cs"/>
+              </a:defRPr>
+            </a:lvl8pPr>
+            <a:lvl9pPr marL="2914650" indent="-171450" algn="l" defTabSz="685800" rtl="0" eaLnBrk="1" latinLnBrk="0" hangingPunct="1">
+              <a:lnSpc>
+                <a:spcPct val="90000"/>
+              </a:lnSpc>
+              <a:spcBef>
+                <a:spcPts val="375"/>
+              </a:spcBef>
+              <a:buFont typeface="Arial" panose="020B0604020202020204" pitchFamily="34" charset="0"/>
+              <a:buChar char="•"/>
+              <a:defRPr sz="1350" kern="1200">
+                <a:solidFill>
+                  <a:schemeClr val="tx1"/>
+                </a:solidFill>
+                <a:latin typeface="+mn-lt"/>
+                <a:ea typeface="+mn-ea"/>
+                <a:cs typeface="+mn-cs"/>
+              </a:defRPr>
+            </a:lvl9pPr>
+          </a:lstStyle>
+          <a:p>
+            <a:pPr lvl="1">
+              <a:lnSpc>
+                <a:spcPct val="250000"/>
+              </a:lnSpc>
+              <a:buFont typeface="Wingdings" panose="05000000000000000000" pitchFamily="2" charset="2"/>
+              <a:buChar char="§"/>
+            </a:pPr>
+            <a:r>
+              <a:rPr lang="fr-FR" sz="2000" dirty="0">
+                <a:solidFill>
+                  <a:srgbClr val="004492"/>
+                </a:solidFill>
+                <a:latin typeface="Calibri (Corps)"/>
+              </a:rPr>
+              <a:t>Développer un outil d’analyse en C#</a:t>
+            </a:r>
+          </a:p>
+          <a:p>
+            <a:pPr lvl="1">
+              <a:lnSpc>
+                <a:spcPct val="250000"/>
+              </a:lnSpc>
+              <a:buFont typeface="Wingdings" panose="05000000000000000000" pitchFamily="2" charset="2"/>
+              <a:buChar char="§"/>
+            </a:pPr>
+            <a:r>
+              <a:rPr lang="fr-FR" sz="2000" dirty="0">
+                <a:solidFill>
+                  <a:srgbClr val="004492"/>
+                </a:solidFill>
+                <a:latin typeface="Calibri (Corps)"/>
+              </a:rPr>
+              <a:t>Faire remonter les lignes potentiellement problématiques</a:t>
+            </a:r>
+          </a:p>
+          <a:p>
+            <a:pPr lvl="1">
+              <a:lnSpc>
+                <a:spcPct val="250000"/>
+              </a:lnSpc>
+              <a:buFont typeface="Wingdings" panose="05000000000000000000" pitchFamily="2" charset="2"/>
+              <a:buChar char="§"/>
+            </a:pPr>
+            <a:r>
+              <a:rPr lang="fr-FR" sz="2000" dirty="0">
+                <a:solidFill>
+                  <a:srgbClr val="004492"/>
+                </a:solidFill>
+                <a:latin typeface="Calibri (Corps)"/>
+              </a:rPr>
+              <a:t>Intégrer l’outil d’analyse dans un outil plus global</a:t>
+            </a:r>
+          </a:p>
+          <a:p>
+            <a:pPr lvl="1">
+              <a:lnSpc>
+                <a:spcPct val="250000"/>
+              </a:lnSpc>
+              <a:buFont typeface="Wingdings" panose="05000000000000000000" pitchFamily="2" charset="2"/>
+              <a:buChar char="§"/>
+            </a:pPr>
+            <a:endParaRPr lang="fr-FR" sz="2000" b="1" dirty="0">
+              <a:solidFill>
+                <a:srgbClr val="004492"/>
+              </a:solidFill>
+              <a:latin typeface="Calibri (Corps)"/>
+            </a:endParaRPr>
+          </a:p>
+          <a:p>
+            <a:pPr lvl="1">
+              <a:lnSpc>
+                <a:spcPct val="250000"/>
+              </a:lnSpc>
+            </a:pPr>
+            <a:endParaRPr lang="fr-FR" sz="2000" dirty="0">
+              <a:solidFill>
+                <a:srgbClr val="004492"/>
+              </a:solidFill>
+              <a:latin typeface="Calibri (Corps)"/>
+            </a:endParaRPr>
+          </a:p>
+        </p:txBody>
+      </p:sp>
+      <p:sp>
+        <p:nvSpPr>
+          <p:cNvPr id="9" name="Espace réservé du contenu 30"/>
+          <p:cNvSpPr txBox="1">
+            <a:spLocks/>
+          </p:cNvSpPr>
+          <p:nvPr/>
+        </p:nvSpPr>
+        <p:spPr>
+          <a:xfrm>
+            <a:off x="917188" y="2302587"/>
+            <a:ext cx="7886700" cy="1053962"/>
+          </a:xfrm>
+          <a:prstGeom prst="rect">
+            <a:avLst/>
+          </a:prstGeom>
+        </p:spPr>
+        <p:txBody>
+          <a:bodyPr vert="horz" lIns="91440" tIns="45720" rIns="91440" bIns="45720" rtlCol="0">
+            <a:normAutofit/>
+          </a:bodyPr>
+          <a:lstStyle>
+            <a:lvl1pPr marL="171450" indent="-171450" algn="l" defTabSz="685800" rtl="0" eaLnBrk="1" latinLnBrk="0" hangingPunct="1">
+              <a:lnSpc>
+                <a:spcPct val="90000"/>
+              </a:lnSpc>
+              <a:spcBef>
+                <a:spcPts val="750"/>
+              </a:spcBef>
+              <a:buFont typeface="Arial" panose="020B0604020202020204" pitchFamily="34" charset="0"/>
+              <a:buChar char="•"/>
+              <a:defRPr sz="2100" kern="1200">
+                <a:solidFill>
+                  <a:schemeClr val="tx1"/>
+                </a:solidFill>
+                <a:latin typeface="+mn-lt"/>
+                <a:ea typeface="+mn-ea"/>
+                <a:cs typeface="+mn-cs"/>
+              </a:defRPr>
+            </a:lvl1pPr>
+            <a:lvl2pPr marL="514350" indent="-171450" algn="l" defTabSz="685800" rtl="0" eaLnBrk="1" latinLnBrk="0" hangingPunct="1">
+              <a:lnSpc>
+                <a:spcPct val="90000"/>
+              </a:lnSpc>
+              <a:spcBef>
+                <a:spcPts val="375"/>
+              </a:spcBef>
+              <a:buFont typeface="Arial" panose="020B0604020202020204" pitchFamily="34" charset="0"/>
+              <a:buChar char="•"/>
+              <a:defRPr sz="1800" kern="1200">
+                <a:solidFill>
+                  <a:schemeClr val="tx1"/>
+                </a:solidFill>
+                <a:latin typeface="+mn-lt"/>
+                <a:ea typeface="+mn-ea"/>
+                <a:cs typeface="+mn-cs"/>
+              </a:defRPr>
+            </a:lvl2pPr>
+            <a:lvl3pPr marL="857250" indent="-171450" algn="l" defTabSz="685800" rtl="0" eaLnBrk="1" latinLnBrk="0" hangingPunct="1">
+              <a:lnSpc>
+                <a:spcPct val="90000"/>
+              </a:lnSpc>
+              <a:spcBef>
+                <a:spcPts val="375"/>
+              </a:spcBef>
+              <a:buFont typeface="Arial" panose="020B0604020202020204" pitchFamily="34" charset="0"/>
+              <a:buChar char="•"/>
+              <a:defRPr sz="1500" kern="1200">
+                <a:solidFill>
+                  <a:schemeClr val="tx1"/>
+                </a:solidFill>
+                <a:latin typeface="+mn-lt"/>
+                <a:ea typeface="+mn-ea"/>
+                <a:cs typeface="+mn-cs"/>
+              </a:defRPr>
+            </a:lvl3pPr>
+            <a:lvl4pPr marL="1200150" indent="-171450" algn="l" defTabSz="685800" rtl="0" eaLnBrk="1" latinLnBrk="0" hangingPunct="1">
+              <a:lnSpc>
+                <a:spcPct val="90000"/>
+              </a:lnSpc>
+              <a:spcBef>
+                <a:spcPts val="375"/>
+              </a:spcBef>
+              <a:buFont typeface="Arial" panose="020B0604020202020204" pitchFamily="34" charset="0"/>
+              <a:buChar char="•"/>
+              <a:defRPr sz="1350" kern="1200">
+                <a:solidFill>
+                  <a:schemeClr val="tx1"/>
+                </a:solidFill>
+                <a:latin typeface="+mn-lt"/>
+                <a:ea typeface="+mn-ea"/>
+                <a:cs typeface="+mn-cs"/>
+              </a:defRPr>
+            </a:lvl4pPr>
+            <a:lvl5pPr marL="1543050" indent="-171450" algn="l" defTabSz="685800" rtl="0" eaLnBrk="1" latinLnBrk="0" hangingPunct="1">
+              <a:lnSpc>
+                <a:spcPct val="90000"/>
+              </a:lnSpc>
+              <a:spcBef>
+                <a:spcPts val="375"/>
+              </a:spcBef>
+              <a:buFont typeface="Arial" panose="020B0604020202020204" pitchFamily="34" charset="0"/>
+              <a:buChar char="•"/>
+              <a:defRPr sz="1350" kern="1200">
+                <a:solidFill>
+                  <a:schemeClr val="tx1"/>
+                </a:solidFill>
+                <a:latin typeface="+mn-lt"/>
+                <a:ea typeface="+mn-ea"/>
+                <a:cs typeface="+mn-cs"/>
+              </a:defRPr>
+            </a:lvl5pPr>
+            <a:lvl6pPr marL="1885950" indent="-171450" algn="l" defTabSz="685800" rtl="0" eaLnBrk="1" latinLnBrk="0" hangingPunct="1">
+              <a:lnSpc>
+                <a:spcPct val="90000"/>
+              </a:lnSpc>
+              <a:spcBef>
+                <a:spcPts val="375"/>
+              </a:spcBef>
+              <a:buFont typeface="Arial" panose="020B0604020202020204" pitchFamily="34" charset="0"/>
+              <a:buChar char="•"/>
+              <a:defRPr sz="1350" kern="1200">
+                <a:solidFill>
+                  <a:schemeClr val="tx1"/>
+                </a:solidFill>
+                <a:latin typeface="+mn-lt"/>
+                <a:ea typeface="+mn-ea"/>
+                <a:cs typeface="+mn-cs"/>
+              </a:defRPr>
+            </a:lvl6pPr>
+            <a:lvl7pPr marL="2228850" indent="-171450" algn="l" defTabSz="685800" rtl="0" eaLnBrk="1" latinLnBrk="0" hangingPunct="1">
+              <a:lnSpc>
+                <a:spcPct val="90000"/>
+              </a:lnSpc>
+              <a:spcBef>
+                <a:spcPts val="375"/>
+              </a:spcBef>
+              <a:buFont typeface="Arial" panose="020B0604020202020204" pitchFamily="34" charset="0"/>
+              <a:buChar char="•"/>
+              <a:defRPr sz="1350" kern="1200">
+                <a:solidFill>
+                  <a:schemeClr val="tx1"/>
+                </a:solidFill>
+                <a:latin typeface="+mn-lt"/>
+                <a:ea typeface="+mn-ea"/>
+                <a:cs typeface="+mn-cs"/>
+              </a:defRPr>
+            </a:lvl7pPr>
+            <a:lvl8pPr marL="2571750" indent="-171450" algn="l" defTabSz="685800" rtl="0" eaLnBrk="1" latinLnBrk="0" hangingPunct="1">
+              <a:lnSpc>
+                <a:spcPct val="90000"/>
+              </a:lnSpc>
+              <a:spcBef>
+                <a:spcPts val="375"/>
+              </a:spcBef>
+              <a:buFont typeface="Arial" panose="020B0604020202020204" pitchFamily="34" charset="0"/>
+              <a:buChar char="•"/>
+              <a:defRPr sz="1350" kern="1200">
+                <a:solidFill>
+                  <a:schemeClr val="tx1"/>
+                </a:solidFill>
+                <a:latin typeface="+mn-lt"/>
+                <a:ea typeface="+mn-ea"/>
+                <a:cs typeface="+mn-cs"/>
+              </a:defRPr>
+            </a:lvl8pPr>
+            <a:lvl9pPr marL="2914650" indent="-171450" algn="l" defTabSz="685800" rtl="0" eaLnBrk="1" latinLnBrk="0" hangingPunct="1">
+              <a:lnSpc>
+                <a:spcPct val="90000"/>
+              </a:lnSpc>
+              <a:spcBef>
+                <a:spcPts val="375"/>
+              </a:spcBef>
+              <a:buFont typeface="Arial" panose="020B0604020202020204" pitchFamily="34" charset="0"/>
+              <a:buChar char="•"/>
+              <a:defRPr sz="1350" kern="1200">
+                <a:solidFill>
+                  <a:schemeClr val="tx1"/>
+                </a:solidFill>
+                <a:latin typeface="+mn-lt"/>
+                <a:ea typeface="+mn-ea"/>
+                <a:cs typeface="+mn-cs"/>
+              </a:defRPr>
+            </a:lvl9pPr>
+          </a:lstStyle>
+          <a:p>
+            <a:pPr>
+              <a:lnSpc>
+                <a:spcPct val="150000"/>
+              </a:lnSpc>
+            </a:pPr>
+            <a:r>
+              <a:rPr lang="fr-FR" sz="2200" dirty="0">
+                <a:solidFill>
+                  <a:srgbClr val="004492"/>
+                </a:solidFill>
+                <a:latin typeface="Calibri (Corps)"/>
+              </a:rPr>
+              <a:t>Solution retenue : </a:t>
+            </a:r>
+          </a:p>
+        </p:txBody>
+      </p:sp>
+    </p:spTree>
+    <p:extLst>
+      <p:ext uri="{BB962C8B-B14F-4D97-AF65-F5344CB8AC3E}">
+        <p14:creationId xmlns:p14="http://schemas.microsoft.com/office/powerpoint/2010/main" val="3465901339"/>
+      </p:ext>
+    </p:extLst>
+  </p:cSld>
+  <p:clrMapOvr>
+    <a:masterClrMapping/>
+  </p:clrMapOvr>
+</p:sld>
+</file>
+
+<file path=ppt/slides/slide28.xml><?xml version="1.0" encoding="utf-8"?>
+<p:sld xmlns:a="http://schemas.openxmlformats.org/drawingml/2006/main" xmlns:r="http://schemas.openxmlformats.org/officeDocument/2006/relationships" xmlns:p="http://schemas.openxmlformats.org/presentationml/2006/main">
+  <p:cSld>
+    <p:spTree>
+      <p:nvGrpSpPr>
+        <p:cNvPr id="1" name=""/>
+        <p:cNvGrpSpPr/>
+        <p:nvPr/>
+      </p:nvGrpSpPr>
+      <p:grpSpPr>
+        <a:xfrm>
+          <a:off x="0" y="0"/>
+          <a:ext cx="0" cy="0"/>
+          <a:chOff x="0" y="0"/>
+          <a:chExt cx="0" cy="0"/>
+        </a:xfrm>
+      </p:grpSpPr>
+      <p:sp>
+        <p:nvSpPr>
+          <p:cNvPr id="2" name="Titre 1"/>
+          <p:cNvSpPr>
+            <a:spLocks noGrp="1"/>
+          </p:cNvSpPr>
+          <p:nvPr>
+            <p:ph type="title"/>
+          </p:nvPr>
+        </p:nvSpPr>
+        <p:spPr>
+          <a:xfrm>
+            <a:off x="245917" y="0"/>
+            <a:ext cx="6347713" cy="1320800"/>
+          </a:xfrm>
+        </p:spPr>
+        <p:txBody>
+          <a:bodyPr>
+            <a:normAutofit/>
+          </a:bodyPr>
+          <a:lstStyle/>
+          <a:p>
+            <a:r>
+              <a:rPr lang="fr-FR" sz="3500" dirty="0">
+                <a:solidFill>
+                  <a:schemeClr val="bg1"/>
+                </a:solidFill>
+                <a:latin typeface="Eurostile-Roman" pitchFamily="2" charset="0"/>
+              </a:rPr>
+              <a:t>Développement </a:t>
+            </a:r>
+            <a:br>
+              <a:rPr lang="fr-FR" sz="3500" dirty="0">
+                <a:solidFill>
+                  <a:schemeClr val="bg1"/>
+                </a:solidFill>
+                <a:latin typeface="Eurostile-Roman" pitchFamily="2" charset="0"/>
+              </a:rPr>
+            </a:br>
+            <a:r>
+              <a:rPr lang="fr-FR" sz="3500" dirty="0">
+                <a:solidFill>
+                  <a:schemeClr val="bg1"/>
+                </a:solidFill>
+                <a:latin typeface="Eurostile-Roman" pitchFamily="2" charset="0"/>
+              </a:rPr>
+              <a:t>de la solution</a:t>
+            </a:r>
+          </a:p>
+        </p:txBody>
+      </p:sp>
+      <p:sp>
+        <p:nvSpPr>
+          <p:cNvPr id="11" name="Espace réservé du numéro de diapositive 1"/>
+          <p:cNvSpPr>
+            <a:spLocks noGrp="1"/>
+          </p:cNvSpPr>
+          <p:nvPr>
+            <p:ph type="sldNum" sz="quarter" idx="12"/>
+          </p:nvPr>
+        </p:nvSpPr>
+        <p:spPr>
+          <a:xfrm>
+            <a:off x="6603423" y="6255991"/>
+            <a:ext cx="2057400" cy="365125"/>
+          </a:xfrm>
+        </p:spPr>
+        <p:txBody>
+          <a:bodyPr/>
+          <a:lstStyle/>
+          <a:p>
+            <a:r>
+              <a:rPr lang="fr-FR" sz="1800" dirty="0">
+                <a:latin typeface="Eurostile-Roman" pitchFamily="2" charset="0"/>
+              </a:rPr>
+              <a:t>Diapositive </a:t>
+            </a:r>
+            <a:fld id="{0A0AF257-D28F-495E-9E53-3BED59B8AA35}" type="slidenum">
+              <a:rPr lang="fr-FR" sz="1800" smtClean="0">
+                <a:latin typeface="Eurostile-Roman" pitchFamily="2" charset="0"/>
+              </a:rPr>
+              <a:t>28</a:t>
+            </a:fld>
+            <a:endParaRPr lang="fr-FR" sz="1800" dirty="0">
+              <a:latin typeface="Eurostile-Roman" pitchFamily="2" charset="0"/>
+            </a:endParaRPr>
+          </a:p>
+        </p:txBody>
+      </p:sp>
+      <p:sp>
+        <p:nvSpPr>
+          <p:cNvPr id="7" name="Espace réservé du contenu 30"/>
+          <p:cNvSpPr txBox="1">
+            <a:spLocks/>
+          </p:cNvSpPr>
+          <p:nvPr/>
+        </p:nvSpPr>
+        <p:spPr>
+          <a:xfrm>
+            <a:off x="1084118" y="2852755"/>
+            <a:ext cx="8059882" cy="2789761"/>
+          </a:xfrm>
+          <a:prstGeom prst="rect">
+            <a:avLst/>
+          </a:prstGeom>
+        </p:spPr>
+        <p:txBody>
+          <a:bodyPr vert="horz" lIns="91440" tIns="45720" rIns="91440" bIns="45720" rtlCol="0">
+            <a:normAutofit/>
+          </a:bodyPr>
+          <a:lstStyle>
+            <a:lvl1pPr marL="171450" indent="-171450" algn="l" defTabSz="685800" rtl="0" eaLnBrk="1" latinLnBrk="0" hangingPunct="1">
+              <a:lnSpc>
+                <a:spcPct val="90000"/>
+              </a:lnSpc>
+              <a:spcBef>
+                <a:spcPts val="750"/>
+              </a:spcBef>
+              <a:buFont typeface="Arial" panose="020B0604020202020204" pitchFamily="34" charset="0"/>
+              <a:buChar char="•"/>
+              <a:defRPr sz="2100" kern="1200">
+                <a:solidFill>
+                  <a:schemeClr val="tx1"/>
+                </a:solidFill>
+                <a:latin typeface="+mn-lt"/>
+                <a:ea typeface="+mn-ea"/>
+                <a:cs typeface="+mn-cs"/>
+              </a:defRPr>
+            </a:lvl1pPr>
+            <a:lvl2pPr marL="514350" indent="-171450" algn="l" defTabSz="685800" rtl="0" eaLnBrk="1" latinLnBrk="0" hangingPunct="1">
+              <a:lnSpc>
+                <a:spcPct val="90000"/>
+              </a:lnSpc>
+              <a:spcBef>
+                <a:spcPts val="375"/>
+              </a:spcBef>
+              <a:buFont typeface="Arial" panose="020B0604020202020204" pitchFamily="34" charset="0"/>
+              <a:buChar char="•"/>
+              <a:defRPr sz="1800" kern="1200">
+                <a:solidFill>
+                  <a:schemeClr val="tx1"/>
+                </a:solidFill>
+                <a:latin typeface="+mn-lt"/>
+                <a:ea typeface="+mn-ea"/>
+                <a:cs typeface="+mn-cs"/>
+              </a:defRPr>
+            </a:lvl2pPr>
+            <a:lvl3pPr marL="857250" indent="-171450" algn="l" defTabSz="685800" rtl="0" eaLnBrk="1" latinLnBrk="0" hangingPunct="1">
+              <a:lnSpc>
+                <a:spcPct val="90000"/>
+              </a:lnSpc>
+              <a:spcBef>
+                <a:spcPts val="375"/>
+              </a:spcBef>
+              <a:buFont typeface="Arial" panose="020B0604020202020204" pitchFamily="34" charset="0"/>
+              <a:buChar char="•"/>
+              <a:defRPr sz="1500" kern="1200">
+                <a:solidFill>
+                  <a:schemeClr val="tx1"/>
+                </a:solidFill>
+                <a:latin typeface="+mn-lt"/>
+                <a:ea typeface="+mn-ea"/>
+                <a:cs typeface="+mn-cs"/>
+              </a:defRPr>
+            </a:lvl3pPr>
+            <a:lvl4pPr marL="1200150" indent="-171450" algn="l" defTabSz="685800" rtl="0" eaLnBrk="1" latinLnBrk="0" hangingPunct="1">
+              <a:lnSpc>
+                <a:spcPct val="90000"/>
+              </a:lnSpc>
+              <a:spcBef>
+                <a:spcPts val="375"/>
+              </a:spcBef>
+              <a:buFont typeface="Arial" panose="020B0604020202020204" pitchFamily="34" charset="0"/>
+              <a:buChar char="•"/>
+              <a:defRPr sz="1350" kern="1200">
+                <a:solidFill>
+                  <a:schemeClr val="tx1"/>
+                </a:solidFill>
+                <a:latin typeface="+mn-lt"/>
+                <a:ea typeface="+mn-ea"/>
+                <a:cs typeface="+mn-cs"/>
+              </a:defRPr>
+            </a:lvl4pPr>
+            <a:lvl5pPr marL="1543050" indent="-171450" algn="l" defTabSz="685800" rtl="0" eaLnBrk="1" latinLnBrk="0" hangingPunct="1">
+              <a:lnSpc>
+                <a:spcPct val="90000"/>
+              </a:lnSpc>
+              <a:spcBef>
+                <a:spcPts val="375"/>
+              </a:spcBef>
+              <a:buFont typeface="Arial" panose="020B0604020202020204" pitchFamily="34" charset="0"/>
+              <a:buChar char="•"/>
+              <a:defRPr sz="1350" kern="1200">
+                <a:solidFill>
+                  <a:schemeClr val="tx1"/>
+                </a:solidFill>
+                <a:latin typeface="+mn-lt"/>
+                <a:ea typeface="+mn-ea"/>
+                <a:cs typeface="+mn-cs"/>
+              </a:defRPr>
+            </a:lvl5pPr>
+            <a:lvl6pPr marL="1885950" indent="-171450" algn="l" defTabSz="685800" rtl="0" eaLnBrk="1" latinLnBrk="0" hangingPunct="1">
+              <a:lnSpc>
+                <a:spcPct val="90000"/>
+              </a:lnSpc>
+              <a:spcBef>
+                <a:spcPts val="375"/>
+              </a:spcBef>
+              <a:buFont typeface="Arial" panose="020B0604020202020204" pitchFamily="34" charset="0"/>
+              <a:buChar char="•"/>
+              <a:defRPr sz="1350" kern="1200">
+                <a:solidFill>
+                  <a:schemeClr val="tx1"/>
+                </a:solidFill>
+                <a:latin typeface="+mn-lt"/>
+                <a:ea typeface="+mn-ea"/>
+                <a:cs typeface="+mn-cs"/>
+              </a:defRPr>
+            </a:lvl6pPr>
+            <a:lvl7pPr marL="2228850" indent="-171450" algn="l" defTabSz="685800" rtl="0" eaLnBrk="1" latinLnBrk="0" hangingPunct="1">
+              <a:lnSpc>
+                <a:spcPct val="90000"/>
+              </a:lnSpc>
+              <a:spcBef>
+                <a:spcPts val="375"/>
+              </a:spcBef>
+              <a:buFont typeface="Arial" panose="020B0604020202020204" pitchFamily="34" charset="0"/>
+              <a:buChar char="•"/>
+              <a:defRPr sz="1350" kern="1200">
+                <a:solidFill>
+                  <a:schemeClr val="tx1"/>
+                </a:solidFill>
+                <a:latin typeface="+mn-lt"/>
+                <a:ea typeface="+mn-ea"/>
+                <a:cs typeface="+mn-cs"/>
+              </a:defRPr>
+            </a:lvl7pPr>
+            <a:lvl8pPr marL="2571750" indent="-171450" algn="l" defTabSz="685800" rtl="0" eaLnBrk="1" latinLnBrk="0" hangingPunct="1">
+              <a:lnSpc>
+                <a:spcPct val="90000"/>
+              </a:lnSpc>
+              <a:spcBef>
+                <a:spcPts val="375"/>
+              </a:spcBef>
+              <a:buFont typeface="Arial" panose="020B0604020202020204" pitchFamily="34" charset="0"/>
+              <a:buChar char="•"/>
+              <a:defRPr sz="1350" kern="1200">
+                <a:solidFill>
+                  <a:schemeClr val="tx1"/>
+                </a:solidFill>
+                <a:latin typeface="+mn-lt"/>
+                <a:ea typeface="+mn-ea"/>
+                <a:cs typeface="+mn-cs"/>
+              </a:defRPr>
+            </a:lvl8pPr>
+            <a:lvl9pPr marL="2914650" indent="-171450" algn="l" defTabSz="685800" rtl="0" eaLnBrk="1" latinLnBrk="0" hangingPunct="1">
+              <a:lnSpc>
+                <a:spcPct val="90000"/>
+              </a:lnSpc>
+              <a:spcBef>
+                <a:spcPts val="375"/>
+              </a:spcBef>
+              <a:buFont typeface="Arial" panose="020B0604020202020204" pitchFamily="34" charset="0"/>
+              <a:buChar char="•"/>
+              <a:defRPr sz="1350" kern="1200">
+                <a:solidFill>
+                  <a:schemeClr val="tx1"/>
+                </a:solidFill>
+                <a:latin typeface="+mn-lt"/>
+                <a:ea typeface="+mn-ea"/>
+                <a:cs typeface="+mn-cs"/>
+              </a:defRPr>
+            </a:lvl9pPr>
+          </a:lstStyle>
+          <a:p>
+            <a:pPr lvl="1">
+              <a:lnSpc>
+                <a:spcPct val="250000"/>
+              </a:lnSpc>
+              <a:buFont typeface="Wingdings" panose="05000000000000000000" pitchFamily="2" charset="2"/>
+              <a:buChar char="§"/>
+            </a:pPr>
+            <a:r>
+              <a:rPr lang="fr-FR" sz="2000" dirty="0">
+                <a:solidFill>
+                  <a:srgbClr val="004492"/>
+                </a:solidFill>
+                <a:latin typeface="Calibri (Corps)"/>
+              </a:rPr>
+              <a:t>Outil d’analyse : basé sur un ensemble d’identifiants renumérotés</a:t>
+            </a:r>
+          </a:p>
+          <a:p>
+            <a:pPr lvl="1">
+              <a:lnSpc>
+                <a:spcPct val="250000"/>
+              </a:lnSpc>
+              <a:buFont typeface="Wingdings" panose="05000000000000000000" pitchFamily="2" charset="2"/>
+              <a:buChar char="§"/>
+            </a:pPr>
+            <a:r>
+              <a:rPr lang="fr-FR" sz="2000" dirty="0">
+                <a:solidFill>
+                  <a:srgbClr val="004492"/>
+                </a:solidFill>
+                <a:latin typeface="Calibri (Corps)"/>
+              </a:rPr>
+              <a:t>Analyse un fichier à partir de cet ensemble</a:t>
+            </a:r>
+          </a:p>
+          <a:p>
+            <a:pPr lvl="1">
+              <a:lnSpc>
+                <a:spcPct val="250000"/>
+              </a:lnSpc>
+              <a:buFont typeface="Wingdings" panose="05000000000000000000" pitchFamily="2" charset="2"/>
+              <a:buChar char="§"/>
+            </a:pPr>
+            <a:r>
+              <a:rPr lang="fr-FR" sz="2000" dirty="0">
+                <a:solidFill>
+                  <a:srgbClr val="004492"/>
+                </a:solidFill>
+                <a:latin typeface="Calibri (Corps)"/>
+              </a:rPr>
+              <a:t>Fourni un fichier de sortie analysé avec ligne + numéro ligne </a:t>
+            </a:r>
+          </a:p>
+          <a:p>
+            <a:pPr lvl="1">
+              <a:lnSpc>
+                <a:spcPct val="250000"/>
+              </a:lnSpc>
+              <a:buFont typeface="Wingdings" panose="05000000000000000000" pitchFamily="2" charset="2"/>
+              <a:buChar char="§"/>
+            </a:pPr>
+            <a:endParaRPr lang="fr-FR" sz="2000" b="1" dirty="0">
+              <a:solidFill>
+                <a:srgbClr val="004492"/>
+              </a:solidFill>
+              <a:latin typeface="Calibri (Corps)"/>
+            </a:endParaRPr>
+          </a:p>
+          <a:p>
+            <a:pPr lvl="1">
+              <a:lnSpc>
+                <a:spcPct val="250000"/>
+              </a:lnSpc>
+            </a:pPr>
+            <a:endParaRPr lang="fr-FR" sz="2000" dirty="0">
+              <a:solidFill>
+                <a:srgbClr val="004492"/>
+              </a:solidFill>
+              <a:latin typeface="Calibri (Corps)"/>
+            </a:endParaRPr>
+          </a:p>
+        </p:txBody>
+      </p:sp>
+      <p:sp>
+        <p:nvSpPr>
+          <p:cNvPr id="9" name="Espace réservé du contenu 30"/>
+          <p:cNvSpPr txBox="1">
+            <a:spLocks/>
+          </p:cNvSpPr>
+          <p:nvPr/>
+        </p:nvSpPr>
+        <p:spPr>
+          <a:xfrm>
+            <a:off x="917188" y="2302587"/>
+            <a:ext cx="7886700" cy="1053962"/>
+          </a:xfrm>
+          <a:prstGeom prst="rect">
+            <a:avLst/>
+          </a:prstGeom>
+        </p:spPr>
+        <p:txBody>
+          <a:bodyPr vert="horz" lIns="91440" tIns="45720" rIns="91440" bIns="45720" rtlCol="0">
+            <a:normAutofit/>
+          </a:bodyPr>
+          <a:lstStyle>
+            <a:lvl1pPr marL="171450" indent="-171450" algn="l" defTabSz="685800" rtl="0" eaLnBrk="1" latinLnBrk="0" hangingPunct="1">
+              <a:lnSpc>
+                <a:spcPct val="90000"/>
+              </a:lnSpc>
+              <a:spcBef>
+                <a:spcPts val="750"/>
+              </a:spcBef>
+              <a:buFont typeface="Arial" panose="020B0604020202020204" pitchFamily="34" charset="0"/>
+              <a:buChar char="•"/>
+              <a:defRPr sz="2100" kern="1200">
+                <a:solidFill>
+                  <a:schemeClr val="tx1"/>
+                </a:solidFill>
+                <a:latin typeface="+mn-lt"/>
+                <a:ea typeface="+mn-ea"/>
+                <a:cs typeface="+mn-cs"/>
+              </a:defRPr>
+            </a:lvl1pPr>
+            <a:lvl2pPr marL="514350" indent="-171450" algn="l" defTabSz="685800" rtl="0" eaLnBrk="1" latinLnBrk="0" hangingPunct="1">
+              <a:lnSpc>
+                <a:spcPct val="90000"/>
+              </a:lnSpc>
+              <a:spcBef>
+                <a:spcPts val="375"/>
+              </a:spcBef>
+              <a:buFont typeface="Arial" panose="020B0604020202020204" pitchFamily="34" charset="0"/>
+              <a:buChar char="•"/>
+              <a:defRPr sz="1800" kern="1200">
+                <a:solidFill>
+                  <a:schemeClr val="tx1"/>
+                </a:solidFill>
+                <a:latin typeface="+mn-lt"/>
+                <a:ea typeface="+mn-ea"/>
+                <a:cs typeface="+mn-cs"/>
+              </a:defRPr>
+            </a:lvl2pPr>
+            <a:lvl3pPr marL="857250" indent="-171450" algn="l" defTabSz="685800" rtl="0" eaLnBrk="1" latinLnBrk="0" hangingPunct="1">
+              <a:lnSpc>
+                <a:spcPct val="90000"/>
+              </a:lnSpc>
+              <a:spcBef>
+                <a:spcPts val="375"/>
+              </a:spcBef>
+              <a:buFont typeface="Arial" panose="020B0604020202020204" pitchFamily="34" charset="0"/>
+              <a:buChar char="•"/>
+              <a:defRPr sz="1500" kern="1200">
+                <a:solidFill>
+                  <a:schemeClr val="tx1"/>
+                </a:solidFill>
+                <a:latin typeface="+mn-lt"/>
+                <a:ea typeface="+mn-ea"/>
+                <a:cs typeface="+mn-cs"/>
+              </a:defRPr>
+            </a:lvl3pPr>
+            <a:lvl4pPr marL="1200150" indent="-171450" algn="l" defTabSz="685800" rtl="0" eaLnBrk="1" latinLnBrk="0" hangingPunct="1">
+              <a:lnSpc>
+                <a:spcPct val="90000"/>
+              </a:lnSpc>
+              <a:spcBef>
+                <a:spcPts val="375"/>
+              </a:spcBef>
+              <a:buFont typeface="Arial" panose="020B0604020202020204" pitchFamily="34" charset="0"/>
+              <a:buChar char="•"/>
+              <a:defRPr sz="1350" kern="1200">
+                <a:solidFill>
+                  <a:schemeClr val="tx1"/>
+                </a:solidFill>
+                <a:latin typeface="+mn-lt"/>
+                <a:ea typeface="+mn-ea"/>
+                <a:cs typeface="+mn-cs"/>
+              </a:defRPr>
+            </a:lvl4pPr>
+            <a:lvl5pPr marL="1543050" indent="-171450" algn="l" defTabSz="685800" rtl="0" eaLnBrk="1" latinLnBrk="0" hangingPunct="1">
+              <a:lnSpc>
+                <a:spcPct val="90000"/>
+              </a:lnSpc>
+              <a:spcBef>
+                <a:spcPts val="375"/>
+              </a:spcBef>
+              <a:buFont typeface="Arial" panose="020B0604020202020204" pitchFamily="34" charset="0"/>
+              <a:buChar char="•"/>
+              <a:defRPr sz="1350" kern="1200">
+                <a:solidFill>
+                  <a:schemeClr val="tx1"/>
+                </a:solidFill>
+                <a:latin typeface="+mn-lt"/>
+                <a:ea typeface="+mn-ea"/>
+                <a:cs typeface="+mn-cs"/>
+              </a:defRPr>
+            </a:lvl5pPr>
+            <a:lvl6pPr marL="1885950" indent="-171450" algn="l" defTabSz="685800" rtl="0" eaLnBrk="1" latinLnBrk="0" hangingPunct="1">
+              <a:lnSpc>
+                <a:spcPct val="90000"/>
+              </a:lnSpc>
+              <a:spcBef>
+                <a:spcPts val="375"/>
+              </a:spcBef>
+              <a:buFont typeface="Arial" panose="020B0604020202020204" pitchFamily="34" charset="0"/>
+              <a:buChar char="•"/>
+              <a:defRPr sz="1350" kern="1200">
+                <a:solidFill>
+                  <a:schemeClr val="tx1"/>
+                </a:solidFill>
+                <a:latin typeface="+mn-lt"/>
+                <a:ea typeface="+mn-ea"/>
+                <a:cs typeface="+mn-cs"/>
+              </a:defRPr>
+            </a:lvl6pPr>
+            <a:lvl7pPr marL="2228850" indent="-171450" algn="l" defTabSz="685800" rtl="0" eaLnBrk="1" latinLnBrk="0" hangingPunct="1">
+              <a:lnSpc>
+                <a:spcPct val="90000"/>
+              </a:lnSpc>
+              <a:spcBef>
+                <a:spcPts val="375"/>
+              </a:spcBef>
+              <a:buFont typeface="Arial" panose="020B0604020202020204" pitchFamily="34" charset="0"/>
+              <a:buChar char="•"/>
+              <a:defRPr sz="1350" kern="1200">
+                <a:solidFill>
+                  <a:schemeClr val="tx1"/>
+                </a:solidFill>
+                <a:latin typeface="+mn-lt"/>
+                <a:ea typeface="+mn-ea"/>
+                <a:cs typeface="+mn-cs"/>
+              </a:defRPr>
+            </a:lvl7pPr>
+            <a:lvl8pPr marL="2571750" indent="-171450" algn="l" defTabSz="685800" rtl="0" eaLnBrk="1" latinLnBrk="0" hangingPunct="1">
+              <a:lnSpc>
+                <a:spcPct val="90000"/>
+              </a:lnSpc>
+              <a:spcBef>
+                <a:spcPts val="375"/>
+              </a:spcBef>
+              <a:buFont typeface="Arial" panose="020B0604020202020204" pitchFamily="34" charset="0"/>
+              <a:buChar char="•"/>
+              <a:defRPr sz="1350" kern="1200">
+                <a:solidFill>
+                  <a:schemeClr val="tx1"/>
+                </a:solidFill>
+                <a:latin typeface="+mn-lt"/>
+                <a:ea typeface="+mn-ea"/>
+                <a:cs typeface="+mn-cs"/>
+              </a:defRPr>
+            </a:lvl8pPr>
+            <a:lvl9pPr marL="2914650" indent="-171450" algn="l" defTabSz="685800" rtl="0" eaLnBrk="1" latinLnBrk="0" hangingPunct="1">
+              <a:lnSpc>
+                <a:spcPct val="90000"/>
+              </a:lnSpc>
+              <a:spcBef>
+                <a:spcPts val="375"/>
+              </a:spcBef>
+              <a:buFont typeface="Arial" panose="020B0604020202020204" pitchFamily="34" charset="0"/>
+              <a:buChar char="•"/>
+              <a:defRPr sz="1350" kern="1200">
+                <a:solidFill>
+                  <a:schemeClr val="tx1"/>
+                </a:solidFill>
+                <a:latin typeface="+mn-lt"/>
+                <a:ea typeface="+mn-ea"/>
+                <a:cs typeface="+mn-cs"/>
+              </a:defRPr>
+            </a:lvl9pPr>
+          </a:lstStyle>
+          <a:p>
+            <a:pPr>
+              <a:lnSpc>
+                <a:spcPct val="150000"/>
+              </a:lnSpc>
+            </a:pPr>
+            <a:r>
+              <a:rPr lang="fr-FR" sz="2200" dirty="0">
+                <a:solidFill>
+                  <a:srgbClr val="004492"/>
+                </a:solidFill>
+                <a:latin typeface="Calibri (Corps)"/>
+              </a:rPr>
+              <a:t>Solution retenue : </a:t>
+            </a:r>
+          </a:p>
+        </p:txBody>
+      </p:sp>
+    </p:spTree>
+    <p:extLst>
+      <p:ext uri="{BB962C8B-B14F-4D97-AF65-F5344CB8AC3E}">
+        <p14:creationId xmlns:p14="http://schemas.microsoft.com/office/powerpoint/2010/main" val="1914319454"/>
+      </p:ext>
+    </p:extLst>
+  </p:cSld>
+  <p:clrMapOvr>
+    <a:masterClrMapping/>
+  </p:clrMapOvr>
+</p:sld>
+</file>
+
+<file path=ppt/slides/slide29.xml><?xml version="1.0" encoding="utf-8"?>
+<p:sld xmlns:a="http://schemas.openxmlformats.org/drawingml/2006/main" xmlns:r="http://schemas.openxmlformats.org/officeDocument/2006/relationships" xmlns:p="http://schemas.openxmlformats.org/presentationml/2006/main">
+  <p:cSld>
+    <p:spTree>
+      <p:nvGrpSpPr>
+        <p:cNvPr id="1" name=""/>
+        <p:cNvGrpSpPr/>
+        <p:nvPr/>
+      </p:nvGrpSpPr>
+      <p:grpSpPr>
+        <a:xfrm>
+          <a:off x="0" y="0"/>
+          <a:ext cx="0" cy="0"/>
+          <a:chOff x="0" y="0"/>
+          <a:chExt cx="0" cy="0"/>
+        </a:xfrm>
+      </p:grpSpPr>
+      <p:sp>
+        <p:nvSpPr>
+          <p:cNvPr id="2" name="Titre 1"/>
+          <p:cNvSpPr>
+            <a:spLocks noGrp="1"/>
+          </p:cNvSpPr>
+          <p:nvPr>
+            <p:ph type="title"/>
+          </p:nvPr>
+        </p:nvSpPr>
+        <p:spPr>
+          <a:xfrm>
+            <a:off x="245917" y="0"/>
+            <a:ext cx="6347713" cy="1320800"/>
+          </a:xfrm>
+        </p:spPr>
+        <p:txBody>
+          <a:bodyPr>
+            <a:normAutofit/>
+          </a:bodyPr>
+          <a:lstStyle/>
+          <a:p>
+            <a:r>
+              <a:rPr lang="fr-FR" sz="3500" dirty="0">
+                <a:solidFill>
+                  <a:schemeClr val="bg1"/>
+                </a:solidFill>
                 <a:latin typeface="Eurostile" panose="020B0504020202050204" pitchFamily="34" charset="0"/>
               </a:rPr>
               <a:t>Développement </a:t>
@@ -10409,7 +13705,7 @@
           <a:p>
             <a:fld id="{0A0AF257-D28F-495E-9E53-3BED59B8AA35}" type="slidenum">
               <a:rPr lang="fr-FR" smtClean="0"/>
-              <a:t>23</a:t>
+              <a:t>29</a:t>
             </a:fld>
             <a:endParaRPr lang="fr-FR"/>
           </a:p>
@@ -10428,7 +13724,436 @@
 </p:sld>
 </file>
 
-<file path=ppt/slides/slide24.xml><?xml version="1.0" encoding="utf-8"?>
+<file path=ppt/slides/slide3.xml><?xml version="1.0" encoding="utf-8"?>
+<p:sld xmlns:a="http://schemas.openxmlformats.org/drawingml/2006/main" xmlns:r="http://schemas.openxmlformats.org/officeDocument/2006/relationships" xmlns:p="http://schemas.openxmlformats.org/presentationml/2006/main">
+  <p:cSld>
+    <p:spTree>
+      <p:nvGrpSpPr>
+        <p:cNvPr id="1" name=""/>
+        <p:cNvGrpSpPr/>
+        <p:nvPr/>
+      </p:nvGrpSpPr>
+      <p:grpSpPr>
+        <a:xfrm>
+          <a:off x="0" y="0"/>
+          <a:ext cx="0" cy="0"/>
+          <a:chOff x="0" y="0"/>
+          <a:chExt cx="0" cy="0"/>
+        </a:xfrm>
+      </p:grpSpPr>
+      <p:sp>
+        <p:nvSpPr>
+          <p:cNvPr id="5" name="Espace réservé du contenu 2"/>
+          <p:cNvSpPr txBox="1">
+            <a:spLocks/>
+          </p:cNvSpPr>
+          <p:nvPr/>
+        </p:nvSpPr>
+        <p:spPr>
+          <a:xfrm>
+            <a:off x="1117024" y="2194934"/>
+            <a:ext cx="7886700" cy="4351338"/>
+          </a:xfrm>
+          <a:prstGeom prst="rect">
+            <a:avLst/>
+          </a:prstGeom>
+        </p:spPr>
+        <p:txBody>
+          <a:bodyPr vert="horz" lIns="91440" tIns="45720" rIns="91440" bIns="45720" rtlCol="0">
+            <a:noAutofit/>
+          </a:bodyPr>
+          <a:lstStyle>
+            <a:lvl1pPr marL="171450" indent="-171450" algn="l" defTabSz="685800" rtl="0" eaLnBrk="1" latinLnBrk="0" hangingPunct="1">
+              <a:lnSpc>
+                <a:spcPct val="90000"/>
+              </a:lnSpc>
+              <a:spcBef>
+                <a:spcPts val="750"/>
+              </a:spcBef>
+              <a:buFont typeface="Arial" panose="020B0604020202020204" pitchFamily="34" charset="0"/>
+              <a:buChar char="•"/>
+              <a:defRPr sz="2100" kern="1200">
+                <a:solidFill>
+                  <a:schemeClr val="tx1"/>
+                </a:solidFill>
+                <a:latin typeface="+mn-lt"/>
+                <a:ea typeface="+mn-ea"/>
+                <a:cs typeface="+mn-cs"/>
+              </a:defRPr>
+            </a:lvl1pPr>
+            <a:lvl2pPr marL="514350" indent="-171450" algn="l" defTabSz="685800" rtl="0" eaLnBrk="1" latinLnBrk="0" hangingPunct="1">
+              <a:lnSpc>
+                <a:spcPct val="90000"/>
+              </a:lnSpc>
+              <a:spcBef>
+                <a:spcPts val="375"/>
+              </a:spcBef>
+              <a:buFont typeface="Arial" panose="020B0604020202020204" pitchFamily="34" charset="0"/>
+              <a:buChar char="•"/>
+              <a:defRPr sz="1800" kern="1200">
+                <a:solidFill>
+                  <a:schemeClr val="tx1"/>
+                </a:solidFill>
+                <a:latin typeface="+mn-lt"/>
+                <a:ea typeface="+mn-ea"/>
+                <a:cs typeface="+mn-cs"/>
+              </a:defRPr>
+            </a:lvl2pPr>
+            <a:lvl3pPr marL="857250" indent="-171450" algn="l" defTabSz="685800" rtl="0" eaLnBrk="1" latinLnBrk="0" hangingPunct="1">
+              <a:lnSpc>
+                <a:spcPct val="90000"/>
+              </a:lnSpc>
+              <a:spcBef>
+                <a:spcPts val="375"/>
+              </a:spcBef>
+              <a:buFont typeface="Arial" panose="020B0604020202020204" pitchFamily="34" charset="0"/>
+              <a:buChar char="•"/>
+              <a:defRPr sz="1500" kern="1200">
+                <a:solidFill>
+                  <a:schemeClr val="tx1"/>
+                </a:solidFill>
+                <a:latin typeface="+mn-lt"/>
+                <a:ea typeface="+mn-ea"/>
+                <a:cs typeface="+mn-cs"/>
+              </a:defRPr>
+            </a:lvl3pPr>
+            <a:lvl4pPr marL="1200150" indent="-171450" algn="l" defTabSz="685800" rtl="0" eaLnBrk="1" latinLnBrk="0" hangingPunct="1">
+              <a:lnSpc>
+                <a:spcPct val="90000"/>
+              </a:lnSpc>
+              <a:spcBef>
+                <a:spcPts val="375"/>
+              </a:spcBef>
+              <a:buFont typeface="Arial" panose="020B0604020202020204" pitchFamily="34" charset="0"/>
+              <a:buChar char="•"/>
+              <a:defRPr sz="1350" kern="1200">
+                <a:solidFill>
+                  <a:schemeClr val="tx1"/>
+                </a:solidFill>
+                <a:latin typeface="+mn-lt"/>
+                <a:ea typeface="+mn-ea"/>
+                <a:cs typeface="+mn-cs"/>
+              </a:defRPr>
+            </a:lvl4pPr>
+            <a:lvl5pPr marL="1543050" indent="-171450" algn="l" defTabSz="685800" rtl="0" eaLnBrk="1" latinLnBrk="0" hangingPunct="1">
+              <a:lnSpc>
+                <a:spcPct val="90000"/>
+              </a:lnSpc>
+              <a:spcBef>
+                <a:spcPts val="375"/>
+              </a:spcBef>
+              <a:buFont typeface="Arial" panose="020B0604020202020204" pitchFamily="34" charset="0"/>
+              <a:buChar char="•"/>
+              <a:defRPr sz="1350" kern="1200">
+                <a:solidFill>
+                  <a:schemeClr val="tx1"/>
+                </a:solidFill>
+                <a:latin typeface="+mn-lt"/>
+                <a:ea typeface="+mn-ea"/>
+                <a:cs typeface="+mn-cs"/>
+              </a:defRPr>
+            </a:lvl5pPr>
+            <a:lvl6pPr marL="1885950" indent="-171450" algn="l" defTabSz="685800" rtl="0" eaLnBrk="1" latinLnBrk="0" hangingPunct="1">
+              <a:lnSpc>
+                <a:spcPct val="90000"/>
+              </a:lnSpc>
+              <a:spcBef>
+                <a:spcPts val="375"/>
+              </a:spcBef>
+              <a:buFont typeface="Arial" panose="020B0604020202020204" pitchFamily="34" charset="0"/>
+              <a:buChar char="•"/>
+              <a:defRPr sz="1350" kern="1200">
+                <a:solidFill>
+                  <a:schemeClr val="tx1"/>
+                </a:solidFill>
+                <a:latin typeface="+mn-lt"/>
+                <a:ea typeface="+mn-ea"/>
+                <a:cs typeface="+mn-cs"/>
+              </a:defRPr>
+            </a:lvl6pPr>
+            <a:lvl7pPr marL="2228850" indent="-171450" algn="l" defTabSz="685800" rtl="0" eaLnBrk="1" latinLnBrk="0" hangingPunct="1">
+              <a:lnSpc>
+                <a:spcPct val="90000"/>
+              </a:lnSpc>
+              <a:spcBef>
+                <a:spcPts val="375"/>
+              </a:spcBef>
+              <a:buFont typeface="Arial" panose="020B0604020202020204" pitchFamily="34" charset="0"/>
+              <a:buChar char="•"/>
+              <a:defRPr sz="1350" kern="1200">
+                <a:solidFill>
+                  <a:schemeClr val="tx1"/>
+                </a:solidFill>
+                <a:latin typeface="+mn-lt"/>
+                <a:ea typeface="+mn-ea"/>
+                <a:cs typeface="+mn-cs"/>
+              </a:defRPr>
+            </a:lvl7pPr>
+            <a:lvl8pPr marL="2571750" indent="-171450" algn="l" defTabSz="685800" rtl="0" eaLnBrk="1" latinLnBrk="0" hangingPunct="1">
+              <a:lnSpc>
+                <a:spcPct val="90000"/>
+              </a:lnSpc>
+              <a:spcBef>
+                <a:spcPts val="375"/>
+              </a:spcBef>
+              <a:buFont typeface="Arial" panose="020B0604020202020204" pitchFamily="34" charset="0"/>
+              <a:buChar char="•"/>
+              <a:defRPr sz="1350" kern="1200">
+                <a:solidFill>
+                  <a:schemeClr val="tx1"/>
+                </a:solidFill>
+                <a:latin typeface="+mn-lt"/>
+                <a:ea typeface="+mn-ea"/>
+                <a:cs typeface="+mn-cs"/>
+              </a:defRPr>
+            </a:lvl8pPr>
+            <a:lvl9pPr marL="2914650" indent="-171450" algn="l" defTabSz="685800" rtl="0" eaLnBrk="1" latinLnBrk="0" hangingPunct="1">
+              <a:lnSpc>
+                <a:spcPct val="90000"/>
+              </a:lnSpc>
+              <a:spcBef>
+                <a:spcPts val="375"/>
+              </a:spcBef>
+              <a:buFont typeface="Arial" panose="020B0604020202020204" pitchFamily="34" charset="0"/>
+              <a:buChar char="•"/>
+              <a:defRPr sz="1350" kern="1200">
+                <a:solidFill>
+                  <a:schemeClr val="tx1"/>
+                </a:solidFill>
+                <a:latin typeface="+mn-lt"/>
+                <a:ea typeface="+mn-ea"/>
+                <a:cs typeface="+mn-cs"/>
+              </a:defRPr>
+            </a:lvl9pPr>
+          </a:lstStyle>
+          <a:p>
+            <a:r>
+              <a:rPr lang="fr-FR" sz="2400" dirty="0">
+                <a:solidFill>
+                  <a:srgbClr val="004492"/>
+                </a:solidFill>
+                <a:latin typeface="Calibri (Corps)"/>
+              </a:rPr>
+              <a:t>Fin de Licence 3 Informatique : stage de 8 semaines</a:t>
+            </a:r>
+          </a:p>
+          <a:p>
+            <a:pPr marL="342900" lvl="1" indent="0">
+              <a:lnSpc>
+                <a:spcPct val="200000"/>
+              </a:lnSpc>
+              <a:buNone/>
+            </a:pPr>
+            <a:r>
+              <a:rPr lang="fr-FR" sz="2100" dirty="0">
+                <a:solidFill>
+                  <a:srgbClr val="004492"/>
+                </a:solidFill>
+                <a:latin typeface="Calibri (Corps)"/>
+                <a:sym typeface="Wingdings" panose="05000000000000000000" pitchFamily="2" charset="2"/>
+              </a:rPr>
+              <a:t> Partie intégrante de la formation</a:t>
+            </a:r>
+            <a:endParaRPr lang="fr-FR" sz="2100" dirty="0">
+              <a:solidFill>
+                <a:srgbClr val="004492"/>
+              </a:solidFill>
+              <a:latin typeface="Calibri (Corps)"/>
+            </a:endParaRPr>
+          </a:p>
+          <a:p>
+            <a:pPr marL="342900" lvl="1" indent="0">
+              <a:buNone/>
+            </a:pPr>
+            <a:endParaRPr lang="fr-FR" sz="2400" dirty="0">
+              <a:solidFill>
+                <a:srgbClr val="004492"/>
+              </a:solidFill>
+              <a:latin typeface="Calibri (Corps)"/>
+            </a:endParaRPr>
+          </a:p>
+          <a:p>
+            <a:r>
+              <a:rPr lang="fr-FR" sz="2400" dirty="0">
+                <a:solidFill>
+                  <a:srgbClr val="004492"/>
+                </a:solidFill>
+                <a:latin typeface="Calibri (Corps)"/>
+              </a:rPr>
+              <a:t>Réalisé au sein de l’entreprise </a:t>
+            </a:r>
+            <a:r>
+              <a:rPr lang="fr-FR" sz="2400" dirty="0" err="1">
+                <a:solidFill>
+                  <a:srgbClr val="004492"/>
+                </a:solidFill>
+                <a:latin typeface="Calibri (Corps)"/>
+              </a:rPr>
+              <a:t>Eskape</a:t>
+            </a:r>
+            <a:endParaRPr lang="fr-FR" sz="2400" dirty="0">
+              <a:solidFill>
+                <a:srgbClr val="004492"/>
+              </a:solidFill>
+              <a:latin typeface="Calibri (Corps)"/>
+            </a:endParaRPr>
+          </a:p>
+          <a:p>
+            <a:endParaRPr lang="fr-FR" sz="2400" dirty="0">
+              <a:solidFill>
+                <a:srgbClr val="004492"/>
+              </a:solidFill>
+              <a:latin typeface="Calibri (Corps)"/>
+            </a:endParaRPr>
+          </a:p>
+          <a:p>
+            <a:pPr lvl="1"/>
+            <a:endParaRPr lang="fr-FR" sz="2400" dirty="0">
+              <a:solidFill>
+                <a:srgbClr val="004492"/>
+              </a:solidFill>
+              <a:latin typeface="Calibri (Corps)"/>
+            </a:endParaRPr>
+          </a:p>
+          <a:p>
+            <a:pPr marL="914400" lvl="2" indent="0">
+              <a:buFont typeface="Arial" panose="020B0604020202020204" pitchFamily="34" charset="0"/>
+              <a:buNone/>
+            </a:pPr>
+            <a:endParaRPr lang="fr-FR" sz="2400" dirty="0">
+              <a:solidFill>
+                <a:srgbClr val="004492"/>
+              </a:solidFill>
+              <a:latin typeface="Calibri (Corps)"/>
+            </a:endParaRPr>
+          </a:p>
+          <a:p>
+            <a:endParaRPr lang="fr-FR" sz="2400" dirty="0">
+              <a:solidFill>
+                <a:srgbClr val="004492"/>
+              </a:solidFill>
+              <a:latin typeface="Calibri (Corps)"/>
+            </a:endParaRPr>
+          </a:p>
+        </p:txBody>
+      </p:sp>
+      <p:pic>
+        <p:nvPicPr>
+          <p:cNvPr id="6" name="Image 5"/>
+          <p:cNvPicPr>
+            <a:picLocks noChangeAspect="1"/>
+          </p:cNvPicPr>
+          <p:nvPr/>
+        </p:nvPicPr>
+        <p:blipFill>
+          <a:blip r:embed="rId2">
+            <a:extLst>
+              <a:ext uri="{28A0092B-C50C-407E-A947-70E740481C1C}">
+                <a14:useLocalDpi xmlns:a14="http://schemas.microsoft.com/office/drawing/2010/main" val="0"/>
+              </a:ext>
+            </a:extLst>
+          </a:blip>
+          <a:stretch>
+            <a:fillRect/>
+          </a:stretch>
+        </p:blipFill>
+        <p:spPr>
+          <a:xfrm>
+            <a:off x="3532632" y="4548981"/>
+            <a:ext cx="2078736" cy="1621536"/>
+          </a:xfrm>
+          <a:prstGeom prst="rect">
+            <a:avLst/>
+          </a:prstGeom>
+        </p:spPr>
+      </p:pic>
+      <p:sp>
+        <p:nvSpPr>
+          <p:cNvPr id="7" name="ZoneTexte 6"/>
+          <p:cNvSpPr txBox="1"/>
+          <p:nvPr/>
+        </p:nvSpPr>
+        <p:spPr>
+          <a:xfrm>
+            <a:off x="182621" y="109957"/>
+            <a:ext cx="3805967" cy="938719"/>
+          </a:xfrm>
+          <a:prstGeom prst="rect">
+            <a:avLst/>
+          </a:prstGeom>
+          <a:noFill/>
+        </p:spPr>
+        <p:txBody>
+          <a:bodyPr wrap="square" rtlCol="0">
+            <a:spAutoFit/>
+          </a:bodyPr>
+          <a:lstStyle/>
+          <a:p>
+            <a:r>
+              <a:rPr lang="fr-FR" sz="5500" dirty="0">
+                <a:solidFill>
+                  <a:schemeClr val="bg1"/>
+                </a:solidFill>
+                <a:latin typeface="Eurostile-Roman" pitchFamily="2" charset="0"/>
+                <a:cs typeface="Microsoft New Tai Lue" panose="020B0502040204020203" pitchFamily="34" charset="0"/>
+              </a:rPr>
+              <a:t>Introduction</a:t>
+            </a:r>
+          </a:p>
+        </p:txBody>
+      </p:sp>
+      <p:sp>
+        <p:nvSpPr>
+          <p:cNvPr id="8" name="Espace réservé du numéro de diapositive 1"/>
+          <p:cNvSpPr>
+            <a:spLocks noGrp="1"/>
+          </p:cNvSpPr>
+          <p:nvPr>
+            <p:ph type="sldNum" sz="quarter" idx="12"/>
+          </p:nvPr>
+        </p:nvSpPr>
+        <p:spPr>
+          <a:xfrm>
+            <a:off x="6603423" y="6255991"/>
+            <a:ext cx="2057400" cy="365125"/>
+          </a:xfrm>
+        </p:spPr>
+        <p:txBody>
+          <a:bodyPr/>
+          <a:lstStyle/>
+          <a:p>
+            <a:r>
+              <a:rPr lang="fr-FR" sz="1800" dirty="0">
+                <a:latin typeface="Eurostile-Roman" pitchFamily="2" charset="0"/>
+              </a:rPr>
+              <a:t>Diapositive </a:t>
+            </a:r>
+            <a:fld id="{0A0AF257-D28F-495E-9E53-3BED59B8AA35}" type="slidenum">
+              <a:rPr lang="fr-FR" sz="1800" smtClean="0">
+                <a:latin typeface="Eurostile-Roman" pitchFamily="2" charset="0"/>
+              </a:rPr>
+              <a:t>3</a:t>
+            </a:fld>
+            <a:endParaRPr lang="fr-FR" sz="1800" dirty="0">
+              <a:latin typeface="Eurostile-Roman" pitchFamily="2" charset="0"/>
+            </a:endParaRPr>
+          </a:p>
+        </p:txBody>
+      </p:sp>
+    </p:spTree>
+    <p:extLst>
+      <p:ext uri="{BB962C8B-B14F-4D97-AF65-F5344CB8AC3E}">
+        <p14:creationId xmlns:p14="http://schemas.microsoft.com/office/powerpoint/2010/main" val="842433483"/>
+      </p:ext>
+    </p:extLst>
+  </p:cSld>
+  <p:clrMapOvr>
+    <a:masterClrMapping/>
+  </p:clrMapOvr>
+</p:sld>
+</file>
+
+<file path=ppt/slides/slide30.xml><?xml version="1.0" encoding="utf-8"?>
 <p:sld xmlns:a="http://schemas.openxmlformats.org/drawingml/2006/main" xmlns:r="http://schemas.openxmlformats.org/officeDocument/2006/relationships" xmlns:p="http://schemas.openxmlformats.org/presentationml/2006/main">
   <p:cSld>
     <p:spTree>
@@ -10934,7 +14659,7 @@
           <a:p>
             <a:fld id="{0A0AF257-D28F-495E-9E53-3BED59B8AA35}" type="slidenum">
               <a:rPr lang="fr-FR" smtClean="0"/>
-              <a:t>24</a:t>
+              <a:t>30</a:t>
             </a:fld>
             <a:endParaRPr lang="fr-FR"/>
           </a:p>
@@ -10953,7 +14678,7 @@
 </p:sld>
 </file>
 
-<file path=ppt/slides/slide25.xml><?xml version="1.0" encoding="utf-8"?>
+<file path=ppt/slides/slide31.xml><?xml version="1.0" encoding="utf-8"?>
 <p:sld xmlns:a="http://schemas.openxmlformats.org/drawingml/2006/main" xmlns:r="http://schemas.openxmlformats.org/officeDocument/2006/relationships" xmlns:p="http://schemas.openxmlformats.org/presentationml/2006/main">
   <p:cSld>
     <p:spTree>
@@ -11390,7 +15115,7 @@
           <a:p>
             <a:fld id="{0A0AF257-D28F-495E-9E53-3BED59B8AA35}" type="slidenum">
               <a:rPr lang="fr-FR" smtClean="0"/>
-              <a:t>25</a:t>
+              <a:t>31</a:t>
             </a:fld>
             <a:endParaRPr lang="fr-FR"/>
           </a:p>
@@ -11409,7 +15134,7 @@
 </p:sld>
 </file>
 
-<file path=ppt/slides/slide26.xml><?xml version="1.0" encoding="utf-8"?>
+<file path=ppt/slides/slide32.xml><?xml version="1.0" encoding="utf-8"?>
 <p:sld xmlns:a="http://schemas.openxmlformats.org/drawingml/2006/main" xmlns:r="http://schemas.openxmlformats.org/officeDocument/2006/relationships" xmlns:p="http://schemas.openxmlformats.org/presentationml/2006/main">
   <p:cSld>
     <p:spTree>
@@ -11774,7 +15499,7 @@
           <a:p>
             <a:fld id="{0A0AF257-D28F-495E-9E53-3BED59B8AA35}" type="slidenum">
               <a:rPr lang="fr-FR" smtClean="0"/>
-              <a:t>26</a:t>
+              <a:t>32</a:t>
             </a:fld>
             <a:endParaRPr lang="fr-FR"/>
           </a:p>
@@ -11793,7 +15518,7 @@
 </p:sld>
 </file>
 
-<file path=ppt/slides/slide27.xml><?xml version="1.0" encoding="utf-8"?>
+<file path=ppt/slides/slide33.xml><?xml version="1.0" encoding="utf-8"?>
 <p:sld xmlns:a="http://schemas.openxmlformats.org/drawingml/2006/main" xmlns:r="http://schemas.openxmlformats.org/officeDocument/2006/relationships" xmlns:p="http://schemas.openxmlformats.org/presentationml/2006/main">
   <p:cSld>
     <p:spTree>
@@ -12314,7 +16039,7 @@
           <a:p>
             <a:fld id="{0A0AF257-D28F-495E-9E53-3BED59B8AA35}" type="slidenum">
               <a:rPr lang="fr-FR" smtClean="0"/>
-              <a:t>27</a:t>
+              <a:t>33</a:t>
             </a:fld>
             <a:endParaRPr lang="fr-FR"/>
           </a:p>
@@ -12333,7 +16058,7 @@
 </p:sld>
 </file>
 
-<file path=ppt/slides/slide28.xml><?xml version="1.0" encoding="utf-8"?>
+<file path=ppt/slides/slide34.xml><?xml version="1.0" encoding="utf-8"?>
 <p:sld xmlns:a="http://schemas.openxmlformats.org/drawingml/2006/main" xmlns:r="http://schemas.openxmlformats.org/officeDocument/2006/relationships" xmlns:p="http://schemas.openxmlformats.org/presentationml/2006/main">
   <p:cSld>
     <p:spTree>
@@ -12919,7 +16644,7 @@
           <a:p>
             <a:fld id="{0A0AF257-D28F-495E-9E53-3BED59B8AA35}" type="slidenum">
               <a:rPr lang="fr-FR" smtClean="0"/>
-              <a:t>28</a:t>
+              <a:t>34</a:t>
             </a:fld>
             <a:endParaRPr lang="fr-FR"/>
           </a:p>
@@ -12938,7 +16663,7 @@
 </p:sld>
 </file>
 
-<file path=ppt/slides/slide29.xml><?xml version="1.0" encoding="utf-8"?>
+<file path=ppt/slides/slide35.xml><?xml version="1.0" encoding="utf-8"?>
 <p:sld xmlns:a="http://schemas.openxmlformats.org/drawingml/2006/main" xmlns:r="http://schemas.openxmlformats.org/officeDocument/2006/relationships" xmlns:p="http://schemas.openxmlformats.org/presentationml/2006/main">
   <p:cSld>
     <p:spTree>
@@ -14208,7 +17933,7 @@
           <a:p>
             <a:fld id="{0A0AF257-D28F-495E-9E53-3BED59B8AA35}" type="slidenum">
               <a:rPr lang="fr-FR" smtClean="0"/>
-              <a:t>29</a:t>
+              <a:t>35</a:t>
             </a:fld>
             <a:endParaRPr lang="fr-FR"/>
           </a:p>
@@ -14227,7 +17952,7 @@
 </p:sld>
 </file>
 
-<file path=ppt/slides/slide3.xml><?xml version="1.0" encoding="utf-8"?>
+<file path=ppt/slides/slide36.xml><?xml version="1.0" encoding="utf-8"?>
 <p:sld xmlns:a="http://schemas.openxmlformats.org/drawingml/2006/main" xmlns:r="http://schemas.openxmlformats.org/officeDocument/2006/relationships" xmlns:p="http://schemas.openxmlformats.org/presentationml/2006/main">
   <p:cSld>
     <p:spTree>
@@ -14246,435 +17971,6 @@
       </p:grpSpPr>
       <p:sp>
         <p:nvSpPr>
-          <p:cNvPr id="5" name="Espace réservé du contenu 2"/>
-          <p:cNvSpPr txBox="1">
-            <a:spLocks/>
-          </p:cNvSpPr>
-          <p:nvPr/>
-        </p:nvSpPr>
-        <p:spPr>
-          <a:xfrm>
-            <a:off x="1117024" y="2194934"/>
-            <a:ext cx="7886700" cy="4351338"/>
-          </a:xfrm>
-          <a:prstGeom prst="rect">
-            <a:avLst/>
-          </a:prstGeom>
-        </p:spPr>
-        <p:txBody>
-          <a:bodyPr vert="horz" lIns="91440" tIns="45720" rIns="91440" bIns="45720" rtlCol="0">
-            <a:noAutofit/>
-          </a:bodyPr>
-          <a:lstStyle>
-            <a:lvl1pPr marL="171450" indent="-171450" algn="l" defTabSz="685800" rtl="0" eaLnBrk="1" latinLnBrk="0" hangingPunct="1">
-              <a:lnSpc>
-                <a:spcPct val="90000"/>
-              </a:lnSpc>
-              <a:spcBef>
-                <a:spcPts val="750"/>
-              </a:spcBef>
-              <a:buFont typeface="Arial" panose="020B0604020202020204" pitchFamily="34" charset="0"/>
-              <a:buChar char="•"/>
-              <a:defRPr sz="2100" kern="1200">
-                <a:solidFill>
-                  <a:schemeClr val="tx1"/>
-                </a:solidFill>
-                <a:latin typeface="+mn-lt"/>
-                <a:ea typeface="+mn-ea"/>
-                <a:cs typeface="+mn-cs"/>
-              </a:defRPr>
-            </a:lvl1pPr>
-            <a:lvl2pPr marL="514350" indent="-171450" algn="l" defTabSz="685800" rtl="0" eaLnBrk="1" latinLnBrk="0" hangingPunct="1">
-              <a:lnSpc>
-                <a:spcPct val="90000"/>
-              </a:lnSpc>
-              <a:spcBef>
-                <a:spcPts val="375"/>
-              </a:spcBef>
-              <a:buFont typeface="Arial" panose="020B0604020202020204" pitchFamily="34" charset="0"/>
-              <a:buChar char="•"/>
-              <a:defRPr sz="1800" kern="1200">
-                <a:solidFill>
-                  <a:schemeClr val="tx1"/>
-                </a:solidFill>
-                <a:latin typeface="+mn-lt"/>
-                <a:ea typeface="+mn-ea"/>
-                <a:cs typeface="+mn-cs"/>
-              </a:defRPr>
-            </a:lvl2pPr>
-            <a:lvl3pPr marL="857250" indent="-171450" algn="l" defTabSz="685800" rtl="0" eaLnBrk="1" latinLnBrk="0" hangingPunct="1">
-              <a:lnSpc>
-                <a:spcPct val="90000"/>
-              </a:lnSpc>
-              <a:spcBef>
-                <a:spcPts val="375"/>
-              </a:spcBef>
-              <a:buFont typeface="Arial" panose="020B0604020202020204" pitchFamily="34" charset="0"/>
-              <a:buChar char="•"/>
-              <a:defRPr sz="1500" kern="1200">
-                <a:solidFill>
-                  <a:schemeClr val="tx1"/>
-                </a:solidFill>
-                <a:latin typeface="+mn-lt"/>
-                <a:ea typeface="+mn-ea"/>
-                <a:cs typeface="+mn-cs"/>
-              </a:defRPr>
-            </a:lvl3pPr>
-            <a:lvl4pPr marL="1200150" indent="-171450" algn="l" defTabSz="685800" rtl="0" eaLnBrk="1" latinLnBrk="0" hangingPunct="1">
-              <a:lnSpc>
-                <a:spcPct val="90000"/>
-              </a:lnSpc>
-              <a:spcBef>
-                <a:spcPts val="375"/>
-              </a:spcBef>
-              <a:buFont typeface="Arial" panose="020B0604020202020204" pitchFamily="34" charset="0"/>
-              <a:buChar char="•"/>
-              <a:defRPr sz="1350" kern="1200">
-                <a:solidFill>
-                  <a:schemeClr val="tx1"/>
-                </a:solidFill>
-                <a:latin typeface="+mn-lt"/>
-                <a:ea typeface="+mn-ea"/>
-                <a:cs typeface="+mn-cs"/>
-              </a:defRPr>
-            </a:lvl4pPr>
-            <a:lvl5pPr marL="1543050" indent="-171450" algn="l" defTabSz="685800" rtl="0" eaLnBrk="1" latinLnBrk="0" hangingPunct="1">
-              <a:lnSpc>
-                <a:spcPct val="90000"/>
-              </a:lnSpc>
-              <a:spcBef>
-                <a:spcPts val="375"/>
-              </a:spcBef>
-              <a:buFont typeface="Arial" panose="020B0604020202020204" pitchFamily="34" charset="0"/>
-              <a:buChar char="•"/>
-              <a:defRPr sz="1350" kern="1200">
-                <a:solidFill>
-                  <a:schemeClr val="tx1"/>
-                </a:solidFill>
-                <a:latin typeface="+mn-lt"/>
-                <a:ea typeface="+mn-ea"/>
-                <a:cs typeface="+mn-cs"/>
-              </a:defRPr>
-            </a:lvl5pPr>
-            <a:lvl6pPr marL="1885950" indent="-171450" algn="l" defTabSz="685800" rtl="0" eaLnBrk="1" latinLnBrk="0" hangingPunct="1">
-              <a:lnSpc>
-                <a:spcPct val="90000"/>
-              </a:lnSpc>
-              <a:spcBef>
-                <a:spcPts val="375"/>
-              </a:spcBef>
-              <a:buFont typeface="Arial" panose="020B0604020202020204" pitchFamily="34" charset="0"/>
-              <a:buChar char="•"/>
-              <a:defRPr sz="1350" kern="1200">
-                <a:solidFill>
-                  <a:schemeClr val="tx1"/>
-                </a:solidFill>
-                <a:latin typeface="+mn-lt"/>
-                <a:ea typeface="+mn-ea"/>
-                <a:cs typeface="+mn-cs"/>
-              </a:defRPr>
-            </a:lvl6pPr>
-            <a:lvl7pPr marL="2228850" indent="-171450" algn="l" defTabSz="685800" rtl="0" eaLnBrk="1" latinLnBrk="0" hangingPunct="1">
-              <a:lnSpc>
-                <a:spcPct val="90000"/>
-              </a:lnSpc>
-              <a:spcBef>
-                <a:spcPts val="375"/>
-              </a:spcBef>
-              <a:buFont typeface="Arial" panose="020B0604020202020204" pitchFamily="34" charset="0"/>
-              <a:buChar char="•"/>
-              <a:defRPr sz="1350" kern="1200">
-                <a:solidFill>
-                  <a:schemeClr val="tx1"/>
-                </a:solidFill>
-                <a:latin typeface="+mn-lt"/>
-                <a:ea typeface="+mn-ea"/>
-                <a:cs typeface="+mn-cs"/>
-              </a:defRPr>
-            </a:lvl7pPr>
-            <a:lvl8pPr marL="2571750" indent="-171450" algn="l" defTabSz="685800" rtl="0" eaLnBrk="1" latinLnBrk="0" hangingPunct="1">
-              <a:lnSpc>
-                <a:spcPct val="90000"/>
-              </a:lnSpc>
-              <a:spcBef>
-                <a:spcPts val="375"/>
-              </a:spcBef>
-              <a:buFont typeface="Arial" panose="020B0604020202020204" pitchFamily="34" charset="0"/>
-              <a:buChar char="•"/>
-              <a:defRPr sz="1350" kern="1200">
-                <a:solidFill>
-                  <a:schemeClr val="tx1"/>
-                </a:solidFill>
-                <a:latin typeface="+mn-lt"/>
-                <a:ea typeface="+mn-ea"/>
-                <a:cs typeface="+mn-cs"/>
-              </a:defRPr>
-            </a:lvl8pPr>
-            <a:lvl9pPr marL="2914650" indent="-171450" algn="l" defTabSz="685800" rtl="0" eaLnBrk="1" latinLnBrk="0" hangingPunct="1">
-              <a:lnSpc>
-                <a:spcPct val="90000"/>
-              </a:lnSpc>
-              <a:spcBef>
-                <a:spcPts val="375"/>
-              </a:spcBef>
-              <a:buFont typeface="Arial" panose="020B0604020202020204" pitchFamily="34" charset="0"/>
-              <a:buChar char="•"/>
-              <a:defRPr sz="1350" kern="1200">
-                <a:solidFill>
-                  <a:schemeClr val="tx1"/>
-                </a:solidFill>
-                <a:latin typeface="+mn-lt"/>
-                <a:ea typeface="+mn-ea"/>
-                <a:cs typeface="+mn-cs"/>
-              </a:defRPr>
-            </a:lvl9pPr>
-          </a:lstStyle>
-          <a:p>
-            <a:r>
-              <a:rPr lang="fr-FR" sz="2400" dirty="0">
-                <a:solidFill>
-                  <a:srgbClr val="004492"/>
-                </a:solidFill>
-                <a:latin typeface="Calibri (Corps)"/>
-              </a:rPr>
-              <a:t>Fin de Licence 3 Informatique : stage de 8 semaines</a:t>
-            </a:r>
-          </a:p>
-          <a:p>
-            <a:pPr marL="342900" lvl="1" indent="0">
-              <a:lnSpc>
-                <a:spcPct val="200000"/>
-              </a:lnSpc>
-              <a:buNone/>
-            </a:pPr>
-            <a:r>
-              <a:rPr lang="fr-FR" sz="2100" dirty="0">
-                <a:solidFill>
-                  <a:srgbClr val="004492"/>
-                </a:solidFill>
-                <a:latin typeface="Calibri (Corps)"/>
-                <a:sym typeface="Wingdings" panose="05000000000000000000" pitchFamily="2" charset="2"/>
-              </a:rPr>
-              <a:t> Partie intégrante de la formation</a:t>
-            </a:r>
-            <a:endParaRPr lang="fr-FR" sz="2100" dirty="0">
-              <a:solidFill>
-                <a:srgbClr val="004492"/>
-              </a:solidFill>
-              <a:latin typeface="Calibri (Corps)"/>
-            </a:endParaRPr>
-          </a:p>
-          <a:p>
-            <a:pPr marL="342900" lvl="1" indent="0">
-              <a:buNone/>
-            </a:pPr>
-            <a:endParaRPr lang="fr-FR" sz="2400" dirty="0">
-              <a:solidFill>
-                <a:srgbClr val="004492"/>
-              </a:solidFill>
-              <a:latin typeface="Calibri (Corps)"/>
-            </a:endParaRPr>
-          </a:p>
-          <a:p>
-            <a:r>
-              <a:rPr lang="fr-FR" sz="2400" dirty="0">
-                <a:solidFill>
-                  <a:srgbClr val="004492"/>
-                </a:solidFill>
-                <a:latin typeface="Calibri (Corps)"/>
-              </a:rPr>
-              <a:t>Réalisé au sein de l’entreprise </a:t>
-            </a:r>
-            <a:r>
-              <a:rPr lang="fr-FR" sz="2400" dirty="0" err="1">
-                <a:solidFill>
-                  <a:srgbClr val="004492"/>
-                </a:solidFill>
-                <a:latin typeface="Calibri (Corps)"/>
-              </a:rPr>
-              <a:t>Eskape</a:t>
-            </a:r>
-            <a:endParaRPr lang="fr-FR" sz="2400" dirty="0">
-              <a:solidFill>
-                <a:srgbClr val="004492"/>
-              </a:solidFill>
-              <a:latin typeface="Calibri (Corps)"/>
-            </a:endParaRPr>
-          </a:p>
-          <a:p>
-            <a:endParaRPr lang="fr-FR" sz="2400" dirty="0">
-              <a:solidFill>
-                <a:srgbClr val="004492"/>
-              </a:solidFill>
-              <a:latin typeface="Calibri (Corps)"/>
-            </a:endParaRPr>
-          </a:p>
-          <a:p>
-            <a:pPr lvl="1"/>
-            <a:endParaRPr lang="fr-FR" sz="2400" dirty="0">
-              <a:solidFill>
-                <a:srgbClr val="004492"/>
-              </a:solidFill>
-              <a:latin typeface="Calibri (Corps)"/>
-            </a:endParaRPr>
-          </a:p>
-          <a:p>
-            <a:pPr marL="914400" lvl="2" indent="0">
-              <a:buFont typeface="Arial" panose="020B0604020202020204" pitchFamily="34" charset="0"/>
-              <a:buNone/>
-            </a:pPr>
-            <a:endParaRPr lang="fr-FR" sz="2400" dirty="0">
-              <a:solidFill>
-                <a:srgbClr val="004492"/>
-              </a:solidFill>
-              <a:latin typeface="Calibri (Corps)"/>
-            </a:endParaRPr>
-          </a:p>
-          <a:p>
-            <a:endParaRPr lang="fr-FR" sz="2400" dirty="0">
-              <a:solidFill>
-                <a:srgbClr val="004492"/>
-              </a:solidFill>
-              <a:latin typeface="Calibri (Corps)"/>
-            </a:endParaRPr>
-          </a:p>
-        </p:txBody>
-      </p:sp>
-      <p:pic>
-        <p:nvPicPr>
-          <p:cNvPr id="6" name="Image 5"/>
-          <p:cNvPicPr>
-            <a:picLocks noChangeAspect="1"/>
-          </p:cNvPicPr>
-          <p:nvPr/>
-        </p:nvPicPr>
-        <p:blipFill>
-          <a:blip r:embed="rId2">
-            <a:extLst>
-              <a:ext uri="{28A0092B-C50C-407E-A947-70E740481C1C}">
-                <a14:useLocalDpi xmlns:a14="http://schemas.microsoft.com/office/drawing/2010/main" val="0"/>
-              </a:ext>
-            </a:extLst>
-          </a:blip>
-          <a:stretch>
-            <a:fillRect/>
-          </a:stretch>
-        </p:blipFill>
-        <p:spPr>
-          <a:xfrm>
-            <a:off x="3532632" y="4548981"/>
-            <a:ext cx="2078736" cy="1621536"/>
-          </a:xfrm>
-          <a:prstGeom prst="rect">
-            <a:avLst/>
-          </a:prstGeom>
-        </p:spPr>
-      </p:pic>
-      <p:sp>
-        <p:nvSpPr>
-          <p:cNvPr id="7" name="ZoneTexte 6"/>
-          <p:cNvSpPr txBox="1"/>
-          <p:nvPr/>
-        </p:nvSpPr>
-        <p:spPr>
-          <a:xfrm>
-            <a:off x="182621" y="109957"/>
-            <a:ext cx="3805967" cy="938719"/>
-          </a:xfrm>
-          <a:prstGeom prst="rect">
-            <a:avLst/>
-          </a:prstGeom>
-          <a:noFill/>
-        </p:spPr>
-        <p:txBody>
-          <a:bodyPr wrap="square" rtlCol="0">
-            <a:spAutoFit/>
-          </a:bodyPr>
-          <a:lstStyle/>
-          <a:p>
-            <a:r>
-              <a:rPr lang="fr-FR" sz="5500" dirty="0">
-                <a:solidFill>
-                  <a:schemeClr val="bg1"/>
-                </a:solidFill>
-                <a:latin typeface="Eurostile-Roman" pitchFamily="2" charset="0"/>
-                <a:cs typeface="Microsoft New Tai Lue" panose="020B0502040204020203" pitchFamily="34" charset="0"/>
-              </a:rPr>
-              <a:t>Introduction</a:t>
-            </a:r>
-          </a:p>
-        </p:txBody>
-      </p:sp>
-      <p:sp>
-        <p:nvSpPr>
-          <p:cNvPr id="8" name="Espace réservé du numéro de diapositive 1"/>
-          <p:cNvSpPr>
-            <a:spLocks noGrp="1"/>
-          </p:cNvSpPr>
-          <p:nvPr>
-            <p:ph type="sldNum" sz="quarter" idx="12"/>
-          </p:nvPr>
-        </p:nvSpPr>
-        <p:spPr>
-          <a:xfrm>
-            <a:off x="6603423" y="6255991"/>
-            <a:ext cx="2057400" cy="365125"/>
-          </a:xfrm>
-        </p:spPr>
-        <p:txBody>
-          <a:bodyPr/>
-          <a:lstStyle/>
-          <a:p>
-            <a:r>
-              <a:rPr lang="fr-FR" sz="1800" dirty="0">
-                <a:latin typeface="Eurostile-Roman" pitchFamily="2" charset="0"/>
-              </a:rPr>
-              <a:t>Diapositive </a:t>
-            </a:r>
-            <a:fld id="{0A0AF257-D28F-495E-9E53-3BED59B8AA35}" type="slidenum">
-              <a:rPr lang="fr-FR" sz="1800" smtClean="0">
-                <a:latin typeface="Eurostile-Roman" pitchFamily="2" charset="0"/>
-              </a:rPr>
-              <a:t>3</a:t>
-            </a:fld>
-            <a:endParaRPr lang="fr-FR" sz="1800" dirty="0">
-              <a:latin typeface="Eurostile-Roman" pitchFamily="2" charset="0"/>
-            </a:endParaRPr>
-          </a:p>
-        </p:txBody>
-      </p:sp>
-    </p:spTree>
-    <p:extLst>
-      <p:ext uri="{BB962C8B-B14F-4D97-AF65-F5344CB8AC3E}">
-        <p14:creationId xmlns:p14="http://schemas.microsoft.com/office/powerpoint/2010/main" val="842433483"/>
-      </p:ext>
-    </p:extLst>
-  </p:cSld>
-  <p:clrMapOvr>
-    <a:masterClrMapping/>
-  </p:clrMapOvr>
-</p:sld>
-</file>
-
-<file path=ppt/slides/slide30.xml><?xml version="1.0" encoding="utf-8"?>
-<p:sld xmlns:a="http://schemas.openxmlformats.org/drawingml/2006/main" xmlns:r="http://schemas.openxmlformats.org/officeDocument/2006/relationships" xmlns:p="http://schemas.openxmlformats.org/presentationml/2006/main">
-  <p:cSld>
-    <p:spTree>
-      <p:nvGrpSpPr>
-        <p:cNvPr id="1" name=""/>
-        <p:cNvGrpSpPr/>
-        <p:nvPr/>
-      </p:nvGrpSpPr>
-      <p:grpSpPr>
-        <a:xfrm>
-          <a:off x="0" y="0"/>
-          <a:ext cx="0" cy="0"/>
-          <a:chOff x="0" y="0"/>
-          <a:chExt cx="0" cy="0"/>
-        </a:xfrm>
-      </p:grpSpPr>
-      <p:sp>
-        <p:nvSpPr>
           <p:cNvPr id="2" name="Titre 1"/>
           <p:cNvSpPr>
             <a:spLocks noGrp="1"/>
@@ -15113,7 +18409,7 @@
           <a:p>
             <a:fld id="{0A0AF257-D28F-495E-9E53-3BED59B8AA35}" type="slidenum">
               <a:rPr lang="fr-FR" smtClean="0"/>
-              <a:t>30</a:t>
+              <a:t>36</a:t>
             </a:fld>
             <a:endParaRPr lang="fr-FR"/>
           </a:p>
@@ -15132,7 +18428,7 @@
 </p:sld>
 </file>
 
-<file path=ppt/slides/slide31.xml><?xml version="1.0" encoding="utf-8"?>
+<file path=ppt/slides/slide37.xml><?xml version="1.0" encoding="utf-8"?>
 <p:sld xmlns:a="http://schemas.openxmlformats.org/drawingml/2006/main" xmlns:r="http://schemas.openxmlformats.org/officeDocument/2006/relationships" xmlns:p="http://schemas.openxmlformats.org/presentationml/2006/main">
   <p:cSld>
     <p:spTree>
@@ -15712,7 +19008,7 @@
           <a:p>
             <a:fld id="{0A0AF257-D28F-495E-9E53-3BED59B8AA35}" type="slidenum">
               <a:rPr lang="fr-FR" smtClean="0"/>
-              <a:t>31</a:t>
+              <a:t>37</a:t>
             </a:fld>
             <a:endParaRPr lang="fr-FR"/>
           </a:p>
@@ -15731,7 +19027,7 @@
 </p:sld>
 </file>
 
-<file path=ppt/slides/slide32.xml><?xml version="1.0" encoding="utf-8"?>
+<file path=ppt/slides/slide38.xml><?xml version="1.0" encoding="utf-8"?>
 <p:sld xmlns:a="http://schemas.openxmlformats.org/drawingml/2006/main" xmlns:r="http://schemas.openxmlformats.org/officeDocument/2006/relationships" xmlns:p="http://schemas.openxmlformats.org/presentationml/2006/main">
   <p:cSld>
     <p:spTree>
@@ -16189,7 +19485,7 @@
           <a:p>
             <a:fld id="{0A0AF257-D28F-495E-9E53-3BED59B8AA35}" type="slidenum">
               <a:rPr lang="fr-FR" smtClean="0"/>
-              <a:t>32</a:t>
+              <a:t>38</a:t>
             </a:fld>
             <a:endParaRPr lang="fr-FR"/>
           </a:p>
@@ -16208,7 +19504,7 @@
 </p:sld>
 </file>
 
-<file path=ppt/slides/slide33.xml><?xml version="1.0" encoding="utf-8"?>
+<file path=ppt/slides/slide39.xml><?xml version="1.0" encoding="utf-8"?>
 <p:sld xmlns:a="http://schemas.openxmlformats.org/drawingml/2006/main" xmlns:r="http://schemas.openxmlformats.org/officeDocument/2006/relationships" xmlns:p="http://schemas.openxmlformats.org/presentationml/2006/main">
   <p:cSld>
     <p:spTree>
@@ -17064,7 +20360,7 @@
           <a:p>
             <a:fld id="{0A0AF257-D28F-495E-9E53-3BED59B8AA35}" type="slidenum">
               <a:rPr lang="fr-FR" smtClean="0"/>
-              <a:t>33</a:t>
+              <a:t>39</a:t>
             </a:fld>
             <a:endParaRPr lang="fr-FR"/>
           </a:p>
@@ -17083,7 +20379,387 @@
 </p:sld>
 </file>
 
-<file path=ppt/slides/slide34.xml><?xml version="1.0" encoding="utf-8"?>
+<file path=ppt/slides/slide4.xml><?xml version="1.0" encoding="utf-8"?>
+<p:sld xmlns:a="http://schemas.openxmlformats.org/drawingml/2006/main" xmlns:r="http://schemas.openxmlformats.org/officeDocument/2006/relationships" xmlns:p="http://schemas.openxmlformats.org/presentationml/2006/main">
+  <p:cSld>
+    <p:spTree>
+      <p:nvGrpSpPr>
+        <p:cNvPr id="1" name=""/>
+        <p:cNvGrpSpPr/>
+        <p:nvPr/>
+      </p:nvGrpSpPr>
+      <p:grpSpPr>
+        <a:xfrm>
+          <a:off x="0" y="0"/>
+          <a:ext cx="0" cy="0"/>
+          <a:chOff x="0" y="0"/>
+          <a:chExt cx="0" cy="0"/>
+        </a:xfrm>
+      </p:grpSpPr>
+      <p:sp>
+        <p:nvSpPr>
+          <p:cNvPr id="5" name="Espace réservé du contenu 2"/>
+          <p:cNvSpPr txBox="1">
+            <a:spLocks/>
+          </p:cNvSpPr>
+          <p:nvPr/>
+        </p:nvSpPr>
+        <p:spPr>
+          <a:xfrm>
+            <a:off x="1018309" y="1924771"/>
+            <a:ext cx="7886700" cy="4351338"/>
+          </a:xfrm>
+          <a:prstGeom prst="rect">
+            <a:avLst/>
+          </a:prstGeom>
+        </p:spPr>
+        <p:txBody>
+          <a:bodyPr vert="horz" lIns="91440" tIns="45720" rIns="91440" bIns="45720" rtlCol="0">
+            <a:noAutofit/>
+          </a:bodyPr>
+          <a:lstStyle>
+            <a:lvl1pPr marL="171450" indent="-171450" algn="l" defTabSz="685800" rtl="0" eaLnBrk="1" latinLnBrk="0" hangingPunct="1">
+              <a:lnSpc>
+                <a:spcPct val="90000"/>
+              </a:lnSpc>
+              <a:spcBef>
+                <a:spcPts val="750"/>
+              </a:spcBef>
+              <a:buFont typeface="Arial" panose="020B0604020202020204" pitchFamily="34" charset="0"/>
+              <a:buChar char="•"/>
+              <a:defRPr sz="2100" kern="1200">
+                <a:solidFill>
+                  <a:schemeClr val="tx1"/>
+                </a:solidFill>
+                <a:latin typeface="+mn-lt"/>
+                <a:ea typeface="+mn-ea"/>
+                <a:cs typeface="+mn-cs"/>
+              </a:defRPr>
+            </a:lvl1pPr>
+            <a:lvl2pPr marL="514350" indent="-171450" algn="l" defTabSz="685800" rtl="0" eaLnBrk="1" latinLnBrk="0" hangingPunct="1">
+              <a:lnSpc>
+                <a:spcPct val="90000"/>
+              </a:lnSpc>
+              <a:spcBef>
+                <a:spcPts val="375"/>
+              </a:spcBef>
+              <a:buFont typeface="Arial" panose="020B0604020202020204" pitchFamily="34" charset="0"/>
+              <a:buChar char="•"/>
+              <a:defRPr sz="1800" kern="1200">
+                <a:solidFill>
+                  <a:schemeClr val="tx1"/>
+                </a:solidFill>
+                <a:latin typeface="+mn-lt"/>
+                <a:ea typeface="+mn-ea"/>
+                <a:cs typeface="+mn-cs"/>
+              </a:defRPr>
+            </a:lvl2pPr>
+            <a:lvl3pPr marL="857250" indent="-171450" algn="l" defTabSz="685800" rtl="0" eaLnBrk="1" latinLnBrk="0" hangingPunct="1">
+              <a:lnSpc>
+                <a:spcPct val="90000"/>
+              </a:lnSpc>
+              <a:spcBef>
+                <a:spcPts val="375"/>
+              </a:spcBef>
+              <a:buFont typeface="Arial" panose="020B0604020202020204" pitchFamily="34" charset="0"/>
+              <a:buChar char="•"/>
+              <a:defRPr sz="1500" kern="1200">
+                <a:solidFill>
+                  <a:schemeClr val="tx1"/>
+                </a:solidFill>
+                <a:latin typeface="+mn-lt"/>
+                <a:ea typeface="+mn-ea"/>
+                <a:cs typeface="+mn-cs"/>
+              </a:defRPr>
+            </a:lvl3pPr>
+            <a:lvl4pPr marL="1200150" indent="-171450" algn="l" defTabSz="685800" rtl="0" eaLnBrk="1" latinLnBrk="0" hangingPunct="1">
+              <a:lnSpc>
+                <a:spcPct val="90000"/>
+              </a:lnSpc>
+              <a:spcBef>
+                <a:spcPts val="375"/>
+              </a:spcBef>
+              <a:buFont typeface="Arial" panose="020B0604020202020204" pitchFamily="34" charset="0"/>
+              <a:buChar char="•"/>
+              <a:defRPr sz="1350" kern="1200">
+                <a:solidFill>
+                  <a:schemeClr val="tx1"/>
+                </a:solidFill>
+                <a:latin typeface="+mn-lt"/>
+                <a:ea typeface="+mn-ea"/>
+                <a:cs typeface="+mn-cs"/>
+              </a:defRPr>
+            </a:lvl4pPr>
+            <a:lvl5pPr marL="1543050" indent="-171450" algn="l" defTabSz="685800" rtl="0" eaLnBrk="1" latinLnBrk="0" hangingPunct="1">
+              <a:lnSpc>
+                <a:spcPct val="90000"/>
+              </a:lnSpc>
+              <a:spcBef>
+                <a:spcPts val="375"/>
+              </a:spcBef>
+              <a:buFont typeface="Arial" panose="020B0604020202020204" pitchFamily="34" charset="0"/>
+              <a:buChar char="•"/>
+              <a:defRPr sz="1350" kern="1200">
+                <a:solidFill>
+                  <a:schemeClr val="tx1"/>
+                </a:solidFill>
+                <a:latin typeface="+mn-lt"/>
+                <a:ea typeface="+mn-ea"/>
+                <a:cs typeface="+mn-cs"/>
+              </a:defRPr>
+            </a:lvl5pPr>
+            <a:lvl6pPr marL="1885950" indent="-171450" algn="l" defTabSz="685800" rtl="0" eaLnBrk="1" latinLnBrk="0" hangingPunct="1">
+              <a:lnSpc>
+                <a:spcPct val="90000"/>
+              </a:lnSpc>
+              <a:spcBef>
+                <a:spcPts val="375"/>
+              </a:spcBef>
+              <a:buFont typeface="Arial" panose="020B0604020202020204" pitchFamily="34" charset="0"/>
+              <a:buChar char="•"/>
+              <a:defRPr sz="1350" kern="1200">
+                <a:solidFill>
+                  <a:schemeClr val="tx1"/>
+                </a:solidFill>
+                <a:latin typeface="+mn-lt"/>
+                <a:ea typeface="+mn-ea"/>
+                <a:cs typeface="+mn-cs"/>
+              </a:defRPr>
+            </a:lvl6pPr>
+            <a:lvl7pPr marL="2228850" indent="-171450" algn="l" defTabSz="685800" rtl="0" eaLnBrk="1" latinLnBrk="0" hangingPunct="1">
+              <a:lnSpc>
+                <a:spcPct val="90000"/>
+              </a:lnSpc>
+              <a:spcBef>
+                <a:spcPts val="375"/>
+              </a:spcBef>
+              <a:buFont typeface="Arial" panose="020B0604020202020204" pitchFamily="34" charset="0"/>
+              <a:buChar char="•"/>
+              <a:defRPr sz="1350" kern="1200">
+                <a:solidFill>
+                  <a:schemeClr val="tx1"/>
+                </a:solidFill>
+                <a:latin typeface="+mn-lt"/>
+                <a:ea typeface="+mn-ea"/>
+                <a:cs typeface="+mn-cs"/>
+              </a:defRPr>
+            </a:lvl7pPr>
+            <a:lvl8pPr marL="2571750" indent="-171450" algn="l" defTabSz="685800" rtl="0" eaLnBrk="1" latinLnBrk="0" hangingPunct="1">
+              <a:lnSpc>
+                <a:spcPct val="90000"/>
+              </a:lnSpc>
+              <a:spcBef>
+                <a:spcPts val="375"/>
+              </a:spcBef>
+              <a:buFont typeface="Arial" panose="020B0604020202020204" pitchFamily="34" charset="0"/>
+              <a:buChar char="•"/>
+              <a:defRPr sz="1350" kern="1200">
+                <a:solidFill>
+                  <a:schemeClr val="tx1"/>
+                </a:solidFill>
+                <a:latin typeface="+mn-lt"/>
+                <a:ea typeface="+mn-ea"/>
+                <a:cs typeface="+mn-cs"/>
+              </a:defRPr>
+            </a:lvl8pPr>
+            <a:lvl9pPr marL="2914650" indent="-171450" algn="l" defTabSz="685800" rtl="0" eaLnBrk="1" latinLnBrk="0" hangingPunct="1">
+              <a:lnSpc>
+                <a:spcPct val="90000"/>
+              </a:lnSpc>
+              <a:spcBef>
+                <a:spcPts val="375"/>
+              </a:spcBef>
+              <a:buFont typeface="Arial" panose="020B0604020202020204" pitchFamily="34" charset="0"/>
+              <a:buChar char="•"/>
+              <a:defRPr sz="1350" kern="1200">
+                <a:solidFill>
+                  <a:schemeClr val="tx1"/>
+                </a:solidFill>
+                <a:latin typeface="+mn-lt"/>
+                <a:ea typeface="+mn-ea"/>
+                <a:cs typeface="+mn-cs"/>
+              </a:defRPr>
+            </a:lvl9pPr>
+          </a:lstStyle>
+          <a:p>
+            <a:pPr>
+              <a:lnSpc>
+                <a:spcPct val="250000"/>
+              </a:lnSpc>
+            </a:pPr>
+            <a:r>
+              <a:rPr lang="fr-FR" sz="2400" dirty="0">
+                <a:solidFill>
+                  <a:srgbClr val="004492"/>
+                </a:solidFill>
+                <a:latin typeface="Calibri (Corps)"/>
+              </a:rPr>
+              <a:t>Travail autour d’un projet majeur :</a:t>
+            </a:r>
+          </a:p>
+          <a:p>
+            <a:pPr lvl="1">
+              <a:lnSpc>
+                <a:spcPct val="250000"/>
+              </a:lnSpc>
+            </a:pPr>
+            <a:r>
+              <a:rPr lang="fr-FR" sz="2100" dirty="0">
+                <a:solidFill>
+                  <a:srgbClr val="004492"/>
+                </a:solidFill>
+                <a:latin typeface="Calibri (Corps)"/>
+              </a:rPr>
+              <a:t>Certification d’un vertical développé par </a:t>
+            </a:r>
+            <a:r>
+              <a:rPr lang="fr-FR" sz="2100" dirty="0" err="1">
+                <a:solidFill>
+                  <a:srgbClr val="004492"/>
+                </a:solidFill>
+                <a:latin typeface="Calibri (Corps)"/>
+              </a:rPr>
+              <a:t>Eskape</a:t>
+            </a:r>
+            <a:endParaRPr lang="fr-FR" sz="2100" dirty="0">
+              <a:solidFill>
+                <a:srgbClr val="004492"/>
+              </a:solidFill>
+              <a:latin typeface="Calibri (Corps)"/>
+            </a:endParaRPr>
+          </a:p>
+          <a:p>
+            <a:pPr>
+              <a:lnSpc>
+                <a:spcPct val="250000"/>
+              </a:lnSpc>
+            </a:pPr>
+            <a:endParaRPr lang="fr-FR" sz="2400" dirty="0">
+              <a:solidFill>
+                <a:srgbClr val="004492"/>
+              </a:solidFill>
+              <a:latin typeface="Calibri (Corps)"/>
+            </a:endParaRPr>
+          </a:p>
+        </p:txBody>
+      </p:sp>
+      <p:sp>
+        <p:nvSpPr>
+          <p:cNvPr id="6" name="ZoneTexte 5"/>
+          <p:cNvSpPr txBox="1"/>
+          <p:nvPr/>
+        </p:nvSpPr>
+        <p:spPr>
+          <a:xfrm>
+            <a:off x="182621" y="109957"/>
+            <a:ext cx="3805967" cy="938719"/>
+          </a:xfrm>
+          <a:prstGeom prst="rect">
+            <a:avLst/>
+          </a:prstGeom>
+          <a:noFill/>
+        </p:spPr>
+        <p:txBody>
+          <a:bodyPr wrap="square" rtlCol="0">
+            <a:spAutoFit/>
+          </a:bodyPr>
+          <a:lstStyle/>
+          <a:p>
+            <a:r>
+              <a:rPr lang="fr-FR" sz="5500" dirty="0">
+                <a:solidFill>
+                  <a:schemeClr val="bg1"/>
+                </a:solidFill>
+                <a:latin typeface="Eurostile-Roman" pitchFamily="2" charset="0"/>
+                <a:cs typeface="Microsoft New Tai Lue" panose="020B0502040204020203" pitchFamily="34" charset="0"/>
+              </a:rPr>
+              <a:t>Introduction</a:t>
+            </a:r>
+          </a:p>
+        </p:txBody>
+      </p:sp>
+      <p:pic>
+        <p:nvPicPr>
+          <p:cNvPr id="7" name="Image 6"/>
+          <p:cNvPicPr>
+            <a:picLocks noChangeAspect="1"/>
+          </p:cNvPicPr>
+          <p:nvPr/>
+        </p:nvPicPr>
+        <p:blipFill>
+          <a:blip r:embed="rId2">
+            <a:extLst>
+              <a:ext uri="{28A0092B-C50C-407E-A947-70E740481C1C}">
+                <a14:useLocalDpi xmlns:a14="http://schemas.microsoft.com/office/drawing/2010/main" val="0"/>
+              </a:ext>
+            </a:extLst>
+          </a:blip>
+          <a:stretch>
+            <a:fillRect/>
+          </a:stretch>
+        </p:blipFill>
+        <p:spPr>
+          <a:xfrm>
+            <a:off x="2085604" y="4282068"/>
+            <a:ext cx="4713244" cy="1178311"/>
+          </a:xfrm>
+          <a:prstGeom prst="rect">
+            <a:avLst/>
+          </a:prstGeom>
+        </p:spPr>
+      </p:pic>
+      <p:sp>
+        <p:nvSpPr>
+          <p:cNvPr id="10" name="Espace réservé du numéro de diapositive 1"/>
+          <p:cNvSpPr>
+            <a:spLocks noGrp="1"/>
+          </p:cNvSpPr>
+          <p:nvPr>
+            <p:ph type="sldNum" sz="quarter" idx="12"/>
+          </p:nvPr>
+        </p:nvSpPr>
+        <p:spPr>
+          <a:xfrm>
+            <a:off x="6603423" y="6255991"/>
+            <a:ext cx="2057400" cy="365125"/>
+          </a:xfrm>
+        </p:spPr>
+        <p:txBody>
+          <a:bodyPr/>
+          <a:lstStyle/>
+          <a:p>
+            <a:r>
+              <a:rPr lang="fr-FR" sz="1800" dirty="0">
+                <a:latin typeface="Eurostile-Roman" pitchFamily="2" charset="0"/>
+              </a:rPr>
+              <a:t>Diapositive </a:t>
+            </a:r>
+            <a:fld id="{0A0AF257-D28F-495E-9E53-3BED59B8AA35}" type="slidenum">
+              <a:rPr lang="fr-FR" sz="1800" smtClean="0">
+                <a:latin typeface="Eurostile-Roman" pitchFamily="2" charset="0"/>
+              </a:rPr>
+              <a:t>4</a:t>
+            </a:fld>
+            <a:endParaRPr lang="fr-FR" sz="1800" dirty="0">
+              <a:latin typeface="Eurostile-Roman" pitchFamily="2" charset="0"/>
+            </a:endParaRPr>
+          </a:p>
+        </p:txBody>
+      </p:sp>
+    </p:spTree>
+    <p:extLst>
+      <p:ext uri="{BB962C8B-B14F-4D97-AF65-F5344CB8AC3E}">
+        <p14:creationId xmlns:p14="http://schemas.microsoft.com/office/powerpoint/2010/main" val="2105432915"/>
+      </p:ext>
+    </p:extLst>
+  </p:cSld>
+  <p:clrMapOvr>
+    <a:masterClrMapping/>
+  </p:clrMapOvr>
+</p:sld>
+</file>
+
+<file path=ppt/slides/slide40.xml><?xml version="1.0" encoding="utf-8"?>
 <p:sld xmlns:a="http://schemas.openxmlformats.org/drawingml/2006/main" xmlns:r="http://schemas.openxmlformats.org/officeDocument/2006/relationships" xmlns:p="http://schemas.openxmlformats.org/presentationml/2006/main">
   <p:cSld>
     <p:spTree>
@@ -17242,7 +20918,7 @@
           <a:p>
             <a:fld id="{0A0AF257-D28F-495E-9E53-3BED59B8AA35}" type="slidenum">
               <a:rPr lang="fr-FR" smtClean="0"/>
-              <a:t>34</a:t>
+              <a:t>40</a:t>
             </a:fld>
             <a:endParaRPr lang="fr-FR"/>
           </a:p>
@@ -17261,7 +20937,7 @@
 </p:sld>
 </file>
 
-<file path=ppt/slides/slide35.xml><?xml version="1.0" encoding="utf-8"?>
+<file path=ppt/slides/slide41.xml><?xml version="1.0" encoding="utf-8"?>
 <p:sld xmlns:a="http://schemas.openxmlformats.org/drawingml/2006/main" xmlns:r="http://schemas.openxmlformats.org/officeDocument/2006/relationships" xmlns:p="http://schemas.openxmlformats.org/presentationml/2006/main">
   <p:cSld>
     <p:spTree>
@@ -17706,7 +21382,7 @@
           <a:p>
             <a:fld id="{0A0AF257-D28F-495E-9E53-3BED59B8AA35}" type="slidenum">
               <a:rPr lang="fr-FR" smtClean="0"/>
-              <a:t>35</a:t>
+              <a:t>41</a:t>
             </a:fld>
             <a:endParaRPr lang="fr-FR"/>
           </a:p>
@@ -17725,7 +21401,7 @@
 </p:sld>
 </file>
 
-<file path=ppt/slides/slide36.xml><?xml version="1.0" encoding="utf-8"?>
+<file path=ppt/slides/slide42.xml><?xml version="1.0" encoding="utf-8"?>
 <p:sld xmlns:a="http://schemas.openxmlformats.org/drawingml/2006/main" xmlns:r="http://schemas.openxmlformats.org/officeDocument/2006/relationships" xmlns:p="http://schemas.openxmlformats.org/presentationml/2006/main">
   <p:cSld>
     <p:spTree>
@@ -17884,7 +21560,7 @@
           <a:p>
             <a:fld id="{0A0AF257-D28F-495E-9E53-3BED59B8AA35}" type="slidenum">
               <a:rPr lang="fr-FR" smtClean="0"/>
-              <a:t>36</a:t>
+              <a:t>42</a:t>
             </a:fld>
             <a:endParaRPr lang="fr-FR"/>
           </a:p>
@@ -17903,7 +21579,7 @@
 </p:sld>
 </file>
 
-<file path=ppt/slides/slide37.xml><?xml version="1.0" encoding="utf-8"?>
+<file path=ppt/slides/slide43.xml><?xml version="1.0" encoding="utf-8"?>
 <p:sld xmlns:a="http://schemas.openxmlformats.org/drawingml/2006/main" xmlns:r="http://schemas.openxmlformats.org/officeDocument/2006/relationships" xmlns:p="http://schemas.openxmlformats.org/presentationml/2006/main">
   <p:cSld>
     <p:spTree>
@@ -18323,7 +21999,7 @@
           <a:p>
             <a:fld id="{0A0AF257-D28F-495E-9E53-3BED59B8AA35}" type="slidenum">
               <a:rPr lang="fr-FR" smtClean="0"/>
-              <a:t>37</a:t>
+              <a:t>43</a:t>
             </a:fld>
             <a:endParaRPr lang="fr-FR"/>
           </a:p>
@@ -18342,7 +22018,7 @@
 </p:sld>
 </file>
 
-<file path=ppt/slides/slide38.xml><?xml version="1.0" encoding="utf-8"?>
+<file path=ppt/slides/slide44.xml><?xml version="1.0" encoding="utf-8"?>
 <p:sld xmlns:a="http://schemas.openxmlformats.org/drawingml/2006/main" xmlns:r="http://schemas.openxmlformats.org/officeDocument/2006/relationships" xmlns:p="http://schemas.openxmlformats.org/presentationml/2006/main">
   <p:cSld>
     <p:spTree>
@@ -18770,7 +22446,7 @@
           <a:p>
             <a:fld id="{0A0AF257-D28F-495E-9E53-3BED59B8AA35}" type="slidenum">
               <a:rPr lang="fr-FR" smtClean="0"/>
-              <a:t>38</a:t>
+              <a:t>44</a:t>
             </a:fld>
             <a:endParaRPr lang="fr-FR"/>
           </a:p>
@@ -18789,7 +22465,7 @@
 </p:sld>
 </file>
 
-<file path=ppt/slides/slide39.xml><?xml version="1.0" encoding="utf-8"?>
+<file path=ppt/slides/slide45.xml><?xml version="1.0" encoding="utf-8"?>
 <p:sld xmlns:a="http://schemas.openxmlformats.org/drawingml/2006/main" xmlns:r="http://schemas.openxmlformats.org/officeDocument/2006/relationships" xmlns:p="http://schemas.openxmlformats.org/presentationml/2006/main">
   <p:cSld>
     <p:spTree>
@@ -19152,7 +22828,7 @@
           <a:p>
             <a:fld id="{0A0AF257-D28F-495E-9E53-3BED59B8AA35}" type="slidenum">
               <a:rPr lang="fr-FR" smtClean="0"/>
-              <a:t>39</a:t>
+              <a:t>45</a:t>
             </a:fld>
             <a:endParaRPr lang="fr-FR"/>
           </a:p>
@@ -19171,7 +22847,7 @@
 </p:sld>
 </file>
 
-<file path=ppt/slides/slide4.xml><?xml version="1.0" encoding="utf-8"?>
+<file path=ppt/slides/slide46.xml><?xml version="1.0" encoding="utf-8"?>
 <p:sld xmlns:a="http://schemas.openxmlformats.org/drawingml/2006/main" xmlns:r="http://schemas.openxmlformats.org/officeDocument/2006/relationships" xmlns:p="http://schemas.openxmlformats.org/presentationml/2006/main">
   <p:cSld>
     <p:spTree>
@@ -19190,7 +22866,58 @@
       </p:grpSpPr>
       <p:sp>
         <p:nvSpPr>
-          <p:cNvPr id="5" name="Espace réservé du contenu 2"/>
+          <p:cNvPr id="2" name="Titre 1"/>
+          <p:cNvSpPr>
+            <a:spLocks noGrp="1"/>
+          </p:cNvSpPr>
+          <p:nvPr>
+            <p:ph type="title"/>
+          </p:nvPr>
+        </p:nvSpPr>
+        <p:spPr>
+          <a:xfrm>
+            <a:off x="245917" y="10391"/>
+            <a:ext cx="6347713" cy="1320800"/>
+          </a:xfrm>
+        </p:spPr>
+        <p:txBody>
+          <a:bodyPr>
+            <a:normAutofit/>
+          </a:bodyPr>
+          <a:lstStyle/>
+          <a:p>
+            <a:r>
+              <a:rPr lang="fr-FR" sz="3500" dirty="0">
+                <a:solidFill>
+                  <a:schemeClr val="bg1"/>
+                </a:solidFill>
+                <a:latin typeface="Eurostile" panose="020B0504020202050204" pitchFamily="34" charset="0"/>
+              </a:rPr>
+              <a:t>Bilan humain et</a:t>
+            </a:r>
+            <a:br>
+              <a:rPr lang="fr-FR" sz="3500" dirty="0">
+                <a:solidFill>
+                  <a:schemeClr val="bg1"/>
+                </a:solidFill>
+                <a:latin typeface="Eurostile" panose="020B0504020202050204" pitchFamily="34" charset="0"/>
+              </a:rPr>
+            </a:br>
+            <a:r>
+              <a:rPr lang="fr-FR" sz="3500" dirty="0">
+                <a:solidFill>
+                  <a:schemeClr val="bg1"/>
+                </a:solidFill>
+                <a:latin typeface="Eurostile" panose="020B0504020202050204" pitchFamily="34" charset="0"/>
+              </a:rPr>
+              <a:t>technique</a:t>
+            </a:r>
+          </a:p>
+        </p:txBody>
+      </p:sp>
+      <p:sp>
+        <p:nvSpPr>
+          <p:cNvPr id="5" name="Espace réservé du contenu 30"/>
           <p:cNvSpPr txBox="1">
             <a:spLocks/>
           </p:cNvSpPr>
@@ -19198,8 +22925,8 @@
         </p:nvSpPr>
         <p:spPr>
           <a:xfrm>
-            <a:off x="1018309" y="1924771"/>
-            <a:ext cx="7886700" cy="4351338"/>
+            <a:off x="1161183" y="1987101"/>
+            <a:ext cx="8359485" cy="3862981"/>
           </a:xfrm>
           <a:prstGeom prst="rect">
             <a:avLst/>
@@ -19207,7 +22934,7 @@
         </p:spPr>
         <p:txBody>
           <a:bodyPr vert="horz" lIns="91440" tIns="45720" rIns="91440" bIns="45720" rtlCol="0">
-            <a:noAutofit/>
+            <a:normAutofit/>
           </a:bodyPr>
           <a:lstStyle>
             <a:lvl1pPr marL="171450" indent="-171450" algn="l" defTabSz="685800" rtl="0" eaLnBrk="1" latinLnBrk="0" hangingPunct="1">
@@ -19378,131 +23105,78 @@
               <a:lnSpc>
                 <a:spcPct val="250000"/>
               </a:lnSpc>
+              <a:buFont typeface="Wingdings" panose="05000000000000000000" pitchFamily="2" charset="2"/>
+              <a:buChar char="§"/>
             </a:pPr>
             <a:r>
-              <a:rPr lang="fr-FR" sz="2400" dirty="0">
-                <a:solidFill>
-                  <a:srgbClr val="004492"/>
-                </a:solidFill>
-                <a:latin typeface="Calibri (Corps)"/>
-              </a:rPr>
-              <a:t>Travail autour d’un projet majeur :</a:t>
-            </a:r>
-          </a:p>
-          <a:p>
-            <a:pPr lvl="1">
+              <a:rPr lang="fr-FR" sz="2200" dirty="0">
+                <a:solidFill>
+                  <a:srgbClr val="004492"/>
+                </a:solidFill>
+                <a:latin typeface="Eurostile" panose="020B0504020202050204" pitchFamily="34" charset="0"/>
+              </a:rPr>
+              <a:t> Stage de 10 semaines : atout pour le parcours professionnel</a:t>
+            </a:r>
+          </a:p>
+          <a:p>
+            <a:pPr>
               <a:lnSpc>
                 <a:spcPct val="250000"/>
               </a:lnSpc>
+              <a:buFont typeface="Wingdings" panose="05000000000000000000" pitchFamily="2" charset="2"/>
+              <a:buChar char="§"/>
             </a:pPr>
             <a:r>
-              <a:rPr lang="fr-FR" sz="2100" dirty="0">
-                <a:solidFill>
-                  <a:srgbClr val="004492"/>
-                </a:solidFill>
-                <a:latin typeface="Calibri (Corps)"/>
-              </a:rPr>
-              <a:t>Certification d’un vertical développé par </a:t>
-            </a:r>
-            <a:r>
-              <a:rPr lang="fr-FR" sz="2100" dirty="0" err="1">
-                <a:solidFill>
-                  <a:srgbClr val="004492"/>
-                </a:solidFill>
-                <a:latin typeface="Calibri (Corps)"/>
-              </a:rPr>
-              <a:t>Eskape</a:t>
-            </a:r>
-            <a:endParaRPr lang="fr-FR" sz="2100" dirty="0">
+              <a:rPr lang="fr-FR" sz="2200" dirty="0">
+                <a:solidFill>
+                  <a:srgbClr val="004492"/>
+                </a:solidFill>
+                <a:latin typeface="Eurostile" panose="020B0504020202050204" pitchFamily="34" charset="0"/>
+                <a:sym typeface="Wingdings" panose="05000000000000000000" pitchFamily="2" charset="2"/>
+              </a:rPr>
+              <a:t> Premier pas dans le monde professionnel</a:t>
+            </a:r>
+          </a:p>
+          <a:p>
+            <a:pPr>
+              <a:lnSpc>
+                <a:spcPct val="250000"/>
+              </a:lnSpc>
+              <a:buFont typeface="Wingdings" panose="05000000000000000000" pitchFamily="2" charset="2"/>
+              <a:buChar char="§"/>
+            </a:pPr>
+            <a:r>
+              <a:rPr lang="fr-FR" sz="2200" dirty="0">
+                <a:solidFill>
+                  <a:srgbClr val="004492"/>
+                </a:solidFill>
+                <a:latin typeface="Eurostile" panose="020B0504020202050204" pitchFamily="34" charset="0"/>
+                <a:sym typeface="Wingdings" panose="05000000000000000000" pitchFamily="2" charset="2"/>
+              </a:rPr>
+              <a:t> Me conforte dans mon envie de me diriger vers les métiers du développement de projets informatiques</a:t>
+            </a:r>
+          </a:p>
+          <a:p>
+            <a:pPr>
+              <a:lnSpc>
+                <a:spcPct val="250000"/>
+              </a:lnSpc>
+              <a:buFont typeface="Wingdings" panose="05000000000000000000" pitchFamily="2" charset="2"/>
+              <a:buChar char="§"/>
+            </a:pPr>
+            <a:endParaRPr lang="fr-FR" sz="2200" dirty="0">
               <a:solidFill>
                 <a:srgbClr val="004492"/>
               </a:solidFill>
-              <a:latin typeface="Calibri (Corps)"/>
+              <a:latin typeface="Eurostile" panose="020B0504020202050204" pitchFamily="34" charset="0"/>
+              <a:sym typeface="Wingdings" panose="05000000000000000000" pitchFamily="2" charset="2"/>
             </a:endParaRPr>
           </a:p>
-          <a:p>
-            <a:pPr>
-              <a:lnSpc>
-                <a:spcPct val="250000"/>
-              </a:lnSpc>
-            </a:pPr>
-            <a:endParaRPr lang="fr-FR" sz="2400" dirty="0">
-              <a:solidFill>
-                <a:srgbClr val="004492"/>
-              </a:solidFill>
-              <a:latin typeface="Calibri (Corps)"/>
-            </a:endParaRPr>
-          </a:p>
-        </p:txBody>
-      </p:sp>
-      <p:sp>
-        <p:nvSpPr>
-          <p:cNvPr id="6" name="ZoneTexte 5"/>
-          <p:cNvSpPr txBox="1"/>
-          <p:nvPr/>
-        </p:nvSpPr>
-        <p:spPr>
-          <a:xfrm>
-            <a:off x="182621" y="109957"/>
-            <a:ext cx="3805967" cy="938719"/>
-          </a:xfrm>
-          <a:prstGeom prst="rect">
-            <a:avLst/>
-          </a:prstGeom>
-          <a:noFill/>
-        </p:spPr>
-        <p:txBody>
-          <a:bodyPr wrap="square" rtlCol="0">
-            <a:spAutoFit/>
-          </a:bodyPr>
-          <a:lstStyle/>
-          <a:p>
-            <a:r>
-              <a:rPr lang="fr-FR" sz="5500" dirty="0">
-                <a:solidFill>
-                  <a:schemeClr val="bg1"/>
-                </a:solidFill>
-                <a:latin typeface="Eurostile-Roman" pitchFamily="2" charset="0"/>
-                <a:cs typeface="Microsoft New Tai Lue" panose="020B0502040204020203" pitchFamily="34" charset="0"/>
-              </a:rPr>
-              <a:t>Introduction</a:t>
-            </a:r>
-          </a:p>
-        </p:txBody>
-      </p:sp>
-      <p:pic>
-        <p:nvPicPr>
-          <p:cNvPr id="7" name="Image 6"/>
-          <p:cNvPicPr>
-            <a:picLocks noChangeAspect="1"/>
-          </p:cNvPicPr>
-          <p:nvPr/>
-        </p:nvPicPr>
-        <p:blipFill>
-          <a:blip r:embed="rId2">
-            <a:extLst>
-              <a:ext uri="{28A0092B-C50C-407E-A947-70E740481C1C}">
-                <a14:useLocalDpi xmlns:a14="http://schemas.microsoft.com/office/drawing/2010/main" val="0"/>
-              </a:ext>
-            </a:extLst>
-          </a:blip>
-          <a:stretch>
-            <a:fillRect/>
-          </a:stretch>
-        </p:blipFill>
-        <p:spPr>
-          <a:xfrm>
-            <a:off x="2085604" y="4282068"/>
-            <a:ext cx="4713244" cy="1178311"/>
-          </a:xfrm>
-          <a:prstGeom prst="rect">
-            <a:avLst/>
-          </a:prstGeom>
-        </p:spPr>
-      </p:pic>
-      <p:sp>
-        <p:nvSpPr>
-          <p:cNvPr id="10" name="Espace réservé du numéro de diapositive 1"/>
+        </p:txBody>
+      </p:sp>
+      <p:sp>
+        <p:nvSpPr>
+          <p:cNvPr id="3" name="Espace réservé du numéro de diapositive 2"/>
           <p:cNvSpPr>
             <a:spLocks noGrp="1"/>
           </p:cNvSpPr>
@@ -19510,38 +23184,23 @@
             <p:ph type="sldNum" sz="quarter" idx="12"/>
           </p:nvPr>
         </p:nvSpPr>
-        <p:spPr>
-          <a:xfrm>
-            <a:off x="6603423" y="6255991"/>
-            <a:ext cx="2057400" cy="365125"/>
-          </a:xfrm>
-        </p:spPr>
+        <p:spPr/>
         <p:txBody>
           <a:bodyPr/>
           <a:lstStyle/>
           <a:p>
-            <a:r>
-              <a:rPr lang="fr-FR" sz="1800" dirty="0">
-                <a:latin typeface="Eurostile-Roman" pitchFamily="2" charset="0"/>
-              </a:rPr>
-              <a:t>Diapositive </a:t>
-            </a:r>
             <a:fld id="{0A0AF257-D28F-495E-9E53-3BED59B8AA35}" type="slidenum">
-              <a:rPr lang="fr-FR" sz="1800" smtClean="0">
-                <a:latin typeface="Eurostile-Roman" pitchFamily="2" charset="0"/>
-              </a:rPr>
-              <a:t>4</a:t>
+              <a:rPr lang="fr-FR" smtClean="0"/>
+              <a:t>46</a:t>
             </a:fld>
-            <a:endParaRPr lang="fr-FR" sz="1800" dirty="0">
-              <a:latin typeface="Eurostile-Roman" pitchFamily="2" charset="0"/>
-            </a:endParaRPr>
+            <a:endParaRPr lang="fr-FR"/>
           </a:p>
         </p:txBody>
       </p:sp>
     </p:spTree>
     <p:extLst>
       <p:ext uri="{BB962C8B-B14F-4D97-AF65-F5344CB8AC3E}">
-        <p14:creationId xmlns:p14="http://schemas.microsoft.com/office/powerpoint/2010/main" val="2105432915"/>
+        <p14:creationId xmlns:p14="http://schemas.microsoft.com/office/powerpoint/2010/main" val="2284297550"/>
       </p:ext>
     </p:extLst>
   </p:cSld>
@@ -19551,7 +23210,7 @@
 </p:sld>
 </file>
 
-<file path=ppt/slides/slide40.xml><?xml version="1.0" encoding="utf-8"?>
+<file path=ppt/slides/slide47.xml><?xml version="1.0" encoding="utf-8"?>
 <p:sld xmlns:a="http://schemas.openxmlformats.org/drawingml/2006/main" xmlns:r="http://schemas.openxmlformats.org/officeDocument/2006/relationships" xmlns:p="http://schemas.openxmlformats.org/presentationml/2006/main">
   <p:cSld>
     <p:spTree>
@@ -19570,369 +23229,6 @@
       </p:grpSpPr>
       <p:sp>
         <p:nvSpPr>
-          <p:cNvPr id="2" name="Titre 1"/>
-          <p:cNvSpPr>
-            <a:spLocks noGrp="1"/>
-          </p:cNvSpPr>
-          <p:nvPr>
-            <p:ph type="title"/>
-          </p:nvPr>
-        </p:nvSpPr>
-        <p:spPr>
-          <a:xfrm>
-            <a:off x="245917" y="10391"/>
-            <a:ext cx="6347713" cy="1320800"/>
-          </a:xfrm>
-        </p:spPr>
-        <p:txBody>
-          <a:bodyPr>
-            <a:normAutofit/>
-          </a:bodyPr>
-          <a:lstStyle/>
-          <a:p>
-            <a:r>
-              <a:rPr lang="fr-FR" sz="3500" dirty="0">
-                <a:solidFill>
-                  <a:schemeClr val="bg1"/>
-                </a:solidFill>
-                <a:latin typeface="Eurostile" panose="020B0504020202050204" pitchFamily="34" charset="0"/>
-              </a:rPr>
-              <a:t>Bilan humain et</a:t>
-            </a:r>
-            <a:br>
-              <a:rPr lang="fr-FR" sz="3500" dirty="0">
-                <a:solidFill>
-                  <a:schemeClr val="bg1"/>
-                </a:solidFill>
-                <a:latin typeface="Eurostile" panose="020B0504020202050204" pitchFamily="34" charset="0"/>
-              </a:rPr>
-            </a:br>
-            <a:r>
-              <a:rPr lang="fr-FR" sz="3500" dirty="0">
-                <a:solidFill>
-                  <a:schemeClr val="bg1"/>
-                </a:solidFill>
-                <a:latin typeface="Eurostile" panose="020B0504020202050204" pitchFamily="34" charset="0"/>
-              </a:rPr>
-              <a:t>technique</a:t>
-            </a:r>
-          </a:p>
-        </p:txBody>
-      </p:sp>
-      <p:sp>
-        <p:nvSpPr>
-          <p:cNvPr id="5" name="Espace réservé du contenu 30"/>
-          <p:cNvSpPr txBox="1">
-            <a:spLocks/>
-          </p:cNvSpPr>
-          <p:nvPr/>
-        </p:nvSpPr>
-        <p:spPr>
-          <a:xfrm>
-            <a:off x="1161183" y="1987101"/>
-            <a:ext cx="8359485" cy="3862981"/>
-          </a:xfrm>
-          <a:prstGeom prst="rect">
-            <a:avLst/>
-          </a:prstGeom>
-        </p:spPr>
-        <p:txBody>
-          <a:bodyPr vert="horz" lIns="91440" tIns="45720" rIns="91440" bIns="45720" rtlCol="0">
-            <a:normAutofit/>
-          </a:bodyPr>
-          <a:lstStyle>
-            <a:lvl1pPr marL="171450" indent="-171450" algn="l" defTabSz="685800" rtl="0" eaLnBrk="1" latinLnBrk="0" hangingPunct="1">
-              <a:lnSpc>
-                <a:spcPct val="90000"/>
-              </a:lnSpc>
-              <a:spcBef>
-                <a:spcPts val="750"/>
-              </a:spcBef>
-              <a:buFont typeface="Arial" panose="020B0604020202020204" pitchFamily="34" charset="0"/>
-              <a:buChar char="•"/>
-              <a:defRPr sz="2100" kern="1200">
-                <a:solidFill>
-                  <a:schemeClr val="tx1"/>
-                </a:solidFill>
-                <a:latin typeface="+mn-lt"/>
-                <a:ea typeface="+mn-ea"/>
-                <a:cs typeface="+mn-cs"/>
-              </a:defRPr>
-            </a:lvl1pPr>
-            <a:lvl2pPr marL="514350" indent="-171450" algn="l" defTabSz="685800" rtl="0" eaLnBrk="1" latinLnBrk="0" hangingPunct="1">
-              <a:lnSpc>
-                <a:spcPct val="90000"/>
-              </a:lnSpc>
-              <a:spcBef>
-                <a:spcPts val="375"/>
-              </a:spcBef>
-              <a:buFont typeface="Arial" panose="020B0604020202020204" pitchFamily="34" charset="0"/>
-              <a:buChar char="•"/>
-              <a:defRPr sz="1800" kern="1200">
-                <a:solidFill>
-                  <a:schemeClr val="tx1"/>
-                </a:solidFill>
-                <a:latin typeface="+mn-lt"/>
-                <a:ea typeface="+mn-ea"/>
-                <a:cs typeface="+mn-cs"/>
-              </a:defRPr>
-            </a:lvl2pPr>
-            <a:lvl3pPr marL="857250" indent="-171450" algn="l" defTabSz="685800" rtl="0" eaLnBrk="1" latinLnBrk="0" hangingPunct="1">
-              <a:lnSpc>
-                <a:spcPct val="90000"/>
-              </a:lnSpc>
-              <a:spcBef>
-                <a:spcPts val="375"/>
-              </a:spcBef>
-              <a:buFont typeface="Arial" panose="020B0604020202020204" pitchFamily="34" charset="0"/>
-              <a:buChar char="•"/>
-              <a:defRPr sz="1500" kern="1200">
-                <a:solidFill>
-                  <a:schemeClr val="tx1"/>
-                </a:solidFill>
-                <a:latin typeface="+mn-lt"/>
-                <a:ea typeface="+mn-ea"/>
-                <a:cs typeface="+mn-cs"/>
-              </a:defRPr>
-            </a:lvl3pPr>
-            <a:lvl4pPr marL="1200150" indent="-171450" algn="l" defTabSz="685800" rtl="0" eaLnBrk="1" latinLnBrk="0" hangingPunct="1">
-              <a:lnSpc>
-                <a:spcPct val="90000"/>
-              </a:lnSpc>
-              <a:spcBef>
-                <a:spcPts val="375"/>
-              </a:spcBef>
-              <a:buFont typeface="Arial" panose="020B0604020202020204" pitchFamily="34" charset="0"/>
-              <a:buChar char="•"/>
-              <a:defRPr sz="1350" kern="1200">
-                <a:solidFill>
-                  <a:schemeClr val="tx1"/>
-                </a:solidFill>
-                <a:latin typeface="+mn-lt"/>
-                <a:ea typeface="+mn-ea"/>
-                <a:cs typeface="+mn-cs"/>
-              </a:defRPr>
-            </a:lvl4pPr>
-            <a:lvl5pPr marL="1543050" indent="-171450" algn="l" defTabSz="685800" rtl="0" eaLnBrk="1" latinLnBrk="0" hangingPunct="1">
-              <a:lnSpc>
-                <a:spcPct val="90000"/>
-              </a:lnSpc>
-              <a:spcBef>
-                <a:spcPts val="375"/>
-              </a:spcBef>
-              <a:buFont typeface="Arial" panose="020B0604020202020204" pitchFamily="34" charset="0"/>
-              <a:buChar char="•"/>
-              <a:defRPr sz="1350" kern="1200">
-                <a:solidFill>
-                  <a:schemeClr val="tx1"/>
-                </a:solidFill>
-                <a:latin typeface="+mn-lt"/>
-                <a:ea typeface="+mn-ea"/>
-                <a:cs typeface="+mn-cs"/>
-              </a:defRPr>
-            </a:lvl5pPr>
-            <a:lvl6pPr marL="1885950" indent="-171450" algn="l" defTabSz="685800" rtl="0" eaLnBrk="1" latinLnBrk="0" hangingPunct="1">
-              <a:lnSpc>
-                <a:spcPct val="90000"/>
-              </a:lnSpc>
-              <a:spcBef>
-                <a:spcPts val="375"/>
-              </a:spcBef>
-              <a:buFont typeface="Arial" panose="020B0604020202020204" pitchFamily="34" charset="0"/>
-              <a:buChar char="•"/>
-              <a:defRPr sz="1350" kern="1200">
-                <a:solidFill>
-                  <a:schemeClr val="tx1"/>
-                </a:solidFill>
-                <a:latin typeface="+mn-lt"/>
-                <a:ea typeface="+mn-ea"/>
-                <a:cs typeface="+mn-cs"/>
-              </a:defRPr>
-            </a:lvl6pPr>
-            <a:lvl7pPr marL="2228850" indent="-171450" algn="l" defTabSz="685800" rtl="0" eaLnBrk="1" latinLnBrk="0" hangingPunct="1">
-              <a:lnSpc>
-                <a:spcPct val="90000"/>
-              </a:lnSpc>
-              <a:spcBef>
-                <a:spcPts val="375"/>
-              </a:spcBef>
-              <a:buFont typeface="Arial" panose="020B0604020202020204" pitchFamily="34" charset="0"/>
-              <a:buChar char="•"/>
-              <a:defRPr sz="1350" kern="1200">
-                <a:solidFill>
-                  <a:schemeClr val="tx1"/>
-                </a:solidFill>
-                <a:latin typeface="+mn-lt"/>
-                <a:ea typeface="+mn-ea"/>
-                <a:cs typeface="+mn-cs"/>
-              </a:defRPr>
-            </a:lvl7pPr>
-            <a:lvl8pPr marL="2571750" indent="-171450" algn="l" defTabSz="685800" rtl="0" eaLnBrk="1" latinLnBrk="0" hangingPunct="1">
-              <a:lnSpc>
-                <a:spcPct val="90000"/>
-              </a:lnSpc>
-              <a:spcBef>
-                <a:spcPts val="375"/>
-              </a:spcBef>
-              <a:buFont typeface="Arial" panose="020B0604020202020204" pitchFamily="34" charset="0"/>
-              <a:buChar char="•"/>
-              <a:defRPr sz="1350" kern="1200">
-                <a:solidFill>
-                  <a:schemeClr val="tx1"/>
-                </a:solidFill>
-                <a:latin typeface="+mn-lt"/>
-                <a:ea typeface="+mn-ea"/>
-                <a:cs typeface="+mn-cs"/>
-              </a:defRPr>
-            </a:lvl8pPr>
-            <a:lvl9pPr marL="2914650" indent="-171450" algn="l" defTabSz="685800" rtl="0" eaLnBrk="1" latinLnBrk="0" hangingPunct="1">
-              <a:lnSpc>
-                <a:spcPct val="90000"/>
-              </a:lnSpc>
-              <a:spcBef>
-                <a:spcPts val="375"/>
-              </a:spcBef>
-              <a:buFont typeface="Arial" panose="020B0604020202020204" pitchFamily="34" charset="0"/>
-              <a:buChar char="•"/>
-              <a:defRPr sz="1350" kern="1200">
-                <a:solidFill>
-                  <a:schemeClr val="tx1"/>
-                </a:solidFill>
-                <a:latin typeface="+mn-lt"/>
-                <a:ea typeface="+mn-ea"/>
-                <a:cs typeface="+mn-cs"/>
-              </a:defRPr>
-            </a:lvl9pPr>
-          </a:lstStyle>
-          <a:p>
-            <a:pPr>
-              <a:lnSpc>
-                <a:spcPct val="250000"/>
-              </a:lnSpc>
-              <a:buFont typeface="Wingdings" panose="05000000000000000000" pitchFamily="2" charset="2"/>
-              <a:buChar char="§"/>
-            </a:pPr>
-            <a:r>
-              <a:rPr lang="fr-FR" sz="2200" dirty="0">
-                <a:solidFill>
-                  <a:srgbClr val="004492"/>
-                </a:solidFill>
-                <a:latin typeface="Eurostile" panose="020B0504020202050204" pitchFamily="34" charset="0"/>
-              </a:rPr>
-              <a:t> Stage de 10 semaines : atout pour le parcours professionnel</a:t>
-            </a:r>
-          </a:p>
-          <a:p>
-            <a:pPr>
-              <a:lnSpc>
-                <a:spcPct val="250000"/>
-              </a:lnSpc>
-              <a:buFont typeface="Wingdings" panose="05000000000000000000" pitchFamily="2" charset="2"/>
-              <a:buChar char="§"/>
-            </a:pPr>
-            <a:r>
-              <a:rPr lang="fr-FR" sz="2200" dirty="0">
-                <a:solidFill>
-                  <a:srgbClr val="004492"/>
-                </a:solidFill>
-                <a:latin typeface="Eurostile" panose="020B0504020202050204" pitchFamily="34" charset="0"/>
-                <a:sym typeface="Wingdings" panose="05000000000000000000" pitchFamily="2" charset="2"/>
-              </a:rPr>
-              <a:t> Premier pas dans le monde professionnel</a:t>
-            </a:r>
-          </a:p>
-          <a:p>
-            <a:pPr>
-              <a:lnSpc>
-                <a:spcPct val="250000"/>
-              </a:lnSpc>
-              <a:buFont typeface="Wingdings" panose="05000000000000000000" pitchFamily="2" charset="2"/>
-              <a:buChar char="§"/>
-            </a:pPr>
-            <a:r>
-              <a:rPr lang="fr-FR" sz="2200" dirty="0">
-                <a:solidFill>
-                  <a:srgbClr val="004492"/>
-                </a:solidFill>
-                <a:latin typeface="Eurostile" panose="020B0504020202050204" pitchFamily="34" charset="0"/>
-                <a:sym typeface="Wingdings" panose="05000000000000000000" pitchFamily="2" charset="2"/>
-              </a:rPr>
-              <a:t> Me conforte dans mon envie de me diriger vers les métiers du développement de projets informatiques</a:t>
-            </a:r>
-          </a:p>
-          <a:p>
-            <a:pPr>
-              <a:lnSpc>
-                <a:spcPct val="250000"/>
-              </a:lnSpc>
-              <a:buFont typeface="Wingdings" panose="05000000000000000000" pitchFamily="2" charset="2"/>
-              <a:buChar char="§"/>
-            </a:pPr>
-            <a:endParaRPr lang="fr-FR" sz="2200" dirty="0">
-              <a:solidFill>
-                <a:srgbClr val="004492"/>
-              </a:solidFill>
-              <a:latin typeface="Eurostile" panose="020B0504020202050204" pitchFamily="34" charset="0"/>
-              <a:sym typeface="Wingdings" panose="05000000000000000000" pitchFamily="2" charset="2"/>
-            </a:endParaRPr>
-          </a:p>
-        </p:txBody>
-      </p:sp>
-      <p:sp>
-        <p:nvSpPr>
-          <p:cNvPr id="3" name="Espace réservé du numéro de diapositive 2"/>
-          <p:cNvSpPr>
-            <a:spLocks noGrp="1"/>
-          </p:cNvSpPr>
-          <p:nvPr>
-            <p:ph type="sldNum" sz="quarter" idx="12"/>
-          </p:nvPr>
-        </p:nvSpPr>
-        <p:spPr/>
-        <p:txBody>
-          <a:bodyPr/>
-          <a:lstStyle/>
-          <a:p>
-            <a:fld id="{0A0AF257-D28F-495E-9E53-3BED59B8AA35}" type="slidenum">
-              <a:rPr lang="fr-FR" smtClean="0"/>
-              <a:t>40</a:t>
-            </a:fld>
-            <a:endParaRPr lang="fr-FR"/>
-          </a:p>
-        </p:txBody>
-      </p:sp>
-    </p:spTree>
-    <p:extLst>
-      <p:ext uri="{BB962C8B-B14F-4D97-AF65-F5344CB8AC3E}">
-        <p14:creationId xmlns:p14="http://schemas.microsoft.com/office/powerpoint/2010/main" val="2284297550"/>
-      </p:ext>
-    </p:extLst>
-  </p:cSld>
-  <p:clrMapOvr>
-    <a:masterClrMapping/>
-  </p:clrMapOvr>
-</p:sld>
-</file>
-
-<file path=ppt/slides/slide41.xml><?xml version="1.0" encoding="utf-8"?>
-<p:sld xmlns:a="http://schemas.openxmlformats.org/drawingml/2006/main" xmlns:r="http://schemas.openxmlformats.org/officeDocument/2006/relationships" xmlns:p="http://schemas.openxmlformats.org/presentationml/2006/main">
-  <p:cSld>
-    <p:spTree>
-      <p:nvGrpSpPr>
-        <p:cNvPr id="1" name=""/>
-        <p:cNvGrpSpPr/>
-        <p:nvPr/>
-      </p:nvGrpSpPr>
-      <p:grpSpPr>
-        <a:xfrm>
-          <a:off x="0" y="0"/>
-          <a:ext cx="0" cy="0"/>
-          <a:chOff x="0" y="0"/>
-          <a:chExt cx="0" cy="0"/>
-        </a:xfrm>
-      </p:grpSpPr>
-      <p:sp>
-        <p:nvSpPr>
           <p:cNvPr id="6" name="Espace réservé du contenu 30"/>
           <p:cNvSpPr txBox="1">
             <a:spLocks/>
@@ -20159,7 +23455,7 @@
           <a:p>
             <a:fld id="{0A0AF257-D28F-495E-9E53-3BED59B8AA35}" type="slidenum">
               <a:rPr lang="fr-FR" smtClean="0"/>
-              <a:t>41</a:t>
+              <a:t>47</a:t>
             </a:fld>
             <a:endParaRPr lang="fr-FR"/>
           </a:p>

--- a/Soutenance_Stage.pptx
+++ b/Soutenance_Stage.pptx
@@ -5,7 +5,7 @@
     <p:sldMasterId id="2147483694" r:id="rId1"/>
   </p:sldMasterIdLst>
   <p:notesMasterIdLst>
-    <p:notesMasterId r:id="rId49"/>
+    <p:notesMasterId r:id="rId48"/>
   </p:notesMasterIdLst>
   <p:sldIdLst>
     <p:sldId id="256" r:id="rId2"/>
@@ -35,26 +35,25 @@
     <p:sldId id="326" r:id="rId26"/>
     <p:sldId id="327" r:id="rId27"/>
     <p:sldId id="328" r:id="rId28"/>
-    <p:sldId id="329" r:id="rId29"/>
-    <p:sldId id="272" r:id="rId30"/>
-    <p:sldId id="319" r:id="rId31"/>
-    <p:sldId id="275" r:id="rId32"/>
-    <p:sldId id="274" r:id="rId33"/>
-    <p:sldId id="277" r:id="rId34"/>
-    <p:sldId id="278" r:id="rId35"/>
-    <p:sldId id="307" r:id="rId36"/>
-    <p:sldId id="281" r:id="rId37"/>
-    <p:sldId id="287" r:id="rId38"/>
-    <p:sldId id="288" r:id="rId39"/>
-    <p:sldId id="289" r:id="rId40"/>
-    <p:sldId id="295" r:id="rId41"/>
-    <p:sldId id="297" r:id="rId42"/>
-    <p:sldId id="298" r:id="rId43"/>
-    <p:sldId id="299" r:id="rId44"/>
-    <p:sldId id="300" r:id="rId45"/>
-    <p:sldId id="301" r:id="rId46"/>
-    <p:sldId id="302" r:id="rId47"/>
-    <p:sldId id="305" r:id="rId48"/>
+    <p:sldId id="330" r:id="rId29"/>
+    <p:sldId id="335" r:id="rId30"/>
+    <p:sldId id="333" r:id="rId31"/>
+    <p:sldId id="332" r:id="rId32"/>
+    <p:sldId id="334" r:id="rId33"/>
+    <p:sldId id="278" r:id="rId34"/>
+    <p:sldId id="307" r:id="rId35"/>
+    <p:sldId id="281" r:id="rId36"/>
+    <p:sldId id="287" r:id="rId37"/>
+    <p:sldId id="288" r:id="rId38"/>
+    <p:sldId id="289" r:id="rId39"/>
+    <p:sldId id="295" r:id="rId40"/>
+    <p:sldId id="297" r:id="rId41"/>
+    <p:sldId id="298" r:id="rId42"/>
+    <p:sldId id="299" r:id="rId43"/>
+    <p:sldId id="300" r:id="rId44"/>
+    <p:sldId id="301" r:id="rId45"/>
+    <p:sldId id="302" r:id="rId46"/>
+    <p:sldId id="305" r:id="rId47"/>
   </p:sldIdLst>
   <p:sldSz cx="9144000" cy="6858000" type="screen4x3"/>
   <p:notesSz cx="6858000" cy="9144000"/>
@@ -243,7 +242,7 @@
           <a:p>
             <a:fld id="{6A6B8603-F168-4293-AE02-38B8D4407F2C}" type="datetimeFigureOut">
               <a:rPr lang="fr-FR" smtClean="0"/>
-              <a:t>16/05/2017</a:t>
+              <a:t>18/05/2017</a:t>
             </a:fld>
             <a:endParaRPr lang="fr-FR"/>
           </a:p>
@@ -639,7 +638,7 @@
           <a:p>
             <a:fld id="{C61A2356-E161-48C6-974A-E0A2B3A6E478}" type="datetime1">
               <a:rPr lang="fr-FR" smtClean="0"/>
-              <a:t>16/05/2017</a:t>
+              <a:t>18/05/2017</a:t>
             </a:fld>
             <a:endParaRPr lang="fr-FR"/>
           </a:p>
@@ -807,7 +806,7 @@
           <a:p>
             <a:fld id="{A48A7D4D-F8D9-43CD-9DB2-FDB2C5CB8AE3}" type="datetime1">
               <a:rPr lang="fr-FR" smtClean="0"/>
-              <a:t>16/05/2017</a:t>
+              <a:t>18/05/2017</a:t>
             </a:fld>
             <a:endParaRPr lang="fr-FR"/>
           </a:p>
@@ -985,7 +984,7 @@
           <a:p>
             <a:fld id="{82ABE3F5-26BA-4BFC-AFDC-3AC7FE105C9D}" type="datetime1">
               <a:rPr lang="fr-FR" smtClean="0"/>
-              <a:t>16/05/2017</a:t>
+              <a:t>18/05/2017</a:t>
             </a:fld>
             <a:endParaRPr lang="fr-FR"/>
           </a:p>
@@ -1153,7 +1152,7 @@
           <a:p>
             <a:fld id="{C711CD0E-760D-4202-B0C1-E7D5CF6BAA62}" type="datetime1">
               <a:rPr lang="fr-FR" smtClean="0"/>
-              <a:t>16/05/2017</a:t>
+              <a:t>18/05/2017</a:t>
             </a:fld>
             <a:endParaRPr lang="fr-FR"/>
           </a:p>
@@ -1398,7 +1397,7 @@
           <a:p>
             <a:fld id="{F704051D-05F2-4EFF-BAA5-5AA6BE41474E}" type="datetime1">
               <a:rPr lang="fr-FR" smtClean="0"/>
-              <a:t>16/05/2017</a:t>
+              <a:t>18/05/2017</a:t>
             </a:fld>
             <a:endParaRPr lang="fr-FR"/>
           </a:p>
@@ -1627,7 +1626,7 @@
           <a:p>
             <a:fld id="{5B1E51B9-3C08-47E2-B3DF-FAB5241977DC}" type="datetime1">
               <a:rPr lang="fr-FR" smtClean="0"/>
-              <a:t>16/05/2017</a:t>
+              <a:t>18/05/2017</a:t>
             </a:fld>
             <a:endParaRPr lang="fr-FR"/>
           </a:p>
@@ -1991,7 +1990,7 @@
           <a:p>
             <a:fld id="{A0C115EA-13E3-4C85-85DE-3CCFF6A9740B}" type="datetime1">
               <a:rPr lang="fr-FR" smtClean="0"/>
-              <a:t>16/05/2017</a:t>
+              <a:t>18/05/2017</a:t>
             </a:fld>
             <a:endParaRPr lang="fr-FR"/>
           </a:p>
@@ -2108,7 +2107,7 @@
           <a:p>
             <a:fld id="{68F67F48-8778-44AB-9E95-D19A6ABDAF43}" type="datetime1">
               <a:rPr lang="fr-FR" smtClean="0"/>
-              <a:t>16/05/2017</a:t>
+              <a:t>18/05/2017</a:t>
             </a:fld>
             <a:endParaRPr lang="fr-FR"/>
           </a:p>
@@ -2203,7 +2202,7 @@
           <a:p>
             <a:fld id="{663C7F81-61AA-4D25-8AB3-DE0D31697BD5}" type="datetime1">
               <a:rPr lang="fr-FR" smtClean="0"/>
-              <a:t>16/05/2017</a:t>
+              <a:t>18/05/2017</a:t>
             </a:fld>
             <a:endParaRPr lang="fr-FR"/>
           </a:p>
@@ -2478,7 +2477,7 @@
           <a:p>
             <a:fld id="{14CB0180-EC6F-44E5-B856-8B0D40ADA19F}" type="datetime1">
               <a:rPr lang="fr-FR" smtClean="0"/>
-              <a:t>16/05/2017</a:t>
+              <a:t>18/05/2017</a:t>
             </a:fld>
             <a:endParaRPr lang="fr-FR"/>
           </a:p>
@@ -2730,7 +2729,7 @@
           <a:p>
             <a:fld id="{BC5DA1EF-175C-4684-858C-4DA625CE5717}" type="datetime1">
               <a:rPr lang="fr-FR" smtClean="0"/>
-              <a:t>16/05/2017</a:t>
+              <a:t>18/05/2017</a:t>
             </a:fld>
             <a:endParaRPr lang="fr-FR"/>
           </a:p>
@@ -2950,7 +2949,7 @@
           <a:p>
             <a:fld id="{E7E6C54A-DA3B-4E4A-92D2-3E89B5E318E2}" type="datetime1">
               <a:rPr lang="fr-FR" smtClean="0"/>
-              <a:t>16/05/2017</a:t>
+              <a:t>18/05/2017</a:t>
             </a:fld>
             <a:endParaRPr lang="fr-FR"/>
           </a:p>
@@ -3368,7 +3367,7 @@
         </p:nvSpPr>
         <p:spPr>
           <a:xfrm>
-            <a:off x="0" y="1591827"/>
+            <a:off x="0" y="1811318"/>
             <a:ext cx="9144000" cy="1646302"/>
           </a:xfrm>
         </p:spPr>
@@ -3400,7 +3399,7 @@
         </p:nvSpPr>
         <p:spPr>
           <a:xfrm>
-            <a:off x="529936" y="3391483"/>
+            <a:off x="540327" y="3655828"/>
             <a:ext cx="8063345" cy="1096899"/>
           </a:xfrm>
         </p:spPr>
@@ -3548,7 +3547,7 @@
         </p:nvSpPr>
         <p:spPr>
           <a:xfrm>
-            <a:off x="0" y="1518930"/>
+            <a:off x="0" y="1641196"/>
             <a:ext cx="9144000" cy="584775"/>
           </a:xfrm>
           <a:prstGeom prst="rect">
@@ -4753,25 +4752,7 @@
                 </a:solidFill>
                 <a:latin typeface="Calibri (Corps)"/>
               </a:rPr>
-              <a:t>1</a:t>
-            </a:r>
-            <a:r>
-              <a:rPr lang="fr-FR" sz="2200" baseline="30000" dirty="0">
-                <a:solidFill>
-                  <a:srgbClr val="004492"/>
-                </a:solidFill>
-                <a:latin typeface="Calibri (Corps)"/>
-              </a:rPr>
-              <a:t>er</a:t>
-            </a:r>
-            <a:r>
-              <a:rPr lang="fr-FR" sz="2200" dirty="0">
-                <a:solidFill>
-                  <a:srgbClr val="004492"/>
-                </a:solidFill>
-                <a:latin typeface="Calibri (Corps)"/>
-              </a:rPr>
-              <a:t> travail : renumérotation des objets Dynamics </a:t>
+              <a:t>Travail principal : renumérotation des objets Dynamics </a:t>
             </a:r>
             <a:r>
               <a:rPr lang="fr-FR" sz="2200" dirty="0" err="1">
@@ -5041,7 +5022,7 @@
                 </a:solidFill>
                 <a:latin typeface="Calibri (Corps)"/>
               </a:rPr>
-              <a:t> dans la plage fournie</a:t>
+              <a:t> dans la plage certifiée</a:t>
             </a:r>
           </a:p>
           <a:p>
@@ -8929,275 +8910,6 @@
       </p:sp>
       <p:sp>
         <p:nvSpPr>
-          <p:cNvPr id="8" name="Espace réservé du contenu 30"/>
-          <p:cNvSpPr txBox="1">
-            <a:spLocks/>
-          </p:cNvSpPr>
-          <p:nvPr/>
-        </p:nvSpPr>
-        <p:spPr>
-          <a:xfrm>
-            <a:off x="1084118" y="2562675"/>
-            <a:ext cx="8059882" cy="3347471"/>
-          </a:xfrm>
-          <a:prstGeom prst="rect">
-            <a:avLst/>
-          </a:prstGeom>
-        </p:spPr>
-        <p:txBody>
-          <a:bodyPr vert="horz" lIns="91440" tIns="45720" rIns="91440" bIns="45720" rtlCol="0">
-            <a:normAutofit/>
-          </a:bodyPr>
-          <a:lstStyle>
-            <a:lvl1pPr marL="171450" indent="-171450" algn="l" defTabSz="685800" rtl="0" eaLnBrk="1" latinLnBrk="0" hangingPunct="1">
-              <a:lnSpc>
-                <a:spcPct val="90000"/>
-              </a:lnSpc>
-              <a:spcBef>
-                <a:spcPts val="750"/>
-              </a:spcBef>
-              <a:buFont typeface="Arial" panose="020B0604020202020204" pitchFamily="34" charset="0"/>
-              <a:buChar char="•"/>
-              <a:defRPr sz="2100" kern="1200">
-                <a:solidFill>
-                  <a:schemeClr val="tx1"/>
-                </a:solidFill>
-                <a:latin typeface="+mn-lt"/>
-                <a:ea typeface="+mn-ea"/>
-                <a:cs typeface="+mn-cs"/>
-              </a:defRPr>
-            </a:lvl1pPr>
-            <a:lvl2pPr marL="514350" indent="-171450" algn="l" defTabSz="685800" rtl="0" eaLnBrk="1" latinLnBrk="0" hangingPunct="1">
-              <a:lnSpc>
-                <a:spcPct val="90000"/>
-              </a:lnSpc>
-              <a:spcBef>
-                <a:spcPts val="375"/>
-              </a:spcBef>
-              <a:buFont typeface="Arial" panose="020B0604020202020204" pitchFamily="34" charset="0"/>
-              <a:buChar char="•"/>
-              <a:defRPr sz="1800" kern="1200">
-                <a:solidFill>
-                  <a:schemeClr val="tx1"/>
-                </a:solidFill>
-                <a:latin typeface="+mn-lt"/>
-                <a:ea typeface="+mn-ea"/>
-                <a:cs typeface="+mn-cs"/>
-              </a:defRPr>
-            </a:lvl2pPr>
-            <a:lvl3pPr marL="857250" indent="-171450" algn="l" defTabSz="685800" rtl="0" eaLnBrk="1" latinLnBrk="0" hangingPunct="1">
-              <a:lnSpc>
-                <a:spcPct val="90000"/>
-              </a:lnSpc>
-              <a:spcBef>
-                <a:spcPts val="375"/>
-              </a:spcBef>
-              <a:buFont typeface="Arial" panose="020B0604020202020204" pitchFamily="34" charset="0"/>
-              <a:buChar char="•"/>
-              <a:defRPr sz="1500" kern="1200">
-                <a:solidFill>
-                  <a:schemeClr val="tx1"/>
-                </a:solidFill>
-                <a:latin typeface="+mn-lt"/>
-                <a:ea typeface="+mn-ea"/>
-                <a:cs typeface="+mn-cs"/>
-              </a:defRPr>
-            </a:lvl3pPr>
-            <a:lvl4pPr marL="1200150" indent="-171450" algn="l" defTabSz="685800" rtl="0" eaLnBrk="1" latinLnBrk="0" hangingPunct="1">
-              <a:lnSpc>
-                <a:spcPct val="90000"/>
-              </a:lnSpc>
-              <a:spcBef>
-                <a:spcPts val="375"/>
-              </a:spcBef>
-              <a:buFont typeface="Arial" panose="020B0604020202020204" pitchFamily="34" charset="0"/>
-              <a:buChar char="•"/>
-              <a:defRPr sz="1350" kern="1200">
-                <a:solidFill>
-                  <a:schemeClr val="tx1"/>
-                </a:solidFill>
-                <a:latin typeface="+mn-lt"/>
-                <a:ea typeface="+mn-ea"/>
-                <a:cs typeface="+mn-cs"/>
-              </a:defRPr>
-            </a:lvl4pPr>
-            <a:lvl5pPr marL="1543050" indent="-171450" algn="l" defTabSz="685800" rtl="0" eaLnBrk="1" latinLnBrk="0" hangingPunct="1">
-              <a:lnSpc>
-                <a:spcPct val="90000"/>
-              </a:lnSpc>
-              <a:spcBef>
-                <a:spcPts val="375"/>
-              </a:spcBef>
-              <a:buFont typeface="Arial" panose="020B0604020202020204" pitchFamily="34" charset="0"/>
-              <a:buChar char="•"/>
-              <a:defRPr sz="1350" kern="1200">
-                <a:solidFill>
-                  <a:schemeClr val="tx1"/>
-                </a:solidFill>
-                <a:latin typeface="+mn-lt"/>
-                <a:ea typeface="+mn-ea"/>
-                <a:cs typeface="+mn-cs"/>
-              </a:defRPr>
-            </a:lvl5pPr>
-            <a:lvl6pPr marL="1885950" indent="-171450" algn="l" defTabSz="685800" rtl="0" eaLnBrk="1" latinLnBrk="0" hangingPunct="1">
-              <a:lnSpc>
-                <a:spcPct val="90000"/>
-              </a:lnSpc>
-              <a:spcBef>
-                <a:spcPts val="375"/>
-              </a:spcBef>
-              <a:buFont typeface="Arial" panose="020B0604020202020204" pitchFamily="34" charset="0"/>
-              <a:buChar char="•"/>
-              <a:defRPr sz="1350" kern="1200">
-                <a:solidFill>
-                  <a:schemeClr val="tx1"/>
-                </a:solidFill>
-                <a:latin typeface="+mn-lt"/>
-                <a:ea typeface="+mn-ea"/>
-                <a:cs typeface="+mn-cs"/>
-              </a:defRPr>
-            </a:lvl6pPr>
-            <a:lvl7pPr marL="2228850" indent="-171450" algn="l" defTabSz="685800" rtl="0" eaLnBrk="1" latinLnBrk="0" hangingPunct="1">
-              <a:lnSpc>
-                <a:spcPct val="90000"/>
-              </a:lnSpc>
-              <a:spcBef>
-                <a:spcPts val="375"/>
-              </a:spcBef>
-              <a:buFont typeface="Arial" panose="020B0604020202020204" pitchFamily="34" charset="0"/>
-              <a:buChar char="•"/>
-              <a:defRPr sz="1350" kern="1200">
-                <a:solidFill>
-                  <a:schemeClr val="tx1"/>
-                </a:solidFill>
-                <a:latin typeface="+mn-lt"/>
-                <a:ea typeface="+mn-ea"/>
-                <a:cs typeface="+mn-cs"/>
-              </a:defRPr>
-            </a:lvl7pPr>
-            <a:lvl8pPr marL="2571750" indent="-171450" algn="l" defTabSz="685800" rtl="0" eaLnBrk="1" latinLnBrk="0" hangingPunct="1">
-              <a:lnSpc>
-                <a:spcPct val="90000"/>
-              </a:lnSpc>
-              <a:spcBef>
-                <a:spcPts val="375"/>
-              </a:spcBef>
-              <a:buFont typeface="Arial" panose="020B0604020202020204" pitchFamily="34" charset="0"/>
-              <a:buChar char="•"/>
-              <a:defRPr sz="1350" kern="1200">
-                <a:solidFill>
-                  <a:schemeClr val="tx1"/>
-                </a:solidFill>
-                <a:latin typeface="+mn-lt"/>
-                <a:ea typeface="+mn-ea"/>
-                <a:cs typeface="+mn-cs"/>
-              </a:defRPr>
-            </a:lvl8pPr>
-            <a:lvl9pPr marL="2914650" indent="-171450" algn="l" defTabSz="685800" rtl="0" eaLnBrk="1" latinLnBrk="0" hangingPunct="1">
-              <a:lnSpc>
-                <a:spcPct val="90000"/>
-              </a:lnSpc>
-              <a:spcBef>
-                <a:spcPts val="375"/>
-              </a:spcBef>
-              <a:buFont typeface="Arial" panose="020B0604020202020204" pitchFamily="34" charset="0"/>
-              <a:buChar char="•"/>
-              <a:defRPr sz="1350" kern="1200">
-                <a:solidFill>
-                  <a:schemeClr val="tx1"/>
-                </a:solidFill>
-                <a:latin typeface="+mn-lt"/>
-                <a:ea typeface="+mn-ea"/>
-                <a:cs typeface="+mn-cs"/>
-              </a:defRPr>
-            </a:lvl9pPr>
-          </a:lstStyle>
-          <a:p>
-            <a:pPr lvl="1">
-              <a:lnSpc>
-                <a:spcPct val="250000"/>
-              </a:lnSpc>
-              <a:buFont typeface="Wingdings" panose="05000000000000000000" pitchFamily="2" charset="2"/>
-              <a:buChar char="§"/>
-            </a:pPr>
-            <a:r>
-              <a:rPr lang="fr-FR" sz="2000" dirty="0">
-                <a:solidFill>
-                  <a:srgbClr val="004492"/>
-                </a:solidFill>
-                <a:latin typeface="Calibri (Corps)"/>
-              </a:rPr>
-              <a:t>Exports des objets en fichiers .TXT.</a:t>
-            </a:r>
-          </a:p>
-          <a:p>
-            <a:pPr lvl="1">
-              <a:lnSpc>
-                <a:spcPct val="250000"/>
-              </a:lnSpc>
-              <a:buFont typeface="Wingdings" panose="05000000000000000000" pitchFamily="2" charset="2"/>
-              <a:buChar char="§"/>
-            </a:pPr>
-            <a:r>
-              <a:rPr lang="fr-FR" sz="2000" dirty="0">
-                <a:solidFill>
-                  <a:srgbClr val="004492"/>
-                </a:solidFill>
-                <a:latin typeface="Calibri (Corps)"/>
-              </a:rPr>
-              <a:t>Modification des fichiers de structure exportés.</a:t>
-            </a:r>
-          </a:p>
-          <a:p>
-            <a:pPr lvl="1">
-              <a:lnSpc>
-                <a:spcPct val="250000"/>
-              </a:lnSpc>
-              <a:buFont typeface="Wingdings" panose="05000000000000000000" pitchFamily="2" charset="2"/>
-              <a:buChar char="§"/>
-            </a:pPr>
-            <a:r>
-              <a:rPr lang="fr-FR" sz="2000" dirty="0">
-                <a:solidFill>
-                  <a:srgbClr val="004492"/>
-                </a:solidFill>
-                <a:latin typeface="Calibri (Corps)"/>
-              </a:rPr>
-              <a:t>Réimportation des objets et migration des données.</a:t>
-            </a:r>
-          </a:p>
-          <a:p>
-            <a:pPr lvl="1">
-              <a:lnSpc>
-                <a:spcPct val="250000"/>
-              </a:lnSpc>
-              <a:buFont typeface="Wingdings" panose="05000000000000000000" pitchFamily="2" charset="2"/>
-              <a:buChar char="§"/>
-            </a:pPr>
-            <a:endParaRPr lang="fr-FR" sz="2000" dirty="0">
-              <a:solidFill>
-                <a:srgbClr val="004492"/>
-              </a:solidFill>
-              <a:latin typeface="Calibri (Corps)"/>
-            </a:endParaRPr>
-          </a:p>
-          <a:p>
-            <a:pPr lvl="1">
-              <a:lnSpc>
-                <a:spcPct val="250000"/>
-              </a:lnSpc>
-            </a:pPr>
-            <a:endParaRPr lang="fr-FR" sz="2000" dirty="0">
-              <a:solidFill>
-                <a:srgbClr val="004492"/>
-              </a:solidFill>
-              <a:latin typeface="Calibri (Corps)"/>
-            </a:endParaRPr>
-          </a:p>
-        </p:txBody>
-      </p:sp>
-      <p:sp>
-        <p:nvSpPr>
           <p:cNvPr id="11" name="Espace réservé du numéro de diapositive 1"/>
           <p:cNvSpPr>
             <a:spLocks noGrp="1"/>
@@ -9231,6 +8943,430 @@
             <a:endParaRPr lang="fr-FR" sz="1800" dirty="0">
               <a:latin typeface="Eurostile-Roman" pitchFamily="2" charset="0"/>
             </a:endParaRPr>
+          </a:p>
+        </p:txBody>
+      </p:sp>
+      <p:sp>
+        <p:nvSpPr>
+          <p:cNvPr id="6" name="Cylindre 5"/>
+          <p:cNvSpPr/>
+          <p:nvPr/>
+        </p:nvSpPr>
+        <p:spPr>
+          <a:xfrm>
+            <a:off x="1109421" y="3633276"/>
+            <a:ext cx="815684" cy="1056140"/>
+          </a:xfrm>
+          <a:prstGeom prst="can">
+            <a:avLst/>
+          </a:prstGeom>
+          <a:solidFill>
+            <a:schemeClr val="accent5">
+              <a:lumMod val="75000"/>
+            </a:schemeClr>
+          </a:solidFill>
+          <a:ln>
+            <a:solidFill>
+              <a:schemeClr val="bg2">
+                <a:lumMod val="25000"/>
+              </a:schemeClr>
+            </a:solidFill>
+          </a:ln>
+        </p:spPr>
+        <p:style>
+          <a:lnRef idx="2">
+            <a:schemeClr val="accent1">
+              <a:shade val="50000"/>
+            </a:schemeClr>
+          </a:lnRef>
+          <a:fillRef idx="1">
+            <a:schemeClr val="accent1"/>
+          </a:fillRef>
+          <a:effectRef idx="0">
+            <a:schemeClr val="accent1"/>
+          </a:effectRef>
+          <a:fontRef idx="minor">
+            <a:schemeClr val="lt1"/>
+          </a:fontRef>
+        </p:style>
+        <p:txBody>
+          <a:bodyPr rtlCol="0" anchor="ctr"/>
+          <a:lstStyle/>
+          <a:p>
+            <a:pPr algn="ctr"/>
+            <a:r>
+              <a:rPr lang="fr-FR" dirty="0"/>
+              <a:t>Objets</a:t>
+            </a:r>
+          </a:p>
+          <a:p>
+            <a:pPr algn="ctr"/>
+            <a:r>
+              <a:rPr lang="fr-FR" dirty="0"/>
+              <a:t>NAV</a:t>
+            </a:r>
+          </a:p>
+        </p:txBody>
+      </p:sp>
+      <p:sp>
+        <p:nvSpPr>
+          <p:cNvPr id="9" name="Rectangle 8"/>
+          <p:cNvSpPr/>
+          <p:nvPr/>
+        </p:nvSpPr>
+        <p:spPr>
+          <a:xfrm>
+            <a:off x="3649690" y="3818442"/>
+            <a:ext cx="1831276" cy="685808"/>
+          </a:xfrm>
+          <a:prstGeom prst="rect">
+            <a:avLst/>
+          </a:prstGeom>
+          <a:solidFill>
+            <a:schemeClr val="bg1"/>
+          </a:solidFill>
+          <a:ln w="28575">
+            <a:solidFill>
+              <a:srgbClr val="61953D"/>
+            </a:solidFill>
+          </a:ln>
+        </p:spPr>
+        <p:style>
+          <a:lnRef idx="2">
+            <a:schemeClr val="accent1">
+              <a:shade val="50000"/>
+            </a:schemeClr>
+          </a:lnRef>
+          <a:fillRef idx="1">
+            <a:schemeClr val="accent1"/>
+          </a:fillRef>
+          <a:effectRef idx="0">
+            <a:schemeClr val="accent1"/>
+          </a:effectRef>
+          <a:fontRef idx="minor">
+            <a:schemeClr val="lt1"/>
+          </a:fontRef>
+        </p:style>
+        <p:txBody>
+          <a:bodyPr rtlCol="0" anchor="ctr"/>
+          <a:lstStyle/>
+          <a:p>
+            <a:pPr algn="ctr"/>
+            <a:r>
+              <a:rPr lang="fr-FR" dirty="0">
+                <a:solidFill>
+                  <a:srgbClr val="61953D"/>
+                </a:solidFill>
+              </a:rPr>
+              <a:t>Renumérotation</a:t>
+            </a:r>
+          </a:p>
+        </p:txBody>
+      </p:sp>
+      <p:sp>
+        <p:nvSpPr>
+          <p:cNvPr id="10" name="ZoneTexte 9"/>
+          <p:cNvSpPr txBox="1"/>
+          <p:nvPr/>
+        </p:nvSpPr>
+        <p:spPr>
+          <a:xfrm>
+            <a:off x="1971739" y="4161346"/>
+            <a:ext cx="1784642" cy="584775"/>
+          </a:xfrm>
+          <a:prstGeom prst="rect">
+            <a:avLst/>
+          </a:prstGeom>
+          <a:noFill/>
+        </p:spPr>
+        <p:txBody>
+          <a:bodyPr wrap="square" rtlCol="0">
+            <a:spAutoFit/>
+          </a:bodyPr>
+          <a:lstStyle/>
+          <a:p>
+            <a:pPr algn="ctr"/>
+            <a:r>
+              <a:rPr lang="fr-FR" sz="1600" dirty="0">
+                <a:solidFill>
+                  <a:srgbClr val="FF0000"/>
+                </a:solidFill>
+              </a:rPr>
+              <a:t>Export (.</a:t>
+            </a:r>
+            <a:r>
+              <a:rPr lang="fr-FR" sz="1600" dirty="0" err="1">
+                <a:solidFill>
+                  <a:srgbClr val="FF0000"/>
+                </a:solidFill>
+              </a:rPr>
+              <a:t>txt</a:t>
+            </a:r>
+            <a:r>
+              <a:rPr lang="fr-FR" sz="1600" dirty="0">
+                <a:solidFill>
+                  <a:srgbClr val="FF0000"/>
+                </a:solidFill>
+              </a:rPr>
+              <a:t>)</a:t>
+            </a:r>
+          </a:p>
+          <a:p>
+            <a:pPr algn="ctr"/>
+            <a:endParaRPr lang="fr-FR" sz="1600" dirty="0">
+              <a:solidFill>
+                <a:schemeClr val="accent6">
+                  <a:lumMod val="50000"/>
+                </a:schemeClr>
+              </a:solidFill>
+            </a:endParaRPr>
+          </a:p>
+        </p:txBody>
+      </p:sp>
+      <p:cxnSp>
+        <p:nvCxnSpPr>
+          <p:cNvPr id="12" name="Connecteur droit avec flèche 11"/>
+          <p:cNvCxnSpPr>
+            <a:stCxn id="6" idx="4"/>
+            <a:endCxn id="9" idx="1"/>
+          </p:cNvCxnSpPr>
+          <p:nvPr/>
+        </p:nvCxnSpPr>
+        <p:spPr>
+          <a:xfrm>
+            <a:off x="1925105" y="4161346"/>
+            <a:ext cx="1724585" cy="0"/>
+          </a:xfrm>
+          <a:prstGeom prst="straightConnector1">
+            <a:avLst/>
+          </a:prstGeom>
+          <a:ln w="28575">
+            <a:solidFill>
+              <a:srgbClr val="FF0000"/>
+            </a:solidFill>
+            <a:tailEnd type="triangle"/>
+          </a:ln>
+        </p:spPr>
+        <p:style>
+          <a:lnRef idx="1">
+            <a:schemeClr val="accent1"/>
+          </a:lnRef>
+          <a:fillRef idx="0">
+            <a:schemeClr val="accent1"/>
+          </a:fillRef>
+          <a:effectRef idx="0">
+            <a:schemeClr val="accent1"/>
+          </a:effectRef>
+          <a:fontRef idx="minor">
+            <a:schemeClr val="tx1"/>
+          </a:fontRef>
+        </p:style>
+      </p:cxnSp>
+      <p:sp>
+        <p:nvSpPr>
+          <p:cNvPr id="13" name="ZoneTexte 12"/>
+          <p:cNvSpPr txBox="1"/>
+          <p:nvPr/>
+        </p:nvSpPr>
+        <p:spPr>
+          <a:xfrm>
+            <a:off x="3696323" y="4522624"/>
+            <a:ext cx="1784642" cy="584775"/>
+          </a:xfrm>
+          <a:prstGeom prst="rect">
+            <a:avLst/>
+          </a:prstGeom>
+          <a:noFill/>
+        </p:spPr>
+        <p:txBody>
+          <a:bodyPr wrap="square" rtlCol="0">
+            <a:spAutoFit/>
+          </a:bodyPr>
+          <a:lstStyle/>
+          <a:p>
+            <a:pPr algn="ctr"/>
+            <a:r>
+              <a:rPr lang="fr-FR" sz="1600" b="1" dirty="0"/>
+              <a:t>Outil de Migration</a:t>
+            </a:r>
+          </a:p>
+          <a:p>
+            <a:pPr algn="ctr"/>
+            <a:endParaRPr lang="fr-FR" sz="1600" dirty="0">
+              <a:solidFill>
+                <a:schemeClr val="accent6">
+                  <a:lumMod val="50000"/>
+                </a:schemeClr>
+              </a:solidFill>
+            </a:endParaRPr>
+          </a:p>
+        </p:txBody>
+      </p:sp>
+      <p:cxnSp>
+        <p:nvCxnSpPr>
+          <p:cNvPr id="14" name="Connecteur droit avec flèche 13"/>
+          <p:cNvCxnSpPr>
+            <a:endCxn id="16" idx="2"/>
+          </p:cNvCxnSpPr>
+          <p:nvPr/>
+        </p:nvCxnSpPr>
+        <p:spPr>
+          <a:xfrm>
+            <a:off x="5480965" y="4161346"/>
+            <a:ext cx="1603935" cy="0"/>
+          </a:xfrm>
+          <a:prstGeom prst="straightConnector1">
+            <a:avLst/>
+          </a:prstGeom>
+          <a:ln w="28575">
+            <a:solidFill>
+              <a:srgbClr val="FF0000"/>
+            </a:solidFill>
+            <a:tailEnd type="triangle"/>
+          </a:ln>
+        </p:spPr>
+        <p:style>
+          <a:lnRef idx="1">
+            <a:schemeClr val="accent1"/>
+          </a:lnRef>
+          <a:fillRef idx="0">
+            <a:schemeClr val="accent1"/>
+          </a:fillRef>
+          <a:effectRef idx="0">
+            <a:schemeClr val="accent1"/>
+          </a:effectRef>
+          <a:fontRef idx="minor">
+            <a:schemeClr val="tx1"/>
+          </a:fontRef>
+        </p:style>
+      </p:cxnSp>
+      <p:sp>
+        <p:nvSpPr>
+          <p:cNvPr id="15" name="ZoneTexte 14"/>
+          <p:cNvSpPr txBox="1"/>
+          <p:nvPr/>
+        </p:nvSpPr>
+        <p:spPr>
+          <a:xfrm>
+            <a:off x="5360315" y="4195792"/>
+            <a:ext cx="1784642" cy="830997"/>
+          </a:xfrm>
+          <a:prstGeom prst="rect">
+            <a:avLst/>
+          </a:prstGeom>
+          <a:noFill/>
+        </p:spPr>
+        <p:txBody>
+          <a:bodyPr wrap="square" rtlCol="0">
+            <a:spAutoFit/>
+          </a:bodyPr>
+          <a:lstStyle/>
+          <a:p>
+            <a:pPr algn="ctr"/>
+            <a:r>
+              <a:rPr lang="fr-FR" sz="1600" dirty="0">
+                <a:solidFill>
+                  <a:srgbClr val="FF0000"/>
+                </a:solidFill>
+              </a:rPr>
+              <a:t>Import (.</a:t>
+            </a:r>
+            <a:r>
+              <a:rPr lang="fr-FR" sz="1600" dirty="0" err="1">
+                <a:solidFill>
+                  <a:srgbClr val="FF0000"/>
+                </a:solidFill>
+              </a:rPr>
+              <a:t>txt</a:t>
+            </a:r>
+            <a:r>
+              <a:rPr lang="fr-FR" sz="1600" dirty="0">
+                <a:solidFill>
+                  <a:srgbClr val="FF0000"/>
+                </a:solidFill>
+              </a:rPr>
+              <a:t>)</a:t>
+            </a:r>
+          </a:p>
+          <a:p>
+            <a:pPr algn="ctr"/>
+            <a:endParaRPr lang="fr-FR" sz="1600" dirty="0">
+              <a:solidFill>
+                <a:srgbClr val="FF0000"/>
+              </a:solidFill>
+            </a:endParaRPr>
+          </a:p>
+          <a:p>
+            <a:pPr algn="ctr"/>
+            <a:endParaRPr lang="fr-FR" sz="1600" dirty="0">
+              <a:solidFill>
+                <a:schemeClr val="accent6">
+                  <a:lumMod val="50000"/>
+                </a:schemeClr>
+              </a:solidFill>
+            </a:endParaRPr>
+          </a:p>
+        </p:txBody>
+      </p:sp>
+      <p:sp>
+        <p:nvSpPr>
+          <p:cNvPr id="16" name="Cylindre 15"/>
+          <p:cNvSpPr/>
+          <p:nvPr/>
+        </p:nvSpPr>
+        <p:spPr>
+          <a:xfrm>
+            <a:off x="7084900" y="3633276"/>
+            <a:ext cx="815684" cy="1056140"/>
+          </a:xfrm>
+          <a:prstGeom prst="can">
+            <a:avLst/>
+          </a:prstGeom>
+          <a:solidFill>
+            <a:schemeClr val="accent5">
+              <a:lumMod val="75000"/>
+            </a:schemeClr>
+          </a:solidFill>
+          <a:ln>
+            <a:solidFill>
+              <a:schemeClr val="bg2">
+                <a:lumMod val="25000"/>
+              </a:schemeClr>
+            </a:solidFill>
+          </a:ln>
+        </p:spPr>
+        <p:style>
+          <a:lnRef idx="2">
+            <a:schemeClr val="accent1">
+              <a:shade val="50000"/>
+            </a:schemeClr>
+          </a:lnRef>
+          <a:fillRef idx="1">
+            <a:schemeClr val="accent1"/>
+          </a:fillRef>
+          <a:effectRef idx="0">
+            <a:schemeClr val="accent1"/>
+          </a:effectRef>
+          <a:fontRef idx="minor">
+            <a:schemeClr val="lt1"/>
+          </a:fontRef>
+        </p:style>
+        <p:txBody>
+          <a:bodyPr rtlCol="0" anchor="ctr"/>
+          <a:lstStyle/>
+          <a:p>
+            <a:pPr algn="ctr"/>
+            <a:r>
+              <a:rPr lang="fr-FR" dirty="0"/>
+              <a:t>Objets</a:t>
+            </a:r>
+          </a:p>
+          <a:p>
+            <a:pPr algn="ctr"/>
+            <a:r>
+              <a:rPr lang="fr-FR" dirty="0"/>
+              <a:t>NAV</a:t>
+            </a:r>
           </a:p>
         </p:txBody>
       </p:sp>
@@ -10468,12 +10604,6 @@
               </a:rPr>
               <a:t>MIG</a:t>
             </a:r>
-            <a:endParaRPr lang="fr-FR" sz="2000" b="1" dirty="0">
-              <a:solidFill>
-                <a:srgbClr val="004492"/>
-              </a:solidFill>
-              <a:latin typeface="Calibri (Corps)"/>
-            </a:endParaRPr>
           </a:p>
           <a:p>
             <a:pPr lvl="1">
@@ -11266,7 +11396,7 @@
         </p:nvSpPr>
         <p:spPr>
           <a:xfrm>
-            <a:off x="1084118" y="2852756"/>
+            <a:off x="1084118" y="3003857"/>
             <a:ext cx="8059882" cy="1987022"/>
           </a:xfrm>
           <a:prstGeom prst="rect">
@@ -11535,8 +11665,8 @@
         </p:nvSpPr>
         <p:spPr>
           <a:xfrm>
-            <a:off x="917188" y="2302587"/>
-            <a:ext cx="7886700" cy="1053962"/>
+            <a:off x="2812895" y="1401025"/>
+            <a:ext cx="4569212" cy="1053962"/>
           </a:xfrm>
           <a:prstGeom prst="rect">
             <a:avLst/>
@@ -11711,37 +11841,20 @@
             </a:lvl9pPr>
           </a:lstStyle>
           <a:p>
-            <a:pPr>
+            <a:pPr marL="0" indent="0">
               <a:lnSpc>
                 <a:spcPct val="150000"/>
               </a:lnSpc>
+              <a:buNone/>
             </a:pPr>
             <a:r>
-              <a:rPr lang="fr-FR" sz="2200" dirty="0">
+              <a:rPr lang="fr-FR" sz="3000" b="1" dirty="0">
                 <a:solidFill>
                   <a:srgbClr val="004492"/>
                 </a:solidFill>
                 <a:latin typeface="Calibri (Corps)"/>
               </a:rPr>
-              <a:t>2</a:t>
-            </a:r>
-            <a:r>
-              <a:rPr lang="fr-FR" sz="2200" baseline="30000" dirty="0">
-                <a:solidFill>
-                  <a:srgbClr val="004492"/>
-                </a:solidFill>
-                <a:latin typeface="Calibri (Corps)"/>
-              </a:rPr>
-              <a:t>ème</a:t>
-            </a:r>
-            <a:r>
-              <a:rPr lang="fr-FR" sz="2200" dirty="0">
-                <a:solidFill>
-                  <a:srgbClr val="004492"/>
-                </a:solidFill>
-                <a:latin typeface="Calibri (Corps)"/>
-              </a:rPr>
-              <a:t>  travail : outil d’analyse d’objet</a:t>
+              <a:t>Travaux complémentaires</a:t>
             </a:r>
           </a:p>
         </p:txBody>
@@ -11756,7 +11869,7 @@
         </p:nvSpPr>
         <p:spPr>
           <a:xfrm>
-            <a:off x="1972564" y="4839778"/>
+            <a:off x="1961413" y="5200562"/>
             <a:ext cx="7886700" cy="1948555"/>
           </a:xfrm>
           <a:prstGeom prst="rect">
@@ -11962,7 +12075,7 @@
         </p:nvSpPr>
         <p:spPr>
           <a:xfrm>
-            <a:off x="1064265" y="4839778"/>
+            <a:off x="1064265" y="5197735"/>
             <a:ext cx="680224" cy="320125"/>
           </a:xfrm>
           <a:prstGeom prst="rightArrow">
@@ -12001,6 +12114,227 @@
                 <a:srgbClr val="0070C0"/>
               </a:solidFill>
             </a:endParaRPr>
+          </a:p>
+        </p:txBody>
+      </p:sp>
+      <p:sp>
+        <p:nvSpPr>
+          <p:cNvPr id="8" name="Espace réservé du contenu 30"/>
+          <p:cNvSpPr txBox="1">
+            <a:spLocks/>
+          </p:cNvSpPr>
+          <p:nvPr/>
+        </p:nvSpPr>
+        <p:spPr>
+          <a:xfrm>
+            <a:off x="1064265" y="2476876"/>
+            <a:ext cx="7886700" cy="1053962"/>
+          </a:xfrm>
+          <a:prstGeom prst="rect">
+            <a:avLst/>
+          </a:prstGeom>
+        </p:spPr>
+        <p:txBody>
+          <a:bodyPr vert="horz" lIns="91440" tIns="45720" rIns="91440" bIns="45720" rtlCol="0">
+            <a:normAutofit/>
+          </a:bodyPr>
+          <a:lstStyle>
+            <a:lvl1pPr marL="171450" indent="-171450" algn="l" defTabSz="685800" rtl="0" eaLnBrk="1" latinLnBrk="0" hangingPunct="1">
+              <a:lnSpc>
+                <a:spcPct val="90000"/>
+              </a:lnSpc>
+              <a:spcBef>
+                <a:spcPts val="750"/>
+              </a:spcBef>
+              <a:buFont typeface="Arial" panose="020B0604020202020204" pitchFamily="34" charset="0"/>
+              <a:buChar char="•"/>
+              <a:defRPr sz="2100" kern="1200">
+                <a:solidFill>
+                  <a:schemeClr val="tx1"/>
+                </a:solidFill>
+                <a:latin typeface="+mn-lt"/>
+                <a:ea typeface="+mn-ea"/>
+                <a:cs typeface="+mn-cs"/>
+              </a:defRPr>
+            </a:lvl1pPr>
+            <a:lvl2pPr marL="514350" indent="-171450" algn="l" defTabSz="685800" rtl="0" eaLnBrk="1" latinLnBrk="0" hangingPunct="1">
+              <a:lnSpc>
+                <a:spcPct val="90000"/>
+              </a:lnSpc>
+              <a:spcBef>
+                <a:spcPts val="375"/>
+              </a:spcBef>
+              <a:buFont typeface="Arial" panose="020B0604020202020204" pitchFamily="34" charset="0"/>
+              <a:buChar char="•"/>
+              <a:defRPr sz="1800" kern="1200">
+                <a:solidFill>
+                  <a:schemeClr val="tx1"/>
+                </a:solidFill>
+                <a:latin typeface="+mn-lt"/>
+                <a:ea typeface="+mn-ea"/>
+                <a:cs typeface="+mn-cs"/>
+              </a:defRPr>
+            </a:lvl2pPr>
+            <a:lvl3pPr marL="857250" indent="-171450" algn="l" defTabSz="685800" rtl="0" eaLnBrk="1" latinLnBrk="0" hangingPunct="1">
+              <a:lnSpc>
+                <a:spcPct val="90000"/>
+              </a:lnSpc>
+              <a:spcBef>
+                <a:spcPts val="375"/>
+              </a:spcBef>
+              <a:buFont typeface="Arial" panose="020B0604020202020204" pitchFamily="34" charset="0"/>
+              <a:buChar char="•"/>
+              <a:defRPr sz="1500" kern="1200">
+                <a:solidFill>
+                  <a:schemeClr val="tx1"/>
+                </a:solidFill>
+                <a:latin typeface="+mn-lt"/>
+                <a:ea typeface="+mn-ea"/>
+                <a:cs typeface="+mn-cs"/>
+              </a:defRPr>
+            </a:lvl3pPr>
+            <a:lvl4pPr marL="1200150" indent="-171450" algn="l" defTabSz="685800" rtl="0" eaLnBrk="1" latinLnBrk="0" hangingPunct="1">
+              <a:lnSpc>
+                <a:spcPct val="90000"/>
+              </a:lnSpc>
+              <a:spcBef>
+                <a:spcPts val="375"/>
+              </a:spcBef>
+              <a:buFont typeface="Arial" panose="020B0604020202020204" pitchFamily="34" charset="0"/>
+              <a:buChar char="•"/>
+              <a:defRPr sz="1350" kern="1200">
+                <a:solidFill>
+                  <a:schemeClr val="tx1"/>
+                </a:solidFill>
+                <a:latin typeface="+mn-lt"/>
+                <a:ea typeface="+mn-ea"/>
+                <a:cs typeface="+mn-cs"/>
+              </a:defRPr>
+            </a:lvl4pPr>
+            <a:lvl5pPr marL="1543050" indent="-171450" algn="l" defTabSz="685800" rtl="0" eaLnBrk="1" latinLnBrk="0" hangingPunct="1">
+              <a:lnSpc>
+                <a:spcPct val="90000"/>
+              </a:lnSpc>
+              <a:spcBef>
+                <a:spcPts val="375"/>
+              </a:spcBef>
+              <a:buFont typeface="Arial" panose="020B0604020202020204" pitchFamily="34" charset="0"/>
+              <a:buChar char="•"/>
+              <a:defRPr sz="1350" kern="1200">
+                <a:solidFill>
+                  <a:schemeClr val="tx1"/>
+                </a:solidFill>
+                <a:latin typeface="+mn-lt"/>
+                <a:ea typeface="+mn-ea"/>
+                <a:cs typeface="+mn-cs"/>
+              </a:defRPr>
+            </a:lvl5pPr>
+            <a:lvl6pPr marL="1885950" indent="-171450" algn="l" defTabSz="685800" rtl="0" eaLnBrk="1" latinLnBrk="0" hangingPunct="1">
+              <a:lnSpc>
+                <a:spcPct val="90000"/>
+              </a:lnSpc>
+              <a:spcBef>
+                <a:spcPts val="375"/>
+              </a:spcBef>
+              <a:buFont typeface="Arial" panose="020B0604020202020204" pitchFamily="34" charset="0"/>
+              <a:buChar char="•"/>
+              <a:defRPr sz="1350" kern="1200">
+                <a:solidFill>
+                  <a:schemeClr val="tx1"/>
+                </a:solidFill>
+                <a:latin typeface="+mn-lt"/>
+                <a:ea typeface="+mn-ea"/>
+                <a:cs typeface="+mn-cs"/>
+              </a:defRPr>
+            </a:lvl6pPr>
+            <a:lvl7pPr marL="2228850" indent="-171450" algn="l" defTabSz="685800" rtl="0" eaLnBrk="1" latinLnBrk="0" hangingPunct="1">
+              <a:lnSpc>
+                <a:spcPct val="90000"/>
+              </a:lnSpc>
+              <a:spcBef>
+                <a:spcPts val="375"/>
+              </a:spcBef>
+              <a:buFont typeface="Arial" panose="020B0604020202020204" pitchFamily="34" charset="0"/>
+              <a:buChar char="•"/>
+              <a:defRPr sz="1350" kern="1200">
+                <a:solidFill>
+                  <a:schemeClr val="tx1"/>
+                </a:solidFill>
+                <a:latin typeface="+mn-lt"/>
+                <a:ea typeface="+mn-ea"/>
+                <a:cs typeface="+mn-cs"/>
+              </a:defRPr>
+            </a:lvl7pPr>
+            <a:lvl8pPr marL="2571750" indent="-171450" algn="l" defTabSz="685800" rtl="0" eaLnBrk="1" latinLnBrk="0" hangingPunct="1">
+              <a:lnSpc>
+                <a:spcPct val="90000"/>
+              </a:lnSpc>
+              <a:spcBef>
+                <a:spcPts val="375"/>
+              </a:spcBef>
+              <a:buFont typeface="Arial" panose="020B0604020202020204" pitchFamily="34" charset="0"/>
+              <a:buChar char="•"/>
+              <a:defRPr sz="1350" kern="1200">
+                <a:solidFill>
+                  <a:schemeClr val="tx1"/>
+                </a:solidFill>
+                <a:latin typeface="+mn-lt"/>
+                <a:ea typeface="+mn-ea"/>
+                <a:cs typeface="+mn-cs"/>
+              </a:defRPr>
+            </a:lvl8pPr>
+            <a:lvl9pPr marL="2914650" indent="-171450" algn="l" defTabSz="685800" rtl="0" eaLnBrk="1" latinLnBrk="0" hangingPunct="1">
+              <a:lnSpc>
+                <a:spcPct val="90000"/>
+              </a:lnSpc>
+              <a:spcBef>
+                <a:spcPts val="375"/>
+              </a:spcBef>
+              <a:buFont typeface="Arial" panose="020B0604020202020204" pitchFamily="34" charset="0"/>
+              <a:buChar char="•"/>
+              <a:defRPr sz="1350" kern="1200">
+                <a:solidFill>
+                  <a:schemeClr val="tx1"/>
+                </a:solidFill>
+                <a:latin typeface="+mn-lt"/>
+                <a:ea typeface="+mn-ea"/>
+                <a:cs typeface="+mn-cs"/>
+              </a:defRPr>
+            </a:lvl9pPr>
+          </a:lstStyle>
+          <a:p>
+            <a:pPr>
+              <a:lnSpc>
+                <a:spcPct val="150000"/>
+              </a:lnSpc>
+            </a:pPr>
+            <a:r>
+              <a:rPr lang="fr-FR" sz="2200" dirty="0">
+                <a:solidFill>
+                  <a:srgbClr val="004492"/>
+                </a:solidFill>
+                <a:latin typeface="Calibri (Corps)"/>
+              </a:rPr>
+              <a:t>Outil d’analyse d’objets Dynamics </a:t>
+            </a:r>
+            <a:r>
+              <a:rPr lang="fr-FR" sz="2200" dirty="0" err="1">
+                <a:solidFill>
+                  <a:srgbClr val="004492"/>
+                </a:solidFill>
+                <a:latin typeface="Calibri (Corps)"/>
+              </a:rPr>
+              <a:t>Nav</a:t>
+            </a:r>
+            <a:r>
+              <a:rPr lang="fr-FR" sz="2200" dirty="0">
+                <a:solidFill>
+                  <a:srgbClr val="004492"/>
+                </a:solidFill>
+                <a:latin typeface="Calibri (Corps)"/>
+              </a:rPr>
+              <a:t> :</a:t>
+            </a:r>
           </a:p>
         </p:txBody>
       </p:sp>
@@ -12625,6 +12959,35 @@
           <a:chExt cx="0" cy="0"/>
         </a:xfrm>
       </p:grpSpPr>
+      <p:pic>
+        <p:nvPicPr>
+          <p:cNvPr id="6" name="Image 5"/>
+          <p:cNvPicPr>
+            <a:picLocks noChangeAspect="1"/>
+          </p:cNvPicPr>
+          <p:nvPr/>
+        </p:nvPicPr>
+        <p:blipFill rotWithShape="1">
+          <a:blip r:embed="rId2">
+            <a:extLst>
+              <a:ext uri="{28A0092B-C50C-407E-A947-70E740481C1C}">
+                <a14:useLocalDpi xmlns:a14="http://schemas.microsoft.com/office/drawing/2010/main" val="0"/>
+              </a:ext>
+            </a:extLst>
+          </a:blip>
+          <a:srcRect l="5400" t="4305" b="4305"/>
+          <a:stretch/>
+        </p:blipFill>
+        <p:spPr>
+          <a:xfrm>
+            <a:off x="1728440" y="1524969"/>
+            <a:ext cx="6077414" cy="4886686"/>
+          </a:xfrm>
+          <a:prstGeom prst="rect">
+            <a:avLst/>
+          </a:prstGeom>
+        </p:spPr>
+      </p:pic>
       <p:sp>
         <p:nvSpPr>
           <p:cNvPr id="2" name="Titre 1"/>
@@ -12714,482 +13077,10 @@
           </a:p>
         </p:txBody>
       </p:sp>
-      <p:sp>
-        <p:nvSpPr>
-          <p:cNvPr id="7" name="Espace réservé du contenu 30"/>
-          <p:cNvSpPr txBox="1">
-            <a:spLocks/>
-          </p:cNvSpPr>
-          <p:nvPr/>
-        </p:nvSpPr>
-        <p:spPr>
-          <a:xfrm>
-            <a:off x="1084118" y="2852755"/>
-            <a:ext cx="8059882" cy="2789761"/>
-          </a:xfrm>
-          <a:prstGeom prst="rect">
-            <a:avLst/>
-          </a:prstGeom>
-        </p:spPr>
-        <p:txBody>
-          <a:bodyPr vert="horz" lIns="91440" tIns="45720" rIns="91440" bIns="45720" rtlCol="0">
-            <a:normAutofit/>
-          </a:bodyPr>
-          <a:lstStyle>
-            <a:lvl1pPr marL="171450" indent="-171450" algn="l" defTabSz="685800" rtl="0" eaLnBrk="1" latinLnBrk="0" hangingPunct="1">
-              <a:lnSpc>
-                <a:spcPct val="90000"/>
-              </a:lnSpc>
-              <a:spcBef>
-                <a:spcPts val="750"/>
-              </a:spcBef>
-              <a:buFont typeface="Arial" panose="020B0604020202020204" pitchFamily="34" charset="0"/>
-              <a:buChar char="•"/>
-              <a:defRPr sz="2100" kern="1200">
-                <a:solidFill>
-                  <a:schemeClr val="tx1"/>
-                </a:solidFill>
-                <a:latin typeface="+mn-lt"/>
-                <a:ea typeface="+mn-ea"/>
-                <a:cs typeface="+mn-cs"/>
-              </a:defRPr>
-            </a:lvl1pPr>
-            <a:lvl2pPr marL="514350" indent="-171450" algn="l" defTabSz="685800" rtl="0" eaLnBrk="1" latinLnBrk="0" hangingPunct="1">
-              <a:lnSpc>
-                <a:spcPct val="90000"/>
-              </a:lnSpc>
-              <a:spcBef>
-                <a:spcPts val="375"/>
-              </a:spcBef>
-              <a:buFont typeface="Arial" panose="020B0604020202020204" pitchFamily="34" charset="0"/>
-              <a:buChar char="•"/>
-              <a:defRPr sz="1800" kern="1200">
-                <a:solidFill>
-                  <a:schemeClr val="tx1"/>
-                </a:solidFill>
-                <a:latin typeface="+mn-lt"/>
-                <a:ea typeface="+mn-ea"/>
-                <a:cs typeface="+mn-cs"/>
-              </a:defRPr>
-            </a:lvl2pPr>
-            <a:lvl3pPr marL="857250" indent="-171450" algn="l" defTabSz="685800" rtl="0" eaLnBrk="1" latinLnBrk="0" hangingPunct="1">
-              <a:lnSpc>
-                <a:spcPct val="90000"/>
-              </a:lnSpc>
-              <a:spcBef>
-                <a:spcPts val="375"/>
-              </a:spcBef>
-              <a:buFont typeface="Arial" panose="020B0604020202020204" pitchFamily="34" charset="0"/>
-              <a:buChar char="•"/>
-              <a:defRPr sz="1500" kern="1200">
-                <a:solidFill>
-                  <a:schemeClr val="tx1"/>
-                </a:solidFill>
-                <a:latin typeface="+mn-lt"/>
-                <a:ea typeface="+mn-ea"/>
-                <a:cs typeface="+mn-cs"/>
-              </a:defRPr>
-            </a:lvl3pPr>
-            <a:lvl4pPr marL="1200150" indent="-171450" algn="l" defTabSz="685800" rtl="0" eaLnBrk="1" latinLnBrk="0" hangingPunct="1">
-              <a:lnSpc>
-                <a:spcPct val="90000"/>
-              </a:lnSpc>
-              <a:spcBef>
-                <a:spcPts val="375"/>
-              </a:spcBef>
-              <a:buFont typeface="Arial" panose="020B0604020202020204" pitchFamily="34" charset="0"/>
-              <a:buChar char="•"/>
-              <a:defRPr sz="1350" kern="1200">
-                <a:solidFill>
-                  <a:schemeClr val="tx1"/>
-                </a:solidFill>
-                <a:latin typeface="+mn-lt"/>
-                <a:ea typeface="+mn-ea"/>
-                <a:cs typeface="+mn-cs"/>
-              </a:defRPr>
-            </a:lvl4pPr>
-            <a:lvl5pPr marL="1543050" indent="-171450" algn="l" defTabSz="685800" rtl="0" eaLnBrk="1" latinLnBrk="0" hangingPunct="1">
-              <a:lnSpc>
-                <a:spcPct val="90000"/>
-              </a:lnSpc>
-              <a:spcBef>
-                <a:spcPts val="375"/>
-              </a:spcBef>
-              <a:buFont typeface="Arial" panose="020B0604020202020204" pitchFamily="34" charset="0"/>
-              <a:buChar char="•"/>
-              <a:defRPr sz="1350" kern="1200">
-                <a:solidFill>
-                  <a:schemeClr val="tx1"/>
-                </a:solidFill>
-                <a:latin typeface="+mn-lt"/>
-                <a:ea typeface="+mn-ea"/>
-                <a:cs typeface="+mn-cs"/>
-              </a:defRPr>
-            </a:lvl5pPr>
-            <a:lvl6pPr marL="1885950" indent="-171450" algn="l" defTabSz="685800" rtl="0" eaLnBrk="1" latinLnBrk="0" hangingPunct="1">
-              <a:lnSpc>
-                <a:spcPct val="90000"/>
-              </a:lnSpc>
-              <a:spcBef>
-                <a:spcPts val="375"/>
-              </a:spcBef>
-              <a:buFont typeface="Arial" panose="020B0604020202020204" pitchFamily="34" charset="0"/>
-              <a:buChar char="•"/>
-              <a:defRPr sz="1350" kern="1200">
-                <a:solidFill>
-                  <a:schemeClr val="tx1"/>
-                </a:solidFill>
-                <a:latin typeface="+mn-lt"/>
-                <a:ea typeface="+mn-ea"/>
-                <a:cs typeface="+mn-cs"/>
-              </a:defRPr>
-            </a:lvl6pPr>
-            <a:lvl7pPr marL="2228850" indent="-171450" algn="l" defTabSz="685800" rtl="0" eaLnBrk="1" latinLnBrk="0" hangingPunct="1">
-              <a:lnSpc>
-                <a:spcPct val="90000"/>
-              </a:lnSpc>
-              <a:spcBef>
-                <a:spcPts val="375"/>
-              </a:spcBef>
-              <a:buFont typeface="Arial" panose="020B0604020202020204" pitchFamily="34" charset="0"/>
-              <a:buChar char="•"/>
-              <a:defRPr sz="1350" kern="1200">
-                <a:solidFill>
-                  <a:schemeClr val="tx1"/>
-                </a:solidFill>
-                <a:latin typeface="+mn-lt"/>
-                <a:ea typeface="+mn-ea"/>
-                <a:cs typeface="+mn-cs"/>
-              </a:defRPr>
-            </a:lvl7pPr>
-            <a:lvl8pPr marL="2571750" indent="-171450" algn="l" defTabSz="685800" rtl="0" eaLnBrk="1" latinLnBrk="0" hangingPunct="1">
-              <a:lnSpc>
-                <a:spcPct val="90000"/>
-              </a:lnSpc>
-              <a:spcBef>
-                <a:spcPts val="375"/>
-              </a:spcBef>
-              <a:buFont typeface="Arial" panose="020B0604020202020204" pitchFamily="34" charset="0"/>
-              <a:buChar char="•"/>
-              <a:defRPr sz="1350" kern="1200">
-                <a:solidFill>
-                  <a:schemeClr val="tx1"/>
-                </a:solidFill>
-                <a:latin typeface="+mn-lt"/>
-                <a:ea typeface="+mn-ea"/>
-                <a:cs typeface="+mn-cs"/>
-              </a:defRPr>
-            </a:lvl8pPr>
-            <a:lvl9pPr marL="2914650" indent="-171450" algn="l" defTabSz="685800" rtl="0" eaLnBrk="1" latinLnBrk="0" hangingPunct="1">
-              <a:lnSpc>
-                <a:spcPct val="90000"/>
-              </a:lnSpc>
-              <a:spcBef>
-                <a:spcPts val="375"/>
-              </a:spcBef>
-              <a:buFont typeface="Arial" panose="020B0604020202020204" pitchFamily="34" charset="0"/>
-              <a:buChar char="•"/>
-              <a:defRPr sz="1350" kern="1200">
-                <a:solidFill>
-                  <a:schemeClr val="tx1"/>
-                </a:solidFill>
-                <a:latin typeface="+mn-lt"/>
-                <a:ea typeface="+mn-ea"/>
-                <a:cs typeface="+mn-cs"/>
-              </a:defRPr>
-            </a:lvl9pPr>
-          </a:lstStyle>
-          <a:p>
-            <a:pPr lvl="1">
-              <a:lnSpc>
-                <a:spcPct val="250000"/>
-              </a:lnSpc>
-              <a:buFont typeface="Wingdings" panose="05000000000000000000" pitchFamily="2" charset="2"/>
-              <a:buChar char="§"/>
-            </a:pPr>
-            <a:r>
-              <a:rPr lang="fr-FR" sz="2000" dirty="0">
-                <a:solidFill>
-                  <a:srgbClr val="004492"/>
-                </a:solidFill>
-                <a:latin typeface="Calibri (Corps)"/>
-              </a:rPr>
-              <a:t>Outil d’analyse : basé sur un ensemble d’identifiants renumérotés</a:t>
-            </a:r>
-          </a:p>
-          <a:p>
-            <a:pPr lvl="1">
-              <a:lnSpc>
-                <a:spcPct val="250000"/>
-              </a:lnSpc>
-              <a:buFont typeface="Wingdings" panose="05000000000000000000" pitchFamily="2" charset="2"/>
-              <a:buChar char="§"/>
-            </a:pPr>
-            <a:r>
-              <a:rPr lang="fr-FR" sz="2000" dirty="0">
-                <a:solidFill>
-                  <a:srgbClr val="004492"/>
-                </a:solidFill>
-                <a:latin typeface="Calibri (Corps)"/>
-              </a:rPr>
-              <a:t>Analyse un fichier à partir de cet ensemble</a:t>
-            </a:r>
-          </a:p>
-          <a:p>
-            <a:pPr lvl="1">
-              <a:lnSpc>
-                <a:spcPct val="250000"/>
-              </a:lnSpc>
-              <a:buFont typeface="Wingdings" panose="05000000000000000000" pitchFamily="2" charset="2"/>
-              <a:buChar char="§"/>
-            </a:pPr>
-            <a:r>
-              <a:rPr lang="fr-FR" sz="2000" dirty="0">
-                <a:solidFill>
-                  <a:srgbClr val="004492"/>
-                </a:solidFill>
-                <a:latin typeface="Calibri (Corps)"/>
-              </a:rPr>
-              <a:t>Fourni un fichier de sortie analysé avec ligne + numéro ligne </a:t>
-            </a:r>
-          </a:p>
-          <a:p>
-            <a:pPr lvl="1">
-              <a:lnSpc>
-                <a:spcPct val="250000"/>
-              </a:lnSpc>
-              <a:buFont typeface="Wingdings" panose="05000000000000000000" pitchFamily="2" charset="2"/>
-              <a:buChar char="§"/>
-            </a:pPr>
-            <a:endParaRPr lang="fr-FR" sz="2000" b="1" dirty="0">
-              <a:solidFill>
-                <a:srgbClr val="004492"/>
-              </a:solidFill>
-              <a:latin typeface="Calibri (Corps)"/>
-            </a:endParaRPr>
-          </a:p>
-          <a:p>
-            <a:pPr lvl="1">
-              <a:lnSpc>
-                <a:spcPct val="250000"/>
-              </a:lnSpc>
-            </a:pPr>
-            <a:endParaRPr lang="fr-FR" sz="2000" dirty="0">
-              <a:solidFill>
-                <a:srgbClr val="004492"/>
-              </a:solidFill>
-              <a:latin typeface="Calibri (Corps)"/>
-            </a:endParaRPr>
-          </a:p>
-        </p:txBody>
-      </p:sp>
-      <p:sp>
-        <p:nvSpPr>
-          <p:cNvPr id="9" name="Espace réservé du contenu 30"/>
-          <p:cNvSpPr txBox="1">
-            <a:spLocks/>
-          </p:cNvSpPr>
-          <p:nvPr/>
-        </p:nvSpPr>
-        <p:spPr>
-          <a:xfrm>
-            <a:off x="917188" y="2302587"/>
-            <a:ext cx="7886700" cy="1053962"/>
-          </a:xfrm>
-          <a:prstGeom prst="rect">
-            <a:avLst/>
-          </a:prstGeom>
-        </p:spPr>
-        <p:txBody>
-          <a:bodyPr vert="horz" lIns="91440" tIns="45720" rIns="91440" bIns="45720" rtlCol="0">
-            <a:normAutofit/>
-          </a:bodyPr>
-          <a:lstStyle>
-            <a:lvl1pPr marL="171450" indent="-171450" algn="l" defTabSz="685800" rtl="0" eaLnBrk="1" latinLnBrk="0" hangingPunct="1">
-              <a:lnSpc>
-                <a:spcPct val="90000"/>
-              </a:lnSpc>
-              <a:spcBef>
-                <a:spcPts val="750"/>
-              </a:spcBef>
-              <a:buFont typeface="Arial" panose="020B0604020202020204" pitchFamily="34" charset="0"/>
-              <a:buChar char="•"/>
-              <a:defRPr sz="2100" kern="1200">
-                <a:solidFill>
-                  <a:schemeClr val="tx1"/>
-                </a:solidFill>
-                <a:latin typeface="+mn-lt"/>
-                <a:ea typeface="+mn-ea"/>
-                <a:cs typeface="+mn-cs"/>
-              </a:defRPr>
-            </a:lvl1pPr>
-            <a:lvl2pPr marL="514350" indent="-171450" algn="l" defTabSz="685800" rtl="0" eaLnBrk="1" latinLnBrk="0" hangingPunct="1">
-              <a:lnSpc>
-                <a:spcPct val="90000"/>
-              </a:lnSpc>
-              <a:spcBef>
-                <a:spcPts val="375"/>
-              </a:spcBef>
-              <a:buFont typeface="Arial" panose="020B0604020202020204" pitchFamily="34" charset="0"/>
-              <a:buChar char="•"/>
-              <a:defRPr sz="1800" kern="1200">
-                <a:solidFill>
-                  <a:schemeClr val="tx1"/>
-                </a:solidFill>
-                <a:latin typeface="+mn-lt"/>
-                <a:ea typeface="+mn-ea"/>
-                <a:cs typeface="+mn-cs"/>
-              </a:defRPr>
-            </a:lvl2pPr>
-            <a:lvl3pPr marL="857250" indent="-171450" algn="l" defTabSz="685800" rtl="0" eaLnBrk="1" latinLnBrk="0" hangingPunct="1">
-              <a:lnSpc>
-                <a:spcPct val="90000"/>
-              </a:lnSpc>
-              <a:spcBef>
-                <a:spcPts val="375"/>
-              </a:spcBef>
-              <a:buFont typeface="Arial" panose="020B0604020202020204" pitchFamily="34" charset="0"/>
-              <a:buChar char="•"/>
-              <a:defRPr sz="1500" kern="1200">
-                <a:solidFill>
-                  <a:schemeClr val="tx1"/>
-                </a:solidFill>
-                <a:latin typeface="+mn-lt"/>
-                <a:ea typeface="+mn-ea"/>
-                <a:cs typeface="+mn-cs"/>
-              </a:defRPr>
-            </a:lvl3pPr>
-            <a:lvl4pPr marL="1200150" indent="-171450" algn="l" defTabSz="685800" rtl="0" eaLnBrk="1" latinLnBrk="0" hangingPunct="1">
-              <a:lnSpc>
-                <a:spcPct val="90000"/>
-              </a:lnSpc>
-              <a:spcBef>
-                <a:spcPts val="375"/>
-              </a:spcBef>
-              <a:buFont typeface="Arial" panose="020B0604020202020204" pitchFamily="34" charset="0"/>
-              <a:buChar char="•"/>
-              <a:defRPr sz="1350" kern="1200">
-                <a:solidFill>
-                  <a:schemeClr val="tx1"/>
-                </a:solidFill>
-                <a:latin typeface="+mn-lt"/>
-                <a:ea typeface="+mn-ea"/>
-                <a:cs typeface="+mn-cs"/>
-              </a:defRPr>
-            </a:lvl4pPr>
-            <a:lvl5pPr marL="1543050" indent="-171450" algn="l" defTabSz="685800" rtl="0" eaLnBrk="1" latinLnBrk="0" hangingPunct="1">
-              <a:lnSpc>
-                <a:spcPct val="90000"/>
-              </a:lnSpc>
-              <a:spcBef>
-                <a:spcPts val="375"/>
-              </a:spcBef>
-              <a:buFont typeface="Arial" panose="020B0604020202020204" pitchFamily="34" charset="0"/>
-              <a:buChar char="•"/>
-              <a:defRPr sz="1350" kern="1200">
-                <a:solidFill>
-                  <a:schemeClr val="tx1"/>
-                </a:solidFill>
-                <a:latin typeface="+mn-lt"/>
-                <a:ea typeface="+mn-ea"/>
-                <a:cs typeface="+mn-cs"/>
-              </a:defRPr>
-            </a:lvl5pPr>
-            <a:lvl6pPr marL="1885950" indent="-171450" algn="l" defTabSz="685800" rtl="0" eaLnBrk="1" latinLnBrk="0" hangingPunct="1">
-              <a:lnSpc>
-                <a:spcPct val="90000"/>
-              </a:lnSpc>
-              <a:spcBef>
-                <a:spcPts val="375"/>
-              </a:spcBef>
-              <a:buFont typeface="Arial" panose="020B0604020202020204" pitchFamily="34" charset="0"/>
-              <a:buChar char="•"/>
-              <a:defRPr sz="1350" kern="1200">
-                <a:solidFill>
-                  <a:schemeClr val="tx1"/>
-                </a:solidFill>
-                <a:latin typeface="+mn-lt"/>
-                <a:ea typeface="+mn-ea"/>
-                <a:cs typeface="+mn-cs"/>
-              </a:defRPr>
-            </a:lvl6pPr>
-            <a:lvl7pPr marL="2228850" indent="-171450" algn="l" defTabSz="685800" rtl="0" eaLnBrk="1" latinLnBrk="0" hangingPunct="1">
-              <a:lnSpc>
-                <a:spcPct val="90000"/>
-              </a:lnSpc>
-              <a:spcBef>
-                <a:spcPts val="375"/>
-              </a:spcBef>
-              <a:buFont typeface="Arial" panose="020B0604020202020204" pitchFamily="34" charset="0"/>
-              <a:buChar char="•"/>
-              <a:defRPr sz="1350" kern="1200">
-                <a:solidFill>
-                  <a:schemeClr val="tx1"/>
-                </a:solidFill>
-                <a:latin typeface="+mn-lt"/>
-                <a:ea typeface="+mn-ea"/>
-                <a:cs typeface="+mn-cs"/>
-              </a:defRPr>
-            </a:lvl7pPr>
-            <a:lvl8pPr marL="2571750" indent="-171450" algn="l" defTabSz="685800" rtl="0" eaLnBrk="1" latinLnBrk="0" hangingPunct="1">
-              <a:lnSpc>
-                <a:spcPct val="90000"/>
-              </a:lnSpc>
-              <a:spcBef>
-                <a:spcPts val="375"/>
-              </a:spcBef>
-              <a:buFont typeface="Arial" panose="020B0604020202020204" pitchFamily="34" charset="0"/>
-              <a:buChar char="•"/>
-              <a:defRPr sz="1350" kern="1200">
-                <a:solidFill>
-                  <a:schemeClr val="tx1"/>
-                </a:solidFill>
-                <a:latin typeface="+mn-lt"/>
-                <a:ea typeface="+mn-ea"/>
-                <a:cs typeface="+mn-cs"/>
-              </a:defRPr>
-            </a:lvl8pPr>
-            <a:lvl9pPr marL="2914650" indent="-171450" algn="l" defTabSz="685800" rtl="0" eaLnBrk="1" latinLnBrk="0" hangingPunct="1">
-              <a:lnSpc>
-                <a:spcPct val="90000"/>
-              </a:lnSpc>
-              <a:spcBef>
-                <a:spcPts val="375"/>
-              </a:spcBef>
-              <a:buFont typeface="Arial" panose="020B0604020202020204" pitchFamily="34" charset="0"/>
-              <a:buChar char="•"/>
-              <a:defRPr sz="1350" kern="1200">
-                <a:solidFill>
-                  <a:schemeClr val="tx1"/>
-                </a:solidFill>
-                <a:latin typeface="+mn-lt"/>
-                <a:ea typeface="+mn-ea"/>
-                <a:cs typeface="+mn-cs"/>
-              </a:defRPr>
-            </a:lvl9pPr>
-          </a:lstStyle>
-          <a:p>
-            <a:pPr>
-              <a:lnSpc>
-                <a:spcPct val="150000"/>
-              </a:lnSpc>
-            </a:pPr>
-            <a:r>
-              <a:rPr lang="fr-FR" sz="2200" dirty="0">
-                <a:solidFill>
-                  <a:srgbClr val="004492"/>
-                </a:solidFill>
-                <a:latin typeface="Calibri (Corps)"/>
-              </a:rPr>
-              <a:t>Solution retenue : </a:t>
-            </a:r>
-          </a:p>
-        </p:txBody>
-      </p:sp>
     </p:spTree>
     <p:extLst>
       <p:ext uri="{BB962C8B-B14F-4D97-AF65-F5344CB8AC3E}">
-        <p14:creationId xmlns:p14="http://schemas.microsoft.com/office/powerpoint/2010/main" val="1914319454"/>
+        <p14:creationId xmlns:p14="http://schemas.microsoft.com/office/powerpoint/2010/main" val="2388889054"/>
       </p:ext>
     </p:extLst>
   </p:cSld>
@@ -13243,7 +13134,7 @@
                 <a:solidFill>
                   <a:schemeClr val="bg1"/>
                 </a:solidFill>
-                <a:latin typeface="Eurostile" panose="020B0504020202050204" pitchFamily="34" charset="0"/>
+                <a:latin typeface="Eurostile-Roman" pitchFamily="2" charset="0"/>
               </a:rPr>
               <a:t>Développement </a:t>
             </a:r>
@@ -13252,7 +13143,7 @@
                 <a:solidFill>
                   <a:schemeClr val="bg1"/>
                 </a:solidFill>
-                <a:latin typeface="Eurostile" panose="020B0504020202050204" pitchFamily="34" charset="0"/>
+                <a:latin typeface="Eurostile-Roman" pitchFamily="2" charset="0"/>
               </a:rPr>
             </a:br>
             <a:r>
@@ -13260,437 +13151,16 @@
                 <a:solidFill>
                   <a:schemeClr val="bg1"/>
                 </a:solidFill>
-                <a:latin typeface="Eurostile" panose="020B0504020202050204" pitchFamily="34" charset="0"/>
+                <a:latin typeface="Eurostile-Roman" pitchFamily="2" charset="0"/>
               </a:rPr>
               <a:t>de la solution</a:t>
             </a:r>
           </a:p>
         </p:txBody>
       </p:sp>
-      <p:pic>
-        <p:nvPicPr>
-          <p:cNvPr id="3" name="Image 2"/>
-          <p:cNvPicPr>
-            <a:picLocks noChangeAspect="1"/>
-          </p:cNvPicPr>
-          <p:nvPr/>
-        </p:nvPicPr>
-        <p:blipFill>
-          <a:blip r:embed="rId2" cstate="print">
-            <a:extLst>
-              <a:ext uri="{28A0092B-C50C-407E-A947-70E740481C1C}">
-                <a14:useLocalDpi xmlns:a14="http://schemas.microsoft.com/office/drawing/2010/main" val="0"/>
-              </a:ext>
-            </a:extLst>
-          </a:blip>
-          <a:stretch>
-            <a:fillRect/>
-          </a:stretch>
-        </p:blipFill>
-        <p:spPr>
-          <a:xfrm>
-            <a:off x="5878200" y="1143000"/>
-            <a:ext cx="2913294" cy="5070764"/>
-          </a:xfrm>
-          <a:prstGeom prst="rect">
-            <a:avLst/>
-          </a:prstGeom>
-        </p:spPr>
-      </p:pic>
-      <p:sp>
-        <p:nvSpPr>
-          <p:cNvPr id="4" name="Espace réservé du contenu 30"/>
-          <p:cNvSpPr>
-            <a:spLocks noGrp="1"/>
-          </p:cNvSpPr>
-          <p:nvPr>
-            <p:ph idx="1"/>
-          </p:nvPr>
-        </p:nvSpPr>
-        <p:spPr>
-          <a:xfrm>
-            <a:off x="505691" y="2017738"/>
-            <a:ext cx="7886700" cy="1053962"/>
-          </a:xfrm>
-        </p:spPr>
-        <p:txBody>
-          <a:bodyPr>
-            <a:normAutofit/>
-          </a:bodyPr>
-          <a:lstStyle/>
-          <a:p>
-            <a:pPr>
-              <a:lnSpc>
-                <a:spcPct val="150000"/>
-              </a:lnSpc>
-            </a:pPr>
-            <a:r>
-              <a:rPr lang="fr-FR" sz="2200" dirty="0">
-                <a:solidFill>
-                  <a:srgbClr val="004492"/>
-                </a:solidFill>
-                <a:latin typeface="Eurostile" panose="020B0504020202050204" pitchFamily="34" charset="0"/>
-              </a:rPr>
-              <a:t>1</a:t>
-            </a:r>
-            <a:r>
-              <a:rPr lang="fr-FR" sz="2200" baseline="30000" dirty="0">
-                <a:solidFill>
-                  <a:srgbClr val="004492"/>
-                </a:solidFill>
-                <a:latin typeface="Eurostile" panose="020B0504020202050204" pitchFamily="34" charset="0"/>
-              </a:rPr>
-              <a:t>er</a:t>
-            </a:r>
-            <a:r>
-              <a:rPr lang="fr-FR" sz="2200" dirty="0">
-                <a:solidFill>
-                  <a:srgbClr val="004492"/>
-                </a:solidFill>
-                <a:latin typeface="Eurostile" panose="020B0504020202050204" pitchFamily="34" charset="0"/>
-              </a:rPr>
-              <a:t> travail : interface </a:t>
-            </a:r>
-            <a:r>
-              <a:rPr lang="fr-FR" sz="2200" dirty="0" err="1">
-                <a:solidFill>
-                  <a:srgbClr val="004492"/>
-                </a:solidFill>
-                <a:latin typeface="Eurostile" panose="020B0504020202050204" pitchFamily="34" charset="0"/>
-              </a:rPr>
-              <a:t>Eskape.Service.CTI</a:t>
-            </a:r>
-            <a:r>
-              <a:rPr lang="fr-FR" sz="2200" dirty="0">
-                <a:solidFill>
-                  <a:srgbClr val="004492"/>
-                </a:solidFill>
-                <a:latin typeface="Eurostile" panose="020B0504020202050204" pitchFamily="34" charset="0"/>
-              </a:rPr>
-              <a:t> / ELIOT :</a:t>
-            </a:r>
-          </a:p>
-        </p:txBody>
-      </p:sp>
-      <p:sp>
-        <p:nvSpPr>
-          <p:cNvPr id="9" name="Espace réservé du contenu 30"/>
-          <p:cNvSpPr txBox="1">
-            <a:spLocks/>
-          </p:cNvSpPr>
-          <p:nvPr/>
-        </p:nvSpPr>
-        <p:spPr>
-          <a:xfrm>
-            <a:off x="730827" y="2812625"/>
-            <a:ext cx="6729846" cy="3826469"/>
-          </a:xfrm>
-          <a:prstGeom prst="rect">
-            <a:avLst/>
-          </a:prstGeom>
-        </p:spPr>
-        <p:txBody>
-          <a:bodyPr vert="horz" lIns="91440" tIns="45720" rIns="91440" bIns="45720" rtlCol="0">
-            <a:normAutofit/>
-          </a:bodyPr>
-          <a:lstStyle>
-            <a:lvl1pPr marL="171450" indent="-171450" algn="l" defTabSz="685800" rtl="0" eaLnBrk="1" latinLnBrk="0" hangingPunct="1">
-              <a:lnSpc>
-                <a:spcPct val="90000"/>
-              </a:lnSpc>
-              <a:spcBef>
-                <a:spcPts val="750"/>
-              </a:spcBef>
-              <a:buFont typeface="Arial" panose="020B0604020202020204" pitchFamily="34" charset="0"/>
-              <a:buChar char="•"/>
-              <a:defRPr sz="2100" kern="1200">
-                <a:solidFill>
-                  <a:schemeClr val="tx1"/>
-                </a:solidFill>
-                <a:latin typeface="+mn-lt"/>
-                <a:ea typeface="+mn-ea"/>
-                <a:cs typeface="+mn-cs"/>
-              </a:defRPr>
-            </a:lvl1pPr>
-            <a:lvl2pPr marL="514350" indent="-171450" algn="l" defTabSz="685800" rtl="0" eaLnBrk="1" latinLnBrk="0" hangingPunct="1">
-              <a:lnSpc>
-                <a:spcPct val="90000"/>
-              </a:lnSpc>
-              <a:spcBef>
-                <a:spcPts val="375"/>
-              </a:spcBef>
-              <a:buFont typeface="Arial" panose="020B0604020202020204" pitchFamily="34" charset="0"/>
-              <a:buChar char="•"/>
-              <a:defRPr sz="1800" kern="1200">
-                <a:solidFill>
-                  <a:schemeClr val="tx1"/>
-                </a:solidFill>
-                <a:latin typeface="+mn-lt"/>
-                <a:ea typeface="+mn-ea"/>
-                <a:cs typeface="+mn-cs"/>
-              </a:defRPr>
-            </a:lvl2pPr>
-            <a:lvl3pPr marL="857250" indent="-171450" algn="l" defTabSz="685800" rtl="0" eaLnBrk="1" latinLnBrk="0" hangingPunct="1">
-              <a:lnSpc>
-                <a:spcPct val="90000"/>
-              </a:lnSpc>
-              <a:spcBef>
-                <a:spcPts val="375"/>
-              </a:spcBef>
-              <a:buFont typeface="Arial" panose="020B0604020202020204" pitchFamily="34" charset="0"/>
-              <a:buChar char="•"/>
-              <a:defRPr sz="1500" kern="1200">
-                <a:solidFill>
-                  <a:schemeClr val="tx1"/>
-                </a:solidFill>
-                <a:latin typeface="+mn-lt"/>
-                <a:ea typeface="+mn-ea"/>
-                <a:cs typeface="+mn-cs"/>
-              </a:defRPr>
-            </a:lvl3pPr>
-            <a:lvl4pPr marL="1200150" indent="-171450" algn="l" defTabSz="685800" rtl="0" eaLnBrk="1" latinLnBrk="0" hangingPunct="1">
-              <a:lnSpc>
-                <a:spcPct val="90000"/>
-              </a:lnSpc>
-              <a:spcBef>
-                <a:spcPts val="375"/>
-              </a:spcBef>
-              <a:buFont typeface="Arial" panose="020B0604020202020204" pitchFamily="34" charset="0"/>
-              <a:buChar char="•"/>
-              <a:defRPr sz="1350" kern="1200">
-                <a:solidFill>
-                  <a:schemeClr val="tx1"/>
-                </a:solidFill>
-                <a:latin typeface="+mn-lt"/>
-                <a:ea typeface="+mn-ea"/>
-                <a:cs typeface="+mn-cs"/>
-              </a:defRPr>
-            </a:lvl4pPr>
-            <a:lvl5pPr marL="1543050" indent="-171450" algn="l" defTabSz="685800" rtl="0" eaLnBrk="1" latinLnBrk="0" hangingPunct="1">
-              <a:lnSpc>
-                <a:spcPct val="90000"/>
-              </a:lnSpc>
-              <a:spcBef>
-                <a:spcPts val="375"/>
-              </a:spcBef>
-              <a:buFont typeface="Arial" panose="020B0604020202020204" pitchFamily="34" charset="0"/>
-              <a:buChar char="•"/>
-              <a:defRPr sz="1350" kern="1200">
-                <a:solidFill>
-                  <a:schemeClr val="tx1"/>
-                </a:solidFill>
-                <a:latin typeface="+mn-lt"/>
-                <a:ea typeface="+mn-ea"/>
-                <a:cs typeface="+mn-cs"/>
-              </a:defRPr>
-            </a:lvl5pPr>
-            <a:lvl6pPr marL="1885950" indent="-171450" algn="l" defTabSz="685800" rtl="0" eaLnBrk="1" latinLnBrk="0" hangingPunct="1">
-              <a:lnSpc>
-                <a:spcPct val="90000"/>
-              </a:lnSpc>
-              <a:spcBef>
-                <a:spcPts val="375"/>
-              </a:spcBef>
-              <a:buFont typeface="Arial" panose="020B0604020202020204" pitchFamily="34" charset="0"/>
-              <a:buChar char="•"/>
-              <a:defRPr sz="1350" kern="1200">
-                <a:solidFill>
-                  <a:schemeClr val="tx1"/>
-                </a:solidFill>
-                <a:latin typeface="+mn-lt"/>
-                <a:ea typeface="+mn-ea"/>
-                <a:cs typeface="+mn-cs"/>
-              </a:defRPr>
-            </a:lvl6pPr>
-            <a:lvl7pPr marL="2228850" indent="-171450" algn="l" defTabSz="685800" rtl="0" eaLnBrk="1" latinLnBrk="0" hangingPunct="1">
-              <a:lnSpc>
-                <a:spcPct val="90000"/>
-              </a:lnSpc>
-              <a:spcBef>
-                <a:spcPts val="375"/>
-              </a:spcBef>
-              <a:buFont typeface="Arial" panose="020B0604020202020204" pitchFamily="34" charset="0"/>
-              <a:buChar char="•"/>
-              <a:defRPr sz="1350" kern="1200">
-                <a:solidFill>
-                  <a:schemeClr val="tx1"/>
-                </a:solidFill>
-                <a:latin typeface="+mn-lt"/>
-                <a:ea typeface="+mn-ea"/>
-                <a:cs typeface="+mn-cs"/>
-              </a:defRPr>
-            </a:lvl7pPr>
-            <a:lvl8pPr marL="2571750" indent="-171450" algn="l" defTabSz="685800" rtl="0" eaLnBrk="1" latinLnBrk="0" hangingPunct="1">
-              <a:lnSpc>
-                <a:spcPct val="90000"/>
-              </a:lnSpc>
-              <a:spcBef>
-                <a:spcPts val="375"/>
-              </a:spcBef>
-              <a:buFont typeface="Arial" panose="020B0604020202020204" pitchFamily="34" charset="0"/>
-              <a:buChar char="•"/>
-              <a:defRPr sz="1350" kern="1200">
-                <a:solidFill>
-                  <a:schemeClr val="tx1"/>
-                </a:solidFill>
-                <a:latin typeface="+mn-lt"/>
-                <a:ea typeface="+mn-ea"/>
-                <a:cs typeface="+mn-cs"/>
-              </a:defRPr>
-            </a:lvl8pPr>
-            <a:lvl9pPr marL="2914650" indent="-171450" algn="l" defTabSz="685800" rtl="0" eaLnBrk="1" latinLnBrk="0" hangingPunct="1">
-              <a:lnSpc>
-                <a:spcPct val="90000"/>
-              </a:lnSpc>
-              <a:spcBef>
-                <a:spcPts val="375"/>
-              </a:spcBef>
-              <a:buFont typeface="Arial" panose="020B0604020202020204" pitchFamily="34" charset="0"/>
-              <a:buChar char="•"/>
-              <a:defRPr sz="1350" kern="1200">
-                <a:solidFill>
-                  <a:schemeClr val="tx1"/>
-                </a:solidFill>
-                <a:latin typeface="+mn-lt"/>
-                <a:ea typeface="+mn-ea"/>
-                <a:cs typeface="+mn-cs"/>
-              </a:defRPr>
-            </a:lvl9pPr>
-          </a:lstStyle>
-          <a:p>
-            <a:pPr lvl="1">
-              <a:lnSpc>
-                <a:spcPct val="250000"/>
-              </a:lnSpc>
-              <a:buFont typeface="Wingdings" panose="05000000000000000000" pitchFamily="2" charset="2"/>
-              <a:buChar char="§"/>
-            </a:pPr>
-            <a:r>
-              <a:rPr lang="fr-FR" sz="2000" dirty="0">
-                <a:solidFill>
-                  <a:srgbClr val="004492"/>
-                </a:solidFill>
-                <a:latin typeface="Eurostile" panose="020B0504020202050204" pitchFamily="34" charset="0"/>
-              </a:rPr>
-              <a:t>CtiServerConnector.DLL</a:t>
-            </a:r>
-          </a:p>
-          <a:p>
-            <a:pPr lvl="1">
-              <a:lnSpc>
-                <a:spcPct val="250000"/>
-              </a:lnSpc>
-              <a:buFont typeface="Wingdings" panose="05000000000000000000" pitchFamily="2" charset="2"/>
-              <a:buChar char="§"/>
-            </a:pPr>
-            <a:r>
-              <a:rPr lang="fr-FR" sz="2000" dirty="0">
-                <a:solidFill>
-                  <a:srgbClr val="004492"/>
-                </a:solidFill>
-                <a:latin typeface="Eurostile" panose="020B0504020202050204" pitchFamily="34" charset="0"/>
-              </a:rPr>
-              <a:t>Instancie une connexion avec la solution ELIOT</a:t>
-            </a:r>
-          </a:p>
-          <a:p>
-            <a:pPr lvl="1">
-              <a:lnSpc>
-                <a:spcPct val="250000"/>
-              </a:lnSpc>
-              <a:buFont typeface="Wingdings" panose="05000000000000000000" pitchFamily="2" charset="2"/>
-              <a:buChar char="§"/>
-            </a:pPr>
-            <a:r>
-              <a:rPr lang="fr-FR" sz="2000" dirty="0">
-                <a:solidFill>
-                  <a:srgbClr val="004492"/>
-                </a:solidFill>
-                <a:latin typeface="Eurostile" panose="020B0504020202050204" pitchFamily="34" charset="0"/>
-              </a:rPr>
-              <a:t>Permet l’écoute et le traitement d’évènements </a:t>
-            </a:r>
-          </a:p>
-          <a:p>
-            <a:pPr marL="342900" lvl="1" indent="0">
-              <a:lnSpc>
-                <a:spcPct val="250000"/>
-              </a:lnSpc>
-              <a:buNone/>
-            </a:pPr>
-            <a:r>
-              <a:rPr lang="fr-FR" sz="2000" dirty="0">
-                <a:solidFill>
-                  <a:srgbClr val="004492"/>
-                </a:solidFill>
-                <a:latin typeface="Eurostile" panose="020B0504020202050204" pitchFamily="34" charset="0"/>
-              </a:rPr>
-              <a:t>   </a:t>
-            </a:r>
-            <a:endParaRPr lang="fr-FR" sz="1700" dirty="0">
-              <a:solidFill>
-                <a:srgbClr val="004492"/>
-              </a:solidFill>
-              <a:latin typeface="Eurostile" panose="020B0504020202050204" pitchFamily="34" charset="0"/>
-            </a:endParaRPr>
-          </a:p>
-          <a:p>
-            <a:pPr marL="342900" lvl="1" indent="0">
-              <a:lnSpc>
-                <a:spcPct val="250000"/>
-              </a:lnSpc>
-              <a:buNone/>
-            </a:pPr>
-            <a:endParaRPr lang="fr-FR" sz="2000" dirty="0">
-              <a:solidFill>
-                <a:srgbClr val="004492"/>
-              </a:solidFill>
-              <a:latin typeface="Eurostile" panose="020B0504020202050204" pitchFamily="34" charset="0"/>
-            </a:endParaRPr>
-          </a:p>
-        </p:txBody>
-      </p:sp>
-      <p:sp>
-        <p:nvSpPr>
-          <p:cNvPr id="5" name="ZoneTexte 4"/>
-          <p:cNvSpPr txBox="1"/>
-          <p:nvPr/>
-        </p:nvSpPr>
-        <p:spPr>
-          <a:xfrm>
-            <a:off x="1267896" y="5237019"/>
-            <a:ext cx="4073236" cy="677108"/>
-          </a:xfrm>
-          <a:prstGeom prst="rect">
-            <a:avLst/>
-          </a:prstGeom>
-          <a:noFill/>
-        </p:spPr>
-        <p:txBody>
-          <a:bodyPr wrap="square" rtlCol="0">
-            <a:spAutoFit/>
-          </a:bodyPr>
-          <a:lstStyle/>
-          <a:p>
-            <a:pPr marL="0" lvl="1"/>
-            <a:r>
-              <a:rPr lang="fr-FR" sz="2000" dirty="0">
-                <a:solidFill>
-                  <a:srgbClr val="004492"/>
-                </a:solidFill>
-                <a:latin typeface="Eurostile" panose="020B0504020202050204" pitchFamily="34" charset="0"/>
-              </a:rPr>
-              <a:t>envoyés par ELIOT</a:t>
-            </a:r>
-          </a:p>
-          <a:p>
-            <a:endParaRPr lang="fr-FR" dirty="0"/>
-          </a:p>
-        </p:txBody>
-      </p:sp>
-      <p:sp>
-        <p:nvSpPr>
-          <p:cNvPr id="6" name="Espace réservé du numéro de diapositive 5"/>
+      <p:sp>
+        <p:nvSpPr>
+          <p:cNvPr id="11" name="Espace réservé du numéro de diapositive 1"/>
           <p:cNvSpPr>
             <a:spLocks noGrp="1"/>
           </p:cNvSpPr>
@@ -13698,23 +13168,945 @@
             <p:ph type="sldNum" sz="quarter" idx="12"/>
           </p:nvPr>
         </p:nvSpPr>
-        <p:spPr/>
+        <p:spPr>
+          <a:xfrm>
+            <a:off x="6603423" y="6255991"/>
+            <a:ext cx="2057400" cy="365125"/>
+          </a:xfrm>
+        </p:spPr>
         <p:txBody>
           <a:bodyPr/>
           <a:lstStyle/>
           <a:p>
+            <a:r>
+              <a:rPr lang="fr-FR" sz="1800" dirty="0">
+                <a:latin typeface="Eurostile-Roman" pitchFamily="2" charset="0"/>
+              </a:rPr>
+              <a:t>Diapositive </a:t>
+            </a:r>
             <a:fld id="{0A0AF257-D28F-495E-9E53-3BED59B8AA35}" type="slidenum">
-              <a:rPr lang="fr-FR" smtClean="0"/>
+              <a:rPr lang="fr-FR" sz="1800" smtClean="0">
+                <a:latin typeface="Eurostile-Roman" pitchFamily="2" charset="0"/>
+              </a:rPr>
               <a:t>29</a:t>
             </a:fld>
-            <a:endParaRPr lang="fr-FR"/>
+            <a:endParaRPr lang="fr-FR" sz="1800" dirty="0">
+              <a:latin typeface="Eurostile-Roman" pitchFamily="2" charset="0"/>
+            </a:endParaRPr>
+          </a:p>
+        </p:txBody>
+      </p:sp>
+      <p:sp>
+        <p:nvSpPr>
+          <p:cNvPr id="9" name="Espace réservé du contenu 30"/>
+          <p:cNvSpPr txBox="1">
+            <a:spLocks/>
+          </p:cNvSpPr>
+          <p:nvPr/>
+        </p:nvSpPr>
+        <p:spPr>
+          <a:xfrm>
+            <a:off x="2812895" y="1401025"/>
+            <a:ext cx="4569212" cy="1053962"/>
+          </a:xfrm>
+          <a:prstGeom prst="rect">
+            <a:avLst/>
+          </a:prstGeom>
+        </p:spPr>
+        <p:txBody>
+          <a:bodyPr vert="horz" lIns="91440" tIns="45720" rIns="91440" bIns="45720" rtlCol="0">
+            <a:normAutofit/>
+          </a:bodyPr>
+          <a:lstStyle>
+            <a:lvl1pPr marL="171450" indent="-171450" algn="l" defTabSz="685800" rtl="0" eaLnBrk="1" latinLnBrk="0" hangingPunct="1">
+              <a:lnSpc>
+                <a:spcPct val="90000"/>
+              </a:lnSpc>
+              <a:spcBef>
+                <a:spcPts val="750"/>
+              </a:spcBef>
+              <a:buFont typeface="Arial" panose="020B0604020202020204" pitchFamily="34" charset="0"/>
+              <a:buChar char="•"/>
+              <a:defRPr sz="2100" kern="1200">
+                <a:solidFill>
+                  <a:schemeClr val="tx1"/>
+                </a:solidFill>
+                <a:latin typeface="+mn-lt"/>
+                <a:ea typeface="+mn-ea"/>
+                <a:cs typeface="+mn-cs"/>
+              </a:defRPr>
+            </a:lvl1pPr>
+            <a:lvl2pPr marL="514350" indent="-171450" algn="l" defTabSz="685800" rtl="0" eaLnBrk="1" latinLnBrk="0" hangingPunct="1">
+              <a:lnSpc>
+                <a:spcPct val="90000"/>
+              </a:lnSpc>
+              <a:spcBef>
+                <a:spcPts val="375"/>
+              </a:spcBef>
+              <a:buFont typeface="Arial" panose="020B0604020202020204" pitchFamily="34" charset="0"/>
+              <a:buChar char="•"/>
+              <a:defRPr sz="1800" kern="1200">
+                <a:solidFill>
+                  <a:schemeClr val="tx1"/>
+                </a:solidFill>
+                <a:latin typeface="+mn-lt"/>
+                <a:ea typeface="+mn-ea"/>
+                <a:cs typeface="+mn-cs"/>
+              </a:defRPr>
+            </a:lvl2pPr>
+            <a:lvl3pPr marL="857250" indent="-171450" algn="l" defTabSz="685800" rtl="0" eaLnBrk="1" latinLnBrk="0" hangingPunct="1">
+              <a:lnSpc>
+                <a:spcPct val="90000"/>
+              </a:lnSpc>
+              <a:spcBef>
+                <a:spcPts val="375"/>
+              </a:spcBef>
+              <a:buFont typeface="Arial" panose="020B0604020202020204" pitchFamily="34" charset="0"/>
+              <a:buChar char="•"/>
+              <a:defRPr sz="1500" kern="1200">
+                <a:solidFill>
+                  <a:schemeClr val="tx1"/>
+                </a:solidFill>
+                <a:latin typeface="+mn-lt"/>
+                <a:ea typeface="+mn-ea"/>
+                <a:cs typeface="+mn-cs"/>
+              </a:defRPr>
+            </a:lvl3pPr>
+            <a:lvl4pPr marL="1200150" indent="-171450" algn="l" defTabSz="685800" rtl="0" eaLnBrk="1" latinLnBrk="0" hangingPunct="1">
+              <a:lnSpc>
+                <a:spcPct val="90000"/>
+              </a:lnSpc>
+              <a:spcBef>
+                <a:spcPts val="375"/>
+              </a:spcBef>
+              <a:buFont typeface="Arial" panose="020B0604020202020204" pitchFamily="34" charset="0"/>
+              <a:buChar char="•"/>
+              <a:defRPr sz="1350" kern="1200">
+                <a:solidFill>
+                  <a:schemeClr val="tx1"/>
+                </a:solidFill>
+                <a:latin typeface="+mn-lt"/>
+                <a:ea typeface="+mn-ea"/>
+                <a:cs typeface="+mn-cs"/>
+              </a:defRPr>
+            </a:lvl4pPr>
+            <a:lvl5pPr marL="1543050" indent="-171450" algn="l" defTabSz="685800" rtl="0" eaLnBrk="1" latinLnBrk="0" hangingPunct="1">
+              <a:lnSpc>
+                <a:spcPct val="90000"/>
+              </a:lnSpc>
+              <a:spcBef>
+                <a:spcPts val="375"/>
+              </a:spcBef>
+              <a:buFont typeface="Arial" panose="020B0604020202020204" pitchFamily="34" charset="0"/>
+              <a:buChar char="•"/>
+              <a:defRPr sz="1350" kern="1200">
+                <a:solidFill>
+                  <a:schemeClr val="tx1"/>
+                </a:solidFill>
+                <a:latin typeface="+mn-lt"/>
+                <a:ea typeface="+mn-ea"/>
+                <a:cs typeface="+mn-cs"/>
+              </a:defRPr>
+            </a:lvl5pPr>
+            <a:lvl6pPr marL="1885950" indent="-171450" algn="l" defTabSz="685800" rtl="0" eaLnBrk="1" latinLnBrk="0" hangingPunct="1">
+              <a:lnSpc>
+                <a:spcPct val="90000"/>
+              </a:lnSpc>
+              <a:spcBef>
+                <a:spcPts val="375"/>
+              </a:spcBef>
+              <a:buFont typeface="Arial" panose="020B0604020202020204" pitchFamily="34" charset="0"/>
+              <a:buChar char="•"/>
+              <a:defRPr sz="1350" kern="1200">
+                <a:solidFill>
+                  <a:schemeClr val="tx1"/>
+                </a:solidFill>
+                <a:latin typeface="+mn-lt"/>
+                <a:ea typeface="+mn-ea"/>
+                <a:cs typeface="+mn-cs"/>
+              </a:defRPr>
+            </a:lvl6pPr>
+            <a:lvl7pPr marL="2228850" indent="-171450" algn="l" defTabSz="685800" rtl="0" eaLnBrk="1" latinLnBrk="0" hangingPunct="1">
+              <a:lnSpc>
+                <a:spcPct val="90000"/>
+              </a:lnSpc>
+              <a:spcBef>
+                <a:spcPts val="375"/>
+              </a:spcBef>
+              <a:buFont typeface="Arial" panose="020B0604020202020204" pitchFamily="34" charset="0"/>
+              <a:buChar char="•"/>
+              <a:defRPr sz="1350" kern="1200">
+                <a:solidFill>
+                  <a:schemeClr val="tx1"/>
+                </a:solidFill>
+                <a:latin typeface="+mn-lt"/>
+                <a:ea typeface="+mn-ea"/>
+                <a:cs typeface="+mn-cs"/>
+              </a:defRPr>
+            </a:lvl7pPr>
+            <a:lvl8pPr marL="2571750" indent="-171450" algn="l" defTabSz="685800" rtl="0" eaLnBrk="1" latinLnBrk="0" hangingPunct="1">
+              <a:lnSpc>
+                <a:spcPct val="90000"/>
+              </a:lnSpc>
+              <a:spcBef>
+                <a:spcPts val="375"/>
+              </a:spcBef>
+              <a:buFont typeface="Arial" panose="020B0604020202020204" pitchFamily="34" charset="0"/>
+              <a:buChar char="•"/>
+              <a:defRPr sz="1350" kern="1200">
+                <a:solidFill>
+                  <a:schemeClr val="tx1"/>
+                </a:solidFill>
+                <a:latin typeface="+mn-lt"/>
+                <a:ea typeface="+mn-ea"/>
+                <a:cs typeface="+mn-cs"/>
+              </a:defRPr>
+            </a:lvl8pPr>
+            <a:lvl9pPr marL="2914650" indent="-171450" algn="l" defTabSz="685800" rtl="0" eaLnBrk="1" latinLnBrk="0" hangingPunct="1">
+              <a:lnSpc>
+                <a:spcPct val="90000"/>
+              </a:lnSpc>
+              <a:spcBef>
+                <a:spcPts val="375"/>
+              </a:spcBef>
+              <a:buFont typeface="Arial" panose="020B0604020202020204" pitchFamily="34" charset="0"/>
+              <a:buChar char="•"/>
+              <a:defRPr sz="1350" kern="1200">
+                <a:solidFill>
+                  <a:schemeClr val="tx1"/>
+                </a:solidFill>
+                <a:latin typeface="+mn-lt"/>
+                <a:ea typeface="+mn-ea"/>
+                <a:cs typeface="+mn-cs"/>
+              </a:defRPr>
+            </a:lvl9pPr>
+          </a:lstStyle>
+          <a:p>
+            <a:pPr marL="0" indent="0">
+              <a:lnSpc>
+                <a:spcPct val="150000"/>
+              </a:lnSpc>
+              <a:buNone/>
+            </a:pPr>
+            <a:r>
+              <a:rPr lang="fr-FR" sz="3000" b="1" dirty="0">
+                <a:solidFill>
+                  <a:srgbClr val="004492"/>
+                </a:solidFill>
+                <a:latin typeface="Calibri (Corps)"/>
+              </a:rPr>
+              <a:t>Travaux complémentaires</a:t>
+            </a:r>
+          </a:p>
+        </p:txBody>
+      </p:sp>
+      <p:sp>
+        <p:nvSpPr>
+          <p:cNvPr id="8" name="Espace réservé du contenu 30"/>
+          <p:cNvSpPr txBox="1">
+            <a:spLocks/>
+          </p:cNvSpPr>
+          <p:nvPr/>
+        </p:nvSpPr>
+        <p:spPr>
+          <a:xfrm>
+            <a:off x="1064265" y="2476876"/>
+            <a:ext cx="7886700" cy="1053962"/>
+          </a:xfrm>
+          <a:prstGeom prst="rect">
+            <a:avLst/>
+          </a:prstGeom>
+        </p:spPr>
+        <p:txBody>
+          <a:bodyPr vert="horz" lIns="91440" tIns="45720" rIns="91440" bIns="45720" rtlCol="0">
+            <a:normAutofit/>
+          </a:bodyPr>
+          <a:lstStyle>
+            <a:lvl1pPr marL="171450" indent="-171450" algn="l" defTabSz="685800" rtl="0" eaLnBrk="1" latinLnBrk="0" hangingPunct="1">
+              <a:lnSpc>
+                <a:spcPct val="90000"/>
+              </a:lnSpc>
+              <a:spcBef>
+                <a:spcPts val="750"/>
+              </a:spcBef>
+              <a:buFont typeface="Arial" panose="020B0604020202020204" pitchFamily="34" charset="0"/>
+              <a:buChar char="•"/>
+              <a:defRPr sz="2100" kern="1200">
+                <a:solidFill>
+                  <a:schemeClr val="tx1"/>
+                </a:solidFill>
+                <a:latin typeface="+mn-lt"/>
+                <a:ea typeface="+mn-ea"/>
+                <a:cs typeface="+mn-cs"/>
+              </a:defRPr>
+            </a:lvl1pPr>
+            <a:lvl2pPr marL="514350" indent="-171450" algn="l" defTabSz="685800" rtl="0" eaLnBrk="1" latinLnBrk="0" hangingPunct="1">
+              <a:lnSpc>
+                <a:spcPct val="90000"/>
+              </a:lnSpc>
+              <a:spcBef>
+                <a:spcPts val="375"/>
+              </a:spcBef>
+              <a:buFont typeface="Arial" panose="020B0604020202020204" pitchFamily="34" charset="0"/>
+              <a:buChar char="•"/>
+              <a:defRPr sz="1800" kern="1200">
+                <a:solidFill>
+                  <a:schemeClr val="tx1"/>
+                </a:solidFill>
+                <a:latin typeface="+mn-lt"/>
+                <a:ea typeface="+mn-ea"/>
+                <a:cs typeface="+mn-cs"/>
+              </a:defRPr>
+            </a:lvl2pPr>
+            <a:lvl3pPr marL="857250" indent="-171450" algn="l" defTabSz="685800" rtl="0" eaLnBrk="1" latinLnBrk="0" hangingPunct="1">
+              <a:lnSpc>
+                <a:spcPct val="90000"/>
+              </a:lnSpc>
+              <a:spcBef>
+                <a:spcPts val="375"/>
+              </a:spcBef>
+              <a:buFont typeface="Arial" panose="020B0604020202020204" pitchFamily="34" charset="0"/>
+              <a:buChar char="•"/>
+              <a:defRPr sz="1500" kern="1200">
+                <a:solidFill>
+                  <a:schemeClr val="tx1"/>
+                </a:solidFill>
+                <a:latin typeface="+mn-lt"/>
+                <a:ea typeface="+mn-ea"/>
+                <a:cs typeface="+mn-cs"/>
+              </a:defRPr>
+            </a:lvl3pPr>
+            <a:lvl4pPr marL="1200150" indent="-171450" algn="l" defTabSz="685800" rtl="0" eaLnBrk="1" latinLnBrk="0" hangingPunct="1">
+              <a:lnSpc>
+                <a:spcPct val="90000"/>
+              </a:lnSpc>
+              <a:spcBef>
+                <a:spcPts val="375"/>
+              </a:spcBef>
+              <a:buFont typeface="Arial" panose="020B0604020202020204" pitchFamily="34" charset="0"/>
+              <a:buChar char="•"/>
+              <a:defRPr sz="1350" kern="1200">
+                <a:solidFill>
+                  <a:schemeClr val="tx1"/>
+                </a:solidFill>
+                <a:latin typeface="+mn-lt"/>
+                <a:ea typeface="+mn-ea"/>
+                <a:cs typeface="+mn-cs"/>
+              </a:defRPr>
+            </a:lvl4pPr>
+            <a:lvl5pPr marL="1543050" indent="-171450" algn="l" defTabSz="685800" rtl="0" eaLnBrk="1" latinLnBrk="0" hangingPunct="1">
+              <a:lnSpc>
+                <a:spcPct val="90000"/>
+              </a:lnSpc>
+              <a:spcBef>
+                <a:spcPts val="375"/>
+              </a:spcBef>
+              <a:buFont typeface="Arial" panose="020B0604020202020204" pitchFamily="34" charset="0"/>
+              <a:buChar char="•"/>
+              <a:defRPr sz="1350" kern="1200">
+                <a:solidFill>
+                  <a:schemeClr val="tx1"/>
+                </a:solidFill>
+                <a:latin typeface="+mn-lt"/>
+                <a:ea typeface="+mn-ea"/>
+                <a:cs typeface="+mn-cs"/>
+              </a:defRPr>
+            </a:lvl5pPr>
+            <a:lvl6pPr marL="1885950" indent="-171450" algn="l" defTabSz="685800" rtl="0" eaLnBrk="1" latinLnBrk="0" hangingPunct="1">
+              <a:lnSpc>
+                <a:spcPct val="90000"/>
+              </a:lnSpc>
+              <a:spcBef>
+                <a:spcPts val="375"/>
+              </a:spcBef>
+              <a:buFont typeface="Arial" panose="020B0604020202020204" pitchFamily="34" charset="0"/>
+              <a:buChar char="•"/>
+              <a:defRPr sz="1350" kern="1200">
+                <a:solidFill>
+                  <a:schemeClr val="tx1"/>
+                </a:solidFill>
+                <a:latin typeface="+mn-lt"/>
+                <a:ea typeface="+mn-ea"/>
+                <a:cs typeface="+mn-cs"/>
+              </a:defRPr>
+            </a:lvl6pPr>
+            <a:lvl7pPr marL="2228850" indent="-171450" algn="l" defTabSz="685800" rtl="0" eaLnBrk="1" latinLnBrk="0" hangingPunct="1">
+              <a:lnSpc>
+                <a:spcPct val="90000"/>
+              </a:lnSpc>
+              <a:spcBef>
+                <a:spcPts val="375"/>
+              </a:spcBef>
+              <a:buFont typeface="Arial" panose="020B0604020202020204" pitchFamily="34" charset="0"/>
+              <a:buChar char="•"/>
+              <a:defRPr sz="1350" kern="1200">
+                <a:solidFill>
+                  <a:schemeClr val="tx1"/>
+                </a:solidFill>
+                <a:latin typeface="+mn-lt"/>
+                <a:ea typeface="+mn-ea"/>
+                <a:cs typeface="+mn-cs"/>
+              </a:defRPr>
+            </a:lvl7pPr>
+            <a:lvl8pPr marL="2571750" indent="-171450" algn="l" defTabSz="685800" rtl="0" eaLnBrk="1" latinLnBrk="0" hangingPunct="1">
+              <a:lnSpc>
+                <a:spcPct val="90000"/>
+              </a:lnSpc>
+              <a:spcBef>
+                <a:spcPts val="375"/>
+              </a:spcBef>
+              <a:buFont typeface="Arial" panose="020B0604020202020204" pitchFamily="34" charset="0"/>
+              <a:buChar char="•"/>
+              <a:defRPr sz="1350" kern="1200">
+                <a:solidFill>
+                  <a:schemeClr val="tx1"/>
+                </a:solidFill>
+                <a:latin typeface="+mn-lt"/>
+                <a:ea typeface="+mn-ea"/>
+                <a:cs typeface="+mn-cs"/>
+              </a:defRPr>
+            </a:lvl8pPr>
+            <a:lvl9pPr marL="2914650" indent="-171450" algn="l" defTabSz="685800" rtl="0" eaLnBrk="1" latinLnBrk="0" hangingPunct="1">
+              <a:lnSpc>
+                <a:spcPct val="90000"/>
+              </a:lnSpc>
+              <a:spcBef>
+                <a:spcPts val="375"/>
+              </a:spcBef>
+              <a:buFont typeface="Arial" panose="020B0604020202020204" pitchFamily="34" charset="0"/>
+              <a:buChar char="•"/>
+              <a:defRPr sz="1350" kern="1200">
+                <a:solidFill>
+                  <a:schemeClr val="tx1"/>
+                </a:solidFill>
+                <a:latin typeface="+mn-lt"/>
+                <a:ea typeface="+mn-ea"/>
+                <a:cs typeface="+mn-cs"/>
+              </a:defRPr>
+            </a:lvl9pPr>
+          </a:lstStyle>
+          <a:p>
+            <a:pPr>
+              <a:lnSpc>
+                <a:spcPct val="150000"/>
+              </a:lnSpc>
+            </a:pPr>
+            <a:r>
+              <a:rPr lang="fr-FR" sz="2200" dirty="0">
+                <a:solidFill>
+                  <a:srgbClr val="004492"/>
+                </a:solidFill>
+                <a:latin typeface="Calibri (Corps)"/>
+              </a:rPr>
+              <a:t>Outil d’ajout de Version List</a:t>
+            </a:r>
+            <a:endParaRPr lang="fr-FR" sz="2200" dirty="0">
+              <a:solidFill>
+                <a:srgbClr val="004492"/>
+              </a:solidFill>
+              <a:latin typeface="Calibri (Corps)"/>
+            </a:endParaRPr>
+          </a:p>
+        </p:txBody>
+      </p:sp>
+      <p:sp>
+        <p:nvSpPr>
+          <p:cNvPr id="14" name="Espace réservé du contenu 30"/>
+          <p:cNvSpPr txBox="1">
+            <a:spLocks/>
+          </p:cNvSpPr>
+          <p:nvPr/>
+        </p:nvSpPr>
+        <p:spPr>
+          <a:xfrm>
+            <a:off x="1084118" y="2987697"/>
+            <a:ext cx="8059882" cy="1840781"/>
+          </a:xfrm>
+          <a:prstGeom prst="rect">
+            <a:avLst/>
+          </a:prstGeom>
+        </p:spPr>
+        <p:txBody>
+          <a:bodyPr vert="horz" lIns="91440" tIns="45720" rIns="91440" bIns="45720" rtlCol="0">
+            <a:normAutofit/>
+          </a:bodyPr>
+          <a:lstStyle>
+            <a:lvl1pPr marL="171450" indent="-171450" algn="l" defTabSz="685800" rtl="0" eaLnBrk="1" latinLnBrk="0" hangingPunct="1">
+              <a:lnSpc>
+                <a:spcPct val="90000"/>
+              </a:lnSpc>
+              <a:spcBef>
+                <a:spcPts val="750"/>
+              </a:spcBef>
+              <a:buFont typeface="Arial" panose="020B0604020202020204" pitchFamily="34" charset="0"/>
+              <a:buChar char="•"/>
+              <a:defRPr sz="2100" kern="1200">
+                <a:solidFill>
+                  <a:schemeClr val="tx1"/>
+                </a:solidFill>
+                <a:latin typeface="+mn-lt"/>
+                <a:ea typeface="+mn-ea"/>
+                <a:cs typeface="+mn-cs"/>
+              </a:defRPr>
+            </a:lvl1pPr>
+            <a:lvl2pPr marL="514350" indent="-171450" algn="l" defTabSz="685800" rtl="0" eaLnBrk="1" latinLnBrk="0" hangingPunct="1">
+              <a:lnSpc>
+                <a:spcPct val="90000"/>
+              </a:lnSpc>
+              <a:spcBef>
+                <a:spcPts val="375"/>
+              </a:spcBef>
+              <a:buFont typeface="Arial" panose="020B0604020202020204" pitchFamily="34" charset="0"/>
+              <a:buChar char="•"/>
+              <a:defRPr sz="1800" kern="1200">
+                <a:solidFill>
+                  <a:schemeClr val="tx1"/>
+                </a:solidFill>
+                <a:latin typeface="+mn-lt"/>
+                <a:ea typeface="+mn-ea"/>
+                <a:cs typeface="+mn-cs"/>
+              </a:defRPr>
+            </a:lvl2pPr>
+            <a:lvl3pPr marL="857250" indent="-171450" algn="l" defTabSz="685800" rtl="0" eaLnBrk="1" latinLnBrk="0" hangingPunct="1">
+              <a:lnSpc>
+                <a:spcPct val="90000"/>
+              </a:lnSpc>
+              <a:spcBef>
+                <a:spcPts val="375"/>
+              </a:spcBef>
+              <a:buFont typeface="Arial" panose="020B0604020202020204" pitchFamily="34" charset="0"/>
+              <a:buChar char="•"/>
+              <a:defRPr sz="1500" kern="1200">
+                <a:solidFill>
+                  <a:schemeClr val="tx1"/>
+                </a:solidFill>
+                <a:latin typeface="+mn-lt"/>
+                <a:ea typeface="+mn-ea"/>
+                <a:cs typeface="+mn-cs"/>
+              </a:defRPr>
+            </a:lvl3pPr>
+            <a:lvl4pPr marL="1200150" indent="-171450" algn="l" defTabSz="685800" rtl="0" eaLnBrk="1" latinLnBrk="0" hangingPunct="1">
+              <a:lnSpc>
+                <a:spcPct val="90000"/>
+              </a:lnSpc>
+              <a:spcBef>
+                <a:spcPts val="375"/>
+              </a:spcBef>
+              <a:buFont typeface="Arial" panose="020B0604020202020204" pitchFamily="34" charset="0"/>
+              <a:buChar char="•"/>
+              <a:defRPr sz="1350" kern="1200">
+                <a:solidFill>
+                  <a:schemeClr val="tx1"/>
+                </a:solidFill>
+                <a:latin typeface="+mn-lt"/>
+                <a:ea typeface="+mn-ea"/>
+                <a:cs typeface="+mn-cs"/>
+              </a:defRPr>
+            </a:lvl4pPr>
+            <a:lvl5pPr marL="1543050" indent="-171450" algn="l" defTabSz="685800" rtl="0" eaLnBrk="1" latinLnBrk="0" hangingPunct="1">
+              <a:lnSpc>
+                <a:spcPct val="90000"/>
+              </a:lnSpc>
+              <a:spcBef>
+                <a:spcPts val="375"/>
+              </a:spcBef>
+              <a:buFont typeface="Arial" panose="020B0604020202020204" pitchFamily="34" charset="0"/>
+              <a:buChar char="•"/>
+              <a:defRPr sz="1350" kern="1200">
+                <a:solidFill>
+                  <a:schemeClr val="tx1"/>
+                </a:solidFill>
+                <a:latin typeface="+mn-lt"/>
+                <a:ea typeface="+mn-ea"/>
+                <a:cs typeface="+mn-cs"/>
+              </a:defRPr>
+            </a:lvl5pPr>
+            <a:lvl6pPr marL="1885950" indent="-171450" algn="l" defTabSz="685800" rtl="0" eaLnBrk="1" latinLnBrk="0" hangingPunct="1">
+              <a:lnSpc>
+                <a:spcPct val="90000"/>
+              </a:lnSpc>
+              <a:spcBef>
+                <a:spcPts val="375"/>
+              </a:spcBef>
+              <a:buFont typeface="Arial" panose="020B0604020202020204" pitchFamily="34" charset="0"/>
+              <a:buChar char="•"/>
+              <a:defRPr sz="1350" kern="1200">
+                <a:solidFill>
+                  <a:schemeClr val="tx1"/>
+                </a:solidFill>
+                <a:latin typeface="+mn-lt"/>
+                <a:ea typeface="+mn-ea"/>
+                <a:cs typeface="+mn-cs"/>
+              </a:defRPr>
+            </a:lvl6pPr>
+            <a:lvl7pPr marL="2228850" indent="-171450" algn="l" defTabSz="685800" rtl="0" eaLnBrk="1" latinLnBrk="0" hangingPunct="1">
+              <a:lnSpc>
+                <a:spcPct val="90000"/>
+              </a:lnSpc>
+              <a:spcBef>
+                <a:spcPts val="375"/>
+              </a:spcBef>
+              <a:buFont typeface="Arial" panose="020B0604020202020204" pitchFamily="34" charset="0"/>
+              <a:buChar char="•"/>
+              <a:defRPr sz="1350" kern="1200">
+                <a:solidFill>
+                  <a:schemeClr val="tx1"/>
+                </a:solidFill>
+                <a:latin typeface="+mn-lt"/>
+                <a:ea typeface="+mn-ea"/>
+                <a:cs typeface="+mn-cs"/>
+              </a:defRPr>
+            </a:lvl7pPr>
+            <a:lvl8pPr marL="2571750" indent="-171450" algn="l" defTabSz="685800" rtl="0" eaLnBrk="1" latinLnBrk="0" hangingPunct="1">
+              <a:lnSpc>
+                <a:spcPct val="90000"/>
+              </a:lnSpc>
+              <a:spcBef>
+                <a:spcPts val="375"/>
+              </a:spcBef>
+              <a:buFont typeface="Arial" panose="020B0604020202020204" pitchFamily="34" charset="0"/>
+              <a:buChar char="•"/>
+              <a:defRPr sz="1350" kern="1200">
+                <a:solidFill>
+                  <a:schemeClr val="tx1"/>
+                </a:solidFill>
+                <a:latin typeface="+mn-lt"/>
+                <a:ea typeface="+mn-ea"/>
+                <a:cs typeface="+mn-cs"/>
+              </a:defRPr>
+            </a:lvl8pPr>
+            <a:lvl9pPr marL="2914650" indent="-171450" algn="l" defTabSz="685800" rtl="0" eaLnBrk="1" latinLnBrk="0" hangingPunct="1">
+              <a:lnSpc>
+                <a:spcPct val="90000"/>
+              </a:lnSpc>
+              <a:spcBef>
+                <a:spcPts val="375"/>
+              </a:spcBef>
+              <a:buFont typeface="Arial" panose="020B0604020202020204" pitchFamily="34" charset="0"/>
+              <a:buChar char="•"/>
+              <a:defRPr sz="1350" kern="1200">
+                <a:solidFill>
+                  <a:schemeClr val="tx1"/>
+                </a:solidFill>
+                <a:latin typeface="+mn-lt"/>
+                <a:ea typeface="+mn-ea"/>
+                <a:cs typeface="+mn-cs"/>
+              </a:defRPr>
+            </a:lvl9pPr>
+          </a:lstStyle>
+          <a:p>
+            <a:pPr lvl="1">
+              <a:lnSpc>
+                <a:spcPct val="250000"/>
+              </a:lnSpc>
+              <a:buFont typeface="Wingdings" panose="05000000000000000000" pitchFamily="2" charset="2"/>
+              <a:buChar char="§"/>
+            </a:pPr>
+            <a:r>
+              <a:rPr lang="fr-FR" sz="2000" dirty="0">
+                <a:solidFill>
+                  <a:srgbClr val="004492"/>
+                </a:solidFill>
+                <a:latin typeface="Calibri (Corps)"/>
+              </a:rPr>
+              <a:t>Version List : regroupe objets d’un même vertical</a:t>
+            </a:r>
+          </a:p>
+          <a:p>
+            <a:pPr lvl="1">
+              <a:lnSpc>
+                <a:spcPct val="250000"/>
+              </a:lnSpc>
+              <a:buFont typeface="Wingdings" panose="05000000000000000000" pitchFamily="2" charset="2"/>
+              <a:buChar char="§"/>
+            </a:pPr>
+            <a:r>
+              <a:rPr lang="fr-FR" sz="2000" dirty="0">
+                <a:solidFill>
+                  <a:srgbClr val="004492"/>
+                </a:solidFill>
+                <a:latin typeface="Calibri (Corps)"/>
+              </a:rPr>
+              <a:t>Version List : comporte un numéro de version du vertical</a:t>
+            </a:r>
+          </a:p>
+          <a:p>
+            <a:pPr lvl="1">
+              <a:lnSpc>
+                <a:spcPct val="250000"/>
+              </a:lnSpc>
+            </a:pPr>
+            <a:endParaRPr lang="fr-FR" sz="2000" dirty="0">
+              <a:solidFill>
+                <a:srgbClr val="004492"/>
+              </a:solidFill>
+              <a:latin typeface="Calibri (Corps)"/>
+            </a:endParaRPr>
+          </a:p>
+        </p:txBody>
+      </p:sp>
+      <p:sp>
+        <p:nvSpPr>
+          <p:cNvPr id="17" name="Espace réservé du contenu 2"/>
+          <p:cNvSpPr txBox="1">
+            <a:spLocks/>
+          </p:cNvSpPr>
+          <p:nvPr/>
+        </p:nvSpPr>
+        <p:spPr>
+          <a:xfrm>
+            <a:off x="1972902" y="5062802"/>
+            <a:ext cx="7886700" cy="1948555"/>
+          </a:xfrm>
+          <a:prstGeom prst="rect">
+            <a:avLst/>
+          </a:prstGeom>
+        </p:spPr>
+        <p:txBody>
+          <a:bodyPr vert="horz" lIns="91440" tIns="45720" rIns="91440" bIns="45720" rtlCol="0">
+            <a:noAutofit/>
+          </a:bodyPr>
+          <a:lstStyle>
+            <a:lvl1pPr marL="171450" indent="-171450" algn="l" defTabSz="685800" rtl="0" eaLnBrk="1" latinLnBrk="0" hangingPunct="1">
+              <a:lnSpc>
+                <a:spcPct val="90000"/>
+              </a:lnSpc>
+              <a:spcBef>
+                <a:spcPts val="750"/>
+              </a:spcBef>
+              <a:buFont typeface="Arial" panose="020B0604020202020204" pitchFamily="34" charset="0"/>
+              <a:buChar char="•"/>
+              <a:defRPr sz="2100" kern="1200">
+                <a:solidFill>
+                  <a:schemeClr val="tx1"/>
+                </a:solidFill>
+                <a:latin typeface="+mn-lt"/>
+                <a:ea typeface="+mn-ea"/>
+                <a:cs typeface="+mn-cs"/>
+              </a:defRPr>
+            </a:lvl1pPr>
+            <a:lvl2pPr marL="514350" indent="-171450" algn="l" defTabSz="685800" rtl="0" eaLnBrk="1" latinLnBrk="0" hangingPunct="1">
+              <a:lnSpc>
+                <a:spcPct val="90000"/>
+              </a:lnSpc>
+              <a:spcBef>
+                <a:spcPts val="375"/>
+              </a:spcBef>
+              <a:buFont typeface="Arial" panose="020B0604020202020204" pitchFamily="34" charset="0"/>
+              <a:buChar char="•"/>
+              <a:defRPr sz="1800" kern="1200">
+                <a:solidFill>
+                  <a:schemeClr val="tx1"/>
+                </a:solidFill>
+                <a:latin typeface="+mn-lt"/>
+                <a:ea typeface="+mn-ea"/>
+                <a:cs typeface="+mn-cs"/>
+              </a:defRPr>
+            </a:lvl2pPr>
+            <a:lvl3pPr marL="857250" indent="-171450" algn="l" defTabSz="685800" rtl="0" eaLnBrk="1" latinLnBrk="0" hangingPunct="1">
+              <a:lnSpc>
+                <a:spcPct val="90000"/>
+              </a:lnSpc>
+              <a:spcBef>
+                <a:spcPts val="375"/>
+              </a:spcBef>
+              <a:buFont typeface="Arial" panose="020B0604020202020204" pitchFamily="34" charset="0"/>
+              <a:buChar char="•"/>
+              <a:defRPr sz="1500" kern="1200">
+                <a:solidFill>
+                  <a:schemeClr val="tx1"/>
+                </a:solidFill>
+                <a:latin typeface="+mn-lt"/>
+                <a:ea typeface="+mn-ea"/>
+                <a:cs typeface="+mn-cs"/>
+              </a:defRPr>
+            </a:lvl3pPr>
+            <a:lvl4pPr marL="1200150" indent="-171450" algn="l" defTabSz="685800" rtl="0" eaLnBrk="1" latinLnBrk="0" hangingPunct="1">
+              <a:lnSpc>
+                <a:spcPct val="90000"/>
+              </a:lnSpc>
+              <a:spcBef>
+                <a:spcPts val="375"/>
+              </a:spcBef>
+              <a:buFont typeface="Arial" panose="020B0604020202020204" pitchFamily="34" charset="0"/>
+              <a:buChar char="•"/>
+              <a:defRPr sz="1350" kern="1200">
+                <a:solidFill>
+                  <a:schemeClr val="tx1"/>
+                </a:solidFill>
+                <a:latin typeface="+mn-lt"/>
+                <a:ea typeface="+mn-ea"/>
+                <a:cs typeface="+mn-cs"/>
+              </a:defRPr>
+            </a:lvl4pPr>
+            <a:lvl5pPr marL="1543050" indent="-171450" algn="l" defTabSz="685800" rtl="0" eaLnBrk="1" latinLnBrk="0" hangingPunct="1">
+              <a:lnSpc>
+                <a:spcPct val="90000"/>
+              </a:lnSpc>
+              <a:spcBef>
+                <a:spcPts val="375"/>
+              </a:spcBef>
+              <a:buFont typeface="Arial" panose="020B0604020202020204" pitchFamily="34" charset="0"/>
+              <a:buChar char="•"/>
+              <a:defRPr sz="1350" kern="1200">
+                <a:solidFill>
+                  <a:schemeClr val="tx1"/>
+                </a:solidFill>
+                <a:latin typeface="+mn-lt"/>
+                <a:ea typeface="+mn-ea"/>
+                <a:cs typeface="+mn-cs"/>
+              </a:defRPr>
+            </a:lvl5pPr>
+            <a:lvl6pPr marL="1885950" indent="-171450" algn="l" defTabSz="685800" rtl="0" eaLnBrk="1" latinLnBrk="0" hangingPunct="1">
+              <a:lnSpc>
+                <a:spcPct val="90000"/>
+              </a:lnSpc>
+              <a:spcBef>
+                <a:spcPts val="375"/>
+              </a:spcBef>
+              <a:buFont typeface="Arial" panose="020B0604020202020204" pitchFamily="34" charset="0"/>
+              <a:buChar char="•"/>
+              <a:defRPr sz="1350" kern="1200">
+                <a:solidFill>
+                  <a:schemeClr val="tx1"/>
+                </a:solidFill>
+                <a:latin typeface="+mn-lt"/>
+                <a:ea typeface="+mn-ea"/>
+                <a:cs typeface="+mn-cs"/>
+              </a:defRPr>
+            </a:lvl6pPr>
+            <a:lvl7pPr marL="2228850" indent="-171450" algn="l" defTabSz="685800" rtl="0" eaLnBrk="1" latinLnBrk="0" hangingPunct="1">
+              <a:lnSpc>
+                <a:spcPct val="90000"/>
+              </a:lnSpc>
+              <a:spcBef>
+                <a:spcPts val="375"/>
+              </a:spcBef>
+              <a:buFont typeface="Arial" panose="020B0604020202020204" pitchFamily="34" charset="0"/>
+              <a:buChar char="•"/>
+              <a:defRPr sz="1350" kern="1200">
+                <a:solidFill>
+                  <a:schemeClr val="tx1"/>
+                </a:solidFill>
+                <a:latin typeface="+mn-lt"/>
+                <a:ea typeface="+mn-ea"/>
+                <a:cs typeface="+mn-cs"/>
+              </a:defRPr>
+            </a:lvl7pPr>
+            <a:lvl8pPr marL="2571750" indent="-171450" algn="l" defTabSz="685800" rtl="0" eaLnBrk="1" latinLnBrk="0" hangingPunct="1">
+              <a:lnSpc>
+                <a:spcPct val="90000"/>
+              </a:lnSpc>
+              <a:spcBef>
+                <a:spcPts val="375"/>
+              </a:spcBef>
+              <a:buFont typeface="Arial" panose="020B0604020202020204" pitchFamily="34" charset="0"/>
+              <a:buChar char="•"/>
+              <a:defRPr sz="1350" kern="1200">
+                <a:solidFill>
+                  <a:schemeClr val="tx1"/>
+                </a:solidFill>
+                <a:latin typeface="+mn-lt"/>
+                <a:ea typeface="+mn-ea"/>
+                <a:cs typeface="+mn-cs"/>
+              </a:defRPr>
+            </a:lvl8pPr>
+            <a:lvl9pPr marL="2914650" indent="-171450" algn="l" defTabSz="685800" rtl="0" eaLnBrk="1" latinLnBrk="0" hangingPunct="1">
+              <a:lnSpc>
+                <a:spcPct val="90000"/>
+              </a:lnSpc>
+              <a:spcBef>
+                <a:spcPts val="375"/>
+              </a:spcBef>
+              <a:buFont typeface="Arial" panose="020B0604020202020204" pitchFamily="34" charset="0"/>
+              <a:buChar char="•"/>
+              <a:defRPr sz="1350" kern="1200">
+                <a:solidFill>
+                  <a:schemeClr val="tx1"/>
+                </a:solidFill>
+                <a:latin typeface="+mn-lt"/>
+                <a:ea typeface="+mn-ea"/>
+                <a:cs typeface="+mn-cs"/>
+              </a:defRPr>
+            </a:lvl9pPr>
+          </a:lstStyle>
+          <a:p>
+            <a:pPr marL="0" indent="0">
+              <a:buNone/>
+            </a:pPr>
+            <a:r>
+              <a:rPr lang="fr-FR" sz="2000" b="1" dirty="0">
+                <a:solidFill>
+                  <a:srgbClr val="004492"/>
+                </a:solidFill>
+                <a:latin typeface="Calibri (Corps)"/>
+                <a:sym typeface="Wingdings" panose="05000000000000000000" pitchFamily="2" charset="2"/>
+              </a:rPr>
+              <a:t>Indispensable pour passer le test de certification</a:t>
+            </a:r>
+            <a:endParaRPr lang="fr-FR" sz="2000" b="1" dirty="0">
+              <a:solidFill>
+                <a:srgbClr val="004492"/>
+              </a:solidFill>
+              <a:latin typeface="Calibri (Corps)"/>
+            </a:endParaRPr>
+          </a:p>
+        </p:txBody>
+      </p:sp>
+      <p:sp>
+        <p:nvSpPr>
+          <p:cNvPr id="18" name="Flèche : droite 17"/>
+          <p:cNvSpPr/>
+          <p:nvPr/>
+        </p:nvSpPr>
+        <p:spPr>
+          <a:xfrm>
+            <a:off x="1064603" y="5062802"/>
+            <a:ext cx="680224" cy="320125"/>
+          </a:xfrm>
+          <a:prstGeom prst="rightArrow">
+            <a:avLst/>
+          </a:prstGeom>
+          <a:solidFill>
+            <a:srgbClr val="004492"/>
+          </a:solidFill>
+          <a:ln>
+            <a:solidFill>
+              <a:srgbClr val="004492"/>
+            </a:solidFill>
+          </a:ln>
+        </p:spPr>
+        <p:style>
+          <a:lnRef idx="2">
+            <a:schemeClr val="accent6"/>
+          </a:lnRef>
+          <a:fillRef idx="1">
+            <a:schemeClr val="lt1"/>
+          </a:fillRef>
+          <a:effectRef idx="0">
+            <a:schemeClr val="accent6"/>
+          </a:effectRef>
+          <a:fontRef idx="minor">
+            <a:schemeClr val="dk1"/>
+          </a:fontRef>
+        </p:style>
+        <p:txBody>
+          <a:bodyPr rtlCol="0" anchor="ctr"/>
+          <a:lstStyle/>
+          <a:p>
+            <a:pPr algn="ctr"/>
+            <a:endParaRPr lang="fr-FR">
+              <a:solidFill>
+                <a:srgbClr val="0070C0"/>
+              </a:solidFill>
+            </a:endParaRPr>
           </a:p>
         </p:txBody>
       </p:sp>
     </p:spTree>
     <p:extLst>
       <p:ext uri="{BB962C8B-B14F-4D97-AF65-F5344CB8AC3E}">
-        <p14:creationId xmlns:p14="http://schemas.microsoft.com/office/powerpoint/2010/main" val="267169822"/>
+        <p14:creationId xmlns:p14="http://schemas.microsoft.com/office/powerpoint/2010/main" val="1111467202"/>
       </p:ext>
     </p:extLst>
   </p:cSld>
@@ -14197,7 +14589,7 @@
                 <a:solidFill>
                   <a:schemeClr val="bg1"/>
                 </a:solidFill>
-                <a:latin typeface="Eurostile" panose="020B0504020202050204" pitchFamily="34" charset="0"/>
+                <a:latin typeface="Eurostile-Roman" pitchFamily="2" charset="0"/>
               </a:rPr>
               <a:t>Développement </a:t>
             </a:r>
@@ -14206,7 +14598,7 @@
                 <a:solidFill>
                   <a:schemeClr val="bg1"/>
                 </a:solidFill>
-                <a:latin typeface="Eurostile" panose="020B0504020202050204" pitchFamily="34" charset="0"/>
+                <a:latin typeface="Eurostile-Roman" pitchFamily="2" charset="0"/>
               </a:rPr>
             </a:br>
             <a:r>
@@ -14214,23 +14606,61 @@
                 <a:solidFill>
                   <a:schemeClr val="bg1"/>
                 </a:solidFill>
-                <a:latin typeface="Eurostile" panose="020B0504020202050204" pitchFamily="34" charset="0"/>
+                <a:latin typeface="Eurostile-Roman" pitchFamily="2" charset="0"/>
               </a:rPr>
               <a:t>de la solution</a:t>
             </a:r>
+          </a:p>
+        </p:txBody>
+      </p:sp>
+      <p:sp>
+        <p:nvSpPr>
+          <p:cNvPr id="11" name="Espace réservé du numéro de diapositive 1"/>
+          <p:cNvSpPr>
+            <a:spLocks noGrp="1"/>
+          </p:cNvSpPr>
+          <p:nvPr>
+            <p:ph type="sldNum" sz="quarter" idx="12"/>
+          </p:nvPr>
+        </p:nvSpPr>
+        <p:spPr>
+          <a:xfrm>
+            <a:off x="6603423" y="6255991"/>
+            <a:ext cx="2057400" cy="365125"/>
+          </a:xfrm>
+        </p:spPr>
+        <p:txBody>
+          <a:bodyPr/>
+          <a:lstStyle/>
+          <a:p>
+            <a:r>
+              <a:rPr lang="fr-FR" sz="1800" dirty="0">
+                <a:latin typeface="Eurostile-Roman" pitchFamily="2" charset="0"/>
+              </a:rPr>
+              <a:t>Diapositive </a:t>
+            </a:r>
+            <a:fld id="{0A0AF257-D28F-495E-9E53-3BED59B8AA35}" type="slidenum">
+              <a:rPr lang="fr-FR" sz="1800" smtClean="0">
+                <a:latin typeface="Eurostile-Roman" pitchFamily="2" charset="0"/>
+              </a:rPr>
+              <a:t>30</a:t>
+            </a:fld>
+            <a:endParaRPr lang="fr-FR" sz="1800" dirty="0">
+              <a:latin typeface="Eurostile-Roman" pitchFamily="2" charset="0"/>
+            </a:endParaRPr>
           </a:p>
         </p:txBody>
       </p:sp>
       <p:pic>
         <p:nvPicPr>
-          <p:cNvPr id="3" name="Image 2"/>
+          <p:cNvPr id="8" name="Image 7"/>
           <p:cNvPicPr>
             <a:picLocks noChangeAspect="1"/>
           </p:cNvPicPr>
           <p:nvPr/>
         </p:nvPicPr>
         <p:blipFill>
-          <a:blip r:embed="rId2" cstate="print">
+          <a:blip r:embed="rId2">
             <a:extLst>
               <a:ext uri="{28A0092B-C50C-407E-A947-70E740481C1C}">
                 <a14:useLocalDpi xmlns:a14="http://schemas.microsoft.com/office/drawing/2010/main" val="0"/>
@@ -14243,106 +14673,80 @@
         </p:blipFill>
         <p:spPr>
           <a:xfrm>
-            <a:off x="5878200" y="1143000"/>
-            <a:ext cx="2913294" cy="5070764"/>
+            <a:off x="657245" y="2497873"/>
+            <a:ext cx="7544713" cy="551544"/>
+          </a:xfrm>
+          <a:prstGeom prst="rect">
+            <a:avLst/>
+          </a:prstGeom>
+          <a:ln>
+            <a:solidFill>
+              <a:schemeClr val="tx1"/>
+            </a:solidFill>
+          </a:ln>
+        </p:spPr>
+      </p:pic>
+      <p:sp>
+        <p:nvSpPr>
+          <p:cNvPr id="3" name="Rectangle 2"/>
+          <p:cNvSpPr/>
+          <p:nvPr/>
+        </p:nvSpPr>
+        <p:spPr>
+          <a:xfrm>
+            <a:off x="6367346" y="2497873"/>
+            <a:ext cx="1834612" cy="551544"/>
+          </a:xfrm>
+          <a:prstGeom prst="rect">
+            <a:avLst/>
+          </a:prstGeom>
+          <a:noFill/>
+          <a:ln w="28575">
+            <a:solidFill>
+              <a:srgbClr val="FF0000"/>
+            </a:solidFill>
+          </a:ln>
+        </p:spPr>
+        <p:style>
+          <a:lnRef idx="2">
+            <a:schemeClr val="accent6"/>
+          </a:lnRef>
+          <a:fillRef idx="1">
+            <a:schemeClr val="lt1"/>
+          </a:fillRef>
+          <a:effectRef idx="0">
+            <a:schemeClr val="accent6"/>
+          </a:effectRef>
+          <a:fontRef idx="minor">
+            <a:schemeClr val="dk1"/>
+          </a:fontRef>
+        </p:style>
+        <p:txBody>
+          <a:bodyPr rtlCol="0" anchor="ctr"/>
+          <a:lstStyle/>
+          <a:p>
+            <a:pPr algn="ctr"/>
+            <a:endParaRPr lang="fr-FR"/>
+          </a:p>
+        </p:txBody>
+      </p:sp>
+      <p:sp>
+        <p:nvSpPr>
+          <p:cNvPr id="10" name="Espace réservé du contenu 30"/>
+          <p:cNvSpPr txBox="1">
+            <a:spLocks/>
+          </p:cNvSpPr>
+          <p:nvPr/>
+        </p:nvSpPr>
+        <p:spPr>
+          <a:xfrm>
+            <a:off x="6593630" y="1870125"/>
+            <a:ext cx="1773130" cy="1053962"/>
           </a:xfrm>
           <a:prstGeom prst="rect">
             <a:avLst/>
           </a:prstGeom>
         </p:spPr>
-      </p:pic>
-      <p:sp>
-        <p:nvSpPr>
-          <p:cNvPr id="4" name="Espace réservé du contenu 30"/>
-          <p:cNvSpPr>
-            <a:spLocks noGrp="1"/>
-          </p:cNvSpPr>
-          <p:nvPr>
-            <p:ph idx="1"/>
-          </p:nvPr>
-        </p:nvSpPr>
-        <p:spPr>
-          <a:xfrm>
-            <a:off x="505691" y="2017738"/>
-            <a:ext cx="7886700" cy="1053962"/>
-          </a:xfrm>
-        </p:spPr>
-        <p:txBody>
-          <a:bodyPr>
-            <a:normAutofit/>
-          </a:bodyPr>
-          <a:lstStyle/>
-          <a:p>
-            <a:pPr>
-              <a:lnSpc>
-                <a:spcPct val="150000"/>
-              </a:lnSpc>
-            </a:pPr>
-            <a:r>
-              <a:rPr lang="fr-FR" sz="2200" dirty="0">
-                <a:solidFill>
-                  <a:srgbClr val="004492"/>
-                </a:solidFill>
-                <a:latin typeface="Eurostile" panose="020B0504020202050204" pitchFamily="34" charset="0"/>
-              </a:rPr>
-              <a:t>1</a:t>
-            </a:r>
-            <a:r>
-              <a:rPr lang="fr-FR" sz="2200" baseline="30000" dirty="0">
-                <a:solidFill>
-                  <a:srgbClr val="004492"/>
-                </a:solidFill>
-                <a:latin typeface="Eurostile" panose="020B0504020202050204" pitchFamily="34" charset="0"/>
-              </a:rPr>
-              <a:t>er</a:t>
-            </a:r>
-            <a:r>
-              <a:rPr lang="fr-FR" sz="2200" dirty="0">
-                <a:solidFill>
-                  <a:srgbClr val="004492"/>
-                </a:solidFill>
-                <a:latin typeface="Eurostile" panose="020B0504020202050204" pitchFamily="34" charset="0"/>
-              </a:rPr>
-              <a:t> travail : interface </a:t>
-            </a:r>
-            <a:r>
-              <a:rPr lang="fr-FR" sz="2200" dirty="0" err="1">
-                <a:solidFill>
-                  <a:srgbClr val="004492"/>
-                </a:solidFill>
-                <a:latin typeface="Eurostile" panose="020B0504020202050204" pitchFamily="34" charset="0"/>
-              </a:rPr>
-              <a:t>Eskape.Service.CTI</a:t>
-            </a:r>
-            <a:r>
-              <a:rPr lang="fr-FR" sz="2200" dirty="0">
-                <a:solidFill>
-                  <a:srgbClr val="004492"/>
-                </a:solidFill>
-                <a:latin typeface="Eurostile" panose="020B0504020202050204" pitchFamily="34" charset="0"/>
-              </a:rPr>
-              <a:t> / ELIOT :</a:t>
-            </a:r>
-          </a:p>
-        </p:txBody>
-      </p:sp>
-      <p:sp>
-        <p:nvSpPr>
-          <p:cNvPr id="9" name="Espace réservé du contenu 30"/>
-          <p:cNvSpPr txBox="1">
-            <a:spLocks/>
-          </p:cNvSpPr>
-          <p:nvPr/>
-        </p:nvSpPr>
-        <p:spPr>
-          <a:xfrm>
-            <a:off x="730827" y="2812625"/>
-            <a:ext cx="6729846" cy="3826469"/>
-          </a:xfrm>
-          <a:prstGeom prst="rect">
-            <a:avLst/>
-          </a:prstGeom>
-        </p:spPr>
         <p:txBody>
           <a:bodyPr vert="horz" lIns="91440" tIns="45720" rIns="91440" bIns="45720" rtlCol="0">
             <a:normAutofit/>
@@ -14512,163 +14916,101 @@
             </a:lvl9pPr>
           </a:lstStyle>
           <a:p>
-            <a:pPr lvl="1">
-              <a:lnSpc>
-                <a:spcPct val="250000"/>
-              </a:lnSpc>
-              <a:buFont typeface="Wingdings" panose="05000000000000000000" pitchFamily="2" charset="2"/>
-              <a:buChar char="§"/>
-            </a:pPr>
-            <a:r>
-              <a:rPr lang="fr-FR" sz="2000" dirty="0">
-                <a:solidFill>
-                  <a:srgbClr val="004492"/>
-                </a:solidFill>
-                <a:latin typeface="Eurostile" panose="020B0504020202050204" pitchFamily="34" charset="0"/>
-              </a:rPr>
-              <a:t>CtiServerConnector.DLL</a:t>
-            </a:r>
-          </a:p>
-          <a:p>
-            <a:pPr lvl="1">
-              <a:lnSpc>
-                <a:spcPct val="250000"/>
-              </a:lnSpc>
-              <a:buFont typeface="Wingdings" panose="05000000000000000000" pitchFamily="2" charset="2"/>
-              <a:buChar char="§"/>
-            </a:pPr>
-            <a:r>
-              <a:rPr lang="fr-FR" sz="2000" dirty="0">
-                <a:solidFill>
-                  <a:srgbClr val="004492"/>
-                </a:solidFill>
-                <a:latin typeface="Eurostile" panose="020B0504020202050204" pitchFamily="34" charset="0"/>
-              </a:rPr>
-              <a:t>Instancie une connexion avec la solution ELIOT</a:t>
-            </a:r>
-          </a:p>
-          <a:p>
-            <a:pPr lvl="1">
-              <a:lnSpc>
-                <a:spcPct val="250000"/>
-              </a:lnSpc>
-              <a:buFont typeface="Wingdings" panose="05000000000000000000" pitchFamily="2" charset="2"/>
-              <a:buChar char="§"/>
-            </a:pPr>
-            <a:r>
-              <a:rPr lang="fr-FR" sz="2000" dirty="0">
-                <a:solidFill>
-                  <a:srgbClr val="004492"/>
-                </a:solidFill>
-                <a:latin typeface="Eurostile" panose="020B0504020202050204" pitchFamily="34" charset="0"/>
-              </a:rPr>
-              <a:t>Permet l’écoute et le traitement d’évènements </a:t>
-            </a:r>
-          </a:p>
-          <a:p>
-            <a:pPr marL="342900" lvl="1" indent="0">
-              <a:lnSpc>
-                <a:spcPct val="250000"/>
+            <a:pPr marL="0" indent="0">
+              <a:lnSpc>
+                <a:spcPct val="150000"/>
               </a:lnSpc>
               <a:buNone/>
             </a:pPr>
             <a:r>
-              <a:rPr lang="fr-FR" sz="2000" dirty="0">
-                <a:solidFill>
-                  <a:srgbClr val="004492"/>
-                </a:solidFill>
-                <a:latin typeface="Eurostile" panose="020B0504020202050204" pitchFamily="34" charset="0"/>
-              </a:rPr>
-              <a:t>   </a:t>
-            </a:r>
-            <a:endParaRPr lang="fr-FR" sz="1700" dirty="0">
-              <a:solidFill>
-                <a:srgbClr val="004492"/>
-              </a:solidFill>
-              <a:latin typeface="Eurostile" panose="020B0504020202050204" pitchFamily="34" charset="0"/>
-            </a:endParaRPr>
-          </a:p>
-          <a:p>
-            <a:pPr marL="342900" lvl="1" indent="0">
-              <a:lnSpc>
-                <a:spcPct val="250000"/>
-              </a:lnSpc>
-              <a:buNone/>
-            </a:pPr>
-            <a:endParaRPr lang="fr-FR" sz="2000" dirty="0">
-              <a:solidFill>
-                <a:srgbClr val="004492"/>
-              </a:solidFill>
-              <a:latin typeface="Eurostile" panose="020B0504020202050204" pitchFamily="34" charset="0"/>
-            </a:endParaRPr>
-          </a:p>
-        </p:txBody>
-      </p:sp>
-      <p:sp>
-        <p:nvSpPr>
-          <p:cNvPr id="5" name="ZoneTexte 4"/>
-          <p:cNvSpPr txBox="1"/>
+              <a:rPr lang="fr-FR" sz="2200" dirty="0">
+                <a:solidFill>
+                  <a:srgbClr val="FF0000"/>
+                </a:solidFill>
+                <a:latin typeface="Calibri (Corps)"/>
+              </a:rPr>
+              <a:t>Version List</a:t>
+            </a:r>
+          </a:p>
+        </p:txBody>
+      </p:sp>
+      <p:pic>
+        <p:nvPicPr>
+          <p:cNvPr id="5" name="Image 4"/>
+          <p:cNvPicPr>
+            <a:picLocks noChangeAspect="1"/>
+          </p:cNvPicPr>
           <p:nvPr/>
-        </p:nvSpPr>
+        </p:nvPicPr>
+        <p:blipFill>
+          <a:blip r:embed="rId3">
+            <a:extLst>
+              <a:ext uri="{28A0092B-C50C-407E-A947-70E740481C1C}">
+                <a14:useLocalDpi xmlns:a14="http://schemas.microsoft.com/office/drawing/2010/main" val="0"/>
+              </a:ext>
+            </a:extLst>
+          </a:blip>
+          <a:stretch>
+            <a:fillRect/>
+          </a:stretch>
+        </p:blipFill>
         <p:spPr>
           <a:xfrm>
-            <a:off x="1267896" y="5237019"/>
-            <a:ext cx="4073236" cy="677108"/>
+            <a:off x="1924875" y="3985145"/>
+            <a:ext cx="3153215" cy="1228896"/>
           </a:xfrm>
           <a:prstGeom prst="rect">
             <a:avLst/>
           </a:prstGeom>
-          <a:noFill/>
+          <a:ln>
+            <a:solidFill>
+              <a:schemeClr val="tx1"/>
+            </a:solidFill>
+          </a:ln>
         </p:spPr>
-        <p:txBody>
-          <a:bodyPr wrap="square" rtlCol="0">
-            <a:spAutoFit/>
-          </a:bodyPr>
-          <a:lstStyle/>
-          <a:p>
-            <a:pPr marL="0" lvl="1"/>
-            <a:r>
-              <a:rPr lang="fr-FR" sz="2000" dirty="0">
-                <a:solidFill>
-                  <a:srgbClr val="004492"/>
-                </a:solidFill>
-                <a:latin typeface="Eurostile" panose="020B0504020202050204" pitchFamily="34" charset="0"/>
-              </a:rPr>
-              <a:t>envoyés par ELIOT</a:t>
-            </a:r>
-          </a:p>
-          <a:p>
-            <a:endParaRPr lang="fr-FR" dirty="0"/>
-          </a:p>
-        </p:txBody>
-      </p:sp>
-      <p:sp>
-        <p:nvSpPr>
-          <p:cNvPr id="6" name="Espace réservé du numéro de diapositive 5"/>
-          <p:cNvSpPr>
-            <a:spLocks noGrp="1"/>
-          </p:cNvSpPr>
-          <p:nvPr>
-            <p:ph type="sldNum" sz="quarter" idx="12"/>
-          </p:nvPr>
-        </p:nvSpPr>
-        <p:spPr/>
-        <p:txBody>
-          <a:bodyPr/>
-          <a:lstStyle/>
-          <a:p>
-            <a:fld id="{0A0AF257-D28F-495E-9E53-3BED59B8AA35}" type="slidenum">
-              <a:rPr lang="fr-FR" smtClean="0"/>
-              <a:t>30</a:t>
-            </a:fld>
-            <a:endParaRPr lang="fr-FR"/>
-          </a:p>
-        </p:txBody>
-      </p:sp>
+      </p:pic>
+      <p:cxnSp>
+        <p:nvCxnSpPr>
+          <p:cNvPr id="25" name="Connecteur : en angle 24"/>
+          <p:cNvCxnSpPr>
+            <a:stCxn id="3" idx="2"/>
+          </p:cNvCxnSpPr>
+          <p:nvPr/>
+        </p:nvCxnSpPr>
+        <p:spPr>
+          <a:xfrm rot="5400000">
+            <a:off x="5252810" y="2874697"/>
+            <a:ext cx="1857123" cy="2206562"/>
+          </a:xfrm>
+          <a:prstGeom prst="bentConnector2">
+            <a:avLst/>
+          </a:prstGeom>
+          <a:ln w="57150">
+            <a:solidFill>
+              <a:srgbClr val="FF0000"/>
+            </a:solidFill>
+            <a:tailEnd type="triangle"/>
+          </a:ln>
+        </p:spPr>
+        <p:style>
+          <a:lnRef idx="1">
+            <a:schemeClr val="accent1"/>
+          </a:lnRef>
+          <a:fillRef idx="0">
+            <a:schemeClr val="accent1"/>
+          </a:fillRef>
+          <a:effectRef idx="0">
+            <a:schemeClr val="accent1"/>
+          </a:effectRef>
+          <a:fontRef idx="minor">
+            <a:schemeClr val="tx1"/>
+          </a:fontRef>
+        </p:style>
+      </p:cxnSp>
     </p:spTree>
     <p:extLst>
       <p:ext uri="{BB962C8B-B14F-4D97-AF65-F5344CB8AC3E}">
-        <p14:creationId xmlns:p14="http://schemas.microsoft.com/office/powerpoint/2010/main" val="3104496963"/>
+        <p14:creationId xmlns:p14="http://schemas.microsoft.com/office/powerpoint/2010/main" val="94118970"/>
       </p:ext>
     </p:extLst>
   </p:cSld>
@@ -14722,7 +15064,7 @@
                 <a:solidFill>
                   <a:schemeClr val="bg1"/>
                 </a:solidFill>
-                <a:latin typeface="Eurostile" panose="020B0504020202050204" pitchFamily="34" charset="0"/>
+                <a:latin typeface="Eurostile-Roman" pitchFamily="2" charset="0"/>
               </a:rPr>
               <a:t>Développement </a:t>
             </a:r>
@@ -14731,7 +15073,7 @@
                 <a:solidFill>
                   <a:schemeClr val="bg1"/>
                 </a:solidFill>
-                <a:latin typeface="Eurostile" panose="020B0504020202050204" pitchFamily="34" charset="0"/>
+                <a:latin typeface="Eurostile-Roman" pitchFamily="2" charset="0"/>
               </a:rPr>
             </a:br>
             <a:r>
@@ -14739,7 +15081,7 @@
                 <a:solidFill>
                   <a:schemeClr val="bg1"/>
                 </a:solidFill>
-                <a:latin typeface="Eurostile" panose="020B0504020202050204" pitchFamily="34" charset="0"/>
+                <a:latin typeface="Eurostile-Roman" pitchFamily="2" charset="0"/>
               </a:rPr>
               <a:t>de la solution</a:t>
             </a:r>
@@ -14748,359 +15090,7 @@
       </p:sp>
       <p:sp>
         <p:nvSpPr>
-          <p:cNvPr id="4" name="Espace réservé du contenu 30"/>
-          <p:cNvSpPr>
-            <a:spLocks noGrp="1"/>
-          </p:cNvSpPr>
-          <p:nvPr>
-            <p:ph idx="1"/>
-          </p:nvPr>
-        </p:nvSpPr>
-        <p:spPr>
-          <a:xfrm>
-            <a:off x="904010" y="1974616"/>
-            <a:ext cx="7886700" cy="1053962"/>
-          </a:xfrm>
-        </p:spPr>
-        <p:txBody>
-          <a:bodyPr>
-            <a:normAutofit/>
-          </a:bodyPr>
-          <a:lstStyle/>
-          <a:p>
-            <a:pPr>
-              <a:lnSpc>
-                <a:spcPct val="150000"/>
-              </a:lnSpc>
-            </a:pPr>
-            <a:r>
-              <a:rPr lang="fr-FR" sz="2200" dirty="0">
-                <a:solidFill>
-                  <a:srgbClr val="004492"/>
-                </a:solidFill>
-                <a:latin typeface="Eurostile" panose="020B0504020202050204" pitchFamily="34" charset="0"/>
-              </a:rPr>
-              <a:t>1</a:t>
-            </a:r>
-            <a:r>
-              <a:rPr lang="fr-FR" sz="2200" baseline="30000" dirty="0">
-                <a:solidFill>
-                  <a:srgbClr val="004492"/>
-                </a:solidFill>
-                <a:latin typeface="Eurostile" panose="020B0504020202050204" pitchFamily="34" charset="0"/>
-              </a:rPr>
-              <a:t>er</a:t>
-            </a:r>
-            <a:r>
-              <a:rPr lang="fr-FR" sz="2200" dirty="0">
-                <a:solidFill>
-                  <a:srgbClr val="004492"/>
-                </a:solidFill>
-                <a:latin typeface="Eurostile" panose="020B0504020202050204" pitchFamily="34" charset="0"/>
-              </a:rPr>
-              <a:t> travail : interface </a:t>
-            </a:r>
-            <a:r>
-              <a:rPr lang="fr-FR" sz="2200" dirty="0" err="1">
-                <a:solidFill>
-                  <a:srgbClr val="004492"/>
-                </a:solidFill>
-                <a:latin typeface="Eurostile" panose="020B0504020202050204" pitchFamily="34" charset="0"/>
-              </a:rPr>
-              <a:t>Eskape.Service.CTI</a:t>
-            </a:r>
-            <a:r>
-              <a:rPr lang="fr-FR" sz="2200" dirty="0">
-                <a:solidFill>
-                  <a:srgbClr val="004492"/>
-                </a:solidFill>
-                <a:latin typeface="Eurostile" panose="020B0504020202050204" pitchFamily="34" charset="0"/>
-              </a:rPr>
-              <a:t> / ELIOT :</a:t>
-            </a:r>
-          </a:p>
-        </p:txBody>
-      </p:sp>
-      <p:sp>
-        <p:nvSpPr>
-          <p:cNvPr id="9" name="Espace réservé du contenu 30"/>
-          <p:cNvSpPr txBox="1">
-            <a:spLocks/>
-          </p:cNvSpPr>
-          <p:nvPr/>
-        </p:nvSpPr>
-        <p:spPr>
-          <a:xfrm>
-            <a:off x="1084118" y="2719805"/>
-            <a:ext cx="6729846" cy="3826469"/>
-          </a:xfrm>
-          <a:prstGeom prst="rect">
-            <a:avLst/>
-          </a:prstGeom>
-        </p:spPr>
-        <p:txBody>
-          <a:bodyPr vert="horz" lIns="91440" tIns="45720" rIns="91440" bIns="45720" rtlCol="0">
-            <a:normAutofit/>
-          </a:bodyPr>
-          <a:lstStyle>
-            <a:lvl1pPr marL="171450" indent="-171450" algn="l" defTabSz="685800" rtl="0" eaLnBrk="1" latinLnBrk="0" hangingPunct="1">
-              <a:lnSpc>
-                <a:spcPct val="90000"/>
-              </a:lnSpc>
-              <a:spcBef>
-                <a:spcPts val="750"/>
-              </a:spcBef>
-              <a:buFont typeface="Arial" panose="020B0604020202020204" pitchFamily="34" charset="0"/>
-              <a:buChar char="•"/>
-              <a:defRPr sz="2100" kern="1200">
-                <a:solidFill>
-                  <a:schemeClr val="tx1"/>
-                </a:solidFill>
-                <a:latin typeface="+mn-lt"/>
-                <a:ea typeface="+mn-ea"/>
-                <a:cs typeface="+mn-cs"/>
-              </a:defRPr>
-            </a:lvl1pPr>
-            <a:lvl2pPr marL="514350" indent="-171450" algn="l" defTabSz="685800" rtl="0" eaLnBrk="1" latinLnBrk="0" hangingPunct="1">
-              <a:lnSpc>
-                <a:spcPct val="90000"/>
-              </a:lnSpc>
-              <a:spcBef>
-                <a:spcPts val="375"/>
-              </a:spcBef>
-              <a:buFont typeface="Arial" panose="020B0604020202020204" pitchFamily="34" charset="0"/>
-              <a:buChar char="•"/>
-              <a:defRPr sz="1800" kern="1200">
-                <a:solidFill>
-                  <a:schemeClr val="tx1"/>
-                </a:solidFill>
-                <a:latin typeface="+mn-lt"/>
-                <a:ea typeface="+mn-ea"/>
-                <a:cs typeface="+mn-cs"/>
-              </a:defRPr>
-            </a:lvl2pPr>
-            <a:lvl3pPr marL="857250" indent="-171450" algn="l" defTabSz="685800" rtl="0" eaLnBrk="1" latinLnBrk="0" hangingPunct="1">
-              <a:lnSpc>
-                <a:spcPct val="90000"/>
-              </a:lnSpc>
-              <a:spcBef>
-                <a:spcPts val="375"/>
-              </a:spcBef>
-              <a:buFont typeface="Arial" panose="020B0604020202020204" pitchFamily="34" charset="0"/>
-              <a:buChar char="•"/>
-              <a:defRPr sz="1500" kern="1200">
-                <a:solidFill>
-                  <a:schemeClr val="tx1"/>
-                </a:solidFill>
-                <a:latin typeface="+mn-lt"/>
-                <a:ea typeface="+mn-ea"/>
-                <a:cs typeface="+mn-cs"/>
-              </a:defRPr>
-            </a:lvl3pPr>
-            <a:lvl4pPr marL="1200150" indent="-171450" algn="l" defTabSz="685800" rtl="0" eaLnBrk="1" latinLnBrk="0" hangingPunct="1">
-              <a:lnSpc>
-                <a:spcPct val="90000"/>
-              </a:lnSpc>
-              <a:spcBef>
-                <a:spcPts val="375"/>
-              </a:spcBef>
-              <a:buFont typeface="Arial" panose="020B0604020202020204" pitchFamily="34" charset="0"/>
-              <a:buChar char="•"/>
-              <a:defRPr sz="1350" kern="1200">
-                <a:solidFill>
-                  <a:schemeClr val="tx1"/>
-                </a:solidFill>
-                <a:latin typeface="+mn-lt"/>
-                <a:ea typeface="+mn-ea"/>
-                <a:cs typeface="+mn-cs"/>
-              </a:defRPr>
-            </a:lvl4pPr>
-            <a:lvl5pPr marL="1543050" indent="-171450" algn="l" defTabSz="685800" rtl="0" eaLnBrk="1" latinLnBrk="0" hangingPunct="1">
-              <a:lnSpc>
-                <a:spcPct val="90000"/>
-              </a:lnSpc>
-              <a:spcBef>
-                <a:spcPts val="375"/>
-              </a:spcBef>
-              <a:buFont typeface="Arial" panose="020B0604020202020204" pitchFamily="34" charset="0"/>
-              <a:buChar char="•"/>
-              <a:defRPr sz="1350" kern="1200">
-                <a:solidFill>
-                  <a:schemeClr val="tx1"/>
-                </a:solidFill>
-                <a:latin typeface="+mn-lt"/>
-                <a:ea typeface="+mn-ea"/>
-                <a:cs typeface="+mn-cs"/>
-              </a:defRPr>
-            </a:lvl5pPr>
-            <a:lvl6pPr marL="1885950" indent="-171450" algn="l" defTabSz="685800" rtl="0" eaLnBrk="1" latinLnBrk="0" hangingPunct="1">
-              <a:lnSpc>
-                <a:spcPct val="90000"/>
-              </a:lnSpc>
-              <a:spcBef>
-                <a:spcPts val="375"/>
-              </a:spcBef>
-              <a:buFont typeface="Arial" panose="020B0604020202020204" pitchFamily="34" charset="0"/>
-              <a:buChar char="•"/>
-              <a:defRPr sz="1350" kern="1200">
-                <a:solidFill>
-                  <a:schemeClr val="tx1"/>
-                </a:solidFill>
-                <a:latin typeface="+mn-lt"/>
-                <a:ea typeface="+mn-ea"/>
-                <a:cs typeface="+mn-cs"/>
-              </a:defRPr>
-            </a:lvl6pPr>
-            <a:lvl7pPr marL="2228850" indent="-171450" algn="l" defTabSz="685800" rtl="0" eaLnBrk="1" latinLnBrk="0" hangingPunct="1">
-              <a:lnSpc>
-                <a:spcPct val="90000"/>
-              </a:lnSpc>
-              <a:spcBef>
-                <a:spcPts val="375"/>
-              </a:spcBef>
-              <a:buFont typeface="Arial" panose="020B0604020202020204" pitchFamily="34" charset="0"/>
-              <a:buChar char="•"/>
-              <a:defRPr sz="1350" kern="1200">
-                <a:solidFill>
-                  <a:schemeClr val="tx1"/>
-                </a:solidFill>
-                <a:latin typeface="+mn-lt"/>
-                <a:ea typeface="+mn-ea"/>
-                <a:cs typeface="+mn-cs"/>
-              </a:defRPr>
-            </a:lvl7pPr>
-            <a:lvl8pPr marL="2571750" indent="-171450" algn="l" defTabSz="685800" rtl="0" eaLnBrk="1" latinLnBrk="0" hangingPunct="1">
-              <a:lnSpc>
-                <a:spcPct val="90000"/>
-              </a:lnSpc>
-              <a:spcBef>
-                <a:spcPts val="375"/>
-              </a:spcBef>
-              <a:buFont typeface="Arial" panose="020B0604020202020204" pitchFamily="34" charset="0"/>
-              <a:buChar char="•"/>
-              <a:defRPr sz="1350" kern="1200">
-                <a:solidFill>
-                  <a:schemeClr val="tx1"/>
-                </a:solidFill>
-                <a:latin typeface="+mn-lt"/>
-                <a:ea typeface="+mn-ea"/>
-                <a:cs typeface="+mn-cs"/>
-              </a:defRPr>
-            </a:lvl8pPr>
-            <a:lvl9pPr marL="2914650" indent="-171450" algn="l" defTabSz="685800" rtl="0" eaLnBrk="1" latinLnBrk="0" hangingPunct="1">
-              <a:lnSpc>
-                <a:spcPct val="90000"/>
-              </a:lnSpc>
-              <a:spcBef>
-                <a:spcPts val="375"/>
-              </a:spcBef>
-              <a:buFont typeface="Arial" panose="020B0604020202020204" pitchFamily="34" charset="0"/>
-              <a:buChar char="•"/>
-              <a:defRPr sz="1350" kern="1200">
-                <a:solidFill>
-                  <a:schemeClr val="tx1"/>
-                </a:solidFill>
-                <a:latin typeface="+mn-lt"/>
-                <a:ea typeface="+mn-ea"/>
-                <a:cs typeface="+mn-cs"/>
-              </a:defRPr>
-            </a:lvl9pPr>
-          </a:lstStyle>
-          <a:p>
-            <a:pPr marL="800100" lvl="1" indent="-457200">
-              <a:lnSpc>
-                <a:spcPct val="250000"/>
-              </a:lnSpc>
-              <a:buAutoNum type="arabicPeriod"/>
-            </a:pPr>
-            <a:r>
-              <a:rPr lang="fr-FR" sz="2000" dirty="0">
-                <a:solidFill>
-                  <a:srgbClr val="004492"/>
-                </a:solidFill>
-                <a:latin typeface="Eurostile" panose="020B0504020202050204" pitchFamily="34" charset="0"/>
-              </a:rPr>
-              <a:t>Tri des évènements utiles</a:t>
-            </a:r>
-          </a:p>
-          <a:p>
-            <a:pPr marL="800100" lvl="1" indent="-457200">
-              <a:lnSpc>
-                <a:spcPct val="250000"/>
-              </a:lnSpc>
-              <a:buAutoNum type="arabicPeriod"/>
-            </a:pPr>
-            <a:r>
-              <a:rPr lang="fr-FR" sz="2000" dirty="0">
-                <a:solidFill>
-                  <a:srgbClr val="004492"/>
-                </a:solidFill>
-                <a:latin typeface="Eurostile" panose="020B0504020202050204" pitchFamily="34" charset="0"/>
-              </a:rPr>
-              <a:t>Définition de méthodes d’écoutes de ces évènements</a:t>
-            </a:r>
-          </a:p>
-          <a:p>
-            <a:pPr marL="342900" lvl="1" indent="0">
-              <a:lnSpc>
-                <a:spcPct val="250000"/>
-              </a:lnSpc>
-              <a:buNone/>
-            </a:pPr>
-            <a:endParaRPr lang="fr-FR" sz="2000" dirty="0">
-              <a:solidFill>
-                <a:srgbClr val="004492"/>
-              </a:solidFill>
-              <a:latin typeface="Eurostile" panose="020B0504020202050204" pitchFamily="34" charset="0"/>
-            </a:endParaRPr>
-          </a:p>
-          <a:p>
-            <a:pPr marL="800100" lvl="1" indent="-457200">
-              <a:lnSpc>
-                <a:spcPct val="250000"/>
-              </a:lnSpc>
-              <a:buAutoNum type="arabicPeriod"/>
-            </a:pPr>
-            <a:endParaRPr lang="fr-FR" sz="2000" dirty="0">
-              <a:solidFill>
-                <a:srgbClr val="004492"/>
-              </a:solidFill>
-              <a:latin typeface="Eurostile" panose="020B0504020202050204" pitchFamily="34" charset="0"/>
-            </a:endParaRPr>
-          </a:p>
-          <a:p>
-            <a:pPr marL="342900" lvl="1" indent="0">
-              <a:lnSpc>
-                <a:spcPct val="250000"/>
-              </a:lnSpc>
-              <a:buNone/>
-            </a:pPr>
-            <a:endParaRPr lang="fr-FR" sz="1700" dirty="0">
-              <a:solidFill>
-                <a:srgbClr val="004492"/>
-              </a:solidFill>
-              <a:latin typeface="Eurostile" panose="020B0504020202050204" pitchFamily="34" charset="0"/>
-            </a:endParaRPr>
-          </a:p>
-          <a:p>
-            <a:pPr marL="342900" lvl="1" indent="0">
-              <a:lnSpc>
-                <a:spcPct val="250000"/>
-              </a:lnSpc>
-              <a:buNone/>
-            </a:pPr>
-            <a:endParaRPr lang="fr-FR" sz="2000" dirty="0">
-              <a:solidFill>
-                <a:srgbClr val="004492"/>
-              </a:solidFill>
-              <a:latin typeface="Eurostile" panose="020B0504020202050204" pitchFamily="34" charset="0"/>
-            </a:endParaRPr>
-          </a:p>
-        </p:txBody>
-      </p:sp>
-      <p:sp>
-        <p:nvSpPr>
-          <p:cNvPr id="3" name="Espace réservé du numéro de diapositive 2"/>
+          <p:cNvPr id="11" name="Espace réservé du numéro de diapositive 1"/>
           <p:cNvSpPr>
             <a:spLocks noGrp="1"/>
           </p:cNvSpPr>
@@ -15108,23 +15098,762 @@
             <p:ph type="sldNum" sz="quarter" idx="12"/>
           </p:nvPr>
         </p:nvSpPr>
-        <p:spPr/>
+        <p:spPr>
+          <a:xfrm>
+            <a:off x="6603423" y="6255991"/>
+            <a:ext cx="2057400" cy="365125"/>
+          </a:xfrm>
+        </p:spPr>
         <p:txBody>
           <a:bodyPr/>
           <a:lstStyle/>
           <a:p>
+            <a:r>
+              <a:rPr lang="fr-FR" sz="1800" dirty="0">
+                <a:latin typeface="Eurostile-Roman" pitchFamily="2" charset="0"/>
+              </a:rPr>
+              <a:t>Diapositive </a:t>
+            </a:r>
             <a:fld id="{0A0AF257-D28F-495E-9E53-3BED59B8AA35}" type="slidenum">
-              <a:rPr lang="fr-FR" smtClean="0"/>
+              <a:rPr lang="fr-FR" sz="1800" smtClean="0">
+                <a:latin typeface="Eurostile-Roman" pitchFamily="2" charset="0"/>
+              </a:rPr>
               <a:t>31</a:t>
             </a:fld>
-            <a:endParaRPr lang="fr-FR"/>
+            <a:endParaRPr lang="fr-FR" sz="1800" dirty="0">
+              <a:latin typeface="Eurostile-Roman" pitchFamily="2" charset="0"/>
+            </a:endParaRPr>
+          </a:p>
+        </p:txBody>
+      </p:sp>
+      <p:sp>
+        <p:nvSpPr>
+          <p:cNvPr id="7" name="Espace réservé du contenu 30"/>
+          <p:cNvSpPr txBox="1">
+            <a:spLocks/>
+          </p:cNvSpPr>
+          <p:nvPr/>
+        </p:nvSpPr>
+        <p:spPr>
+          <a:xfrm>
+            <a:off x="1084118" y="2852756"/>
+            <a:ext cx="8059882" cy="1987022"/>
+          </a:xfrm>
+          <a:prstGeom prst="rect">
+            <a:avLst/>
+          </a:prstGeom>
+        </p:spPr>
+        <p:txBody>
+          <a:bodyPr vert="horz" lIns="91440" tIns="45720" rIns="91440" bIns="45720" rtlCol="0">
+            <a:normAutofit/>
+          </a:bodyPr>
+          <a:lstStyle>
+            <a:lvl1pPr marL="171450" indent="-171450" algn="l" defTabSz="685800" rtl="0" eaLnBrk="1" latinLnBrk="0" hangingPunct="1">
+              <a:lnSpc>
+                <a:spcPct val="90000"/>
+              </a:lnSpc>
+              <a:spcBef>
+                <a:spcPts val="750"/>
+              </a:spcBef>
+              <a:buFont typeface="Arial" panose="020B0604020202020204" pitchFamily="34" charset="0"/>
+              <a:buChar char="•"/>
+              <a:defRPr sz="2100" kern="1200">
+                <a:solidFill>
+                  <a:schemeClr val="tx1"/>
+                </a:solidFill>
+                <a:latin typeface="+mn-lt"/>
+                <a:ea typeface="+mn-ea"/>
+                <a:cs typeface="+mn-cs"/>
+              </a:defRPr>
+            </a:lvl1pPr>
+            <a:lvl2pPr marL="514350" indent="-171450" algn="l" defTabSz="685800" rtl="0" eaLnBrk="1" latinLnBrk="0" hangingPunct="1">
+              <a:lnSpc>
+                <a:spcPct val="90000"/>
+              </a:lnSpc>
+              <a:spcBef>
+                <a:spcPts val="375"/>
+              </a:spcBef>
+              <a:buFont typeface="Arial" panose="020B0604020202020204" pitchFamily="34" charset="0"/>
+              <a:buChar char="•"/>
+              <a:defRPr sz="1800" kern="1200">
+                <a:solidFill>
+                  <a:schemeClr val="tx1"/>
+                </a:solidFill>
+                <a:latin typeface="+mn-lt"/>
+                <a:ea typeface="+mn-ea"/>
+                <a:cs typeface="+mn-cs"/>
+              </a:defRPr>
+            </a:lvl2pPr>
+            <a:lvl3pPr marL="857250" indent="-171450" algn="l" defTabSz="685800" rtl="0" eaLnBrk="1" latinLnBrk="0" hangingPunct="1">
+              <a:lnSpc>
+                <a:spcPct val="90000"/>
+              </a:lnSpc>
+              <a:spcBef>
+                <a:spcPts val="375"/>
+              </a:spcBef>
+              <a:buFont typeface="Arial" panose="020B0604020202020204" pitchFamily="34" charset="0"/>
+              <a:buChar char="•"/>
+              <a:defRPr sz="1500" kern="1200">
+                <a:solidFill>
+                  <a:schemeClr val="tx1"/>
+                </a:solidFill>
+                <a:latin typeface="+mn-lt"/>
+                <a:ea typeface="+mn-ea"/>
+                <a:cs typeface="+mn-cs"/>
+              </a:defRPr>
+            </a:lvl3pPr>
+            <a:lvl4pPr marL="1200150" indent="-171450" algn="l" defTabSz="685800" rtl="0" eaLnBrk="1" latinLnBrk="0" hangingPunct="1">
+              <a:lnSpc>
+                <a:spcPct val="90000"/>
+              </a:lnSpc>
+              <a:spcBef>
+                <a:spcPts val="375"/>
+              </a:spcBef>
+              <a:buFont typeface="Arial" panose="020B0604020202020204" pitchFamily="34" charset="0"/>
+              <a:buChar char="•"/>
+              <a:defRPr sz="1350" kern="1200">
+                <a:solidFill>
+                  <a:schemeClr val="tx1"/>
+                </a:solidFill>
+                <a:latin typeface="+mn-lt"/>
+                <a:ea typeface="+mn-ea"/>
+                <a:cs typeface="+mn-cs"/>
+              </a:defRPr>
+            </a:lvl4pPr>
+            <a:lvl5pPr marL="1543050" indent="-171450" algn="l" defTabSz="685800" rtl="0" eaLnBrk="1" latinLnBrk="0" hangingPunct="1">
+              <a:lnSpc>
+                <a:spcPct val="90000"/>
+              </a:lnSpc>
+              <a:spcBef>
+                <a:spcPts val="375"/>
+              </a:spcBef>
+              <a:buFont typeface="Arial" panose="020B0604020202020204" pitchFamily="34" charset="0"/>
+              <a:buChar char="•"/>
+              <a:defRPr sz="1350" kern="1200">
+                <a:solidFill>
+                  <a:schemeClr val="tx1"/>
+                </a:solidFill>
+                <a:latin typeface="+mn-lt"/>
+                <a:ea typeface="+mn-ea"/>
+                <a:cs typeface="+mn-cs"/>
+              </a:defRPr>
+            </a:lvl5pPr>
+            <a:lvl6pPr marL="1885950" indent="-171450" algn="l" defTabSz="685800" rtl="0" eaLnBrk="1" latinLnBrk="0" hangingPunct="1">
+              <a:lnSpc>
+                <a:spcPct val="90000"/>
+              </a:lnSpc>
+              <a:spcBef>
+                <a:spcPts val="375"/>
+              </a:spcBef>
+              <a:buFont typeface="Arial" panose="020B0604020202020204" pitchFamily="34" charset="0"/>
+              <a:buChar char="•"/>
+              <a:defRPr sz="1350" kern="1200">
+                <a:solidFill>
+                  <a:schemeClr val="tx1"/>
+                </a:solidFill>
+                <a:latin typeface="+mn-lt"/>
+                <a:ea typeface="+mn-ea"/>
+                <a:cs typeface="+mn-cs"/>
+              </a:defRPr>
+            </a:lvl6pPr>
+            <a:lvl7pPr marL="2228850" indent="-171450" algn="l" defTabSz="685800" rtl="0" eaLnBrk="1" latinLnBrk="0" hangingPunct="1">
+              <a:lnSpc>
+                <a:spcPct val="90000"/>
+              </a:lnSpc>
+              <a:spcBef>
+                <a:spcPts val="375"/>
+              </a:spcBef>
+              <a:buFont typeface="Arial" panose="020B0604020202020204" pitchFamily="34" charset="0"/>
+              <a:buChar char="•"/>
+              <a:defRPr sz="1350" kern="1200">
+                <a:solidFill>
+                  <a:schemeClr val="tx1"/>
+                </a:solidFill>
+                <a:latin typeface="+mn-lt"/>
+                <a:ea typeface="+mn-ea"/>
+                <a:cs typeface="+mn-cs"/>
+              </a:defRPr>
+            </a:lvl7pPr>
+            <a:lvl8pPr marL="2571750" indent="-171450" algn="l" defTabSz="685800" rtl="0" eaLnBrk="1" latinLnBrk="0" hangingPunct="1">
+              <a:lnSpc>
+                <a:spcPct val="90000"/>
+              </a:lnSpc>
+              <a:spcBef>
+                <a:spcPts val="375"/>
+              </a:spcBef>
+              <a:buFont typeface="Arial" panose="020B0604020202020204" pitchFamily="34" charset="0"/>
+              <a:buChar char="•"/>
+              <a:defRPr sz="1350" kern="1200">
+                <a:solidFill>
+                  <a:schemeClr val="tx1"/>
+                </a:solidFill>
+                <a:latin typeface="+mn-lt"/>
+                <a:ea typeface="+mn-ea"/>
+                <a:cs typeface="+mn-cs"/>
+              </a:defRPr>
+            </a:lvl8pPr>
+            <a:lvl9pPr marL="2914650" indent="-171450" algn="l" defTabSz="685800" rtl="0" eaLnBrk="1" latinLnBrk="0" hangingPunct="1">
+              <a:lnSpc>
+                <a:spcPct val="90000"/>
+              </a:lnSpc>
+              <a:spcBef>
+                <a:spcPts val="375"/>
+              </a:spcBef>
+              <a:buFont typeface="Arial" panose="020B0604020202020204" pitchFamily="34" charset="0"/>
+              <a:buChar char="•"/>
+              <a:defRPr sz="1350" kern="1200">
+                <a:solidFill>
+                  <a:schemeClr val="tx1"/>
+                </a:solidFill>
+                <a:latin typeface="+mn-lt"/>
+                <a:ea typeface="+mn-ea"/>
+                <a:cs typeface="+mn-cs"/>
+              </a:defRPr>
+            </a:lvl9pPr>
+          </a:lstStyle>
+          <a:p>
+            <a:pPr lvl="1">
+              <a:lnSpc>
+                <a:spcPct val="250000"/>
+              </a:lnSpc>
+              <a:buFont typeface="Wingdings" panose="05000000000000000000" pitchFamily="2" charset="2"/>
+              <a:buChar char="§"/>
+            </a:pPr>
+            <a:r>
+              <a:rPr lang="fr-FR" sz="2000" dirty="0">
+                <a:solidFill>
+                  <a:srgbClr val="004492"/>
+                </a:solidFill>
+                <a:latin typeface="Calibri (Corps)"/>
+              </a:rPr>
+              <a:t>Attribuer une Version List aux nouveaux objets</a:t>
+            </a:r>
+          </a:p>
+          <a:p>
+            <a:pPr lvl="1">
+              <a:lnSpc>
+                <a:spcPct val="250000"/>
+              </a:lnSpc>
+              <a:buFont typeface="Wingdings" panose="05000000000000000000" pitchFamily="2" charset="2"/>
+              <a:buChar char="§"/>
+            </a:pPr>
+            <a:r>
+              <a:rPr lang="fr-FR" sz="2000" dirty="0">
+                <a:solidFill>
+                  <a:srgbClr val="004492"/>
+                </a:solidFill>
+                <a:latin typeface="Calibri (Corps)"/>
+              </a:rPr>
+              <a:t>Attribuer une Version List aux objets standards </a:t>
+            </a:r>
+            <a:r>
+              <a:rPr lang="fr-FR" sz="2000" b="1" dirty="0">
+                <a:solidFill>
+                  <a:srgbClr val="004492"/>
+                </a:solidFill>
+                <a:latin typeface="Calibri (Corps)"/>
+              </a:rPr>
+              <a:t>modifiés</a:t>
+            </a:r>
+          </a:p>
+          <a:p>
+            <a:pPr lvl="1">
+              <a:lnSpc>
+                <a:spcPct val="250000"/>
+              </a:lnSpc>
+              <a:buFont typeface="Wingdings" panose="05000000000000000000" pitchFamily="2" charset="2"/>
+              <a:buChar char="§"/>
+            </a:pPr>
+            <a:endParaRPr lang="fr-FR" sz="2000" b="1" dirty="0">
+              <a:solidFill>
+                <a:srgbClr val="004492"/>
+              </a:solidFill>
+              <a:latin typeface="Calibri (Corps)"/>
+            </a:endParaRPr>
+          </a:p>
+          <a:p>
+            <a:pPr lvl="1">
+              <a:lnSpc>
+                <a:spcPct val="250000"/>
+              </a:lnSpc>
+            </a:pPr>
+            <a:endParaRPr lang="fr-FR" sz="2000" dirty="0">
+              <a:solidFill>
+                <a:srgbClr val="004492"/>
+              </a:solidFill>
+              <a:latin typeface="Calibri (Corps)"/>
+            </a:endParaRPr>
+          </a:p>
+        </p:txBody>
+      </p:sp>
+      <p:sp>
+        <p:nvSpPr>
+          <p:cNvPr id="9" name="Espace réservé du contenu 30"/>
+          <p:cNvSpPr txBox="1">
+            <a:spLocks/>
+          </p:cNvSpPr>
+          <p:nvPr/>
+        </p:nvSpPr>
+        <p:spPr>
+          <a:xfrm>
+            <a:off x="917188" y="2302587"/>
+            <a:ext cx="7886700" cy="1053962"/>
+          </a:xfrm>
+          <a:prstGeom prst="rect">
+            <a:avLst/>
+          </a:prstGeom>
+        </p:spPr>
+        <p:txBody>
+          <a:bodyPr vert="horz" lIns="91440" tIns="45720" rIns="91440" bIns="45720" rtlCol="0">
+            <a:normAutofit/>
+          </a:bodyPr>
+          <a:lstStyle>
+            <a:lvl1pPr marL="171450" indent="-171450" algn="l" defTabSz="685800" rtl="0" eaLnBrk="1" latinLnBrk="0" hangingPunct="1">
+              <a:lnSpc>
+                <a:spcPct val="90000"/>
+              </a:lnSpc>
+              <a:spcBef>
+                <a:spcPts val="750"/>
+              </a:spcBef>
+              <a:buFont typeface="Arial" panose="020B0604020202020204" pitchFamily="34" charset="0"/>
+              <a:buChar char="•"/>
+              <a:defRPr sz="2100" kern="1200">
+                <a:solidFill>
+                  <a:schemeClr val="tx1"/>
+                </a:solidFill>
+                <a:latin typeface="+mn-lt"/>
+                <a:ea typeface="+mn-ea"/>
+                <a:cs typeface="+mn-cs"/>
+              </a:defRPr>
+            </a:lvl1pPr>
+            <a:lvl2pPr marL="514350" indent="-171450" algn="l" defTabSz="685800" rtl="0" eaLnBrk="1" latinLnBrk="0" hangingPunct="1">
+              <a:lnSpc>
+                <a:spcPct val="90000"/>
+              </a:lnSpc>
+              <a:spcBef>
+                <a:spcPts val="375"/>
+              </a:spcBef>
+              <a:buFont typeface="Arial" panose="020B0604020202020204" pitchFamily="34" charset="0"/>
+              <a:buChar char="•"/>
+              <a:defRPr sz="1800" kern="1200">
+                <a:solidFill>
+                  <a:schemeClr val="tx1"/>
+                </a:solidFill>
+                <a:latin typeface="+mn-lt"/>
+                <a:ea typeface="+mn-ea"/>
+                <a:cs typeface="+mn-cs"/>
+              </a:defRPr>
+            </a:lvl2pPr>
+            <a:lvl3pPr marL="857250" indent="-171450" algn="l" defTabSz="685800" rtl="0" eaLnBrk="1" latinLnBrk="0" hangingPunct="1">
+              <a:lnSpc>
+                <a:spcPct val="90000"/>
+              </a:lnSpc>
+              <a:spcBef>
+                <a:spcPts val="375"/>
+              </a:spcBef>
+              <a:buFont typeface="Arial" panose="020B0604020202020204" pitchFamily="34" charset="0"/>
+              <a:buChar char="•"/>
+              <a:defRPr sz="1500" kern="1200">
+                <a:solidFill>
+                  <a:schemeClr val="tx1"/>
+                </a:solidFill>
+                <a:latin typeface="+mn-lt"/>
+                <a:ea typeface="+mn-ea"/>
+                <a:cs typeface="+mn-cs"/>
+              </a:defRPr>
+            </a:lvl3pPr>
+            <a:lvl4pPr marL="1200150" indent="-171450" algn="l" defTabSz="685800" rtl="0" eaLnBrk="1" latinLnBrk="0" hangingPunct="1">
+              <a:lnSpc>
+                <a:spcPct val="90000"/>
+              </a:lnSpc>
+              <a:spcBef>
+                <a:spcPts val="375"/>
+              </a:spcBef>
+              <a:buFont typeface="Arial" panose="020B0604020202020204" pitchFamily="34" charset="0"/>
+              <a:buChar char="•"/>
+              <a:defRPr sz="1350" kern="1200">
+                <a:solidFill>
+                  <a:schemeClr val="tx1"/>
+                </a:solidFill>
+                <a:latin typeface="+mn-lt"/>
+                <a:ea typeface="+mn-ea"/>
+                <a:cs typeface="+mn-cs"/>
+              </a:defRPr>
+            </a:lvl4pPr>
+            <a:lvl5pPr marL="1543050" indent="-171450" algn="l" defTabSz="685800" rtl="0" eaLnBrk="1" latinLnBrk="0" hangingPunct="1">
+              <a:lnSpc>
+                <a:spcPct val="90000"/>
+              </a:lnSpc>
+              <a:spcBef>
+                <a:spcPts val="375"/>
+              </a:spcBef>
+              <a:buFont typeface="Arial" panose="020B0604020202020204" pitchFamily="34" charset="0"/>
+              <a:buChar char="•"/>
+              <a:defRPr sz="1350" kern="1200">
+                <a:solidFill>
+                  <a:schemeClr val="tx1"/>
+                </a:solidFill>
+                <a:latin typeface="+mn-lt"/>
+                <a:ea typeface="+mn-ea"/>
+                <a:cs typeface="+mn-cs"/>
+              </a:defRPr>
+            </a:lvl5pPr>
+            <a:lvl6pPr marL="1885950" indent="-171450" algn="l" defTabSz="685800" rtl="0" eaLnBrk="1" latinLnBrk="0" hangingPunct="1">
+              <a:lnSpc>
+                <a:spcPct val="90000"/>
+              </a:lnSpc>
+              <a:spcBef>
+                <a:spcPts val="375"/>
+              </a:spcBef>
+              <a:buFont typeface="Arial" panose="020B0604020202020204" pitchFamily="34" charset="0"/>
+              <a:buChar char="•"/>
+              <a:defRPr sz="1350" kern="1200">
+                <a:solidFill>
+                  <a:schemeClr val="tx1"/>
+                </a:solidFill>
+                <a:latin typeface="+mn-lt"/>
+                <a:ea typeface="+mn-ea"/>
+                <a:cs typeface="+mn-cs"/>
+              </a:defRPr>
+            </a:lvl6pPr>
+            <a:lvl7pPr marL="2228850" indent="-171450" algn="l" defTabSz="685800" rtl="0" eaLnBrk="1" latinLnBrk="0" hangingPunct="1">
+              <a:lnSpc>
+                <a:spcPct val="90000"/>
+              </a:lnSpc>
+              <a:spcBef>
+                <a:spcPts val="375"/>
+              </a:spcBef>
+              <a:buFont typeface="Arial" panose="020B0604020202020204" pitchFamily="34" charset="0"/>
+              <a:buChar char="•"/>
+              <a:defRPr sz="1350" kern="1200">
+                <a:solidFill>
+                  <a:schemeClr val="tx1"/>
+                </a:solidFill>
+                <a:latin typeface="+mn-lt"/>
+                <a:ea typeface="+mn-ea"/>
+                <a:cs typeface="+mn-cs"/>
+              </a:defRPr>
+            </a:lvl7pPr>
+            <a:lvl8pPr marL="2571750" indent="-171450" algn="l" defTabSz="685800" rtl="0" eaLnBrk="1" latinLnBrk="0" hangingPunct="1">
+              <a:lnSpc>
+                <a:spcPct val="90000"/>
+              </a:lnSpc>
+              <a:spcBef>
+                <a:spcPts val="375"/>
+              </a:spcBef>
+              <a:buFont typeface="Arial" panose="020B0604020202020204" pitchFamily="34" charset="0"/>
+              <a:buChar char="•"/>
+              <a:defRPr sz="1350" kern="1200">
+                <a:solidFill>
+                  <a:schemeClr val="tx1"/>
+                </a:solidFill>
+                <a:latin typeface="+mn-lt"/>
+                <a:ea typeface="+mn-ea"/>
+                <a:cs typeface="+mn-cs"/>
+              </a:defRPr>
+            </a:lvl8pPr>
+            <a:lvl9pPr marL="2914650" indent="-171450" algn="l" defTabSz="685800" rtl="0" eaLnBrk="1" latinLnBrk="0" hangingPunct="1">
+              <a:lnSpc>
+                <a:spcPct val="90000"/>
+              </a:lnSpc>
+              <a:spcBef>
+                <a:spcPts val="375"/>
+              </a:spcBef>
+              <a:buFont typeface="Arial" panose="020B0604020202020204" pitchFamily="34" charset="0"/>
+              <a:buChar char="•"/>
+              <a:defRPr sz="1350" kern="1200">
+                <a:solidFill>
+                  <a:schemeClr val="tx1"/>
+                </a:solidFill>
+                <a:latin typeface="+mn-lt"/>
+                <a:ea typeface="+mn-ea"/>
+                <a:cs typeface="+mn-cs"/>
+              </a:defRPr>
+            </a:lvl9pPr>
+          </a:lstStyle>
+          <a:p>
+            <a:pPr>
+              <a:lnSpc>
+                <a:spcPct val="150000"/>
+              </a:lnSpc>
+            </a:pPr>
+            <a:r>
+              <a:rPr lang="fr-FR" sz="2200" dirty="0">
+                <a:solidFill>
+                  <a:srgbClr val="004492"/>
+                </a:solidFill>
+                <a:latin typeface="Calibri (Corps)"/>
+              </a:rPr>
+              <a:t>Problématique de la Version List : </a:t>
+            </a:r>
+          </a:p>
+        </p:txBody>
+      </p:sp>
+      <p:sp>
+        <p:nvSpPr>
+          <p:cNvPr id="12" name="Espace réservé du contenu 2"/>
+          <p:cNvSpPr txBox="1">
+            <a:spLocks/>
+          </p:cNvSpPr>
+          <p:nvPr/>
+        </p:nvSpPr>
+        <p:spPr>
+          <a:xfrm>
+            <a:off x="1972564" y="4839778"/>
+            <a:ext cx="7886700" cy="1948555"/>
+          </a:xfrm>
+          <a:prstGeom prst="rect">
+            <a:avLst/>
+          </a:prstGeom>
+        </p:spPr>
+        <p:txBody>
+          <a:bodyPr vert="horz" lIns="91440" tIns="45720" rIns="91440" bIns="45720" rtlCol="0">
+            <a:noAutofit/>
+          </a:bodyPr>
+          <a:lstStyle>
+            <a:lvl1pPr marL="171450" indent="-171450" algn="l" defTabSz="685800" rtl="0" eaLnBrk="1" latinLnBrk="0" hangingPunct="1">
+              <a:lnSpc>
+                <a:spcPct val="90000"/>
+              </a:lnSpc>
+              <a:spcBef>
+                <a:spcPts val="750"/>
+              </a:spcBef>
+              <a:buFont typeface="Arial" panose="020B0604020202020204" pitchFamily="34" charset="0"/>
+              <a:buChar char="•"/>
+              <a:defRPr sz="2100" kern="1200">
+                <a:solidFill>
+                  <a:schemeClr val="tx1"/>
+                </a:solidFill>
+                <a:latin typeface="+mn-lt"/>
+                <a:ea typeface="+mn-ea"/>
+                <a:cs typeface="+mn-cs"/>
+              </a:defRPr>
+            </a:lvl1pPr>
+            <a:lvl2pPr marL="514350" indent="-171450" algn="l" defTabSz="685800" rtl="0" eaLnBrk="1" latinLnBrk="0" hangingPunct="1">
+              <a:lnSpc>
+                <a:spcPct val="90000"/>
+              </a:lnSpc>
+              <a:spcBef>
+                <a:spcPts val="375"/>
+              </a:spcBef>
+              <a:buFont typeface="Arial" panose="020B0604020202020204" pitchFamily="34" charset="0"/>
+              <a:buChar char="•"/>
+              <a:defRPr sz="1800" kern="1200">
+                <a:solidFill>
+                  <a:schemeClr val="tx1"/>
+                </a:solidFill>
+                <a:latin typeface="+mn-lt"/>
+                <a:ea typeface="+mn-ea"/>
+                <a:cs typeface="+mn-cs"/>
+              </a:defRPr>
+            </a:lvl2pPr>
+            <a:lvl3pPr marL="857250" indent="-171450" algn="l" defTabSz="685800" rtl="0" eaLnBrk="1" latinLnBrk="0" hangingPunct="1">
+              <a:lnSpc>
+                <a:spcPct val="90000"/>
+              </a:lnSpc>
+              <a:spcBef>
+                <a:spcPts val="375"/>
+              </a:spcBef>
+              <a:buFont typeface="Arial" panose="020B0604020202020204" pitchFamily="34" charset="0"/>
+              <a:buChar char="•"/>
+              <a:defRPr sz="1500" kern="1200">
+                <a:solidFill>
+                  <a:schemeClr val="tx1"/>
+                </a:solidFill>
+                <a:latin typeface="+mn-lt"/>
+                <a:ea typeface="+mn-ea"/>
+                <a:cs typeface="+mn-cs"/>
+              </a:defRPr>
+            </a:lvl3pPr>
+            <a:lvl4pPr marL="1200150" indent="-171450" algn="l" defTabSz="685800" rtl="0" eaLnBrk="1" latinLnBrk="0" hangingPunct="1">
+              <a:lnSpc>
+                <a:spcPct val="90000"/>
+              </a:lnSpc>
+              <a:spcBef>
+                <a:spcPts val="375"/>
+              </a:spcBef>
+              <a:buFont typeface="Arial" panose="020B0604020202020204" pitchFamily="34" charset="0"/>
+              <a:buChar char="•"/>
+              <a:defRPr sz="1350" kern="1200">
+                <a:solidFill>
+                  <a:schemeClr val="tx1"/>
+                </a:solidFill>
+                <a:latin typeface="+mn-lt"/>
+                <a:ea typeface="+mn-ea"/>
+                <a:cs typeface="+mn-cs"/>
+              </a:defRPr>
+            </a:lvl4pPr>
+            <a:lvl5pPr marL="1543050" indent="-171450" algn="l" defTabSz="685800" rtl="0" eaLnBrk="1" latinLnBrk="0" hangingPunct="1">
+              <a:lnSpc>
+                <a:spcPct val="90000"/>
+              </a:lnSpc>
+              <a:spcBef>
+                <a:spcPts val="375"/>
+              </a:spcBef>
+              <a:buFont typeface="Arial" panose="020B0604020202020204" pitchFamily="34" charset="0"/>
+              <a:buChar char="•"/>
+              <a:defRPr sz="1350" kern="1200">
+                <a:solidFill>
+                  <a:schemeClr val="tx1"/>
+                </a:solidFill>
+                <a:latin typeface="+mn-lt"/>
+                <a:ea typeface="+mn-ea"/>
+                <a:cs typeface="+mn-cs"/>
+              </a:defRPr>
+            </a:lvl5pPr>
+            <a:lvl6pPr marL="1885950" indent="-171450" algn="l" defTabSz="685800" rtl="0" eaLnBrk="1" latinLnBrk="0" hangingPunct="1">
+              <a:lnSpc>
+                <a:spcPct val="90000"/>
+              </a:lnSpc>
+              <a:spcBef>
+                <a:spcPts val="375"/>
+              </a:spcBef>
+              <a:buFont typeface="Arial" panose="020B0604020202020204" pitchFamily="34" charset="0"/>
+              <a:buChar char="•"/>
+              <a:defRPr sz="1350" kern="1200">
+                <a:solidFill>
+                  <a:schemeClr val="tx1"/>
+                </a:solidFill>
+                <a:latin typeface="+mn-lt"/>
+                <a:ea typeface="+mn-ea"/>
+                <a:cs typeface="+mn-cs"/>
+              </a:defRPr>
+            </a:lvl6pPr>
+            <a:lvl7pPr marL="2228850" indent="-171450" algn="l" defTabSz="685800" rtl="0" eaLnBrk="1" latinLnBrk="0" hangingPunct="1">
+              <a:lnSpc>
+                <a:spcPct val="90000"/>
+              </a:lnSpc>
+              <a:spcBef>
+                <a:spcPts val="375"/>
+              </a:spcBef>
+              <a:buFont typeface="Arial" panose="020B0604020202020204" pitchFamily="34" charset="0"/>
+              <a:buChar char="•"/>
+              <a:defRPr sz="1350" kern="1200">
+                <a:solidFill>
+                  <a:schemeClr val="tx1"/>
+                </a:solidFill>
+                <a:latin typeface="+mn-lt"/>
+                <a:ea typeface="+mn-ea"/>
+                <a:cs typeface="+mn-cs"/>
+              </a:defRPr>
+            </a:lvl7pPr>
+            <a:lvl8pPr marL="2571750" indent="-171450" algn="l" defTabSz="685800" rtl="0" eaLnBrk="1" latinLnBrk="0" hangingPunct="1">
+              <a:lnSpc>
+                <a:spcPct val="90000"/>
+              </a:lnSpc>
+              <a:spcBef>
+                <a:spcPts val="375"/>
+              </a:spcBef>
+              <a:buFont typeface="Arial" panose="020B0604020202020204" pitchFamily="34" charset="0"/>
+              <a:buChar char="•"/>
+              <a:defRPr sz="1350" kern="1200">
+                <a:solidFill>
+                  <a:schemeClr val="tx1"/>
+                </a:solidFill>
+                <a:latin typeface="+mn-lt"/>
+                <a:ea typeface="+mn-ea"/>
+                <a:cs typeface="+mn-cs"/>
+              </a:defRPr>
+            </a:lvl8pPr>
+            <a:lvl9pPr marL="2914650" indent="-171450" algn="l" defTabSz="685800" rtl="0" eaLnBrk="1" latinLnBrk="0" hangingPunct="1">
+              <a:lnSpc>
+                <a:spcPct val="90000"/>
+              </a:lnSpc>
+              <a:spcBef>
+                <a:spcPts val="375"/>
+              </a:spcBef>
+              <a:buFont typeface="Arial" panose="020B0604020202020204" pitchFamily="34" charset="0"/>
+              <a:buChar char="•"/>
+              <a:defRPr sz="1350" kern="1200">
+                <a:solidFill>
+                  <a:schemeClr val="tx1"/>
+                </a:solidFill>
+                <a:latin typeface="+mn-lt"/>
+                <a:ea typeface="+mn-ea"/>
+                <a:cs typeface="+mn-cs"/>
+              </a:defRPr>
+            </a:lvl9pPr>
+          </a:lstStyle>
+          <a:p>
+            <a:pPr marL="0" indent="0">
+              <a:buNone/>
+            </a:pPr>
+            <a:r>
+              <a:rPr lang="fr-FR" sz="2000" b="1" dirty="0">
+                <a:solidFill>
+                  <a:srgbClr val="FF0000"/>
+                </a:solidFill>
+                <a:latin typeface="Calibri (Corps)"/>
+                <a:sym typeface="Wingdings" panose="05000000000000000000" pitchFamily="2" charset="2"/>
+              </a:rPr>
+              <a:t>Comparer chaque objet standard avec un objet de référence</a:t>
+            </a:r>
+            <a:endParaRPr lang="fr-FR" sz="2000" b="1" dirty="0">
+              <a:solidFill>
+                <a:srgbClr val="FF0000"/>
+              </a:solidFill>
+              <a:latin typeface="Calibri (Corps)"/>
+            </a:endParaRPr>
+          </a:p>
+        </p:txBody>
+      </p:sp>
+      <p:sp>
+        <p:nvSpPr>
+          <p:cNvPr id="13" name="Flèche : droite 12"/>
+          <p:cNvSpPr/>
+          <p:nvPr/>
+        </p:nvSpPr>
+        <p:spPr>
+          <a:xfrm>
+            <a:off x="1064265" y="4839778"/>
+            <a:ext cx="680224" cy="320125"/>
+          </a:xfrm>
+          <a:prstGeom prst="rightArrow">
+            <a:avLst/>
+          </a:prstGeom>
+          <a:solidFill>
+            <a:srgbClr val="FF0000"/>
+          </a:solidFill>
+          <a:ln>
+            <a:solidFill>
+              <a:srgbClr val="FF0000"/>
+            </a:solidFill>
+          </a:ln>
+        </p:spPr>
+        <p:style>
+          <a:lnRef idx="2">
+            <a:schemeClr val="accent6"/>
+          </a:lnRef>
+          <a:fillRef idx="1">
+            <a:schemeClr val="lt1"/>
+          </a:fillRef>
+          <a:effectRef idx="0">
+            <a:schemeClr val="accent6"/>
+          </a:effectRef>
+          <a:fontRef idx="minor">
+            <a:schemeClr val="dk1"/>
+          </a:fontRef>
+        </p:style>
+        <p:txBody>
+          <a:bodyPr rtlCol="0" anchor="ctr"/>
+          <a:lstStyle/>
+          <a:p>
+            <a:pPr algn="ctr"/>
+            <a:endParaRPr lang="fr-FR" dirty="0">
+              <a:solidFill>
+                <a:srgbClr val="FF0000"/>
+              </a:solidFill>
+              <a:highlight>
+                <a:srgbClr val="FF0000"/>
+              </a:highlight>
+            </a:endParaRPr>
           </a:p>
         </p:txBody>
       </p:sp>
     </p:spTree>
     <p:extLst>
       <p:ext uri="{BB962C8B-B14F-4D97-AF65-F5344CB8AC3E}">
-        <p14:creationId xmlns:p14="http://schemas.microsoft.com/office/powerpoint/2010/main" val="3962560826"/>
+        <p14:creationId xmlns:p14="http://schemas.microsoft.com/office/powerpoint/2010/main" val="2044015846"/>
       </p:ext>
     </p:extLst>
   </p:cSld>
@@ -15151,6 +15880,35 @@
           <a:chExt cx="0" cy="0"/>
         </a:xfrm>
       </p:grpSpPr>
+      <p:pic>
+        <p:nvPicPr>
+          <p:cNvPr id="4" name="Image 3"/>
+          <p:cNvPicPr>
+            <a:picLocks noChangeAspect="1"/>
+          </p:cNvPicPr>
+          <p:nvPr/>
+        </p:nvPicPr>
+        <p:blipFill rotWithShape="1">
+          <a:blip r:embed="rId2">
+            <a:extLst>
+              <a:ext uri="{28A0092B-C50C-407E-A947-70E740481C1C}">
+                <a14:useLocalDpi xmlns:a14="http://schemas.microsoft.com/office/drawing/2010/main" val="0"/>
+              </a:ext>
+            </a:extLst>
+          </a:blip>
+          <a:srcRect l="1976" t="2861"/>
+          <a:stretch/>
+        </p:blipFill>
+        <p:spPr>
+          <a:xfrm>
+            <a:off x="1672682" y="1561171"/>
+            <a:ext cx="6400800" cy="4777021"/>
+          </a:xfrm>
+          <a:prstGeom prst="rect">
+            <a:avLst/>
+          </a:prstGeom>
+        </p:spPr>
+      </p:pic>
       <p:sp>
         <p:nvSpPr>
           <p:cNvPr id="2" name="Titre 1"/>
@@ -15178,7 +15936,7 @@
                 <a:solidFill>
                   <a:schemeClr val="bg1"/>
                 </a:solidFill>
-                <a:latin typeface="Eurostile" panose="020B0504020202050204" pitchFamily="34" charset="0"/>
+                <a:latin typeface="Eurostile-Roman" pitchFamily="2" charset="0"/>
               </a:rPr>
               <a:t>Développement </a:t>
             </a:r>
@@ -15187,7 +15945,7 @@
                 <a:solidFill>
                   <a:schemeClr val="bg1"/>
                 </a:solidFill>
-                <a:latin typeface="Eurostile" panose="020B0504020202050204" pitchFamily="34" charset="0"/>
+                <a:latin typeface="Eurostile-Roman" pitchFamily="2" charset="0"/>
               </a:rPr>
             </a:br>
             <a:r>
@@ -15195,7 +15953,7 @@
                 <a:solidFill>
                   <a:schemeClr val="bg1"/>
                 </a:solidFill>
-                <a:latin typeface="Eurostile" panose="020B0504020202050204" pitchFamily="34" charset="0"/>
+                <a:latin typeface="Eurostile-Roman" pitchFamily="2" charset="0"/>
               </a:rPr>
               <a:t>de la solution</a:t>
             </a:r>
@@ -15204,287 +15962,7 @@
       </p:sp>
       <p:sp>
         <p:nvSpPr>
-          <p:cNvPr id="4" name="Espace réservé du contenu 30"/>
-          <p:cNvSpPr>
-            <a:spLocks noGrp="1"/>
-          </p:cNvSpPr>
-          <p:nvPr>
-            <p:ph idx="1"/>
-          </p:nvPr>
-        </p:nvSpPr>
-        <p:spPr>
-          <a:xfrm>
-            <a:off x="904010" y="1901879"/>
-            <a:ext cx="7886700" cy="1053962"/>
-          </a:xfrm>
-        </p:spPr>
-        <p:txBody>
-          <a:bodyPr>
-            <a:normAutofit/>
-          </a:bodyPr>
-          <a:lstStyle/>
-          <a:p>
-            <a:pPr lvl="1">
-              <a:lnSpc>
-                <a:spcPct val="150000"/>
-              </a:lnSpc>
-            </a:pPr>
-            <a:r>
-              <a:rPr lang="fr-FR" sz="2200" dirty="0">
-                <a:solidFill>
-                  <a:srgbClr val="004492"/>
-                </a:solidFill>
-                <a:latin typeface="Eurostile" panose="020B0504020202050204" pitchFamily="34" charset="0"/>
-              </a:rPr>
-              <a:t>Définition d’un fichier de configuration XML :</a:t>
-            </a:r>
-          </a:p>
-        </p:txBody>
-      </p:sp>
-      <p:sp>
-        <p:nvSpPr>
-          <p:cNvPr id="9" name="Espace réservé du contenu 30"/>
-          <p:cNvSpPr txBox="1">
-            <a:spLocks/>
-          </p:cNvSpPr>
-          <p:nvPr/>
-        </p:nvSpPr>
-        <p:spPr>
-          <a:xfrm>
-            <a:off x="1073727" y="2553550"/>
-            <a:ext cx="6948055" cy="3826469"/>
-          </a:xfrm>
-          <a:prstGeom prst="rect">
-            <a:avLst/>
-          </a:prstGeom>
-        </p:spPr>
-        <p:txBody>
-          <a:bodyPr vert="horz" lIns="91440" tIns="45720" rIns="91440" bIns="45720" rtlCol="0">
-            <a:normAutofit/>
-          </a:bodyPr>
-          <a:lstStyle>
-            <a:lvl1pPr marL="171450" indent="-171450" algn="l" defTabSz="685800" rtl="0" eaLnBrk="1" latinLnBrk="0" hangingPunct="1">
-              <a:lnSpc>
-                <a:spcPct val="90000"/>
-              </a:lnSpc>
-              <a:spcBef>
-                <a:spcPts val="750"/>
-              </a:spcBef>
-              <a:buFont typeface="Arial" panose="020B0604020202020204" pitchFamily="34" charset="0"/>
-              <a:buChar char="•"/>
-              <a:defRPr sz="2100" kern="1200">
-                <a:solidFill>
-                  <a:schemeClr val="tx1"/>
-                </a:solidFill>
-                <a:latin typeface="+mn-lt"/>
-                <a:ea typeface="+mn-ea"/>
-                <a:cs typeface="+mn-cs"/>
-              </a:defRPr>
-            </a:lvl1pPr>
-            <a:lvl2pPr marL="514350" indent="-171450" algn="l" defTabSz="685800" rtl="0" eaLnBrk="1" latinLnBrk="0" hangingPunct="1">
-              <a:lnSpc>
-                <a:spcPct val="90000"/>
-              </a:lnSpc>
-              <a:spcBef>
-                <a:spcPts val="375"/>
-              </a:spcBef>
-              <a:buFont typeface="Arial" panose="020B0604020202020204" pitchFamily="34" charset="0"/>
-              <a:buChar char="•"/>
-              <a:defRPr sz="1800" kern="1200">
-                <a:solidFill>
-                  <a:schemeClr val="tx1"/>
-                </a:solidFill>
-                <a:latin typeface="+mn-lt"/>
-                <a:ea typeface="+mn-ea"/>
-                <a:cs typeface="+mn-cs"/>
-              </a:defRPr>
-            </a:lvl2pPr>
-            <a:lvl3pPr marL="857250" indent="-171450" algn="l" defTabSz="685800" rtl="0" eaLnBrk="1" latinLnBrk="0" hangingPunct="1">
-              <a:lnSpc>
-                <a:spcPct val="90000"/>
-              </a:lnSpc>
-              <a:spcBef>
-                <a:spcPts val="375"/>
-              </a:spcBef>
-              <a:buFont typeface="Arial" panose="020B0604020202020204" pitchFamily="34" charset="0"/>
-              <a:buChar char="•"/>
-              <a:defRPr sz="1500" kern="1200">
-                <a:solidFill>
-                  <a:schemeClr val="tx1"/>
-                </a:solidFill>
-                <a:latin typeface="+mn-lt"/>
-                <a:ea typeface="+mn-ea"/>
-                <a:cs typeface="+mn-cs"/>
-              </a:defRPr>
-            </a:lvl3pPr>
-            <a:lvl4pPr marL="1200150" indent="-171450" algn="l" defTabSz="685800" rtl="0" eaLnBrk="1" latinLnBrk="0" hangingPunct="1">
-              <a:lnSpc>
-                <a:spcPct val="90000"/>
-              </a:lnSpc>
-              <a:spcBef>
-                <a:spcPts val="375"/>
-              </a:spcBef>
-              <a:buFont typeface="Arial" panose="020B0604020202020204" pitchFamily="34" charset="0"/>
-              <a:buChar char="•"/>
-              <a:defRPr sz="1350" kern="1200">
-                <a:solidFill>
-                  <a:schemeClr val="tx1"/>
-                </a:solidFill>
-                <a:latin typeface="+mn-lt"/>
-                <a:ea typeface="+mn-ea"/>
-                <a:cs typeface="+mn-cs"/>
-              </a:defRPr>
-            </a:lvl4pPr>
-            <a:lvl5pPr marL="1543050" indent="-171450" algn="l" defTabSz="685800" rtl="0" eaLnBrk="1" latinLnBrk="0" hangingPunct="1">
-              <a:lnSpc>
-                <a:spcPct val="90000"/>
-              </a:lnSpc>
-              <a:spcBef>
-                <a:spcPts val="375"/>
-              </a:spcBef>
-              <a:buFont typeface="Arial" panose="020B0604020202020204" pitchFamily="34" charset="0"/>
-              <a:buChar char="•"/>
-              <a:defRPr sz="1350" kern="1200">
-                <a:solidFill>
-                  <a:schemeClr val="tx1"/>
-                </a:solidFill>
-                <a:latin typeface="+mn-lt"/>
-                <a:ea typeface="+mn-ea"/>
-                <a:cs typeface="+mn-cs"/>
-              </a:defRPr>
-            </a:lvl5pPr>
-            <a:lvl6pPr marL="1885950" indent="-171450" algn="l" defTabSz="685800" rtl="0" eaLnBrk="1" latinLnBrk="0" hangingPunct="1">
-              <a:lnSpc>
-                <a:spcPct val="90000"/>
-              </a:lnSpc>
-              <a:spcBef>
-                <a:spcPts val="375"/>
-              </a:spcBef>
-              <a:buFont typeface="Arial" panose="020B0604020202020204" pitchFamily="34" charset="0"/>
-              <a:buChar char="•"/>
-              <a:defRPr sz="1350" kern="1200">
-                <a:solidFill>
-                  <a:schemeClr val="tx1"/>
-                </a:solidFill>
-                <a:latin typeface="+mn-lt"/>
-                <a:ea typeface="+mn-ea"/>
-                <a:cs typeface="+mn-cs"/>
-              </a:defRPr>
-            </a:lvl6pPr>
-            <a:lvl7pPr marL="2228850" indent="-171450" algn="l" defTabSz="685800" rtl="0" eaLnBrk="1" latinLnBrk="0" hangingPunct="1">
-              <a:lnSpc>
-                <a:spcPct val="90000"/>
-              </a:lnSpc>
-              <a:spcBef>
-                <a:spcPts val="375"/>
-              </a:spcBef>
-              <a:buFont typeface="Arial" panose="020B0604020202020204" pitchFamily="34" charset="0"/>
-              <a:buChar char="•"/>
-              <a:defRPr sz="1350" kern="1200">
-                <a:solidFill>
-                  <a:schemeClr val="tx1"/>
-                </a:solidFill>
-                <a:latin typeface="+mn-lt"/>
-                <a:ea typeface="+mn-ea"/>
-                <a:cs typeface="+mn-cs"/>
-              </a:defRPr>
-            </a:lvl7pPr>
-            <a:lvl8pPr marL="2571750" indent="-171450" algn="l" defTabSz="685800" rtl="0" eaLnBrk="1" latinLnBrk="0" hangingPunct="1">
-              <a:lnSpc>
-                <a:spcPct val="90000"/>
-              </a:lnSpc>
-              <a:spcBef>
-                <a:spcPts val="375"/>
-              </a:spcBef>
-              <a:buFont typeface="Arial" panose="020B0604020202020204" pitchFamily="34" charset="0"/>
-              <a:buChar char="•"/>
-              <a:defRPr sz="1350" kern="1200">
-                <a:solidFill>
-                  <a:schemeClr val="tx1"/>
-                </a:solidFill>
-                <a:latin typeface="+mn-lt"/>
-                <a:ea typeface="+mn-ea"/>
-                <a:cs typeface="+mn-cs"/>
-              </a:defRPr>
-            </a:lvl8pPr>
-            <a:lvl9pPr marL="2914650" indent="-171450" algn="l" defTabSz="685800" rtl="0" eaLnBrk="1" latinLnBrk="0" hangingPunct="1">
-              <a:lnSpc>
-                <a:spcPct val="90000"/>
-              </a:lnSpc>
-              <a:spcBef>
-                <a:spcPts val="375"/>
-              </a:spcBef>
-              <a:buFont typeface="Arial" panose="020B0604020202020204" pitchFamily="34" charset="0"/>
-              <a:buChar char="•"/>
-              <a:defRPr sz="1350" kern="1200">
-                <a:solidFill>
-                  <a:schemeClr val="tx1"/>
-                </a:solidFill>
-                <a:latin typeface="+mn-lt"/>
-                <a:ea typeface="+mn-ea"/>
-                <a:cs typeface="+mn-cs"/>
-              </a:defRPr>
-            </a:lvl9pPr>
-          </a:lstStyle>
-          <a:p>
-            <a:pPr lvl="2">
-              <a:lnSpc>
-                <a:spcPct val="200000"/>
-              </a:lnSpc>
-              <a:buFont typeface="Wingdings" panose="05000000000000000000" pitchFamily="2" charset="2"/>
-              <a:buChar char="§"/>
-            </a:pPr>
-            <a:r>
-              <a:rPr lang="fr-FR" sz="1900" dirty="0">
-                <a:solidFill>
-                  <a:srgbClr val="004492"/>
-                </a:solidFill>
-                <a:latin typeface="Eurostile" panose="020B0504020202050204" pitchFamily="34" charset="0"/>
-              </a:rPr>
-              <a:t>Lu par le service</a:t>
-            </a:r>
-          </a:p>
-          <a:p>
-            <a:pPr lvl="2">
-              <a:lnSpc>
-                <a:spcPct val="200000"/>
-              </a:lnSpc>
-              <a:buFont typeface="Wingdings" panose="05000000000000000000" pitchFamily="2" charset="2"/>
-              <a:buChar char="§"/>
-            </a:pPr>
-            <a:r>
-              <a:rPr lang="fr-FR" sz="1900" dirty="0">
-                <a:solidFill>
-                  <a:srgbClr val="004492"/>
-                </a:solidFill>
-                <a:latin typeface="Eurostile" panose="020B0504020202050204" pitchFamily="34" charset="0"/>
-              </a:rPr>
-              <a:t>Contient le paramétrage des connexions établies par le service</a:t>
-            </a:r>
-          </a:p>
-          <a:p>
-            <a:pPr lvl="2">
-              <a:lnSpc>
-                <a:spcPct val="200000"/>
-              </a:lnSpc>
-              <a:buFont typeface="Wingdings" panose="05000000000000000000" pitchFamily="2" charset="2"/>
-              <a:buChar char="§"/>
-            </a:pPr>
-            <a:r>
-              <a:rPr lang="fr-FR" sz="1900" dirty="0">
-                <a:solidFill>
-                  <a:srgbClr val="004492"/>
-                </a:solidFill>
-                <a:latin typeface="Eurostile" panose="020B0504020202050204" pitchFamily="34" charset="0"/>
-              </a:rPr>
-              <a:t>Evite la recompilation en cas de modification de paramétrage</a:t>
-            </a:r>
-          </a:p>
-        </p:txBody>
-      </p:sp>
-      <p:sp>
-        <p:nvSpPr>
-          <p:cNvPr id="3" name="Espace réservé du numéro de diapositive 2"/>
+          <p:cNvPr id="11" name="Espace réservé du numéro de diapositive 1"/>
           <p:cNvSpPr>
             <a:spLocks noGrp="1"/>
           </p:cNvSpPr>
@@ -15492,23 +15970,38 @@
             <p:ph type="sldNum" sz="quarter" idx="12"/>
           </p:nvPr>
         </p:nvSpPr>
-        <p:spPr/>
+        <p:spPr>
+          <a:xfrm>
+            <a:off x="6603423" y="6255991"/>
+            <a:ext cx="2057400" cy="365125"/>
+          </a:xfrm>
+        </p:spPr>
         <p:txBody>
           <a:bodyPr/>
           <a:lstStyle/>
           <a:p>
+            <a:r>
+              <a:rPr lang="fr-FR" sz="1800" dirty="0">
+                <a:latin typeface="Eurostile-Roman" pitchFamily="2" charset="0"/>
+              </a:rPr>
+              <a:t>Diapositive </a:t>
+            </a:r>
             <a:fld id="{0A0AF257-D28F-495E-9E53-3BED59B8AA35}" type="slidenum">
-              <a:rPr lang="fr-FR" smtClean="0"/>
+              <a:rPr lang="fr-FR" sz="1800" smtClean="0">
+                <a:latin typeface="Eurostile-Roman" pitchFamily="2" charset="0"/>
+              </a:rPr>
               <a:t>32</a:t>
             </a:fld>
-            <a:endParaRPr lang="fr-FR"/>
+            <a:endParaRPr lang="fr-FR" sz="1800" dirty="0">
+              <a:latin typeface="Eurostile-Roman" pitchFamily="2" charset="0"/>
+            </a:endParaRPr>
           </a:p>
         </p:txBody>
       </p:sp>
     </p:spTree>
     <p:extLst>
       <p:ext uri="{BB962C8B-B14F-4D97-AF65-F5344CB8AC3E}">
-        <p14:creationId xmlns:p14="http://schemas.microsoft.com/office/powerpoint/2010/main" val="2700489972"/>
+        <p14:creationId xmlns:p14="http://schemas.microsoft.com/office/powerpoint/2010/main" val="1169071118"/>
       </p:ext>
     </p:extLst>
   </p:cSld>
@@ -15519,546 +16012,6 @@
 </file>
 
 <file path=ppt/slides/slide33.xml><?xml version="1.0" encoding="utf-8"?>
-<p:sld xmlns:a="http://schemas.openxmlformats.org/drawingml/2006/main" xmlns:r="http://schemas.openxmlformats.org/officeDocument/2006/relationships" xmlns:p="http://schemas.openxmlformats.org/presentationml/2006/main">
-  <p:cSld>
-    <p:spTree>
-      <p:nvGrpSpPr>
-        <p:cNvPr id="1" name=""/>
-        <p:cNvGrpSpPr/>
-        <p:nvPr/>
-      </p:nvGrpSpPr>
-      <p:grpSpPr>
-        <a:xfrm>
-          <a:off x="0" y="0"/>
-          <a:ext cx="0" cy="0"/>
-          <a:chOff x="0" y="0"/>
-          <a:chExt cx="0" cy="0"/>
-        </a:xfrm>
-      </p:grpSpPr>
-      <p:sp>
-        <p:nvSpPr>
-          <p:cNvPr id="2" name="Titre 1"/>
-          <p:cNvSpPr>
-            <a:spLocks noGrp="1"/>
-          </p:cNvSpPr>
-          <p:nvPr>
-            <p:ph type="title"/>
-          </p:nvPr>
-        </p:nvSpPr>
-        <p:spPr>
-          <a:xfrm>
-            <a:off x="245917" y="0"/>
-            <a:ext cx="6347713" cy="1320800"/>
-          </a:xfrm>
-        </p:spPr>
-        <p:txBody>
-          <a:bodyPr>
-            <a:normAutofit/>
-          </a:bodyPr>
-          <a:lstStyle/>
-          <a:p>
-            <a:r>
-              <a:rPr lang="fr-FR" sz="3500" dirty="0">
-                <a:solidFill>
-                  <a:schemeClr val="bg1"/>
-                </a:solidFill>
-                <a:latin typeface="Eurostile" panose="020B0504020202050204" pitchFamily="34" charset="0"/>
-              </a:rPr>
-              <a:t>Développement </a:t>
-            </a:r>
-            <a:br>
-              <a:rPr lang="fr-FR" sz="3500" dirty="0">
-                <a:solidFill>
-                  <a:schemeClr val="bg1"/>
-                </a:solidFill>
-                <a:latin typeface="Eurostile" panose="020B0504020202050204" pitchFamily="34" charset="0"/>
-              </a:rPr>
-            </a:br>
-            <a:r>
-              <a:rPr lang="fr-FR" sz="3500" dirty="0">
-                <a:solidFill>
-                  <a:schemeClr val="bg1"/>
-                </a:solidFill>
-                <a:latin typeface="Eurostile" panose="020B0504020202050204" pitchFamily="34" charset="0"/>
-              </a:rPr>
-              <a:t>de la solution</a:t>
-            </a:r>
-          </a:p>
-        </p:txBody>
-      </p:sp>
-      <p:sp>
-        <p:nvSpPr>
-          <p:cNvPr id="4" name="Espace réservé du contenu 30"/>
-          <p:cNvSpPr>
-            <a:spLocks noGrp="1"/>
-          </p:cNvSpPr>
-          <p:nvPr>
-            <p:ph idx="1"/>
-          </p:nvPr>
-        </p:nvSpPr>
-        <p:spPr>
-          <a:xfrm>
-            <a:off x="1085851" y="1852150"/>
-            <a:ext cx="7886700" cy="1053962"/>
-          </a:xfrm>
-        </p:spPr>
-        <p:txBody>
-          <a:bodyPr>
-            <a:normAutofit/>
-          </a:bodyPr>
-          <a:lstStyle/>
-          <a:p>
-            <a:pPr>
-              <a:lnSpc>
-                <a:spcPct val="150000"/>
-              </a:lnSpc>
-            </a:pPr>
-            <a:r>
-              <a:rPr lang="fr-FR" sz="2200" dirty="0">
-                <a:solidFill>
-                  <a:srgbClr val="004492"/>
-                </a:solidFill>
-                <a:latin typeface="Eurostile" panose="020B0504020202050204" pitchFamily="34" charset="0"/>
-              </a:rPr>
-              <a:t>2</a:t>
-            </a:r>
-            <a:r>
-              <a:rPr lang="fr-FR" sz="2200" baseline="30000" dirty="0">
-                <a:solidFill>
-                  <a:srgbClr val="004492"/>
-                </a:solidFill>
-                <a:latin typeface="Eurostile" panose="020B0504020202050204" pitchFamily="34" charset="0"/>
-              </a:rPr>
-              <a:t>ème</a:t>
-            </a:r>
-            <a:r>
-              <a:rPr lang="fr-FR" sz="2200" dirty="0">
-                <a:solidFill>
-                  <a:srgbClr val="004492"/>
-                </a:solidFill>
-                <a:latin typeface="Eurostile" panose="020B0504020202050204" pitchFamily="34" charset="0"/>
-              </a:rPr>
-              <a:t> travail : Communication avec Dynamics </a:t>
-            </a:r>
-            <a:r>
-              <a:rPr lang="fr-FR" sz="2200" dirty="0" err="1">
-                <a:solidFill>
-                  <a:srgbClr val="004492"/>
-                </a:solidFill>
-                <a:latin typeface="Eurostile" panose="020B0504020202050204" pitchFamily="34" charset="0"/>
-              </a:rPr>
-              <a:t>Nav</a:t>
-            </a:r>
-            <a:r>
-              <a:rPr lang="fr-FR" sz="2200" dirty="0">
-                <a:solidFill>
-                  <a:srgbClr val="004492"/>
-                </a:solidFill>
-                <a:latin typeface="Eurostile" panose="020B0504020202050204" pitchFamily="34" charset="0"/>
-              </a:rPr>
-              <a:t> :</a:t>
-            </a:r>
-          </a:p>
-        </p:txBody>
-      </p:sp>
-      <p:sp>
-        <p:nvSpPr>
-          <p:cNvPr id="9" name="Espace réservé du contenu 30"/>
-          <p:cNvSpPr txBox="1">
-            <a:spLocks/>
-          </p:cNvSpPr>
-          <p:nvPr/>
-        </p:nvSpPr>
-        <p:spPr>
-          <a:xfrm>
-            <a:off x="1404505" y="2379131"/>
-            <a:ext cx="6729846" cy="3826469"/>
-          </a:xfrm>
-          <a:prstGeom prst="rect">
-            <a:avLst/>
-          </a:prstGeom>
-        </p:spPr>
-        <p:txBody>
-          <a:bodyPr vert="horz" lIns="91440" tIns="45720" rIns="91440" bIns="45720" rtlCol="0">
-            <a:normAutofit/>
-          </a:bodyPr>
-          <a:lstStyle>
-            <a:lvl1pPr marL="171450" indent="-171450" algn="l" defTabSz="685800" rtl="0" eaLnBrk="1" latinLnBrk="0" hangingPunct="1">
-              <a:lnSpc>
-                <a:spcPct val="90000"/>
-              </a:lnSpc>
-              <a:spcBef>
-                <a:spcPts val="750"/>
-              </a:spcBef>
-              <a:buFont typeface="Arial" panose="020B0604020202020204" pitchFamily="34" charset="0"/>
-              <a:buChar char="•"/>
-              <a:defRPr sz="2100" kern="1200">
-                <a:solidFill>
-                  <a:schemeClr val="tx1"/>
-                </a:solidFill>
-                <a:latin typeface="+mn-lt"/>
-                <a:ea typeface="+mn-ea"/>
-                <a:cs typeface="+mn-cs"/>
-              </a:defRPr>
-            </a:lvl1pPr>
-            <a:lvl2pPr marL="514350" indent="-171450" algn="l" defTabSz="685800" rtl="0" eaLnBrk="1" latinLnBrk="0" hangingPunct="1">
-              <a:lnSpc>
-                <a:spcPct val="90000"/>
-              </a:lnSpc>
-              <a:spcBef>
-                <a:spcPts val="375"/>
-              </a:spcBef>
-              <a:buFont typeface="Arial" panose="020B0604020202020204" pitchFamily="34" charset="0"/>
-              <a:buChar char="•"/>
-              <a:defRPr sz="1800" kern="1200">
-                <a:solidFill>
-                  <a:schemeClr val="tx1"/>
-                </a:solidFill>
-                <a:latin typeface="+mn-lt"/>
-                <a:ea typeface="+mn-ea"/>
-                <a:cs typeface="+mn-cs"/>
-              </a:defRPr>
-            </a:lvl2pPr>
-            <a:lvl3pPr marL="857250" indent="-171450" algn="l" defTabSz="685800" rtl="0" eaLnBrk="1" latinLnBrk="0" hangingPunct="1">
-              <a:lnSpc>
-                <a:spcPct val="90000"/>
-              </a:lnSpc>
-              <a:spcBef>
-                <a:spcPts val="375"/>
-              </a:spcBef>
-              <a:buFont typeface="Arial" panose="020B0604020202020204" pitchFamily="34" charset="0"/>
-              <a:buChar char="•"/>
-              <a:defRPr sz="1500" kern="1200">
-                <a:solidFill>
-                  <a:schemeClr val="tx1"/>
-                </a:solidFill>
-                <a:latin typeface="+mn-lt"/>
-                <a:ea typeface="+mn-ea"/>
-                <a:cs typeface="+mn-cs"/>
-              </a:defRPr>
-            </a:lvl3pPr>
-            <a:lvl4pPr marL="1200150" indent="-171450" algn="l" defTabSz="685800" rtl="0" eaLnBrk="1" latinLnBrk="0" hangingPunct="1">
-              <a:lnSpc>
-                <a:spcPct val="90000"/>
-              </a:lnSpc>
-              <a:spcBef>
-                <a:spcPts val="375"/>
-              </a:spcBef>
-              <a:buFont typeface="Arial" panose="020B0604020202020204" pitchFamily="34" charset="0"/>
-              <a:buChar char="•"/>
-              <a:defRPr sz="1350" kern="1200">
-                <a:solidFill>
-                  <a:schemeClr val="tx1"/>
-                </a:solidFill>
-                <a:latin typeface="+mn-lt"/>
-                <a:ea typeface="+mn-ea"/>
-                <a:cs typeface="+mn-cs"/>
-              </a:defRPr>
-            </a:lvl4pPr>
-            <a:lvl5pPr marL="1543050" indent="-171450" algn="l" defTabSz="685800" rtl="0" eaLnBrk="1" latinLnBrk="0" hangingPunct="1">
-              <a:lnSpc>
-                <a:spcPct val="90000"/>
-              </a:lnSpc>
-              <a:spcBef>
-                <a:spcPts val="375"/>
-              </a:spcBef>
-              <a:buFont typeface="Arial" panose="020B0604020202020204" pitchFamily="34" charset="0"/>
-              <a:buChar char="•"/>
-              <a:defRPr sz="1350" kern="1200">
-                <a:solidFill>
-                  <a:schemeClr val="tx1"/>
-                </a:solidFill>
-                <a:latin typeface="+mn-lt"/>
-                <a:ea typeface="+mn-ea"/>
-                <a:cs typeface="+mn-cs"/>
-              </a:defRPr>
-            </a:lvl5pPr>
-            <a:lvl6pPr marL="1885950" indent="-171450" algn="l" defTabSz="685800" rtl="0" eaLnBrk="1" latinLnBrk="0" hangingPunct="1">
-              <a:lnSpc>
-                <a:spcPct val="90000"/>
-              </a:lnSpc>
-              <a:spcBef>
-                <a:spcPts val="375"/>
-              </a:spcBef>
-              <a:buFont typeface="Arial" panose="020B0604020202020204" pitchFamily="34" charset="0"/>
-              <a:buChar char="•"/>
-              <a:defRPr sz="1350" kern="1200">
-                <a:solidFill>
-                  <a:schemeClr val="tx1"/>
-                </a:solidFill>
-                <a:latin typeface="+mn-lt"/>
-                <a:ea typeface="+mn-ea"/>
-                <a:cs typeface="+mn-cs"/>
-              </a:defRPr>
-            </a:lvl6pPr>
-            <a:lvl7pPr marL="2228850" indent="-171450" algn="l" defTabSz="685800" rtl="0" eaLnBrk="1" latinLnBrk="0" hangingPunct="1">
-              <a:lnSpc>
-                <a:spcPct val="90000"/>
-              </a:lnSpc>
-              <a:spcBef>
-                <a:spcPts val="375"/>
-              </a:spcBef>
-              <a:buFont typeface="Arial" panose="020B0604020202020204" pitchFamily="34" charset="0"/>
-              <a:buChar char="•"/>
-              <a:defRPr sz="1350" kern="1200">
-                <a:solidFill>
-                  <a:schemeClr val="tx1"/>
-                </a:solidFill>
-                <a:latin typeface="+mn-lt"/>
-                <a:ea typeface="+mn-ea"/>
-                <a:cs typeface="+mn-cs"/>
-              </a:defRPr>
-            </a:lvl7pPr>
-            <a:lvl8pPr marL="2571750" indent="-171450" algn="l" defTabSz="685800" rtl="0" eaLnBrk="1" latinLnBrk="0" hangingPunct="1">
-              <a:lnSpc>
-                <a:spcPct val="90000"/>
-              </a:lnSpc>
-              <a:spcBef>
-                <a:spcPts val="375"/>
-              </a:spcBef>
-              <a:buFont typeface="Arial" panose="020B0604020202020204" pitchFamily="34" charset="0"/>
-              <a:buChar char="•"/>
-              <a:defRPr sz="1350" kern="1200">
-                <a:solidFill>
-                  <a:schemeClr val="tx1"/>
-                </a:solidFill>
-                <a:latin typeface="+mn-lt"/>
-                <a:ea typeface="+mn-ea"/>
-                <a:cs typeface="+mn-cs"/>
-              </a:defRPr>
-            </a:lvl8pPr>
-            <a:lvl9pPr marL="2914650" indent="-171450" algn="l" defTabSz="685800" rtl="0" eaLnBrk="1" latinLnBrk="0" hangingPunct="1">
-              <a:lnSpc>
-                <a:spcPct val="90000"/>
-              </a:lnSpc>
-              <a:spcBef>
-                <a:spcPts val="375"/>
-              </a:spcBef>
-              <a:buFont typeface="Arial" panose="020B0604020202020204" pitchFamily="34" charset="0"/>
-              <a:buChar char="•"/>
-              <a:defRPr sz="1350" kern="1200">
-                <a:solidFill>
-                  <a:schemeClr val="tx1"/>
-                </a:solidFill>
-                <a:latin typeface="+mn-lt"/>
-                <a:ea typeface="+mn-ea"/>
-                <a:cs typeface="+mn-cs"/>
-              </a:defRPr>
-            </a:lvl9pPr>
-          </a:lstStyle>
-          <a:p>
-            <a:pPr lvl="1">
-              <a:lnSpc>
-                <a:spcPct val="250000"/>
-              </a:lnSpc>
-              <a:buFont typeface="Wingdings" panose="05000000000000000000" pitchFamily="2" charset="2"/>
-              <a:buChar char="§"/>
-            </a:pPr>
-            <a:r>
-              <a:rPr lang="fr-FR" sz="2100" dirty="0">
-                <a:solidFill>
-                  <a:srgbClr val="004492"/>
-                </a:solidFill>
-                <a:latin typeface="Eurostile" panose="020B0504020202050204" pitchFamily="34" charset="0"/>
-              </a:rPr>
-              <a:t>Par le biais d’un </a:t>
-            </a:r>
-            <a:r>
-              <a:rPr lang="fr-FR" sz="2100" b="1" dirty="0" err="1">
-                <a:solidFill>
-                  <a:srgbClr val="FF0000"/>
-                </a:solidFill>
-                <a:latin typeface="Eurostile" panose="020B0504020202050204" pitchFamily="34" charset="0"/>
-              </a:rPr>
-              <a:t>WebService</a:t>
-            </a:r>
-            <a:r>
-              <a:rPr lang="fr-FR" sz="2100" b="1" dirty="0">
-                <a:solidFill>
-                  <a:srgbClr val="FF0000"/>
-                </a:solidFill>
-                <a:latin typeface="Eurostile" panose="020B0504020202050204" pitchFamily="34" charset="0"/>
-              </a:rPr>
-              <a:t> SOAP</a:t>
-            </a:r>
-          </a:p>
-          <a:p>
-            <a:pPr lvl="2">
-              <a:lnSpc>
-                <a:spcPct val="250000"/>
-              </a:lnSpc>
-              <a:buFont typeface="Wingdings" panose="05000000000000000000" pitchFamily="2" charset="2"/>
-              <a:buChar char="à"/>
-            </a:pPr>
-            <a:r>
-              <a:rPr lang="fr-FR" sz="1900" dirty="0">
-                <a:solidFill>
-                  <a:srgbClr val="004492"/>
-                </a:solidFill>
-                <a:latin typeface="Eurostile" panose="020B0504020202050204" pitchFamily="34" charset="0"/>
-                <a:sym typeface="Wingdings" panose="05000000000000000000" pitchFamily="2" charset="2"/>
-              </a:rPr>
-              <a:t>Distribué par Dynamics </a:t>
-            </a:r>
-            <a:r>
-              <a:rPr lang="fr-FR" sz="1900" dirty="0" err="1">
-                <a:solidFill>
-                  <a:srgbClr val="004492"/>
-                </a:solidFill>
-                <a:latin typeface="Eurostile" panose="020B0504020202050204" pitchFamily="34" charset="0"/>
-                <a:sym typeface="Wingdings" panose="05000000000000000000" pitchFamily="2" charset="2"/>
-              </a:rPr>
-              <a:t>Nav</a:t>
-            </a:r>
-            <a:r>
-              <a:rPr lang="fr-FR" sz="1900" dirty="0">
-                <a:solidFill>
-                  <a:srgbClr val="004492"/>
-                </a:solidFill>
-                <a:latin typeface="Eurostile" panose="020B0504020202050204" pitchFamily="34" charset="0"/>
-                <a:sym typeface="Wingdings" panose="05000000000000000000" pitchFamily="2" charset="2"/>
-              </a:rPr>
-              <a:t> via un </a:t>
-            </a:r>
-            <a:r>
-              <a:rPr lang="fr-FR" sz="1900" b="1" dirty="0" err="1">
-                <a:solidFill>
-                  <a:srgbClr val="FF0000"/>
-                </a:solidFill>
-                <a:latin typeface="Eurostile" panose="020B0504020202050204" pitchFamily="34" charset="0"/>
-                <a:sym typeface="Wingdings" panose="05000000000000000000" pitchFamily="2" charset="2"/>
-              </a:rPr>
-              <a:t>codeunit</a:t>
-            </a:r>
-            <a:r>
-              <a:rPr lang="fr-FR" sz="1900" b="1" dirty="0">
-                <a:solidFill>
-                  <a:srgbClr val="FF0000"/>
-                </a:solidFill>
-                <a:latin typeface="Eurostile" panose="020B0504020202050204" pitchFamily="34" charset="0"/>
-                <a:sym typeface="Wingdings" panose="05000000000000000000" pitchFamily="2" charset="2"/>
-              </a:rPr>
-              <a:t> </a:t>
-            </a:r>
-            <a:endParaRPr lang="fr-FR" sz="1900" dirty="0">
-              <a:solidFill>
-                <a:srgbClr val="004492"/>
-              </a:solidFill>
-              <a:latin typeface="Eurostile" panose="020B0504020202050204" pitchFamily="34" charset="0"/>
-              <a:sym typeface="Wingdings" panose="05000000000000000000" pitchFamily="2" charset="2"/>
-            </a:endParaRPr>
-          </a:p>
-          <a:p>
-            <a:pPr marL="800100" lvl="1" indent="-457200">
-              <a:lnSpc>
-                <a:spcPct val="250000"/>
-              </a:lnSpc>
-              <a:buAutoNum type="arabicPeriod"/>
-            </a:pPr>
-            <a:endParaRPr lang="fr-FR" dirty="0">
-              <a:solidFill>
-                <a:srgbClr val="004492"/>
-              </a:solidFill>
-              <a:latin typeface="Eurostile" panose="020B0504020202050204" pitchFamily="34" charset="0"/>
-            </a:endParaRPr>
-          </a:p>
-          <a:p>
-            <a:pPr marL="342900" lvl="1" indent="0">
-              <a:lnSpc>
-                <a:spcPct val="250000"/>
-              </a:lnSpc>
-              <a:buNone/>
-            </a:pPr>
-            <a:endParaRPr lang="fr-FR" dirty="0">
-              <a:solidFill>
-                <a:srgbClr val="004492"/>
-              </a:solidFill>
-              <a:latin typeface="Eurostile" panose="020B0504020202050204" pitchFamily="34" charset="0"/>
-            </a:endParaRPr>
-          </a:p>
-          <a:p>
-            <a:pPr marL="342900" lvl="1" indent="0">
-              <a:lnSpc>
-                <a:spcPct val="250000"/>
-              </a:lnSpc>
-              <a:buNone/>
-            </a:pPr>
-            <a:endParaRPr lang="fr-FR" dirty="0">
-              <a:solidFill>
-                <a:srgbClr val="004492"/>
-              </a:solidFill>
-              <a:latin typeface="Eurostile" panose="020B0504020202050204" pitchFamily="34" charset="0"/>
-            </a:endParaRPr>
-          </a:p>
-        </p:txBody>
-      </p:sp>
-      <p:pic>
-        <p:nvPicPr>
-          <p:cNvPr id="3" name="Image 2"/>
-          <p:cNvPicPr>
-            <a:picLocks noChangeAspect="1"/>
-          </p:cNvPicPr>
-          <p:nvPr/>
-        </p:nvPicPr>
-        <p:blipFill>
-          <a:blip r:embed="rId2" cstate="print">
-            <a:extLst>
-              <a:ext uri="{28A0092B-C50C-407E-A947-70E740481C1C}">
-                <a14:useLocalDpi xmlns:a14="http://schemas.microsoft.com/office/drawing/2010/main" val="0"/>
-              </a:ext>
-            </a:extLst>
-          </a:blip>
-          <a:stretch>
-            <a:fillRect/>
-          </a:stretch>
-        </p:blipFill>
-        <p:spPr>
-          <a:xfrm>
-            <a:off x="914400" y="4377125"/>
-            <a:ext cx="6972300" cy="2256319"/>
-          </a:xfrm>
-          <a:prstGeom prst="rect">
-            <a:avLst/>
-          </a:prstGeom>
-        </p:spPr>
-      </p:pic>
-      <p:sp>
-        <p:nvSpPr>
-          <p:cNvPr id="5" name="Espace réservé du numéro de diapositive 4"/>
-          <p:cNvSpPr>
-            <a:spLocks noGrp="1"/>
-          </p:cNvSpPr>
-          <p:nvPr>
-            <p:ph type="sldNum" sz="quarter" idx="12"/>
-          </p:nvPr>
-        </p:nvSpPr>
-        <p:spPr/>
-        <p:txBody>
-          <a:bodyPr/>
-          <a:lstStyle/>
-          <a:p>
-            <a:fld id="{0A0AF257-D28F-495E-9E53-3BED59B8AA35}" type="slidenum">
-              <a:rPr lang="fr-FR" smtClean="0"/>
-              <a:t>33</a:t>
-            </a:fld>
-            <a:endParaRPr lang="fr-FR"/>
-          </a:p>
-        </p:txBody>
-      </p:sp>
-    </p:spTree>
-    <p:extLst>
-      <p:ext uri="{BB962C8B-B14F-4D97-AF65-F5344CB8AC3E}">
-        <p14:creationId xmlns:p14="http://schemas.microsoft.com/office/powerpoint/2010/main" val="1150671077"/>
-      </p:ext>
-    </p:extLst>
-  </p:cSld>
-  <p:clrMapOvr>
-    <a:masterClrMapping/>
-  </p:clrMapOvr>
-</p:sld>
-</file>
-
-<file path=ppt/slides/slide34.xml><?xml version="1.0" encoding="utf-8"?>
 <p:sld xmlns:a="http://schemas.openxmlformats.org/drawingml/2006/main" xmlns:r="http://schemas.openxmlformats.org/officeDocument/2006/relationships" xmlns:p="http://schemas.openxmlformats.org/presentationml/2006/main">
   <p:cSld>
     <p:spTree>
@@ -16644,7 +16597,7 @@
           <a:p>
             <a:fld id="{0A0AF257-D28F-495E-9E53-3BED59B8AA35}" type="slidenum">
               <a:rPr lang="fr-FR" smtClean="0"/>
-              <a:t>34</a:t>
+              <a:t>33</a:t>
             </a:fld>
             <a:endParaRPr lang="fr-FR"/>
           </a:p>
@@ -16663,7 +16616,7 @@
 </p:sld>
 </file>
 
-<file path=ppt/slides/slide35.xml><?xml version="1.0" encoding="utf-8"?>
+<file path=ppt/slides/slide34.xml><?xml version="1.0" encoding="utf-8"?>
 <p:sld xmlns:a="http://schemas.openxmlformats.org/drawingml/2006/main" xmlns:r="http://schemas.openxmlformats.org/officeDocument/2006/relationships" xmlns:p="http://schemas.openxmlformats.org/presentationml/2006/main">
   <p:cSld>
     <p:spTree>
@@ -17933,7 +17886,7 @@
           <a:p>
             <a:fld id="{0A0AF257-D28F-495E-9E53-3BED59B8AA35}" type="slidenum">
               <a:rPr lang="fr-FR" smtClean="0"/>
-              <a:t>35</a:t>
+              <a:t>34</a:t>
             </a:fld>
             <a:endParaRPr lang="fr-FR"/>
           </a:p>
@@ -17952,7 +17905,7 @@
 </p:sld>
 </file>
 
-<file path=ppt/slides/slide36.xml><?xml version="1.0" encoding="utf-8"?>
+<file path=ppt/slides/slide35.xml><?xml version="1.0" encoding="utf-8"?>
 <p:sld xmlns:a="http://schemas.openxmlformats.org/drawingml/2006/main" xmlns:r="http://schemas.openxmlformats.org/officeDocument/2006/relationships" xmlns:p="http://schemas.openxmlformats.org/presentationml/2006/main">
   <p:cSld>
     <p:spTree>
@@ -18409,7 +18362,7 @@
           <a:p>
             <a:fld id="{0A0AF257-D28F-495E-9E53-3BED59B8AA35}" type="slidenum">
               <a:rPr lang="fr-FR" smtClean="0"/>
-              <a:t>36</a:t>
+              <a:t>35</a:t>
             </a:fld>
             <a:endParaRPr lang="fr-FR"/>
           </a:p>
@@ -18428,7 +18381,7 @@
 </p:sld>
 </file>
 
-<file path=ppt/slides/slide37.xml><?xml version="1.0" encoding="utf-8"?>
+<file path=ppt/slides/slide36.xml><?xml version="1.0" encoding="utf-8"?>
 <p:sld xmlns:a="http://schemas.openxmlformats.org/drawingml/2006/main" xmlns:r="http://schemas.openxmlformats.org/officeDocument/2006/relationships" xmlns:p="http://schemas.openxmlformats.org/presentationml/2006/main">
   <p:cSld>
     <p:spTree>
@@ -19008,7 +18961,7 @@
           <a:p>
             <a:fld id="{0A0AF257-D28F-495E-9E53-3BED59B8AA35}" type="slidenum">
               <a:rPr lang="fr-FR" smtClean="0"/>
-              <a:t>37</a:t>
+              <a:t>36</a:t>
             </a:fld>
             <a:endParaRPr lang="fr-FR"/>
           </a:p>
@@ -19027,7 +18980,7 @@
 </p:sld>
 </file>
 
-<file path=ppt/slides/slide38.xml><?xml version="1.0" encoding="utf-8"?>
+<file path=ppt/slides/slide37.xml><?xml version="1.0" encoding="utf-8"?>
 <p:sld xmlns:a="http://schemas.openxmlformats.org/drawingml/2006/main" xmlns:r="http://schemas.openxmlformats.org/officeDocument/2006/relationships" xmlns:p="http://schemas.openxmlformats.org/presentationml/2006/main">
   <p:cSld>
     <p:spTree>
@@ -19485,7 +19438,7 @@
           <a:p>
             <a:fld id="{0A0AF257-D28F-495E-9E53-3BED59B8AA35}" type="slidenum">
               <a:rPr lang="fr-FR" smtClean="0"/>
-              <a:t>38</a:t>
+              <a:t>37</a:t>
             </a:fld>
             <a:endParaRPr lang="fr-FR"/>
           </a:p>
@@ -19504,7 +19457,7 @@
 </p:sld>
 </file>
 
-<file path=ppt/slides/slide39.xml><?xml version="1.0" encoding="utf-8"?>
+<file path=ppt/slides/slide38.xml><?xml version="1.0" encoding="utf-8"?>
 <p:sld xmlns:a="http://schemas.openxmlformats.org/drawingml/2006/main" xmlns:r="http://schemas.openxmlformats.org/officeDocument/2006/relationships" xmlns:p="http://schemas.openxmlformats.org/presentationml/2006/main">
   <p:cSld>
     <p:spTree>
@@ -20360,7 +20313,7 @@
           <a:p>
             <a:fld id="{0A0AF257-D28F-495E-9E53-3BED59B8AA35}" type="slidenum">
               <a:rPr lang="fr-FR" smtClean="0"/>
-              <a:t>39</a:t>
+              <a:t>38</a:t>
             </a:fld>
             <a:endParaRPr lang="fr-FR"/>
           </a:p>
@@ -20379,387 +20332,7 @@
 </p:sld>
 </file>
 
-<file path=ppt/slides/slide4.xml><?xml version="1.0" encoding="utf-8"?>
-<p:sld xmlns:a="http://schemas.openxmlformats.org/drawingml/2006/main" xmlns:r="http://schemas.openxmlformats.org/officeDocument/2006/relationships" xmlns:p="http://schemas.openxmlformats.org/presentationml/2006/main">
-  <p:cSld>
-    <p:spTree>
-      <p:nvGrpSpPr>
-        <p:cNvPr id="1" name=""/>
-        <p:cNvGrpSpPr/>
-        <p:nvPr/>
-      </p:nvGrpSpPr>
-      <p:grpSpPr>
-        <a:xfrm>
-          <a:off x="0" y="0"/>
-          <a:ext cx="0" cy="0"/>
-          <a:chOff x="0" y="0"/>
-          <a:chExt cx="0" cy="0"/>
-        </a:xfrm>
-      </p:grpSpPr>
-      <p:sp>
-        <p:nvSpPr>
-          <p:cNvPr id="5" name="Espace réservé du contenu 2"/>
-          <p:cNvSpPr txBox="1">
-            <a:spLocks/>
-          </p:cNvSpPr>
-          <p:nvPr/>
-        </p:nvSpPr>
-        <p:spPr>
-          <a:xfrm>
-            <a:off x="1018309" y="1924771"/>
-            <a:ext cx="7886700" cy="4351338"/>
-          </a:xfrm>
-          <a:prstGeom prst="rect">
-            <a:avLst/>
-          </a:prstGeom>
-        </p:spPr>
-        <p:txBody>
-          <a:bodyPr vert="horz" lIns="91440" tIns="45720" rIns="91440" bIns="45720" rtlCol="0">
-            <a:noAutofit/>
-          </a:bodyPr>
-          <a:lstStyle>
-            <a:lvl1pPr marL="171450" indent="-171450" algn="l" defTabSz="685800" rtl="0" eaLnBrk="1" latinLnBrk="0" hangingPunct="1">
-              <a:lnSpc>
-                <a:spcPct val="90000"/>
-              </a:lnSpc>
-              <a:spcBef>
-                <a:spcPts val="750"/>
-              </a:spcBef>
-              <a:buFont typeface="Arial" panose="020B0604020202020204" pitchFamily="34" charset="0"/>
-              <a:buChar char="•"/>
-              <a:defRPr sz="2100" kern="1200">
-                <a:solidFill>
-                  <a:schemeClr val="tx1"/>
-                </a:solidFill>
-                <a:latin typeface="+mn-lt"/>
-                <a:ea typeface="+mn-ea"/>
-                <a:cs typeface="+mn-cs"/>
-              </a:defRPr>
-            </a:lvl1pPr>
-            <a:lvl2pPr marL="514350" indent="-171450" algn="l" defTabSz="685800" rtl="0" eaLnBrk="1" latinLnBrk="0" hangingPunct="1">
-              <a:lnSpc>
-                <a:spcPct val="90000"/>
-              </a:lnSpc>
-              <a:spcBef>
-                <a:spcPts val="375"/>
-              </a:spcBef>
-              <a:buFont typeface="Arial" panose="020B0604020202020204" pitchFamily="34" charset="0"/>
-              <a:buChar char="•"/>
-              <a:defRPr sz="1800" kern="1200">
-                <a:solidFill>
-                  <a:schemeClr val="tx1"/>
-                </a:solidFill>
-                <a:latin typeface="+mn-lt"/>
-                <a:ea typeface="+mn-ea"/>
-                <a:cs typeface="+mn-cs"/>
-              </a:defRPr>
-            </a:lvl2pPr>
-            <a:lvl3pPr marL="857250" indent="-171450" algn="l" defTabSz="685800" rtl="0" eaLnBrk="1" latinLnBrk="0" hangingPunct="1">
-              <a:lnSpc>
-                <a:spcPct val="90000"/>
-              </a:lnSpc>
-              <a:spcBef>
-                <a:spcPts val="375"/>
-              </a:spcBef>
-              <a:buFont typeface="Arial" panose="020B0604020202020204" pitchFamily="34" charset="0"/>
-              <a:buChar char="•"/>
-              <a:defRPr sz="1500" kern="1200">
-                <a:solidFill>
-                  <a:schemeClr val="tx1"/>
-                </a:solidFill>
-                <a:latin typeface="+mn-lt"/>
-                <a:ea typeface="+mn-ea"/>
-                <a:cs typeface="+mn-cs"/>
-              </a:defRPr>
-            </a:lvl3pPr>
-            <a:lvl4pPr marL="1200150" indent="-171450" algn="l" defTabSz="685800" rtl="0" eaLnBrk="1" latinLnBrk="0" hangingPunct="1">
-              <a:lnSpc>
-                <a:spcPct val="90000"/>
-              </a:lnSpc>
-              <a:spcBef>
-                <a:spcPts val="375"/>
-              </a:spcBef>
-              <a:buFont typeface="Arial" panose="020B0604020202020204" pitchFamily="34" charset="0"/>
-              <a:buChar char="•"/>
-              <a:defRPr sz="1350" kern="1200">
-                <a:solidFill>
-                  <a:schemeClr val="tx1"/>
-                </a:solidFill>
-                <a:latin typeface="+mn-lt"/>
-                <a:ea typeface="+mn-ea"/>
-                <a:cs typeface="+mn-cs"/>
-              </a:defRPr>
-            </a:lvl4pPr>
-            <a:lvl5pPr marL="1543050" indent="-171450" algn="l" defTabSz="685800" rtl="0" eaLnBrk="1" latinLnBrk="0" hangingPunct="1">
-              <a:lnSpc>
-                <a:spcPct val="90000"/>
-              </a:lnSpc>
-              <a:spcBef>
-                <a:spcPts val="375"/>
-              </a:spcBef>
-              <a:buFont typeface="Arial" panose="020B0604020202020204" pitchFamily="34" charset="0"/>
-              <a:buChar char="•"/>
-              <a:defRPr sz="1350" kern="1200">
-                <a:solidFill>
-                  <a:schemeClr val="tx1"/>
-                </a:solidFill>
-                <a:latin typeface="+mn-lt"/>
-                <a:ea typeface="+mn-ea"/>
-                <a:cs typeface="+mn-cs"/>
-              </a:defRPr>
-            </a:lvl5pPr>
-            <a:lvl6pPr marL="1885950" indent="-171450" algn="l" defTabSz="685800" rtl="0" eaLnBrk="1" latinLnBrk="0" hangingPunct="1">
-              <a:lnSpc>
-                <a:spcPct val="90000"/>
-              </a:lnSpc>
-              <a:spcBef>
-                <a:spcPts val="375"/>
-              </a:spcBef>
-              <a:buFont typeface="Arial" panose="020B0604020202020204" pitchFamily="34" charset="0"/>
-              <a:buChar char="•"/>
-              <a:defRPr sz="1350" kern="1200">
-                <a:solidFill>
-                  <a:schemeClr val="tx1"/>
-                </a:solidFill>
-                <a:latin typeface="+mn-lt"/>
-                <a:ea typeface="+mn-ea"/>
-                <a:cs typeface="+mn-cs"/>
-              </a:defRPr>
-            </a:lvl6pPr>
-            <a:lvl7pPr marL="2228850" indent="-171450" algn="l" defTabSz="685800" rtl="0" eaLnBrk="1" latinLnBrk="0" hangingPunct="1">
-              <a:lnSpc>
-                <a:spcPct val="90000"/>
-              </a:lnSpc>
-              <a:spcBef>
-                <a:spcPts val="375"/>
-              </a:spcBef>
-              <a:buFont typeface="Arial" panose="020B0604020202020204" pitchFamily="34" charset="0"/>
-              <a:buChar char="•"/>
-              <a:defRPr sz="1350" kern="1200">
-                <a:solidFill>
-                  <a:schemeClr val="tx1"/>
-                </a:solidFill>
-                <a:latin typeface="+mn-lt"/>
-                <a:ea typeface="+mn-ea"/>
-                <a:cs typeface="+mn-cs"/>
-              </a:defRPr>
-            </a:lvl7pPr>
-            <a:lvl8pPr marL="2571750" indent="-171450" algn="l" defTabSz="685800" rtl="0" eaLnBrk="1" latinLnBrk="0" hangingPunct="1">
-              <a:lnSpc>
-                <a:spcPct val="90000"/>
-              </a:lnSpc>
-              <a:spcBef>
-                <a:spcPts val="375"/>
-              </a:spcBef>
-              <a:buFont typeface="Arial" panose="020B0604020202020204" pitchFamily="34" charset="0"/>
-              <a:buChar char="•"/>
-              <a:defRPr sz="1350" kern="1200">
-                <a:solidFill>
-                  <a:schemeClr val="tx1"/>
-                </a:solidFill>
-                <a:latin typeface="+mn-lt"/>
-                <a:ea typeface="+mn-ea"/>
-                <a:cs typeface="+mn-cs"/>
-              </a:defRPr>
-            </a:lvl8pPr>
-            <a:lvl9pPr marL="2914650" indent="-171450" algn="l" defTabSz="685800" rtl="0" eaLnBrk="1" latinLnBrk="0" hangingPunct="1">
-              <a:lnSpc>
-                <a:spcPct val="90000"/>
-              </a:lnSpc>
-              <a:spcBef>
-                <a:spcPts val="375"/>
-              </a:spcBef>
-              <a:buFont typeface="Arial" panose="020B0604020202020204" pitchFamily="34" charset="0"/>
-              <a:buChar char="•"/>
-              <a:defRPr sz="1350" kern="1200">
-                <a:solidFill>
-                  <a:schemeClr val="tx1"/>
-                </a:solidFill>
-                <a:latin typeface="+mn-lt"/>
-                <a:ea typeface="+mn-ea"/>
-                <a:cs typeface="+mn-cs"/>
-              </a:defRPr>
-            </a:lvl9pPr>
-          </a:lstStyle>
-          <a:p>
-            <a:pPr>
-              <a:lnSpc>
-                <a:spcPct val="250000"/>
-              </a:lnSpc>
-            </a:pPr>
-            <a:r>
-              <a:rPr lang="fr-FR" sz="2400" dirty="0">
-                <a:solidFill>
-                  <a:srgbClr val="004492"/>
-                </a:solidFill>
-                <a:latin typeface="Calibri (Corps)"/>
-              </a:rPr>
-              <a:t>Travail autour d’un projet majeur :</a:t>
-            </a:r>
-          </a:p>
-          <a:p>
-            <a:pPr lvl="1">
-              <a:lnSpc>
-                <a:spcPct val="250000"/>
-              </a:lnSpc>
-            </a:pPr>
-            <a:r>
-              <a:rPr lang="fr-FR" sz="2100" dirty="0">
-                <a:solidFill>
-                  <a:srgbClr val="004492"/>
-                </a:solidFill>
-                <a:latin typeface="Calibri (Corps)"/>
-              </a:rPr>
-              <a:t>Certification d’un vertical développé par </a:t>
-            </a:r>
-            <a:r>
-              <a:rPr lang="fr-FR" sz="2100" dirty="0" err="1">
-                <a:solidFill>
-                  <a:srgbClr val="004492"/>
-                </a:solidFill>
-                <a:latin typeface="Calibri (Corps)"/>
-              </a:rPr>
-              <a:t>Eskape</a:t>
-            </a:r>
-            <a:endParaRPr lang="fr-FR" sz="2100" dirty="0">
-              <a:solidFill>
-                <a:srgbClr val="004492"/>
-              </a:solidFill>
-              <a:latin typeface="Calibri (Corps)"/>
-            </a:endParaRPr>
-          </a:p>
-          <a:p>
-            <a:pPr>
-              <a:lnSpc>
-                <a:spcPct val="250000"/>
-              </a:lnSpc>
-            </a:pPr>
-            <a:endParaRPr lang="fr-FR" sz="2400" dirty="0">
-              <a:solidFill>
-                <a:srgbClr val="004492"/>
-              </a:solidFill>
-              <a:latin typeface="Calibri (Corps)"/>
-            </a:endParaRPr>
-          </a:p>
-        </p:txBody>
-      </p:sp>
-      <p:sp>
-        <p:nvSpPr>
-          <p:cNvPr id="6" name="ZoneTexte 5"/>
-          <p:cNvSpPr txBox="1"/>
-          <p:nvPr/>
-        </p:nvSpPr>
-        <p:spPr>
-          <a:xfrm>
-            <a:off x="182621" y="109957"/>
-            <a:ext cx="3805967" cy="938719"/>
-          </a:xfrm>
-          <a:prstGeom prst="rect">
-            <a:avLst/>
-          </a:prstGeom>
-          <a:noFill/>
-        </p:spPr>
-        <p:txBody>
-          <a:bodyPr wrap="square" rtlCol="0">
-            <a:spAutoFit/>
-          </a:bodyPr>
-          <a:lstStyle/>
-          <a:p>
-            <a:r>
-              <a:rPr lang="fr-FR" sz="5500" dirty="0">
-                <a:solidFill>
-                  <a:schemeClr val="bg1"/>
-                </a:solidFill>
-                <a:latin typeface="Eurostile-Roman" pitchFamily="2" charset="0"/>
-                <a:cs typeface="Microsoft New Tai Lue" panose="020B0502040204020203" pitchFamily="34" charset="0"/>
-              </a:rPr>
-              <a:t>Introduction</a:t>
-            </a:r>
-          </a:p>
-        </p:txBody>
-      </p:sp>
-      <p:pic>
-        <p:nvPicPr>
-          <p:cNvPr id="7" name="Image 6"/>
-          <p:cNvPicPr>
-            <a:picLocks noChangeAspect="1"/>
-          </p:cNvPicPr>
-          <p:nvPr/>
-        </p:nvPicPr>
-        <p:blipFill>
-          <a:blip r:embed="rId2">
-            <a:extLst>
-              <a:ext uri="{28A0092B-C50C-407E-A947-70E740481C1C}">
-                <a14:useLocalDpi xmlns:a14="http://schemas.microsoft.com/office/drawing/2010/main" val="0"/>
-              </a:ext>
-            </a:extLst>
-          </a:blip>
-          <a:stretch>
-            <a:fillRect/>
-          </a:stretch>
-        </p:blipFill>
-        <p:spPr>
-          <a:xfrm>
-            <a:off x="2085604" y="4282068"/>
-            <a:ext cx="4713244" cy="1178311"/>
-          </a:xfrm>
-          <a:prstGeom prst="rect">
-            <a:avLst/>
-          </a:prstGeom>
-        </p:spPr>
-      </p:pic>
-      <p:sp>
-        <p:nvSpPr>
-          <p:cNvPr id="10" name="Espace réservé du numéro de diapositive 1"/>
-          <p:cNvSpPr>
-            <a:spLocks noGrp="1"/>
-          </p:cNvSpPr>
-          <p:nvPr>
-            <p:ph type="sldNum" sz="quarter" idx="12"/>
-          </p:nvPr>
-        </p:nvSpPr>
-        <p:spPr>
-          <a:xfrm>
-            <a:off x="6603423" y="6255991"/>
-            <a:ext cx="2057400" cy="365125"/>
-          </a:xfrm>
-        </p:spPr>
-        <p:txBody>
-          <a:bodyPr/>
-          <a:lstStyle/>
-          <a:p>
-            <a:r>
-              <a:rPr lang="fr-FR" sz="1800" dirty="0">
-                <a:latin typeface="Eurostile-Roman" pitchFamily="2" charset="0"/>
-              </a:rPr>
-              <a:t>Diapositive </a:t>
-            </a:r>
-            <a:fld id="{0A0AF257-D28F-495E-9E53-3BED59B8AA35}" type="slidenum">
-              <a:rPr lang="fr-FR" sz="1800" smtClean="0">
-                <a:latin typeface="Eurostile-Roman" pitchFamily="2" charset="0"/>
-              </a:rPr>
-              <a:t>4</a:t>
-            </a:fld>
-            <a:endParaRPr lang="fr-FR" sz="1800" dirty="0">
-              <a:latin typeface="Eurostile-Roman" pitchFamily="2" charset="0"/>
-            </a:endParaRPr>
-          </a:p>
-        </p:txBody>
-      </p:sp>
-    </p:spTree>
-    <p:extLst>
-      <p:ext uri="{BB962C8B-B14F-4D97-AF65-F5344CB8AC3E}">
-        <p14:creationId xmlns:p14="http://schemas.microsoft.com/office/powerpoint/2010/main" val="2105432915"/>
-      </p:ext>
-    </p:extLst>
-  </p:cSld>
-  <p:clrMapOvr>
-    <a:masterClrMapping/>
-  </p:clrMapOvr>
-</p:sld>
-</file>
-
-<file path=ppt/slides/slide40.xml><?xml version="1.0" encoding="utf-8"?>
+<file path=ppt/slides/slide39.xml><?xml version="1.0" encoding="utf-8"?>
 <p:sld xmlns:a="http://schemas.openxmlformats.org/drawingml/2006/main" xmlns:r="http://schemas.openxmlformats.org/officeDocument/2006/relationships" xmlns:p="http://schemas.openxmlformats.org/presentationml/2006/main">
   <p:cSld>
     <p:spTree>
@@ -20918,7 +20491,7 @@
           <a:p>
             <a:fld id="{0A0AF257-D28F-495E-9E53-3BED59B8AA35}" type="slidenum">
               <a:rPr lang="fr-FR" smtClean="0"/>
-              <a:t>40</a:t>
+              <a:t>39</a:t>
             </a:fld>
             <a:endParaRPr lang="fr-FR"/>
           </a:p>
@@ -20937,7 +20510,7 @@
 </p:sld>
 </file>
 
-<file path=ppt/slides/slide41.xml><?xml version="1.0" encoding="utf-8"?>
+<file path=ppt/slides/slide4.xml><?xml version="1.0" encoding="utf-8"?>
 <p:sld xmlns:a="http://schemas.openxmlformats.org/drawingml/2006/main" xmlns:r="http://schemas.openxmlformats.org/officeDocument/2006/relationships" xmlns:p="http://schemas.openxmlformats.org/presentationml/2006/main">
   <p:cSld>
     <p:spTree>
@@ -20956,6 +20529,386 @@
       </p:grpSpPr>
       <p:sp>
         <p:nvSpPr>
+          <p:cNvPr id="5" name="Espace réservé du contenu 2"/>
+          <p:cNvSpPr txBox="1">
+            <a:spLocks/>
+          </p:cNvSpPr>
+          <p:nvPr/>
+        </p:nvSpPr>
+        <p:spPr>
+          <a:xfrm>
+            <a:off x="1018309" y="1924771"/>
+            <a:ext cx="7886700" cy="4351338"/>
+          </a:xfrm>
+          <a:prstGeom prst="rect">
+            <a:avLst/>
+          </a:prstGeom>
+        </p:spPr>
+        <p:txBody>
+          <a:bodyPr vert="horz" lIns="91440" tIns="45720" rIns="91440" bIns="45720" rtlCol="0">
+            <a:noAutofit/>
+          </a:bodyPr>
+          <a:lstStyle>
+            <a:lvl1pPr marL="171450" indent="-171450" algn="l" defTabSz="685800" rtl="0" eaLnBrk="1" latinLnBrk="0" hangingPunct="1">
+              <a:lnSpc>
+                <a:spcPct val="90000"/>
+              </a:lnSpc>
+              <a:spcBef>
+                <a:spcPts val="750"/>
+              </a:spcBef>
+              <a:buFont typeface="Arial" panose="020B0604020202020204" pitchFamily="34" charset="0"/>
+              <a:buChar char="•"/>
+              <a:defRPr sz="2100" kern="1200">
+                <a:solidFill>
+                  <a:schemeClr val="tx1"/>
+                </a:solidFill>
+                <a:latin typeface="+mn-lt"/>
+                <a:ea typeface="+mn-ea"/>
+                <a:cs typeface="+mn-cs"/>
+              </a:defRPr>
+            </a:lvl1pPr>
+            <a:lvl2pPr marL="514350" indent="-171450" algn="l" defTabSz="685800" rtl="0" eaLnBrk="1" latinLnBrk="0" hangingPunct="1">
+              <a:lnSpc>
+                <a:spcPct val="90000"/>
+              </a:lnSpc>
+              <a:spcBef>
+                <a:spcPts val="375"/>
+              </a:spcBef>
+              <a:buFont typeface="Arial" panose="020B0604020202020204" pitchFamily="34" charset="0"/>
+              <a:buChar char="•"/>
+              <a:defRPr sz="1800" kern="1200">
+                <a:solidFill>
+                  <a:schemeClr val="tx1"/>
+                </a:solidFill>
+                <a:latin typeface="+mn-lt"/>
+                <a:ea typeface="+mn-ea"/>
+                <a:cs typeface="+mn-cs"/>
+              </a:defRPr>
+            </a:lvl2pPr>
+            <a:lvl3pPr marL="857250" indent="-171450" algn="l" defTabSz="685800" rtl="0" eaLnBrk="1" latinLnBrk="0" hangingPunct="1">
+              <a:lnSpc>
+                <a:spcPct val="90000"/>
+              </a:lnSpc>
+              <a:spcBef>
+                <a:spcPts val="375"/>
+              </a:spcBef>
+              <a:buFont typeface="Arial" panose="020B0604020202020204" pitchFamily="34" charset="0"/>
+              <a:buChar char="•"/>
+              <a:defRPr sz="1500" kern="1200">
+                <a:solidFill>
+                  <a:schemeClr val="tx1"/>
+                </a:solidFill>
+                <a:latin typeface="+mn-lt"/>
+                <a:ea typeface="+mn-ea"/>
+                <a:cs typeface="+mn-cs"/>
+              </a:defRPr>
+            </a:lvl3pPr>
+            <a:lvl4pPr marL="1200150" indent="-171450" algn="l" defTabSz="685800" rtl="0" eaLnBrk="1" latinLnBrk="0" hangingPunct="1">
+              <a:lnSpc>
+                <a:spcPct val="90000"/>
+              </a:lnSpc>
+              <a:spcBef>
+                <a:spcPts val="375"/>
+              </a:spcBef>
+              <a:buFont typeface="Arial" panose="020B0604020202020204" pitchFamily="34" charset="0"/>
+              <a:buChar char="•"/>
+              <a:defRPr sz="1350" kern="1200">
+                <a:solidFill>
+                  <a:schemeClr val="tx1"/>
+                </a:solidFill>
+                <a:latin typeface="+mn-lt"/>
+                <a:ea typeface="+mn-ea"/>
+                <a:cs typeface="+mn-cs"/>
+              </a:defRPr>
+            </a:lvl4pPr>
+            <a:lvl5pPr marL="1543050" indent="-171450" algn="l" defTabSz="685800" rtl="0" eaLnBrk="1" latinLnBrk="0" hangingPunct="1">
+              <a:lnSpc>
+                <a:spcPct val="90000"/>
+              </a:lnSpc>
+              <a:spcBef>
+                <a:spcPts val="375"/>
+              </a:spcBef>
+              <a:buFont typeface="Arial" panose="020B0604020202020204" pitchFamily="34" charset="0"/>
+              <a:buChar char="•"/>
+              <a:defRPr sz="1350" kern="1200">
+                <a:solidFill>
+                  <a:schemeClr val="tx1"/>
+                </a:solidFill>
+                <a:latin typeface="+mn-lt"/>
+                <a:ea typeface="+mn-ea"/>
+                <a:cs typeface="+mn-cs"/>
+              </a:defRPr>
+            </a:lvl5pPr>
+            <a:lvl6pPr marL="1885950" indent="-171450" algn="l" defTabSz="685800" rtl="0" eaLnBrk="1" latinLnBrk="0" hangingPunct="1">
+              <a:lnSpc>
+                <a:spcPct val="90000"/>
+              </a:lnSpc>
+              <a:spcBef>
+                <a:spcPts val="375"/>
+              </a:spcBef>
+              <a:buFont typeface="Arial" panose="020B0604020202020204" pitchFamily="34" charset="0"/>
+              <a:buChar char="•"/>
+              <a:defRPr sz="1350" kern="1200">
+                <a:solidFill>
+                  <a:schemeClr val="tx1"/>
+                </a:solidFill>
+                <a:latin typeface="+mn-lt"/>
+                <a:ea typeface="+mn-ea"/>
+                <a:cs typeface="+mn-cs"/>
+              </a:defRPr>
+            </a:lvl6pPr>
+            <a:lvl7pPr marL="2228850" indent="-171450" algn="l" defTabSz="685800" rtl="0" eaLnBrk="1" latinLnBrk="0" hangingPunct="1">
+              <a:lnSpc>
+                <a:spcPct val="90000"/>
+              </a:lnSpc>
+              <a:spcBef>
+                <a:spcPts val="375"/>
+              </a:spcBef>
+              <a:buFont typeface="Arial" panose="020B0604020202020204" pitchFamily="34" charset="0"/>
+              <a:buChar char="•"/>
+              <a:defRPr sz="1350" kern="1200">
+                <a:solidFill>
+                  <a:schemeClr val="tx1"/>
+                </a:solidFill>
+                <a:latin typeface="+mn-lt"/>
+                <a:ea typeface="+mn-ea"/>
+                <a:cs typeface="+mn-cs"/>
+              </a:defRPr>
+            </a:lvl7pPr>
+            <a:lvl8pPr marL="2571750" indent="-171450" algn="l" defTabSz="685800" rtl="0" eaLnBrk="1" latinLnBrk="0" hangingPunct="1">
+              <a:lnSpc>
+                <a:spcPct val="90000"/>
+              </a:lnSpc>
+              <a:spcBef>
+                <a:spcPts val="375"/>
+              </a:spcBef>
+              <a:buFont typeface="Arial" panose="020B0604020202020204" pitchFamily="34" charset="0"/>
+              <a:buChar char="•"/>
+              <a:defRPr sz="1350" kern="1200">
+                <a:solidFill>
+                  <a:schemeClr val="tx1"/>
+                </a:solidFill>
+                <a:latin typeface="+mn-lt"/>
+                <a:ea typeface="+mn-ea"/>
+                <a:cs typeface="+mn-cs"/>
+              </a:defRPr>
+            </a:lvl8pPr>
+            <a:lvl9pPr marL="2914650" indent="-171450" algn="l" defTabSz="685800" rtl="0" eaLnBrk="1" latinLnBrk="0" hangingPunct="1">
+              <a:lnSpc>
+                <a:spcPct val="90000"/>
+              </a:lnSpc>
+              <a:spcBef>
+                <a:spcPts val="375"/>
+              </a:spcBef>
+              <a:buFont typeface="Arial" panose="020B0604020202020204" pitchFamily="34" charset="0"/>
+              <a:buChar char="•"/>
+              <a:defRPr sz="1350" kern="1200">
+                <a:solidFill>
+                  <a:schemeClr val="tx1"/>
+                </a:solidFill>
+                <a:latin typeface="+mn-lt"/>
+                <a:ea typeface="+mn-ea"/>
+                <a:cs typeface="+mn-cs"/>
+              </a:defRPr>
+            </a:lvl9pPr>
+          </a:lstStyle>
+          <a:p>
+            <a:pPr>
+              <a:lnSpc>
+                <a:spcPct val="250000"/>
+              </a:lnSpc>
+            </a:pPr>
+            <a:r>
+              <a:rPr lang="fr-FR" sz="2400" dirty="0">
+                <a:solidFill>
+                  <a:srgbClr val="004492"/>
+                </a:solidFill>
+                <a:latin typeface="Calibri (Corps)"/>
+              </a:rPr>
+              <a:t>Travail autour d’un projet majeur :</a:t>
+            </a:r>
+          </a:p>
+          <a:p>
+            <a:pPr lvl="1">
+              <a:lnSpc>
+                <a:spcPct val="250000"/>
+              </a:lnSpc>
+            </a:pPr>
+            <a:r>
+              <a:rPr lang="fr-FR" sz="2100" dirty="0">
+                <a:solidFill>
+                  <a:srgbClr val="004492"/>
+                </a:solidFill>
+                <a:latin typeface="Calibri (Corps)"/>
+              </a:rPr>
+              <a:t>Certification d’un vertical développé par </a:t>
+            </a:r>
+            <a:r>
+              <a:rPr lang="fr-FR" sz="2100" dirty="0" err="1">
+                <a:solidFill>
+                  <a:srgbClr val="004492"/>
+                </a:solidFill>
+                <a:latin typeface="Calibri (Corps)"/>
+              </a:rPr>
+              <a:t>Eskape</a:t>
+            </a:r>
+            <a:endParaRPr lang="fr-FR" sz="2100" dirty="0">
+              <a:solidFill>
+                <a:srgbClr val="004492"/>
+              </a:solidFill>
+              <a:latin typeface="Calibri (Corps)"/>
+            </a:endParaRPr>
+          </a:p>
+          <a:p>
+            <a:pPr>
+              <a:lnSpc>
+                <a:spcPct val="250000"/>
+              </a:lnSpc>
+            </a:pPr>
+            <a:endParaRPr lang="fr-FR" sz="2400" dirty="0">
+              <a:solidFill>
+                <a:srgbClr val="004492"/>
+              </a:solidFill>
+              <a:latin typeface="Calibri (Corps)"/>
+            </a:endParaRPr>
+          </a:p>
+        </p:txBody>
+      </p:sp>
+      <p:sp>
+        <p:nvSpPr>
+          <p:cNvPr id="6" name="ZoneTexte 5"/>
+          <p:cNvSpPr txBox="1"/>
+          <p:nvPr/>
+        </p:nvSpPr>
+        <p:spPr>
+          <a:xfrm>
+            <a:off x="182621" y="109957"/>
+            <a:ext cx="3805967" cy="938719"/>
+          </a:xfrm>
+          <a:prstGeom prst="rect">
+            <a:avLst/>
+          </a:prstGeom>
+          <a:noFill/>
+        </p:spPr>
+        <p:txBody>
+          <a:bodyPr wrap="square" rtlCol="0">
+            <a:spAutoFit/>
+          </a:bodyPr>
+          <a:lstStyle/>
+          <a:p>
+            <a:r>
+              <a:rPr lang="fr-FR" sz="5500" dirty="0">
+                <a:solidFill>
+                  <a:schemeClr val="bg1"/>
+                </a:solidFill>
+                <a:latin typeface="Eurostile-Roman" pitchFamily="2" charset="0"/>
+                <a:cs typeface="Microsoft New Tai Lue" panose="020B0502040204020203" pitchFamily="34" charset="0"/>
+              </a:rPr>
+              <a:t>Introduction</a:t>
+            </a:r>
+          </a:p>
+        </p:txBody>
+      </p:sp>
+      <p:pic>
+        <p:nvPicPr>
+          <p:cNvPr id="7" name="Image 6"/>
+          <p:cNvPicPr>
+            <a:picLocks noChangeAspect="1"/>
+          </p:cNvPicPr>
+          <p:nvPr/>
+        </p:nvPicPr>
+        <p:blipFill>
+          <a:blip r:embed="rId2">
+            <a:extLst>
+              <a:ext uri="{28A0092B-C50C-407E-A947-70E740481C1C}">
+                <a14:useLocalDpi xmlns:a14="http://schemas.microsoft.com/office/drawing/2010/main" val="0"/>
+              </a:ext>
+            </a:extLst>
+          </a:blip>
+          <a:stretch>
+            <a:fillRect/>
+          </a:stretch>
+        </p:blipFill>
+        <p:spPr>
+          <a:xfrm>
+            <a:off x="2085604" y="4282068"/>
+            <a:ext cx="4713244" cy="1178311"/>
+          </a:xfrm>
+          <a:prstGeom prst="rect">
+            <a:avLst/>
+          </a:prstGeom>
+        </p:spPr>
+      </p:pic>
+      <p:sp>
+        <p:nvSpPr>
+          <p:cNvPr id="10" name="Espace réservé du numéro de diapositive 1"/>
+          <p:cNvSpPr>
+            <a:spLocks noGrp="1"/>
+          </p:cNvSpPr>
+          <p:nvPr>
+            <p:ph type="sldNum" sz="quarter" idx="12"/>
+          </p:nvPr>
+        </p:nvSpPr>
+        <p:spPr>
+          <a:xfrm>
+            <a:off x="6603423" y="6255991"/>
+            <a:ext cx="2057400" cy="365125"/>
+          </a:xfrm>
+        </p:spPr>
+        <p:txBody>
+          <a:bodyPr/>
+          <a:lstStyle/>
+          <a:p>
+            <a:r>
+              <a:rPr lang="fr-FR" sz="1800" dirty="0">
+                <a:latin typeface="Eurostile-Roman" pitchFamily="2" charset="0"/>
+              </a:rPr>
+              <a:t>Diapositive </a:t>
+            </a:r>
+            <a:fld id="{0A0AF257-D28F-495E-9E53-3BED59B8AA35}" type="slidenum">
+              <a:rPr lang="fr-FR" sz="1800" smtClean="0">
+                <a:latin typeface="Eurostile-Roman" pitchFamily="2" charset="0"/>
+              </a:rPr>
+              <a:t>4</a:t>
+            </a:fld>
+            <a:endParaRPr lang="fr-FR" sz="1800" dirty="0">
+              <a:latin typeface="Eurostile-Roman" pitchFamily="2" charset="0"/>
+            </a:endParaRPr>
+          </a:p>
+        </p:txBody>
+      </p:sp>
+    </p:spTree>
+    <p:extLst>
+      <p:ext uri="{BB962C8B-B14F-4D97-AF65-F5344CB8AC3E}">
+        <p14:creationId xmlns:p14="http://schemas.microsoft.com/office/powerpoint/2010/main" val="2105432915"/>
+      </p:ext>
+    </p:extLst>
+  </p:cSld>
+  <p:clrMapOvr>
+    <a:masterClrMapping/>
+  </p:clrMapOvr>
+</p:sld>
+</file>
+
+<file path=ppt/slides/slide40.xml><?xml version="1.0" encoding="utf-8"?>
+<p:sld xmlns:a="http://schemas.openxmlformats.org/drawingml/2006/main" xmlns:r="http://schemas.openxmlformats.org/officeDocument/2006/relationships" xmlns:p="http://schemas.openxmlformats.org/presentationml/2006/main">
+  <p:cSld>
+    <p:spTree>
+      <p:nvGrpSpPr>
+        <p:cNvPr id="1" name=""/>
+        <p:cNvGrpSpPr/>
+        <p:nvPr/>
+      </p:nvGrpSpPr>
+      <p:grpSpPr>
+        <a:xfrm>
+          <a:off x="0" y="0"/>
+          <a:ext cx="0" cy="0"/>
+          <a:chOff x="0" y="0"/>
+          <a:chExt cx="0" cy="0"/>
+        </a:xfrm>
+      </p:grpSpPr>
+      <p:sp>
+        <p:nvSpPr>
           <p:cNvPr id="2" name="Titre 1"/>
           <p:cNvSpPr>
             <a:spLocks noGrp="1"/>
@@ -21382,7 +21335,7 @@
           <a:p>
             <a:fld id="{0A0AF257-D28F-495E-9E53-3BED59B8AA35}" type="slidenum">
               <a:rPr lang="fr-FR" smtClean="0"/>
-              <a:t>41</a:t>
+              <a:t>40</a:t>
             </a:fld>
             <a:endParaRPr lang="fr-FR"/>
           </a:p>
@@ -21401,7 +21354,7 @@
 </p:sld>
 </file>
 
-<file path=ppt/slides/slide42.xml><?xml version="1.0" encoding="utf-8"?>
+<file path=ppt/slides/slide41.xml><?xml version="1.0" encoding="utf-8"?>
 <p:sld xmlns:a="http://schemas.openxmlformats.org/drawingml/2006/main" xmlns:r="http://schemas.openxmlformats.org/officeDocument/2006/relationships" xmlns:p="http://schemas.openxmlformats.org/presentationml/2006/main">
   <p:cSld>
     <p:spTree>
@@ -21560,7 +21513,7 @@
           <a:p>
             <a:fld id="{0A0AF257-D28F-495E-9E53-3BED59B8AA35}" type="slidenum">
               <a:rPr lang="fr-FR" smtClean="0"/>
-              <a:t>42</a:t>
+              <a:t>41</a:t>
             </a:fld>
             <a:endParaRPr lang="fr-FR"/>
           </a:p>
@@ -21570,6 +21523,445 @@
     <p:extLst>
       <p:ext uri="{BB962C8B-B14F-4D97-AF65-F5344CB8AC3E}">
         <p14:creationId xmlns:p14="http://schemas.microsoft.com/office/powerpoint/2010/main" val="3175205472"/>
+      </p:ext>
+    </p:extLst>
+  </p:cSld>
+  <p:clrMapOvr>
+    <a:masterClrMapping/>
+  </p:clrMapOvr>
+</p:sld>
+</file>
+
+<file path=ppt/slides/slide42.xml><?xml version="1.0" encoding="utf-8"?>
+<p:sld xmlns:a="http://schemas.openxmlformats.org/drawingml/2006/main" xmlns:r="http://schemas.openxmlformats.org/officeDocument/2006/relationships" xmlns:p="http://schemas.openxmlformats.org/presentationml/2006/main">
+  <p:cSld>
+    <p:spTree>
+      <p:nvGrpSpPr>
+        <p:cNvPr id="1" name=""/>
+        <p:cNvGrpSpPr/>
+        <p:nvPr/>
+      </p:nvGrpSpPr>
+      <p:grpSpPr>
+        <a:xfrm>
+          <a:off x="0" y="0"/>
+          <a:ext cx="0" cy="0"/>
+          <a:chOff x="0" y="0"/>
+          <a:chExt cx="0" cy="0"/>
+        </a:xfrm>
+      </p:grpSpPr>
+      <p:sp>
+        <p:nvSpPr>
+          <p:cNvPr id="2" name="Titre 1"/>
+          <p:cNvSpPr>
+            <a:spLocks noGrp="1"/>
+          </p:cNvSpPr>
+          <p:nvPr>
+            <p:ph type="title"/>
+          </p:nvPr>
+        </p:nvSpPr>
+        <p:spPr>
+          <a:xfrm>
+            <a:off x="245917" y="0"/>
+            <a:ext cx="6347713" cy="1320800"/>
+          </a:xfrm>
+        </p:spPr>
+        <p:txBody>
+          <a:bodyPr>
+            <a:normAutofit/>
+          </a:bodyPr>
+          <a:lstStyle/>
+          <a:p>
+            <a:r>
+              <a:rPr lang="fr-FR" sz="3500" dirty="0">
+                <a:solidFill>
+                  <a:schemeClr val="bg1"/>
+                </a:solidFill>
+                <a:latin typeface="Eurostile" panose="020B0504020202050204" pitchFamily="34" charset="0"/>
+              </a:rPr>
+              <a:t>Développement </a:t>
+            </a:r>
+            <a:br>
+              <a:rPr lang="fr-FR" sz="3500" dirty="0">
+                <a:solidFill>
+                  <a:schemeClr val="bg1"/>
+                </a:solidFill>
+                <a:latin typeface="Eurostile" panose="020B0504020202050204" pitchFamily="34" charset="0"/>
+              </a:rPr>
+            </a:br>
+            <a:r>
+              <a:rPr lang="fr-FR" sz="3500" dirty="0">
+                <a:solidFill>
+                  <a:schemeClr val="bg1"/>
+                </a:solidFill>
+                <a:latin typeface="Eurostile" panose="020B0504020202050204" pitchFamily="34" charset="0"/>
+              </a:rPr>
+              <a:t>de la solution</a:t>
+            </a:r>
+          </a:p>
+        </p:txBody>
+      </p:sp>
+      <p:sp>
+        <p:nvSpPr>
+          <p:cNvPr id="6" name="Espace réservé du contenu 30"/>
+          <p:cNvSpPr>
+            <a:spLocks noGrp="1"/>
+          </p:cNvSpPr>
+          <p:nvPr>
+            <p:ph idx="1"/>
+          </p:nvPr>
+        </p:nvSpPr>
+        <p:spPr>
+          <a:xfrm>
+            <a:off x="1200149" y="1705477"/>
+            <a:ext cx="8359485" cy="821951"/>
+          </a:xfrm>
+        </p:spPr>
+        <p:txBody>
+          <a:bodyPr>
+            <a:normAutofit/>
+          </a:bodyPr>
+          <a:lstStyle/>
+          <a:p>
+            <a:pPr>
+              <a:lnSpc>
+                <a:spcPct val="150000"/>
+              </a:lnSpc>
+            </a:pPr>
+            <a:r>
+              <a:rPr lang="fr-FR" sz="2200" dirty="0">
+                <a:solidFill>
+                  <a:srgbClr val="004492"/>
+                </a:solidFill>
+                <a:latin typeface="Eurostile" panose="020B0504020202050204" pitchFamily="34" charset="0"/>
+              </a:rPr>
+              <a:t>Documentation technique :</a:t>
+            </a:r>
+          </a:p>
+        </p:txBody>
+      </p:sp>
+      <p:sp>
+        <p:nvSpPr>
+          <p:cNvPr id="5" name="Espace réservé du contenu 30"/>
+          <p:cNvSpPr txBox="1">
+            <a:spLocks/>
+          </p:cNvSpPr>
+          <p:nvPr/>
+        </p:nvSpPr>
+        <p:spPr>
+          <a:xfrm>
+            <a:off x="1649556" y="2371564"/>
+            <a:ext cx="8359485" cy="3862981"/>
+          </a:xfrm>
+          <a:prstGeom prst="rect">
+            <a:avLst/>
+          </a:prstGeom>
+        </p:spPr>
+        <p:txBody>
+          <a:bodyPr vert="horz" lIns="91440" tIns="45720" rIns="91440" bIns="45720" rtlCol="0">
+            <a:normAutofit/>
+          </a:bodyPr>
+          <a:lstStyle>
+            <a:lvl1pPr marL="171450" indent="-171450" algn="l" defTabSz="685800" rtl="0" eaLnBrk="1" latinLnBrk="0" hangingPunct="1">
+              <a:lnSpc>
+                <a:spcPct val="90000"/>
+              </a:lnSpc>
+              <a:spcBef>
+                <a:spcPts val="750"/>
+              </a:spcBef>
+              <a:buFont typeface="Arial" panose="020B0604020202020204" pitchFamily="34" charset="0"/>
+              <a:buChar char="•"/>
+              <a:defRPr sz="2100" kern="1200">
+                <a:solidFill>
+                  <a:schemeClr val="tx1"/>
+                </a:solidFill>
+                <a:latin typeface="+mn-lt"/>
+                <a:ea typeface="+mn-ea"/>
+                <a:cs typeface="+mn-cs"/>
+              </a:defRPr>
+            </a:lvl1pPr>
+            <a:lvl2pPr marL="514350" indent="-171450" algn="l" defTabSz="685800" rtl="0" eaLnBrk="1" latinLnBrk="0" hangingPunct="1">
+              <a:lnSpc>
+                <a:spcPct val="90000"/>
+              </a:lnSpc>
+              <a:spcBef>
+                <a:spcPts val="375"/>
+              </a:spcBef>
+              <a:buFont typeface="Arial" panose="020B0604020202020204" pitchFamily="34" charset="0"/>
+              <a:buChar char="•"/>
+              <a:defRPr sz="1800" kern="1200">
+                <a:solidFill>
+                  <a:schemeClr val="tx1"/>
+                </a:solidFill>
+                <a:latin typeface="+mn-lt"/>
+                <a:ea typeface="+mn-ea"/>
+                <a:cs typeface="+mn-cs"/>
+              </a:defRPr>
+            </a:lvl2pPr>
+            <a:lvl3pPr marL="857250" indent="-171450" algn="l" defTabSz="685800" rtl="0" eaLnBrk="1" latinLnBrk="0" hangingPunct="1">
+              <a:lnSpc>
+                <a:spcPct val="90000"/>
+              </a:lnSpc>
+              <a:spcBef>
+                <a:spcPts val="375"/>
+              </a:spcBef>
+              <a:buFont typeface="Arial" panose="020B0604020202020204" pitchFamily="34" charset="0"/>
+              <a:buChar char="•"/>
+              <a:defRPr sz="1500" kern="1200">
+                <a:solidFill>
+                  <a:schemeClr val="tx1"/>
+                </a:solidFill>
+                <a:latin typeface="+mn-lt"/>
+                <a:ea typeface="+mn-ea"/>
+                <a:cs typeface="+mn-cs"/>
+              </a:defRPr>
+            </a:lvl3pPr>
+            <a:lvl4pPr marL="1200150" indent="-171450" algn="l" defTabSz="685800" rtl="0" eaLnBrk="1" latinLnBrk="0" hangingPunct="1">
+              <a:lnSpc>
+                <a:spcPct val="90000"/>
+              </a:lnSpc>
+              <a:spcBef>
+                <a:spcPts val="375"/>
+              </a:spcBef>
+              <a:buFont typeface="Arial" panose="020B0604020202020204" pitchFamily="34" charset="0"/>
+              <a:buChar char="•"/>
+              <a:defRPr sz="1350" kern="1200">
+                <a:solidFill>
+                  <a:schemeClr val="tx1"/>
+                </a:solidFill>
+                <a:latin typeface="+mn-lt"/>
+                <a:ea typeface="+mn-ea"/>
+                <a:cs typeface="+mn-cs"/>
+              </a:defRPr>
+            </a:lvl4pPr>
+            <a:lvl5pPr marL="1543050" indent="-171450" algn="l" defTabSz="685800" rtl="0" eaLnBrk="1" latinLnBrk="0" hangingPunct="1">
+              <a:lnSpc>
+                <a:spcPct val="90000"/>
+              </a:lnSpc>
+              <a:spcBef>
+                <a:spcPts val="375"/>
+              </a:spcBef>
+              <a:buFont typeface="Arial" panose="020B0604020202020204" pitchFamily="34" charset="0"/>
+              <a:buChar char="•"/>
+              <a:defRPr sz="1350" kern="1200">
+                <a:solidFill>
+                  <a:schemeClr val="tx1"/>
+                </a:solidFill>
+                <a:latin typeface="+mn-lt"/>
+                <a:ea typeface="+mn-ea"/>
+                <a:cs typeface="+mn-cs"/>
+              </a:defRPr>
+            </a:lvl5pPr>
+            <a:lvl6pPr marL="1885950" indent="-171450" algn="l" defTabSz="685800" rtl="0" eaLnBrk="1" latinLnBrk="0" hangingPunct="1">
+              <a:lnSpc>
+                <a:spcPct val="90000"/>
+              </a:lnSpc>
+              <a:spcBef>
+                <a:spcPts val="375"/>
+              </a:spcBef>
+              <a:buFont typeface="Arial" panose="020B0604020202020204" pitchFamily="34" charset="0"/>
+              <a:buChar char="•"/>
+              <a:defRPr sz="1350" kern="1200">
+                <a:solidFill>
+                  <a:schemeClr val="tx1"/>
+                </a:solidFill>
+                <a:latin typeface="+mn-lt"/>
+                <a:ea typeface="+mn-ea"/>
+                <a:cs typeface="+mn-cs"/>
+              </a:defRPr>
+            </a:lvl6pPr>
+            <a:lvl7pPr marL="2228850" indent="-171450" algn="l" defTabSz="685800" rtl="0" eaLnBrk="1" latinLnBrk="0" hangingPunct="1">
+              <a:lnSpc>
+                <a:spcPct val="90000"/>
+              </a:lnSpc>
+              <a:spcBef>
+                <a:spcPts val="375"/>
+              </a:spcBef>
+              <a:buFont typeface="Arial" panose="020B0604020202020204" pitchFamily="34" charset="0"/>
+              <a:buChar char="•"/>
+              <a:defRPr sz="1350" kern="1200">
+                <a:solidFill>
+                  <a:schemeClr val="tx1"/>
+                </a:solidFill>
+                <a:latin typeface="+mn-lt"/>
+                <a:ea typeface="+mn-ea"/>
+                <a:cs typeface="+mn-cs"/>
+              </a:defRPr>
+            </a:lvl7pPr>
+            <a:lvl8pPr marL="2571750" indent="-171450" algn="l" defTabSz="685800" rtl="0" eaLnBrk="1" latinLnBrk="0" hangingPunct="1">
+              <a:lnSpc>
+                <a:spcPct val="90000"/>
+              </a:lnSpc>
+              <a:spcBef>
+                <a:spcPts val="375"/>
+              </a:spcBef>
+              <a:buFont typeface="Arial" panose="020B0604020202020204" pitchFamily="34" charset="0"/>
+              <a:buChar char="•"/>
+              <a:defRPr sz="1350" kern="1200">
+                <a:solidFill>
+                  <a:schemeClr val="tx1"/>
+                </a:solidFill>
+                <a:latin typeface="+mn-lt"/>
+                <a:ea typeface="+mn-ea"/>
+                <a:cs typeface="+mn-cs"/>
+              </a:defRPr>
+            </a:lvl8pPr>
+            <a:lvl9pPr marL="2914650" indent="-171450" algn="l" defTabSz="685800" rtl="0" eaLnBrk="1" latinLnBrk="0" hangingPunct="1">
+              <a:lnSpc>
+                <a:spcPct val="90000"/>
+              </a:lnSpc>
+              <a:spcBef>
+                <a:spcPts val="375"/>
+              </a:spcBef>
+              <a:buFont typeface="Arial" panose="020B0604020202020204" pitchFamily="34" charset="0"/>
+              <a:buChar char="•"/>
+              <a:defRPr sz="1350" kern="1200">
+                <a:solidFill>
+                  <a:schemeClr val="tx1"/>
+                </a:solidFill>
+                <a:latin typeface="+mn-lt"/>
+                <a:ea typeface="+mn-ea"/>
+                <a:cs typeface="+mn-cs"/>
+              </a:defRPr>
+            </a:lvl9pPr>
+          </a:lstStyle>
+          <a:p>
+            <a:pPr>
+              <a:lnSpc>
+                <a:spcPct val="250000"/>
+              </a:lnSpc>
+              <a:buFont typeface="Wingdings" panose="05000000000000000000" pitchFamily="2" charset="2"/>
+              <a:buChar char="§"/>
+            </a:pPr>
+            <a:r>
+              <a:rPr lang="fr-FR" sz="2000" dirty="0">
+                <a:solidFill>
+                  <a:srgbClr val="004492"/>
+                </a:solidFill>
+                <a:latin typeface="Eurostile" panose="020B0504020202050204" pitchFamily="34" charset="0"/>
+              </a:rPr>
+              <a:t>Commentaires internes aux codes (C# et C/AL)</a:t>
+            </a:r>
+          </a:p>
+          <a:p>
+            <a:pPr>
+              <a:lnSpc>
+                <a:spcPct val="250000"/>
+              </a:lnSpc>
+              <a:buFont typeface="Wingdings" panose="05000000000000000000" pitchFamily="2" charset="2"/>
+              <a:buChar char="§"/>
+            </a:pPr>
+            <a:r>
+              <a:rPr lang="fr-FR" sz="2000" dirty="0">
+                <a:solidFill>
+                  <a:srgbClr val="004492"/>
+                </a:solidFill>
+                <a:latin typeface="Eurostile" panose="020B0504020202050204" pitchFamily="34" charset="0"/>
+              </a:rPr>
+              <a:t>Explication du fonctionnement des méthodes</a:t>
+            </a:r>
+            <a:endParaRPr lang="fr-FR" sz="500" dirty="0">
+              <a:solidFill>
+                <a:srgbClr val="004492"/>
+              </a:solidFill>
+              <a:latin typeface="Eurostile" panose="020B0504020202050204" pitchFamily="34" charset="0"/>
+            </a:endParaRPr>
+          </a:p>
+          <a:p>
+            <a:pPr>
+              <a:lnSpc>
+                <a:spcPct val="250000"/>
+              </a:lnSpc>
+              <a:buFont typeface="Wingdings" panose="05000000000000000000" pitchFamily="2" charset="2"/>
+              <a:buChar char="§"/>
+            </a:pPr>
+            <a:r>
+              <a:rPr lang="fr-FR" sz="2000" dirty="0">
+                <a:solidFill>
+                  <a:srgbClr val="004492"/>
+                </a:solidFill>
+                <a:latin typeface="Eurostile" panose="020B0504020202050204" pitchFamily="34" charset="0"/>
+                <a:sym typeface="Wingdings" panose="05000000000000000000" pitchFamily="2" charset="2"/>
+              </a:rPr>
+              <a:t>Traçabilité du code :</a:t>
+            </a:r>
+          </a:p>
+        </p:txBody>
+      </p:sp>
+      <p:sp>
+        <p:nvSpPr>
+          <p:cNvPr id="4" name="ZoneTexte 3"/>
+          <p:cNvSpPr txBox="1"/>
+          <p:nvPr/>
+        </p:nvSpPr>
+        <p:spPr>
+          <a:xfrm>
+            <a:off x="1200149" y="5288971"/>
+            <a:ext cx="6600826" cy="707886"/>
+          </a:xfrm>
+          <a:prstGeom prst="rect">
+            <a:avLst/>
+          </a:prstGeom>
+          <a:noFill/>
+        </p:spPr>
+        <p:txBody>
+          <a:bodyPr wrap="square" rtlCol="0">
+            <a:spAutoFit/>
+          </a:bodyPr>
+          <a:lstStyle/>
+          <a:p>
+            <a:r>
+              <a:rPr lang="fr-FR" sz="2000" dirty="0">
+                <a:solidFill>
+                  <a:srgbClr val="FF0000"/>
+                </a:solidFill>
+                <a:latin typeface="Eurostile" panose="020B0504020202050204" pitchFamily="34" charset="0"/>
+              </a:rPr>
+              <a:t>// FA 03-05-2016  =&gt;  Module : explication de la méthode</a:t>
+            </a:r>
+            <a:endParaRPr lang="fr-FR" sz="2000" dirty="0">
+              <a:solidFill>
+                <a:srgbClr val="FF0000"/>
+              </a:solidFill>
+              <a:latin typeface="Eurostile" panose="020B0504020202050204" pitchFamily="34" charset="0"/>
+              <a:sym typeface="Wingdings" panose="05000000000000000000" pitchFamily="2" charset="2"/>
+            </a:endParaRPr>
+          </a:p>
+          <a:p>
+            <a:endParaRPr lang="fr-FR" sz="2000" dirty="0">
+              <a:solidFill>
+                <a:srgbClr val="FF0000"/>
+              </a:solidFill>
+            </a:endParaRPr>
+          </a:p>
+        </p:txBody>
+      </p:sp>
+      <p:sp>
+        <p:nvSpPr>
+          <p:cNvPr id="3" name="Espace réservé du numéro de diapositive 2"/>
+          <p:cNvSpPr>
+            <a:spLocks noGrp="1"/>
+          </p:cNvSpPr>
+          <p:nvPr>
+            <p:ph type="sldNum" sz="quarter" idx="12"/>
+          </p:nvPr>
+        </p:nvSpPr>
+        <p:spPr/>
+        <p:txBody>
+          <a:bodyPr/>
+          <a:lstStyle/>
+          <a:p>
+            <a:fld id="{0A0AF257-D28F-495E-9E53-3BED59B8AA35}" type="slidenum">
+              <a:rPr lang="fr-FR" smtClean="0"/>
+              <a:t>42</a:t>
+            </a:fld>
+            <a:endParaRPr lang="fr-FR"/>
+          </a:p>
+        </p:txBody>
+      </p:sp>
+    </p:spTree>
+    <p:extLst>
+      <p:ext uri="{BB962C8B-B14F-4D97-AF65-F5344CB8AC3E}">
+        <p14:creationId xmlns:p14="http://schemas.microsoft.com/office/powerpoint/2010/main" val="559075779"/>
       </p:ext>
     </p:extLst>
   </p:cSld>
@@ -21659,7 +22051,7 @@
         </p:nvSpPr>
         <p:spPr>
           <a:xfrm>
-            <a:off x="1200149" y="1705477"/>
+            <a:off x="1231322" y="1840560"/>
             <a:ext cx="8359485" cy="821951"/>
           </a:xfrm>
         </p:spPr>
@@ -21681,7 +22073,7 @@
                 </a:solidFill>
                 <a:latin typeface="Eurostile" panose="020B0504020202050204" pitchFamily="34" charset="0"/>
               </a:rPr>
-              <a:t>Documentation technique :</a:t>
+              <a:t>Documentation utilisateur :</a:t>
             </a:r>
           </a:p>
         </p:txBody>
@@ -21696,7 +22088,7 @@
         </p:nvSpPr>
         <p:spPr>
           <a:xfrm>
-            <a:off x="1649556" y="2371564"/>
+            <a:off x="1971674" y="2402737"/>
             <a:ext cx="8359485" cy="3862981"/>
           </a:xfrm>
           <a:prstGeom prst="rect">
@@ -21705,7 +22097,7 @@
         </p:spPr>
         <p:txBody>
           <a:bodyPr vert="horz" lIns="91440" tIns="45720" rIns="91440" bIns="45720" rtlCol="0">
-            <a:normAutofit/>
+            <a:normAutofit fontScale="92500" lnSpcReduction="10000"/>
           </a:bodyPr>
           <a:lstStyle>
             <a:lvl1pPr marL="171450" indent="-171450" algn="l" defTabSz="685800" rtl="0" eaLnBrk="1" latinLnBrk="0" hangingPunct="1">
@@ -21886,7 +22278,7 @@
                 </a:solidFill>
                 <a:latin typeface="Eurostile" panose="020B0504020202050204" pitchFamily="34" charset="0"/>
               </a:rPr>
-              <a:t>Commentaires internes aux codes (C# et C/AL)</a:t>
+              <a:t>Présentation de la solution</a:t>
             </a:r>
           </a:p>
           <a:p>
@@ -21904,80 +22296,88 @@
                 </a:solidFill>
                 <a:latin typeface="Eurostile" panose="020B0504020202050204" pitchFamily="34" charset="0"/>
               </a:rPr>
-              <a:t>Explication du fonctionnement des méthodes</a:t>
-            </a:r>
-            <a:endParaRPr lang="fr-FR" sz="500" dirty="0">
+              <a:t>Installation de la solution</a:t>
+            </a:r>
+          </a:p>
+          <a:p>
+            <a:pPr>
+              <a:lnSpc>
+                <a:spcPct val="250000"/>
+              </a:lnSpc>
+              <a:buFont typeface="Wingdings" panose="05000000000000000000" pitchFamily="2" charset="2"/>
+              <a:buChar char="§"/>
+            </a:pPr>
+            <a:r>
+              <a:rPr lang="fr-FR" sz="2000" dirty="0">
+                <a:solidFill>
+                  <a:srgbClr val="004492"/>
+                </a:solidFill>
+                <a:latin typeface="Eurostile" panose="020B0504020202050204" pitchFamily="34" charset="0"/>
+              </a:rPr>
+              <a:t>Informations complémentaires :</a:t>
+            </a:r>
+          </a:p>
+          <a:p>
+            <a:pPr lvl="1">
+              <a:lnSpc>
+                <a:spcPct val="170000"/>
+              </a:lnSpc>
+            </a:pPr>
+            <a:r>
+              <a:rPr lang="fr-FR" dirty="0">
+                <a:solidFill>
+                  <a:srgbClr val="004492"/>
+                </a:solidFill>
+                <a:latin typeface="Eurostile" panose="020B0504020202050204" pitchFamily="34" charset="0"/>
+              </a:rPr>
+              <a:t>Cycle de vie du service</a:t>
+            </a:r>
+          </a:p>
+          <a:p>
+            <a:pPr lvl="1">
+              <a:lnSpc>
+                <a:spcPct val="170000"/>
+              </a:lnSpc>
+            </a:pPr>
+            <a:r>
+              <a:rPr lang="fr-FR" dirty="0">
+                <a:solidFill>
+                  <a:srgbClr val="004492"/>
+                </a:solidFill>
+                <a:latin typeface="Eurostile" panose="020B0504020202050204" pitchFamily="34" charset="0"/>
+              </a:rPr>
+              <a:t>Désinstallation</a:t>
+            </a:r>
+          </a:p>
+          <a:p>
+            <a:pPr lvl="1">
+              <a:lnSpc>
+                <a:spcPct val="170000"/>
+              </a:lnSpc>
+            </a:pPr>
+            <a:r>
+              <a:rPr lang="fr-FR" dirty="0">
+                <a:solidFill>
+                  <a:srgbClr val="004492"/>
+                </a:solidFill>
+                <a:latin typeface="Eurostile" panose="020B0504020202050204" pitchFamily="34" charset="0"/>
+              </a:rPr>
+              <a:t>…</a:t>
+            </a:r>
+          </a:p>
+          <a:p>
+            <a:pPr marL="0" indent="0">
+              <a:lnSpc>
+                <a:spcPct val="250000"/>
+              </a:lnSpc>
+              <a:buNone/>
+            </a:pPr>
+            <a:endParaRPr lang="fr-FR" sz="2000" dirty="0">
               <a:solidFill>
                 <a:srgbClr val="004492"/>
               </a:solidFill>
               <a:latin typeface="Eurostile" panose="020B0504020202050204" pitchFamily="34" charset="0"/>
-            </a:endParaRPr>
-          </a:p>
-          <a:p>
-            <a:pPr>
-              <a:lnSpc>
-                <a:spcPct val="250000"/>
-              </a:lnSpc>
-              <a:buFont typeface="Wingdings" panose="05000000000000000000" pitchFamily="2" charset="2"/>
-              <a:buChar char="§"/>
-            </a:pPr>
-            <a:r>
-              <a:rPr lang="fr-FR" sz="2000" dirty="0">
-                <a:solidFill>
-                  <a:srgbClr val="004492"/>
-                </a:solidFill>
-                <a:latin typeface="Eurostile" panose="020B0504020202050204" pitchFamily="34" charset="0"/>
-                <a:sym typeface="Wingdings" panose="05000000000000000000" pitchFamily="2" charset="2"/>
-              </a:rPr>
-              <a:t>Traçabilité du code :</a:t>
-            </a:r>
-          </a:p>
-        </p:txBody>
-      </p:sp>
-      <p:sp>
-        <p:nvSpPr>
-          <p:cNvPr id="4" name="ZoneTexte 3"/>
-          <p:cNvSpPr txBox="1"/>
-          <p:nvPr/>
-        </p:nvSpPr>
-        <p:spPr>
-          <a:xfrm>
-            <a:off x="1200149" y="5288971"/>
-            <a:ext cx="6600826" cy="707886"/>
-          </a:xfrm>
-          <a:prstGeom prst="rect">
-            <a:avLst/>
-          </a:prstGeom>
-          <a:noFill/>
-        </p:spPr>
-        <p:txBody>
-          <a:bodyPr wrap="square" rtlCol="0">
-            <a:spAutoFit/>
-          </a:bodyPr>
-          <a:lstStyle/>
-          <a:p>
-            <a:r>
-              <a:rPr lang="fr-FR" sz="2000" dirty="0">
-                <a:solidFill>
-                  <a:srgbClr val="FF0000"/>
-                </a:solidFill>
-                <a:latin typeface="Eurostile" panose="020B0504020202050204" pitchFamily="34" charset="0"/>
-              </a:rPr>
-              <a:t>// FA 03-05-2016  =&gt;  Module : explication de la méthode</a:t>
-            </a:r>
-            <a:endParaRPr lang="fr-FR" sz="2000" dirty="0">
-              <a:solidFill>
-                <a:srgbClr val="FF0000"/>
-              </a:solidFill>
-              <a:latin typeface="Eurostile" panose="020B0504020202050204" pitchFamily="34" charset="0"/>
               <a:sym typeface="Wingdings" panose="05000000000000000000" pitchFamily="2" charset="2"/>
-            </a:endParaRPr>
-          </a:p>
-          <a:p>
-            <a:endParaRPr lang="fr-FR" sz="2000" dirty="0">
-              <a:solidFill>
-                <a:srgbClr val="FF0000"/>
-              </a:solidFill>
             </a:endParaRPr>
           </a:p>
         </p:txBody>
@@ -22008,7 +22408,7 @@
     </p:spTree>
     <p:extLst>
       <p:ext uri="{BB962C8B-B14F-4D97-AF65-F5344CB8AC3E}">
-        <p14:creationId xmlns:p14="http://schemas.microsoft.com/office/powerpoint/2010/main" val="559075779"/>
+        <p14:creationId xmlns:p14="http://schemas.microsoft.com/office/powerpoint/2010/main" val="534634749"/>
       </p:ext>
     </p:extLst>
   </p:cSld>
@@ -22047,7 +22447,7 @@
         </p:nvSpPr>
         <p:spPr>
           <a:xfrm>
-            <a:off x="245917" y="0"/>
+            <a:off x="245917" y="10391"/>
             <a:ext cx="6347713" cy="1320800"/>
           </a:xfrm>
         </p:spPr>
@@ -22064,7 +22464,7 @@
                 </a:solidFill>
                 <a:latin typeface="Eurostile" panose="020B0504020202050204" pitchFamily="34" charset="0"/>
               </a:rPr>
-              <a:t>Développement </a:t>
+              <a:t>Bilan humain et</a:t>
             </a:r>
             <a:br>
               <a:rPr lang="fr-FR" sz="3500" dirty="0">
@@ -22081,46 +22481,7 @@
                 </a:solidFill>
                 <a:latin typeface="Eurostile" panose="020B0504020202050204" pitchFamily="34" charset="0"/>
               </a:rPr>
-              <a:t>de la solution</a:t>
-            </a:r>
-          </a:p>
-        </p:txBody>
-      </p:sp>
-      <p:sp>
-        <p:nvSpPr>
-          <p:cNvPr id="6" name="Espace réservé du contenu 30"/>
-          <p:cNvSpPr>
-            <a:spLocks noGrp="1"/>
-          </p:cNvSpPr>
-          <p:nvPr>
-            <p:ph idx="1"/>
-          </p:nvPr>
-        </p:nvSpPr>
-        <p:spPr>
-          <a:xfrm>
-            <a:off x="1231322" y="1840560"/>
-            <a:ext cx="8359485" cy="821951"/>
-          </a:xfrm>
-        </p:spPr>
-        <p:txBody>
-          <a:bodyPr>
-            <a:normAutofit/>
-          </a:bodyPr>
-          <a:lstStyle/>
-          <a:p>
-            <a:pPr>
-              <a:lnSpc>
-                <a:spcPct val="150000"/>
-              </a:lnSpc>
-            </a:pPr>
-            <a:r>
-              <a:rPr lang="fr-FR" sz="2200" dirty="0">
-                <a:solidFill>
-                  <a:srgbClr val="004492"/>
-                </a:solidFill>
-                <a:latin typeface="Eurostile" panose="020B0504020202050204" pitchFamily="34" charset="0"/>
-              </a:rPr>
-              <a:t>Documentation utilisateur :</a:t>
+              <a:t>technique</a:t>
             </a:r>
           </a:p>
         </p:txBody>
@@ -22135,7 +22496,7 @@
         </p:nvSpPr>
         <p:spPr>
           <a:xfrm>
-            <a:off x="1971674" y="2402737"/>
+            <a:off x="1483301" y="2039055"/>
             <a:ext cx="8359485" cy="3862981"/>
           </a:xfrm>
           <a:prstGeom prst="rect">
@@ -22144,7 +22505,7 @@
         </p:spPr>
         <p:txBody>
           <a:bodyPr vert="horz" lIns="91440" tIns="45720" rIns="91440" bIns="45720" rtlCol="0">
-            <a:normAutofit fontScale="92500" lnSpcReduction="10000"/>
+            <a:normAutofit/>
           </a:bodyPr>
           <a:lstStyle>
             <a:lvl1pPr marL="171450" indent="-171450" algn="l" defTabSz="685800" rtl="0" eaLnBrk="1" latinLnBrk="0" hangingPunct="1">
@@ -22319,13 +22680,13 @@
               <a:buChar char="§"/>
             </a:pPr>
             <a:r>
-              <a:rPr lang="fr-FR" sz="2000" dirty="0">
+              <a:rPr lang="fr-FR" sz="2200" dirty="0">
                 <a:solidFill>
                   <a:srgbClr val="004492"/>
                 </a:solidFill>
                 <a:latin typeface="Eurostile" panose="020B0504020202050204" pitchFamily="34" charset="0"/>
               </a:rPr>
-              <a:t>Présentation de la solution</a:t>
+              <a:t> Expérience très enrichissante et motivante</a:t>
             </a:r>
           </a:p>
           <a:p>
@@ -22337,13 +22698,13 @@
               <a:buChar char="§"/>
             </a:pPr>
             <a:r>
-              <a:rPr lang="fr-FR" sz="2000" dirty="0">
+              <a:rPr lang="fr-FR" sz="2200" dirty="0">
                 <a:solidFill>
                   <a:srgbClr val="004492"/>
                 </a:solidFill>
                 <a:latin typeface="Eurostile" panose="020B0504020202050204" pitchFamily="34" charset="0"/>
               </a:rPr>
-              <a:t>Installation de la solution</a:t>
+              <a:t> Projet à la fois technique, complet et intéressant</a:t>
             </a:r>
           </a:p>
           <a:p>
@@ -22355,77 +22716,51 @@
               <a:buChar char="§"/>
             </a:pPr>
             <a:r>
-              <a:rPr lang="fr-FR" sz="2000" dirty="0">
+              <a:rPr lang="fr-FR" sz="2200" dirty="0">
                 <a:solidFill>
                   <a:srgbClr val="004492"/>
                 </a:solidFill>
                 <a:latin typeface="Eurostile" panose="020B0504020202050204" pitchFamily="34" charset="0"/>
-              </a:rPr>
-              <a:t>Informations complémentaires :</a:t>
-            </a:r>
-          </a:p>
-          <a:p>
-            <a:pPr lvl="1">
-              <a:lnSpc>
-                <a:spcPct val="170000"/>
-              </a:lnSpc>
-            </a:pPr>
-            <a:r>
-              <a:rPr lang="fr-FR" dirty="0">
+                <a:sym typeface="Wingdings" panose="05000000000000000000" pitchFamily="2" charset="2"/>
+              </a:rPr>
+              <a:t> Mise en place des compétences acquises à l’</a:t>
+            </a:r>
+            <a:r>
+              <a:rPr lang="fr-FR" sz="2200" dirty="0" err="1">
                 <a:solidFill>
                   <a:srgbClr val="004492"/>
                 </a:solidFill>
                 <a:latin typeface="Eurostile" panose="020B0504020202050204" pitchFamily="34" charset="0"/>
-              </a:rPr>
-              <a:t>Cycle de vie du service</a:t>
-            </a:r>
-          </a:p>
-          <a:p>
-            <a:pPr lvl="1">
-              <a:lnSpc>
-                <a:spcPct val="170000"/>
-              </a:lnSpc>
-            </a:pPr>
-            <a:r>
-              <a:rPr lang="fr-FR" dirty="0">
-                <a:solidFill>
-                  <a:srgbClr val="004492"/>
-                </a:solidFill>
-                <a:latin typeface="Eurostile" panose="020B0504020202050204" pitchFamily="34" charset="0"/>
-              </a:rPr>
-              <a:t>Désinstallation</a:t>
-            </a:r>
-          </a:p>
-          <a:p>
-            <a:pPr lvl="1">
-              <a:lnSpc>
-                <a:spcPct val="170000"/>
-              </a:lnSpc>
-            </a:pPr>
-            <a:r>
-              <a:rPr lang="fr-FR" dirty="0">
-                <a:solidFill>
-                  <a:srgbClr val="004492"/>
-                </a:solidFill>
-                <a:latin typeface="Eurostile" panose="020B0504020202050204" pitchFamily="34" charset="0"/>
-              </a:rPr>
-              <a:t>…</a:t>
-            </a:r>
-          </a:p>
-          <a:p>
-            <a:pPr marL="0" indent="0">
-              <a:lnSpc>
-                <a:spcPct val="250000"/>
-              </a:lnSpc>
-              <a:buNone/>
-            </a:pPr>
-            <a:endParaRPr lang="fr-FR" sz="2000" dirty="0">
+                <a:sym typeface="Wingdings" panose="05000000000000000000" pitchFamily="2" charset="2"/>
+              </a:rPr>
+              <a:t>lUT</a:t>
+            </a:r>
+            <a:endParaRPr lang="fr-FR" sz="2200" dirty="0">
               <a:solidFill>
                 <a:srgbClr val="004492"/>
               </a:solidFill>
               <a:latin typeface="Eurostile" panose="020B0504020202050204" pitchFamily="34" charset="0"/>
               <a:sym typeface="Wingdings" panose="05000000000000000000" pitchFamily="2" charset="2"/>
             </a:endParaRPr>
+          </a:p>
+          <a:p>
+            <a:pPr>
+              <a:lnSpc>
+                <a:spcPct val="250000"/>
+              </a:lnSpc>
+              <a:buFont typeface="Wingdings" panose="05000000000000000000" pitchFamily="2" charset="2"/>
+              <a:buChar char="§"/>
+            </a:pPr>
+            <a:r>
+              <a:rPr lang="fr-FR" sz="2200" dirty="0">
+                <a:solidFill>
+                  <a:srgbClr val="004492"/>
+                </a:solidFill>
+                <a:latin typeface="Eurostile" panose="020B0504020202050204" pitchFamily="34" charset="0"/>
+                <a:sym typeface="Wingdings" panose="05000000000000000000" pitchFamily="2" charset="2"/>
+              </a:rPr>
+              <a:t> Découverte de technologies spécifiques </a:t>
+            </a:r>
           </a:p>
         </p:txBody>
       </p:sp>
@@ -22455,7 +22790,7 @@
     </p:spTree>
     <p:extLst>
       <p:ext uri="{BB962C8B-B14F-4D97-AF65-F5344CB8AC3E}">
-        <p14:creationId xmlns:p14="http://schemas.microsoft.com/office/powerpoint/2010/main" val="534634749"/>
+        <p14:creationId xmlns:p14="http://schemas.microsoft.com/office/powerpoint/2010/main" val="152622507"/>
       </p:ext>
     </p:extLst>
   </p:cSld>
@@ -22543,7 +22878,7 @@
         </p:nvSpPr>
         <p:spPr>
           <a:xfrm>
-            <a:off x="1483301" y="2039055"/>
+            <a:off x="1161183" y="1987101"/>
             <a:ext cx="8359485" cy="3862981"/>
           </a:xfrm>
           <a:prstGeom prst="rect">
@@ -22733,7 +23068,7 @@
                 </a:solidFill>
                 <a:latin typeface="Eurostile" panose="020B0504020202050204" pitchFamily="34" charset="0"/>
               </a:rPr>
-              <a:t> Expérience très enrichissante et motivante</a:t>
+              <a:t> Stage de 10 semaines : atout pour le parcours professionnel</a:t>
             </a:r>
           </a:p>
           <a:p>
@@ -22750,8 +23085,9 @@
                   <a:srgbClr val="004492"/>
                 </a:solidFill>
                 <a:latin typeface="Eurostile" panose="020B0504020202050204" pitchFamily="34" charset="0"/>
-              </a:rPr>
-              <a:t> Projet à la fois technique, complet et intéressant</a:t>
+                <a:sym typeface="Wingdings" panose="05000000000000000000" pitchFamily="2" charset="2"/>
+              </a:rPr>
+              <a:t> Premier pas dans le monde professionnel</a:t>
             </a:r>
           </a:p>
           <a:p>
@@ -22770,18 +23106,17 @@
                 <a:latin typeface="Eurostile" panose="020B0504020202050204" pitchFamily="34" charset="0"/>
                 <a:sym typeface="Wingdings" panose="05000000000000000000" pitchFamily="2" charset="2"/>
               </a:rPr>
-              <a:t> Mise en place des compétences acquises à l’</a:t>
-            </a:r>
-            <a:r>
-              <a:rPr lang="fr-FR" sz="2200" dirty="0" err="1">
-                <a:solidFill>
-                  <a:srgbClr val="004492"/>
-                </a:solidFill>
-                <a:latin typeface="Eurostile" panose="020B0504020202050204" pitchFamily="34" charset="0"/>
-                <a:sym typeface="Wingdings" panose="05000000000000000000" pitchFamily="2" charset="2"/>
-              </a:rPr>
-              <a:t>lUT</a:t>
-            </a:r>
+              <a:t> Me conforte dans mon envie de me diriger vers les métiers du développement de projets informatiques</a:t>
+            </a:r>
+          </a:p>
+          <a:p>
+            <a:pPr>
+              <a:lnSpc>
+                <a:spcPct val="250000"/>
+              </a:lnSpc>
+              <a:buFont typeface="Wingdings" panose="05000000000000000000" pitchFamily="2" charset="2"/>
+              <a:buChar char="§"/>
+            </a:pPr>
             <a:endParaRPr lang="fr-FR" sz="2200" dirty="0">
               <a:solidFill>
                 <a:srgbClr val="004492"/>
@@ -22790,25 +23125,6 @@
               <a:sym typeface="Wingdings" panose="05000000000000000000" pitchFamily="2" charset="2"/>
             </a:endParaRPr>
           </a:p>
-          <a:p>
-            <a:pPr>
-              <a:lnSpc>
-                <a:spcPct val="250000"/>
-              </a:lnSpc>
-              <a:buFont typeface="Wingdings" panose="05000000000000000000" pitchFamily="2" charset="2"/>
-              <a:buChar char="§"/>
-            </a:pPr>
-            <a:r>
-              <a:rPr lang="fr-FR" sz="2200" dirty="0">
-                <a:solidFill>
-                  <a:srgbClr val="004492"/>
-                </a:solidFill>
-                <a:latin typeface="Eurostile" panose="020B0504020202050204" pitchFamily="34" charset="0"/>
-                <a:sym typeface="Wingdings" panose="05000000000000000000" pitchFamily="2" charset="2"/>
-              </a:rPr>
-              <a:t> Découverte de technologies spécifiques </a:t>
-            </a:r>
-          </a:p>
         </p:txBody>
       </p:sp>
       <p:sp>
@@ -22837,7 +23153,7 @@
     </p:spTree>
     <p:extLst>
       <p:ext uri="{BB962C8B-B14F-4D97-AF65-F5344CB8AC3E}">
-        <p14:creationId xmlns:p14="http://schemas.microsoft.com/office/powerpoint/2010/main" val="152622507"/>
+        <p14:creationId xmlns:p14="http://schemas.microsoft.com/office/powerpoint/2010/main" val="2284297550"/>
       </p:ext>
     </p:extLst>
   </p:cSld>
@@ -22866,369 +23182,6 @@
       </p:grpSpPr>
       <p:sp>
         <p:nvSpPr>
-          <p:cNvPr id="2" name="Titre 1"/>
-          <p:cNvSpPr>
-            <a:spLocks noGrp="1"/>
-          </p:cNvSpPr>
-          <p:nvPr>
-            <p:ph type="title"/>
-          </p:nvPr>
-        </p:nvSpPr>
-        <p:spPr>
-          <a:xfrm>
-            <a:off x="245917" y="10391"/>
-            <a:ext cx="6347713" cy="1320800"/>
-          </a:xfrm>
-        </p:spPr>
-        <p:txBody>
-          <a:bodyPr>
-            <a:normAutofit/>
-          </a:bodyPr>
-          <a:lstStyle/>
-          <a:p>
-            <a:r>
-              <a:rPr lang="fr-FR" sz="3500" dirty="0">
-                <a:solidFill>
-                  <a:schemeClr val="bg1"/>
-                </a:solidFill>
-                <a:latin typeface="Eurostile" panose="020B0504020202050204" pitchFamily="34" charset="0"/>
-              </a:rPr>
-              <a:t>Bilan humain et</a:t>
-            </a:r>
-            <a:br>
-              <a:rPr lang="fr-FR" sz="3500" dirty="0">
-                <a:solidFill>
-                  <a:schemeClr val="bg1"/>
-                </a:solidFill>
-                <a:latin typeface="Eurostile" panose="020B0504020202050204" pitchFamily="34" charset="0"/>
-              </a:rPr>
-            </a:br>
-            <a:r>
-              <a:rPr lang="fr-FR" sz="3500" dirty="0">
-                <a:solidFill>
-                  <a:schemeClr val="bg1"/>
-                </a:solidFill>
-                <a:latin typeface="Eurostile" panose="020B0504020202050204" pitchFamily="34" charset="0"/>
-              </a:rPr>
-              <a:t>technique</a:t>
-            </a:r>
-          </a:p>
-        </p:txBody>
-      </p:sp>
-      <p:sp>
-        <p:nvSpPr>
-          <p:cNvPr id="5" name="Espace réservé du contenu 30"/>
-          <p:cNvSpPr txBox="1">
-            <a:spLocks/>
-          </p:cNvSpPr>
-          <p:nvPr/>
-        </p:nvSpPr>
-        <p:spPr>
-          <a:xfrm>
-            <a:off x="1161183" y="1987101"/>
-            <a:ext cx="8359485" cy="3862981"/>
-          </a:xfrm>
-          <a:prstGeom prst="rect">
-            <a:avLst/>
-          </a:prstGeom>
-        </p:spPr>
-        <p:txBody>
-          <a:bodyPr vert="horz" lIns="91440" tIns="45720" rIns="91440" bIns="45720" rtlCol="0">
-            <a:normAutofit/>
-          </a:bodyPr>
-          <a:lstStyle>
-            <a:lvl1pPr marL="171450" indent="-171450" algn="l" defTabSz="685800" rtl="0" eaLnBrk="1" latinLnBrk="0" hangingPunct="1">
-              <a:lnSpc>
-                <a:spcPct val="90000"/>
-              </a:lnSpc>
-              <a:spcBef>
-                <a:spcPts val="750"/>
-              </a:spcBef>
-              <a:buFont typeface="Arial" panose="020B0604020202020204" pitchFamily="34" charset="0"/>
-              <a:buChar char="•"/>
-              <a:defRPr sz="2100" kern="1200">
-                <a:solidFill>
-                  <a:schemeClr val="tx1"/>
-                </a:solidFill>
-                <a:latin typeface="+mn-lt"/>
-                <a:ea typeface="+mn-ea"/>
-                <a:cs typeface="+mn-cs"/>
-              </a:defRPr>
-            </a:lvl1pPr>
-            <a:lvl2pPr marL="514350" indent="-171450" algn="l" defTabSz="685800" rtl="0" eaLnBrk="1" latinLnBrk="0" hangingPunct="1">
-              <a:lnSpc>
-                <a:spcPct val="90000"/>
-              </a:lnSpc>
-              <a:spcBef>
-                <a:spcPts val="375"/>
-              </a:spcBef>
-              <a:buFont typeface="Arial" panose="020B0604020202020204" pitchFamily="34" charset="0"/>
-              <a:buChar char="•"/>
-              <a:defRPr sz="1800" kern="1200">
-                <a:solidFill>
-                  <a:schemeClr val="tx1"/>
-                </a:solidFill>
-                <a:latin typeface="+mn-lt"/>
-                <a:ea typeface="+mn-ea"/>
-                <a:cs typeface="+mn-cs"/>
-              </a:defRPr>
-            </a:lvl2pPr>
-            <a:lvl3pPr marL="857250" indent="-171450" algn="l" defTabSz="685800" rtl="0" eaLnBrk="1" latinLnBrk="0" hangingPunct="1">
-              <a:lnSpc>
-                <a:spcPct val="90000"/>
-              </a:lnSpc>
-              <a:spcBef>
-                <a:spcPts val="375"/>
-              </a:spcBef>
-              <a:buFont typeface="Arial" panose="020B0604020202020204" pitchFamily="34" charset="0"/>
-              <a:buChar char="•"/>
-              <a:defRPr sz="1500" kern="1200">
-                <a:solidFill>
-                  <a:schemeClr val="tx1"/>
-                </a:solidFill>
-                <a:latin typeface="+mn-lt"/>
-                <a:ea typeface="+mn-ea"/>
-                <a:cs typeface="+mn-cs"/>
-              </a:defRPr>
-            </a:lvl3pPr>
-            <a:lvl4pPr marL="1200150" indent="-171450" algn="l" defTabSz="685800" rtl="0" eaLnBrk="1" latinLnBrk="0" hangingPunct="1">
-              <a:lnSpc>
-                <a:spcPct val="90000"/>
-              </a:lnSpc>
-              <a:spcBef>
-                <a:spcPts val="375"/>
-              </a:spcBef>
-              <a:buFont typeface="Arial" panose="020B0604020202020204" pitchFamily="34" charset="0"/>
-              <a:buChar char="•"/>
-              <a:defRPr sz="1350" kern="1200">
-                <a:solidFill>
-                  <a:schemeClr val="tx1"/>
-                </a:solidFill>
-                <a:latin typeface="+mn-lt"/>
-                <a:ea typeface="+mn-ea"/>
-                <a:cs typeface="+mn-cs"/>
-              </a:defRPr>
-            </a:lvl4pPr>
-            <a:lvl5pPr marL="1543050" indent="-171450" algn="l" defTabSz="685800" rtl="0" eaLnBrk="1" latinLnBrk="0" hangingPunct="1">
-              <a:lnSpc>
-                <a:spcPct val="90000"/>
-              </a:lnSpc>
-              <a:spcBef>
-                <a:spcPts val="375"/>
-              </a:spcBef>
-              <a:buFont typeface="Arial" panose="020B0604020202020204" pitchFamily="34" charset="0"/>
-              <a:buChar char="•"/>
-              <a:defRPr sz="1350" kern="1200">
-                <a:solidFill>
-                  <a:schemeClr val="tx1"/>
-                </a:solidFill>
-                <a:latin typeface="+mn-lt"/>
-                <a:ea typeface="+mn-ea"/>
-                <a:cs typeface="+mn-cs"/>
-              </a:defRPr>
-            </a:lvl5pPr>
-            <a:lvl6pPr marL="1885950" indent="-171450" algn="l" defTabSz="685800" rtl="0" eaLnBrk="1" latinLnBrk="0" hangingPunct="1">
-              <a:lnSpc>
-                <a:spcPct val="90000"/>
-              </a:lnSpc>
-              <a:spcBef>
-                <a:spcPts val="375"/>
-              </a:spcBef>
-              <a:buFont typeface="Arial" panose="020B0604020202020204" pitchFamily="34" charset="0"/>
-              <a:buChar char="•"/>
-              <a:defRPr sz="1350" kern="1200">
-                <a:solidFill>
-                  <a:schemeClr val="tx1"/>
-                </a:solidFill>
-                <a:latin typeface="+mn-lt"/>
-                <a:ea typeface="+mn-ea"/>
-                <a:cs typeface="+mn-cs"/>
-              </a:defRPr>
-            </a:lvl6pPr>
-            <a:lvl7pPr marL="2228850" indent="-171450" algn="l" defTabSz="685800" rtl="0" eaLnBrk="1" latinLnBrk="0" hangingPunct="1">
-              <a:lnSpc>
-                <a:spcPct val="90000"/>
-              </a:lnSpc>
-              <a:spcBef>
-                <a:spcPts val="375"/>
-              </a:spcBef>
-              <a:buFont typeface="Arial" panose="020B0604020202020204" pitchFamily="34" charset="0"/>
-              <a:buChar char="•"/>
-              <a:defRPr sz="1350" kern="1200">
-                <a:solidFill>
-                  <a:schemeClr val="tx1"/>
-                </a:solidFill>
-                <a:latin typeface="+mn-lt"/>
-                <a:ea typeface="+mn-ea"/>
-                <a:cs typeface="+mn-cs"/>
-              </a:defRPr>
-            </a:lvl7pPr>
-            <a:lvl8pPr marL="2571750" indent="-171450" algn="l" defTabSz="685800" rtl="0" eaLnBrk="1" latinLnBrk="0" hangingPunct="1">
-              <a:lnSpc>
-                <a:spcPct val="90000"/>
-              </a:lnSpc>
-              <a:spcBef>
-                <a:spcPts val="375"/>
-              </a:spcBef>
-              <a:buFont typeface="Arial" panose="020B0604020202020204" pitchFamily="34" charset="0"/>
-              <a:buChar char="•"/>
-              <a:defRPr sz="1350" kern="1200">
-                <a:solidFill>
-                  <a:schemeClr val="tx1"/>
-                </a:solidFill>
-                <a:latin typeface="+mn-lt"/>
-                <a:ea typeface="+mn-ea"/>
-                <a:cs typeface="+mn-cs"/>
-              </a:defRPr>
-            </a:lvl8pPr>
-            <a:lvl9pPr marL="2914650" indent="-171450" algn="l" defTabSz="685800" rtl="0" eaLnBrk="1" latinLnBrk="0" hangingPunct="1">
-              <a:lnSpc>
-                <a:spcPct val="90000"/>
-              </a:lnSpc>
-              <a:spcBef>
-                <a:spcPts val="375"/>
-              </a:spcBef>
-              <a:buFont typeface="Arial" panose="020B0604020202020204" pitchFamily="34" charset="0"/>
-              <a:buChar char="•"/>
-              <a:defRPr sz="1350" kern="1200">
-                <a:solidFill>
-                  <a:schemeClr val="tx1"/>
-                </a:solidFill>
-                <a:latin typeface="+mn-lt"/>
-                <a:ea typeface="+mn-ea"/>
-                <a:cs typeface="+mn-cs"/>
-              </a:defRPr>
-            </a:lvl9pPr>
-          </a:lstStyle>
-          <a:p>
-            <a:pPr>
-              <a:lnSpc>
-                <a:spcPct val="250000"/>
-              </a:lnSpc>
-              <a:buFont typeface="Wingdings" panose="05000000000000000000" pitchFamily="2" charset="2"/>
-              <a:buChar char="§"/>
-            </a:pPr>
-            <a:r>
-              <a:rPr lang="fr-FR" sz="2200" dirty="0">
-                <a:solidFill>
-                  <a:srgbClr val="004492"/>
-                </a:solidFill>
-                <a:latin typeface="Eurostile" panose="020B0504020202050204" pitchFamily="34" charset="0"/>
-              </a:rPr>
-              <a:t> Stage de 10 semaines : atout pour le parcours professionnel</a:t>
-            </a:r>
-          </a:p>
-          <a:p>
-            <a:pPr>
-              <a:lnSpc>
-                <a:spcPct val="250000"/>
-              </a:lnSpc>
-              <a:buFont typeface="Wingdings" panose="05000000000000000000" pitchFamily="2" charset="2"/>
-              <a:buChar char="§"/>
-            </a:pPr>
-            <a:r>
-              <a:rPr lang="fr-FR" sz="2200" dirty="0">
-                <a:solidFill>
-                  <a:srgbClr val="004492"/>
-                </a:solidFill>
-                <a:latin typeface="Eurostile" panose="020B0504020202050204" pitchFamily="34" charset="0"/>
-                <a:sym typeface="Wingdings" panose="05000000000000000000" pitchFamily="2" charset="2"/>
-              </a:rPr>
-              <a:t> Premier pas dans le monde professionnel</a:t>
-            </a:r>
-          </a:p>
-          <a:p>
-            <a:pPr>
-              <a:lnSpc>
-                <a:spcPct val="250000"/>
-              </a:lnSpc>
-              <a:buFont typeface="Wingdings" panose="05000000000000000000" pitchFamily="2" charset="2"/>
-              <a:buChar char="§"/>
-            </a:pPr>
-            <a:r>
-              <a:rPr lang="fr-FR" sz="2200" dirty="0">
-                <a:solidFill>
-                  <a:srgbClr val="004492"/>
-                </a:solidFill>
-                <a:latin typeface="Eurostile" panose="020B0504020202050204" pitchFamily="34" charset="0"/>
-                <a:sym typeface="Wingdings" panose="05000000000000000000" pitchFamily="2" charset="2"/>
-              </a:rPr>
-              <a:t> Me conforte dans mon envie de me diriger vers les métiers du développement de projets informatiques</a:t>
-            </a:r>
-          </a:p>
-          <a:p>
-            <a:pPr>
-              <a:lnSpc>
-                <a:spcPct val="250000"/>
-              </a:lnSpc>
-              <a:buFont typeface="Wingdings" panose="05000000000000000000" pitchFamily="2" charset="2"/>
-              <a:buChar char="§"/>
-            </a:pPr>
-            <a:endParaRPr lang="fr-FR" sz="2200" dirty="0">
-              <a:solidFill>
-                <a:srgbClr val="004492"/>
-              </a:solidFill>
-              <a:latin typeface="Eurostile" panose="020B0504020202050204" pitchFamily="34" charset="0"/>
-              <a:sym typeface="Wingdings" panose="05000000000000000000" pitchFamily="2" charset="2"/>
-            </a:endParaRPr>
-          </a:p>
-        </p:txBody>
-      </p:sp>
-      <p:sp>
-        <p:nvSpPr>
-          <p:cNvPr id="3" name="Espace réservé du numéro de diapositive 2"/>
-          <p:cNvSpPr>
-            <a:spLocks noGrp="1"/>
-          </p:cNvSpPr>
-          <p:nvPr>
-            <p:ph type="sldNum" sz="quarter" idx="12"/>
-          </p:nvPr>
-        </p:nvSpPr>
-        <p:spPr/>
-        <p:txBody>
-          <a:bodyPr/>
-          <a:lstStyle/>
-          <a:p>
-            <a:fld id="{0A0AF257-D28F-495E-9E53-3BED59B8AA35}" type="slidenum">
-              <a:rPr lang="fr-FR" smtClean="0"/>
-              <a:t>46</a:t>
-            </a:fld>
-            <a:endParaRPr lang="fr-FR"/>
-          </a:p>
-        </p:txBody>
-      </p:sp>
-    </p:spTree>
-    <p:extLst>
-      <p:ext uri="{BB962C8B-B14F-4D97-AF65-F5344CB8AC3E}">
-        <p14:creationId xmlns:p14="http://schemas.microsoft.com/office/powerpoint/2010/main" val="2284297550"/>
-      </p:ext>
-    </p:extLst>
-  </p:cSld>
-  <p:clrMapOvr>
-    <a:masterClrMapping/>
-  </p:clrMapOvr>
-</p:sld>
-</file>
-
-<file path=ppt/slides/slide47.xml><?xml version="1.0" encoding="utf-8"?>
-<p:sld xmlns:a="http://schemas.openxmlformats.org/drawingml/2006/main" xmlns:r="http://schemas.openxmlformats.org/officeDocument/2006/relationships" xmlns:p="http://schemas.openxmlformats.org/presentationml/2006/main">
-  <p:cSld>
-    <p:spTree>
-      <p:nvGrpSpPr>
-        <p:cNvPr id="1" name=""/>
-        <p:cNvGrpSpPr/>
-        <p:nvPr/>
-      </p:nvGrpSpPr>
-      <p:grpSpPr>
-        <a:xfrm>
-          <a:off x="0" y="0"/>
-          <a:ext cx="0" cy="0"/>
-          <a:chOff x="0" y="0"/>
-          <a:chExt cx="0" cy="0"/>
-        </a:xfrm>
-      </p:grpSpPr>
-      <p:sp>
-        <p:nvSpPr>
           <p:cNvPr id="6" name="Espace réservé du contenu 30"/>
           <p:cNvSpPr txBox="1">
             <a:spLocks/>
@@ -23455,7 +23408,7 @@
           <a:p>
             <a:fld id="{0A0AF257-D28F-495E-9E53-3BED59B8AA35}" type="slidenum">
               <a:rPr lang="fr-FR" smtClean="0"/>
-              <a:t>47</a:t>
+              <a:t>46</a:t>
             </a:fld>
             <a:endParaRPr lang="fr-FR"/>
           </a:p>

--- a/Soutenance_Stage.pptx
+++ b/Soutenance_Stage.pptx
@@ -5,7 +5,7 @@
     <p:sldMasterId id="2147483694" r:id="rId1"/>
   </p:sldMasterIdLst>
   <p:notesMasterIdLst>
-    <p:notesMasterId r:id="rId34"/>
+    <p:notesMasterId r:id="rId35"/>
   </p:notesMasterIdLst>
   <p:sldIdLst>
     <p:sldId id="256" r:id="rId2"/>
@@ -37,9 +37,10 @@
     <p:sldId id="335" r:id="rId28"/>
     <p:sldId id="333" r:id="rId29"/>
     <p:sldId id="332" r:id="rId30"/>
-    <p:sldId id="301" r:id="rId31"/>
-    <p:sldId id="302" r:id="rId32"/>
-    <p:sldId id="305" r:id="rId33"/>
+    <p:sldId id="336" r:id="rId31"/>
+    <p:sldId id="301" r:id="rId32"/>
+    <p:sldId id="302" r:id="rId33"/>
+    <p:sldId id="305" r:id="rId34"/>
   </p:sldIdLst>
   <p:sldSz cx="9144000" cy="6858000" type="screen4x3"/>
   <p:notesSz cx="6858000" cy="9144000"/>
@@ -228,7 +229,7 @@
           <a:p>
             <a:fld id="{6A6B8603-F168-4293-AE02-38B8D4407F2C}" type="datetimeFigureOut">
               <a:rPr lang="fr-FR" smtClean="0"/>
-              <a:t>22/05/2017</a:t>
+              <a:t>26/05/2017</a:t>
             </a:fld>
             <a:endParaRPr lang="fr-FR"/>
           </a:p>
@@ -624,7 +625,7 @@
           <a:p>
             <a:fld id="{C61A2356-E161-48C6-974A-E0A2B3A6E478}" type="datetime1">
               <a:rPr lang="fr-FR" smtClean="0"/>
-              <a:t>22/05/2017</a:t>
+              <a:t>26/05/2017</a:t>
             </a:fld>
             <a:endParaRPr lang="fr-FR"/>
           </a:p>
@@ -792,7 +793,7 @@
           <a:p>
             <a:fld id="{A48A7D4D-F8D9-43CD-9DB2-FDB2C5CB8AE3}" type="datetime1">
               <a:rPr lang="fr-FR" smtClean="0"/>
-              <a:t>22/05/2017</a:t>
+              <a:t>26/05/2017</a:t>
             </a:fld>
             <a:endParaRPr lang="fr-FR"/>
           </a:p>
@@ -970,7 +971,7 @@
           <a:p>
             <a:fld id="{82ABE3F5-26BA-4BFC-AFDC-3AC7FE105C9D}" type="datetime1">
               <a:rPr lang="fr-FR" smtClean="0"/>
-              <a:t>22/05/2017</a:t>
+              <a:t>26/05/2017</a:t>
             </a:fld>
             <a:endParaRPr lang="fr-FR"/>
           </a:p>
@@ -1138,7 +1139,7 @@
           <a:p>
             <a:fld id="{C711CD0E-760D-4202-B0C1-E7D5CF6BAA62}" type="datetime1">
               <a:rPr lang="fr-FR" smtClean="0"/>
-              <a:t>22/05/2017</a:t>
+              <a:t>26/05/2017</a:t>
             </a:fld>
             <a:endParaRPr lang="fr-FR"/>
           </a:p>
@@ -1383,7 +1384,7 @@
           <a:p>
             <a:fld id="{F704051D-05F2-4EFF-BAA5-5AA6BE41474E}" type="datetime1">
               <a:rPr lang="fr-FR" smtClean="0"/>
-              <a:t>22/05/2017</a:t>
+              <a:t>26/05/2017</a:t>
             </a:fld>
             <a:endParaRPr lang="fr-FR"/>
           </a:p>
@@ -1612,7 +1613,7 @@
           <a:p>
             <a:fld id="{5B1E51B9-3C08-47E2-B3DF-FAB5241977DC}" type="datetime1">
               <a:rPr lang="fr-FR" smtClean="0"/>
-              <a:t>22/05/2017</a:t>
+              <a:t>26/05/2017</a:t>
             </a:fld>
             <a:endParaRPr lang="fr-FR"/>
           </a:p>
@@ -1976,7 +1977,7 @@
           <a:p>
             <a:fld id="{A0C115EA-13E3-4C85-85DE-3CCFF6A9740B}" type="datetime1">
               <a:rPr lang="fr-FR" smtClean="0"/>
-              <a:t>22/05/2017</a:t>
+              <a:t>26/05/2017</a:t>
             </a:fld>
             <a:endParaRPr lang="fr-FR"/>
           </a:p>
@@ -2093,7 +2094,7 @@
           <a:p>
             <a:fld id="{68F67F48-8778-44AB-9E95-D19A6ABDAF43}" type="datetime1">
               <a:rPr lang="fr-FR" smtClean="0"/>
-              <a:t>22/05/2017</a:t>
+              <a:t>26/05/2017</a:t>
             </a:fld>
             <a:endParaRPr lang="fr-FR"/>
           </a:p>
@@ -2188,7 +2189,7 @@
           <a:p>
             <a:fld id="{663C7F81-61AA-4D25-8AB3-DE0D31697BD5}" type="datetime1">
               <a:rPr lang="fr-FR" smtClean="0"/>
-              <a:t>22/05/2017</a:t>
+              <a:t>26/05/2017</a:t>
             </a:fld>
             <a:endParaRPr lang="fr-FR"/>
           </a:p>
@@ -2463,7 +2464,7 @@
           <a:p>
             <a:fld id="{14CB0180-EC6F-44E5-B856-8B0D40ADA19F}" type="datetime1">
               <a:rPr lang="fr-FR" smtClean="0"/>
-              <a:t>22/05/2017</a:t>
+              <a:t>26/05/2017</a:t>
             </a:fld>
             <a:endParaRPr lang="fr-FR"/>
           </a:p>
@@ -2715,7 +2716,7 @@
           <a:p>
             <a:fld id="{BC5DA1EF-175C-4684-858C-4DA625CE5717}" type="datetime1">
               <a:rPr lang="fr-FR" smtClean="0"/>
-              <a:t>22/05/2017</a:t>
+              <a:t>26/05/2017</a:t>
             </a:fld>
             <a:endParaRPr lang="fr-FR"/>
           </a:p>
@@ -2935,7 +2936,7 @@
           <a:p>
             <a:fld id="{E7E6C54A-DA3B-4E4A-92D2-3E89B5E318E2}" type="datetime1">
               <a:rPr lang="fr-FR" smtClean="0"/>
-              <a:t>22/05/2017</a:t>
+              <a:t>26/05/2017</a:t>
             </a:fld>
             <a:endParaRPr lang="fr-FR"/>
           </a:p>
@@ -3353,7 +3354,7 @@
         </p:nvSpPr>
         <p:spPr>
           <a:xfrm>
-            <a:off x="0" y="1811318"/>
+            <a:off x="0" y="1746868"/>
             <a:ext cx="9144000" cy="1646302"/>
           </a:xfrm>
         </p:spPr>
@@ -3422,7 +3423,7 @@
         <p:spPr>
           <a:xfrm>
             <a:off x="277661" y="234648"/>
-            <a:ext cx="2710927" cy="892552"/>
+            <a:ext cx="2710927" cy="954107"/>
           </a:xfrm>
           <a:prstGeom prst="rect">
             <a:avLst/>
@@ -3436,7 +3437,7 @@
           <a:lstStyle/>
           <a:p>
             <a:r>
-              <a:rPr lang="fr-FR" sz="2600" dirty="0">
+              <a:rPr lang="fr-FR" sz="2800" dirty="0">
                 <a:solidFill>
                   <a:schemeClr val="bg1"/>
                 </a:solidFill>
@@ -3448,7 +3449,7 @@
           </a:p>
           <a:p>
             <a:r>
-              <a:rPr lang="fr-FR" sz="2600" dirty="0">
+              <a:rPr lang="fr-FR" sz="2800" dirty="0">
                 <a:solidFill>
                   <a:schemeClr val="bg1"/>
                 </a:solidFill>
@@ -3534,7 +3535,7 @@
         <p:spPr>
           <a:xfrm>
             <a:off x="0" y="1641196"/>
-            <a:ext cx="9144000" cy="584775"/>
+            <a:ext cx="9144000" cy="646331"/>
           </a:xfrm>
           <a:prstGeom prst="rect">
             <a:avLst/>
@@ -3549,7 +3550,7 @@
           <a:p>
             <a:pPr algn="ctr"/>
             <a:r>
-              <a:rPr lang="fr-FR" sz="1600" dirty="0">
+              <a:rPr lang="fr-FR" dirty="0">
                 <a:solidFill>
                   <a:srgbClr val="005DC4"/>
                 </a:solidFill>
@@ -3562,7 +3563,7 @@
           <a:p>
             <a:pPr algn="ctr"/>
             <a:r>
-              <a:rPr lang="fr-FR" sz="1600" dirty="0">
+              <a:rPr lang="fr-FR" dirty="0">
                 <a:solidFill>
                   <a:srgbClr val="005DC4"/>
                 </a:solidFill>
@@ -8635,7 +8636,7 @@
         </p:nvSpPr>
         <p:spPr>
           <a:xfrm>
-            <a:off x="896787" y="2102126"/>
+            <a:off x="919090" y="2090974"/>
             <a:ext cx="7886700" cy="4351338"/>
           </a:xfrm>
         </p:spPr>
@@ -15216,7 +15217,7 @@
         </p:nvSpPr>
         <p:spPr>
           <a:xfrm>
-            <a:off x="245917" y="10391"/>
+            <a:off x="245917" y="0"/>
             <a:ext cx="6347713" cy="1320800"/>
           </a:xfrm>
         </p:spPr>
@@ -15231,16 +15232,16 @@
                 <a:solidFill>
                   <a:schemeClr val="bg1"/>
                 </a:solidFill>
-                <a:latin typeface="Eurostile" panose="020B0504020202050204" pitchFamily="34" charset="0"/>
-              </a:rPr>
-              <a:t>Bilan humain et</a:t>
+                <a:latin typeface="Eurostile-Roman" pitchFamily="2" charset="0"/>
+              </a:rPr>
+              <a:t>Développement </a:t>
             </a:r>
             <a:br>
               <a:rPr lang="fr-FR" sz="3500" dirty="0">
                 <a:solidFill>
                   <a:schemeClr val="bg1"/>
                 </a:solidFill>
-                <a:latin typeface="Eurostile" panose="020B0504020202050204" pitchFamily="34" charset="0"/>
+                <a:latin typeface="Eurostile-Roman" pitchFamily="2" charset="0"/>
               </a:rPr>
             </a:br>
             <a:r>
@@ -15248,16 +15249,54 @@
                 <a:solidFill>
                   <a:schemeClr val="bg1"/>
                 </a:solidFill>
-                <a:latin typeface="Eurostile" panose="020B0504020202050204" pitchFamily="34" charset="0"/>
-              </a:rPr>
-              <a:t>technique</a:t>
+                <a:latin typeface="Eurostile-Roman" pitchFamily="2" charset="0"/>
+              </a:rPr>
+              <a:t>de la solution</a:t>
             </a:r>
           </a:p>
         </p:txBody>
       </p:sp>
       <p:sp>
         <p:nvSpPr>
-          <p:cNvPr id="5" name="Espace réservé du contenu 30"/>
+          <p:cNvPr id="11" name="Espace réservé du numéro de diapositive 1"/>
+          <p:cNvSpPr>
+            <a:spLocks noGrp="1"/>
+          </p:cNvSpPr>
+          <p:nvPr>
+            <p:ph type="sldNum" sz="quarter" idx="12"/>
+          </p:nvPr>
+        </p:nvSpPr>
+        <p:spPr>
+          <a:xfrm>
+            <a:off x="6603423" y="6255991"/>
+            <a:ext cx="2057400" cy="365125"/>
+          </a:xfrm>
+        </p:spPr>
+        <p:txBody>
+          <a:bodyPr/>
+          <a:lstStyle/>
+          <a:p>
+            <a:r>
+              <a:rPr lang="fr-FR" sz="1800" dirty="0">
+                <a:latin typeface="Eurostile-Roman" pitchFamily="2" charset="0"/>
+              </a:rPr>
+              <a:t>Diapositive </a:t>
+            </a:r>
+            <a:fld id="{0A0AF257-D28F-495E-9E53-3BED59B8AA35}" type="slidenum">
+              <a:rPr lang="fr-FR" sz="1800" smtClean="0">
+                <a:latin typeface="Eurostile-Roman" pitchFamily="2" charset="0"/>
+              </a:rPr>
+              <a:t>30</a:t>
+            </a:fld>
+            <a:endParaRPr lang="fr-FR" sz="1800" dirty="0">
+              <a:latin typeface="Eurostile-Roman" pitchFamily="2" charset="0"/>
+            </a:endParaRPr>
+          </a:p>
+        </p:txBody>
+      </p:sp>
+      <p:sp>
+        <p:nvSpPr>
+          <p:cNvPr id="7" name="Espace réservé du contenu 30"/>
           <p:cNvSpPr txBox="1">
             <a:spLocks/>
           </p:cNvSpPr>
@@ -15265,8 +15304,8 @@
         </p:nvSpPr>
         <p:spPr>
           <a:xfrm>
-            <a:off x="1483301" y="2039055"/>
-            <a:ext cx="8359485" cy="3862981"/>
+            <a:off x="906036" y="2784963"/>
+            <a:ext cx="8059882" cy="3258112"/>
           </a:xfrm>
           <a:prstGeom prst="rect">
             <a:avLst/>
@@ -15441,7 +15480,7 @@
             </a:lvl9pPr>
           </a:lstStyle>
           <a:p>
-            <a:pPr>
+            <a:pPr lvl="1">
               <a:lnSpc>
                 <a:spcPct val="250000"/>
               </a:lnSpc>
@@ -15449,117 +15488,586 @@
               <a:buChar char="§"/>
             </a:pPr>
             <a:r>
-              <a:rPr lang="fr-FR" sz="2200" dirty="0">
+              <a:rPr lang="fr-FR" sz="2000" dirty="0">
                 <a:solidFill>
                   <a:srgbClr val="004492"/>
                 </a:solidFill>
-                <a:latin typeface="Eurostile" panose="020B0504020202050204" pitchFamily="34" charset="0"/>
-              </a:rPr>
-              <a:t> Expérience très enrichissante et motivante</a:t>
-            </a:r>
-          </a:p>
-          <a:p>
-            <a:pPr>
+                <a:latin typeface="Calibri (Corps)"/>
+              </a:rPr>
+              <a:t>Documents techniques d’</a:t>
+            </a:r>
+            <a:r>
+              <a:rPr lang="fr-FR" sz="2000" dirty="0" err="1">
+                <a:solidFill>
+                  <a:srgbClr val="004492"/>
+                </a:solidFill>
+                <a:latin typeface="Calibri (Corps)"/>
+              </a:rPr>
+              <a:t>Eskape</a:t>
+            </a:r>
+            <a:r>
+              <a:rPr lang="fr-FR" sz="2000" dirty="0">
+                <a:solidFill>
+                  <a:srgbClr val="004492"/>
+                </a:solidFill>
+                <a:latin typeface="Calibri (Corps)"/>
+              </a:rPr>
+              <a:t> </a:t>
+            </a:r>
+            <a:r>
+              <a:rPr lang="fr-FR" sz="2000" dirty="0">
+                <a:solidFill>
+                  <a:srgbClr val="004492"/>
+                </a:solidFill>
+                <a:latin typeface="Calibri (Corps)"/>
+                <a:sym typeface="Wingdings" panose="05000000000000000000" pitchFamily="2" charset="2"/>
+              </a:rPr>
+              <a:t> besoins d’entreprise :</a:t>
+            </a:r>
+            <a:endParaRPr lang="fr-FR" sz="2000" dirty="0">
+              <a:solidFill>
+                <a:srgbClr val="004492"/>
+              </a:solidFill>
+              <a:latin typeface="Calibri (Corps)"/>
+            </a:endParaRPr>
+          </a:p>
+          <a:p>
+            <a:pPr lvl="2">
+              <a:lnSpc>
+                <a:spcPct val="250000"/>
+              </a:lnSpc>
+              <a:buFont typeface="Wingdings" panose="05000000000000000000" pitchFamily="2" charset="2"/>
+              <a:buChar char="q"/>
+            </a:pPr>
+            <a:r>
+              <a:rPr lang="fr-FR" sz="1900" dirty="0">
+                <a:solidFill>
+                  <a:srgbClr val="004492"/>
+                </a:solidFill>
+                <a:latin typeface="Calibri (Corps)"/>
+              </a:rPr>
+              <a:t> Développement C/AL spécifiques sous Dynamics </a:t>
+            </a:r>
+            <a:r>
+              <a:rPr lang="fr-FR" sz="1900" dirty="0" err="1">
+                <a:solidFill>
+                  <a:srgbClr val="004492"/>
+                </a:solidFill>
+                <a:latin typeface="Calibri (Corps)"/>
+              </a:rPr>
+              <a:t>Nav</a:t>
+            </a:r>
+            <a:endParaRPr lang="fr-FR" sz="1900" dirty="0">
+              <a:solidFill>
+                <a:srgbClr val="004492"/>
+              </a:solidFill>
+              <a:latin typeface="Calibri (Corps)"/>
+            </a:endParaRPr>
+          </a:p>
+          <a:p>
+            <a:pPr lvl="2">
+              <a:lnSpc>
+                <a:spcPct val="250000"/>
+              </a:lnSpc>
+              <a:buFont typeface="Wingdings" panose="05000000000000000000" pitchFamily="2" charset="2"/>
+              <a:buChar char="q"/>
+            </a:pPr>
+            <a:r>
+              <a:rPr lang="fr-FR" sz="1900" b="1" dirty="0">
+                <a:solidFill>
+                  <a:srgbClr val="004492"/>
+                </a:solidFill>
+                <a:latin typeface="Calibri (Corps)"/>
+              </a:rPr>
+              <a:t> </a:t>
+            </a:r>
+            <a:r>
+              <a:rPr lang="fr-FR" sz="1900" dirty="0">
+                <a:solidFill>
+                  <a:srgbClr val="004492"/>
+                </a:solidFill>
+                <a:latin typeface="Calibri (Corps)"/>
+              </a:rPr>
+              <a:t>Développement C# sur des PSM : </a:t>
+            </a:r>
+            <a:endParaRPr lang="fr-FR" sz="1900" b="1" dirty="0">
+              <a:solidFill>
+                <a:srgbClr val="004492"/>
+              </a:solidFill>
+              <a:latin typeface="Calibri (Corps)"/>
+            </a:endParaRPr>
+          </a:p>
+          <a:p>
+            <a:pPr lvl="1">
               <a:lnSpc>
                 <a:spcPct val="250000"/>
               </a:lnSpc>
               <a:buFont typeface="Wingdings" panose="05000000000000000000" pitchFamily="2" charset="2"/>
               <a:buChar char="§"/>
             </a:pPr>
-            <a:r>
-              <a:rPr lang="fr-FR" sz="2200" dirty="0">
-                <a:solidFill>
-                  <a:srgbClr val="004492"/>
-                </a:solidFill>
-                <a:latin typeface="Eurostile" panose="020B0504020202050204" pitchFamily="34" charset="0"/>
-              </a:rPr>
-              <a:t> Projet à la fois technique, complet et intéressant</a:t>
-            </a:r>
-          </a:p>
-          <a:p>
-            <a:pPr>
-              <a:lnSpc>
-                <a:spcPct val="250000"/>
-              </a:lnSpc>
-              <a:buFont typeface="Wingdings" panose="05000000000000000000" pitchFamily="2" charset="2"/>
-              <a:buChar char="§"/>
-            </a:pPr>
-            <a:r>
-              <a:rPr lang="fr-FR" sz="2200" dirty="0">
-                <a:solidFill>
-                  <a:srgbClr val="004492"/>
-                </a:solidFill>
-                <a:latin typeface="Eurostile" panose="020B0504020202050204" pitchFamily="34" charset="0"/>
-                <a:sym typeface="Wingdings" panose="05000000000000000000" pitchFamily="2" charset="2"/>
-              </a:rPr>
-              <a:t> Mise en place des compétences acquises à l’</a:t>
-            </a:r>
-            <a:r>
-              <a:rPr lang="fr-FR" sz="2200" dirty="0" err="1">
-                <a:solidFill>
-                  <a:srgbClr val="004492"/>
-                </a:solidFill>
-                <a:latin typeface="Eurostile" panose="020B0504020202050204" pitchFamily="34" charset="0"/>
-                <a:sym typeface="Wingdings" panose="05000000000000000000" pitchFamily="2" charset="2"/>
-              </a:rPr>
-              <a:t>lUT</a:t>
-            </a:r>
-            <a:endParaRPr lang="fr-FR" sz="2200" dirty="0">
+            <a:endParaRPr lang="fr-FR" sz="2000" b="1" dirty="0">
               <a:solidFill>
                 <a:srgbClr val="004492"/>
               </a:solidFill>
-              <a:latin typeface="Eurostile" panose="020B0504020202050204" pitchFamily="34" charset="0"/>
-              <a:sym typeface="Wingdings" panose="05000000000000000000" pitchFamily="2" charset="2"/>
+              <a:latin typeface="Calibri (Corps)"/>
             </a:endParaRPr>
           </a:p>
           <a:p>
-            <a:pPr>
+            <a:pPr lvl="1">
               <a:lnSpc>
                 <a:spcPct val="250000"/>
               </a:lnSpc>
-              <a:buFont typeface="Wingdings" panose="05000000000000000000" pitchFamily="2" charset="2"/>
-              <a:buChar char="§"/>
             </a:pPr>
-            <a:r>
-              <a:rPr lang="fr-FR" sz="2200" dirty="0">
-                <a:solidFill>
-                  <a:srgbClr val="004492"/>
-                </a:solidFill>
-                <a:latin typeface="Eurostile" panose="020B0504020202050204" pitchFamily="34" charset="0"/>
-                <a:sym typeface="Wingdings" panose="05000000000000000000" pitchFamily="2" charset="2"/>
-              </a:rPr>
-              <a:t> Découverte de technologies spécifiques </a:t>
-            </a:r>
+            <a:endParaRPr lang="fr-FR" sz="2000" dirty="0">
+              <a:solidFill>
+                <a:srgbClr val="004492"/>
+              </a:solidFill>
+              <a:latin typeface="Calibri (Corps)"/>
+            </a:endParaRPr>
           </a:p>
         </p:txBody>
       </p:sp>
       <p:sp>
         <p:nvSpPr>
-          <p:cNvPr id="3" name="Espace réservé du numéro de diapositive 2"/>
-          <p:cNvSpPr>
-            <a:spLocks noGrp="1"/>
+          <p:cNvPr id="9" name="Espace réservé du contenu 30"/>
+          <p:cNvSpPr txBox="1">
+            <a:spLocks/>
           </p:cNvSpPr>
-          <p:nvPr>
-            <p:ph type="sldNum" sz="quarter" idx="12"/>
-          </p:nvPr>
+          <p:nvPr/>
         </p:nvSpPr>
-        <p:spPr/>
+        <p:spPr>
+          <a:xfrm>
+            <a:off x="906036" y="2257982"/>
+            <a:ext cx="7886700" cy="1053962"/>
+          </a:xfrm>
+          <a:prstGeom prst="rect">
+            <a:avLst/>
+          </a:prstGeom>
+        </p:spPr>
         <p:txBody>
-          <a:bodyPr/>
-          <a:lstStyle/>
-          <a:p>
-            <a:fld id="{0A0AF257-D28F-495E-9E53-3BED59B8AA35}" type="slidenum">
-              <a:rPr lang="fr-FR" smtClean="0"/>
-              <a:t>30</a:t>
-            </a:fld>
-            <a:endParaRPr lang="fr-FR"/>
+          <a:bodyPr vert="horz" lIns="91440" tIns="45720" rIns="91440" bIns="45720" rtlCol="0">
+            <a:normAutofit/>
+          </a:bodyPr>
+          <a:lstStyle>
+            <a:lvl1pPr marL="171450" indent="-171450" algn="l" defTabSz="685800" rtl="0" eaLnBrk="1" latinLnBrk="0" hangingPunct="1">
+              <a:lnSpc>
+                <a:spcPct val="90000"/>
+              </a:lnSpc>
+              <a:spcBef>
+                <a:spcPts val="750"/>
+              </a:spcBef>
+              <a:buFont typeface="Arial" panose="020B0604020202020204" pitchFamily="34" charset="0"/>
+              <a:buChar char="•"/>
+              <a:defRPr sz="2100" kern="1200">
+                <a:solidFill>
+                  <a:schemeClr val="tx1"/>
+                </a:solidFill>
+                <a:latin typeface="+mn-lt"/>
+                <a:ea typeface="+mn-ea"/>
+                <a:cs typeface="+mn-cs"/>
+              </a:defRPr>
+            </a:lvl1pPr>
+            <a:lvl2pPr marL="514350" indent="-171450" algn="l" defTabSz="685800" rtl="0" eaLnBrk="1" latinLnBrk="0" hangingPunct="1">
+              <a:lnSpc>
+                <a:spcPct val="90000"/>
+              </a:lnSpc>
+              <a:spcBef>
+                <a:spcPts val="375"/>
+              </a:spcBef>
+              <a:buFont typeface="Arial" panose="020B0604020202020204" pitchFamily="34" charset="0"/>
+              <a:buChar char="•"/>
+              <a:defRPr sz="1800" kern="1200">
+                <a:solidFill>
+                  <a:schemeClr val="tx1"/>
+                </a:solidFill>
+                <a:latin typeface="+mn-lt"/>
+                <a:ea typeface="+mn-ea"/>
+                <a:cs typeface="+mn-cs"/>
+              </a:defRPr>
+            </a:lvl2pPr>
+            <a:lvl3pPr marL="857250" indent="-171450" algn="l" defTabSz="685800" rtl="0" eaLnBrk="1" latinLnBrk="0" hangingPunct="1">
+              <a:lnSpc>
+                <a:spcPct val="90000"/>
+              </a:lnSpc>
+              <a:spcBef>
+                <a:spcPts val="375"/>
+              </a:spcBef>
+              <a:buFont typeface="Arial" panose="020B0604020202020204" pitchFamily="34" charset="0"/>
+              <a:buChar char="•"/>
+              <a:defRPr sz="1500" kern="1200">
+                <a:solidFill>
+                  <a:schemeClr val="tx1"/>
+                </a:solidFill>
+                <a:latin typeface="+mn-lt"/>
+                <a:ea typeface="+mn-ea"/>
+                <a:cs typeface="+mn-cs"/>
+              </a:defRPr>
+            </a:lvl3pPr>
+            <a:lvl4pPr marL="1200150" indent="-171450" algn="l" defTabSz="685800" rtl="0" eaLnBrk="1" latinLnBrk="0" hangingPunct="1">
+              <a:lnSpc>
+                <a:spcPct val="90000"/>
+              </a:lnSpc>
+              <a:spcBef>
+                <a:spcPts val="375"/>
+              </a:spcBef>
+              <a:buFont typeface="Arial" panose="020B0604020202020204" pitchFamily="34" charset="0"/>
+              <a:buChar char="•"/>
+              <a:defRPr sz="1350" kern="1200">
+                <a:solidFill>
+                  <a:schemeClr val="tx1"/>
+                </a:solidFill>
+                <a:latin typeface="+mn-lt"/>
+                <a:ea typeface="+mn-ea"/>
+                <a:cs typeface="+mn-cs"/>
+              </a:defRPr>
+            </a:lvl4pPr>
+            <a:lvl5pPr marL="1543050" indent="-171450" algn="l" defTabSz="685800" rtl="0" eaLnBrk="1" latinLnBrk="0" hangingPunct="1">
+              <a:lnSpc>
+                <a:spcPct val="90000"/>
+              </a:lnSpc>
+              <a:spcBef>
+                <a:spcPts val="375"/>
+              </a:spcBef>
+              <a:buFont typeface="Arial" panose="020B0604020202020204" pitchFamily="34" charset="0"/>
+              <a:buChar char="•"/>
+              <a:defRPr sz="1350" kern="1200">
+                <a:solidFill>
+                  <a:schemeClr val="tx1"/>
+                </a:solidFill>
+                <a:latin typeface="+mn-lt"/>
+                <a:ea typeface="+mn-ea"/>
+                <a:cs typeface="+mn-cs"/>
+              </a:defRPr>
+            </a:lvl5pPr>
+            <a:lvl6pPr marL="1885950" indent="-171450" algn="l" defTabSz="685800" rtl="0" eaLnBrk="1" latinLnBrk="0" hangingPunct="1">
+              <a:lnSpc>
+                <a:spcPct val="90000"/>
+              </a:lnSpc>
+              <a:spcBef>
+                <a:spcPts val="375"/>
+              </a:spcBef>
+              <a:buFont typeface="Arial" panose="020B0604020202020204" pitchFamily="34" charset="0"/>
+              <a:buChar char="•"/>
+              <a:defRPr sz="1350" kern="1200">
+                <a:solidFill>
+                  <a:schemeClr val="tx1"/>
+                </a:solidFill>
+                <a:latin typeface="+mn-lt"/>
+                <a:ea typeface="+mn-ea"/>
+                <a:cs typeface="+mn-cs"/>
+              </a:defRPr>
+            </a:lvl6pPr>
+            <a:lvl7pPr marL="2228850" indent="-171450" algn="l" defTabSz="685800" rtl="0" eaLnBrk="1" latinLnBrk="0" hangingPunct="1">
+              <a:lnSpc>
+                <a:spcPct val="90000"/>
+              </a:lnSpc>
+              <a:spcBef>
+                <a:spcPts val="375"/>
+              </a:spcBef>
+              <a:buFont typeface="Arial" panose="020B0604020202020204" pitchFamily="34" charset="0"/>
+              <a:buChar char="•"/>
+              <a:defRPr sz="1350" kern="1200">
+                <a:solidFill>
+                  <a:schemeClr val="tx1"/>
+                </a:solidFill>
+                <a:latin typeface="+mn-lt"/>
+                <a:ea typeface="+mn-ea"/>
+                <a:cs typeface="+mn-cs"/>
+              </a:defRPr>
+            </a:lvl7pPr>
+            <a:lvl8pPr marL="2571750" indent="-171450" algn="l" defTabSz="685800" rtl="0" eaLnBrk="1" latinLnBrk="0" hangingPunct="1">
+              <a:lnSpc>
+                <a:spcPct val="90000"/>
+              </a:lnSpc>
+              <a:spcBef>
+                <a:spcPts val="375"/>
+              </a:spcBef>
+              <a:buFont typeface="Arial" panose="020B0604020202020204" pitchFamily="34" charset="0"/>
+              <a:buChar char="•"/>
+              <a:defRPr sz="1350" kern="1200">
+                <a:solidFill>
+                  <a:schemeClr val="tx1"/>
+                </a:solidFill>
+                <a:latin typeface="+mn-lt"/>
+                <a:ea typeface="+mn-ea"/>
+                <a:cs typeface="+mn-cs"/>
+              </a:defRPr>
+            </a:lvl8pPr>
+            <a:lvl9pPr marL="2914650" indent="-171450" algn="l" defTabSz="685800" rtl="0" eaLnBrk="1" latinLnBrk="0" hangingPunct="1">
+              <a:lnSpc>
+                <a:spcPct val="90000"/>
+              </a:lnSpc>
+              <a:spcBef>
+                <a:spcPts val="375"/>
+              </a:spcBef>
+              <a:buFont typeface="Arial" panose="020B0604020202020204" pitchFamily="34" charset="0"/>
+              <a:buChar char="•"/>
+              <a:defRPr sz="1350" kern="1200">
+                <a:solidFill>
+                  <a:schemeClr val="tx1"/>
+                </a:solidFill>
+                <a:latin typeface="+mn-lt"/>
+                <a:ea typeface="+mn-ea"/>
+                <a:cs typeface="+mn-cs"/>
+              </a:defRPr>
+            </a:lvl9pPr>
+          </a:lstStyle>
+          <a:p>
+            <a:pPr>
+              <a:lnSpc>
+                <a:spcPct val="150000"/>
+              </a:lnSpc>
+            </a:pPr>
+            <a:r>
+              <a:rPr lang="fr-FR" sz="2200" dirty="0">
+                <a:solidFill>
+                  <a:srgbClr val="004492"/>
+                </a:solidFill>
+                <a:latin typeface="Calibri (Corps)"/>
+              </a:rPr>
+              <a:t>Travail sur des « fiches d’écarts » :</a:t>
+            </a:r>
           </a:p>
         </p:txBody>
       </p:sp>
+      <p:sp>
+        <p:nvSpPr>
+          <p:cNvPr id="8" name="Espace réservé du contenu 30"/>
+          <p:cNvSpPr txBox="1">
+            <a:spLocks/>
+          </p:cNvSpPr>
+          <p:nvPr/>
+        </p:nvSpPr>
+        <p:spPr>
+          <a:xfrm>
+            <a:off x="2767614" y="1320800"/>
+            <a:ext cx="4569212" cy="1053962"/>
+          </a:xfrm>
+          <a:prstGeom prst="rect">
+            <a:avLst/>
+          </a:prstGeom>
+        </p:spPr>
+        <p:txBody>
+          <a:bodyPr vert="horz" lIns="91440" tIns="45720" rIns="91440" bIns="45720" rtlCol="0">
+            <a:normAutofit/>
+          </a:bodyPr>
+          <a:lstStyle>
+            <a:lvl1pPr marL="171450" indent="-171450" algn="l" defTabSz="685800" rtl="0" eaLnBrk="1" latinLnBrk="0" hangingPunct="1">
+              <a:lnSpc>
+                <a:spcPct val="90000"/>
+              </a:lnSpc>
+              <a:spcBef>
+                <a:spcPts val="750"/>
+              </a:spcBef>
+              <a:buFont typeface="Arial" panose="020B0604020202020204" pitchFamily="34" charset="0"/>
+              <a:buChar char="•"/>
+              <a:defRPr sz="2100" kern="1200">
+                <a:solidFill>
+                  <a:schemeClr val="tx1"/>
+                </a:solidFill>
+                <a:latin typeface="+mn-lt"/>
+                <a:ea typeface="+mn-ea"/>
+                <a:cs typeface="+mn-cs"/>
+              </a:defRPr>
+            </a:lvl1pPr>
+            <a:lvl2pPr marL="514350" indent="-171450" algn="l" defTabSz="685800" rtl="0" eaLnBrk="1" latinLnBrk="0" hangingPunct="1">
+              <a:lnSpc>
+                <a:spcPct val="90000"/>
+              </a:lnSpc>
+              <a:spcBef>
+                <a:spcPts val="375"/>
+              </a:spcBef>
+              <a:buFont typeface="Arial" panose="020B0604020202020204" pitchFamily="34" charset="0"/>
+              <a:buChar char="•"/>
+              <a:defRPr sz="1800" kern="1200">
+                <a:solidFill>
+                  <a:schemeClr val="tx1"/>
+                </a:solidFill>
+                <a:latin typeface="+mn-lt"/>
+                <a:ea typeface="+mn-ea"/>
+                <a:cs typeface="+mn-cs"/>
+              </a:defRPr>
+            </a:lvl2pPr>
+            <a:lvl3pPr marL="857250" indent="-171450" algn="l" defTabSz="685800" rtl="0" eaLnBrk="1" latinLnBrk="0" hangingPunct="1">
+              <a:lnSpc>
+                <a:spcPct val="90000"/>
+              </a:lnSpc>
+              <a:spcBef>
+                <a:spcPts val="375"/>
+              </a:spcBef>
+              <a:buFont typeface="Arial" panose="020B0604020202020204" pitchFamily="34" charset="0"/>
+              <a:buChar char="•"/>
+              <a:defRPr sz="1500" kern="1200">
+                <a:solidFill>
+                  <a:schemeClr val="tx1"/>
+                </a:solidFill>
+                <a:latin typeface="+mn-lt"/>
+                <a:ea typeface="+mn-ea"/>
+                <a:cs typeface="+mn-cs"/>
+              </a:defRPr>
+            </a:lvl3pPr>
+            <a:lvl4pPr marL="1200150" indent="-171450" algn="l" defTabSz="685800" rtl="0" eaLnBrk="1" latinLnBrk="0" hangingPunct="1">
+              <a:lnSpc>
+                <a:spcPct val="90000"/>
+              </a:lnSpc>
+              <a:spcBef>
+                <a:spcPts val="375"/>
+              </a:spcBef>
+              <a:buFont typeface="Arial" panose="020B0604020202020204" pitchFamily="34" charset="0"/>
+              <a:buChar char="•"/>
+              <a:defRPr sz="1350" kern="1200">
+                <a:solidFill>
+                  <a:schemeClr val="tx1"/>
+                </a:solidFill>
+                <a:latin typeface="+mn-lt"/>
+                <a:ea typeface="+mn-ea"/>
+                <a:cs typeface="+mn-cs"/>
+              </a:defRPr>
+            </a:lvl4pPr>
+            <a:lvl5pPr marL="1543050" indent="-171450" algn="l" defTabSz="685800" rtl="0" eaLnBrk="1" latinLnBrk="0" hangingPunct="1">
+              <a:lnSpc>
+                <a:spcPct val="90000"/>
+              </a:lnSpc>
+              <a:spcBef>
+                <a:spcPts val="375"/>
+              </a:spcBef>
+              <a:buFont typeface="Arial" panose="020B0604020202020204" pitchFamily="34" charset="0"/>
+              <a:buChar char="•"/>
+              <a:defRPr sz="1350" kern="1200">
+                <a:solidFill>
+                  <a:schemeClr val="tx1"/>
+                </a:solidFill>
+                <a:latin typeface="+mn-lt"/>
+                <a:ea typeface="+mn-ea"/>
+                <a:cs typeface="+mn-cs"/>
+              </a:defRPr>
+            </a:lvl5pPr>
+            <a:lvl6pPr marL="1885950" indent="-171450" algn="l" defTabSz="685800" rtl="0" eaLnBrk="1" latinLnBrk="0" hangingPunct="1">
+              <a:lnSpc>
+                <a:spcPct val="90000"/>
+              </a:lnSpc>
+              <a:spcBef>
+                <a:spcPts val="375"/>
+              </a:spcBef>
+              <a:buFont typeface="Arial" panose="020B0604020202020204" pitchFamily="34" charset="0"/>
+              <a:buChar char="•"/>
+              <a:defRPr sz="1350" kern="1200">
+                <a:solidFill>
+                  <a:schemeClr val="tx1"/>
+                </a:solidFill>
+                <a:latin typeface="+mn-lt"/>
+                <a:ea typeface="+mn-ea"/>
+                <a:cs typeface="+mn-cs"/>
+              </a:defRPr>
+            </a:lvl6pPr>
+            <a:lvl7pPr marL="2228850" indent="-171450" algn="l" defTabSz="685800" rtl="0" eaLnBrk="1" latinLnBrk="0" hangingPunct="1">
+              <a:lnSpc>
+                <a:spcPct val="90000"/>
+              </a:lnSpc>
+              <a:spcBef>
+                <a:spcPts val="375"/>
+              </a:spcBef>
+              <a:buFont typeface="Arial" panose="020B0604020202020204" pitchFamily="34" charset="0"/>
+              <a:buChar char="•"/>
+              <a:defRPr sz="1350" kern="1200">
+                <a:solidFill>
+                  <a:schemeClr val="tx1"/>
+                </a:solidFill>
+                <a:latin typeface="+mn-lt"/>
+                <a:ea typeface="+mn-ea"/>
+                <a:cs typeface="+mn-cs"/>
+              </a:defRPr>
+            </a:lvl7pPr>
+            <a:lvl8pPr marL="2571750" indent="-171450" algn="l" defTabSz="685800" rtl="0" eaLnBrk="1" latinLnBrk="0" hangingPunct="1">
+              <a:lnSpc>
+                <a:spcPct val="90000"/>
+              </a:lnSpc>
+              <a:spcBef>
+                <a:spcPts val="375"/>
+              </a:spcBef>
+              <a:buFont typeface="Arial" panose="020B0604020202020204" pitchFamily="34" charset="0"/>
+              <a:buChar char="•"/>
+              <a:defRPr sz="1350" kern="1200">
+                <a:solidFill>
+                  <a:schemeClr val="tx1"/>
+                </a:solidFill>
+                <a:latin typeface="+mn-lt"/>
+                <a:ea typeface="+mn-ea"/>
+                <a:cs typeface="+mn-cs"/>
+              </a:defRPr>
+            </a:lvl8pPr>
+            <a:lvl9pPr marL="2914650" indent="-171450" algn="l" defTabSz="685800" rtl="0" eaLnBrk="1" latinLnBrk="0" hangingPunct="1">
+              <a:lnSpc>
+                <a:spcPct val="90000"/>
+              </a:lnSpc>
+              <a:spcBef>
+                <a:spcPts val="375"/>
+              </a:spcBef>
+              <a:buFont typeface="Arial" panose="020B0604020202020204" pitchFamily="34" charset="0"/>
+              <a:buChar char="•"/>
+              <a:defRPr sz="1350" kern="1200">
+                <a:solidFill>
+                  <a:schemeClr val="tx1"/>
+                </a:solidFill>
+                <a:latin typeface="+mn-lt"/>
+                <a:ea typeface="+mn-ea"/>
+                <a:cs typeface="+mn-cs"/>
+              </a:defRPr>
+            </a:lvl9pPr>
+          </a:lstStyle>
+          <a:p>
+            <a:pPr marL="0" indent="0">
+              <a:lnSpc>
+                <a:spcPct val="150000"/>
+              </a:lnSpc>
+              <a:buNone/>
+            </a:pPr>
+            <a:r>
+              <a:rPr lang="fr-FR" sz="3000" b="1" dirty="0">
+                <a:solidFill>
+                  <a:srgbClr val="004492"/>
+                </a:solidFill>
+                <a:latin typeface="Calibri (Corps)"/>
+              </a:rPr>
+              <a:t>Travaux complémentaires</a:t>
+            </a:r>
+          </a:p>
+        </p:txBody>
+      </p:sp>
+      <p:pic>
+        <p:nvPicPr>
+          <p:cNvPr id="4" name="Image 3"/>
+          <p:cNvPicPr>
+            <a:picLocks noChangeAspect="1"/>
+          </p:cNvPicPr>
+          <p:nvPr/>
+        </p:nvPicPr>
+        <p:blipFill>
+          <a:blip r:embed="rId2" cstate="print">
+            <a:extLst>
+              <a:ext uri="{28A0092B-C50C-407E-A947-70E740481C1C}">
+                <a14:useLocalDpi xmlns:a14="http://schemas.microsoft.com/office/drawing/2010/main" val="0"/>
+              </a:ext>
+            </a:extLst>
+          </a:blip>
+          <a:stretch>
+            <a:fillRect/>
+          </a:stretch>
+        </p:blipFill>
+        <p:spPr>
+          <a:xfrm>
+            <a:off x="5391615" y="4477372"/>
+            <a:ext cx="1778619" cy="1778619"/>
+          </a:xfrm>
+          <a:prstGeom prst="rect">
+            <a:avLst/>
+          </a:prstGeom>
+        </p:spPr>
+      </p:pic>
     </p:spTree>
     <p:extLst>
       <p:ext uri="{BB962C8B-B14F-4D97-AF65-F5344CB8AC3E}">
-        <p14:creationId xmlns:p14="http://schemas.microsoft.com/office/powerpoint/2010/main" val="152622507"/>
+        <p14:creationId xmlns:p14="http://schemas.microsoft.com/office/powerpoint/2010/main" val="2925390161"/>
       </p:ext>
     </p:extLst>
   </p:cSld>
@@ -15598,7 +16106,7 @@
         </p:nvSpPr>
         <p:spPr>
           <a:xfrm>
-            <a:off x="245917" y="10391"/>
+            <a:off x="255710" y="110750"/>
             <a:ext cx="6347713" cy="1320800"/>
           </a:xfrm>
         </p:spPr>
@@ -15609,34 +16117,363 @@
           <a:lstStyle/>
           <a:p>
             <a:r>
-              <a:rPr lang="fr-FR" sz="3500" dirty="0">
+              <a:rPr lang="fr-FR" sz="3800" dirty="0">
                 <a:solidFill>
                   <a:schemeClr val="bg1"/>
                 </a:solidFill>
-                <a:latin typeface="Eurostile" panose="020B0504020202050204" pitchFamily="34" charset="0"/>
+                <a:latin typeface="Eurostile-Roman" pitchFamily="2" charset="0"/>
               </a:rPr>
               <a:t>Bilan humain et</a:t>
             </a:r>
             <a:br>
-              <a:rPr lang="fr-FR" sz="3500" dirty="0">
+              <a:rPr lang="fr-FR" sz="3800" dirty="0">
                 <a:solidFill>
                   <a:schemeClr val="bg1"/>
                 </a:solidFill>
-                <a:latin typeface="Eurostile" panose="020B0504020202050204" pitchFamily="34" charset="0"/>
+                <a:latin typeface="Eurostile-Roman" pitchFamily="2" charset="0"/>
               </a:rPr>
             </a:br>
             <a:r>
-              <a:rPr lang="fr-FR" sz="3500" dirty="0">
+              <a:rPr lang="fr-FR" sz="3800" dirty="0">
                 <a:solidFill>
                   <a:schemeClr val="bg1"/>
                 </a:solidFill>
-                <a:latin typeface="Eurostile" panose="020B0504020202050204" pitchFamily="34" charset="0"/>
+                <a:latin typeface="Eurostile-Roman" pitchFamily="2" charset="0"/>
               </a:rPr>
               <a:t>technique</a:t>
             </a:r>
           </a:p>
         </p:txBody>
       </p:sp>
+      <p:sp>
+        <p:nvSpPr>
+          <p:cNvPr id="5" name="Espace réservé du contenu 30"/>
+          <p:cNvSpPr txBox="1">
+            <a:spLocks/>
+          </p:cNvSpPr>
+          <p:nvPr/>
+        </p:nvSpPr>
+        <p:spPr>
+          <a:xfrm>
+            <a:off x="1449848" y="1912280"/>
+            <a:ext cx="8359485" cy="3862981"/>
+          </a:xfrm>
+          <a:prstGeom prst="rect">
+            <a:avLst/>
+          </a:prstGeom>
+        </p:spPr>
+        <p:txBody>
+          <a:bodyPr vert="horz" lIns="91440" tIns="45720" rIns="91440" bIns="45720" rtlCol="0">
+            <a:normAutofit/>
+          </a:bodyPr>
+          <a:lstStyle>
+            <a:lvl1pPr marL="171450" indent="-171450" algn="l" defTabSz="685800" rtl="0" eaLnBrk="1" latinLnBrk="0" hangingPunct="1">
+              <a:lnSpc>
+                <a:spcPct val="90000"/>
+              </a:lnSpc>
+              <a:spcBef>
+                <a:spcPts val="750"/>
+              </a:spcBef>
+              <a:buFont typeface="Arial" panose="020B0604020202020204" pitchFamily="34" charset="0"/>
+              <a:buChar char="•"/>
+              <a:defRPr sz="2100" kern="1200">
+                <a:solidFill>
+                  <a:schemeClr val="tx1"/>
+                </a:solidFill>
+                <a:latin typeface="+mn-lt"/>
+                <a:ea typeface="+mn-ea"/>
+                <a:cs typeface="+mn-cs"/>
+              </a:defRPr>
+            </a:lvl1pPr>
+            <a:lvl2pPr marL="514350" indent="-171450" algn="l" defTabSz="685800" rtl="0" eaLnBrk="1" latinLnBrk="0" hangingPunct="1">
+              <a:lnSpc>
+                <a:spcPct val="90000"/>
+              </a:lnSpc>
+              <a:spcBef>
+                <a:spcPts val="375"/>
+              </a:spcBef>
+              <a:buFont typeface="Arial" panose="020B0604020202020204" pitchFamily="34" charset="0"/>
+              <a:buChar char="•"/>
+              <a:defRPr sz="1800" kern="1200">
+                <a:solidFill>
+                  <a:schemeClr val="tx1"/>
+                </a:solidFill>
+                <a:latin typeface="+mn-lt"/>
+                <a:ea typeface="+mn-ea"/>
+                <a:cs typeface="+mn-cs"/>
+              </a:defRPr>
+            </a:lvl2pPr>
+            <a:lvl3pPr marL="857250" indent="-171450" algn="l" defTabSz="685800" rtl="0" eaLnBrk="1" latinLnBrk="0" hangingPunct="1">
+              <a:lnSpc>
+                <a:spcPct val="90000"/>
+              </a:lnSpc>
+              <a:spcBef>
+                <a:spcPts val="375"/>
+              </a:spcBef>
+              <a:buFont typeface="Arial" panose="020B0604020202020204" pitchFamily="34" charset="0"/>
+              <a:buChar char="•"/>
+              <a:defRPr sz="1500" kern="1200">
+                <a:solidFill>
+                  <a:schemeClr val="tx1"/>
+                </a:solidFill>
+                <a:latin typeface="+mn-lt"/>
+                <a:ea typeface="+mn-ea"/>
+                <a:cs typeface="+mn-cs"/>
+              </a:defRPr>
+            </a:lvl3pPr>
+            <a:lvl4pPr marL="1200150" indent="-171450" algn="l" defTabSz="685800" rtl="0" eaLnBrk="1" latinLnBrk="0" hangingPunct="1">
+              <a:lnSpc>
+                <a:spcPct val="90000"/>
+              </a:lnSpc>
+              <a:spcBef>
+                <a:spcPts val="375"/>
+              </a:spcBef>
+              <a:buFont typeface="Arial" panose="020B0604020202020204" pitchFamily="34" charset="0"/>
+              <a:buChar char="•"/>
+              <a:defRPr sz="1350" kern="1200">
+                <a:solidFill>
+                  <a:schemeClr val="tx1"/>
+                </a:solidFill>
+                <a:latin typeface="+mn-lt"/>
+                <a:ea typeface="+mn-ea"/>
+                <a:cs typeface="+mn-cs"/>
+              </a:defRPr>
+            </a:lvl4pPr>
+            <a:lvl5pPr marL="1543050" indent="-171450" algn="l" defTabSz="685800" rtl="0" eaLnBrk="1" latinLnBrk="0" hangingPunct="1">
+              <a:lnSpc>
+                <a:spcPct val="90000"/>
+              </a:lnSpc>
+              <a:spcBef>
+                <a:spcPts val="375"/>
+              </a:spcBef>
+              <a:buFont typeface="Arial" panose="020B0604020202020204" pitchFamily="34" charset="0"/>
+              <a:buChar char="•"/>
+              <a:defRPr sz="1350" kern="1200">
+                <a:solidFill>
+                  <a:schemeClr val="tx1"/>
+                </a:solidFill>
+                <a:latin typeface="+mn-lt"/>
+                <a:ea typeface="+mn-ea"/>
+                <a:cs typeface="+mn-cs"/>
+              </a:defRPr>
+            </a:lvl5pPr>
+            <a:lvl6pPr marL="1885950" indent="-171450" algn="l" defTabSz="685800" rtl="0" eaLnBrk="1" latinLnBrk="0" hangingPunct="1">
+              <a:lnSpc>
+                <a:spcPct val="90000"/>
+              </a:lnSpc>
+              <a:spcBef>
+                <a:spcPts val="375"/>
+              </a:spcBef>
+              <a:buFont typeface="Arial" panose="020B0604020202020204" pitchFamily="34" charset="0"/>
+              <a:buChar char="•"/>
+              <a:defRPr sz="1350" kern="1200">
+                <a:solidFill>
+                  <a:schemeClr val="tx1"/>
+                </a:solidFill>
+                <a:latin typeface="+mn-lt"/>
+                <a:ea typeface="+mn-ea"/>
+                <a:cs typeface="+mn-cs"/>
+              </a:defRPr>
+            </a:lvl6pPr>
+            <a:lvl7pPr marL="2228850" indent="-171450" algn="l" defTabSz="685800" rtl="0" eaLnBrk="1" latinLnBrk="0" hangingPunct="1">
+              <a:lnSpc>
+                <a:spcPct val="90000"/>
+              </a:lnSpc>
+              <a:spcBef>
+                <a:spcPts val="375"/>
+              </a:spcBef>
+              <a:buFont typeface="Arial" panose="020B0604020202020204" pitchFamily="34" charset="0"/>
+              <a:buChar char="•"/>
+              <a:defRPr sz="1350" kern="1200">
+                <a:solidFill>
+                  <a:schemeClr val="tx1"/>
+                </a:solidFill>
+                <a:latin typeface="+mn-lt"/>
+                <a:ea typeface="+mn-ea"/>
+                <a:cs typeface="+mn-cs"/>
+              </a:defRPr>
+            </a:lvl7pPr>
+            <a:lvl8pPr marL="2571750" indent="-171450" algn="l" defTabSz="685800" rtl="0" eaLnBrk="1" latinLnBrk="0" hangingPunct="1">
+              <a:lnSpc>
+                <a:spcPct val="90000"/>
+              </a:lnSpc>
+              <a:spcBef>
+                <a:spcPts val="375"/>
+              </a:spcBef>
+              <a:buFont typeface="Arial" panose="020B0604020202020204" pitchFamily="34" charset="0"/>
+              <a:buChar char="•"/>
+              <a:defRPr sz="1350" kern="1200">
+                <a:solidFill>
+                  <a:schemeClr val="tx1"/>
+                </a:solidFill>
+                <a:latin typeface="+mn-lt"/>
+                <a:ea typeface="+mn-ea"/>
+                <a:cs typeface="+mn-cs"/>
+              </a:defRPr>
+            </a:lvl8pPr>
+            <a:lvl9pPr marL="2914650" indent="-171450" algn="l" defTabSz="685800" rtl="0" eaLnBrk="1" latinLnBrk="0" hangingPunct="1">
+              <a:lnSpc>
+                <a:spcPct val="90000"/>
+              </a:lnSpc>
+              <a:spcBef>
+                <a:spcPts val="375"/>
+              </a:spcBef>
+              <a:buFont typeface="Arial" panose="020B0604020202020204" pitchFamily="34" charset="0"/>
+              <a:buChar char="•"/>
+              <a:defRPr sz="1350" kern="1200">
+                <a:solidFill>
+                  <a:schemeClr val="tx1"/>
+                </a:solidFill>
+                <a:latin typeface="+mn-lt"/>
+                <a:ea typeface="+mn-ea"/>
+                <a:cs typeface="+mn-cs"/>
+              </a:defRPr>
+            </a:lvl9pPr>
+          </a:lstStyle>
+          <a:p>
+            <a:pPr>
+              <a:lnSpc>
+                <a:spcPct val="250000"/>
+              </a:lnSpc>
+              <a:buFont typeface="Wingdings" panose="05000000000000000000" pitchFamily="2" charset="2"/>
+              <a:buChar char="§"/>
+            </a:pPr>
+            <a:r>
+              <a:rPr lang="fr-FR" sz="2200" dirty="0">
+                <a:solidFill>
+                  <a:srgbClr val="004492"/>
+                </a:solidFill>
+                <a:latin typeface="Calibri (Corps)"/>
+              </a:rPr>
+              <a:t> Expérience très enrichissante et motivante</a:t>
+            </a:r>
+          </a:p>
+          <a:p>
+            <a:pPr>
+              <a:lnSpc>
+                <a:spcPct val="250000"/>
+              </a:lnSpc>
+              <a:buFont typeface="Wingdings" panose="05000000000000000000" pitchFamily="2" charset="2"/>
+              <a:buChar char="§"/>
+            </a:pPr>
+            <a:r>
+              <a:rPr lang="fr-FR" sz="2200" dirty="0">
+                <a:solidFill>
+                  <a:srgbClr val="004492"/>
+                </a:solidFill>
+                <a:latin typeface="Calibri (Corps)"/>
+              </a:rPr>
+              <a:t> Projet à la fois technique, complet et intéressant</a:t>
+            </a:r>
+          </a:p>
+          <a:p>
+            <a:pPr>
+              <a:lnSpc>
+                <a:spcPct val="250000"/>
+              </a:lnSpc>
+              <a:buFont typeface="Wingdings" panose="05000000000000000000" pitchFamily="2" charset="2"/>
+              <a:buChar char="§"/>
+            </a:pPr>
+            <a:r>
+              <a:rPr lang="fr-FR" sz="2200" dirty="0">
+                <a:solidFill>
+                  <a:srgbClr val="004492"/>
+                </a:solidFill>
+                <a:latin typeface="Calibri (Corps)"/>
+                <a:sym typeface="Wingdings" panose="05000000000000000000" pitchFamily="2" charset="2"/>
+              </a:rPr>
+              <a:t> Mise en place des compétences acquises en Licence</a:t>
+            </a:r>
+          </a:p>
+          <a:p>
+            <a:pPr>
+              <a:lnSpc>
+                <a:spcPct val="250000"/>
+              </a:lnSpc>
+              <a:buFont typeface="Wingdings" panose="05000000000000000000" pitchFamily="2" charset="2"/>
+              <a:buChar char="§"/>
+            </a:pPr>
+            <a:r>
+              <a:rPr lang="fr-FR" sz="2200" dirty="0">
+                <a:solidFill>
+                  <a:srgbClr val="004492"/>
+                </a:solidFill>
+                <a:latin typeface="Calibri (Corps)"/>
+                <a:sym typeface="Wingdings" panose="05000000000000000000" pitchFamily="2" charset="2"/>
+              </a:rPr>
+              <a:t> Découverte de technologies spécifiques </a:t>
+            </a:r>
+          </a:p>
+        </p:txBody>
+      </p:sp>
+      <p:sp>
+        <p:nvSpPr>
+          <p:cNvPr id="6" name="Espace réservé du numéro de diapositive 1"/>
+          <p:cNvSpPr>
+            <a:spLocks noGrp="1"/>
+          </p:cNvSpPr>
+          <p:nvPr>
+            <p:ph type="sldNum" sz="quarter" idx="12"/>
+          </p:nvPr>
+        </p:nvSpPr>
+        <p:spPr>
+          <a:xfrm>
+            <a:off x="6603423" y="6255991"/>
+            <a:ext cx="2057400" cy="365125"/>
+          </a:xfrm>
+        </p:spPr>
+        <p:txBody>
+          <a:bodyPr/>
+          <a:lstStyle/>
+          <a:p>
+            <a:r>
+              <a:rPr lang="fr-FR" sz="1800" dirty="0">
+                <a:latin typeface="Eurostile-Roman" pitchFamily="2" charset="0"/>
+              </a:rPr>
+              <a:t>Diapositive </a:t>
+            </a:r>
+            <a:fld id="{0A0AF257-D28F-495E-9E53-3BED59B8AA35}" type="slidenum">
+              <a:rPr lang="fr-FR" sz="1800" smtClean="0">
+                <a:latin typeface="Eurostile-Roman" pitchFamily="2" charset="0"/>
+              </a:rPr>
+              <a:t>31</a:t>
+            </a:fld>
+            <a:endParaRPr lang="fr-FR" sz="1800" dirty="0">
+              <a:latin typeface="Eurostile-Roman" pitchFamily="2" charset="0"/>
+            </a:endParaRPr>
+          </a:p>
+        </p:txBody>
+      </p:sp>
+    </p:spTree>
+    <p:extLst>
+      <p:ext uri="{BB962C8B-B14F-4D97-AF65-F5344CB8AC3E}">
+        <p14:creationId xmlns:p14="http://schemas.microsoft.com/office/powerpoint/2010/main" val="152622507"/>
+      </p:ext>
+    </p:extLst>
+  </p:cSld>
+  <p:clrMapOvr>
+    <a:masterClrMapping/>
+  </p:clrMapOvr>
+</p:sld>
+</file>
+
+<file path=ppt/slides/slide32.xml><?xml version="1.0" encoding="utf-8"?>
+<p:sld xmlns:a="http://schemas.openxmlformats.org/drawingml/2006/main" xmlns:r="http://schemas.openxmlformats.org/officeDocument/2006/relationships" xmlns:p="http://schemas.openxmlformats.org/presentationml/2006/main">
+  <p:cSld>
+    <p:spTree>
+      <p:nvGrpSpPr>
+        <p:cNvPr id="1" name=""/>
+        <p:cNvGrpSpPr/>
+        <p:nvPr/>
+      </p:nvGrpSpPr>
+      <p:grpSpPr>
+        <a:xfrm>
+          <a:off x="0" y="0"/>
+          <a:ext cx="0" cy="0"/>
+          <a:chOff x="0" y="0"/>
+          <a:chExt cx="0" cy="0"/>
+        </a:xfrm>
+      </p:grpSpPr>
       <p:sp>
         <p:nvSpPr>
           <p:cNvPr id="5" name="Espace réservé du contenu 30"/>
@@ -15835,9 +16672,9 @@
                 <a:solidFill>
                   <a:srgbClr val="004492"/>
                 </a:solidFill>
-                <a:latin typeface="Eurostile" panose="020B0504020202050204" pitchFamily="34" charset="0"/>
-              </a:rPr>
-              <a:t> Stage de 10 semaines : atout pour le parcours professionnel</a:t>
+                <a:latin typeface="Calibri (Corps)"/>
+              </a:rPr>
+              <a:t> Stage de 8 semaines : atout pour le parcours professionnel</a:t>
             </a:r>
           </a:p>
           <a:p>
@@ -15853,10 +16690,10 @@
                 <a:solidFill>
                   <a:srgbClr val="004492"/>
                 </a:solidFill>
-                <a:latin typeface="Eurostile" panose="020B0504020202050204" pitchFamily="34" charset="0"/>
+                <a:latin typeface="Calibri (Corps)"/>
                 <a:sym typeface="Wingdings" panose="05000000000000000000" pitchFamily="2" charset="2"/>
               </a:rPr>
-              <a:t> Premier pas dans le monde professionnel</a:t>
+              <a:t> Expérience supplémentaire dans le monde professionnel</a:t>
             </a:r>
           </a:p>
           <a:p>
@@ -15872,10 +16709,10 @@
                 <a:solidFill>
                   <a:srgbClr val="004492"/>
                 </a:solidFill>
-                <a:latin typeface="Eurostile" panose="020B0504020202050204" pitchFamily="34" charset="0"/>
+                <a:latin typeface="Calibri (Corps)"/>
                 <a:sym typeface="Wingdings" panose="05000000000000000000" pitchFamily="2" charset="2"/>
               </a:rPr>
-              <a:t> Me conforte dans mon envie de me diriger vers les métiers du développement de projets informatiques</a:t>
+              <a:t> Me conforte dans mon envie de me diriger vers les métiers du développement logiciel</a:t>
             </a:r>
           </a:p>
           <a:p>
@@ -15890,7 +16727,7 @@
               <a:solidFill>
                 <a:srgbClr val="004492"/>
               </a:solidFill>
-              <a:latin typeface="Eurostile" panose="020B0504020202050204" pitchFamily="34" charset="0"/>
+              <a:latin typeface="Calibri (Corps)"/>
               <a:sym typeface="Wingdings" panose="05000000000000000000" pitchFamily="2" charset="2"/>
             </a:endParaRPr>
           </a:p>
@@ -15898,7 +16735,7 @@
       </p:sp>
       <p:sp>
         <p:nvSpPr>
-          <p:cNvPr id="3" name="Espace réservé du numéro de diapositive 2"/>
+          <p:cNvPr id="7" name="Espace réservé du numéro de diapositive 1"/>
           <p:cNvSpPr>
             <a:spLocks noGrp="1"/>
           </p:cNvSpPr>
@@ -15906,16 +16743,82 @@
             <p:ph type="sldNum" sz="quarter" idx="12"/>
           </p:nvPr>
         </p:nvSpPr>
-        <p:spPr/>
+        <p:spPr>
+          <a:xfrm>
+            <a:off x="6603423" y="6255991"/>
+            <a:ext cx="2057400" cy="365125"/>
+          </a:xfrm>
+        </p:spPr>
         <p:txBody>
           <a:bodyPr/>
           <a:lstStyle/>
           <a:p>
+            <a:r>
+              <a:rPr lang="fr-FR" sz="1800" dirty="0">
+                <a:latin typeface="Eurostile-Roman" pitchFamily="2" charset="0"/>
+              </a:rPr>
+              <a:t>Diapositive </a:t>
+            </a:r>
             <a:fld id="{0A0AF257-D28F-495E-9E53-3BED59B8AA35}" type="slidenum">
-              <a:rPr lang="fr-FR" smtClean="0"/>
-              <a:t>31</a:t>
+              <a:rPr lang="fr-FR" sz="1800" smtClean="0">
+                <a:latin typeface="Eurostile-Roman" pitchFamily="2" charset="0"/>
+              </a:rPr>
+              <a:t>32</a:t>
             </a:fld>
-            <a:endParaRPr lang="fr-FR"/>
+            <a:endParaRPr lang="fr-FR" sz="1800" dirty="0">
+              <a:latin typeface="Eurostile-Roman" pitchFamily="2" charset="0"/>
+            </a:endParaRPr>
+          </a:p>
+        </p:txBody>
+      </p:sp>
+      <p:sp>
+        <p:nvSpPr>
+          <p:cNvPr id="8" name="Titre 1"/>
+          <p:cNvSpPr>
+            <a:spLocks noGrp="1"/>
+          </p:cNvSpPr>
+          <p:nvPr>
+            <p:ph type="title"/>
+          </p:nvPr>
+        </p:nvSpPr>
+        <p:spPr>
+          <a:xfrm>
+            <a:off x="255710" y="110750"/>
+            <a:ext cx="6347713" cy="1320800"/>
+          </a:xfrm>
+        </p:spPr>
+        <p:txBody>
+          <a:bodyPr>
+            <a:normAutofit/>
+          </a:bodyPr>
+          <a:lstStyle/>
+          <a:p>
+            <a:r>
+              <a:rPr lang="fr-FR" sz="3800" dirty="0">
+                <a:solidFill>
+                  <a:schemeClr val="bg1"/>
+                </a:solidFill>
+                <a:latin typeface="Eurostile-Roman" pitchFamily="2" charset="0"/>
+              </a:rPr>
+              <a:t>Bilan humain et</a:t>
+            </a:r>
+            <a:br>
+              <a:rPr lang="fr-FR" sz="3800" dirty="0">
+                <a:solidFill>
+                  <a:schemeClr val="bg1"/>
+                </a:solidFill>
+                <a:latin typeface="Eurostile-Roman" pitchFamily="2" charset="0"/>
+              </a:rPr>
+            </a:br>
+            <a:r>
+              <a:rPr lang="fr-FR" sz="3800" dirty="0">
+                <a:solidFill>
+                  <a:schemeClr val="bg1"/>
+                </a:solidFill>
+                <a:latin typeface="Eurostile-Roman" pitchFamily="2" charset="0"/>
+              </a:rPr>
+              <a:t>technique</a:t>
+            </a:r>
           </a:p>
         </p:txBody>
       </p:sp>
@@ -15932,7 +16835,7 @@
 </p:sld>
 </file>
 
-<file path=ppt/slides/slide32.xml><?xml version="1.0" encoding="utf-8"?>
+<file path=ppt/slides/slide33.xml><?xml version="1.0" encoding="utf-8"?>
 <p:sld xmlns:a="http://schemas.openxmlformats.org/drawingml/2006/main" xmlns:r="http://schemas.openxmlformats.org/officeDocument/2006/relationships" xmlns:p="http://schemas.openxmlformats.org/presentationml/2006/main">
   <p:cSld>
     <p:spTree>
@@ -16146,7 +17049,7 @@
                 <a:solidFill>
                   <a:srgbClr val="004492"/>
                 </a:solidFill>
-                <a:latin typeface="Eurostile" panose="020B0504020202050204" pitchFamily="34" charset="0"/>
+                <a:latin typeface="Eurostile-Roman" pitchFamily="2" charset="0"/>
               </a:rPr>
               <a:t>Merci de votre attention</a:t>
             </a:r>
@@ -16154,7 +17057,7 @@
               <a:solidFill>
                 <a:srgbClr val="004492"/>
               </a:solidFill>
-              <a:latin typeface="Eurostile" panose="020B0504020202050204" pitchFamily="34" charset="0"/>
+              <a:latin typeface="Eurostile-Roman" pitchFamily="2" charset="0"/>
               <a:sym typeface="Wingdings" panose="05000000000000000000" pitchFamily="2" charset="2"/>
             </a:endParaRPr>
           </a:p>
@@ -16177,7 +17080,7 @@
           <a:p>
             <a:fld id="{0A0AF257-D28F-495E-9E53-3BED59B8AA35}" type="slidenum">
               <a:rPr lang="fr-FR" smtClean="0"/>
-              <a:t>32</a:t>
+              <a:t>33</a:t>
             </a:fld>
             <a:endParaRPr lang="fr-FR"/>
           </a:p>

--- a/Soutenance_Stage.pptx
+++ b/Soutenance_Stage.pptx
@@ -5,7 +5,7 @@
     <p:sldMasterId id="2147483694" r:id="rId1"/>
   </p:sldMasterIdLst>
   <p:notesMasterIdLst>
-    <p:notesMasterId r:id="rId35"/>
+    <p:notesMasterId r:id="rId37"/>
   </p:notesMasterIdLst>
   <p:sldIdLst>
     <p:sldId id="256" r:id="rId2"/>
@@ -29,18 +29,20 @@
     <p:sldId id="269" r:id="rId20"/>
     <p:sldId id="320" r:id="rId21"/>
     <p:sldId id="324" r:id="rId22"/>
-    <p:sldId id="325" r:id="rId23"/>
-    <p:sldId id="326" r:id="rId24"/>
-    <p:sldId id="327" r:id="rId25"/>
-    <p:sldId id="328" r:id="rId26"/>
-    <p:sldId id="330" r:id="rId27"/>
-    <p:sldId id="335" r:id="rId28"/>
-    <p:sldId id="333" r:id="rId29"/>
-    <p:sldId id="332" r:id="rId30"/>
-    <p:sldId id="336" r:id="rId31"/>
-    <p:sldId id="301" r:id="rId32"/>
-    <p:sldId id="302" r:id="rId33"/>
-    <p:sldId id="305" r:id="rId34"/>
+    <p:sldId id="340" r:id="rId23"/>
+    <p:sldId id="325" r:id="rId24"/>
+    <p:sldId id="326" r:id="rId25"/>
+    <p:sldId id="327" r:id="rId26"/>
+    <p:sldId id="328" r:id="rId27"/>
+    <p:sldId id="338" r:id="rId28"/>
+    <p:sldId id="335" r:id="rId29"/>
+    <p:sldId id="333" r:id="rId30"/>
+    <p:sldId id="332" r:id="rId31"/>
+    <p:sldId id="337" r:id="rId32"/>
+    <p:sldId id="336" r:id="rId33"/>
+    <p:sldId id="301" r:id="rId34"/>
+    <p:sldId id="302" r:id="rId35"/>
+    <p:sldId id="305" r:id="rId36"/>
   </p:sldIdLst>
   <p:sldSz cx="9144000" cy="6858000" type="screen4x3"/>
   <p:notesSz cx="6858000" cy="9144000"/>
@@ -229,7 +231,7 @@
           <a:p>
             <a:fld id="{6A6B8603-F168-4293-AE02-38B8D4407F2C}" type="datetimeFigureOut">
               <a:rPr lang="fr-FR" smtClean="0"/>
-              <a:t>26/05/2017</a:t>
+              <a:t>29/05/2017</a:t>
             </a:fld>
             <a:endParaRPr lang="fr-FR"/>
           </a:p>
@@ -625,7 +627,7 @@
           <a:p>
             <a:fld id="{C61A2356-E161-48C6-974A-E0A2B3A6E478}" type="datetime1">
               <a:rPr lang="fr-FR" smtClean="0"/>
-              <a:t>26/05/2017</a:t>
+              <a:t>29/05/2017</a:t>
             </a:fld>
             <a:endParaRPr lang="fr-FR"/>
           </a:p>
@@ -793,7 +795,7 @@
           <a:p>
             <a:fld id="{A48A7D4D-F8D9-43CD-9DB2-FDB2C5CB8AE3}" type="datetime1">
               <a:rPr lang="fr-FR" smtClean="0"/>
-              <a:t>26/05/2017</a:t>
+              <a:t>29/05/2017</a:t>
             </a:fld>
             <a:endParaRPr lang="fr-FR"/>
           </a:p>
@@ -971,7 +973,7 @@
           <a:p>
             <a:fld id="{82ABE3F5-26BA-4BFC-AFDC-3AC7FE105C9D}" type="datetime1">
               <a:rPr lang="fr-FR" smtClean="0"/>
-              <a:t>26/05/2017</a:t>
+              <a:t>29/05/2017</a:t>
             </a:fld>
             <a:endParaRPr lang="fr-FR"/>
           </a:p>
@@ -1139,7 +1141,7 @@
           <a:p>
             <a:fld id="{C711CD0E-760D-4202-B0C1-E7D5CF6BAA62}" type="datetime1">
               <a:rPr lang="fr-FR" smtClean="0"/>
-              <a:t>26/05/2017</a:t>
+              <a:t>29/05/2017</a:t>
             </a:fld>
             <a:endParaRPr lang="fr-FR"/>
           </a:p>
@@ -1384,7 +1386,7 @@
           <a:p>
             <a:fld id="{F704051D-05F2-4EFF-BAA5-5AA6BE41474E}" type="datetime1">
               <a:rPr lang="fr-FR" smtClean="0"/>
-              <a:t>26/05/2017</a:t>
+              <a:t>29/05/2017</a:t>
             </a:fld>
             <a:endParaRPr lang="fr-FR"/>
           </a:p>
@@ -1613,7 +1615,7 @@
           <a:p>
             <a:fld id="{5B1E51B9-3C08-47E2-B3DF-FAB5241977DC}" type="datetime1">
               <a:rPr lang="fr-FR" smtClean="0"/>
-              <a:t>26/05/2017</a:t>
+              <a:t>29/05/2017</a:t>
             </a:fld>
             <a:endParaRPr lang="fr-FR"/>
           </a:p>
@@ -1977,7 +1979,7 @@
           <a:p>
             <a:fld id="{A0C115EA-13E3-4C85-85DE-3CCFF6A9740B}" type="datetime1">
               <a:rPr lang="fr-FR" smtClean="0"/>
-              <a:t>26/05/2017</a:t>
+              <a:t>29/05/2017</a:t>
             </a:fld>
             <a:endParaRPr lang="fr-FR"/>
           </a:p>
@@ -2094,7 +2096,7 @@
           <a:p>
             <a:fld id="{68F67F48-8778-44AB-9E95-D19A6ABDAF43}" type="datetime1">
               <a:rPr lang="fr-FR" smtClean="0"/>
-              <a:t>26/05/2017</a:t>
+              <a:t>29/05/2017</a:t>
             </a:fld>
             <a:endParaRPr lang="fr-FR"/>
           </a:p>
@@ -2189,7 +2191,7 @@
           <a:p>
             <a:fld id="{663C7F81-61AA-4D25-8AB3-DE0D31697BD5}" type="datetime1">
               <a:rPr lang="fr-FR" smtClean="0"/>
-              <a:t>26/05/2017</a:t>
+              <a:t>29/05/2017</a:t>
             </a:fld>
             <a:endParaRPr lang="fr-FR"/>
           </a:p>
@@ -2464,7 +2466,7 @@
           <a:p>
             <a:fld id="{14CB0180-EC6F-44E5-B856-8B0D40ADA19F}" type="datetime1">
               <a:rPr lang="fr-FR" smtClean="0"/>
-              <a:t>26/05/2017</a:t>
+              <a:t>29/05/2017</a:t>
             </a:fld>
             <a:endParaRPr lang="fr-FR"/>
           </a:p>
@@ -2716,7 +2718,7 @@
           <a:p>
             <a:fld id="{BC5DA1EF-175C-4684-858C-4DA625CE5717}" type="datetime1">
               <a:rPr lang="fr-FR" smtClean="0"/>
-              <a:t>26/05/2017</a:t>
+              <a:t>29/05/2017</a:t>
             </a:fld>
             <a:endParaRPr lang="fr-FR"/>
           </a:p>
@@ -2936,7 +2938,7 @@
           <a:p>
             <a:fld id="{E7E6C54A-DA3B-4E4A-92D2-3E89B5E318E2}" type="datetime1">
               <a:rPr lang="fr-FR" smtClean="0"/>
-              <a:t>26/05/2017</a:t>
+              <a:t>29/05/2017</a:t>
             </a:fld>
             <a:endParaRPr lang="fr-FR"/>
           </a:p>
@@ -9627,64 +9629,7 @@
       </p:sp>
       <p:sp>
         <p:nvSpPr>
-          <p:cNvPr id="5" name="Espace réservé du contenu 30"/>
-          <p:cNvSpPr>
-            <a:spLocks noGrp="1"/>
-          </p:cNvSpPr>
-          <p:nvPr>
-            <p:ph idx="1"/>
-          </p:nvPr>
-        </p:nvSpPr>
-        <p:spPr>
-          <a:xfrm>
-            <a:off x="948615" y="2190251"/>
-            <a:ext cx="7886700" cy="753671"/>
-          </a:xfrm>
-        </p:spPr>
-        <p:txBody>
-          <a:bodyPr>
-            <a:normAutofit/>
-          </a:bodyPr>
-          <a:lstStyle/>
-          <a:p>
-            <a:pPr>
-              <a:lnSpc>
-                <a:spcPct val="150000"/>
-              </a:lnSpc>
-            </a:pPr>
-            <a:r>
-              <a:rPr lang="fr-FR" sz="2200" dirty="0">
-                <a:solidFill>
-                  <a:srgbClr val="004492"/>
-                </a:solidFill>
-                <a:latin typeface="Calibri (Corps)"/>
-              </a:rPr>
-              <a:t>Développement d’un </a:t>
-            </a:r>
-            <a:r>
-              <a:rPr lang="fr-FR" sz="2200" dirty="0" err="1">
-                <a:solidFill>
-                  <a:srgbClr val="004492"/>
-                </a:solidFill>
-                <a:latin typeface="Calibri (Corps)"/>
-              </a:rPr>
-              <a:t>Codeunit</a:t>
-            </a:r>
-            <a:r>
-              <a:rPr lang="fr-FR" sz="2200" dirty="0">
-                <a:solidFill>
-                  <a:srgbClr val="004492"/>
-                </a:solidFill>
-                <a:latin typeface="Calibri (Corps)"/>
-              </a:rPr>
-              <a:t> de migration des données :</a:t>
-            </a:r>
-          </a:p>
-        </p:txBody>
-      </p:sp>
-      <p:sp>
-        <p:nvSpPr>
-          <p:cNvPr id="7" name="Espace réservé du contenu 30"/>
+          <p:cNvPr id="17" name="Espace réservé du contenu 30"/>
           <p:cNvSpPr txBox="1">
             <a:spLocks/>
           </p:cNvSpPr>
@@ -9692,8 +9637,8 @@
         </p:nvSpPr>
         <p:spPr>
           <a:xfrm>
-            <a:off x="1084118" y="2796851"/>
-            <a:ext cx="8059882" cy="3347471"/>
+            <a:off x="925170" y="1925950"/>
+            <a:ext cx="7886700" cy="753671"/>
           </a:xfrm>
           <a:prstGeom prst="rect">
             <a:avLst/>
@@ -9868,6 +9813,209 @@
             </a:lvl9pPr>
           </a:lstStyle>
           <a:p>
+            <a:pPr>
+              <a:lnSpc>
+                <a:spcPct val="150000"/>
+              </a:lnSpc>
+            </a:pPr>
+            <a:r>
+              <a:rPr lang="fr-FR" sz="2200" dirty="0">
+                <a:solidFill>
+                  <a:srgbClr val="004492"/>
+                </a:solidFill>
+                <a:latin typeface="Calibri (Corps)"/>
+              </a:rPr>
+              <a:t>Problématique principale :</a:t>
+            </a:r>
+          </a:p>
+        </p:txBody>
+      </p:sp>
+      <p:sp>
+        <p:nvSpPr>
+          <p:cNvPr id="18" name="Espace réservé du contenu 30"/>
+          <p:cNvSpPr txBox="1">
+            <a:spLocks/>
+          </p:cNvSpPr>
+          <p:nvPr/>
+        </p:nvSpPr>
+        <p:spPr>
+          <a:xfrm>
+            <a:off x="925170" y="2302785"/>
+            <a:ext cx="8059882" cy="1083487"/>
+          </a:xfrm>
+          <a:prstGeom prst="rect">
+            <a:avLst/>
+          </a:prstGeom>
+        </p:spPr>
+        <p:txBody>
+          <a:bodyPr vert="horz" lIns="91440" tIns="45720" rIns="91440" bIns="45720" rtlCol="0">
+            <a:normAutofit/>
+          </a:bodyPr>
+          <a:lstStyle>
+            <a:lvl1pPr marL="171450" indent="-171450" algn="l" defTabSz="685800" rtl="0" eaLnBrk="1" latinLnBrk="0" hangingPunct="1">
+              <a:lnSpc>
+                <a:spcPct val="90000"/>
+              </a:lnSpc>
+              <a:spcBef>
+                <a:spcPts val="750"/>
+              </a:spcBef>
+              <a:buFont typeface="Arial" panose="020B0604020202020204" pitchFamily="34" charset="0"/>
+              <a:buChar char="•"/>
+              <a:defRPr sz="2100" kern="1200">
+                <a:solidFill>
+                  <a:schemeClr val="tx1"/>
+                </a:solidFill>
+                <a:latin typeface="+mn-lt"/>
+                <a:ea typeface="+mn-ea"/>
+                <a:cs typeface="+mn-cs"/>
+              </a:defRPr>
+            </a:lvl1pPr>
+            <a:lvl2pPr marL="514350" indent="-171450" algn="l" defTabSz="685800" rtl="0" eaLnBrk="1" latinLnBrk="0" hangingPunct="1">
+              <a:lnSpc>
+                <a:spcPct val="90000"/>
+              </a:lnSpc>
+              <a:spcBef>
+                <a:spcPts val="375"/>
+              </a:spcBef>
+              <a:buFont typeface="Arial" panose="020B0604020202020204" pitchFamily="34" charset="0"/>
+              <a:buChar char="•"/>
+              <a:defRPr sz="1800" kern="1200">
+                <a:solidFill>
+                  <a:schemeClr val="tx1"/>
+                </a:solidFill>
+                <a:latin typeface="+mn-lt"/>
+                <a:ea typeface="+mn-ea"/>
+                <a:cs typeface="+mn-cs"/>
+              </a:defRPr>
+            </a:lvl2pPr>
+            <a:lvl3pPr marL="857250" indent="-171450" algn="l" defTabSz="685800" rtl="0" eaLnBrk="1" latinLnBrk="0" hangingPunct="1">
+              <a:lnSpc>
+                <a:spcPct val="90000"/>
+              </a:lnSpc>
+              <a:spcBef>
+                <a:spcPts val="375"/>
+              </a:spcBef>
+              <a:buFont typeface="Arial" panose="020B0604020202020204" pitchFamily="34" charset="0"/>
+              <a:buChar char="•"/>
+              <a:defRPr sz="1500" kern="1200">
+                <a:solidFill>
+                  <a:schemeClr val="tx1"/>
+                </a:solidFill>
+                <a:latin typeface="+mn-lt"/>
+                <a:ea typeface="+mn-ea"/>
+                <a:cs typeface="+mn-cs"/>
+              </a:defRPr>
+            </a:lvl3pPr>
+            <a:lvl4pPr marL="1200150" indent="-171450" algn="l" defTabSz="685800" rtl="0" eaLnBrk="1" latinLnBrk="0" hangingPunct="1">
+              <a:lnSpc>
+                <a:spcPct val="90000"/>
+              </a:lnSpc>
+              <a:spcBef>
+                <a:spcPts val="375"/>
+              </a:spcBef>
+              <a:buFont typeface="Arial" panose="020B0604020202020204" pitchFamily="34" charset="0"/>
+              <a:buChar char="•"/>
+              <a:defRPr sz="1350" kern="1200">
+                <a:solidFill>
+                  <a:schemeClr val="tx1"/>
+                </a:solidFill>
+                <a:latin typeface="+mn-lt"/>
+                <a:ea typeface="+mn-ea"/>
+                <a:cs typeface="+mn-cs"/>
+              </a:defRPr>
+            </a:lvl4pPr>
+            <a:lvl5pPr marL="1543050" indent="-171450" algn="l" defTabSz="685800" rtl="0" eaLnBrk="1" latinLnBrk="0" hangingPunct="1">
+              <a:lnSpc>
+                <a:spcPct val="90000"/>
+              </a:lnSpc>
+              <a:spcBef>
+                <a:spcPts val="375"/>
+              </a:spcBef>
+              <a:buFont typeface="Arial" panose="020B0604020202020204" pitchFamily="34" charset="0"/>
+              <a:buChar char="•"/>
+              <a:defRPr sz="1350" kern="1200">
+                <a:solidFill>
+                  <a:schemeClr val="tx1"/>
+                </a:solidFill>
+                <a:latin typeface="+mn-lt"/>
+                <a:ea typeface="+mn-ea"/>
+                <a:cs typeface="+mn-cs"/>
+              </a:defRPr>
+            </a:lvl5pPr>
+            <a:lvl6pPr marL="1885950" indent="-171450" algn="l" defTabSz="685800" rtl="0" eaLnBrk="1" latinLnBrk="0" hangingPunct="1">
+              <a:lnSpc>
+                <a:spcPct val="90000"/>
+              </a:lnSpc>
+              <a:spcBef>
+                <a:spcPts val="375"/>
+              </a:spcBef>
+              <a:buFont typeface="Arial" panose="020B0604020202020204" pitchFamily="34" charset="0"/>
+              <a:buChar char="•"/>
+              <a:defRPr sz="1350" kern="1200">
+                <a:solidFill>
+                  <a:schemeClr val="tx1"/>
+                </a:solidFill>
+                <a:latin typeface="+mn-lt"/>
+                <a:ea typeface="+mn-ea"/>
+                <a:cs typeface="+mn-cs"/>
+              </a:defRPr>
+            </a:lvl6pPr>
+            <a:lvl7pPr marL="2228850" indent="-171450" algn="l" defTabSz="685800" rtl="0" eaLnBrk="1" latinLnBrk="0" hangingPunct="1">
+              <a:lnSpc>
+                <a:spcPct val="90000"/>
+              </a:lnSpc>
+              <a:spcBef>
+                <a:spcPts val="375"/>
+              </a:spcBef>
+              <a:buFont typeface="Arial" panose="020B0604020202020204" pitchFamily="34" charset="0"/>
+              <a:buChar char="•"/>
+              <a:defRPr sz="1350" kern="1200">
+                <a:solidFill>
+                  <a:schemeClr val="tx1"/>
+                </a:solidFill>
+                <a:latin typeface="+mn-lt"/>
+                <a:ea typeface="+mn-ea"/>
+                <a:cs typeface="+mn-cs"/>
+              </a:defRPr>
+            </a:lvl7pPr>
+            <a:lvl8pPr marL="2571750" indent="-171450" algn="l" defTabSz="685800" rtl="0" eaLnBrk="1" latinLnBrk="0" hangingPunct="1">
+              <a:lnSpc>
+                <a:spcPct val="90000"/>
+              </a:lnSpc>
+              <a:spcBef>
+                <a:spcPts val="375"/>
+              </a:spcBef>
+              <a:buFont typeface="Arial" panose="020B0604020202020204" pitchFamily="34" charset="0"/>
+              <a:buChar char="•"/>
+              <a:defRPr sz="1350" kern="1200">
+                <a:solidFill>
+                  <a:schemeClr val="tx1"/>
+                </a:solidFill>
+                <a:latin typeface="+mn-lt"/>
+                <a:ea typeface="+mn-ea"/>
+                <a:cs typeface="+mn-cs"/>
+              </a:defRPr>
+            </a:lvl8pPr>
+            <a:lvl9pPr marL="2914650" indent="-171450" algn="l" defTabSz="685800" rtl="0" eaLnBrk="1" latinLnBrk="0" hangingPunct="1">
+              <a:lnSpc>
+                <a:spcPct val="90000"/>
+              </a:lnSpc>
+              <a:spcBef>
+                <a:spcPts val="375"/>
+              </a:spcBef>
+              <a:buFont typeface="Arial" panose="020B0604020202020204" pitchFamily="34" charset="0"/>
+              <a:buChar char="•"/>
+              <a:defRPr sz="1350" kern="1200">
+                <a:solidFill>
+                  <a:schemeClr val="tx1"/>
+                </a:solidFill>
+                <a:latin typeface="+mn-lt"/>
+                <a:ea typeface="+mn-ea"/>
+                <a:cs typeface="+mn-cs"/>
+              </a:defRPr>
+            </a:lvl9pPr>
+          </a:lstStyle>
+          <a:p>
             <a:pPr lvl="1">
               <a:lnSpc>
                 <a:spcPct val="250000"/>
@@ -9878,60 +10026,25 @@
             <a:r>
               <a:rPr lang="fr-FR" sz="2000" dirty="0">
                 <a:solidFill>
-                  <a:srgbClr val="004492"/>
+                  <a:srgbClr val="FF0000"/>
                 </a:solidFill>
                 <a:latin typeface="Calibri (Corps)"/>
               </a:rPr>
-              <a:t>Langage C/AL : très orienté données</a:t>
-            </a:r>
-          </a:p>
-          <a:p>
-            <a:pPr lvl="1">
-              <a:lnSpc>
-                <a:spcPct val="250000"/>
-              </a:lnSpc>
-              <a:buFont typeface="Wingdings" panose="05000000000000000000" pitchFamily="2" charset="2"/>
-              <a:buChar char="§"/>
-            </a:pPr>
+              <a:t>Compilation des tables modifiées </a:t>
+            </a:r>
             <a:r>
               <a:rPr lang="fr-FR" sz="2000" dirty="0">
                 <a:solidFill>
-                  <a:srgbClr val="004492"/>
+                  <a:srgbClr val="FF0000"/>
                 </a:solidFill>
                 <a:latin typeface="Calibri (Corps)"/>
-              </a:rPr>
-              <a:t>Migration par transfert de données entre tables </a:t>
-            </a:r>
-          </a:p>
-          <a:p>
-            <a:pPr lvl="1">
-              <a:lnSpc>
-                <a:spcPct val="250000"/>
-              </a:lnSpc>
-              <a:buFont typeface="Wingdings" panose="05000000000000000000" pitchFamily="2" charset="2"/>
-              <a:buChar char="§"/>
-            </a:pPr>
-            <a:r>
-              <a:rPr lang="fr-FR" sz="2000" dirty="0">
-                <a:solidFill>
-                  <a:srgbClr val="004492"/>
-                </a:solidFill>
-                <a:latin typeface="Calibri (Corps)"/>
-              </a:rPr>
-              <a:t>Boucle sur toutes les tables à </a:t>
-            </a:r>
-            <a:r>
-              <a:rPr lang="fr-FR" sz="2000">
-                <a:solidFill>
-                  <a:srgbClr val="004492"/>
-                </a:solidFill>
-                <a:latin typeface="Calibri (Corps)"/>
-              </a:rPr>
-              <a:t>migrer :</a:t>
-            </a:r>
-            <a:endParaRPr lang="fr-FR" sz="2000" b="1" dirty="0">
+                <a:sym typeface="Wingdings" panose="05000000000000000000" pitchFamily="2" charset="2"/>
+              </a:rPr>
+              <a:t> perte des données stockées</a:t>
+            </a:r>
+            <a:endParaRPr lang="fr-FR" sz="2000" dirty="0">
               <a:solidFill>
-                <a:srgbClr val="004492"/>
+                <a:srgbClr val="FF0000"/>
               </a:solidFill>
               <a:latin typeface="Calibri (Corps)"/>
             </a:endParaRPr>
@@ -9941,6 +10054,8 @@
               <a:lnSpc>
                 <a:spcPct val="250000"/>
               </a:lnSpc>
+              <a:buFont typeface="Wingdings" panose="05000000000000000000" pitchFamily="2" charset="2"/>
+              <a:buChar char="§"/>
             </a:pPr>
             <a:endParaRPr lang="fr-FR" sz="2000" dirty="0">
               <a:solidFill>
@@ -9949,12 +10064,571 @@
               <a:latin typeface="Calibri (Corps)"/>
             </a:endParaRPr>
           </a:p>
+          <a:p>
+            <a:pPr marL="342900" lvl="1" indent="0">
+              <a:lnSpc>
+                <a:spcPct val="250000"/>
+              </a:lnSpc>
+              <a:buNone/>
+            </a:pPr>
+            <a:endParaRPr lang="fr-FR" sz="2000" dirty="0">
+              <a:solidFill>
+                <a:srgbClr val="004492"/>
+              </a:solidFill>
+              <a:latin typeface="Calibri (Corps)"/>
+            </a:endParaRPr>
+          </a:p>
+        </p:txBody>
+      </p:sp>
+      <p:sp>
+        <p:nvSpPr>
+          <p:cNvPr id="19" name="Espace réservé du contenu 30"/>
+          <p:cNvSpPr txBox="1">
+            <a:spLocks/>
+          </p:cNvSpPr>
+          <p:nvPr/>
+        </p:nvSpPr>
+        <p:spPr>
+          <a:xfrm>
+            <a:off x="925170" y="3284771"/>
+            <a:ext cx="7886700" cy="753671"/>
+          </a:xfrm>
+          <a:prstGeom prst="rect">
+            <a:avLst/>
+          </a:prstGeom>
+        </p:spPr>
+        <p:txBody>
+          <a:bodyPr vert="horz" lIns="91440" tIns="45720" rIns="91440" bIns="45720" rtlCol="0">
+            <a:normAutofit/>
+          </a:bodyPr>
+          <a:lstStyle>
+            <a:lvl1pPr marL="171450" indent="-171450" algn="l" defTabSz="685800" rtl="0" eaLnBrk="1" latinLnBrk="0" hangingPunct="1">
+              <a:lnSpc>
+                <a:spcPct val="90000"/>
+              </a:lnSpc>
+              <a:spcBef>
+                <a:spcPts val="750"/>
+              </a:spcBef>
+              <a:buFont typeface="Arial" panose="020B0604020202020204" pitchFamily="34" charset="0"/>
+              <a:buChar char="•"/>
+              <a:defRPr sz="2100" kern="1200">
+                <a:solidFill>
+                  <a:schemeClr val="tx1"/>
+                </a:solidFill>
+                <a:latin typeface="+mn-lt"/>
+                <a:ea typeface="+mn-ea"/>
+                <a:cs typeface="+mn-cs"/>
+              </a:defRPr>
+            </a:lvl1pPr>
+            <a:lvl2pPr marL="514350" indent="-171450" algn="l" defTabSz="685800" rtl="0" eaLnBrk="1" latinLnBrk="0" hangingPunct="1">
+              <a:lnSpc>
+                <a:spcPct val="90000"/>
+              </a:lnSpc>
+              <a:spcBef>
+                <a:spcPts val="375"/>
+              </a:spcBef>
+              <a:buFont typeface="Arial" panose="020B0604020202020204" pitchFamily="34" charset="0"/>
+              <a:buChar char="•"/>
+              <a:defRPr sz="1800" kern="1200">
+                <a:solidFill>
+                  <a:schemeClr val="tx1"/>
+                </a:solidFill>
+                <a:latin typeface="+mn-lt"/>
+                <a:ea typeface="+mn-ea"/>
+                <a:cs typeface="+mn-cs"/>
+              </a:defRPr>
+            </a:lvl2pPr>
+            <a:lvl3pPr marL="857250" indent="-171450" algn="l" defTabSz="685800" rtl="0" eaLnBrk="1" latinLnBrk="0" hangingPunct="1">
+              <a:lnSpc>
+                <a:spcPct val="90000"/>
+              </a:lnSpc>
+              <a:spcBef>
+                <a:spcPts val="375"/>
+              </a:spcBef>
+              <a:buFont typeface="Arial" panose="020B0604020202020204" pitchFamily="34" charset="0"/>
+              <a:buChar char="•"/>
+              <a:defRPr sz="1500" kern="1200">
+                <a:solidFill>
+                  <a:schemeClr val="tx1"/>
+                </a:solidFill>
+                <a:latin typeface="+mn-lt"/>
+                <a:ea typeface="+mn-ea"/>
+                <a:cs typeface="+mn-cs"/>
+              </a:defRPr>
+            </a:lvl3pPr>
+            <a:lvl4pPr marL="1200150" indent="-171450" algn="l" defTabSz="685800" rtl="0" eaLnBrk="1" latinLnBrk="0" hangingPunct="1">
+              <a:lnSpc>
+                <a:spcPct val="90000"/>
+              </a:lnSpc>
+              <a:spcBef>
+                <a:spcPts val="375"/>
+              </a:spcBef>
+              <a:buFont typeface="Arial" panose="020B0604020202020204" pitchFamily="34" charset="0"/>
+              <a:buChar char="•"/>
+              <a:defRPr sz="1350" kern="1200">
+                <a:solidFill>
+                  <a:schemeClr val="tx1"/>
+                </a:solidFill>
+                <a:latin typeface="+mn-lt"/>
+                <a:ea typeface="+mn-ea"/>
+                <a:cs typeface="+mn-cs"/>
+              </a:defRPr>
+            </a:lvl4pPr>
+            <a:lvl5pPr marL="1543050" indent="-171450" algn="l" defTabSz="685800" rtl="0" eaLnBrk="1" latinLnBrk="0" hangingPunct="1">
+              <a:lnSpc>
+                <a:spcPct val="90000"/>
+              </a:lnSpc>
+              <a:spcBef>
+                <a:spcPts val="375"/>
+              </a:spcBef>
+              <a:buFont typeface="Arial" panose="020B0604020202020204" pitchFamily="34" charset="0"/>
+              <a:buChar char="•"/>
+              <a:defRPr sz="1350" kern="1200">
+                <a:solidFill>
+                  <a:schemeClr val="tx1"/>
+                </a:solidFill>
+                <a:latin typeface="+mn-lt"/>
+                <a:ea typeface="+mn-ea"/>
+                <a:cs typeface="+mn-cs"/>
+              </a:defRPr>
+            </a:lvl5pPr>
+            <a:lvl6pPr marL="1885950" indent="-171450" algn="l" defTabSz="685800" rtl="0" eaLnBrk="1" latinLnBrk="0" hangingPunct="1">
+              <a:lnSpc>
+                <a:spcPct val="90000"/>
+              </a:lnSpc>
+              <a:spcBef>
+                <a:spcPts val="375"/>
+              </a:spcBef>
+              <a:buFont typeface="Arial" panose="020B0604020202020204" pitchFamily="34" charset="0"/>
+              <a:buChar char="•"/>
+              <a:defRPr sz="1350" kern="1200">
+                <a:solidFill>
+                  <a:schemeClr val="tx1"/>
+                </a:solidFill>
+                <a:latin typeface="+mn-lt"/>
+                <a:ea typeface="+mn-ea"/>
+                <a:cs typeface="+mn-cs"/>
+              </a:defRPr>
+            </a:lvl6pPr>
+            <a:lvl7pPr marL="2228850" indent="-171450" algn="l" defTabSz="685800" rtl="0" eaLnBrk="1" latinLnBrk="0" hangingPunct="1">
+              <a:lnSpc>
+                <a:spcPct val="90000"/>
+              </a:lnSpc>
+              <a:spcBef>
+                <a:spcPts val="375"/>
+              </a:spcBef>
+              <a:buFont typeface="Arial" panose="020B0604020202020204" pitchFamily="34" charset="0"/>
+              <a:buChar char="•"/>
+              <a:defRPr sz="1350" kern="1200">
+                <a:solidFill>
+                  <a:schemeClr val="tx1"/>
+                </a:solidFill>
+                <a:latin typeface="+mn-lt"/>
+                <a:ea typeface="+mn-ea"/>
+                <a:cs typeface="+mn-cs"/>
+              </a:defRPr>
+            </a:lvl7pPr>
+            <a:lvl8pPr marL="2571750" indent="-171450" algn="l" defTabSz="685800" rtl="0" eaLnBrk="1" latinLnBrk="0" hangingPunct="1">
+              <a:lnSpc>
+                <a:spcPct val="90000"/>
+              </a:lnSpc>
+              <a:spcBef>
+                <a:spcPts val="375"/>
+              </a:spcBef>
+              <a:buFont typeface="Arial" panose="020B0604020202020204" pitchFamily="34" charset="0"/>
+              <a:buChar char="•"/>
+              <a:defRPr sz="1350" kern="1200">
+                <a:solidFill>
+                  <a:schemeClr val="tx1"/>
+                </a:solidFill>
+                <a:latin typeface="+mn-lt"/>
+                <a:ea typeface="+mn-ea"/>
+                <a:cs typeface="+mn-cs"/>
+              </a:defRPr>
+            </a:lvl8pPr>
+            <a:lvl9pPr marL="2914650" indent="-171450" algn="l" defTabSz="685800" rtl="0" eaLnBrk="1" latinLnBrk="0" hangingPunct="1">
+              <a:lnSpc>
+                <a:spcPct val="90000"/>
+              </a:lnSpc>
+              <a:spcBef>
+                <a:spcPts val="375"/>
+              </a:spcBef>
+              <a:buFont typeface="Arial" panose="020B0604020202020204" pitchFamily="34" charset="0"/>
+              <a:buChar char="•"/>
+              <a:defRPr sz="1350" kern="1200">
+                <a:solidFill>
+                  <a:schemeClr val="tx1"/>
+                </a:solidFill>
+                <a:latin typeface="+mn-lt"/>
+                <a:ea typeface="+mn-ea"/>
+                <a:cs typeface="+mn-cs"/>
+              </a:defRPr>
+            </a:lvl9pPr>
+          </a:lstStyle>
+          <a:p>
+            <a:pPr>
+              <a:lnSpc>
+                <a:spcPct val="150000"/>
+              </a:lnSpc>
+            </a:pPr>
+            <a:r>
+              <a:rPr lang="fr-FR" sz="2200" dirty="0">
+                <a:solidFill>
+                  <a:srgbClr val="004492"/>
+                </a:solidFill>
+                <a:latin typeface="Calibri (Corps)"/>
+              </a:rPr>
+              <a:t>Solution mise en place :</a:t>
+            </a:r>
+          </a:p>
+          <a:p>
+            <a:pPr>
+              <a:lnSpc>
+                <a:spcPct val="150000"/>
+              </a:lnSpc>
+            </a:pPr>
+            <a:endParaRPr lang="fr-FR" sz="2200" dirty="0">
+              <a:solidFill>
+                <a:srgbClr val="004492"/>
+              </a:solidFill>
+              <a:latin typeface="Calibri (Corps)"/>
+            </a:endParaRPr>
+          </a:p>
+        </p:txBody>
+      </p:sp>
+      <p:sp>
+        <p:nvSpPr>
+          <p:cNvPr id="20" name="Espace réservé du contenu 30"/>
+          <p:cNvSpPr txBox="1">
+            <a:spLocks/>
+          </p:cNvSpPr>
+          <p:nvPr/>
+        </p:nvSpPr>
+        <p:spPr>
+          <a:xfrm>
+            <a:off x="925170" y="3763107"/>
+            <a:ext cx="8059882" cy="2719755"/>
+          </a:xfrm>
+          <a:prstGeom prst="rect">
+            <a:avLst/>
+          </a:prstGeom>
+        </p:spPr>
+        <p:txBody>
+          <a:bodyPr vert="horz" lIns="91440" tIns="45720" rIns="91440" bIns="45720" rtlCol="0">
+            <a:normAutofit/>
+          </a:bodyPr>
+          <a:lstStyle>
+            <a:lvl1pPr marL="171450" indent="-171450" algn="l" defTabSz="685800" rtl="0" eaLnBrk="1" latinLnBrk="0" hangingPunct="1">
+              <a:lnSpc>
+                <a:spcPct val="90000"/>
+              </a:lnSpc>
+              <a:spcBef>
+                <a:spcPts val="750"/>
+              </a:spcBef>
+              <a:buFont typeface="Arial" panose="020B0604020202020204" pitchFamily="34" charset="0"/>
+              <a:buChar char="•"/>
+              <a:defRPr sz="2100" kern="1200">
+                <a:solidFill>
+                  <a:schemeClr val="tx1"/>
+                </a:solidFill>
+                <a:latin typeface="+mn-lt"/>
+                <a:ea typeface="+mn-ea"/>
+                <a:cs typeface="+mn-cs"/>
+              </a:defRPr>
+            </a:lvl1pPr>
+            <a:lvl2pPr marL="514350" indent="-171450" algn="l" defTabSz="685800" rtl="0" eaLnBrk="1" latinLnBrk="0" hangingPunct="1">
+              <a:lnSpc>
+                <a:spcPct val="90000"/>
+              </a:lnSpc>
+              <a:spcBef>
+                <a:spcPts val="375"/>
+              </a:spcBef>
+              <a:buFont typeface="Arial" panose="020B0604020202020204" pitchFamily="34" charset="0"/>
+              <a:buChar char="•"/>
+              <a:defRPr sz="1800" kern="1200">
+                <a:solidFill>
+                  <a:schemeClr val="tx1"/>
+                </a:solidFill>
+                <a:latin typeface="+mn-lt"/>
+                <a:ea typeface="+mn-ea"/>
+                <a:cs typeface="+mn-cs"/>
+              </a:defRPr>
+            </a:lvl2pPr>
+            <a:lvl3pPr marL="857250" indent="-171450" algn="l" defTabSz="685800" rtl="0" eaLnBrk="1" latinLnBrk="0" hangingPunct="1">
+              <a:lnSpc>
+                <a:spcPct val="90000"/>
+              </a:lnSpc>
+              <a:spcBef>
+                <a:spcPts val="375"/>
+              </a:spcBef>
+              <a:buFont typeface="Arial" panose="020B0604020202020204" pitchFamily="34" charset="0"/>
+              <a:buChar char="•"/>
+              <a:defRPr sz="1500" kern="1200">
+                <a:solidFill>
+                  <a:schemeClr val="tx1"/>
+                </a:solidFill>
+                <a:latin typeface="+mn-lt"/>
+                <a:ea typeface="+mn-ea"/>
+                <a:cs typeface="+mn-cs"/>
+              </a:defRPr>
+            </a:lvl3pPr>
+            <a:lvl4pPr marL="1200150" indent="-171450" algn="l" defTabSz="685800" rtl="0" eaLnBrk="1" latinLnBrk="0" hangingPunct="1">
+              <a:lnSpc>
+                <a:spcPct val="90000"/>
+              </a:lnSpc>
+              <a:spcBef>
+                <a:spcPts val="375"/>
+              </a:spcBef>
+              <a:buFont typeface="Arial" panose="020B0604020202020204" pitchFamily="34" charset="0"/>
+              <a:buChar char="•"/>
+              <a:defRPr sz="1350" kern="1200">
+                <a:solidFill>
+                  <a:schemeClr val="tx1"/>
+                </a:solidFill>
+                <a:latin typeface="+mn-lt"/>
+                <a:ea typeface="+mn-ea"/>
+                <a:cs typeface="+mn-cs"/>
+              </a:defRPr>
+            </a:lvl4pPr>
+            <a:lvl5pPr marL="1543050" indent="-171450" algn="l" defTabSz="685800" rtl="0" eaLnBrk="1" latinLnBrk="0" hangingPunct="1">
+              <a:lnSpc>
+                <a:spcPct val="90000"/>
+              </a:lnSpc>
+              <a:spcBef>
+                <a:spcPts val="375"/>
+              </a:spcBef>
+              <a:buFont typeface="Arial" panose="020B0604020202020204" pitchFamily="34" charset="0"/>
+              <a:buChar char="•"/>
+              <a:defRPr sz="1350" kern="1200">
+                <a:solidFill>
+                  <a:schemeClr val="tx1"/>
+                </a:solidFill>
+                <a:latin typeface="+mn-lt"/>
+                <a:ea typeface="+mn-ea"/>
+                <a:cs typeface="+mn-cs"/>
+              </a:defRPr>
+            </a:lvl5pPr>
+            <a:lvl6pPr marL="1885950" indent="-171450" algn="l" defTabSz="685800" rtl="0" eaLnBrk="1" latinLnBrk="0" hangingPunct="1">
+              <a:lnSpc>
+                <a:spcPct val="90000"/>
+              </a:lnSpc>
+              <a:spcBef>
+                <a:spcPts val="375"/>
+              </a:spcBef>
+              <a:buFont typeface="Arial" panose="020B0604020202020204" pitchFamily="34" charset="0"/>
+              <a:buChar char="•"/>
+              <a:defRPr sz="1350" kern="1200">
+                <a:solidFill>
+                  <a:schemeClr val="tx1"/>
+                </a:solidFill>
+                <a:latin typeface="+mn-lt"/>
+                <a:ea typeface="+mn-ea"/>
+                <a:cs typeface="+mn-cs"/>
+              </a:defRPr>
+            </a:lvl6pPr>
+            <a:lvl7pPr marL="2228850" indent="-171450" algn="l" defTabSz="685800" rtl="0" eaLnBrk="1" latinLnBrk="0" hangingPunct="1">
+              <a:lnSpc>
+                <a:spcPct val="90000"/>
+              </a:lnSpc>
+              <a:spcBef>
+                <a:spcPts val="375"/>
+              </a:spcBef>
+              <a:buFont typeface="Arial" panose="020B0604020202020204" pitchFamily="34" charset="0"/>
+              <a:buChar char="•"/>
+              <a:defRPr sz="1350" kern="1200">
+                <a:solidFill>
+                  <a:schemeClr val="tx1"/>
+                </a:solidFill>
+                <a:latin typeface="+mn-lt"/>
+                <a:ea typeface="+mn-ea"/>
+                <a:cs typeface="+mn-cs"/>
+              </a:defRPr>
+            </a:lvl7pPr>
+            <a:lvl8pPr marL="2571750" indent="-171450" algn="l" defTabSz="685800" rtl="0" eaLnBrk="1" latinLnBrk="0" hangingPunct="1">
+              <a:lnSpc>
+                <a:spcPct val="90000"/>
+              </a:lnSpc>
+              <a:spcBef>
+                <a:spcPts val="375"/>
+              </a:spcBef>
+              <a:buFont typeface="Arial" panose="020B0604020202020204" pitchFamily="34" charset="0"/>
+              <a:buChar char="•"/>
+              <a:defRPr sz="1350" kern="1200">
+                <a:solidFill>
+                  <a:schemeClr val="tx1"/>
+                </a:solidFill>
+                <a:latin typeface="+mn-lt"/>
+                <a:ea typeface="+mn-ea"/>
+                <a:cs typeface="+mn-cs"/>
+              </a:defRPr>
+            </a:lvl8pPr>
+            <a:lvl9pPr marL="2914650" indent="-171450" algn="l" defTabSz="685800" rtl="0" eaLnBrk="1" latinLnBrk="0" hangingPunct="1">
+              <a:lnSpc>
+                <a:spcPct val="90000"/>
+              </a:lnSpc>
+              <a:spcBef>
+                <a:spcPts val="375"/>
+              </a:spcBef>
+              <a:buFont typeface="Arial" panose="020B0604020202020204" pitchFamily="34" charset="0"/>
+              <a:buChar char="•"/>
+              <a:defRPr sz="1350" kern="1200">
+                <a:solidFill>
+                  <a:schemeClr val="tx1"/>
+                </a:solidFill>
+                <a:latin typeface="+mn-lt"/>
+                <a:ea typeface="+mn-ea"/>
+                <a:cs typeface="+mn-cs"/>
+              </a:defRPr>
+            </a:lvl9pPr>
+          </a:lstStyle>
+          <a:p>
+            <a:pPr lvl="1">
+              <a:lnSpc>
+                <a:spcPct val="250000"/>
+              </a:lnSpc>
+              <a:buFont typeface="Wingdings" panose="05000000000000000000" pitchFamily="2" charset="2"/>
+              <a:buChar char="§"/>
+            </a:pPr>
+            <a:r>
+              <a:rPr lang="fr-FR" sz="2000" dirty="0">
+                <a:solidFill>
+                  <a:srgbClr val="004492"/>
+                </a:solidFill>
+                <a:latin typeface="Calibri (Corps)"/>
+              </a:rPr>
+              <a:t>Scénario de migration sans perte de données</a:t>
+            </a:r>
+          </a:p>
+          <a:p>
+            <a:pPr lvl="1">
+              <a:lnSpc>
+                <a:spcPct val="250000"/>
+              </a:lnSpc>
+              <a:buFont typeface="Wingdings" panose="05000000000000000000" pitchFamily="2" charset="2"/>
+              <a:buChar char="§"/>
+            </a:pPr>
+            <a:r>
+              <a:rPr lang="fr-FR" sz="2000" dirty="0">
+                <a:solidFill>
+                  <a:srgbClr val="004492"/>
+                </a:solidFill>
+                <a:latin typeface="Calibri (Corps)"/>
+              </a:rPr>
+              <a:t>Anciennes tables </a:t>
+            </a:r>
+            <a:r>
+              <a:rPr lang="fr-FR" sz="2000" dirty="0">
+                <a:solidFill>
+                  <a:srgbClr val="004492"/>
+                </a:solidFill>
+                <a:latin typeface="Calibri (Corps)"/>
+                <a:sym typeface="Wingdings" panose="05000000000000000000" pitchFamily="2" charset="2"/>
+              </a:rPr>
+              <a:t> tables temporaires</a:t>
+            </a:r>
+          </a:p>
+          <a:p>
+            <a:pPr lvl="1">
+              <a:lnSpc>
+                <a:spcPct val="250000"/>
+              </a:lnSpc>
+              <a:buFont typeface="Wingdings" panose="05000000000000000000" pitchFamily="2" charset="2"/>
+              <a:buChar char="§"/>
+            </a:pPr>
+            <a:r>
+              <a:rPr lang="fr-FR" sz="2000" dirty="0">
+                <a:solidFill>
+                  <a:srgbClr val="004492"/>
+                </a:solidFill>
+                <a:latin typeface="Calibri (Corps)"/>
+                <a:sym typeface="Wingdings" panose="05000000000000000000" pitchFamily="2" charset="2"/>
+              </a:rPr>
+              <a:t>Traitement de la migration en interne dans </a:t>
+            </a:r>
+            <a:r>
+              <a:rPr lang="fr-FR" sz="2000" dirty="0" err="1">
+                <a:solidFill>
+                  <a:srgbClr val="004492"/>
+                </a:solidFill>
+                <a:latin typeface="Calibri (Corps)"/>
+                <a:sym typeface="Wingdings" panose="05000000000000000000" pitchFamily="2" charset="2"/>
+              </a:rPr>
+              <a:t>Nav</a:t>
+            </a:r>
+            <a:endParaRPr lang="fr-FR" sz="2000" dirty="0">
+              <a:solidFill>
+                <a:srgbClr val="004492"/>
+              </a:solidFill>
+              <a:latin typeface="Calibri (Corps)"/>
+              <a:sym typeface="Wingdings" panose="05000000000000000000" pitchFamily="2" charset="2"/>
+            </a:endParaRPr>
+          </a:p>
+          <a:p>
+            <a:pPr lvl="1">
+              <a:lnSpc>
+                <a:spcPct val="250000"/>
+              </a:lnSpc>
+              <a:buFont typeface="Wingdings" panose="05000000000000000000" pitchFamily="2" charset="2"/>
+              <a:buChar char="§"/>
+            </a:pPr>
+            <a:endParaRPr lang="fr-FR" sz="2000" dirty="0">
+              <a:solidFill>
+                <a:srgbClr val="004492"/>
+              </a:solidFill>
+              <a:latin typeface="Calibri (Corps)"/>
+              <a:sym typeface="Wingdings" panose="05000000000000000000" pitchFamily="2" charset="2"/>
+            </a:endParaRPr>
+          </a:p>
+          <a:p>
+            <a:pPr lvl="1">
+              <a:lnSpc>
+                <a:spcPct val="250000"/>
+              </a:lnSpc>
+              <a:buFont typeface="Wingdings" panose="05000000000000000000" pitchFamily="2" charset="2"/>
+              <a:buChar char="§"/>
+            </a:pPr>
+            <a:endParaRPr lang="fr-FR" sz="2000" dirty="0">
+              <a:solidFill>
+                <a:srgbClr val="FF0000"/>
+              </a:solidFill>
+              <a:latin typeface="Calibri (Corps)"/>
+            </a:endParaRPr>
+          </a:p>
+          <a:p>
+            <a:pPr lvl="1">
+              <a:lnSpc>
+                <a:spcPct val="250000"/>
+              </a:lnSpc>
+              <a:buFont typeface="Wingdings" panose="05000000000000000000" pitchFamily="2" charset="2"/>
+              <a:buChar char="§"/>
+            </a:pPr>
+            <a:endParaRPr lang="fr-FR" sz="2000" dirty="0">
+              <a:solidFill>
+                <a:srgbClr val="004492"/>
+              </a:solidFill>
+              <a:latin typeface="Calibri (Corps)"/>
+            </a:endParaRPr>
+          </a:p>
+          <a:p>
+            <a:pPr marL="342900" lvl="1" indent="0">
+              <a:lnSpc>
+                <a:spcPct val="250000"/>
+              </a:lnSpc>
+              <a:buNone/>
+            </a:pPr>
+            <a:endParaRPr lang="fr-FR" sz="2000" dirty="0">
+              <a:solidFill>
+                <a:srgbClr val="004492"/>
+              </a:solidFill>
+              <a:latin typeface="Calibri (Corps)"/>
+            </a:endParaRPr>
+          </a:p>
         </p:txBody>
       </p:sp>
     </p:spTree>
     <p:extLst>
       <p:ext uri="{BB962C8B-B14F-4D97-AF65-F5344CB8AC3E}">
-        <p14:creationId xmlns:p14="http://schemas.microsoft.com/office/powerpoint/2010/main" val="3695814013"/>
+        <p14:creationId xmlns:p14="http://schemas.microsoft.com/office/powerpoint/2010/main" val="3878320898"/>
       </p:ext>
     </p:extLst>
   </p:cSld>
@@ -10082,7 +10756,7 @@
         </p:nvSpPr>
         <p:spPr>
           <a:xfrm>
-            <a:off x="948615" y="2089891"/>
+            <a:off x="948615" y="2190251"/>
             <a:ext cx="7886700" cy="753671"/>
           </a:xfrm>
         </p:spPr>
@@ -10104,7 +10778,7 @@
                 </a:solidFill>
                 <a:latin typeface="Calibri (Corps)"/>
               </a:rPr>
-              <a:t>Enrichissement du </a:t>
+              <a:t>Développement d’un </a:t>
             </a:r>
             <a:r>
               <a:rPr lang="fr-FR" sz="2200" dirty="0" err="1">
@@ -10122,7 +10796,7 @@
                 </a:solidFill>
                 <a:latin typeface="Calibri (Corps)"/>
               </a:rPr>
-              <a:t> : migration spécifique</a:t>
+              <a:t> de migration des données :</a:t>
             </a:r>
           </a:p>
         </p:txBody>
@@ -10137,8 +10811,8 @@
         </p:nvSpPr>
         <p:spPr>
           <a:xfrm>
-            <a:off x="1084118" y="2696492"/>
-            <a:ext cx="8059882" cy="1987022"/>
+            <a:off x="1084118" y="2796851"/>
+            <a:ext cx="8059882" cy="3347471"/>
           </a:xfrm>
           <a:prstGeom prst="rect">
             <a:avLst/>
@@ -10327,7 +11001,7 @@
                 </a:solidFill>
                 <a:latin typeface="Calibri (Corps)"/>
               </a:rPr>
-              <a:t>Migration précédente : migration générale</a:t>
+              <a:t>Langage C/AL : très orienté données</a:t>
             </a:r>
           </a:p>
           <a:p>
@@ -10345,23 +11019,8 @@
                 </a:solidFill>
                 <a:latin typeface="Calibri (Corps)"/>
               </a:rPr>
-              <a:t>Ajout de méthodes de migration spécifique </a:t>
-            </a:r>
-            <a:r>
-              <a:rPr lang="fr-FR" sz="2000" dirty="0" err="1">
-                <a:solidFill>
-                  <a:srgbClr val="004492"/>
-                </a:solidFill>
-                <a:latin typeface="Calibri (Corps)"/>
-              </a:rPr>
-              <a:t>NAViDMS</a:t>
-            </a:r>
-            <a:endParaRPr lang="fr-FR" sz="2000" dirty="0">
-              <a:solidFill>
-                <a:srgbClr val="004492"/>
-              </a:solidFill>
-              <a:latin typeface="Calibri (Corps)"/>
-            </a:endParaRPr>
+              <a:t>Migration par transfert de données entre tables </a:t>
+            </a:r>
           </a:p>
           <a:p>
             <a:pPr lvl="1">
@@ -10371,6 +11030,15 @@
               <a:buFont typeface="Wingdings" panose="05000000000000000000" pitchFamily="2" charset="2"/>
               <a:buChar char="§"/>
             </a:pPr>
+            <a:r>
+              <a:rPr lang="fr-FR" sz="2000" dirty="0">
+                <a:solidFill>
+                  <a:srgbClr val="004492"/>
+                </a:solidFill>
+                <a:latin typeface="Calibri (Corps)"/>
+              </a:rPr>
+              <a:t>Boucle dynamique sur toutes les tables à migrer </a:t>
+            </a:r>
             <a:endParaRPr lang="fr-FR" sz="2000" b="1" dirty="0">
               <a:solidFill>
                 <a:srgbClr val="004492"/>
@@ -10393,215 +11061,10 @@
           </a:p>
         </p:txBody>
       </p:sp>
-      <p:sp>
-        <p:nvSpPr>
-          <p:cNvPr id="6" name="Espace réservé du contenu 30"/>
-          <p:cNvSpPr txBox="1">
-            <a:spLocks/>
-          </p:cNvSpPr>
-          <p:nvPr/>
-        </p:nvSpPr>
-        <p:spPr>
-          <a:xfrm>
-            <a:off x="1084118" y="4436238"/>
-            <a:ext cx="8059882" cy="1987022"/>
-          </a:xfrm>
-          <a:prstGeom prst="rect">
-            <a:avLst/>
-          </a:prstGeom>
-        </p:spPr>
-        <p:txBody>
-          <a:bodyPr vert="horz" lIns="91440" tIns="45720" rIns="91440" bIns="45720" rtlCol="0">
-            <a:normAutofit/>
-          </a:bodyPr>
-          <a:lstStyle>
-            <a:lvl1pPr marL="171450" indent="-171450" algn="l" defTabSz="685800" rtl="0" eaLnBrk="1" latinLnBrk="0" hangingPunct="1">
-              <a:lnSpc>
-                <a:spcPct val="90000"/>
-              </a:lnSpc>
-              <a:spcBef>
-                <a:spcPts val="750"/>
-              </a:spcBef>
-              <a:buFont typeface="Arial" panose="020B0604020202020204" pitchFamily="34" charset="0"/>
-              <a:buChar char="•"/>
-              <a:defRPr sz="2100" kern="1200">
-                <a:solidFill>
-                  <a:schemeClr val="tx1"/>
-                </a:solidFill>
-                <a:latin typeface="+mn-lt"/>
-                <a:ea typeface="+mn-ea"/>
-                <a:cs typeface="+mn-cs"/>
-              </a:defRPr>
-            </a:lvl1pPr>
-            <a:lvl2pPr marL="514350" indent="-171450" algn="l" defTabSz="685800" rtl="0" eaLnBrk="1" latinLnBrk="0" hangingPunct="1">
-              <a:lnSpc>
-                <a:spcPct val="90000"/>
-              </a:lnSpc>
-              <a:spcBef>
-                <a:spcPts val="375"/>
-              </a:spcBef>
-              <a:buFont typeface="Arial" panose="020B0604020202020204" pitchFamily="34" charset="0"/>
-              <a:buChar char="•"/>
-              <a:defRPr sz="1800" kern="1200">
-                <a:solidFill>
-                  <a:schemeClr val="tx1"/>
-                </a:solidFill>
-                <a:latin typeface="+mn-lt"/>
-                <a:ea typeface="+mn-ea"/>
-                <a:cs typeface="+mn-cs"/>
-              </a:defRPr>
-            </a:lvl2pPr>
-            <a:lvl3pPr marL="857250" indent="-171450" algn="l" defTabSz="685800" rtl="0" eaLnBrk="1" latinLnBrk="0" hangingPunct="1">
-              <a:lnSpc>
-                <a:spcPct val="90000"/>
-              </a:lnSpc>
-              <a:spcBef>
-                <a:spcPts val="375"/>
-              </a:spcBef>
-              <a:buFont typeface="Arial" panose="020B0604020202020204" pitchFamily="34" charset="0"/>
-              <a:buChar char="•"/>
-              <a:defRPr sz="1500" kern="1200">
-                <a:solidFill>
-                  <a:schemeClr val="tx1"/>
-                </a:solidFill>
-                <a:latin typeface="+mn-lt"/>
-                <a:ea typeface="+mn-ea"/>
-                <a:cs typeface="+mn-cs"/>
-              </a:defRPr>
-            </a:lvl3pPr>
-            <a:lvl4pPr marL="1200150" indent="-171450" algn="l" defTabSz="685800" rtl="0" eaLnBrk="1" latinLnBrk="0" hangingPunct="1">
-              <a:lnSpc>
-                <a:spcPct val="90000"/>
-              </a:lnSpc>
-              <a:spcBef>
-                <a:spcPts val="375"/>
-              </a:spcBef>
-              <a:buFont typeface="Arial" panose="020B0604020202020204" pitchFamily="34" charset="0"/>
-              <a:buChar char="•"/>
-              <a:defRPr sz="1350" kern="1200">
-                <a:solidFill>
-                  <a:schemeClr val="tx1"/>
-                </a:solidFill>
-                <a:latin typeface="+mn-lt"/>
-                <a:ea typeface="+mn-ea"/>
-                <a:cs typeface="+mn-cs"/>
-              </a:defRPr>
-            </a:lvl4pPr>
-            <a:lvl5pPr marL="1543050" indent="-171450" algn="l" defTabSz="685800" rtl="0" eaLnBrk="1" latinLnBrk="0" hangingPunct="1">
-              <a:lnSpc>
-                <a:spcPct val="90000"/>
-              </a:lnSpc>
-              <a:spcBef>
-                <a:spcPts val="375"/>
-              </a:spcBef>
-              <a:buFont typeface="Arial" panose="020B0604020202020204" pitchFamily="34" charset="0"/>
-              <a:buChar char="•"/>
-              <a:defRPr sz="1350" kern="1200">
-                <a:solidFill>
-                  <a:schemeClr val="tx1"/>
-                </a:solidFill>
-                <a:latin typeface="+mn-lt"/>
-                <a:ea typeface="+mn-ea"/>
-                <a:cs typeface="+mn-cs"/>
-              </a:defRPr>
-            </a:lvl5pPr>
-            <a:lvl6pPr marL="1885950" indent="-171450" algn="l" defTabSz="685800" rtl="0" eaLnBrk="1" latinLnBrk="0" hangingPunct="1">
-              <a:lnSpc>
-                <a:spcPct val="90000"/>
-              </a:lnSpc>
-              <a:spcBef>
-                <a:spcPts val="375"/>
-              </a:spcBef>
-              <a:buFont typeface="Arial" panose="020B0604020202020204" pitchFamily="34" charset="0"/>
-              <a:buChar char="•"/>
-              <a:defRPr sz="1350" kern="1200">
-                <a:solidFill>
-                  <a:schemeClr val="tx1"/>
-                </a:solidFill>
-                <a:latin typeface="+mn-lt"/>
-                <a:ea typeface="+mn-ea"/>
-                <a:cs typeface="+mn-cs"/>
-              </a:defRPr>
-            </a:lvl6pPr>
-            <a:lvl7pPr marL="2228850" indent="-171450" algn="l" defTabSz="685800" rtl="0" eaLnBrk="1" latinLnBrk="0" hangingPunct="1">
-              <a:lnSpc>
-                <a:spcPct val="90000"/>
-              </a:lnSpc>
-              <a:spcBef>
-                <a:spcPts val="375"/>
-              </a:spcBef>
-              <a:buFont typeface="Arial" panose="020B0604020202020204" pitchFamily="34" charset="0"/>
-              <a:buChar char="•"/>
-              <a:defRPr sz="1350" kern="1200">
-                <a:solidFill>
-                  <a:schemeClr val="tx1"/>
-                </a:solidFill>
-                <a:latin typeface="+mn-lt"/>
-                <a:ea typeface="+mn-ea"/>
-                <a:cs typeface="+mn-cs"/>
-              </a:defRPr>
-            </a:lvl7pPr>
-            <a:lvl8pPr marL="2571750" indent="-171450" algn="l" defTabSz="685800" rtl="0" eaLnBrk="1" latinLnBrk="0" hangingPunct="1">
-              <a:lnSpc>
-                <a:spcPct val="90000"/>
-              </a:lnSpc>
-              <a:spcBef>
-                <a:spcPts val="375"/>
-              </a:spcBef>
-              <a:buFont typeface="Arial" panose="020B0604020202020204" pitchFamily="34" charset="0"/>
-              <a:buChar char="•"/>
-              <a:defRPr sz="1350" kern="1200">
-                <a:solidFill>
-                  <a:schemeClr val="tx1"/>
-                </a:solidFill>
-                <a:latin typeface="+mn-lt"/>
-                <a:ea typeface="+mn-ea"/>
-                <a:cs typeface="+mn-cs"/>
-              </a:defRPr>
-            </a:lvl8pPr>
-            <a:lvl9pPr marL="2914650" indent="-171450" algn="l" defTabSz="685800" rtl="0" eaLnBrk="1" latinLnBrk="0" hangingPunct="1">
-              <a:lnSpc>
-                <a:spcPct val="90000"/>
-              </a:lnSpc>
-              <a:spcBef>
-                <a:spcPts val="375"/>
-              </a:spcBef>
-              <a:buFont typeface="Arial" panose="020B0604020202020204" pitchFamily="34" charset="0"/>
-              <a:buChar char="•"/>
-              <a:defRPr sz="1350" kern="1200">
-                <a:solidFill>
-                  <a:schemeClr val="tx1"/>
-                </a:solidFill>
-                <a:latin typeface="+mn-lt"/>
-                <a:ea typeface="+mn-ea"/>
-                <a:cs typeface="+mn-cs"/>
-              </a:defRPr>
-            </a:lvl9pPr>
-          </a:lstStyle>
-          <a:p>
-            <a:pPr lvl="1">
-              <a:lnSpc>
-                <a:spcPct val="250000"/>
-              </a:lnSpc>
-              <a:buFont typeface="Wingdings" panose="05000000000000000000" pitchFamily="2" charset="2"/>
-              <a:buChar char="§"/>
-            </a:pPr>
-            <a:r>
-              <a:rPr lang="fr-FR" sz="2000" dirty="0">
-                <a:solidFill>
-                  <a:srgbClr val="004492"/>
-                </a:solidFill>
-                <a:latin typeface="Calibri (Corps)"/>
-              </a:rPr>
-              <a:t>Modification d’identifiants stockés avec nouveaux ID</a:t>
-            </a:r>
-          </a:p>
-        </p:txBody>
-      </p:sp>
     </p:spTree>
     <p:extLst>
       <p:ext uri="{BB962C8B-B14F-4D97-AF65-F5344CB8AC3E}">
-        <p14:creationId xmlns:p14="http://schemas.microsoft.com/office/powerpoint/2010/main" val="2589673425"/>
+        <p14:creationId xmlns:p14="http://schemas.microsoft.com/office/powerpoint/2010/main" val="3695814013"/>
       </p:ext>
     </p:extLst>
   </p:cSld>
@@ -10719,6 +11182,63 @@
       </p:sp>
       <p:sp>
         <p:nvSpPr>
+          <p:cNvPr id="5" name="Espace réservé du contenu 30"/>
+          <p:cNvSpPr>
+            <a:spLocks noGrp="1"/>
+          </p:cNvSpPr>
+          <p:nvPr>
+            <p:ph idx="1"/>
+          </p:nvPr>
+        </p:nvSpPr>
+        <p:spPr>
+          <a:xfrm>
+            <a:off x="948615" y="2089891"/>
+            <a:ext cx="7886700" cy="753671"/>
+          </a:xfrm>
+        </p:spPr>
+        <p:txBody>
+          <a:bodyPr>
+            <a:normAutofit/>
+          </a:bodyPr>
+          <a:lstStyle/>
+          <a:p>
+            <a:pPr>
+              <a:lnSpc>
+                <a:spcPct val="150000"/>
+              </a:lnSpc>
+            </a:pPr>
+            <a:r>
+              <a:rPr lang="fr-FR" sz="2200" dirty="0">
+                <a:solidFill>
+                  <a:srgbClr val="004492"/>
+                </a:solidFill>
+                <a:latin typeface="Calibri (Corps)"/>
+              </a:rPr>
+              <a:t>Enrichissement du </a:t>
+            </a:r>
+            <a:r>
+              <a:rPr lang="fr-FR" sz="2200" dirty="0" err="1">
+                <a:solidFill>
+                  <a:srgbClr val="004492"/>
+                </a:solidFill>
+                <a:latin typeface="Calibri (Corps)"/>
+              </a:rPr>
+              <a:t>Codeunit</a:t>
+            </a:r>
+            <a:r>
+              <a:rPr lang="fr-FR" sz="2200" dirty="0">
+                <a:solidFill>
+                  <a:srgbClr val="004492"/>
+                </a:solidFill>
+                <a:latin typeface="Calibri (Corps)"/>
+              </a:rPr>
+              <a:t> : migration spécifique</a:t>
+            </a:r>
+          </a:p>
+        </p:txBody>
+      </p:sp>
+      <p:sp>
+        <p:nvSpPr>
           <p:cNvPr id="7" name="Espace réservé du contenu 30"/>
           <p:cNvSpPr txBox="1">
             <a:spLocks/>
@@ -10727,7 +11247,7 @@
         </p:nvSpPr>
         <p:spPr>
           <a:xfrm>
-            <a:off x="1084118" y="3003857"/>
+            <a:off x="1084118" y="2696492"/>
             <a:ext cx="8059882" cy="1987022"/>
           </a:xfrm>
           <a:prstGeom prst="rect">
@@ -10917,25 +11437,7 @@
                 </a:solidFill>
                 <a:latin typeface="Calibri (Corps)"/>
               </a:rPr>
-              <a:t>Vertical </a:t>
-            </a:r>
-            <a:r>
-              <a:rPr lang="fr-FR" sz="2000" dirty="0" err="1">
-                <a:solidFill>
-                  <a:srgbClr val="004492"/>
-                </a:solidFill>
-                <a:latin typeface="Calibri (Corps)"/>
-              </a:rPr>
-              <a:t>NAViDMS</a:t>
-            </a:r>
-            <a:r>
-              <a:rPr lang="fr-FR" sz="2000" dirty="0">
-                <a:solidFill>
-                  <a:srgbClr val="004492"/>
-                </a:solidFill>
-                <a:latin typeface="Calibri (Corps)"/>
-              </a:rPr>
-              <a:t> : conçu comme un module spécifique</a:t>
+              <a:t>Migration précédente : migration générale</a:t>
             </a:r>
           </a:p>
           <a:p>
@@ -10953,8 +11455,23 @@
                 </a:solidFill>
                 <a:latin typeface="Calibri (Corps)"/>
               </a:rPr>
-              <a:t>Certains identifiants écrits en dur dans les codes C/AL</a:t>
-            </a:r>
+              <a:t>Ajout de méthodes de migration spécifique </a:t>
+            </a:r>
+            <a:r>
+              <a:rPr lang="fr-FR" sz="2000" dirty="0" err="1">
+                <a:solidFill>
+                  <a:srgbClr val="004492"/>
+                </a:solidFill>
+                <a:latin typeface="Calibri (Corps)"/>
+              </a:rPr>
+              <a:t>NAViDMS</a:t>
+            </a:r>
+            <a:endParaRPr lang="fr-FR" sz="2000" dirty="0">
+              <a:solidFill>
+                <a:srgbClr val="004492"/>
+              </a:solidFill>
+              <a:latin typeface="Calibri (Corps)"/>
+            </a:endParaRPr>
           </a:p>
           <a:p>
             <a:pPr lvl="1">
@@ -10988,7 +11505,7 @@
       </p:sp>
       <p:sp>
         <p:nvSpPr>
-          <p:cNvPr id="9" name="Espace réservé du contenu 30"/>
+          <p:cNvPr id="6" name="Espace réservé du contenu 30"/>
           <p:cNvSpPr txBox="1">
             <a:spLocks/>
           </p:cNvSpPr>
@@ -10996,8 +11513,8 @@
         </p:nvSpPr>
         <p:spPr>
           <a:xfrm>
-            <a:off x="2723009" y="1422181"/>
-            <a:ext cx="4569212" cy="1053962"/>
+            <a:off x="1084118" y="4436238"/>
+            <a:ext cx="8059882" cy="1987022"/>
           </a:xfrm>
           <a:prstGeom prst="rect">
             <a:avLst/>
@@ -11172,499 +11689,21 @@
             </a:lvl9pPr>
           </a:lstStyle>
           <a:p>
-            <a:pPr marL="0" indent="0">
-              <a:lnSpc>
-                <a:spcPct val="150000"/>
-              </a:lnSpc>
-              <a:buNone/>
+            <a:pPr lvl="1">
+              <a:lnSpc>
+                <a:spcPct val="250000"/>
+              </a:lnSpc>
+              <a:buFont typeface="Wingdings" panose="05000000000000000000" pitchFamily="2" charset="2"/>
+              <a:buChar char="§"/>
             </a:pPr>
             <a:r>
-              <a:rPr lang="fr-FR" sz="3000" b="1" dirty="0">
+              <a:rPr lang="fr-FR" sz="2000" dirty="0">
                 <a:solidFill>
                   <a:srgbClr val="004492"/>
                 </a:solidFill>
                 <a:latin typeface="Calibri (Corps)"/>
               </a:rPr>
-              <a:t>Travaux complémentaires</a:t>
-            </a:r>
-          </a:p>
-        </p:txBody>
-      </p:sp>
-      <p:sp>
-        <p:nvSpPr>
-          <p:cNvPr id="12" name="Espace réservé du contenu 2"/>
-          <p:cNvSpPr txBox="1">
-            <a:spLocks/>
-          </p:cNvSpPr>
-          <p:nvPr/>
-        </p:nvSpPr>
-        <p:spPr>
-          <a:xfrm>
-            <a:off x="1961413" y="5200562"/>
-            <a:ext cx="7886700" cy="1948555"/>
-          </a:xfrm>
-          <a:prstGeom prst="rect">
-            <a:avLst/>
-          </a:prstGeom>
-        </p:spPr>
-        <p:txBody>
-          <a:bodyPr vert="horz" lIns="91440" tIns="45720" rIns="91440" bIns="45720" rtlCol="0">
-            <a:noAutofit/>
-          </a:bodyPr>
-          <a:lstStyle>
-            <a:lvl1pPr marL="171450" indent="-171450" algn="l" defTabSz="685800" rtl="0" eaLnBrk="1" latinLnBrk="0" hangingPunct="1">
-              <a:lnSpc>
-                <a:spcPct val="90000"/>
-              </a:lnSpc>
-              <a:spcBef>
-                <a:spcPts val="750"/>
-              </a:spcBef>
-              <a:buFont typeface="Arial" panose="020B0604020202020204" pitchFamily="34" charset="0"/>
-              <a:buChar char="•"/>
-              <a:defRPr sz="2100" kern="1200">
-                <a:solidFill>
-                  <a:schemeClr val="tx1"/>
-                </a:solidFill>
-                <a:latin typeface="+mn-lt"/>
-                <a:ea typeface="+mn-ea"/>
-                <a:cs typeface="+mn-cs"/>
-              </a:defRPr>
-            </a:lvl1pPr>
-            <a:lvl2pPr marL="514350" indent="-171450" algn="l" defTabSz="685800" rtl="0" eaLnBrk="1" latinLnBrk="0" hangingPunct="1">
-              <a:lnSpc>
-                <a:spcPct val="90000"/>
-              </a:lnSpc>
-              <a:spcBef>
-                <a:spcPts val="375"/>
-              </a:spcBef>
-              <a:buFont typeface="Arial" panose="020B0604020202020204" pitchFamily="34" charset="0"/>
-              <a:buChar char="•"/>
-              <a:defRPr sz="1800" kern="1200">
-                <a:solidFill>
-                  <a:schemeClr val="tx1"/>
-                </a:solidFill>
-                <a:latin typeface="+mn-lt"/>
-                <a:ea typeface="+mn-ea"/>
-                <a:cs typeface="+mn-cs"/>
-              </a:defRPr>
-            </a:lvl2pPr>
-            <a:lvl3pPr marL="857250" indent="-171450" algn="l" defTabSz="685800" rtl="0" eaLnBrk="1" latinLnBrk="0" hangingPunct="1">
-              <a:lnSpc>
-                <a:spcPct val="90000"/>
-              </a:lnSpc>
-              <a:spcBef>
-                <a:spcPts val="375"/>
-              </a:spcBef>
-              <a:buFont typeface="Arial" panose="020B0604020202020204" pitchFamily="34" charset="0"/>
-              <a:buChar char="•"/>
-              <a:defRPr sz="1500" kern="1200">
-                <a:solidFill>
-                  <a:schemeClr val="tx1"/>
-                </a:solidFill>
-                <a:latin typeface="+mn-lt"/>
-                <a:ea typeface="+mn-ea"/>
-                <a:cs typeface="+mn-cs"/>
-              </a:defRPr>
-            </a:lvl3pPr>
-            <a:lvl4pPr marL="1200150" indent="-171450" algn="l" defTabSz="685800" rtl="0" eaLnBrk="1" latinLnBrk="0" hangingPunct="1">
-              <a:lnSpc>
-                <a:spcPct val="90000"/>
-              </a:lnSpc>
-              <a:spcBef>
-                <a:spcPts val="375"/>
-              </a:spcBef>
-              <a:buFont typeface="Arial" panose="020B0604020202020204" pitchFamily="34" charset="0"/>
-              <a:buChar char="•"/>
-              <a:defRPr sz="1350" kern="1200">
-                <a:solidFill>
-                  <a:schemeClr val="tx1"/>
-                </a:solidFill>
-                <a:latin typeface="+mn-lt"/>
-                <a:ea typeface="+mn-ea"/>
-                <a:cs typeface="+mn-cs"/>
-              </a:defRPr>
-            </a:lvl4pPr>
-            <a:lvl5pPr marL="1543050" indent="-171450" algn="l" defTabSz="685800" rtl="0" eaLnBrk="1" latinLnBrk="0" hangingPunct="1">
-              <a:lnSpc>
-                <a:spcPct val="90000"/>
-              </a:lnSpc>
-              <a:spcBef>
-                <a:spcPts val="375"/>
-              </a:spcBef>
-              <a:buFont typeface="Arial" panose="020B0604020202020204" pitchFamily="34" charset="0"/>
-              <a:buChar char="•"/>
-              <a:defRPr sz="1350" kern="1200">
-                <a:solidFill>
-                  <a:schemeClr val="tx1"/>
-                </a:solidFill>
-                <a:latin typeface="+mn-lt"/>
-                <a:ea typeface="+mn-ea"/>
-                <a:cs typeface="+mn-cs"/>
-              </a:defRPr>
-            </a:lvl5pPr>
-            <a:lvl6pPr marL="1885950" indent="-171450" algn="l" defTabSz="685800" rtl="0" eaLnBrk="1" latinLnBrk="0" hangingPunct="1">
-              <a:lnSpc>
-                <a:spcPct val="90000"/>
-              </a:lnSpc>
-              <a:spcBef>
-                <a:spcPts val="375"/>
-              </a:spcBef>
-              <a:buFont typeface="Arial" panose="020B0604020202020204" pitchFamily="34" charset="0"/>
-              <a:buChar char="•"/>
-              <a:defRPr sz="1350" kern="1200">
-                <a:solidFill>
-                  <a:schemeClr val="tx1"/>
-                </a:solidFill>
-                <a:latin typeface="+mn-lt"/>
-                <a:ea typeface="+mn-ea"/>
-                <a:cs typeface="+mn-cs"/>
-              </a:defRPr>
-            </a:lvl6pPr>
-            <a:lvl7pPr marL="2228850" indent="-171450" algn="l" defTabSz="685800" rtl="0" eaLnBrk="1" latinLnBrk="0" hangingPunct="1">
-              <a:lnSpc>
-                <a:spcPct val="90000"/>
-              </a:lnSpc>
-              <a:spcBef>
-                <a:spcPts val="375"/>
-              </a:spcBef>
-              <a:buFont typeface="Arial" panose="020B0604020202020204" pitchFamily="34" charset="0"/>
-              <a:buChar char="•"/>
-              <a:defRPr sz="1350" kern="1200">
-                <a:solidFill>
-                  <a:schemeClr val="tx1"/>
-                </a:solidFill>
-                <a:latin typeface="+mn-lt"/>
-                <a:ea typeface="+mn-ea"/>
-                <a:cs typeface="+mn-cs"/>
-              </a:defRPr>
-            </a:lvl7pPr>
-            <a:lvl8pPr marL="2571750" indent="-171450" algn="l" defTabSz="685800" rtl="0" eaLnBrk="1" latinLnBrk="0" hangingPunct="1">
-              <a:lnSpc>
-                <a:spcPct val="90000"/>
-              </a:lnSpc>
-              <a:spcBef>
-                <a:spcPts val="375"/>
-              </a:spcBef>
-              <a:buFont typeface="Arial" panose="020B0604020202020204" pitchFamily="34" charset="0"/>
-              <a:buChar char="•"/>
-              <a:defRPr sz="1350" kern="1200">
-                <a:solidFill>
-                  <a:schemeClr val="tx1"/>
-                </a:solidFill>
-                <a:latin typeface="+mn-lt"/>
-                <a:ea typeface="+mn-ea"/>
-                <a:cs typeface="+mn-cs"/>
-              </a:defRPr>
-            </a:lvl8pPr>
-            <a:lvl9pPr marL="2914650" indent="-171450" algn="l" defTabSz="685800" rtl="0" eaLnBrk="1" latinLnBrk="0" hangingPunct="1">
-              <a:lnSpc>
-                <a:spcPct val="90000"/>
-              </a:lnSpc>
-              <a:spcBef>
-                <a:spcPts val="375"/>
-              </a:spcBef>
-              <a:buFont typeface="Arial" panose="020B0604020202020204" pitchFamily="34" charset="0"/>
-              <a:buChar char="•"/>
-              <a:defRPr sz="1350" kern="1200">
-                <a:solidFill>
-                  <a:schemeClr val="tx1"/>
-                </a:solidFill>
-                <a:latin typeface="+mn-lt"/>
-                <a:ea typeface="+mn-ea"/>
-                <a:cs typeface="+mn-cs"/>
-              </a:defRPr>
-            </a:lvl9pPr>
-          </a:lstStyle>
-          <a:p>
-            <a:pPr marL="0" indent="0">
-              <a:buNone/>
-            </a:pPr>
-            <a:r>
-              <a:rPr lang="fr-FR" sz="2000" b="1" dirty="0">
-                <a:solidFill>
-                  <a:srgbClr val="004492"/>
-                </a:solidFill>
-                <a:latin typeface="Calibri (Corps)"/>
-                <a:sym typeface="Wingdings" panose="05000000000000000000" pitchFamily="2" charset="2"/>
-              </a:rPr>
-              <a:t>Impossibles à identifier / renuméroter automatiquement</a:t>
-            </a:r>
-            <a:endParaRPr lang="fr-FR" sz="2000" b="1" dirty="0">
-              <a:solidFill>
-                <a:srgbClr val="004492"/>
-              </a:solidFill>
-              <a:latin typeface="Calibri (Corps)"/>
-            </a:endParaRPr>
-          </a:p>
-        </p:txBody>
-      </p:sp>
-      <p:sp>
-        <p:nvSpPr>
-          <p:cNvPr id="13" name="Flèche : droite 12"/>
-          <p:cNvSpPr/>
-          <p:nvPr/>
-        </p:nvSpPr>
-        <p:spPr>
-          <a:xfrm>
-            <a:off x="1064265" y="5197735"/>
-            <a:ext cx="680224" cy="320125"/>
-          </a:xfrm>
-          <a:prstGeom prst="rightArrow">
-            <a:avLst/>
-          </a:prstGeom>
-          <a:solidFill>
-            <a:srgbClr val="004492"/>
-          </a:solidFill>
-          <a:ln>
-            <a:solidFill>
-              <a:srgbClr val="004492"/>
-            </a:solidFill>
-          </a:ln>
-        </p:spPr>
-        <p:style>
-          <a:lnRef idx="2">
-            <a:schemeClr val="accent6"/>
-          </a:lnRef>
-          <a:fillRef idx="1">
-            <a:schemeClr val="lt1"/>
-          </a:fillRef>
-          <a:effectRef idx="0">
-            <a:schemeClr val="accent6"/>
-          </a:effectRef>
-          <a:fontRef idx="minor">
-            <a:schemeClr val="dk1"/>
-          </a:fontRef>
-        </p:style>
-        <p:txBody>
-          <a:bodyPr rtlCol="0" anchor="ctr"/>
-          <a:lstStyle/>
-          <a:p>
-            <a:pPr algn="ctr"/>
-            <a:endParaRPr lang="fr-FR">
-              <a:solidFill>
-                <a:srgbClr val="0070C0"/>
-              </a:solidFill>
-            </a:endParaRPr>
-          </a:p>
-        </p:txBody>
-      </p:sp>
-      <p:sp>
-        <p:nvSpPr>
-          <p:cNvPr id="8" name="Espace réservé du contenu 30"/>
-          <p:cNvSpPr txBox="1">
-            <a:spLocks/>
-          </p:cNvSpPr>
-          <p:nvPr/>
-        </p:nvSpPr>
-        <p:spPr>
-          <a:xfrm>
-            <a:off x="1064265" y="2476876"/>
-            <a:ext cx="7886700" cy="1053962"/>
-          </a:xfrm>
-          <a:prstGeom prst="rect">
-            <a:avLst/>
-          </a:prstGeom>
-        </p:spPr>
-        <p:txBody>
-          <a:bodyPr vert="horz" lIns="91440" tIns="45720" rIns="91440" bIns="45720" rtlCol="0">
-            <a:normAutofit/>
-          </a:bodyPr>
-          <a:lstStyle>
-            <a:lvl1pPr marL="171450" indent="-171450" algn="l" defTabSz="685800" rtl="0" eaLnBrk="1" latinLnBrk="0" hangingPunct="1">
-              <a:lnSpc>
-                <a:spcPct val="90000"/>
-              </a:lnSpc>
-              <a:spcBef>
-                <a:spcPts val="750"/>
-              </a:spcBef>
-              <a:buFont typeface="Arial" panose="020B0604020202020204" pitchFamily="34" charset="0"/>
-              <a:buChar char="•"/>
-              <a:defRPr sz="2100" kern="1200">
-                <a:solidFill>
-                  <a:schemeClr val="tx1"/>
-                </a:solidFill>
-                <a:latin typeface="+mn-lt"/>
-                <a:ea typeface="+mn-ea"/>
-                <a:cs typeface="+mn-cs"/>
-              </a:defRPr>
-            </a:lvl1pPr>
-            <a:lvl2pPr marL="514350" indent="-171450" algn="l" defTabSz="685800" rtl="0" eaLnBrk="1" latinLnBrk="0" hangingPunct="1">
-              <a:lnSpc>
-                <a:spcPct val="90000"/>
-              </a:lnSpc>
-              <a:spcBef>
-                <a:spcPts val="375"/>
-              </a:spcBef>
-              <a:buFont typeface="Arial" panose="020B0604020202020204" pitchFamily="34" charset="0"/>
-              <a:buChar char="•"/>
-              <a:defRPr sz="1800" kern="1200">
-                <a:solidFill>
-                  <a:schemeClr val="tx1"/>
-                </a:solidFill>
-                <a:latin typeface="+mn-lt"/>
-                <a:ea typeface="+mn-ea"/>
-                <a:cs typeface="+mn-cs"/>
-              </a:defRPr>
-            </a:lvl2pPr>
-            <a:lvl3pPr marL="857250" indent="-171450" algn="l" defTabSz="685800" rtl="0" eaLnBrk="1" latinLnBrk="0" hangingPunct="1">
-              <a:lnSpc>
-                <a:spcPct val="90000"/>
-              </a:lnSpc>
-              <a:spcBef>
-                <a:spcPts val="375"/>
-              </a:spcBef>
-              <a:buFont typeface="Arial" panose="020B0604020202020204" pitchFamily="34" charset="0"/>
-              <a:buChar char="•"/>
-              <a:defRPr sz="1500" kern="1200">
-                <a:solidFill>
-                  <a:schemeClr val="tx1"/>
-                </a:solidFill>
-                <a:latin typeface="+mn-lt"/>
-                <a:ea typeface="+mn-ea"/>
-                <a:cs typeface="+mn-cs"/>
-              </a:defRPr>
-            </a:lvl3pPr>
-            <a:lvl4pPr marL="1200150" indent="-171450" algn="l" defTabSz="685800" rtl="0" eaLnBrk="1" latinLnBrk="0" hangingPunct="1">
-              <a:lnSpc>
-                <a:spcPct val="90000"/>
-              </a:lnSpc>
-              <a:spcBef>
-                <a:spcPts val="375"/>
-              </a:spcBef>
-              <a:buFont typeface="Arial" panose="020B0604020202020204" pitchFamily="34" charset="0"/>
-              <a:buChar char="•"/>
-              <a:defRPr sz="1350" kern="1200">
-                <a:solidFill>
-                  <a:schemeClr val="tx1"/>
-                </a:solidFill>
-                <a:latin typeface="+mn-lt"/>
-                <a:ea typeface="+mn-ea"/>
-                <a:cs typeface="+mn-cs"/>
-              </a:defRPr>
-            </a:lvl4pPr>
-            <a:lvl5pPr marL="1543050" indent="-171450" algn="l" defTabSz="685800" rtl="0" eaLnBrk="1" latinLnBrk="0" hangingPunct="1">
-              <a:lnSpc>
-                <a:spcPct val="90000"/>
-              </a:lnSpc>
-              <a:spcBef>
-                <a:spcPts val="375"/>
-              </a:spcBef>
-              <a:buFont typeface="Arial" panose="020B0604020202020204" pitchFamily="34" charset="0"/>
-              <a:buChar char="•"/>
-              <a:defRPr sz="1350" kern="1200">
-                <a:solidFill>
-                  <a:schemeClr val="tx1"/>
-                </a:solidFill>
-                <a:latin typeface="+mn-lt"/>
-                <a:ea typeface="+mn-ea"/>
-                <a:cs typeface="+mn-cs"/>
-              </a:defRPr>
-            </a:lvl5pPr>
-            <a:lvl6pPr marL="1885950" indent="-171450" algn="l" defTabSz="685800" rtl="0" eaLnBrk="1" latinLnBrk="0" hangingPunct="1">
-              <a:lnSpc>
-                <a:spcPct val="90000"/>
-              </a:lnSpc>
-              <a:spcBef>
-                <a:spcPts val="375"/>
-              </a:spcBef>
-              <a:buFont typeface="Arial" panose="020B0604020202020204" pitchFamily="34" charset="0"/>
-              <a:buChar char="•"/>
-              <a:defRPr sz="1350" kern="1200">
-                <a:solidFill>
-                  <a:schemeClr val="tx1"/>
-                </a:solidFill>
-                <a:latin typeface="+mn-lt"/>
-                <a:ea typeface="+mn-ea"/>
-                <a:cs typeface="+mn-cs"/>
-              </a:defRPr>
-            </a:lvl6pPr>
-            <a:lvl7pPr marL="2228850" indent="-171450" algn="l" defTabSz="685800" rtl="0" eaLnBrk="1" latinLnBrk="0" hangingPunct="1">
-              <a:lnSpc>
-                <a:spcPct val="90000"/>
-              </a:lnSpc>
-              <a:spcBef>
-                <a:spcPts val="375"/>
-              </a:spcBef>
-              <a:buFont typeface="Arial" panose="020B0604020202020204" pitchFamily="34" charset="0"/>
-              <a:buChar char="•"/>
-              <a:defRPr sz="1350" kern="1200">
-                <a:solidFill>
-                  <a:schemeClr val="tx1"/>
-                </a:solidFill>
-                <a:latin typeface="+mn-lt"/>
-                <a:ea typeface="+mn-ea"/>
-                <a:cs typeface="+mn-cs"/>
-              </a:defRPr>
-            </a:lvl7pPr>
-            <a:lvl8pPr marL="2571750" indent="-171450" algn="l" defTabSz="685800" rtl="0" eaLnBrk="1" latinLnBrk="0" hangingPunct="1">
-              <a:lnSpc>
-                <a:spcPct val="90000"/>
-              </a:lnSpc>
-              <a:spcBef>
-                <a:spcPts val="375"/>
-              </a:spcBef>
-              <a:buFont typeface="Arial" panose="020B0604020202020204" pitchFamily="34" charset="0"/>
-              <a:buChar char="•"/>
-              <a:defRPr sz="1350" kern="1200">
-                <a:solidFill>
-                  <a:schemeClr val="tx1"/>
-                </a:solidFill>
-                <a:latin typeface="+mn-lt"/>
-                <a:ea typeface="+mn-ea"/>
-                <a:cs typeface="+mn-cs"/>
-              </a:defRPr>
-            </a:lvl8pPr>
-            <a:lvl9pPr marL="2914650" indent="-171450" algn="l" defTabSz="685800" rtl="0" eaLnBrk="1" latinLnBrk="0" hangingPunct="1">
-              <a:lnSpc>
-                <a:spcPct val="90000"/>
-              </a:lnSpc>
-              <a:spcBef>
-                <a:spcPts val="375"/>
-              </a:spcBef>
-              <a:buFont typeface="Arial" panose="020B0604020202020204" pitchFamily="34" charset="0"/>
-              <a:buChar char="•"/>
-              <a:defRPr sz="1350" kern="1200">
-                <a:solidFill>
-                  <a:schemeClr val="tx1"/>
-                </a:solidFill>
-                <a:latin typeface="+mn-lt"/>
-                <a:ea typeface="+mn-ea"/>
-                <a:cs typeface="+mn-cs"/>
-              </a:defRPr>
-            </a:lvl9pPr>
-          </a:lstStyle>
-          <a:p>
-            <a:pPr>
-              <a:lnSpc>
-                <a:spcPct val="150000"/>
-              </a:lnSpc>
-            </a:pPr>
-            <a:r>
-              <a:rPr lang="fr-FR" sz="2200" dirty="0">
-                <a:solidFill>
-                  <a:srgbClr val="004492"/>
-                </a:solidFill>
-                <a:latin typeface="Calibri (Corps)"/>
-              </a:rPr>
-              <a:t>Outil d’analyse d’objets Dynamics </a:t>
-            </a:r>
-            <a:r>
-              <a:rPr lang="fr-FR" sz="2200" dirty="0" err="1">
-                <a:solidFill>
-                  <a:srgbClr val="004492"/>
-                </a:solidFill>
-                <a:latin typeface="Calibri (Corps)"/>
-              </a:rPr>
-              <a:t>Nav</a:t>
-            </a:r>
-            <a:r>
-              <a:rPr lang="fr-FR" sz="2200" dirty="0">
-                <a:solidFill>
-                  <a:srgbClr val="004492"/>
-                </a:solidFill>
-                <a:latin typeface="Calibri (Corps)"/>
-              </a:rPr>
-              <a:t> :</a:t>
+              <a:t>Modification d’identifiants stockés avec nouveaux ID</a:t>
             </a:r>
           </a:p>
         </p:txBody>
@@ -11672,7 +11711,7 @@
     </p:spTree>
     <p:extLst>
       <p:ext uri="{BB962C8B-B14F-4D97-AF65-F5344CB8AC3E}">
-        <p14:creationId xmlns:p14="http://schemas.microsoft.com/office/powerpoint/2010/main" val="2473577392"/>
+        <p14:creationId xmlns:p14="http://schemas.microsoft.com/office/powerpoint/2010/main" val="2589673425"/>
       </p:ext>
     </p:extLst>
   </p:cSld>
@@ -11798,8 +11837,8 @@
         </p:nvSpPr>
         <p:spPr>
           <a:xfrm>
-            <a:off x="1084118" y="2852755"/>
-            <a:ext cx="8059882" cy="2789761"/>
+            <a:off x="1084118" y="3003857"/>
+            <a:ext cx="8059882" cy="1987022"/>
           </a:xfrm>
           <a:prstGeom prst="rect">
             <a:avLst/>
@@ -11988,7 +12027,25 @@
                 </a:solidFill>
                 <a:latin typeface="Calibri (Corps)"/>
               </a:rPr>
-              <a:t>Développer un outil d’analyse en C#</a:t>
+              <a:t>Vertical </a:t>
+            </a:r>
+            <a:r>
+              <a:rPr lang="fr-FR" sz="2000" dirty="0" err="1">
+                <a:solidFill>
+                  <a:srgbClr val="004492"/>
+                </a:solidFill>
+                <a:latin typeface="Calibri (Corps)"/>
+              </a:rPr>
+              <a:t>NAViDMS</a:t>
+            </a:r>
+            <a:r>
+              <a:rPr lang="fr-FR" sz="2000" dirty="0">
+                <a:solidFill>
+                  <a:srgbClr val="004492"/>
+                </a:solidFill>
+                <a:latin typeface="Calibri (Corps)"/>
+              </a:rPr>
+              <a:t> : conçu comme un module spécifique</a:t>
             </a:r>
           </a:p>
           <a:p>
@@ -12006,25 +12063,7 @@
                 </a:solidFill>
                 <a:latin typeface="Calibri (Corps)"/>
               </a:rPr>
-              <a:t>Faire remonter les lignes potentiellement problématiques</a:t>
-            </a:r>
-          </a:p>
-          <a:p>
-            <a:pPr lvl="1">
-              <a:lnSpc>
-                <a:spcPct val="250000"/>
-              </a:lnSpc>
-              <a:buFont typeface="Wingdings" panose="05000000000000000000" pitchFamily="2" charset="2"/>
-              <a:buChar char="§"/>
-            </a:pPr>
-            <a:r>
-              <a:rPr lang="fr-FR" sz="2000" dirty="0">
-                <a:solidFill>
-                  <a:srgbClr val="004492"/>
-                </a:solidFill>
-                <a:latin typeface="Calibri (Corps)"/>
-              </a:rPr>
-              <a:t>Intégrer l’outil d’analyse dans un outil plus global</a:t>
+              <a:t>Certains identifiants écrits en dur dans les codes C/AL</a:t>
             </a:r>
           </a:p>
           <a:p>
@@ -12067,7 +12106,469 @@
         </p:nvSpPr>
         <p:spPr>
           <a:xfrm>
-            <a:off x="917188" y="2302587"/>
+            <a:off x="2723009" y="1422181"/>
+            <a:ext cx="4569212" cy="1053962"/>
+          </a:xfrm>
+          <a:prstGeom prst="rect">
+            <a:avLst/>
+          </a:prstGeom>
+        </p:spPr>
+        <p:txBody>
+          <a:bodyPr vert="horz" lIns="91440" tIns="45720" rIns="91440" bIns="45720" rtlCol="0">
+            <a:normAutofit/>
+          </a:bodyPr>
+          <a:lstStyle>
+            <a:lvl1pPr marL="171450" indent="-171450" algn="l" defTabSz="685800" rtl="0" eaLnBrk="1" latinLnBrk="0" hangingPunct="1">
+              <a:lnSpc>
+                <a:spcPct val="90000"/>
+              </a:lnSpc>
+              <a:spcBef>
+                <a:spcPts val="750"/>
+              </a:spcBef>
+              <a:buFont typeface="Arial" panose="020B0604020202020204" pitchFamily="34" charset="0"/>
+              <a:buChar char="•"/>
+              <a:defRPr sz="2100" kern="1200">
+                <a:solidFill>
+                  <a:schemeClr val="tx1"/>
+                </a:solidFill>
+                <a:latin typeface="+mn-lt"/>
+                <a:ea typeface="+mn-ea"/>
+                <a:cs typeface="+mn-cs"/>
+              </a:defRPr>
+            </a:lvl1pPr>
+            <a:lvl2pPr marL="514350" indent="-171450" algn="l" defTabSz="685800" rtl="0" eaLnBrk="1" latinLnBrk="0" hangingPunct="1">
+              <a:lnSpc>
+                <a:spcPct val="90000"/>
+              </a:lnSpc>
+              <a:spcBef>
+                <a:spcPts val="375"/>
+              </a:spcBef>
+              <a:buFont typeface="Arial" panose="020B0604020202020204" pitchFamily="34" charset="0"/>
+              <a:buChar char="•"/>
+              <a:defRPr sz="1800" kern="1200">
+                <a:solidFill>
+                  <a:schemeClr val="tx1"/>
+                </a:solidFill>
+                <a:latin typeface="+mn-lt"/>
+                <a:ea typeface="+mn-ea"/>
+                <a:cs typeface="+mn-cs"/>
+              </a:defRPr>
+            </a:lvl2pPr>
+            <a:lvl3pPr marL="857250" indent="-171450" algn="l" defTabSz="685800" rtl="0" eaLnBrk="1" latinLnBrk="0" hangingPunct="1">
+              <a:lnSpc>
+                <a:spcPct val="90000"/>
+              </a:lnSpc>
+              <a:spcBef>
+                <a:spcPts val="375"/>
+              </a:spcBef>
+              <a:buFont typeface="Arial" panose="020B0604020202020204" pitchFamily="34" charset="0"/>
+              <a:buChar char="•"/>
+              <a:defRPr sz="1500" kern="1200">
+                <a:solidFill>
+                  <a:schemeClr val="tx1"/>
+                </a:solidFill>
+                <a:latin typeface="+mn-lt"/>
+                <a:ea typeface="+mn-ea"/>
+                <a:cs typeface="+mn-cs"/>
+              </a:defRPr>
+            </a:lvl3pPr>
+            <a:lvl4pPr marL="1200150" indent="-171450" algn="l" defTabSz="685800" rtl="0" eaLnBrk="1" latinLnBrk="0" hangingPunct="1">
+              <a:lnSpc>
+                <a:spcPct val="90000"/>
+              </a:lnSpc>
+              <a:spcBef>
+                <a:spcPts val="375"/>
+              </a:spcBef>
+              <a:buFont typeface="Arial" panose="020B0604020202020204" pitchFamily="34" charset="0"/>
+              <a:buChar char="•"/>
+              <a:defRPr sz="1350" kern="1200">
+                <a:solidFill>
+                  <a:schemeClr val="tx1"/>
+                </a:solidFill>
+                <a:latin typeface="+mn-lt"/>
+                <a:ea typeface="+mn-ea"/>
+                <a:cs typeface="+mn-cs"/>
+              </a:defRPr>
+            </a:lvl4pPr>
+            <a:lvl5pPr marL="1543050" indent="-171450" algn="l" defTabSz="685800" rtl="0" eaLnBrk="1" latinLnBrk="0" hangingPunct="1">
+              <a:lnSpc>
+                <a:spcPct val="90000"/>
+              </a:lnSpc>
+              <a:spcBef>
+                <a:spcPts val="375"/>
+              </a:spcBef>
+              <a:buFont typeface="Arial" panose="020B0604020202020204" pitchFamily="34" charset="0"/>
+              <a:buChar char="•"/>
+              <a:defRPr sz="1350" kern="1200">
+                <a:solidFill>
+                  <a:schemeClr val="tx1"/>
+                </a:solidFill>
+                <a:latin typeface="+mn-lt"/>
+                <a:ea typeface="+mn-ea"/>
+                <a:cs typeface="+mn-cs"/>
+              </a:defRPr>
+            </a:lvl5pPr>
+            <a:lvl6pPr marL="1885950" indent="-171450" algn="l" defTabSz="685800" rtl="0" eaLnBrk="1" latinLnBrk="0" hangingPunct="1">
+              <a:lnSpc>
+                <a:spcPct val="90000"/>
+              </a:lnSpc>
+              <a:spcBef>
+                <a:spcPts val="375"/>
+              </a:spcBef>
+              <a:buFont typeface="Arial" panose="020B0604020202020204" pitchFamily="34" charset="0"/>
+              <a:buChar char="•"/>
+              <a:defRPr sz="1350" kern="1200">
+                <a:solidFill>
+                  <a:schemeClr val="tx1"/>
+                </a:solidFill>
+                <a:latin typeface="+mn-lt"/>
+                <a:ea typeface="+mn-ea"/>
+                <a:cs typeface="+mn-cs"/>
+              </a:defRPr>
+            </a:lvl6pPr>
+            <a:lvl7pPr marL="2228850" indent="-171450" algn="l" defTabSz="685800" rtl="0" eaLnBrk="1" latinLnBrk="0" hangingPunct="1">
+              <a:lnSpc>
+                <a:spcPct val="90000"/>
+              </a:lnSpc>
+              <a:spcBef>
+                <a:spcPts val="375"/>
+              </a:spcBef>
+              <a:buFont typeface="Arial" panose="020B0604020202020204" pitchFamily="34" charset="0"/>
+              <a:buChar char="•"/>
+              <a:defRPr sz="1350" kern="1200">
+                <a:solidFill>
+                  <a:schemeClr val="tx1"/>
+                </a:solidFill>
+                <a:latin typeface="+mn-lt"/>
+                <a:ea typeface="+mn-ea"/>
+                <a:cs typeface="+mn-cs"/>
+              </a:defRPr>
+            </a:lvl7pPr>
+            <a:lvl8pPr marL="2571750" indent="-171450" algn="l" defTabSz="685800" rtl="0" eaLnBrk="1" latinLnBrk="0" hangingPunct="1">
+              <a:lnSpc>
+                <a:spcPct val="90000"/>
+              </a:lnSpc>
+              <a:spcBef>
+                <a:spcPts val="375"/>
+              </a:spcBef>
+              <a:buFont typeface="Arial" panose="020B0604020202020204" pitchFamily="34" charset="0"/>
+              <a:buChar char="•"/>
+              <a:defRPr sz="1350" kern="1200">
+                <a:solidFill>
+                  <a:schemeClr val="tx1"/>
+                </a:solidFill>
+                <a:latin typeface="+mn-lt"/>
+                <a:ea typeface="+mn-ea"/>
+                <a:cs typeface="+mn-cs"/>
+              </a:defRPr>
+            </a:lvl8pPr>
+            <a:lvl9pPr marL="2914650" indent="-171450" algn="l" defTabSz="685800" rtl="0" eaLnBrk="1" latinLnBrk="0" hangingPunct="1">
+              <a:lnSpc>
+                <a:spcPct val="90000"/>
+              </a:lnSpc>
+              <a:spcBef>
+                <a:spcPts val="375"/>
+              </a:spcBef>
+              <a:buFont typeface="Arial" panose="020B0604020202020204" pitchFamily="34" charset="0"/>
+              <a:buChar char="•"/>
+              <a:defRPr sz="1350" kern="1200">
+                <a:solidFill>
+                  <a:schemeClr val="tx1"/>
+                </a:solidFill>
+                <a:latin typeface="+mn-lt"/>
+                <a:ea typeface="+mn-ea"/>
+                <a:cs typeface="+mn-cs"/>
+              </a:defRPr>
+            </a:lvl9pPr>
+          </a:lstStyle>
+          <a:p>
+            <a:pPr marL="0" indent="0">
+              <a:lnSpc>
+                <a:spcPct val="150000"/>
+              </a:lnSpc>
+              <a:buNone/>
+            </a:pPr>
+            <a:r>
+              <a:rPr lang="fr-FR" sz="3000" b="1" dirty="0">
+                <a:solidFill>
+                  <a:srgbClr val="004492"/>
+                </a:solidFill>
+                <a:latin typeface="Calibri (Corps)"/>
+              </a:rPr>
+              <a:t>Travaux complémentaires</a:t>
+            </a:r>
+          </a:p>
+        </p:txBody>
+      </p:sp>
+      <p:sp>
+        <p:nvSpPr>
+          <p:cNvPr id="12" name="Espace réservé du contenu 2"/>
+          <p:cNvSpPr txBox="1">
+            <a:spLocks/>
+          </p:cNvSpPr>
+          <p:nvPr/>
+        </p:nvSpPr>
+        <p:spPr>
+          <a:xfrm>
+            <a:off x="1961413" y="5200562"/>
+            <a:ext cx="7886700" cy="1948555"/>
+          </a:xfrm>
+          <a:prstGeom prst="rect">
+            <a:avLst/>
+          </a:prstGeom>
+        </p:spPr>
+        <p:txBody>
+          <a:bodyPr vert="horz" lIns="91440" tIns="45720" rIns="91440" bIns="45720" rtlCol="0">
+            <a:noAutofit/>
+          </a:bodyPr>
+          <a:lstStyle>
+            <a:lvl1pPr marL="171450" indent="-171450" algn="l" defTabSz="685800" rtl="0" eaLnBrk="1" latinLnBrk="0" hangingPunct="1">
+              <a:lnSpc>
+                <a:spcPct val="90000"/>
+              </a:lnSpc>
+              <a:spcBef>
+                <a:spcPts val="750"/>
+              </a:spcBef>
+              <a:buFont typeface="Arial" panose="020B0604020202020204" pitchFamily="34" charset="0"/>
+              <a:buChar char="•"/>
+              <a:defRPr sz="2100" kern="1200">
+                <a:solidFill>
+                  <a:schemeClr val="tx1"/>
+                </a:solidFill>
+                <a:latin typeface="+mn-lt"/>
+                <a:ea typeface="+mn-ea"/>
+                <a:cs typeface="+mn-cs"/>
+              </a:defRPr>
+            </a:lvl1pPr>
+            <a:lvl2pPr marL="514350" indent="-171450" algn="l" defTabSz="685800" rtl="0" eaLnBrk="1" latinLnBrk="0" hangingPunct="1">
+              <a:lnSpc>
+                <a:spcPct val="90000"/>
+              </a:lnSpc>
+              <a:spcBef>
+                <a:spcPts val="375"/>
+              </a:spcBef>
+              <a:buFont typeface="Arial" panose="020B0604020202020204" pitchFamily="34" charset="0"/>
+              <a:buChar char="•"/>
+              <a:defRPr sz="1800" kern="1200">
+                <a:solidFill>
+                  <a:schemeClr val="tx1"/>
+                </a:solidFill>
+                <a:latin typeface="+mn-lt"/>
+                <a:ea typeface="+mn-ea"/>
+                <a:cs typeface="+mn-cs"/>
+              </a:defRPr>
+            </a:lvl2pPr>
+            <a:lvl3pPr marL="857250" indent="-171450" algn="l" defTabSz="685800" rtl="0" eaLnBrk="1" latinLnBrk="0" hangingPunct="1">
+              <a:lnSpc>
+                <a:spcPct val="90000"/>
+              </a:lnSpc>
+              <a:spcBef>
+                <a:spcPts val="375"/>
+              </a:spcBef>
+              <a:buFont typeface="Arial" panose="020B0604020202020204" pitchFamily="34" charset="0"/>
+              <a:buChar char="•"/>
+              <a:defRPr sz="1500" kern="1200">
+                <a:solidFill>
+                  <a:schemeClr val="tx1"/>
+                </a:solidFill>
+                <a:latin typeface="+mn-lt"/>
+                <a:ea typeface="+mn-ea"/>
+                <a:cs typeface="+mn-cs"/>
+              </a:defRPr>
+            </a:lvl3pPr>
+            <a:lvl4pPr marL="1200150" indent="-171450" algn="l" defTabSz="685800" rtl="0" eaLnBrk="1" latinLnBrk="0" hangingPunct="1">
+              <a:lnSpc>
+                <a:spcPct val="90000"/>
+              </a:lnSpc>
+              <a:spcBef>
+                <a:spcPts val="375"/>
+              </a:spcBef>
+              <a:buFont typeface="Arial" panose="020B0604020202020204" pitchFamily="34" charset="0"/>
+              <a:buChar char="•"/>
+              <a:defRPr sz="1350" kern="1200">
+                <a:solidFill>
+                  <a:schemeClr val="tx1"/>
+                </a:solidFill>
+                <a:latin typeface="+mn-lt"/>
+                <a:ea typeface="+mn-ea"/>
+                <a:cs typeface="+mn-cs"/>
+              </a:defRPr>
+            </a:lvl4pPr>
+            <a:lvl5pPr marL="1543050" indent="-171450" algn="l" defTabSz="685800" rtl="0" eaLnBrk="1" latinLnBrk="0" hangingPunct="1">
+              <a:lnSpc>
+                <a:spcPct val="90000"/>
+              </a:lnSpc>
+              <a:spcBef>
+                <a:spcPts val="375"/>
+              </a:spcBef>
+              <a:buFont typeface="Arial" panose="020B0604020202020204" pitchFamily="34" charset="0"/>
+              <a:buChar char="•"/>
+              <a:defRPr sz="1350" kern="1200">
+                <a:solidFill>
+                  <a:schemeClr val="tx1"/>
+                </a:solidFill>
+                <a:latin typeface="+mn-lt"/>
+                <a:ea typeface="+mn-ea"/>
+                <a:cs typeface="+mn-cs"/>
+              </a:defRPr>
+            </a:lvl5pPr>
+            <a:lvl6pPr marL="1885950" indent="-171450" algn="l" defTabSz="685800" rtl="0" eaLnBrk="1" latinLnBrk="0" hangingPunct="1">
+              <a:lnSpc>
+                <a:spcPct val="90000"/>
+              </a:lnSpc>
+              <a:spcBef>
+                <a:spcPts val="375"/>
+              </a:spcBef>
+              <a:buFont typeface="Arial" panose="020B0604020202020204" pitchFamily="34" charset="0"/>
+              <a:buChar char="•"/>
+              <a:defRPr sz="1350" kern="1200">
+                <a:solidFill>
+                  <a:schemeClr val="tx1"/>
+                </a:solidFill>
+                <a:latin typeface="+mn-lt"/>
+                <a:ea typeface="+mn-ea"/>
+                <a:cs typeface="+mn-cs"/>
+              </a:defRPr>
+            </a:lvl6pPr>
+            <a:lvl7pPr marL="2228850" indent="-171450" algn="l" defTabSz="685800" rtl="0" eaLnBrk="1" latinLnBrk="0" hangingPunct="1">
+              <a:lnSpc>
+                <a:spcPct val="90000"/>
+              </a:lnSpc>
+              <a:spcBef>
+                <a:spcPts val="375"/>
+              </a:spcBef>
+              <a:buFont typeface="Arial" panose="020B0604020202020204" pitchFamily="34" charset="0"/>
+              <a:buChar char="•"/>
+              <a:defRPr sz="1350" kern="1200">
+                <a:solidFill>
+                  <a:schemeClr val="tx1"/>
+                </a:solidFill>
+                <a:latin typeface="+mn-lt"/>
+                <a:ea typeface="+mn-ea"/>
+                <a:cs typeface="+mn-cs"/>
+              </a:defRPr>
+            </a:lvl7pPr>
+            <a:lvl8pPr marL="2571750" indent="-171450" algn="l" defTabSz="685800" rtl="0" eaLnBrk="1" latinLnBrk="0" hangingPunct="1">
+              <a:lnSpc>
+                <a:spcPct val="90000"/>
+              </a:lnSpc>
+              <a:spcBef>
+                <a:spcPts val="375"/>
+              </a:spcBef>
+              <a:buFont typeface="Arial" panose="020B0604020202020204" pitchFamily="34" charset="0"/>
+              <a:buChar char="•"/>
+              <a:defRPr sz="1350" kern="1200">
+                <a:solidFill>
+                  <a:schemeClr val="tx1"/>
+                </a:solidFill>
+                <a:latin typeface="+mn-lt"/>
+                <a:ea typeface="+mn-ea"/>
+                <a:cs typeface="+mn-cs"/>
+              </a:defRPr>
+            </a:lvl8pPr>
+            <a:lvl9pPr marL="2914650" indent="-171450" algn="l" defTabSz="685800" rtl="0" eaLnBrk="1" latinLnBrk="0" hangingPunct="1">
+              <a:lnSpc>
+                <a:spcPct val="90000"/>
+              </a:lnSpc>
+              <a:spcBef>
+                <a:spcPts val="375"/>
+              </a:spcBef>
+              <a:buFont typeface="Arial" panose="020B0604020202020204" pitchFamily="34" charset="0"/>
+              <a:buChar char="•"/>
+              <a:defRPr sz="1350" kern="1200">
+                <a:solidFill>
+                  <a:schemeClr val="tx1"/>
+                </a:solidFill>
+                <a:latin typeface="+mn-lt"/>
+                <a:ea typeface="+mn-ea"/>
+                <a:cs typeface="+mn-cs"/>
+              </a:defRPr>
+            </a:lvl9pPr>
+          </a:lstStyle>
+          <a:p>
+            <a:pPr marL="0" indent="0">
+              <a:buNone/>
+            </a:pPr>
+            <a:r>
+              <a:rPr lang="fr-FR" sz="2000" b="1" dirty="0">
+                <a:solidFill>
+                  <a:srgbClr val="004492"/>
+                </a:solidFill>
+                <a:latin typeface="Calibri (Corps)"/>
+                <a:sym typeface="Wingdings" panose="05000000000000000000" pitchFamily="2" charset="2"/>
+              </a:rPr>
+              <a:t>Impossibles à identifier / renuméroter automatiquement</a:t>
+            </a:r>
+            <a:endParaRPr lang="fr-FR" sz="2000" b="1" dirty="0">
+              <a:solidFill>
+                <a:srgbClr val="004492"/>
+              </a:solidFill>
+              <a:latin typeface="Calibri (Corps)"/>
+            </a:endParaRPr>
+          </a:p>
+        </p:txBody>
+      </p:sp>
+      <p:sp>
+        <p:nvSpPr>
+          <p:cNvPr id="13" name="Flèche : droite 12"/>
+          <p:cNvSpPr/>
+          <p:nvPr/>
+        </p:nvSpPr>
+        <p:spPr>
+          <a:xfrm>
+            <a:off x="1064265" y="5197735"/>
+            <a:ext cx="680224" cy="320125"/>
+          </a:xfrm>
+          <a:prstGeom prst="rightArrow">
+            <a:avLst/>
+          </a:prstGeom>
+          <a:solidFill>
+            <a:srgbClr val="004492"/>
+          </a:solidFill>
+          <a:ln>
+            <a:solidFill>
+              <a:srgbClr val="004492"/>
+            </a:solidFill>
+          </a:ln>
+        </p:spPr>
+        <p:style>
+          <a:lnRef idx="2">
+            <a:schemeClr val="accent6"/>
+          </a:lnRef>
+          <a:fillRef idx="1">
+            <a:schemeClr val="lt1"/>
+          </a:fillRef>
+          <a:effectRef idx="0">
+            <a:schemeClr val="accent6"/>
+          </a:effectRef>
+          <a:fontRef idx="minor">
+            <a:schemeClr val="dk1"/>
+          </a:fontRef>
+        </p:style>
+        <p:txBody>
+          <a:bodyPr rtlCol="0" anchor="ctr"/>
+          <a:lstStyle/>
+          <a:p>
+            <a:pPr algn="ctr"/>
+            <a:endParaRPr lang="fr-FR">
+              <a:solidFill>
+                <a:srgbClr val="0070C0"/>
+              </a:solidFill>
+            </a:endParaRPr>
+          </a:p>
+        </p:txBody>
+      </p:sp>
+      <p:sp>
+        <p:nvSpPr>
+          <p:cNvPr id="8" name="Espace réservé du contenu 30"/>
+          <p:cNvSpPr txBox="1">
+            <a:spLocks/>
+          </p:cNvSpPr>
+          <p:nvPr/>
+        </p:nvSpPr>
+        <p:spPr>
+          <a:xfrm>
+            <a:off x="1064265" y="2476876"/>
             <a:ext cx="7886700" cy="1053962"/>
           </a:xfrm>
           <a:prstGeom prst="rect">
@@ -12255,7 +12756,25 @@
                 </a:solidFill>
                 <a:latin typeface="Calibri (Corps)"/>
               </a:rPr>
-              <a:t>Solution retenue : </a:t>
+              <a:t>Outil d’analyse d’objets Dynamics </a:t>
+            </a:r>
+            <a:r>
+              <a:rPr lang="fr-FR" sz="2200" dirty="0" err="1">
+                <a:solidFill>
+                  <a:srgbClr val="004492"/>
+                </a:solidFill>
+                <a:latin typeface="Calibri (Corps)"/>
+              </a:rPr>
+              <a:t>Nav</a:t>
+            </a:r>
+            <a:r>
+              <a:rPr lang="fr-FR" sz="2200" dirty="0">
+                <a:solidFill>
+                  <a:srgbClr val="004492"/>
+                </a:solidFill>
+                <a:latin typeface="Calibri (Corps)"/>
+              </a:rPr>
+              <a:t> :</a:t>
             </a:r>
           </a:p>
         </p:txBody>
@@ -12263,7 +12782,7 @@
     </p:spTree>
     <p:extLst>
       <p:ext uri="{BB962C8B-B14F-4D97-AF65-F5344CB8AC3E}">
-        <p14:creationId xmlns:p14="http://schemas.microsoft.com/office/powerpoint/2010/main" val="3465901339"/>
+        <p14:creationId xmlns:p14="http://schemas.microsoft.com/office/powerpoint/2010/main" val="2473577392"/>
       </p:ext>
     </p:extLst>
   </p:cSld>
@@ -12290,35 +12809,6 @@
           <a:chExt cx="0" cy="0"/>
         </a:xfrm>
       </p:grpSpPr>
-      <p:pic>
-        <p:nvPicPr>
-          <p:cNvPr id="6" name="Image 5"/>
-          <p:cNvPicPr>
-            <a:picLocks noChangeAspect="1"/>
-          </p:cNvPicPr>
-          <p:nvPr/>
-        </p:nvPicPr>
-        <p:blipFill rotWithShape="1">
-          <a:blip r:embed="rId2">
-            <a:extLst>
-              <a:ext uri="{28A0092B-C50C-407E-A947-70E740481C1C}">
-                <a14:useLocalDpi xmlns:a14="http://schemas.microsoft.com/office/drawing/2010/main" val="0"/>
-              </a:ext>
-            </a:extLst>
-          </a:blip>
-          <a:srcRect l="5400" t="4305" b="4305"/>
-          <a:stretch/>
-        </p:blipFill>
-        <p:spPr>
-          <a:xfrm>
-            <a:off x="1728440" y="1524969"/>
-            <a:ext cx="6077414" cy="4886686"/>
-          </a:xfrm>
-          <a:prstGeom prst="rect">
-            <a:avLst/>
-          </a:prstGeom>
-        </p:spPr>
-      </p:pic>
       <p:sp>
         <p:nvSpPr>
           <p:cNvPr id="2" name="Titre 1"/>
@@ -12408,10 +12898,482 @@
           </a:p>
         </p:txBody>
       </p:sp>
+      <p:sp>
+        <p:nvSpPr>
+          <p:cNvPr id="7" name="Espace réservé du contenu 30"/>
+          <p:cNvSpPr txBox="1">
+            <a:spLocks/>
+          </p:cNvSpPr>
+          <p:nvPr/>
+        </p:nvSpPr>
+        <p:spPr>
+          <a:xfrm>
+            <a:off x="1084118" y="2852755"/>
+            <a:ext cx="8059882" cy="2789761"/>
+          </a:xfrm>
+          <a:prstGeom prst="rect">
+            <a:avLst/>
+          </a:prstGeom>
+        </p:spPr>
+        <p:txBody>
+          <a:bodyPr vert="horz" lIns="91440" tIns="45720" rIns="91440" bIns="45720" rtlCol="0">
+            <a:normAutofit/>
+          </a:bodyPr>
+          <a:lstStyle>
+            <a:lvl1pPr marL="171450" indent="-171450" algn="l" defTabSz="685800" rtl="0" eaLnBrk="1" latinLnBrk="0" hangingPunct="1">
+              <a:lnSpc>
+                <a:spcPct val="90000"/>
+              </a:lnSpc>
+              <a:spcBef>
+                <a:spcPts val="750"/>
+              </a:spcBef>
+              <a:buFont typeface="Arial" panose="020B0604020202020204" pitchFamily="34" charset="0"/>
+              <a:buChar char="•"/>
+              <a:defRPr sz="2100" kern="1200">
+                <a:solidFill>
+                  <a:schemeClr val="tx1"/>
+                </a:solidFill>
+                <a:latin typeface="+mn-lt"/>
+                <a:ea typeface="+mn-ea"/>
+                <a:cs typeface="+mn-cs"/>
+              </a:defRPr>
+            </a:lvl1pPr>
+            <a:lvl2pPr marL="514350" indent="-171450" algn="l" defTabSz="685800" rtl="0" eaLnBrk="1" latinLnBrk="0" hangingPunct="1">
+              <a:lnSpc>
+                <a:spcPct val="90000"/>
+              </a:lnSpc>
+              <a:spcBef>
+                <a:spcPts val="375"/>
+              </a:spcBef>
+              <a:buFont typeface="Arial" panose="020B0604020202020204" pitchFamily="34" charset="0"/>
+              <a:buChar char="•"/>
+              <a:defRPr sz="1800" kern="1200">
+                <a:solidFill>
+                  <a:schemeClr val="tx1"/>
+                </a:solidFill>
+                <a:latin typeface="+mn-lt"/>
+                <a:ea typeface="+mn-ea"/>
+                <a:cs typeface="+mn-cs"/>
+              </a:defRPr>
+            </a:lvl2pPr>
+            <a:lvl3pPr marL="857250" indent="-171450" algn="l" defTabSz="685800" rtl="0" eaLnBrk="1" latinLnBrk="0" hangingPunct="1">
+              <a:lnSpc>
+                <a:spcPct val="90000"/>
+              </a:lnSpc>
+              <a:spcBef>
+                <a:spcPts val="375"/>
+              </a:spcBef>
+              <a:buFont typeface="Arial" panose="020B0604020202020204" pitchFamily="34" charset="0"/>
+              <a:buChar char="•"/>
+              <a:defRPr sz="1500" kern="1200">
+                <a:solidFill>
+                  <a:schemeClr val="tx1"/>
+                </a:solidFill>
+                <a:latin typeface="+mn-lt"/>
+                <a:ea typeface="+mn-ea"/>
+                <a:cs typeface="+mn-cs"/>
+              </a:defRPr>
+            </a:lvl3pPr>
+            <a:lvl4pPr marL="1200150" indent="-171450" algn="l" defTabSz="685800" rtl="0" eaLnBrk="1" latinLnBrk="0" hangingPunct="1">
+              <a:lnSpc>
+                <a:spcPct val="90000"/>
+              </a:lnSpc>
+              <a:spcBef>
+                <a:spcPts val="375"/>
+              </a:spcBef>
+              <a:buFont typeface="Arial" panose="020B0604020202020204" pitchFamily="34" charset="0"/>
+              <a:buChar char="•"/>
+              <a:defRPr sz="1350" kern="1200">
+                <a:solidFill>
+                  <a:schemeClr val="tx1"/>
+                </a:solidFill>
+                <a:latin typeface="+mn-lt"/>
+                <a:ea typeface="+mn-ea"/>
+                <a:cs typeface="+mn-cs"/>
+              </a:defRPr>
+            </a:lvl4pPr>
+            <a:lvl5pPr marL="1543050" indent="-171450" algn="l" defTabSz="685800" rtl="0" eaLnBrk="1" latinLnBrk="0" hangingPunct="1">
+              <a:lnSpc>
+                <a:spcPct val="90000"/>
+              </a:lnSpc>
+              <a:spcBef>
+                <a:spcPts val="375"/>
+              </a:spcBef>
+              <a:buFont typeface="Arial" panose="020B0604020202020204" pitchFamily="34" charset="0"/>
+              <a:buChar char="•"/>
+              <a:defRPr sz="1350" kern="1200">
+                <a:solidFill>
+                  <a:schemeClr val="tx1"/>
+                </a:solidFill>
+                <a:latin typeface="+mn-lt"/>
+                <a:ea typeface="+mn-ea"/>
+                <a:cs typeface="+mn-cs"/>
+              </a:defRPr>
+            </a:lvl5pPr>
+            <a:lvl6pPr marL="1885950" indent="-171450" algn="l" defTabSz="685800" rtl="0" eaLnBrk="1" latinLnBrk="0" hangingPunct="1">
+              <a:lnSpc>
+                <a:spcPct val="90000"/>
+              </a:lnSpc>
+              <a:spcBef>
+                <a:spcPts val="375"/>
+              </a:spcBef>
+              <a:buFont typeface="Arial" panose="020B0604020202020204" pitchFamily="34" charset="0"/>
+              <a:buChar char="•"/>
+              <a:defRPr sz="1350" kern="1200">
+                <a:solidFill>
+                  <a:schemeClr val="tx1"/>
+                </a:solidFill>
+                <a:latin typeface="+mn-lt"/>
+                <a:ea typeface="+mn-ea"/>
+                <a:cs typeface="+mn-cs"/>
+              </a:defRPr>
+            </a:lvl6pPr>
+            <a:lvl7pPr marL="2228850" indent="-171450" algn="l" defTabSz="685800" rtl="0" eaLnBrk="1" latinLnBrk="0" hangingPunct="1">
+              <a:lnSpc>
+                <a:spcPct val="90000"/>
+              </a:lnSpc>
+              <a:spcBef>
+                <a:spcPts val="375"/>
+              </a:spcBef>
+              <a:buFont typeface="Arial" panose="020B0604020202020204" pitchFamily="34" charset="0"/>
+              <a:buChar char="•"/>
+              <a:defRPr sz="1350" kern="1200">
+                <a:solidFill>
+                  <a:schemeClr val="tx1"/>
+                </a:solidFill>
+                <a:latin typeface="+mn-lt"/>
+                <a:ea typeface="+mn-ea"/>
+                <a:cs typeface="+mn-cs"/>
+              </a:defRPr>
+            </a:lvl7pPr>
+            <a:lvl8pPr marL="2571750" indent="-171450" algn="l" defTabSz="685800" rtl="0" eaLnBrk="1" latinLnBrk="0" hangingPunct="1">
+              <a:lnSpc>
+                <a:spcPct val="90000"/>
+              </a:lnSpc>
+              <a:spcBef>
+                <a:spcPts val="375"/>
+              </a:spcBef>
+              <a:buFont typeface="Arial" panose="020B0604020202020204" pitchFamily="34" charset="0"/>
+              <a:buChar char="•"/>
+              <a:defRPr sz="1350" kern="1200">
+                <a:solidFill>
+                  <a:schemeClr val="tx1"/>
+                </a:solidFill>
+                <a:latin typeface="+mn-lt"/>
+                <a:ea typeface="+mn-ea"/>
+                <a:cs typeface="+mn-cs"/>
+              </a:defRPr>
+            </a:lvl8pPr>
+            <a:lvl9pPr marL="2914650" indent="-171450" algn="l" defTabSz="685800" rtl="0" eaLnBrk="1" latinLnBrk="0" hangingPunct="1">
+              <a:lnSpc>
+                <a:spcPct val="90000"/>
+              </a:lnSpc>
+              <a:spcBef>
+                <a:spcPts val="375"/>
+              </a:spcBef>
+              <a:buFont typeface="Arial" panose="020B0604020202020204" pitchFamily="34" charset="0"/>
+              <a:buChar char="•"/>
+              <a:defRPr sz="1350" kern="1200">
+                <a:solidFill>
+                  <a:schemeClr val="tx1"/>
+                </a:solidFill>
+                <a:latin typeface="+mn-lt"/>
+                <a:ea typeface="+mn-ea"/>
+                <a:cs typeface="+mn-cs"/>
+              </a:defRPr>
+            </a:lvl9pPr>
+          </a:lstStyle>
+          <a:p>
+            <a:pPr lvl="1">
+              <a:lnSpc>
+                <a:spcPct val="250000"/>
+              </a:lnSpc>
+              <a:buFont typeface="Wingdings" panose="05000000000000000000" pitchFamily="2" charset="2"/>
+              <a:buChar char="§"/>
+            </a:pPr>
+            <a:r>
+              <a:rPr lang="fr-FR" sz="2000" dirty="0">
+                <a:solidFill>
+                  <a:srgbClr val="004492"/>
+                </a:solidFill>
+                <a:latin typeface="Calibri (Corps)"/>
+              </a:rPr>
+              <a:t>Développer un outil d’analyse en C#</a:t>
+            </a:r>
+          </a:p>
+          <a:p>
+            <a:pPr lvl="1">
+              <a:lnSpc>
+                <a:spcPct val="250000"/>
+              </a:lnSpc>
+              <a:buFont typeface="Wingdings" panose="05000000000000000000" pitchFamily="2" charset="2"/>
+              <a:buChar char="§"/>
+            </a:pPr>
+            <a:r>
+              <a:rPr lang="fr-FR" sz="2000" dirty="0">
+                <a:solidFill>
+                  <a:srgbClr val="004492"/>
+                </a:solidFill>
+                <a:latin typeface="Calibri (Corps)"/>
+              </a:rPr>
+              <a:t>Faire remonter les lignes potentiellement problématiques</a:t>
+            </a:r>
+          </a:p>
+          <a:p>
+            <a:pPr lvl="1">
+              <a:lnSpc>
+                <a:spcPct val="250000"/>
+              </a:lnSpc>
+              <a:buFont typeface="Wingdings" panose="05000000000000000000" pitchFamily="2" charset="2"/>
+              <a:buChar char="§"/>
+            </a:pPr>
+            <a:r>
+              <a:rPr lang="fr-FR" sz="2000" dirty="0">
+                <a:solidFill>
+                  <a:srgbClr val="004492"/>
+                </a:solidFill>
+                <a:latin typeface="Calibri (Corps)"/>
+              </a:rPr>
+              <a:t>Intégrer l’outil d’analyse dans un outil plus global</a:t>
+            </a:r>
+          </a:p>
+          <a:p>
+            <a:pPr lvl="1">
+              <a:lnSpc>
+                <a:spcPct val="250000"/>
+              </a:lnSpc>
+              <a:buFont typeface="Wingdings" panose="05000000000000000000" pitchFamily="2" charset="2"/>
+              <a:buChar char="§"/>
+            </a:pPr>
+            <a:endParaRPr lang="fr-FR" sz="2000" b="1" dirty="0">
+              <a:solidFill>
+                <a:srgbClr val="004492"/>
+              </a:solidFill>
+              <a:latin typeface="Calibri (Corps)"/>
+            </a:endParaRPr>
+          </a:p>
+          <a:p>
+            <a:pPr lvl="1">
+              <a:lnSpc>
+                <a:spcPct val="250000"/>
+              </a:lnSpc>
+            </a:pPr>
+            <a:endParaRPr lang="fr-FR" sz="2000" dirty="0">
+              <a:solidFill>
+                <a:srgbClr val="004492"/>
+              </a:solidFill>
+              <a:latin typeface="Calibri (Corps)"/>
+            </a:endParaRPr>
+          </a:p>
+        </p:txBody>
+      </p:sp>
+      <p:sp>
+        <p:nvSpPr>
+          <p:cNvPr id="9" name="Espace réservé du contenu 30"/>
+          <p:cNvSpPr txBox="1">
+            <a:spLocks/>
+          </p:cNvSpPr>
+          <p:nvPr/>
+        </p:nvSpPr>
+        <p:spPr>
+          <a:xfrm>
+            <a:off x="917188" y="2302587"/>
+            <a:ext cx="7886700" cy="1053962"/>
+          </a:xfrm>
+          <a:prstGeom prst="rect">
+            <a:avLst/>
+          </a:prstGeom>
+        </p:spPr>
+        <p:txBody>
+          <a:bodyPr vert="horz" lIns="91440" tIns="45720" rIns="91440" bIns="45720" rtlCol="0">
+            <a:normAutofit/>
+          </a:bodyPr>
+          <a:lstStyle>
+            <a:lvl1pPr marL="171450" indent="-171450" algn="l" defTabSz="685800" rtl="0" eaLnBrk="1" latinLnBrk="0" hangingPunct="1">
+              <a:lnSpc>
+                <a:spcPct val="90000"/>
+              </a:lnSpc>
+              <a:spcBef>
+                <a:spcPts val="750"/>
+              </a:spcBef>
+              <a:buFont typeface="Arial" panose="020B0604020202020204" pitchFamily="34" charset="0"/>
+              <a:buChar char="•"/>
+              <a:defRPr sz="2100" kern="1200">
+                <a:solidFill>
+                  <a:schemeClr val="tx1"/>
+                </a:solidFill>
+                <a:latin typeface="+mn-lt"/>
+                <a:ea typeface="+mn-ea"/>
+                <a:cs typeface="+mn-cs"/>
+              </a:defRPr>
+            </a:lvl1pPr>
+            <a:lvl2pPr marL="514350" indent="-171450" algn="l" defTabSz="685800" rtl="0" eaLnBrk="1" latinLnBrk="0" hangingPunct="1">
+              <a:lnSpc>
+                <a:spcPct val="90000"/>
+              </a:lnSpc>
+              <a:spcBef>
+                <a:spcPts val="375"/>
+              </a:spcBef>
+              <a:buFont typeface="Arial" panose="020B0604020202020204" pitchFamily="34" charset="0"/>
+              <a:buChar char="•"/>
+              <a:defRPr sz="1800" kern="1200">
+                <a:solidFill>
+                  <a:schemeClr val="tx1"/>
+                </a:solidFill>
+                <a:latin typeface="+mn-lt"/>
+                <a:ea typeface="+mn-ea"/>
+                <a:cs typeface="+mn-cs"/>
+              </a:defRPr>
+            </a:lvl2pPr>
+            <a:lvl3pPr marL="857250" indent="-171450" algn="l" defTabSz="685800" rtl="0" eaLnBrk="1" latinLnBrk="0" hangingPunct="1">
+              <a:lnSpc>
+                <a:spcPct val="90000"/>
+              </a:lnSpc>
+              <a:spcBef>
+                <a:spcPts val="375"/>
+              </a:spcBef>
+              <a:buFont typeface="Arial" panose="020B0604020202020204" pitchFamily="34" charset="0"/>
+              <a:buChar char="•"/>
+              <a:defRPr sz="1500" kern="1200">
+                <a:solidFill>
+                  <a:schemeClr val="tx1"/>
+                </a:solidFill>
+                <a:latin typeface="+mn-lt"/>
+                <a:ea typeface="+mn-ea"/>
+                <a:cs typeface="+mn-cs"/>
+              </a:defRPr>
+            </a:lvl3pPr>
+            <a:lvl4pPr marL="1200150" indent="-171450" algn="l" defTabSz="685800" rtl="0" eaLnBrk="1" latinLnBrk="0" hangingPunct="1">
+              <a:lnSpc>
+                <a:spcPct val="90000"/>
+              </a:lnSpc>
+              <a:spcBef>
+                <a:spcPts val="375"/>
+              </a:spcBef>
+              <a:buFont typeface="Arial" panose="020B0604020202020204" pitchFamily="34" charset="0"/>
+              <a:buChar char="•"/>
+              <a:defRPr sz="1350" kern="1200">
+                <a:solidFill>
+                  <a:schemeClr val="tx1"/>
+                </a:solidFill>
+                <a:latin typeface="+mn-lt"/>
+                <a:ea typeface="+mn-ea"/>
+                <a:cs typeface="+mn-cs"/>
+              </a:defRPr>
+            </a:lvl4pPr>
+            <a:lvl5pPr marL="1543050" indent="-171450" algn="l" defTabSz="685800" rtl="0" eaLnBrk="1" latinLnBrk="0" hangingPunct="1">
+              <a:lnSpc>
+                <a:spcPct val="90000"/>
+              </a:lnSpc>
+              <a:spcBef>
+                <a:spcPts val="375"/>
+              </a:spcBef>
+              <a:buFont typeface="Arial" panose="020B0604020202020204" pitchFamily="34" charset="0"/>
+              <a:buChar char="•"/>
+              <a:defRPr sz="1350" kern="1200">
+                <a:solidFill>
+                  <a:schemeClr val="tx1"/>
+                </a:solidFill>
+                <a:latin typeface="+mn-lt"/>
+                <a:ea typeface="+mn-ea"/>
+                <a:cs typeface="+mn-cs"/>
+              </a:defRPr>
+            </a:lvl5pPr>
+            <a:lvl6pPr marL="1885950" indent="-171450" algn="l" defTabSz="685800" rtl="0" eaLnBrk="1" latinLnBrk="0" hangingPunct="1">
+              <a:lnSpc>
+                <a:spcPct val="90000"/>
+              </a:lnSpc>
+              <a:spcBef>
+                <a:spcPts val="375"/>
+              </a:spcBef>
+              <a:buFont typeface="Arial" panose="020B0604020202020204" pitchFamily="34" charset="0"/>
+              <a:buChar char="•"/>
+              <a:defRPr sz="1350" kern="1200">
+                <a:solidFill>
+                  <a:schemeClr val="tx1"/>
+                </a:solidFill>
+                <a:latin typeface="+mn-lt"/>
+                <a:ea typeface="+mn-ea"/>
+                <a:cs typeface="+mn-cs"/>
+              </a:defRPr>
+            </a:lvl6pPr>
+            <a:lvl7pPr marL="2228850" indent="-171450" algn="l" defTabSz="685800" rtl="0" eaLnBrk="1" latinLnBrk="0" hangingPunct="1">
+              <a:lnSpc>
+                <a:spcPct val="90000"/>
+              </a:lnSpc>
+              <a:spcBef>
+                <a:spcPts val="375"/>
+              </a:spcBef>
+              <a:buFont typeface="Arial" panose="020B0604020202020204" pitchFamily="34" charset="0"/>
+              <a:buChar char="•"/>
+              <a:defRPr sz="1350" kern="1200">
+                <a:solidFill>
+                  <a:schemeClr val="tx1"/>
+                </a:solidFill>
+                <a:latin typeface="+mn-lt"/>
+                <a:ea typeface="+mn-ea"/>
+                <a:cs typeface="+mn-cs"/>
+              </a:defRPr>
+            </a:lvl7pPr>
+            <a:lvl8pPr marL="2571750" indent="-171450" algn="l" defTabSz="685800" rtl="0" eaLnBrk="1" latinLnBrk="0" hangingPunct="1">
+              <a:lnSpc>
+                <a:spcPct val="90000"/>
+              </a:lnSpc>
+              <a:spcBef>
+                <a:spcPts val="375"/>
+              </a:spcBef>
+              <a:buFont typeface="Arial" panose="020B0604020202020204" pitchFamily="34" charset="0"/>
+              <a:buChar char="•"/>
+              <a:defRPr sz="1350" kern="1200">
+                <a:solidFill>
+                  <a:schemeClr val="tx1"/>
+                </a:solidFill>
+                <a:latin typeface="+mn-lt"/>
+                <a:ea typeface="+mn-ea"/>
+                <a:cs typeface="+mn-cs"/>
+              </a:defRPr>
+            </a:lvl8pPr>
+            <a:lvl9pPr marL="2914650" indent="-171450" algn="l" defTabSz="685800" rtl="0" eaLnBrk="1" latinLnBrk="0" hangingPunct="1">
+              <a:lnSpc>
+                <a:spcPct val="90000"/>
+              </a:lnSpc>
+              <a:spcBef>
+                <a:spcPts val="375"/>
+              </a:spcBef>
+              <a:buFont typeface="Arial" panose="020B0604020202020204" pitchFamily="34" charset="0"/>
+              <a:buChar char="•"/>
+              <a:defRPr sz="1350" kern="1200">
+                <a:solidFill>
+                  <a:schemeClr val="tx1"/>
+                </a:solidFill>
+                <a:latin typeface="+mn-lt"/>
+                <a:ea typeface="+mn-ea"/>
+                <a:cs typeface="+mn-cs"/>
+              </a:defRPr>
+            </a:lvl9pPr>
+          </a:lstStyle>
+          <a:p>
+            <a:pPr>
+              <a:lnSpc>
+                <a:spcPct val="150000"/>
+              </a:lnSpc>
+            </a:pPr>
+            <a:r>
+              <a:rPr lang="fr-FR" sz="2200" dirty="0">
+                <a:solidFill>
+                  <a:srgbClr val="004492"/>
+                </a:solidFill>
+                <a:latin typeface="Calibri (Corps)"/>
+              </a:rPr>
+              <a:t>Solution retenue : </a:t>
+            </a:r>
+          </a:p>
+        </p:txBody>
+      </p:sp>
     </p:spTree>
     <p:extLst>
       <p:ext uri="{BB962C8B-B14F-4D97-AF65-F5344CB8AC3E}">
-        <p14:creationId xmlns:p14="http://schemas.microsoft.com/office/powerpoint/2010/main" val="2388889054"/>
+        <p14:creationId xmlns:p14="http://schemas.microsoft.com/office/powerpoint/2010/main" val="3465901339"/>
       </p:ext>
     </p:extLst>
   </p:cSld>
@@ -12529,7 +13491,7 @@
       </p:sp>
       <p:sp>
         <p:nvSpPr>
-          <p:cNvPr id="9" name="Espace réservé du contenu 30"/>
+          <p:cNvPr id="7" name="Espace réservé du contenu 30"/>
           <p:cNvSpPr txBox="1">
             <a:spLocks/>
           </p:cNvSpPr>
@@ -12537,8 +13499,8 @@
         </p:nvSpPr>
         <p:spPr>
           <a:xfrm>
-            <a:off x="2723009" y="1422914"/>
-            <a:ext cx="4569212" cy="1053962"/>
+            <a:off x="1084118" y="2852755"/>
+            <a:ext cx="8059882" cy="2789761"/>
           </a:xfrm>
           <a:prstGeom prst="rect">
             <a:avLst/>
@@ -12713,27 +13675,92 @@
             </a:lvl9pPr>
           </a:lstStyle>
           <a:p>
-            <a:pPr marL="0" indent="0">
-              <a:lnSpc>
-                <a:spcPct val="150000"/>
-              </a:lnSpc>
-              <a:buNone/>
+            <a:pPr lvl="1">
+              <a:lnSpc>
+                <a:spcPct val="250000"/>
+              </a:lnSpc>
+              <a:buFont typeface="Wingdings" panose="05000000000000000000" pitchFamily="2" charset="2"/>
+              <a:buChar char="§"/>
             </a:pPr>
             <a:r>
-              <a:rPr lang="fr-FR" sz="3000" b="1" dirty="0">
+              <a:rPr lang="fr-FR" sz="2000" dirty="0">
                 <a:solidFill>
                   <a:srgbClr val="004492"/>
                 </a:solidFill>
                 <a:latin typeface="Calibri (Corps)"/>
               </a:rPr>
-              <a:t>Travaux complémentaires</a:t>
-            </a:r>
+              <a:t>Préparation à l’ajout de nouvelles fonctionnalités</a:t>
+            </a:r>
+          </a:p>
+          <a:p>
+            <a:pPr lvl="1">
+              <a:lnSpc>
+                <a:spcPct val="250000"/>
+              </a:lnSpc>
+              <a:buFont typeface="Wingdings" panose="05000000000000000000" pitchFamily="2" charset="2"/>
+              <a:buChar char="§"/>
+            </a:pPr>
+            <a:r>
+              <a:rPr lang="fr-FR" sz="2000" dirty="0">
+                <a:solidFill>
+                  <a:srgbClr val="004492"/>
+                </a:solidFill>
+                <a:latin typeface="Calibri (Corps)"/>
+              </a:rPr>
+              <a:t>Mise en place d’une interface simple et efficace</a:t>
+            </a:r>
+          </a:p>
+          <a:p>
+            <a:pPr lvl="1">
+              <a:lnSpc>
+                <a:spcPct val="250000"/>
+              </a:lnSpc>
+              <a:buFont typeface="Wingdings" panose="05000000000000000000" pitchFamily="2" charset="2"/>
+              <a:buChar char="§"/>
+            </a:pPr>
+            <a:r>
+              <a:rPr lang="fr-FR" sz="2000" dirty="0">
+                <a:solidFill>
+                  <a:srgbClr val="004492"/>
+                </a:solidFill>
+                <a:latin typeface="Calibri (Corps)"/>
+              </a:rPr>
+              <a:t>Généraliste et configurable</a:t>
+            </a:r>
+          </a:p>
+          <a:p>
+            <a:pPr lvl="1">
+              <a:lnSpc>
+                <a:spcPct val="250000"/>
+              </a:lnSpc>
+              <a:buFont typeface="Wingdings" panose="05000000000000000000" pitchFamily="2" charset="2"/>
+              <a:buChar char="§"/>
+            </a:pPr>
+            <a:endParaRPr lang="fr-FR" sz="2000" b="1" dirty="0">
+              <a:solidFill>
+                <a:srgbClr val="004492"/>
+              </a:solidFill>
+              <a:latin typeface="Calibri (Corps)"/>
+            </a:endParaRPr>
+          </a:p>
+          <a:p>
+            <a:pPr lvl="1">
+              <a:lnSpc>
+                <a:spcPct val="250000"/>
+              </a:lnSpc>
+            </a:pPr>
+            <a:endParaRPr lang="fr-FR" sz="2000" dirty="0">
+              <a:solidFill>
+                <a:srgbClr val="004492"/>
+              </a:solidFill>
+              <a:latin typeface="Calibri (Corps)"/>
+            </a:endParaRPr>
           </a:p>
         </p:txBody>
       </p:sp>
       <p:sp>
         <p:nvSpPr>
-          <p:cNvPr id="8" name="Espace réservé du contenu 30"/>
+          <p:cNvPr id="9" name="Espace réservé du contenu 30"/>
           <p:cNvSpPr txBox="1">
             <a:spLocks/>
           </p:cNvSpPr>
@@ -12741,7 +13768,7 @@
         </p:nvSpPr>
         <p:spPr>
           <a:xfrm>
-            <a:off x="1064265" y="2476876"/>
+            <a:off x="917188" y="2302587"/>
             <a:ext cx="7886700" cy="1053962"/>
           </a:xfrm>
           <a:prstGeom prst="rect">
@@ -12929,509 +13956,33 @@
                 </a:solidFill>
                 <a:latin typeface="Calibri (Corps)"/>
               </a:rPr>
-              <a:t>Outil d’ajout de Version List</a:t>
-            </a:r>
-          </a:p>
-        </p:txBody>
-      </p:sp>
-      <p:sp>
-        <p:nvSpPr>
-          <p:cNvPr id="14" name="Espace réservé du contenu 30"/>
-          <p:cNvSpPr txBox="1">
-            <a:spLocks/>
-          </p:cNvSpPr>
-          <p:nvPr/>
-        </p:nvSpPr>
-        <p:spPr>
-          <a:xfrm>
-            <a:off x="1084118" y="2987697"/>
-            <a:ext cx="8059882" cy="1840781"/>
-          </a:xfrm>
-          <a:prstGeom prst="rect">
-            <a:avLst/>
-          </a:prstGeom>
-        </p:spPr>
-        <p:txBody>
-          <a:bodyPr vert="horz" lIns="91440" tIns="45720" rIns="91440" bIns="45720" rtlCol="0">
-            <a:normAutofit/>
-          </a:bodyPr>
-          <a:lstStyle>
-            <a:lvl1pPr marL="171450" indent="-171450" algn="l" defTabSz="685800" rtl="0" eaLnBrk="1" latinLnBrk="0" hangingPunct="1">
-              <a:lnSpc>
-                <a:spcPct val="90000"/>
-              </a:lnSpc>
-              <a:spcBef>
-                <a:spcPts val="750"/>
-              </a:spcBef>
-              <a:buFont typeface="Arial" panose="020B0604020202020204" pitchFamily="34" charset="0"/>
-              <a:buChar char="•"/>
-              <a:defRPr sz="2100" kern="1200">
-                <a:solidFill>
-                  <a:schemeClr val="tx1"/>
-                </a:solidFill>
-                <a:latin typeface="+mn-lt"/>
-                <a:ea typeface="+mn-ea"/>
-                <a:cs typeface="+mn-cs"/>
-              </a:defRPr>
-            </a:lvl1pPr>
-            <a:lvl2pPr marL="514350" indent="-171450" algn="l" defTabSz="685800" rtl="0" eaLnBrk="1" latinLnBrk="0" hangingPunct="1">
-              <a:lnSpc>
-                <a:spcPct val="90000"/>
-              </a:lnSpc>
-              <a:spcBef>
-                <a:spcPts val="375"/>
-              </a:spcBef>
-              <a:buFont typeface="Arial" panose="020B0604020202020204" pitchFamily="34" charset="0"/>
-              <a:buChar char="•"/>
-              <a:defRPr sz="1800" kern="1200">
-                <a:solidFill>
-                  <a:schemeClr val="tx1"/>
-                </a:solidFill>
-                <a:latin typeface="+mn-lt"/>
-                <a:ea typeface="+mn-ea"/>
-                <a:cs typeface="+mn-cs"/>
-              </a:defRPr>
-            </a:lvl2pPr>
-            <a:lvl3pPr marL="857250" indent="-171450" algn="l" defTabSz="685800" rtl="0" eaLnBrk="1" latinLnBrk="0" hangingPunct="1">
-              <a:lnSpc>
-                <a:spcPct val="90000"/>
-              </a:lnSpc>
-              <a:spcBef>
-                <a:spcPts val="375"/>
-              </a:spcBef>
-              <a:buFont typeface="Arial" panose="020B0604020202020204" pitchFamily="34" charset="0"/>
-              <a:buChar char="•"/>
-              <a:defRPr sz="1500" kern="1200">
-                <a:solidFill>
-                  <a:schemeClr val="tx1"/>
-                </a:solidFill>
-                <a:latin typeface="+mn-lt"/>
-                <a:ea typeface="+mn-ea"/>
-                <a:cs typeface="+mn-cs"/>
-              </a:defRPr>
-            </a:lvl3pPr>
-            <a:lvl4pPr marL="1200150" indent="-171450" algn="l" defTabSz="685800" rtl="0" eaLnBrk="1" latinLnBrk="0" hangingPunct="1">
-              <a:lnSpc>
-                <a:spcPct val="90000"/>
-              </a:lnSpc>
-              <a:spcBef>
-                <a:spcPts val="375"/>
-              </a:spcBef>
-              <a:buFont typeface="Arial" panose="020B0604020202020204" pitchFamily="34" charset="0"/>
-              <a:buChar char="•"/>
-              <a:defRPr sz="1350" kern="1200">
-                <a:solidFill>
-                  <a:schemeClr val="tx1"/>
-                </a:solidFill>
-                <a:latin typeface="+mn-lt"/>
-                <a:ea typeface="+mn-ea"/>
-                <a:cs typeface="+mn-cs"/>
-              </a:defRPr>
-            </a:lvl4pPr>
-            <a:lvl5pPr marL="1543050" indent="-171450" algn="l" defTabSz="685800" rtl="0" eaLnBrk="1" latinLnBrk="0" hangingPunct="1">
-              <a:lnSpc>
-                <a:spcPct val="90000"/>
-              </a:lnSpc>
-              <a:spcBef>
-                <a:spcPts val="375"/>
-              </a:spcBef>
-              <a:buFont typeface="Arial" panose="020B0604020202020204" pitchFamily="34" charset="0"/>
-              <a:buChar char="•"/>
-              <a:defRPr sz="1350" kern="1200">
-                <a:solidFill>
-                  <a:schemeClr val="tx1"/>
-                </a:solidFill>
-                <a:latin typeface="+mn-lt"/>
-                <a:ea typeface="+mn-ea"/>
-                <a:cs typeface="+mn-cs"/>
-              </a:defRPr>
-            </a:lvl5pPr>
-            <a:lvl6pPr marL="1885950" indent="-171450" algn="l" defTabSz="685800" rtl="0" eaLnBrk="1" latinLnBrk="0" hangingPunct="1">
-              <a:lnSpc>
-                <a:spcPct val="90000"/>
-              </a:lnSpc>
-              <a:spcBef>
-                <a:spcPts val="375"/>
-              </a:spcBef>
-              <a:buFont typeface="Arial" panose="020B0604020202020204" pitchFamily="34" charset="0"/>
-              <a:buChar char="•"/>
-              <a:defRPr sz="1350" kern="1200">
-                <a:solidFill>
-                  <a:schemeClr val="tx1"/>
-                </a:solidFill>
-                <a:latin typeface="+mn-lt"/>
-                <a:ea typeface="+mn-ea"/>
-                <a:cs typeface="+mn-cs"/>
-              </a:defRPr>
-            </a:lvl6pPr>
-            <a:lvl7pPr marL="2228850" indent="-171450" algn="l" defTabSz="685800" rtl="0" eaLnBrk="1" latinLnBrk="0" hangingPunct="1">
-              <a:lnSpc>
-                <a:spcPct val="90000"/>
-              </a:lnSpc>
-              <a:spcBef>
-                <a:spcPts val="375"/>
-              </a:spcBef>
-              <a:buFont typeface="Arial" panose="020B0604020202020204" pitchFamily="34" charset="0"/>
-              <a:buChar char="•"/>
-              <a:defRPr sz="1350" kern="1200">
-                <a:solidFill>
-                  <a:schemeClr val="tx1"/>
-                </a:solidFill>
-                <a:latin typeface="+mn-lt"/>
-                <a:ea typeface="+mn-ea"/>
-                <a:cs typeface="+mn-cs"/>
-              </a:defRPr>
-            </a:lvl7pPr>
-            <a:lvl8pPr marL="2571750" indent="-171450" algn="l" defTabSz="685800" rtl="0" eaLnBrk="1" latinLnBrk="0" hangingPunct="1">
-              <a:lnSpc>
-                <a:spcPct val="90000"/>
-              </a:lnSpc>
-              <a:spcBef>
-                <a:spcPts val="375"/>
-              </a:spcBef>
-              <a:buFont typeface="Arial" panose="020B0604020202020204" pitchFamily="34" charset="0"/>
-              <a:buChar char="•"/>
-              <a:defRPr sz="1350" kern="1200">
-                <a:solidFill>
-                  <a:schemeClr val="tx1"/>
-                </a:solidFill>
-                <a:latin typeface="+mn-lt"/>
-                <a:ea typeface="+mn-ea"/>
-                <a:cs typeface="+mn-cs"/>
-              </a:defRPr>
-            </a:lvl8pPr>
-            <a:lvl9pPr marL="2914650" indent="-171450" algn="l" defTabSz="685800" rtl="0" eaLnBrk="1" latinLnBrk="0" hangingPunct="1">
-              <a:lnSpc>
-                <a:spcPct val="90000"/>
-              </a:lnSpc>
-              <a:spcBef>
-                <a:spcPts val="375"/>
-              </a:spcBef>
-              <a:buFont typeface="Arial" panose="020B0604020202020204" pitchFamily="34" charset="0"/>
-              <a:buChar char="•"/>
-              <a:defRPr sz="1350" kern="1200">
-                <a:solidFill>
-                  <a:schemeClr val="tx1"/>
-                </a:solidFill>
-                <a:latin typeface="+mn-lt"/>
-                <a:ea typeface="+mn-ea"/>
-                <a:cs typeface="+mn-cs"/>
-              </a:defRPr>
-            </a:lvl9pPr>
-          </a:lstStyle>
-          <a:p>
-            <a:pPr lvl="1">
-              <a:lnSpc>
-                <a:spcPct val="250000"/>
-              </a:lnSpc>
-              <a:buFont typeface="Wingdings" panose="05000000000000000000" pitchFamily="2" charset="2"/>
-              <a:buChar char="§"/>
-            </a:pPr>
-            <a:r>
-              <a:rPr lang="fr-FR" sz="2000" dirty="0">
+              <a:t>Transformation en programme « boîte à outils » pour </a:t>
+            </a:r>
+            <a:r>
+              <a:rPr lang="fr-FR" sz="2200" dirty="0" err="1">
                 <a:solidFill>
                   <a:srgbClr val="004492"/>
                 </a:solidFill>
                 <a:latin typeface="Calibri (Corps)"/>
               </a:rPr>
-              <a:t>Version List : regroupe objets d’un même vertical</a:t>
-            </a:r>
-          </a:p>
-          <a:p>
-            <a:pPr lvl="1">
-              <a:lnSpc>
-                <a:spcPct val="250000"/>
-              </a:lnSpc>
-              <a:buFont typeface="Wingdings" panose="05000000000000000000" pitchFamily="2" charset="2"/>
-              <a:buChar char="§"/>
-            </a:pPr>
-            <a:r>
-              <a:rPr lang="fr-FR" sz="2000" dirty="0">
+              <a:t>Nav</a:t>
+            </a:r>
+            <a:r>
+              <a:rPr lang="fr-FR" sz="2200" dirty="0">
                 <a:solidFill>
                   <a:srgbClr val="004492"/>
                 </a:solidFill>
                 <a:latin typeface="Calibri (Corps)"/>
               </a:rPr>
-              <a:t>Version List : comporte un numéro de version du vertical</a:t>
-            </a:r>
-          </a:p>
-          <a:p>
-            <a:pPr lvl="1">
-              <a:lnSpc>
-                <a:spcPct val="250000"/>
-              </a:lnSpc>
-            </a:pPr>
-            <a:endParaRPr lang="fr-FR" sz="2000" dirty="0">
-              <a:solidFill>
-                <a:srgbClr val="004492"/>
-              </a:solidFill>
-              <a:latin typeface="Calibri (Corps)"/>
-            </a:endParaRPr>
-          </a:p>
-        </p:txBody>
-      </p:sp>
-      <p:sp>
-        <p:nvSpPr>
-          <p:cNvPr id="17" name="Espace réservé du contenu 2"/>
-          <p:cNvSpPr txBox="1">
-            <a:spLocks/>
-          </p:cNvSpPr>
-          <p:nvPr/>
-        </p:nvSpPr>
-        <p:spPr>
-          <a:xfrm>
-            <a:off x="1972902" y="5062802"/>
-            <a:ext cx="7886700" cy="1948555"/>
-          </a:xfrm>
-          <a:prstGeom prst="rect">
-            <a:avLst/>
-          </a:prstGeom>
-        </p:spPr>
-        <p:txBody>
-          <a:bodyPr vert="horz" lIns="91440" tIns="45720" rIns="91440" bIns="45720" rtlCol="0">
-            <a:noAutofit/>
-          </a:bodyPr>
-          <a:lstStyle>
-            <a:lvl1pPr marL="171450" indent="-171450" algn="l" defTabSz="685800" rtl="0" eaLnBrk="1" latinLnBrk="0" hangingPunct="1">
-              <a:lnSpc>
-                <a:spcPct val="90000"/>
-              </a:lnSpc>
-              <a:spcBef>
-                <a:spcPts val="750"/>
-              </a:spcBef>
-              <a:buFont typeface="Arial" panose="020B0604020202020204" pitchFamily="34" charset="0"/>
-              <a:buChar char="•"/>
-              <a:defRPr sz="2100" kern="1200">
-                <a:solidFill>
-                  <a:schemeClr val="tx1"/>
-                </a:solidFill>
-                <a:latin typeface="+mn-lt"/>
-                <a:ea typeface="+mn-ea"/>
-                <a:cs typeface="+mn-cs"/>
-              </a:defRPr>
-            </a:lvl1pPr>
-            <a:lvl2pPr marL="514350" indent="-171450" algn="l" defTabSz="685800" rtl="0" eaLnBrk="1" latinLnBrk="0" hangingPunct="1">
-              <a:lnSpc>
-                <a:spcPct val="90000"/>
-              </a:lnSpc>
-              <a:spcBef>
-                <a:spcPts val="375"/>
-              </a:spcBef>
-              <a:buFont typeface="Arial" panose="020B0604020202020204" pitchFamily="34" charset="0"/>
-              <a:buChar char="•"/>
-              <a:defRPr sz="1800" kern="1200">
-                <a:solidFill>
-                  <a:schemeClr val="tx1"/>
-                </a:solidFill>
-                <a:latin typeface="+mn-lt"/>
-                <a:ea typeface="+mn-ea"/>
-                <a:cs typeface="+mn-cs"/>
-              </a:defRPr>
-            </a:lvl2pPr>
-            <a:lvl3pPr marL="857250" indent="-171450" algn="l" defTabSz="685800" rtl="0" eaLnBrk="1" latinLnBrk="0" hangingPunct="1">
-              <a:lnSpc>
-                <a:spcPct val="90000"/>
-              </a:lnSpc>
-              <a:spcBef>
-                <a:spcPts val="375"/>
-              </a:spcBef>
-              <a:buFont typeface="Arial" panose="020B0604020202020204" pitchFamily="34" charset="0"/>
-              <a:buChar char="•"/>
-              <a:defRPr sz="1500" kern="1200">
-                <a:solidFill>
-                  <a:schemeClr val="tx1"/>
-                </a:solidFill>
-                <a:latin typeface="+mn-lt"/>
-                <a:ea typeface="+mn-ea"/>
-                <a:cs typeface="+mn-cs"/>
-              </a:defRPr>
-            </a:lvl3pPr>
-            <a:lvl4pPr marL="1200150" indent="-171450" algn="l" defTabSz="685800" rtl="0" eaLnBrk="1" latinLnBrk="0" hangingPunct="1">
-              <a:lnSpc>
-                <a:spcPct val="90000"/>
-              </a:lnSpc>
-              <a:spcBef>
-                <a:spcPts val="375"/>
-              </a:spcBef>
-              <a:buFont typeface="Arial" panose="020B0604020202020204" pitchFamily="34" charset="0"/>
-              <a:buChar char="•"/>
-              <a:defRPr sz="1350" kern="1200">
-                <a:solidFill>
-                  <a:schemeClr val="tx1"/>
-                </a:solidFill>
-                <a:latin typeface="+mn-lt"/>
-                <a:ea typeface="+mn-ea"/>
-                <a:cs typeface="+mn-cs"/>
-              </a:defRPr>
-            </a:lvl4pPr>
-            <a:lvl5pPr marL="1543050" indent="-171450" algn="l" defTabSz="685800" rtl="0" eaLnBrk="1" latinLnBrk="0" hangingPunct="1">
-              <a:lnSpc>
-                <a:spcPct val="90000"/>
-              </a:lnSpc>
-              <a:spcBef>
-                <a:spcPts val="375"/>
-              </a:spcBef>
-              <a:buFont typeface="Arial" panose="020B0604020202020204" pitchFamily="34" charset="0"/>
-              <a:buChar char="•"/>
-              <a:defRPr sz="1350" kern="1200">
-                <a:solidFill>
-                  <a:schemeClr val="tx1"/>
-                </a:solidFill>
-                <a:latin typeface="+mn-lt"/>
-                <a:ea typeface="+mn-ea"/>
-                <a:cs typeface="+mn-cs"/>
-              </a:defRPr>
-            </a:lvl5pPr>
-            <a:lvl6pPr marL="1885950" indent="-171450" algn="l" defTabSz="685800" rtl="0" eaLnBrk="1" latinLnBrk="0" hangingPunct="1">
-              <a:lnSpc>
-                <a:spcPct val="90000"/>
-              </a:lnSpc>
-              <a:spcBef>
-                <a:spcPts val="375"/>
-              </a:spcBef>
-              <a:buFont typeface="Arial" panose="020B0604020202020204" pitchFamily="34" charset="0"/>
-              <a:buChar char="•"/>
-              <a:defRPr sz="1350" kern="1200">
-                <a:solidFill>
-                  <a:schemeClr val="tx1"/>
-                </a:solidFill>
-                <a:latin typeface="+mn-lt"/>
-                <a:ea typeface="+mn-ea"/>
-                <a:cs typeface="+mn-cs"/>
-              </a:defRPr>
-            </a:lvl6pPr>
-            <a:lvl7pPr marL="2228850" indent="-171450" algn="l" defTabSz="685800" rtl="0" eaLnBrk="1" latinLnBrk="0" hangingPunct="1">
-              <a:lnSpc>
-                <a:spcPct val="90000"/>
-              </a:lnSpc>
-              <a:spcBef>
-                <a:spcPts val="375"/>
-              </a:spcBef>
-              <a:buFont typeface="Arial" panose="020B0604020202020204" pitchFamily="34" charset="0"/>
-              <a:buChar char="•"/>
-              <a:defRPr sz="1350" kern="1200">
-                <a:solidFill>
-                  <a:schemeClr val="tx1"/>
-                </a:solidFill>
-                <a:latin typeface="+mn-lt"/>
-                <a:ea typeface="+mn-ea"/>
-                <a:cs typeface="+mn-cs"/>
-              </a:defRPr>
-            </a:lvl7pPr>
-            <a:lvl8pPr marL="2571750" indent="-171450" algn="l" defTabSz="685800" rtl="0" eaLnBrk="1" latinLnBrk="0" hangingPunct="1">
-              <a:lnSpc>
-                <a:spcPct val="90000"/>
-              </a:lnSpc>
-              <a:spcBef>
-                <a:spcPts val="375"/>
-              </a:spcBef>
-              <a:buFont typeface="Arial" panose="020B0604020202020204" pitchFamily="34" charset="0"/>
-              <a:buChar char="•"/>
-              <a:defRPr sz="1350" kern="1200">
-                <a:solidFill>
-                  <a:schemeClr val="tx1"/>
-                </a:solidFill>
-                <a:latin typeface="+mn-lt"/>
-                <a:ea typeface="+mn-ea"/>
-                <a:cs typeface="+mn-cs"/>
-              </a:defRPr>
-            </a:lvl8pPr>
-            <a:lvl9pPr marL="2914650" indent="-171450" algn="l" defTabSz="685800" rtl="0" eaLnBrk="1" latinLnBrk="0" hangingPunct="1">
-              <a:lnSpc>
-                <a:spcPct val="90000"/>
-              </a:lnSpc>
-              <a:spcBef>
-                <a:spcPts val="375"/>
-              </a:spcBef>
-              <a:buFont typeface="Arial" panose="020B0604020202020204" pitchFamily="34" charset="0"/>
-              <a:buChar char="•"/>
-              <a:defRPr sz="1350" kern="1200">
-                <a:solidFill>
-                  <a:schemeClr val="tx1"/>
-                </a:solidFill>
-                <a:latin typeface="+mn-lt"/>
-                <a:ea typeface="+mn-ea"/>
-                <a:cs typeface="+mn-cs"/>
-              </a:defRPr>
-            </a:lvl9pPr>
-          </a:lstStyle>
-          <a:p>
-            <a:pPr marL="0" indent="0">
-              <a:buNone/>
-            </a:pPr>
-            <a:r>
-              <a:rPr lang="fr-FR" sz="2000" b="1" dirty="0">
-                <a:solidFill>
-                  <a:srgbClr val="004492"/>
-                </a:solidFill>
-                <a:latin typeface="Calibri (Corps)"/>
-                <a:sym typeface="Wingdings" panose="05000000000000000000" pitchFamily="2" charset="2"/>
-              </a:rPr>
-              <a:t>Indispensable pour passer le test de certification</a:t>
-            </a:r>
-            <a:endParaRPr lang="fr-FR" sz="2000" b="1" dirty="0">
-              <a:solidFill>
-                <a:srgbClr val="004492"/>
-              </a:solidFill>
-              <a:latin typeface="Calibri (Corps)"/>
-            </a:endParaRPr>
-          </a:p>
-        </p:txBody>
-      </p:sp>
-      <p:sp>
-        <p:nvSpPr>
-          <p:cNvPr id="18" name="Flèche : droite 17"/>
-          <p:cNvSpPr/>
-          <p:nvPr/>
-        </p:nvSpPr>
-        <p:spPr>
-          <a:xfrm>
-            <a:off x="1064603" y="5062802"/>
-            <a:ext cx="680224" cy="320125"/>
-          </a:xfrm>
-          <a:prstGeom prst="rightArrow">
-            <a:avLst/>
-          </a:prstGeom>
-          <a:solidFill>
-            <a:srgbClr val="004492"/>
-          </a:solidFill>
-          <a:ln>
-            <a:solidFill>
-              <a:srgbClr val="004492"/>
-            </a:solidFill>
-          </a:ln>
-        </p:spPr>
-        <p:style>
-          <a:lnRef idx="2">
-            <a:schemeClr val="accent6"/>
-          </a:lnRef>
-          <a:fillRef idx="1">
-            <a:schemeClr val="lt1"/>
-          </a:fillRef>
-          <a:effectRef idx="0">
-            <a:schemeClr val="accent6"/>
-          </a:effectRef>
-          <a:fontRef idx="minor">
-            <a:schemeClr val="dk1"/>
-          </a:fontRef>
-        </p:style>
-        <p:txBody>
-          <a:bodyPr rtlCol="0" anchor="ctr"/>
-          <a:lstStyle/>
-          <a:p>
-            <a:pPr algn="ctr"/>
-            <a:endParaRPr lang="fr-FR">
-              <a:solidFill>
-                <a:srgbClr val="0070C0"/>
-              </a:solidFill>
-            </a:endParaRPr>
+              <a:t> :</a:t>
+            </a:r>
           </a:p>
         </p:txBody>
       </p:sp>
     </p:spTree>
     <p:extLst>
       <p:ext uri="{BB962C8B-B14F-4D97-AF65-F5344CB8AC3E}">
-        <p14:creationId xmlns:p14="http://schemas.microsoft.com/office/powerpoint/2010/main" val="1111467202"/>
+        <p14:creationId xmlns:p14="http://schemas.microsoft.com/office/powerpoint/2010/main" val="4008459635"/>
       </p:ext>
     </p:extLst>
   </p:cSld>
@@ -13540,6 +14091,1026 @@
                 <a:latin typeface="Eurostile-Roman" pitchFamily="2" charset="0"/>
               </a:rPr>
               <a:t>28</a:t>
+            </a:fld>
+            <a:endParaRPr lang="fr-FR" sz="1800" dirty="0">
+              <a:latin typeface="Eurostile-Roman" pitchFamily="2" charset="0"/>
+            </a:endParaRPr>
+          </a:p>
+        </p:txBody>
+      </p:sp>
+      <p:sp>
+        <p:nvSpPr>
+          <p:cNvPr id="9" name="Espace réservé du contenu 30"/>
+          <p:cNvSpPr txBox="1">
+            <a:spLocks/>
+          </p:cNvSpPr>
+          <p:nvPr/>
+        </p:nvSpPr>
+        <p:spPr>
+          <a:xfrm>
+            <a:off x="2723009" y="1422914"/>
+            <a:ext cx="4569212" cy="1053962"/>
+          </a:xfrm>
+          <a:prstGeom prst="rect">
+            <a:avLst/>
+          </a:prstGeom>
+        </p:spPr>
+        <p:txBody>
+          <a:bodyPr vert="horz" lIns="91440" tIns="45720" rIns="91440" bIns="45720" rtlCol="0">
+            <a:normAutofit/>
+          </a:bodyPr>
+          <a:lstStyle>
+            <a:lvl1pPr marL="171450" indent="-171450" algn="l" defTabSz="685800" rtl="0" eaLnBrk="1" latinLnBrk="0" hangingPunct="1">
+              <a:lnSpc>
+                <a:spcPct val="90000"/>
+              </a:lnSpc>
+              <a:spcBef>
+                <a:spcPts val="750"/>
+              </a:spcBef>
+              <a:buFont typeface="Arial" panose="020B0604020202020204" pitchFamily="34" charset="0"/>
+              <a:buChar char="•"/>
+              <a:defRPr sz="2100" kern="1200">
+                <a:solidFill>
+                  <a:schemeClr val="tx1"/>
+                </a:solidFill>
+                <a:latin typeface="+mn-lt"/>
+                <a:ea typeface="+mn-ea"/>
+                <a:cs typeface="+mn-cs"/>
+              </a:defRPr>
+            </a:lvl1pPr>
+            <a:lvl2pPr marL="514350" indent="-171450" algn="l" defTabSz="685800" rtl="0" eaLnBrk="1" latinLnBrk="0" hangingPunct="1">
+              <a:lnSpc>
+                <a:spcPct val="90000"/>
+              </a:lnSpc>
+              <a:spcBef>
+                <a:spcPts val="375"/>
+              </a:spcBef>
+              <a:buFont typeface="Arial" panose="020B0604020202020204" pitchFamily="34" charset="0"/>
+              <a:buChar char="•"/>
+              <a:defRPr sz="1800" kern="1200">
+                <a:solidFill>
+                  <a:schemeClr val="tx1"/>
+                </a:solidFill>
+                <a:latin typeface="+mn-lt"/>
+                <a:ea typeface="+mn-ea"/>
+                <a:cs typeface="+mn-cs"/>
+              </a:defRPr>
+            </a:lvl2pPr>
+            <a:lvl3pPr marL="857250" indent="-171450" algn="l" defTabSz="685800" rtl="0" eaLnBrk="1" latinLnBrk="0" hangingPunct="1">
+              <a:lnSpc>
+                <a:spcPct val="90000"/>
+              </a:lnSpc>
+              <a:spcBef>
+                <a:spcPts val="375"/>
+              </a:spcBef>
+              <a:buFont typeface="Arial" panose="020B0604020202020204" pitchFamily="34" charset="0"/>
+              <a:buChar char="•"/>
+              <a:defRPr sz="1500" kern="1200">
+                <a:solidFill>
+                  <a:schemeClr val="tx1"/>
+                </a:solidFill>
+                <a:latin typeface="+mn-lt"/>
+                <a:ea typeface="+mn-ea"/>
+                <a:cs typeface="+mn-cs"/>
+              </a:defRPr>
+            </a:lvl3pPr>
+            <a:lvl4pPr marL="1200150" indent="-171450" algn="l" defTabSz="685800" rtl="0" eaLnBrk="1" latinLnBrk="0" hangingPunct="1">
+              <a:lnSpc>
+                <a:spcPct val="90000"/>
+              </a:lnSpc>
+              <a:spcBef>
+                <a:spcPts val="375"/>
+              </a:spcBef>
+              <a:buFont typeface="Arial" panose="020B0604020202020204" pitchFamily="34" charset="0"/>
+              <a:buChar char="•"/>
+              <a:defRPr sz="1350" kern="1200">
+                <a:solidFill>
+                  <a:schemeClr val="tx1"/>
+                </a:solidFill>
+                <a:latin typeface="+mn-lt"/>
+                <a:ea typeface="+mn-ea"/>
+                <a:cs typeface="+mn-cs"/>
+              </a:defRPr>
+            </a:lvl4pPr>
+            <a:lvl5pPr marL="1543050" indent="-171450" algn="l" defTabSz="685800" rtl="0" eaLnBrk="1" latinLnBrk="0" hangingPunct="1">
+              <a:lnSpc>
+                <a:spcPct val="90000"/>
+              </a:lnSpc>
+              <a:spcBef>
+                <a:spcPts val="375"/>
+              </a:spcBef>
+              <a:buFont typeface="Arial" panose="020B0604020202020204" pitchFamily="34" charset="0"/>
+              <a:buChar char="•"/>
+              <a:defRPr sz="1350" kern="1200">
+                <a:solidFill>
+                  <a:schemeClr val="tx1"/>
+                </a:solidFill>
+                <a:latin typeface="+mn-lt"/>
+                <a:ea typeface="+mn-ea"/>
+                <a:cs typeface="+mn-cs"/>
+              </a:defRPr>
+            </a:lvl5pPr>
+            <a:lvl6pPr marL="1885950" indent="-171450" algn="l" defTabSz="685800" rtl="0" eaLnBrk="1" latinLnBrk="0" hangingPunct="1">
+              <a:lnSpc>
+                <a:spcPct val="90000"/>
+              </a:lnSpc>
+              <a:spcBef>
+                <a:spcPts val="375"/>
+              </a:spcBef>
+              <a:buFont typeface="Arial" panose="020B0604020202020204" pitchFamily="34" charset="0"/>
+              <a:buChar char="•"/>
+              <a:defRPr sz="1350" kern="1200">
+                <a:solidFill>
+                  <a:schemeClr val="tx1"/>
+                </a:solidFill>
+                <a:latin typeface="+mn-lt"/>
+                <a:ea typeface="+mn-ea"/>
+                <a:cs typeface="+mn-cs"/>
+              </a:defRPr>
+            </a:lvl6pPr>
+            <a:lvl7pPr marL="2228850" indent="-171450" algn="l" defTabSz="685800" rtl="0" eaLnBrk="1" latinLnBrk="0" hangingPunct="1">
+              <a:lnSpc>
+                <a:spcPct val="90000"/>
+              </a:lnSpc>
+              <a:spcBef>
+                <a:spcPts val="375"/>
+              </a:spcBef>
+              <a:buFont typeface="Arial" panose="020B0604020202020204" pitchFamily="34" charset="0"/>
+              <a:buChar char="•"/>
+              <a:defRPr sz="1350" kern="1200">
+                <a:solidFill>
+                  <a:schemeClr val="tx1"/>
+                </a:solidFill>
+                <a:latin typeface="+mn-lt"/>
+                <a:ea typeface="+mn-ea"/>
+                <a:cs typeface="+mn-cs"/>
+              </a:defRPr>
+            </a:lvl7pPr>
+            <a:lvl8pPr marL="2571750" indent="-171450" algn="l" defTabSz="685800" rtl="0" eaLnBrk="1" latinLnBrk="0" hangingPunct="1">
+              <a:lnSpc>
+                <a:spcPct val="90000"/>
+              </a:lnSpc>
+              <a:spcBef>
+                <a:spcPts val="375"/>
+              </a:spcBef>
+              <a:buFont typeface="Arial" panose="020B0604020202020204" pitchFamily="34" charset="0"/>
+              <a:buChar char="•"/>
+              <a:defRPr sz="1350" kern="1200">
+                <a:solidFill>
+                  <a:schemeClr val="tx1"/>
+                </a:solidFill>
+                <a:latin typeface="+mn-lt"/>
+                <a:ea typeface="+mn-ea"/>
+                <a:cs typeface="+mn-cs"/>
+              </a:defRPr>
+            </a:lvl8pPr>
+            <a:lvl9pPr marL="2914650" indent="-171450" algn="l" defTabSz="685800" rtl="0" eaLnBrk="1" latinLnBrk="0" hangingPunct="1">
+              <a:lnSpc>
+                <a:spcPct val="90000"/>
+              </a:lnSpc>
+              <a:spcBef>
+                <a:spcPts val="375"/>
+              </a:spcBef>
+              <a:buFont typeface="Arial" panose="020B0604020202020204" pitchFamily="34" charset="0"/>
+              <a:buChar char="•"/>
+              <a:defRPr sz="1350" kern="1200">
+                <a:solidFill>
+                  <a:schemeClr val="tx1"/>
+                </a:solidFill>
+                <a:latin typeface="+mn-lt"/>
+                <a:ea typeface="+mn-ea"/>
+                <a:cs typeface="+mn-cs"/>
+              </a:defRPr>
+            </a:lvl9pPr>
+          </a:lstStyle>
+          <a:p>
+            <a:pPr marL="0" indent="0">
+              <a:lnSpc>
+                <a:spcPct val="150000"/>
+              </a:lnSpc>
+              <a:buNone/>
+            </a:pPr>
+            <a:r>
+              <a:rPr lang="fr-FR" sz="3000" b="1" dirty="0">
+                <a:solidFill>
+                  <a:srgbClr val="004492"/>
+                </a:solidFill>
+                <a:latin typeface="Calibri (Corps)"/>
+              </a:rPr>
+              <a:t>Travaux complémentaires</a:t>
+            </a:r>
+          </a:p>
+        </p:txBody>
+      </p:sp>
+      <p:sp>
+        <p:nvSpPr>
+          <p:cNvPr id="8" name="Espace réservé du contenu 30"/>
+          <p:cNvSpPr txBox="1">
+            <a:spLocks/>
+          </p:cNvSpPr>
+          <p:nvPr/>
+        </p:nvSpPr>
+        <p:spPr>
+          <a:xfrm>
+            <a:off x="1064265" y="2476876"/>
+            <a:ext cx="7886700" cy="1053962"/>
+          </a:xfrm>
+          <a:prstGeom prst="rect">
+            <a:avLst/>
+          </a:prstGeom>
+        </p:spPr>
+        <p:txBody>
+          <a:bodyPr vert="horz" lIns="91440" tIns="45720" rIns="91440" bIns="45720" rtlCol="0">
+            <a:normAutofit/>
+          </a:bodyPr>
+          <a:lstStyle>
+            <a:lvl1pPr marL="171450" indent="-171450" algn="l" defTabSz="685800" rtl="0" eaLnBrk="1" latinLnBrk="0" hangingPunct="1">
+              <a:lnSpc>
+                <a:spcPct val="90000"/>
+              </a:lnSpc>
+              <a:spcBef>
+                <a:spcPts val="750"/>
+              </a:spcBef>
+              <a:buFont typeface="Arial" panose="020B0604020202020204" pitchFamily="34" charset="0"/>
+              <a:buChar char="•"/>
+              <a:defRPr sz="2100" kern="1200">
+                <a:solidFill>
+                  <a:schemeClr val="tx1"/>
+                </a:solidFill>
+                <a:latin typeface="+mn-lt"/>
+                <a:ea typeface="+mn-ea"/>
+                <a:cs typeface="+mn-cs"/>
+              </a:defRPr>
+            </a:lvl1pPr>
+            <a:lvl2pPr marL="514350" indent="-171450" algn="l" defTabSz="685800" rtl="0" eaLnBrk="1" latinLnBrk="0" hangingPunct="1">
+              <a:lnSpc>
+                <a:spcPct val="90000"/>
+              </a:lnSpc>
+              <a:spcBef>
+                <a:spcPts val="375"/>
+              </a:spcBef>
+              <a:buFont typeface="Arial" panose="020B0604020202020204" pitchFamily="34" charset="0"/>
+              <a:buChar char="•"/>
+              <a:defRPr sz="1800" kern="1200">
+                <a:solidFill>
+                  <a:schemeClr val="tx1"/>
+                </a:solidFill>
+                <a:latin typeface="+mn-lt"/>
+                <a:ea typeface="+mn-ea"/>
+                <a:cs typeface="+mn-cs"/>
+              </a:defRPr>
+            </a:lvl2pPr>
+            <a:lvl3pPr marL="857250" indent="-171450" algn="l" defTabSz="685800" rtl="0" eaLnBrk="1" latinLnBrk="0" hangingPunct="1">
+              <a:lnSpc>
+                <a:spcPct val="90000"/>
+              </a:lnSpc>
+              <a:spcBef>
+                <a:spcPts val="375"/>
+              </a:spcBef>
+              <a:buFont typeface="Arial" panose="020B0604020202020204" pitchFamily="34" charset="0"/>
+              <a:buChar char="•"/>
+              <a:defRPr sz="1500" kern="1200">
+                <a:solidFill>
+                  <a:schemeClr val="tx1"/>
+                </a:solidFill>
+                <a:latin typeface="+mn-lt"/>
+                <a:ea typeface="+mn-ea"/>
+                <a:cs typeface="+mn-cs"/>
+              </a:defRPr>
+            </a:lvl3pPr>
+            <a:lvl4pPr marL="1200150" indent="-171450" algn="l" defTabSz="685800" rtl="0" eaLnBrk="1" latinLnBrk="0" hangingPunct="1">
+              <a:lnSpc>
+                <a:spcPct val="90000"/>
+              </a:lnSpc>
+              <a:spcBef>
+                <a:spcPts val="375"/>
+              </a:spcBef>
+              <a:buFont typeface="Arial" panose="020B0604020202020204" pitchFamily="34" charset="0"/>
+              <a:buChar char="•"/>
+              <a:defRPr sz="1350" kern="1200">
+                <a:solidFill>
+                  <a:schemeClr val="tx1"/>
+                </a:solidFill>
+                <a:latin typeface="+mn-lt"/>
+                <a:ea typeface="+mn-ea"/>
+                <a:cs typeface="+mn-cs"/>
+              </a:defRPr>
+            </a:lvl4pPr>
+            <a:lvl5pPr marL="1543050" indent="-171450" algn="l" defTabSz="685800" rtl="0" eaLnBrk="1" latinLnBrk="0" hangingPunct="1">
+              <a:lnSpc>
+                <a:spcPct val="90000"/>
+              </a:lnSpc>
+              <a:spcBef>
+                <a:spcPts val="375"/>
+              </a:spcBef>
+              <a:buFont typeface="Arial" panose="020B0604020202020204" pitchFamily="34" charset="0"/>
+              <a:buChar char="•"/>
+              <a:defRPr sz="1350" kern="1200">
+                <a:solidFill>
+                  <a:schemeClr val="tx1"/>
+                </a:solidFill>
+                <a:latin typeface="+mn-lt"/>
+                <a:ea typeface="+mn-ea"/>
+                <a:cs typeface="+mn-cs"/>
+              </a:defRPr>
+            </a:lvl5pPr>
+            <a:lvl6pPr marL="1885950" indent="-171450" algn="l" defTabSz="685800" rtl="0" eaLnBrk="1" latinLnBrk="0" hangingPunct="1">
+              <a:lnSpc>
+                <a:spcPct val="90000"/>
+              </a:lnSpc>
+              <a:spcBef>
+                <a:spcPts val="375"/>
+              </a:spcBef>
+              <a:buFont typeface="Arial" panose="020B0604020202020204" pitchFamily="34" charset="0"/>
+              <a:buChar char="•"/>
+              <a:defRPr sz="1350" kern="1200">
+                <a:solidFill>
+                  <a:schemeClr val="tx1"/>
+                </a:solidFill>
+                <a:latin typeface="+mn-lt"/>
+                <a:ea typeface="+mn-ea"/>
+                <a:cs typeface="+mn-cs"/>
+              </a:defRPr>
+            </a:lvl6pPr>
+            <a:lvl7pPr marL="2228850" indent="-171450" algn="l" defTabSz="685800" rtl="0" eaLnBrk="1" latinLnBrk="0" hangingPunct="1">
+              <a:lnSpc>
+                <a:spcPct val="90000"/>
+              </a:lnSpc>
+              <a:spcBef>
+                <a:spcPts val="375"/>
+              </a:spcBef>
+              <a:buFont typeface="Arial" panose="020B0604020202020204" pitchFamily="34" charset="0"/>
+              <a:buChar char="•"/>
+              <a:defRPr sz="1350" kern="1200">
+                <a:solidFill>
+                  <a:schemeClr val="tx1"/>
+                </a:solidFill>
+                <a:latin typeface="+mn-lt"/>
+                <a:ea typeface="+mn-ea"/>
+                <a:cs typeface="+mn-cs"/>
+              </a:defRPr>
+            </a:lvl7pPr>
+            <a:lvl8pPr marL="2571750" indent="-171450" algn="l" defTabSz="685800" rtl="0" eaLnBrk="1" latinLnBrk="0" hangingPunct="1">
+              <a:lnSpc>
+                <a:spcPct val="90000"/>
+              </a:lnSpc>
+              <a:spcBef>
+                <a:spcPts val="375"/>
+              </a:spcBef>
+              <a:buFont typeface="Arial" panose="020B0604020202020204" pitchFamily="34" charset="0"/>
+              <a:buChar char="•"/>
+              <a:defRPr sz="1350" kern="1200">
+                <a:solidFill>
+                  <a:schemeClr val="tx1"/>
+                </a:solidFill>
+                <a:latin typeface="+mn-lt"/>
+                <a:ea typeface="+mn-ea"/>
+                <a:cs typeface="+mn-cs"/>
+              </a:defRPr>
+            </a:lvl8pPr>
+            <a:lvl9pPr marL="2914650" indent="-171450" algn="l" defTabSz="685800" rtl="0" eaLnBrk="1" latinLnBrk="0" hangingPunct="1">
+              <a:lnSpc>
+                <a:spcPct val="90000"/>
+              </a:lnSpc>
+              <a:spcBef>
+                <a:spcPts val="375"/>
+              </a:spcBef>
+              <a:buFont typeface="Arial" panose="020B0604020202020204" pitchFamily="34" charset="0"/>
+              <a:buChar char="•"/>
+              <a:defRPr sz="1350" kern="1200">
+                <a:solidFill>
+                  <a:schemeClr val="tx1"/>
+                </a:solidFill>
+                <a:latin typeface="+mn-lt"/>
+                <a:ea typeface="+mn-ea"/>
+                <a:cs typeface="+mn-cs"/>
+              </a:defRPr>
+            </a:lvl9pPr>
+          </a:lstStyle>
+          <a:p>
+            <a:pPr>
+              <a:lnSpc>
+                <a:spcPct val="150000"/>
+              </a:lnSpc>
+            </a:pPr>
+            <a:r>
+              <a:rPr lang="fr-FR" sz="2200" dirty="0">
+                <a:solidFill>
+                  <a:srgbClr val="004492"/>
+                </a:solidFill>
+                <a:latin typeface="Calibri (Corps)"/>
+              </a:rPr>
+              <a:t>Outil d’ajout de Version List</a:t>
+            </a:r>
+          </a:p>
+        </p:txBody>
+      </p:sp>
+      <p:sp>
+        <p:nvSpPr>
+          <p:cNvPr id="14" name="Espace réservé du contenu 30"/>
+          <p:cNvSpPr txBox="1">
+            <a:spLocks/>
+          </p:cNvSpPr>
+          <p:nvPr/>
+        </p:nvSpPr>
+        <p:spPr>
+          <a:xfrm>
+            <a:off x="1084118" y="2987697"/>
+            <a:ext cx="8059882" cy="1840781"/>
+          </a:xfrm>
+          <a:prstGeom prst="rect">
+            <a:avLst/>
+          </a:prstGeom>
+        </p:spPr>
+        <p:txBody>
+          <a:bodyPr vert="horz" lIns="91440" tIns="45720" rIns="91440" bIns="45720" rtlCol="0">
+            <a:normAutofit/>
+          </a:bodyPr>
+          <a:lstStyle>
+            <a:lvl1pPr marL="171450" indent="-171450" algn="l" defTabSz="685800" rtl="0" eaLnBrk="1" latinLnBrk="0" hangingPunct="1">
+              <a:lnSpc>
+                <a:spcPct val="90000"/>
+              </a:lnSpc>
+              <a:spcBef>
+                <a:spcPts val="750"/>
+              </a:spcBef>
+              <a:buFont typeface="Arial" panose="020B0604020202020204" pitchFamily="34" charset="0"/>
+              <a:buChar char="•"/>
+              <a:defRPr sz="2100" kern="1200">
+                <a:solidFill>
+                  <a:schemeClr val="tx1"/>
+                </a:solidFill>
+                <a:latin typeface="+mn-lt"/>
+                <a:ea typeface="+mn-ea"/>
+                <a:cs typeface="+mn-cs"/>
+              </a:defRPr>
+            </a:lvl1pPr>
+            <a:lvl2pPr marL="514350" indent="-171450" algn="l" defTabSz="685800" rtl="0" eaLnBrk="1" latinLnBrk="0" hangingPunct="1">
+              <a:lnSpc>
+                <a:spcPct val="90000"/>
+              </a:lnSpc>
+              <a:spcBef>
+                <a:spcPts val="375"/>
+              </a:spcBef>
+              <a:buFont typeface="Arial" panose="020B0604020202020204" pitchFamily="34" charset="0"/>
+              <a:buChar char="•"/>
+              <a:defRPr sz="1800" kern="1200">
+                <a:solidFill>
+                  <a:schemeClr val="tx1"/>
+                </a:solidFill>
+                <a:latin typeface="+mn-lt"/>
+                <a:ea typeface="+mn-ea"/>
+                <a:cs typeface="+mn-cs"/>
+              </a:defRPr>
+            </a:lvl2pPr>
+            <a:lvl3pPr marL="857250" indent="-171450" algn="l" defTabSz="685800" rtl="0" eaLnBrk="1" latinLnBrk="0" hangingPunct="1">
+              <a:lnSpc>
+                <a:spcPct val="90000"/>
+              </a:lnSpc>
+              <a:spcBef>
+                <a:spcPts val="375"/>
+              </a:spcBef>
+              <a:buFont typeface="Arial" panose="020B0604020202020204" pitchFamily="34" charset="0"/>
+              <a:buChar char="•"/>
+              <a:defRPr sz="1500" kern="1200">
+                <a:solidFill>
+                  <a:schemeClr val="tx1"/>
+                </a:solidFill>
+                <a:latin typeface="+mn-lt"/>
+                <a:ea typeface="+mn-ea"/>
+                <a:cs typeface="+mn-cs"/>
+              </a:defRPr>
+            </a:lvl3pPr>
+            <a:lvl4pPr marL="1200150" indent="-171450" algn="l" defTabSz="685800" rtl="0" eaLnBrk="1" latinLnBrk="0" hangingPunct="1">
+              <a:lnSpc>
+                <a:spcPct val="90000"/>
+              </a:lnSpc>
+              <a:spcBef>
+                <a:spcPts val="375"/>
+              </a:spcBef>
+              <a:buFont typeface="Arial" panose="020B0604020202020204" pitchFamily="34" charset="0"/>
+              <a:buChar char="•"/>
+              <a:defRPr sz="1350" kern="1200">
+                <a:solidFill>
+                  <a:schemeClr val="tx1"/>
+                </a:solidFill>
+                <a:latin typeface="+mn-lt"/>
+                <a:ea typeface="+mn-ea"/>
+                <a:cs typeface="+mn-cs"/>
+              </a:defRPr>
+            </a:lvl4pPr>
+            <a:lvl5pPr marL="1543050" indent="-171450" algn="l" defTabSz="685800" rtl="0" eaLnBrk="1" latinLnBrk="0" hangingPunct="1">
+              <a:lnSpc>
+                <a:spcPct val="90000"/>
+              </a:lnSpc>
+              <a:spcBef>
+                <a:spcPts val="375"/>
+              </a:spcBef>
+              <a:buFont typeface="Arial" panose="020B0604020202020204" pitchFamily="34" charset="0"/>
+              <a:buChar char="•"/>
+              <a:defRPr sz="1350" kern="1200">
+                <a:solidFill>
+                  <a:schemeClr val="tx1"/>
+                </a:solidFill>
+                <a:latin typeface="+mn-lt"/>
+                <a:ea typeface="+mn-ea"/>
+                <a:cs typeface="+mn-cs"/>
+              </a:defRPr>
+            </a:lvl5pPr>
+            <a:lvl6pPr marL="1885950" indent="-171450" algn="l" defTabSz="685800" rtl="0" eaLnBrk="1" latinLnBrk="0" hangingPunct="1">
+              <a:lnSpc>
+                <a:spcPct val="90000"/>
+              </a:lnSpc>
+              <a:spcBef>
+                <a:spcPts val="375"/>
+              </a:spcBef>
+              <a:buFont typeface="Arial" panose="020B0604020202020204" pitchFamily="34" charset="0"/>
+              <a:buChar char="•"/>
+              <a:defRPr sz="1350" kern="1200">
+                <a:solidFill>
+                  <a:schemeClr val="tx1"/>
+                </a:solidFill>
+                <a:latin typeface="+mn-lt"/>
+                <a:ea typeface="+mn-ea"/>
+                <a:cs typeface="+mn-cs"/>
+              </a:defRPr>
+            </a:lvl6pPr>
+            <a:lvl7pPr marL="2228850" indent="-171450" algn="l" defTabSz="685800" rtl="0" eaLnBrk="1" latinLnBrk="0" hangingPunct="1">
+              <a:lnSpc>
+                <a:spcPct val="90000"/>
+              </a:lnSpc>
+              <a:spcBef>
+                <a:spcPts val="375"/>
+              </a:spcBef>
+              <a:buFont typeface="Arial" panose="020B0604020202020204" pitchFamily="34" charset="0"/>
+              <a:buChar char="•"/>
+              <a:defRPr sz="1350" kern="1200">
+                <a:solidFill>
+                  <a:schemeClr val="tx1"/>
+                </a:solidFill>
+                <a:latin typeface="+mn-lt"/>
+                <a:ea typeface="+mn-ea"/>
+                <a:cs typeface="+mn-cs"/>
+              </a:defRPr>
+            </a:lvl7pPr>
+            <a:lvl8pPr marL="2571750" indent="-171450" algn="l" defTabSz="685800" rtl="0" eaLnBrk="1" latinLnBrk="0" hangingPunct="1">
+              <a:lnSpc>
+                <a:spcPct val="90000"/>
+              </a:lnSpc>
+              <a:spcBef>
+                <a:spcPts val="375"/>
+              </a:spcBef>
+              <a:buFont typeface="Arial" panose="020B0604020202020204" pitchFamily="34" charset="0"/>
+              <a:buChar char="•"/>
+              <a:defRPr sz="1350" kern="1200">
+                <a:solidFill>
+                  <a:schemeClr val="tx1"/>
+                </a:solidFill>
+                <a:latin typeface="+mn-lt"/>
+                <a:ea typeface="+mn-ea"/>
+                <a:cs typeface="+mn-cs"/>
+              </a:defRPr>
+            </a:lvl8pPr>
+            <a:lvl9pPr marL="2914650" indent="-171450" algn="l" defTabSz="685800" rtl="0" eaLnBrk="1" latinLnBrk="0" hangingPunct="1">
+              <a:lnSpc>
+                <a:spcPct val="90000"/>
+              </a:lnSpc>
+              <a:spcBef>
+                <a:spcPts val="375"/>
+              </a:spcBef>
+              <a:buFont typeface="Arial" panose="020B0604020202020204" pitchFamily="34" charset="0"/>
+              <a:buChar char="•"/>
+              <a:defRPr sz="1350" kern="1200">
+                <a:solidFill>
+                  <a:schemeClr val="tx1"/>
+                </a:solidFill>
+                <a:latin typeface="+mn-lt"/>
+                <a:ea typeface="+mn-ea"/>
+                <a:cs typeface="+mn-cs"/>
+              </a:defRPr>
+            </a:lvl9pPr>
+          </a:lstStyle>
+          <a:p>
+            <a:pPr lvl="1">
+              <a:lnSpc>
+                <a:spcPct val="250000"/>
+              </a:lnSpc>
+              <a:buFont typeface="Wingdings" panose="05000000000000000000" pitchFamily="2" charset="2"/>
+              <a:buChar char="§"/>
+            </a:pPr>
+            <a:r>
+              <a:rPr lang="fr-FR" sz="2000" dirty="0">
+                <a:solidFill>
+                  <a:srgbClr val="004492"/>
+                </a:solidFill>
+                <a:latin typeface="Calibri (Corps)"/>
+              </a:rPr>
+              <a:t>Version List : regroupe objets d’un même vertical</a:t>
+            </a:r>
+          </a:p>
+          <a:p>
+            <a:pPr lvl="1">
+              <a:lnSpc>
+                <a:spcPct val="250000"/>
+              </a:lnSpc>
+              <a:buFont typeface="Wingdings" panose="05000000000000000000" pitchFamily="2" charset="2"/>
+              <a:buChar char="§"/>
+            </a:pPr>
+            <a:r>
+              <a:rPr lang="fr-FR" sz="2000" dirty="0">
+                <a:solidFill>
+                  <a:srgbClr val="004492"/>
+                </a:solidFill>
+                <a:latin typeface="Calibri (Corps)"/>
+              </a:rPr>
+              <a:t>Version List : comporte un numéro de version du vertical</a:t>
+            </a:r>
+          </a:p>
+          <a:p>
+            <a:pPr lvl="1">
+              <a:lnSpc>
+                <a:spcPct val="250000"/>
+              </a:lnSpc>
+            </a:pPr>
+            <a:endParaRPr lang="fr-FR" sz="2000" dirty="0">
+              <a:solidFill>
+                <a:srgbClr val="004492"/>
+              </a:solidFill>
+              <a:latin typeface="Calibri (Corps)"/>
+            </a:endParaRPr>
+          </a:p>
+        </p:txBody>
+      </p:sp>
+      <p:sp>
+        <p:nvSpPr>
+          <p:cNvPr id="17" name="Espace réservé du contenu 2"/>
+          <p:cNvSpPr txBox="1">
+            <a:spLocks/>
+          </p:cNvSpPr>
+          <p:nvPr/>
+        </p:nvSpPr>
+        <p:spPr>
+          <a:xfrm>
+            <a:off x="1972902" y="5062802"/>
+            <a:ext cx="7886700" cy="1948555"/>
+          </a:xfrm>
+          <a:prstGeom prst="rect">
+            <a:avLst/>
+          </a:prstGeom>
+        </p:spPr>
+        <p:txBody>
+          <a:bodyPr vert="horz" lIns="91440" tIns="45720" rIns="91440" bIns="45720" rtlCol="0">
+            <a:noAutofit/>
+          </a:bodyPr>
+          <a:lstStyle>
+            <a:lvl1pPr marL="171450" indent="-171450" algn="l" defTabSz="685800" rtl="0" eaLnBrk="1" latinLnBrk="0" hangingPunct="1">
+              <a:lnSpc>
+                <a:spcPct val="90000"/>
+              </a:lnSpc>
+              <a:spcBef>
+                <a:spcPts val="750"/>
+              </a:spcBef>
+              <a:buFont typeface="Arial" panose="020B0604020202020204" pitchFamily="34" charset="0"/>
+              <a:buChar char="•"/>
+              <a:defRPr sz="2100" kern="1200">
+                <a:solidFill>
+                  <a:schemeClr val="tx1"/>
+                </a:solidFill>
+                <a:latin typeface="+mn-lt"/>
+                <a:ea typeface="+mn-ea"/>
+                <a:cs typeface="+mn-cs"/>
+              </a:defRPr>
+            </a:lvl1pPr>
+            <a:lvl2pPr marL="514350" indent="-171450" algn="l" defTabSz="685800" rtl="0" eaLnBrk="1" latinLnBrk="0" hangingPunct="1">
+              <a:lnSpc>
+                <a:spcPct val="90000"/>
+              </a:lnSpc>
+              <a:spcBef>
+                <a:spcPts val="375"/>
+              </a:spcBef>
+              <a:buFont typeface="Arial" panose="020B0604020202020204" pitchFamily="34" charset="0"/>
+              <a:buChar char="•"/>
+              <a:defRPr sz="1800" kern="1200">
+                <a:solidFill>
+                  <a:schemeClr val="tx1"/>
+                </a:solidFill>
+                <a:latin typeface="+mn-lt"/>
+                <a:ea typeface="+mn-ea"/>
+                <a:cs typeface="+mn-cs"/>
+              </a:defRPr>
+            </a:lvl2pPr>
+            <a:lvl3pPr marL="857250" indent="-171450" algn="l" defTabSz="685800" rtl="0" eaLnBrk="1" latinLnBrk="0" hangingPunct="1">
+              <a:lnSpc>
+                <a:spcPct val="90000"/>
+              </a:lnSpc>
+              <a:spcBef>
+                <a:spcPts val="375"/>
+              </a:spcBef>
+              <a:buFont typeface="Arial" panose="020B0604020202020204" pitchFamily="34" charset="0"/>
+              <a:buChar char="•"/>
+              <a:defRPr sz="1500" kern="1200">
+                <a:solidFill>
+                  <a:schemeClr val="tx1"/>
+                </a:solidFill>
+                <a:latin typeface="+mn-lt"/>
+                <a:ea typeface="+mn-ea"/>
+                <a:cs typeface="+mn-cs"/>
+              </a:defRPr>
+            </a:lvl3pPr>
+            <a:lvl4pPr marL="1200150" indent="-171450" algn="l" defTabSz="685800" rtl="0" eaLnBrk="1" latinLnBrk="0" hangingPunct="1">
+              <a:lnSpc>
+                <a:spcPct val="90000"/>
+              </a:lnSpc>
+              <a:spcBef>
+                <a:spcPts val="375"/>
+              </a:spcBef>
+              <a:buFont typeface="Arial" panose="020B0604020202020204" pitchFamily="34" charset="0"/>
+              <a:buChar char="•"/>
+              <a:defRPr sz="1350" kern="1200">
+                <a:solidFill>
+                  <a:schemeClr val="tx1"/>
+                </a:solidFill>
+                <a:latin typeface="+mn-lt"/>
+                <a:ea typeface="+mn-ea"/>
+                <a:cs typeface="+mn-cs"/>
+              </a:defRPr>
+            </a:lvl4pPr>
+            <a:lvl5pPr marL="1543050" indent="-171450" algn="l" defTabSz="685800" rtl="0" eaLnBrk="1" latinLnBrk="0" hangingPunct="1">
+              <a:lnSpc>
+                <a:spcPct val="90000"/>
+              </a:lnSpc>
+              <a:spcBef>
+                <a:spcPts val="375"/>
+              </a:spcBef>
+              <a:buFont typeface="Arial" panose="020B0604020202020204" pitchFamily="34" charset="0"/>
+              <a:buChar char="•"/>
+              <a:defRPr sz="1350" kern="1200">
+                <a:solidFill>
+                  <a:schemeClr val="tx1"/>
+                </a:solidFill>
+                <a:latin typeface="+mn-lt"/>
+                <a:ea typeface="+mn-ea"/>
+                <a:cs typeface="+mn-cs"/>
+              </a:defRPr>
+            </a:lvl5pPr>
+            <a:lvl6pPr marL="1885950" indent="-171450" algn="l" defTabSz="685800" rtl="0" eaLnBrk="1" latinLnBrk="0" hangingPunct="1">
+              <a:lnSpc>
+                <a:spcPct val="90000"/>
+              </a:lnSpc>
+              <a:spcBef>
+                <a:spcPts val="375"/>
+              </a:spcBef>
+              <a:buFont typeface="Arial" panose="020B0604020202020204" pitchFamily="34" charset="0"/>
+              <a:buChar char="•"/>
+              <a:defRPr sz="1350" kern="1200">
+                <a:solidFill>
+                  <a:schemeClr val="tx1"/>
+                </a:solidFill>
+                <a:latin typeface="+mn-lt"/>
+                <a:ea typeface="+mn-ea"/>
+                <a:cs typeface="+mn-cs"/>
+              </a:defRPr>
+            </a:lvl6pPr>
+            <a:lvl7pPr marL="2228850" indent="-171450" algn="l" defTabSz="685800" rtl="0" eaLnBrk="1" latinLnBrk="0" hangingPunct="1">
+              <a:lnSpc>
+                <a:spcPct val="90000"/>
+              </a:lnSpc>
+              <a:spcBef>
+                <a:spcPts val="375"/>
+              </a:spcBef>
+              <a:buFont typeface="Arial" panose="020B0604020202020204" pitchFamily="34" charset="0"/>
+              <a:buChar char="•"/>
+              <a:defRPr sz="1350" kern="1200">
+                <a:solidFill>
+                  <a:schemeClr val="tx1"/>
+                </a:solidFill>
+                <a:latin typeface="+mn-lt"/>
+                <a:ea typeface="+mn-ea"/>
+                <a:cs typeface="+mn-cs"/>
+              </a:defRPr>
+            </a:lvl7pPr>
+            <a:lvl8pPr marL="2571750" indent="-171450" algn="l" defTabSz="685800" rtl="0" eaLnBrk="1" latinLnBrk="0" hangingPunct="1">
+              <a:lnSpc>
+                <a:spcPct val="90000"/>
+              </a:lnSpc>
+              <a:spcBef>
+                <a:spcPts val="375"/>
+              </a:spcBef>
+              <a:buFont typeface="Arial" panose="020B0604020202020204" pitchFamily="34" charset="0"/>
+              <a:buChar char="•"/>
+              <a:defRPr sz="1350" kern="1200">
+                <a:solidFill>
+                  <a:schemeClr val="tx1"/>
+                </a:solidFill>
+                <a:latin typeface="+mn-lt"/>
+                <a:ea typeface="+mn-ea"/>
+                <a:cs typeface="+mn-cs"/>
+              </a:defRPr>
+            </a:lvl8pPr>
+            <a:lvl9pPr marL="2914650" indent="-171450" algn="l" defTabSz="685800" rtl="0" eaLnBrk="1" latinLnBrk="0" hangingPunct="1">
+              <a:lnSpc>
+                <a:spcPct val="90000"/>
+              </a:lnSpc>
+              <a:spcBef>
+                <a:spcPts val="375"/>
+              </a:spcBef>
+              <a:buFont typeface="Arial" panose="020B0604020202020204" pitchFamily="34" charset="0"/>
+              <a:buChar char="•"/>
+              <a:defRPr sz="1350" kern="1200">
+                <a:solidFill>
+                  <a:schemeClr val="tx1"/>
+                </a:solidFill>
+                <a:latin typeface="+mn-lt"/>
+                <a:ea typeface="+mn-ea"/>
+                <a:cs typeface="+mn-cs"/>
+              </a:defRPr>
+            </a:lvl9pPr>
+          </a:lstStyle>
+          <a:p>
+            <a:pPr marL="0" indent="0">
+              <a:buNone/>
+            </a:pPr>
+            <a:r>
+              <a:rPr lang="fr-FR" sz="2000" b="1" dirty="0">
+                <a:solidFill>
+                  <a:srgbClr val="004492"/>
+                </a:solidFill>
+                <a:latin typeface="Calibri (Corps)"/>
+                <a:sym typeface="Wingdings" panose="05000000000000000000" pitchFamily="2" charset="2"/>
+              </a:rPr>
+              <a:t>Indispensable pour passer le test de certification</a:t>
+            </a:r>
+            <a:endParaRPr lang="fr-FR" sz="2000" b="1" dirty="0">
+              <a:solidFill>
+                <a:srgbClr val="004492"/>
+              </a:solidFill>
+              <a:latin typeface="Calibri (Corps)"/>
+            </a:endParaRPr>
+          </a:p>
+        </p:txBody>
+      </p:sp>
+      <p:sp>
+        <p:nvSpPr>
+          <p:cNvPr id="18" name="Flèche : droite 17"/>
+          <p:cNvSpPr/>
+          <p:nvPr/>
+        </p:nvSpPr>
+        <p:spPr>
+          <a:xfrm>
+            <a:off x="1064603" y="5062802"/>
+            <a:ext cx="680224" cy="320125"/>
+          </a:xfrm>
+          <a:prstGeom prst="rightArrow">
+            <a:avLst/>
+          </a:prstGeom>
+          <a:solidFill>
+            <a:srgbClr val="004492"/>
+          </a:solidFill>
+          <a:ln>
+            <a:solidFill>
+              <a:srgbClr val="004492"/>
+            </a:solidFill>
+          </a:ln>
+        </p:spPr>
+        <p:style>
+          <a:lnRef idx="2">
+            <a:schemeClr val="accent6"/>
+          </a:lnRef>
+          <a:fillRef idx="1">
+            <a:schemeClr val="lt1"/>
+          </a:fillRef>
+          <a:effectRef idx="0">
+            <a:schemeClr val="accent6"/>
+          </a:effectRef>
+          <a:fontRef idx="minor">
+            <a:schemeClr val="dk1"/>
+          </a:fontRef>
+        </p:style>
+        <p:txBody>
+          <a:bodyPr rtlCol="0" anchor="ctr"/>
+          <a:lstStyle/>
+          <a:p>
+            <a:pPr algn="ctr"/>
+            <a:endParaRPr lang="fr-FR">
+              <a:solidFill>
+                <a:srgbClr val="0070C0"/>
+              </a:solidFill>
+            </a:endParaRPr>
+          </a:p>
+        </p:txBody>
+      </p:sp>
+    </p:spTree>
+    <p:extLst>
+      <p:ext uri="{BB962C8B-B14F-4D97-AF65-F5344CB8AC3E}">
+        <p14:creationId xmlns:p14="http://schemas.microsoft.com/office/powerpoint/2010/main" val="1111467202"/>
+      </p:ext>
+    </p:extLst>
+  </p:cSld>
+  <p:clrMapOvr>
+    <a:masterClrMapping/>
+  </p:clrMapOvr>
+</p:sld>
+</file>
+
+<file path=ppt/slides/slide29.xml><?xml version="1.0" encoding="utf-8"?>
+<p:sld xmlns:a="http://schemas.openxmlformats.org/drawingml/2006/main" xmlns:r="http://schemas.openxmlformats.org/officeDocument/2006/relationships" xmlns:p="http://schemas.openxmlformats.org/presentationml/2006/main">
+  <p:cSld>
+    <p:spTree>
+      <p:nvGrpSpPr>
+        <p:cNvPr id="1" name=""/>
+        <p:cNvGrpSpPr/>
+        <p:nvPr/>
+      </p:nvGrpSpPr>
+      <p:grpSpPr>
+        <a:xfrm>
+          <a:off x="0" y="0"/>
+          <a:ext cx="0" cy="0"/>
+          <a:chOff x="0" y="0"/>
+          <a:chExt cx="0" cy="0"/>
+        </a:xfrm>
+      </p:grpSpPr>
+      <p:sp>
+        <p:nvSpPr>
+          <p:cNvPr id="2" name="Titre 1"/>
+          <p:cNvSpPr>
+            <a:spLocks noGrp="1"/>
+          </p:cNvSpPr>
+          <p:nvPr>
+            <p:ph type="title"/>
+          </p:nvPr>
+        </p:nvSpPr>
+        <p:spPr>
+          <a:xfrm>
+            <a:off x="245917" y="0"/>
+            <a:ext cx="6347713" cy="1320800"/>
+          </a:xfrm>
+        </p:spPr>
+        <p:txBody>
+          <a:bodyPr>
+            <a:normAutofit/>
+          </a:bodyPr>
+          <a:lstStyle/>
+          <a:p>
+            <a:r>
+              <a:rPr lang="fr-FR" sz="3500" dirty="0">
+                <a:solidFill>
+                  <a:schemeClr val="bg1"/>
+                </a:solidFill>
+                <a:latin typeface="Eurostile-Roman" pitchFamily="2" charset="0"/>
+              </a:rPr>
+              <a:t>Développement </a:t>
+            </a:r>
+            <a:br>
+              <a:rPr lang="fr-FR" sz="3500" dirty="0">
+                <a:solidFill>
+                  <a:schemeClr val="bg1"/>
+                </a:solidFill>
+                <a:latin typeface="Eurostile-Roman" pitchFamily="2" charset="0"/>
+              </a:rPr>
+            </a:br>
+            <a:r>
+              <a:rPr lang="fr-FR" sz="3500" dirty="0">
+                <a:solidFill>
+                  <a:schemeClr val="bg1"/>
+                </a:solidFill>
+                <a:latin typeface="Eurostile-Roman" pitchFamily="2" charset="0"/>
+              </a:rPr>
+              <a:t>de la solution</a:t>
+            </a:r>
+          </a:p>
+        </p:txBody>
+      </p:sp>
+      <p:sp>
+        <p:nvSpPr>
+          <p:cNvPr id="11" name="Espace réservé du numéro de diapositive 1"/>
+          <p:cNvSpPr>
+            <a:spLocks noGrp="1"/>
+          </p:cNvSpPr>
+          <p:nvPr>
+            <p:ph type="sldNum" sz="quarter" idx="12"/>
+          </p:nvPr>
+        </p:nvSpPr>
+        <p:spPr>
+          <a:xfrm>
+            <a:off x="6603423" y="6255991"/>
+            <a:ext cx="2057400" cy="365125"/>
+          </a:xfrm>
+        </p:spPr>
+        <p:txBody>
+          <a:bodyPr/>
+          <a:lstStyle/>
+          <a:p>
+            <a:r>
+              <a:rPr lang="fr-FR" sz="1800" dirty="0">
+                <a:latin typeface="Eurostile-Roman" pitchFamily="2" charset="0"/>
+              </a:rPr>
+              <a:t>Diapositive </a:t>
+            </a:r>
+            <a:fld id="{0A0AF257-D28F-495E-9E53-3BED59B8AA35}" type="slidenum">
+              <a:rPr lang="fr-FR" sz="1800" smtClean="0">
+                <a:latin typeface="Eurostile-Roman" pitchFamily="2" charset="0"/>
+              </a:rPr>
+              <a:t>29</a:t>
             </a:fld>
             <a:endParaRPr lang="fr-FR" sz="1800" dirty="0">
               <a:latin typeface="Eurostile-Roman" pitchFamily="2" charset="0"/>
@@ -13916,849 +15487,6 @@
 </p:sld>
 </file>
 
-<file path=ppt/slides/slide29.xml><?xml version="1.0" encoding="utf-8"?>
-<p:sld xmlns:a="http://schemas.openxmlformats.org/drawingml/2006/main" xmlns:r="http://schemas.openxmlformats.org/officeDocument/2006/relationships" xmlns:p="http://schemas.openxmlformats.org/presentationml/2006/main">
-  <p:cSld>
-    <p:spTree>
-      <p:nvGrpSpPr>
-        <p:cNvPr id="1" name=""/>
-        <p:cNvGrpSpPr/>
-        <p:nvPr/>
-      </p:nvGrpSpPr>
-      <p:grpSpPr>
-        <a:xfrm>
-          <a:off x="0" y="0"/>
-          <a:ext cx="0" cy="0"/>
-          <a:chOff x="0" y="0"/>
-          <a:chExt cx="0" cy="0"/>
-        </a:xfrm>
-      </p:grpSpPr>
-      <p:sp>
-        <p:nvSpPr>
-          <p:cNvPr id="2" name="Titre 1"/>
-          <p:cNvSpPr>
-            <a:spLocks noGrp="1"/>
-          </p:cNvSpPr>
-          <p:nvPr>
-            <p:ph type="title"/>
-          </p:nvPr>
-        </p:nvSpPr>
-        <p:spPr>
-          <a:xfrm>
-            <a:off x="245917" y="0"/>
-            <a:ext cx="6347713" cy="1320800"/>
-          </a:xfrm>
-        </p:spPr>
-        <p:txBody>
-          <a:bodyPr>
-            <a:normAutofit/>
-          </a:bodyPr>
-          <a:lstStyle/>
-          <a:p>
-            <a:r>
-              <a:rPr lang="fr-FR" sz="3500" dirty="0">
-                <a:solidFill>
-                  <a:schemeClr val="bg1"/>
-                </a:solidFill>
-                <a:latin typeface="Eurostile-Roman" pitchFamily="2" charset="0"/>
-              </a:rPr>
-              <a:t>Développement </a:t>
-            </a:r>
-            <a:br>
-              <a:rPr lang="fr-FR" sz="3500" dirty="0">
-                <a:solidFill>
-                  <a:schemeClr val="bg1"/>
-                </a:solidFill>
-                <a:latin typeface="Eurostile-Roman" pitchFamily="2" charset="0"/>
-              </a:rPr>
-            </a:br>
-            <a:r>
-              <a:rPr lang="fr-FR" sz="3500" dirty="0">
-                <a:solidFill>
-                  <a:schemeClr val="bg1"/>
-                </a:solidFill>
-                <a:latin typeface="Eurostile-Roman" pitchFamily="2" charset="0"/>
-              </a:rPr>
-              <a:t>de la solution</a:t>
-            </a:r>
-          </a:p>
-        </p:txBody>
-      </p:sp>
-      <p:sp>
-        <p:nvSpPr>
-          <p:cNvPr id="11" name="Espace réservé du numéro de diapositive 1"/>
-          <p:cNvSpPr>
-            <a:spLocks noGrp="1"/>
-          </p:cNvSpPr>
-          <p:nvPr>
-            <p:ph type="sldNum" sz="quarter" idx="12"/>
-          </p:nvPr>
-        </p:nvSpPr>
-        <p:spPr>
-          <a:xfrm>
-            <a:off x="6603423" y="6255991"/>
-            <a:ext cx="2057400" cy="365125"/>
-          </a:xfrm>
-        </p:spPr>
-        <p:txBody>
-          <a:bodyPr/>
-          <a:lstStyle/>
-          <a:p>
-            <a:r>
-              <a:rPr lang="fr-FR" sz="1800" dirty="0">
-                <a:latin typeface="Eurostile-Roman" pitchFamily="2" charset="0"/>
-              </a:rPr>
-              <a:t>Diapositive </a:t>
-            </a:r>
-            <a:fld id="{0A0AF257-D28F-495E-9E53-3BED59B8AA35}" type="slidenum">
-              <a:rPr lang="fr-FR" sz="1800" smtClean="0">
-                <a:latin typeface="Eurostile-Roman" pitchFamily="2" charset="0"/>
-              </a:rPr>
-              <a:t>29</a:t>
-            </a:fld>
-            <a:endParaRPr lang="fr-FR" sz="1800" dirty="0">
-              <a:latin typeface="Eurostile-Roman" pitchFamily="2" charset="0"/>
-            </a:endParaRPr>
-          </a:p>
-        </p:txBody>
-      </p:sp>
-      <p:sp>
-        <p:nvSpPr>
-          <p:cNvPr id="7" name="Espace réservé du contenu 30"/>
-          <p:cNvSpPr txBox="1">
-            <a:spLocks/>
-          </p:cNvSpPr>
-          <p:nvPr/>
-        </p:nvSpPr>
-        <p:spPr>
-          <a:xfrm>
-            <a:off x="1084118" y="2852756"/>
-            <a:ext cx="8059882" cy="1987022"/>
-          </a:xfrm>
-          <a:prstGeom prst="rect">
-            <a:avLst/>
-          </a:prstGeom>
-        </p:spPr>
-        <p:txBody>
-          <a:bodyPr vert="horz" lIns="91440" tIns="45720" rIns="91440" bIns="45720" rtlCol="0">
-            <a:normAutofit/>
-          </a:bodyPr>
-          <a:lstStyle>
-            <a:lvl1pPr marL="171450" indent="-171450" algn="l" defTabSz="685800" rtl="0" eaLnBrk="1" latinLnBrk="0" hangingPunct="1">
-              <a:lnSpc>
-                <a:spcPct val="90000"/>
-              </a:lnSpc>
-              <a:spcBef>
-                <a:spcPts val="750"/>
-              </a:spcBef>
-              <a:buFont typeface="Arial" panose="020B0604020202020204" pitchFamily="34" charset="0"/>
-              <a:buChar char="•"/>
-              <a:defRPr sz="2100" kern="1200">
-                <a:solidFill>
-                  <a:schemeClr val="tx1"/>
-                </a:solidFill>
-                <a:latin typeface="+mn-lt"/>
-                <a:ea typeface="+mn-ea"/>
-                <a:cs typeface="+mn-cs"/>
-              </a:defRPr>
-            </a:lvl1pPr>
-            <a:lvl2pPr marL="514350" indent="-171450" algn="l" defTabSz="685800" rtl="0" eaLnBrk="1" latinLnBrk="0" hangingPunct="1">
-              <a:lnSpc>
-                <a:spcPct val="90000"/>
-              </a:lnSpc>
-              <a:spcBef>
-                <a:spcPts val="375"/>
-              </a:spcBef>
-              <a:buFont typeface="Arial" panose="020B0604020202020204" pitchFamily="34" charset="0"/>
-              <a:buChar char="•"/>
-              <a:defRPr sz="1800" kern="1200">
-                <a:solidFill>
-                  <a:schemeClr val="tx1"/>
-                </a:solidFill>
-                <a:latin typeface="+mn-lt"/>
-                <a:ea typeface="+mn-ea"/>
-                <a:cs typeface="+mn-cs"/>
-              </a:defRPr>
-            </a:lvl2pPr>
-            <a:lvl3pPr marL="857250" indent="-171450" algn="l" defTabSz="685800" rtl="0" eaLnBrk="1" latinLnBrk="0" hangingPunct="1">
-              <a:lnSpc>
-                <a:spcPct val="90000"/>
-              </a:lnSpc>
-              <a:spcBef>
-                <a:spcPts val="375"/>
-              </a:spcBef>
-              <a:buFont typeface="Arial" panose="020B0604020202020204" pitchFamily="34" charset="0"/>
-              <a:buChar char="•"/>
-              <a:defRPr sz="1500" kern="1200">
-                <a:solidFill>
-                  <a:schemeClr val="tx1"/>
-                </a:solidFill>
-                <a:latin typeface="+mn-lt"/>
-                <a:ea typeface="+mn-ea"/>
-                <a:cs typeface="+mn-cs"/>
-              </a:defRPr>
-            </a:lvl3pPr>
-            <a:lvl4pPr marL="1200150" indent="-171450" algn="l" defTabSz="685800" rtl="0" eaLnBrk="1" latinLnBrk="0" hangingPunct="1">
-              <a:lnSpc>
-                <a:spcPct val="90000"/>
-              </a:lnSpc>
-              <a:spcBef>
-                <a:spcPts val="375"/>
-              </a:spcBef>
-              <a:buFont typeface="Arial" panose="020B0604020202020204" pitchFamily="34" charset="0"/>
-              <a:buChar char="•"/>
-              <a:defRPr sz="1350" kern="1200">
-                <a:solidFill>
-                  <a:schemeClr val="tx1"/>
-                </a:solidFill>
-                <a:latin typeface="+mn-lt"/>
-                <a:ea typeface="+mn-ea"/>
-                <a:cs typeface="+mn-cs"/>
-              </a:defRPr>
-            </a:lvl4pPr>
-            <a:lvl5pPr marL="1543050" indent="-171450" algn="l" defTabSz="685800" rtl="0" eaLnBrk="1" latinLnBrk="0" hangingPunct="1">
-              <a:lnSpc>
-                <a:spcPct val="90000"/>
-              </a:lnSpc>
-              <a:spcBef>
-                <a:spcPts val="375"/>
-              </a:spcBef>
-              <a:buFont typeface="Arial" panose="020B0604020202020204" pitchFamily="34" charset="0"/>
-              <a:buChar char="•"/>
-              <a:defRPr sz="1350" kern="1200">
-                <a:solidFill>
-                  <a:schemeClr val="tx1"/>
-                </a:solidFill>
-                <a:latin typeface="+mn-lt"/>
-                <a:ea typeface="+mn-ea"/>
-                <a:cs typeface="+mn-cs"/>
-              </a:defRPr>
-            </a:lvl5pPr>
-            <a:lvl6pPr marL="1885950" indent="-171450" algn="l" defTabSz="685800" rtl="0" eaLnBrk="1" latinLnBrk="0" hangingPunct="1">
-              <a:lnSpc>
-                <a:spcPct val="90000"/>
-              </a:lnSpc>
-              <a:spcBef>
-                <a:spcPts val="375"/>
-              </a:spcBef>
-              <a:buFont typeface="Arial" panose="020B0604020202020204" pitchFamily="34" charset="0"/>
-              <a:buChar char="•"/>
-              <a:defRPr sz="1350" kern="1200">
-                <a:solidFill>
-                  <a:schemeClr val="tx1"/>
-                </a:solidFill>
-                <a:latin typeface="+mn-lt"/>
-                <a:ea typeface="+mn-ea"/>
-                <a:cs typeface="+mn-cs"/>
-              </a:defRPr>
-            </a:lvl6pPr>
-            <a:lvl7pPr marL="2228850" indent="-171450" algn="l" defTabSz="685800" rtl="0" eaLnBrk="1" latinLnBrk="0" hangingPunct="1">
-              <a:lnSpc>
-                <a:spcPct val="90000"/>
-              </a:lnSpc>
-              <a:spcBef>
-                <a:spcPts val="375"/>
-              </a:spcBef>
-              <a:buFont typeface="Arial" panose="020B0604020202020204" pitchFamily="34" charset="0"/>
-              <a:buChar char="•"/>
-              <a:defRPr sz="1350" kern="1200">
-                <a:solidFill>
-                  <a:schemeClr val="tx1"/>
-                </a:solidFill>
-                <a:latin typeface="+mn-lt"/>
-                <a:ea typeface="+mn-ea"/>
-                <a:cs typeface="+mn-cs"/>
-              </a:defRPr>
-            </a:lvl7pPr>
-            <a:lvl8pPr marL="2571750" indent="-171450" algn="l" defTabSz="685800" rtl="0" eaLnBrk="1" latinLnBrk="0" hangingPunct="1">
-              <a:lnSpc>
-                <a:spcPct val="90000"/>
-              </a:lnSpc>
-              <a:spcBef>
-                <a:spcPts val="375"/>
-              </a:spcBef>
-              <a:buFont typeface="Arial" panose="020B0604020202020204" pitchFamily="34" charset="0"/>
-              <a:buChar char="•"/>
-              <a:defRPr sz="1350" kern="1200">
-                <a:solidFill>
-                  <a:schemeClr val="tx1"/>
-                </a:solidFill>
-                <a:latin typeface="+mn-lt"/>
-                <a:ea typeface="+mn-ea"/>
-                <a:cs typeface="+mn-cs"/>
-              </a:defRPr>
-            </a:lvl8pPr>
-            <a:lvl9pPr marL="2914650" indent="-171450" algn="l" defTabSz="685800" rtl="0" eaLnBrk="1" latinLnBrk="0" hangingPunct="1">
-              <a:lnSpc>
-                <a:spcPct val="90000"/>
-              </a:lnSpc>
-              <a:spcBef>
-                <a:spcPts val="375"/>
-              </a:spcBef>
-              <a:buFont typeface="Arial" panose="020B0604020202020204" pitchFamily="34" charset="0"/>
-              <a:buChar char="•"/>
-              <a:defRPr sz="1350" kern="1200">
-                <a:solidFill>
-                  <a:schemeClr val="tx1"/>
-                </a:solidFill>
-                <a:latin typeface="+mn-lt"/>
-                <a:ea typeface="+mn-ea"/>
-                <a:cs typeface="+mn-cs"/>
-              </a:defRPr>
-            </a:lvl9pPr>
-          </a:lstStyle>
-          <a:p>
-            <a:pPr lvl="1">
-              <a:lnSpc>
-                <a:spcPct val="250000"/>
-              </a:lnSpc>
-              <a:buFont typeface="Wingdings" panose="05000000000000000000" pitchFamily="2" charset="2"/>
-              <a:buChar char="§"/>
-            </a:pPr>
-            <a:r>
-              <a:rPr lang="fr-FR" sz="2000" dirty="0">
-                <a:solidFill>
-                  <a:srgbClr val="004492"/>
-                </a:solidFill>
-                <a:latin typeface="Calibri (Corps)"/>
-              </a:rPr>
-              <a:t>Attribuer une Version List aux nouveaux objets</a:t>
-            </a:r>
-          </a:p>
-          <a:p>
-            <a:pPr lvl="1">
-              <a:lnSpc>
-                <a:spcPct val="250000"/>
-              </a:lnSpc>
-              <a:buFont typeface="Wingdings" panose="05000000000000000000" pitchFamily="2" charset="2"/>
-              <a:buChar char="§"/>
-            </a:pPr>
-            <a:r>
-              <a:rPr lang="fr-FR" sz="2000" dirty="0">
-                <a:solidFill>
-                  <a:srgbClr val="004492"/>
-                </a:solidFill>
-                <a:latin typeface="Calibri (Corps)"/>
-              </a:rPr>
-              <a:t>Attribuer une Version List aux objets standards </a:t>
-            </a:r>
-            <a:r>
-              <a:rPr lang="fr-FR" sz="2000" b="1" dirty="0">
-                <a:solidFill>
-                  <a:srgbClr val="004492"/>
-                </a:solidFill>
-                <a:latin typeface="Calibri (Corps)"/>
-              </a:rPr>
-              <a:t>modifiés</a:t>
-            </a:r>
-          </a:p>
-          <a:p>
-            <a:pPr lvl="1">
-              <a:lnSpc>
-                <a:spcPct val="250000"/>
-              </a:lnSpc>
-              <a:buFont typeface="Wingdings" panose="05000000000000000000" pitchFamily="2" charset="2"/>
-              <a:buChar char="§"/>
-            </a:pPr>
-            <a:endParaRPr lang="fr-FR" sz="2000" b="1" dirty="0">
-              <a:solidFill>
-                <a:srgbClr val="004492"/>
-              </a:solidFill>
-              <a:latin typeface="Calibri (Corps)"/>
-            </a:endParaRPr>
-          </a:p>
-          <a:p>
-            <a:pPr lvl="1">
-              <a:lnSpc>
-                <a:spcPct val="250000"/>
-              </a:lnSpc>
-            </a:pPr>
-            <a:endParaRPr lang="fr-FR" sz="2000" dirty="0">
-              <a:solidFill>
-                <a:srgbClr val="004492"/>
-              </a:solidFill>
-              <a:latin typeface="Calibri (Corps)"/>
-            </a:endParaRPr>
-          </a:p>
-        </p:txBody>
-      </p:sp>
-      <p:sp>
-        <p:nvSpPr>
-          <p:cNvPr id="9" name="Espace réservé du contenu 30"/>
-          <p:cNvSpPr txBox="1">
-            <a:spLocks/>
-          </p:cNvSpPr>
-          <p:nvPr/>
-        </p:nvSpPr>
-        <p:spPr>
-          <a:xfrm>
-            <a:off x="917188" y="2302587"/>
-            <a:ext cx="7886700" cy="1053962"/>
-          </a:xfrm>
-          <a:prstGeom prst="rect">
-            <a:avLst/>
-          </a:prstGeom>
-        </p:spPr>
-        <p:txBody>
-          <a:bodyPr vert="horz" lIns="91440" tIns="45720" rIns="91440" bIns="45720" rtlCol="0">
-            <a:normAutofit/>
-          </a:bodyPr>
-          <a:lstStyle>
-            <a:lvl1pPr marL="171450" indent="-171450" algn="l" defTabSz="685800" rtl="0" eaLnBrk="1" latinLnBrk="0" hangingPunct="1">
-              <a:lnSpc>
-                <a:spcPct val="90000"/>
-              </a:lnSpc>
-              <a:spcBef>
-                <a:spcPts val="750"/>
-              </a:spcBef>
-              <a:buFont typeface="Arial" panose="020B0604020202020204" pitchFamily="34" charset="0"/>
-              <a:buChar char="•"/>
-              <a:defRPr sz="2100" kern="1200">
-                <a:solidFill>
-                  <a:schemeClr val="tx1"/>
-                </a:solidFill>
-                <a:latin typeface="+mn-lt"/>
-                <a:ea typeface="+mn-ea"/>
-                <a:cs typeface="+mn-cs"/>
-              </a:defRPr>
-            </a:lvl1pPr>
-            <a:lvl2pPr marL="514350" indent="-171450" algn="l" defTabSz="685800" rtl="0" eaLnBrk="1" latinLnBrk="0" hangingPunct="1">
-              <a:lnSpc>
-                <a:spcPct val="90000"/>
-              </a:lnSpc>
-              <a:spcBef>
-                <a:spcPts val="375"/>
-              </a:spcBef>
-              <a:buFont typeface="Arial" panose="020B0604020202020204" pitchFamily="34" charset="0"/>
-              <a:buChar char="•"/>
-              <a:defRPr sz="1800" kern="1200">
-                <a:solidFill>
-                  <a:schemeClr val="tx1"/>
-                </a:solidFill>
-                <a:latin typeface="+mn-lt"/>
-                <a:ea typeface="+mn-ea"/>
-                <a:cs typeface="+mn-cs"/>
-              </a:defRPr>
-            </a:lvl2pPr>
-            <a:lvl3pPr marL="857250" indent="-171450" algn="l" defTabSz="685800" rtl="0" eaLnBrk="1" latinLnBrk="0" hangingPunct="1">
-              <a:lnSpc>
-                <a:spcPct val="90000"/>
-              </a:lnSpc>
-              <a:spcBef>
-                <a:spcPts val="375"/>
-              </a:spcBef>
-              <a:buFont typeface="Arial" panose="020B0604020202020204" pitchFamily="34" charset="0"/>
-              <a:buChar char="•"/>
-              <a:defRPr sz="1500" kern="1200">
-                <a:solidFill>
-                  <a:schemeClr val="tx1"/>
-                </a:solidFill>
-                <a:latin typeface="+mn-lt"/>
-                <a:ea typeface="+mn-ea"/>
-                <a:cs typeface="+mn-cs"/>
-              </a:defRPr>
-            </a:lvl3pPr>
-            <a:lvl4pPr marL="1200150" indent="-171450" algn="l" defTabSz="685800" rtl="0" eaLnBrk="1" latinLnBrk="0" hangingPunct="1">
-              <a:lnSpc>
-                <a:spcPct val="90000"/>
-              </a:lnSpc>
-              <a:spcBef>
-                <a:spcPts val="375"/>
-              </a:spcBef>
-              <a:buFont typeface="Arial" panose="020B0604020202020204" pitchFamily="34" charset="0"/>
-              <a:buChar char="•"/>
-              <a:defRPr sz="1350" kern="1200">
-                <a:solidFill>
-                  <a:schemeClr val="tx1"/>
-                </a:solidFill>
-                <a:latin typeface="+mn-lt"/>
-                <a:ea typeface="+mn-ea"/>
-                <a:cs typeface="+mn-cs"/>
-              </a:defRPr>
-            </a:lvl4pPr>
-            <a:lvl5pPr marL="1543050" indent="-171450" algn="l" defTabSz="685800" rtl="0" eaLnBrk="1" latinLnBrk="0" hangingPunct="1">
-              <a:lnSpc>
-                <a:spcPct val="90000"/>
-              </a:lnSpc>
-              <a:spcBef>
-                <a:spcPts val="375"/>
-              </a:spcBef>
-              <a:buFont typeface="Arial" panose="020B0604020202020204" pitchFamily="34" charset="0"/>
-              <a:buChar char="•"/>
-              <a:defRPr sz="1350" kern="1200">
-                <a:solidFill>
-                  <a:schemeClr val="tx1"/>
-                </a:solidFill>
-                <a:latin typeface="+mn-lt"/>
-                <a:ea typeface="+mn-ea"/>
-                <a:cs typeface="+mn-cs"/>
-              </a:defRPr>
-            </a:lvl5pPr>
-            <a:lvl6pPr marL="1885950" indent="-171450" algn="l" defTabSz="685800" rtl="0" eaLnBrk="1" latinLnBrk="0" hangingPunct="1">
-              <a:lnSpc>
-                <a:spcPct val="90000"/>
-              </a:lnSpc>
-              <a:spcBef>
-                <a:spcPts val="375"/>
-              </a:spcBef>
-              <a:buFont typeface="Arial" panose="020B0604020202020204" pitchFamily="34" charset="0"/>
-              <a:buChar char="•"/>
-              <a:defRPr sz="1350" kern="1200">
-                <a:solidFill>
-                  <a:schemeClr val="tx1"/>
-                </a:solidFill>
-                <a:latin typeface="+mn-lt"/>
-                <a:ea typeface="+mn-ea"/>
-                <a:cs typeface="+mn-cs"/>
-              </a:defRPr>
-            </a:lvl6pPr>
-            <a:lvl7pPr marL="2228850" indent="-171450" algn="l" defTabSz="685800" rtl="0" eaLnBrk="1" latinLnBrk="0" hangingPunct="1">
-              <a:lnSpc>
-                <a:spcPct val="90000"/>
-              </a:lnSpc>
-              <a:spcBef>
-                <a:spcPts val="375"/>
-              </a:spcBef>
-              <a:buFont typeface="Arial" panose="020B0604020202020204" pitchFamily="34" charset="0"/>
-              <a:buChar char="•"/>
-              <a:defRPr sz="1350" kern="1200">
-                <a:solidFill>
-                  <a:schemeClr val="tx1"/>
-                </a:solidFill>
-                <a:latin typeface="+mn-lt"/>
-                <a:ea typeface="+mn-ea"/>
-                <a:cs typeface="+mn-cs"/>
-              </a:defRPr>
-            </a:lvl7pPr>
-            <a:lvl8pPr marL="2571750" indent="-171450" algn="l" defTabSz="685800" rtl="0" eaLnBrk="1" latinLnBrk="0" hangingPunct="1">
-              <a:lnSpc>
-                <a:spcPct val="90000"/>
-              </a:lnSpc>
-              <a:spcBef>
-                <a:spcPts val="375"/>
-              </a:spcBef>
-              <a:buFont typeface="Arial" panose="020B0604020202020204" pitchFamily="34" charset="0"/>
-              <a:buChar char="•"/>
-              <a:defRPr sz="1350" kern="1200">
-                <a:solidFill>
-                  <a:schemeClr val="tx1"/>
-                </a:solidFill>
-                <a:latin typeface="+mn-lt"/>
-                <a:ea typeface="+mn-ea"/>
-                <a:cs typeface="+mn-cs"/>
-              </a:defRPr>
-            </a:lvl8pPr>
-            <a:lvl9pPr marL="2914650" indent="-171450" algn="l" defTabSz="685800" rtl="0" eaLnBrk="1" latinLnBrk="0" hangingPunct="1">
-              <a:lnSpc>
-                <a:spcPct val="90000"/>
-              </a:lnSpc>
-              <a:spcBef>
-                <a:spcPts val="375"/>
-              </a:spcBef>
-              <a:buFont typeface="Arial" panose="020B0604020202020204" pitchFamily="34" charset="0"/>
-              <a:buChar char="•"/>
-              <a:defRPr sz="1350" kern="1200">
-                <a:solidFill>
-                  <a:schemeClr val="tx1"/>
-                </a:solidFill>
-                <a:latin typeface="+mn-lt"/>
-                <a:ea typeface="+mn-ea"/>
-                <a:cs typeface="+mn-cs"/>
-              </a:defRPr>
-            </a:lvl9pPr>
-          </a:lstStyle>
-          <a:p>
-            <a:pPr>
-              <a:lnSpc>
-                <a:spcPct val="150000"/>
-              </a:lnSpc>
-            </a:pPr>
-            <a:r>
-              <a:rPr lang="fr-FR" sz="2200" dirty="0">
-                <a:solidFill>
-                  <a:srgbClr val="004492"/>
-                </a:solidFill>
-                <a:latin typeface="Calibri (Corps)"/>
-              </a:rPr>
-              <a:t>Problématique de la Version List : </a:t>
-            </a:r>
-          </a:p>
-        </p:txBody>
-      </p:sp>
-      <p:sp>
-        <p:nvSpPr>
-          <p:cNvPr id="12" name="Espace réservé du contenu 2"/>
-          <p:cNvSpPr txBox="1">
-            <a:spLocks/>
-          </p:cNvSpPr>
-          <p:nvPr/>
-        </p:nvSpPr>
-        <p:spPr>
-          <a:xfrm>
-            <a:off x="1972564" y="4839778"/>
-            <a:ext cx="7886700" cy="1948555"/>
-          </a:xfrm>
-          <a:prstGeom prst="rect">
-            <a:avLst/>
-          </a:prstGeom>
-        </p:spPr>
-        <p:txBody>
-          <a:bodyPr vert="horz" lIns="91440" tIns="45720" rIns="91440" bIns="45720" rtlCol="0">
-            <a:noAutofit/>
-          </a:bodyPr>
-          <a:lstStyle>
-            <a:lvl1pPr marL="171450" indent="-171450" algn="l" defTabSz="685800" rtl="0" eaLnBrk="1" latinLnBrk="0" hangingPunct="1">
-              <a:lnSpc>
-                <a:spcPct val="90000"/>
-              </a:lnSpc>
-              <a:spcBef>
-                <a:spcPts val="750"/>
-              </a:spcBef>
-              <a:buFont typeface="Arial" panose="020B0604020202020204" pitchFamily="34" charset="0"/>
-              <a:buChar char="•"/>
-              <a:defRPr sz="2100" kern="1200">
-                <a:solidFill>
-                  <a:schemeClr val="tx1"/>
-                </a:solidFill>
-                <a:latin typeface="+mn-lt"/>
-                <a:ea typeface="+mn-ea"/>
-                <a:cs typeface="+mn-cs"/>
-              </a:defRPr>
-            </a:lvl1pPr>
-            <a:lvl2pPr marL="514350" indent="-171450" algn="l" defTabSz="685800" rtl="0" eaLnBrk="1" latinLnBrk="0" hangingPunct="1">
-              <a:lnSpc>
-                <a:spcPct val="90000"/>
-              </a:lnSpc>
-              <a:spcBef>
-                <a:spcPts val="375"/>
-              </a:spcBef>
-              <a:buFont typeface="Arial" panose="020B0604020202020204" pitchFamily="34" charset="0"/>
-              <a:buChar char="•"/>
-              <a:defRPr sz="1800" kern="1200">
-                <a:solidFill>
-                  <a:schemeClr val="tx1"/>
-                </a:solidFill>
-                <a:latin typeface="+mn-lt"/>
-                <a:ea typeface="+mn-ea"/>
-                <a:cs typeface="+mn-cs"/>
-              </a:defRPr>
-            </a:lvl2pPr>
-            <a:lvl3pPr marL="857250" indent="-171450" algn="l" defTabSz="685800" rtl="0" eaLnBrk="1" latinLnBrk="0" hangingPunct="1">
-              <a:lnSpc>
-                <a:spcPct val="90000"/>
-              </a:lnSpc>
-              <a:spcBef>
-                <a:spcPts val="375"/>
-              </a:spcBef>
-              <a:buFont typeface="Arial" panose="020B0604020202020204" pitchFamily="34" charset="0"/>
-              <a:buChar char="•"/>
-              <a:defRPr sz="1500" kern="1200">
-                <a:solidFill>
-                  <a:schemeClr val="tx1"/>
-                </a:solidFill>
-                <a:latin typeface="+mn-lt"/>
-                <a:ea typeface="+mn-ea"/>
-                <a:cs typeface="+mn-cs"/>
-              </a:defRPr>
-            </a:lvl3pPr>
-            <a:lvl4pPr marL="1200150" indent="-171450" algn="l" defTabSz="685800" rtl="0" eaLnBrk="1" latinLnBrk="0" hangingPunct="1">
-              <a:lnSpc>
-                <a:spcPct val="90000"/>
-              </a:lnSpc>
-              <a:spcBef>
-                <a:spcPts val="375"/>
-              </a:spcBef>
-              <a:buFont typeface="Arial" panose="020B0604020202020204" pitchFamily="34" charset="0"/>
-              <a:buChar char="•"/>
-              <a:defRPr sz="1350" kern="1200">
-                <a:solidFill>
-                  <a:schemeClr val="tx1"/>
-                </a:solidFill>
-                <a:latin typeface="+mn-lt"/>
-                <a:ea typeface="+mn-ea"/>
-                <a:cs typeface="+mn-cs"/>
-              </a:defRPr>
-            </a:lvl4pPr>
-            <a:lvl5pPr marL="1543050" indent="-171450" algn="l" defTabSz="685800" rtl="0" eaLnBrk="1" latinLnBrk="0" hangingPunct="1">
-              <a:lnSpc>
-                <a:spcPct val="90000"/>
-              </a:lnSpc>
-              <a:spcBef>
-                <a:spcPts val="375"/>
-              </a:spcBef>
-              <a:buFont typeface="Arial" panose="020B0604020202020204" pitchFamily="34" charset="0"/>
-              <a:buChar char="•"/>
-              <a:defRPr sz="1350" kern="1200">
-                <a:solidFill>
-                  <a:schemeClr val="tx1"/>
-                </a:solidFill>
-                <a:latin typeface="+mn-lt"/>
-                <a:ea typeface="+mn-ea"/>
-                <a:cs typeface="+mn-cs"/>
-              </a:defRPr>
-            </a:lvl5pPr>
-            <a:lvl6pPr marL="1885950" indent="-171450" algn="l" defTabSz="685800" rtl="0" eaLnBrk="1" latinLnBrk="0" hangingPunct="1">
-              <a:lnSpc>
-                <a:spcPct val="90000"/>
-              </a:lnSpc>
-              <a:spcBef>
-                <a:spcPts val="375"/>
-              </a:spcBef>
-              <a:buFont typeface="Arial" panose="020B0604020202020204" pitchFamily="34" charset="0"/>
-              <a:buChar char="•"/>
-              <a:defRPr sz="1350" kern="1200">
-                <a:solidFill>
-                  <a:schemeClr val="tx1"/>
-                </a:solidFill>
-                <a:latin typeface="+mn-lt"/>
-                <a:ea typeface="+mn-ea"/>
-                <a:cs typeface="+mn-cs"/>
-              </a:defRPr>
-            </a:lvl6pPr>
-            <a:lvl7pPr marL="2228850" indent="-171450" algn="l" defTabSz="685800" rtl="0" eaLnBrk="1" latinLnBrk="0" hangingPunct="1">
-              <a:lnSpc>
-                <a:spcPct val="90000"/>
-              </a:lnSpc>
-              <a:spcBef>
-                <a:spcPts val="375"/>
-              </a:spcBef>
-              <a:buFont typeface="Arial" panose="020B0604020202020204" pitchFamily="34" charset="0"/>
-              <a:buChar char="•"/>
-              <a:defRPr sz="1350" kern="1200">
-                <a:solidFill>
-                  <a:schemeClr val="tx1"/>
-                </a:solidFill>
-                <a:latin typeface="+mn-lt"/>
-                <a:ea typeface="+mn-ea"/>
-                <a:cs typeface="+mn-cs"/>
-              </a:defRPr>
-            </a:lvl7pPr>
-            <a:lvl8pPr marL="2571750" indent="-171450" algn="l" defTabSz="685800" rtl="0" eaLnBrk="1" latinLnBrk="0" hangingPunct="1">
-              <a:lnSpc>
-                <a:spcPct val="90000"/>
-              </a:lnSpc>
-              <a:spcBef>
-                <a:spcPts val="375"/>
-              </a:spcBef>
-              <a:buFont typeface="Arial" panose="020B0604020202020204" pitchFamily="34" charset="0"/>
-              <a:buChar char="•"/>
-              <a:defRPr sz="1350" kern="1200">
-                <a:solidFill>
-                  <a:schemeClr val="tx1"/>
-                </a:solidFill>
-                <a:latin typeface="+mn-lt"/>
-                <a:ea typeface="+mn-ea"/>
-                <a:cs typeface="+mn-cs"/>
-              </a:defRPr>
-            </a:lvl8pPr>
-            <a:lvl9pPr marL="2914650" indent="-171450" algn="l" defTabSz="685800" rtl="0" eaLnBrk="1" latinLnBrk="0" hangingPunct="1">
-              <a:lnSpc>
-                <a:spcPct val="90000"/>
-              </a:lnSpc>
-              <a:spcBef>
-                <a:spcPts val="375"/>
-              </a:spcBef>
-              <a:buFont typeface="Arial" panose="020B0604020202020204" pitchFamily="34" charset="0"/>
-              <a:buChar char="•"/>
-              <a:defRPr sz="1350" kern="1200">
-                <a:solidFill>
-                  <a:schemeClr val="tx1"/>
-                </a:solidFill>
-                <a:latin typeface="+mn-lt"/>
-                <a:ea typeface="+mn-ea"/>
-                <a:cs typeface="+mn-cs"/>
-              </a:defRPr>
-            </a:lvl9pPr>
-          </a:lstStyle>
-          <a:p>
-            <a:pPr marL="0" indent="0">
-              <a:buNone/>
-            </a:pPr>
-            <a:r>
-              <a:rPr lang="fr-FR" sz="2000" b="1" dirty="0">
-                <a:solidFill>
-                  <a:srgbClr val="FF0000"/>
-                </a:solidFill>
-                <a:latin typeface="Calibri (Corps)"/>
-                <a:sym typeface="Wingdings" panose="05000000000000000000" pitchFamily="2" charset="2"/>
-              </a:rPr>
-              <a:t>Comparer chaque objet standard avec un objet de référence</a:t>
-            </a:r>
-            <a:endParaRPr lang="fr-FR" sz="2000" b="1" dirty="0">
-              <a:solidFill>
-                <a:srgbClr val="FF0000"/>
-              </a:solidFill>
-              <a:latin typeface="Calibri (Corps)"/>
-            </a:endParaRPr>
-          </a:p>
-        </p:txBody>
-      </p:sp>
-      <p:sp>
-        <p:nvSpPr>
-          <p:cNvPr id="13" name="Flèche : droite 12"/>
-          <p:cNvSpPr/>
-          <p:nvPr/>
-        </p:nvSpPr>
-        <p:spPr>
-          <a:xfrm>
-            <a:off x="1064265" y="4839778"/>
-            <a:ext cx="680224" cy="320125"/>
-          </a:xfrm>
-          <a:prstGeom prst="rightArrow">
-            <a:avLst/>
-          </a:prstGeom>
-          <a:solidFill>
-            <a:srgbClr val="FF0000"/>
-          </a:solidFill>
-          <a:ln>
-            <a:solidFill>
-              <a:srgbClr val="FF0000"/>
-            </a:solidFill>
-          </a:ln>
-        </p:spPr>
-        <p:style>
-          <a:lnRef idx="2">
-            <a:schemeClr val="accent6"/>
-          </a:lnRef>
-          <a:fillRef idx="1">
-            <a:schemeClr val="lt1"/>
-          </a:fillRef>
-          <a:effectRef idx="0">
-            <a:schemeClr val="accent6"/>
-          </a:effectRef>
-          <a:fontRef idx="minor">
-            <a:schemeClr val="dk1"/>
-          </a:fontRef>
-        </p:style>
-        <p:txBody>
-          <a:bodyPr rtlCol="0" anchor="ctr"/>
-          <a:lstStyle/>
-          <a:p>
-            <a:pPr algn="ctr"/>
-            <a:endParaRPr lang="fr-FR" dirty="0">
-              <a:solidFill>
-                <a:srgbClr val="FF0000"/>
-              </a:solidFill>
-              <a:highlight>
-                <a:srgbClr val="FF0000"/>
-              </a:highlight>
-            </a:endParaRPr>
-          </a:p>
-        </p:txBody>
-      </p:sp>
-    </p:spTree>
-    <p:extLst>
-      <p:ext uri="{BB962C8B-B14F-4D97-AF65-F5344CB8AC3E}">
-        <p14:creationId xmlns:p14="http://schemas.microsoft.com/office/powerpoint/2010/main" val="2044015846"/>
-      </p:ext>
-    </p:extLst>
-  </p:cSld>
-  <p:clrMapOvr>
-    <a:masterClrMapping/>
-  </p:clrMapOvr>
-</p:sld>
-</file>
-
 <file path=ppt/slides/slide3.xml><?xml version="1.0" encoding="utf-8"?>
 <p:sld xmlns:a="http://schemas.openxmlformats.org/drawingml/2006/main" xmlns:r="http://schemas.openxmlformats.org/officeDocument/2006/relationships" xmlns:p="http://schemas.openxmlformats.org/presentationml/2006/main">
   <p:cSld>
@@ -15304,6 +16032,1856 @@
         </p:nvSpPr>
         <p:spPr>
           <a:xfrm>
+            <a:off x="1084118" y="2852756"/>
+            <a:ext cx="8059882" cy="1987022"/>
+          </a:xfrm>
+          <a:prstGeom prst="rect">
+            <a:avLst/>
+          </a:prstGeom>
+        </p:spPr>
+        <p:txBody>
+          <a:bodyPr vert="horz" lIns="91440" tIns="45720" rIns="91440" bIns="45720" rtlCol="0">
+            <a:normAutofit/>
+          </a:bodyPr>
+          <a:lstStyle>
+            <a:lvl1pPr marL="171450" indent="-171450" algn="l" defTabSz="685800" rtl="0" eaLnBrk="1" latinLnBrk="0" hangingPunct="1">
+              <a:lnSpc>
+                <a:spcPct val="90000"/>
+              </a:lnSpc>
+              <a:spcBef>
+                <a:spcPts val="750"/>
+              </a:spcBef>
+              <a:buFont typeface="Arial" panose="020B0604020202020204" pitchFamily="34" charset="0"/>
+              <a:buChar char="•"/>
+              <a:defRPr sz="2100" kern="1200">
+                <a:solidFill>
+                  <a:schemeClr val="tx1"/>
+                </a:solidFill>
+                <a:latin typeface="+mn-lt"/>
+                <a:ea typeface="+mn-ea"/>
+                <a:cs typeface="+mn-cs"/>
+              </a:defRPr>
+            </a:lvl1pPr>
+            <a:lvl2pPr marL="514350" indent="-171450" algn="l" defTabSz="685800" rtl="0" eaLnBrk="1" latinLnBrk="0" hangingPunct="1">
+              <a:lnSpc>
+                <a:spcPct val="90000"/>
+              </a:lnSpc>
+              <a:spcBef>
+                <a:spcPts val="375"/>
+              </a:spcBef>
+              <a:buFont typeface="Arial" panose="020B0604020202020204" pitchFamily="34" charset="0"/>
+              <a:buChar char="•"/>
+              <a:defRPr sz="1800" kern="1200">
+                <a:solidFill>
+                  <a:schemeClr val="tx1"/>
+                </a:solidFill>
+                <a:latin typeface="+mn-lt"/>
+                <a:ea typeface="+mn-ea"/>
+                <a:cs typeface="+mn-cs"/>
+              </a:defRPr>
+            </a:lvl2pPr>
+            <a:lvl3pPr marL="857250" indent="-171450" algn="l" defTabSz="685800" rtl="0" eaLnBrk="1" latinLnBrk="0" hangingPunct="1">
+              <a:lnSpc>
+                <a:spcPct val="90000"/>
+              </a:lnSpc>
+              <a:spcBef>
+                <a:spcPts val="375"/>
+              </a:spcBef>
+              <a:buFont typeface="Arial" panose="020B0604020202020204" pitchFamily="34" charset="0"/>
+              <a:buChar char="•"/>
+              <a:defRPr sz="1500" kern="1200">
+                <a:solidFill>
+                  <a:schemeClr val="tx1"/>
+                </a:solidFill>
+                <a:latin typeface="+mn-lt"/>
+                <a:ea typeface="+mn-ea"/>
+                <a:cs typeface="+mn-cs"/>
+              </a:defRPr>
+            </a:lvl3pPr>
+            <a:lvl4pPr marL="1200150" indent="-171450" algn="l" defTabSz="685800" rtl="0" eaLnBrk="1" latinLnBrk="0" hangingPunct="1">
+              <a:lnSpc>
+                <a:spcPct val="90000"/>
+              </a:lnSpc>
+              <a:spcBef>
+                <a:spcPts val="375"/>
+              </a:spcBef>
+              <a:buFont typeface="Arial" panose="020B0604020202020204" pitchFamily="34" charset="0"/>
+              <a:buChar char="•"/>
+              <a:defRPr sz="1350" kern="1200">
+                <a:solidFill>
+                  <a:schemeClr val="tx1"/>
+                </a:solidFill>
+                <a:latin typeface="+mn-lt"/>
+                <a:ea typeface="+mn-ea"/>
+                <a:cs typeface="+mn-cs"/>
+              </a:defRPr>
+            </a:lvl4pPr>
+            <a:lvl5pPr marL="1543050" indent="-171450" algn="l" defTabSz="685800" rtl="0" eaLnBrk="1" latinLnBrk="0" hangingPunct="1">
+              <a:lnSpc>
+                <a:spcPct val="90000"/>
+              </a:lnSpc>
+              <a:spcBef>
+                <a:spcPts val="375"/>
+              </a:spcBef>
+              <a:buFont typeface="Arial" panose="020B0604020202020204" pitchFamily="34" charset="0"/>
+              <a:buChar char="•"/>
+              <a:defRPr sz="1350" kern="1200">
+                <a:solidFill>
+                  <a:schemeClr val="tx1"/>
+                </a:solidFill>
+                <a:latin typeface="+mn-lt"/>
+                <a:ea typeface="+mn-ea"/>
+                <a:cs typeface="+mn-cs"/>
+              </a:defRPr>
+            </a:lvl5pPr>
+            <a:lvl6pPr marL="1885950" indent="-171450" algn="l" defTabSz="685800" rtl="0" eaLnBrk="1" latinLnBrk="0" hangingPunct="1">
+              <a:lnSpc>
+                <a:spcPct val="90000"/>
+              </a:lnSpc>
+              <a:spcBef>
+                <a:spcPts val="375"/>
+              </a:spcBef>
+              <a:buFont typeface="Arial" panose="020B0604020202020204" pitchFamily="34" charset="0"/>
+              <a:buChar char="•"/>
+              <a:defRPr sz="1350" kern="1200">
+                <a:solidFill>
+                  <a:schemeClr val="tx1"/>
+                </a:solidFill>
+                <a:latin typeface="+mn-lt"/>
+                <a:ea typeface="+mn-ea"/>
+                <a:cs typeface="+mn-cs"/>
+              </a:defRPr>
+            </a:lvl6pPr>
+            <a:lvl7pPr marL="2228850" indent="-171450" algn="l" defTabSz="685800" rtl="0" eaLnBrk="1" latinLnBrk="0" hangingPunct="1">
+              <a:lnSpc>
+                <a:spcPct val="90000"/>
+              </a:lnSpc>
+              <a:spcBef>
+                <a:spcPts val="375"/>
+              </a:spcBef>
+              <a:buFont typeface="Arial" panose="020B0604020202020204" pitchFamily="34" charset="0"/>
+              <a:buChar char="•"/>
+              <a:defRPr sz="1350" kern="1200">
+                <a:solidFill>
+                  <a:schemeClr val="tx1"/>
+                </a:solidFill>
+                <a:latin typeface="+mn-lt"/>
+                <a:ea typeface="+mn-ea"/>
+                <a:cs typeface="+mn-cs"/>
+              </a:defRPr>
+            </a:lvl7pPr>
+            <a:lvl8pPr marL="2571750" indent="-171450" algn="l" defTabSz="685800" rtl="0" eaLnBrk="1" latinLnBrk="0" hangingPunct="1">
+              <a:lnSpc>
+                <a:spcPct val="90000"/>
+              </a:lnSpc>
+              <a:spcBef>
+                <a:spcPts val="375"/>
+              </a:spcBef>
+              <a:buFont typeface="Arial" panose="020B0604020202020204" pitchFamily="34" charset="0"/>
+              <a:buChar char="•"/>
+              <a:defRPr sz="1350" kern="1200">
+                <a:solidFill>
+                  <a:schemeClr val="tx1"/>
+                </a:solidFill>
+                <a:latin typeface="+mn-lt"/>
+                <a:ea typeface="+mn-ea"/>
+                <a:cs typeface="+mn-cs"/>
+              </a:defRPr>
+            </a:lvl8pPr>
+            <a:lvl9pPr marL="2914650" indent="-171450" algn="l" defTabSz="685800" rtl="0" eaLnBrk="1" latinLnBrk="0" hangingPunct="1">
+              <a:lnSpc>
+                <a:spcPct val="90000"/>
+              </a:lnSpc>
+              <a:spcBef>
+                <a:spcPts val="375"/>
+              </a:spcBef>
+              <a:buFont typeface="Arial" panose="020B0604020202020204" pitchFamily="34" charset="0"/>
+              <a:buChar char="•"/>
+              <a:defRPr sz="1350" kern="1200">
+                <a:solidFill>
+                  <a:schemeClr val="tx1"/>
+                </a:solidFill>
+                <a:latin typeface="+mn-lt"/>
+                <a:ea typeface="+mn-ea"/>
+                <a:cs typeface="+mn-cs"/>
+              </a:defRPr>
+            </a:lvl9pPr>
+          </a:lstStyle>
+          <a:p>
+            <a:pPr lvl="1">
+              <a:lnSpc>
+                <a:spcPct val="250000"/>
+              </a:lnSpc>
+              <a:buFont typeface="Wingdings" panose="05000000000000000000" pitchFamily="2" charset="2"/>
+              <a:buChar char="§"/>
+            </a:pPr>
+            <a:r>
+              <a:rPr lang="fr-FR" sz="2000" dirty="0">
+                <a:solidFill>
+                  <a:srgbClr val="004492"/>
+                </a:solidFill>
+                <a:latin typeface="Calibri (Corps)"/>
+              </a:rPr>
+              <a:t>Attribuer une Version List aux nouveaux objets</a:t>
+            </a:r>
+          </a:p>
+          <a:p>
+            <a:pPr lvl="1">
+              <a:lnSpc>
+                <a:spcPct val="250000"/>
+              </a:lnSpc>
+              <a:buFont typeface="Wingdings" panose="05000000000000000000" pitchFamily="2" charset="2"/>
+              <a:buChar char="§"/>
+            </a:pPr>
+            <a:r>
+              <a:rPr lang="fr-FR" sz="2000" dirty="0">
+                <a:solidFill>
+                  <a:srgbClr val="004492"/>
+                </a:solidFill>
+                <a:latin typeface="Calibri (Corps)"/>
+              </a:rPr>
+              <a:t>Attribuer une Version List aux objets standards </a:t>
+            </a:r>
+            <a:r>
+              <a:rPr lang="fr-FR" sz="2000" b="1" dirty="0">
+                <a:solidFill>
+                  <a:srgbClr val="004492"/>
+                </a:solidFill>
+                <a:latin typeface="Calibri (Corps)"/>
+              </a:rPr>
+              <a:t>modifiés</a:t>
+            </a:r>
+          </a:p>
+          <a:p>
+            <a:pPr lvl="1">
+              <a:lnSpc>
+                <a:spcPct val="250000"/>
+              </a:lnSpc>
+              <a:buFont typeface="Wingdings" panose="05000000000000000000" pitchFamily="2" charset="2"/>
+              <a:buChar char="§"/>
+            </a:pPr>
+            <a:endParaRPr lang="fr-FR" sz="2000" b="1" dirty="0">
+              <a:solidFill>
+                <a:srgbClr val="004492"/>
+              </a:solidFill>
+              <a:latin typeface="Calibri (Corps)"/>
+            </a:endParaRPr>
+          </a:p>
+          <a:p>
+            <a:pPr lvl="1">
+              <a:lnSpc>
+                <a:spcPct val="250000"/>
+              </a:lnSpc>
+            </a:pPr>
+            <a:endParaRPr lang="fr-FR" sz="2000" dirty="0">
+              <a:solidFill>
+                <a:srgbClr val="004492"/>
+              </a:solidFill>
+              <a:latin typeface="Calibri (Corps)"/>
+            </a:endParaRPr>
+          </a:p>
+        </p:txBody>
+      </p:sp>
+      <p:sp>
+        <p:nvSpPr>
+          <p:cNvPr id="9" name="Espace réservé du contenu 30"/>
+          <p:cNvSpPr txBox="1">
+            <a:spLocks/>
+          </p:cNvSpPr>
+          <p:nvPr/>
+        </p:nvSpPr>
+        <p:spPr>
+          <a:xfrm>
+            <a:off x="917188" y="2302587"/>
+            <a:ext cx="7886700" cy="1053962"/>
+          </a:xfrm>
+          <a:prstGeom prst="rect">
+            <a:avLst/>
+          </a:prstGeom>
+        </p:spPr>
+        <p:txBody>
+          <a:bodyPr vert="horz" lIns="91440" tIns="45720" rIns="91440" bIns="45720" rtlCol="0">
+            <a:normAutofit/>
+          </a:bodyPr>
+          <a:lstStyle>
+            <a:lvl1pPr marL="171450" indent="-171450" algn="l" defTabSz="685800" rtl="0" eaLnBrk="1" latinLnBrk="0" hangingPunct="1">
+              <a:lnSpc>
+                <a:spcPct val="90000"/>
+              </a:lnSpc>
+              <a:spcBef>
+                <a:spcPts val="750"/>
+              </a:spcBef>
+              <a:buFont typeface="Arial" panose="020B0604020202020204" pitchFamily="34" charset="0"/>
+              <a:buChar char="•"/>
+              <a:defRPr sz="2100" kern="1200">
+                <a:solidFill>
+                  <a:schemeClr val="tx1"/>
+                </a:solidFill>
+                <a:latin typeface="+mn-lt"/>
+                <a:ea typeface="+mn-ea"/>
+                <a:cs typeface="+mn-cs"/>
+              </a:defRPr>
+            </a:lvl1pPr>
+            <a:lvl2pPr marL="514350" indent="-171450" algn="l" defTabSz="685800" rtl="0" eaLnBrk="1" latinLnBrk="0" hangingPunct="1">
+              <a:lnSpc>
+                <a:spcPct val="90000"/>
+              </a:lnSpc>
+              <a:spcBef>
+                <a:spcPts val="375"/>
+              </a:spcBef>
+              <a:buFont typeface="Arial" panose="020B0604020202020204" pitchFamily="34" charset="0"/>
+              <a:buChar char="•"/>
+              <a:defRPr sz="1800" kern="1200">
+                <a:solidFill>
+                  <a:schemeClr val="tx1"/>
+                </a:solidFill>
+                <a:latin typeface="+mn-lt"/>
+                <a:ea typeface="+mn-ea"/>
+                <a:cs typeface="+mn-cs"/>
+              </a:defRPr>
+            </a:lvl2pPr>
+            <a:lvl3pPr marL="857250" indent="-171450" algn="l" defTabSz="685800" rtl="0" eaLnBrk="1" latinLnBrk="0" hangingPunct="1">
+              <a:lnSpc>
+                <a:spcPct val="90000"/>
+              </a:lnSpc>
+              <a:spcBef>
+                <a:spcPts val="375"/>
+              </a:spcBef>
+              <a:buFont typeface="Arial" panose="020B0604020202020204" pitchFamily="34" charset="0"/>
+              <a:buChar char="•"/>
+              <a:defRPr sz="1500" kern="1200">
+                <a:solidFill>
+                  <a:schemeClr val="tx1"/>
+                </a:solidFill>
+                <a:latin typeface="+mn-lt"/>
+                <a:ea typeface="+mn-ea"/>
+                <a:cs typeface="+mn-cs"/>
+              </a:defRPr>
+            </a:lvl3pPr>
+            <a:lvl4pPr marL="1200150" indent="-171450" algn="l" defTabSz="685800" rtl="0" eaLnBrk="1" latinLnBrk="0" hangingPunct="1">
+              <a:lnSpc>
+                <a:spcPct val="90000"/>
+              </a:lnSpc>
+              <a:spcBef>
+                <a:spcPts val="375"/>
+              </a:spcBef>
+              <a:buFont typeface="Arial" panose="020B0604020202020204" pitchFamily="34" charset="0"/>
+              <a:buChar char="•"/>
+              <a:defRPr sz="1350" kern="1200">
+                <a:solidFill>
+                  <a:schemeClr val="tx1"/>
+                </a:solidFill>
+                <a:latin typeface="+mn-lt"/>
+                <a:ea typeface="+mn-ea"/>
+                <a:cs typeface="+mn-cs"/>
+              </a:defRPr>
+            </a:lvl4pPr>
+            <a:lvl5pPr marL="1543050" indent="-171450" algn="l" defTabSz="685800" rtl="0" eaLnBrk="1" latinLnBrk="0" hangingPunct="1">
+              <a:lnSpc>
+                <a:spcPct val="90000"/>
+              </a:lnSpc>
+              <a:spcBef>
+                <a:spcPts val="375"/>
+              </a:spcBef>
+              <a:buFont typeface="Arial" panose="020B0604020202020204" pitchFamily="34" charset="0"/>
+              <a:buChar char="•"/>
+              <a:defRPr sz="1350" kern="1200">
+                <a:solidFill>
+                  <a:schemeClr val="tx1"/>
+                </a:solidFill>
+                <a:latin typeface="+mn-lt"/>
+                <a:ea typeface="+mn-ea"/>
+                <a:cs typeface="+mn-cs"/>
+              </a:defRPr>
+            </a:lvl5pPr>
+            <a:lvl6pPr marL="1885950" indent="-171450" algn="l" defTabSz="685800" rtl="0" eaLnBrk="1" latinLnBrk="0" hangingPunct="1">
+              <a:lnSpc>
+                <a:spcPct val="90000"/>
+              </a:lnSpc>
+              <a:spcBef>
+                <a:spcPts val="375"/>
+              </a:spcBef>
+              <a:buFont typeface="Arial" panose="020B0604020202020204" pitchFamily="34" charset="0"/>
+              <a:buChar char="•"/>
+              <a:defRPr sz="1350" kern="1200">
+                <a:solidFill>
+                  <a:schemeClr val="tx1"/>
+                </a:solidFill>
+                <a:latin typeface="+mn-lt"/>
+                <a:ea typeface="+mn-ea"/>
+                <a:cs typeface="+mn-cs"/>
+              </a:defRPr>
+            </a:lvl6pPr>
+            <a:lvl7pPr marL="2228850" indent="-171450" algn="l" defTabSz="685800" rtl="0" eaLnBrk="1" latinLnBrk="0" hangingPunct="1">
+              <a:lnSpc>
+                <a:spcPct val="90000"/>
+              </a:lnSpc>
+              <a:spcBef>
+                <a:spcPts val="375"/>
+              </a:spcBef>
+              <a:buFont typeface="Arial" panose="020B0604020202020204" pitchFamily="34" charset="0"/>
+              <a:buChar char="•"/>
+              <a:defRPr sz="1350" kern="1200">
+                <a:solidFill>
+                  <a:schemeClr val="tx1"/>
+                </a:solidFill>
+                <a:latin typeface="+mn-lt"/>
+                <a:ea typeface="+mn-ea"/>
+                <a:cs typeface="+mn-cs"/>
+              </a:defRPr>
+            </a:lvl7pPr>
+            <a:lvl8pPr marL="2571750" indent="-171450" algn="l" defTabSz="685800" rtl="0" eaLnBrk="1" latinLnBrk="0" hangingPunct="1">
+              <a:lnSpc>
+                <a:spcPct val="90000"/>
+              </a:lnSpc>
+              <a:spcBef>
+                <a:spcPts val="375"/>
+              </a:spcBef>
+              <a:buFont typeface="Arial" panose="020B0604020202020204" pitchFamily="34" charset="0"/>
+              <a:buChar char="•"/>
+              <a:defRPr sz="1350" kern="1200">
+                <a:solidFill>
+                  <a:schemeClr val="tx1"/>
+                </a:solidFill>
+                <a:latin typeface="+mn-lt"/>
+                <a:ea typeface="+mn-ea"/>
+                <a:cs typeface="+mn-cs"/>
+              </a:defRPr>
+            </a:lvl8pPr>
+            <a:lvl9pPr marL="2914650" indent="-171450" algn="l" defTabSz="685800" rtl="0" eaLnBrk="1" latinLnBrk="0" hangingPunct="1">
+              <a:lnSpc>
+                <a:spcPct val="90000"/>
+              </a:lnSpc>
+              <a:spcBef>
+                <a:spcPts val="375"/>
+              </a:spcBef>
+              <a:buFont typeface="Arial" panose="020B0604020202020204" pitchFamily="34" charset="0"/>
+              <a:buChar char="•"/>
+              <a:defRPr sz="1350" kern="1200">
+                <a:solidFill>
+                  <a:schemeClr val="tx1"/>
+                </a:solidFill>
+                <a:latin typeface="+mn-lt"/>
+                <a:ea typeface="+mn-ea"/>
+                <a:cs typeface="+mn-cs"/>
+              </a:defRPr>
+            </a:lvl9pPr>
+          </a:lstStyle>
+          <a:p>
+            <a:pPr>
+              <a:lnSpc>
+                <a:spcPct val="150000"/>
+              </a:lnSpc>
+            </a:pPr>
+            <a:r>
+              <a:rPr lang="fr-FR" sz="2200" dirty="0">
+                <a:solidFill>
+                  <a:srgbClr val="004492"/>
+                </a:solidFill>
+                <a:latin typeface="Calibri (Corps)"/>
+              </a:rPr>
+              <a:t>Problématique de la Version List : </a:t>
+            </a:r>
+          </a:p>
+        </p:txBody>
+      </p:sp>
+      <p:sp>
+        <p:nvSpPr>
+          <p:cNvPr id="12" name="Espace réservé du contenu 2"/>
+          <p:cNvSpPr txBox="1">
+            <a:spLocks/>
+          </p:cNvSpPr>
+          <p:nvPr/>
+        </p:nvSpPr>
+        <p:spPr>
+          <a:xfrm>
+            <a:off x="1972564" y="4839778"/>
+            <a:ext cx="7886700" cy="1948555"/>
+          </a:xfrm>
+          <a:prstGeom prst="rect">
+            <a:avLst/>
+          </a:prstGeom>
+        </p:spPr>
+        <p:txBody>
+          <a:bodyPr vert="horz" lIns="91440" tIns="45720" rIns="91440" bIns="45720" rtlCol="0">
+            <a:noAutofit/>
+          </a:bodyPr>
+          <a:lstStyle>
+            <a:lvl1pPr marL="171450" indent="-171450" algn="l" defTabSz="685800" rtl="0" eaLnBrk="1" latinLnBrk="0" hangingPunct="1">
+              <a:lnSpc>
+                <a:spcPct val="90000"/>
+              </a:lnSpc>
+              <a:spcBef>
+                <a:spcPts val="750"/>
+              </a:spcBef>
+              <a:buFont typeface="Arial" panose="020B0604020202020204" pitchFamily="34" charset="0"/>
+              <a:buChar char="•"/>
+              <a:defRPr sz="2100" kern="1200">
+                <a:solidFill>
+                  <a:schemeClr val="tx1"/>
+                </a:solidFill>
+                <a:latin typeface="+mn-lt"/>
+                <a:ea typeface="+mn-ea"/>
+                <a:cs typeface="+mn-cs"/>
+              </a:defRPr>
+            </a:lvl1pPr>
+            <a:lvl2pPr marL="514350" indent="-171450" algn="l" defTabSz="685800" rtl="0" eaLnBrk="1" latinLnBrk="0" hangingPunct="1">
+              <a:lnSpc>
+                <a:spcPct val="90000"/>
+              </a:lnSpc>
+              <a:spcBef>
+                <a:spcPts val="375"/>
+              </a:spcBef>
+              <a:buFont typeface="Arial" panose="020B0604020202020204" pitchFamily="34" charset="0"/>
+              <a:buChar char="•"/>
+              <a:defRPr sz="1800" kern="1200">
+                <a:solidFill>
+                  <a:schemeClr val="tx1"/>
+                </a:solidFill>
+                <a:latin typeface="+mn-lt"/>
+                <a:ea typeface="+mn-ea"/>
+                <a:cs typeface="+mn-cs"/>
+              </a:defRPr>
+            </a:lvl2pPr>
+            <a:lvl3pPr marL="857250" indent="-171450" algn="l" defTabSz="685800" rtl="0" eaLnBrk="1" latinLnBrk="0" hangingPunct="1">
+              <a:lnSpc>
+                <a:spcPct val="90000"/>
+              </a:lnSpc>
+              <a:spcBef>
+                <a:spcPts val="375"/>
+              </a:spcBef>
+              <a:buFont typeface="Arial" panose="020B0604020202020204" pitchFamily="34" charset="0"/>
+              <a:buChar char="•"/>
+              <a:defRPr sz="1500" kern="1200">
+                <a:solidFill>
+                  <a:schemeClr val="tx1"/>
+                </a:solidFill>
+                <a:latin typeface="+mn-lt"/>
+                <a:ea typeface="+mn-ea"/>
+                <a:cs typeface="+mn-cs"/>
+              </a:defRPr>
+            </a:lvl3pPr>
+            <a:lvl4pPr marL="1200150" indent="-171450" algn="l" defTabSz="685800" rtl="0" eaLnBrk="1" latinLnBrk="0" hangingPunct="1">
+              <a:lnSpc>
+                <a:spcPct val="90000"/>
+              </a:lnSpc>
+              <a:spcBef>
+                <a:spcPts val="375"/>
+              </a:spcBef>
+              <a:buFont typeface="Arial" panose="020B0604020202020204" pitchFamily="34" charset="0"/>
+              <a:buChar char="•"/>
+              <a:defRPr sz="1350" kern="1200">
+                <a:solidFill>
+                  <a:schemeClr val="tx1"/>
+                </a:solidFill>
+                <a:latin typeface="+mn-lt"/>
+                <a:ea typeface="+mn-ea"/>
+                <a:cs typeface="+mn-cs"/>
+              </a:defRPr>
+            </a:lvl4pPr>
+            <a:lvl5pPr marL="1543050" indent="-171450" algn="l" defTabSz="685800" rtl="0" eaLnBrk="1" latinLnBrk="0" hangingPunct="1">
+              <a:lnSpc>
+                <a:spcPct val="90000"/>
+              </a:lnSpc>
+              <a:spcBef>
+                <a:spcPts val="375"/>
+              </a:spcBef>
+              <a:buFont typeface="Arial" panose="020B0604020202020204" pitchFamily="34" charset="0"/>
+              <a:buChar char="•"/>
+              <a:defRPr sz="1350" kern="1200">
+                <a:solidFill>
+                  <a:schemeClr val="tx1"/>
+                </a:solidFill>
+                <a:latin typeface="+mn-lt"/>
+                <a:ea typeface="+mn-ea"/>
+                <a:cs typeface="+mn-cs"/>
+              </a:defRPr>
+            </a:lvl5pPr>
+            <a:lvl6pPr marL="1885950" indent="-171450" algn="l" defTabSz="685800" rtl="0" eaLnBrk="1" latinLnBrk="0" hangingPunct="1">
+              <a:lnSpc>
+                <a:spcPct val="90000"/>
+              </a:lnSpc>
+              <a:spcBef>
+                <a:spcPts val="375"/>
+              </a:spcBef>
+              <a:buFont typeface="Arial" panose="020B0604020202020204" pitchFamily="34" charset="0"/>
+              <a:buChar char="•"/>
+              <a:defRPr sz="1350" kern="1200">
+                <a:solidFill>
+                  <a:schemeClr val="tx1"/>
+                </a:solidFill>
+                <a:latin typeface="+mn-lt"/>
+                <a:ea typeface="+mn-ea"/>
+                <a:cs typeface="+mn-cs"/>
+              </a:defRPr>
+            </a:lvl6pPr>
+            <a:lvl7pPr marL="2228850" indent="-171450" algn="l" defTabSz="685800" rtl="0" eaLnBrk="1" latinLnBrk="0" hangingPunct="1">
+              <a:lnSpc>
+                <a:spcPct val="90000"/>
+              </a:lnSpc>
+              <a:spcBef>
+                <a:spcPts val="375"/>
+              </a:spcBef>
+              <a:buFont typeface="Arial" panose="020B0604020202020204" pitchFamily="34" charset="0"/>
+              <a:buChar char="•"/>
+              <a:defRPr sz="1350" kern="1200">
+                <a:solidFill>
+                  <a:schemeClr val="tx1"/>
+                </a:solidFill>
+                <a:latin typeface="+mn-lt"/>
+                <a:ea typeface="+mn-ea"/>
+                <a:cs typeface="+mn-cs"/>
+              </a:defRPr>
+            </a:lvl7pPr>
+            <a:lvl8pPr marL="2571750" indent="-171450" algn="l" defTabSz="685800" rtl="0" eaLnBrk="1" latinLnBrk="0" hangingPunct="1">
+              <a:lnSpc>
+                <a:spcPct val="90000"/>
+              </a:lnSpc>
+              <a:spcBef>
+                <a:spcPts val="375"/>
+              </a:spcBef>
+              <a:buFont typeface="Arial" panose="020B0604020202020204" pitchFamily="34" charset="0"/>
+              <a:buChar char="•"/>
+              <a:defRPr sz="1350" kern="1200">
+                <a:solidFill>
+                  <a:schemeClr val="tx1"/>
+                </a:solidFill>
+                <a:latin typeface="+mn-lt"/>
+                <a:ea typeface="+mn-ea"/>
+                <a:cs typeface="+mn-cs"/>
+              </a:defRPr>
+            </a:lvl8pPr>
+            <a:lvl9pPr marL="2914650" indent="-171450" algn="l" defTabSz="685800" rtl="0" eaLnBrk="1" latinLnBrk="0" hangingPunct="1">
+              <a:lnSpc>
+                <a:spcPct val="90000"/>
+              </a:lnSpc>
+              <a:spcBef>
+                <a:spcPts val="375"/>
+              </a:spcBef>
+              <a:buFont typeface="Arial" panose="020B0604020202020204" pitchFamily="34" charset="0"/>
+              <a:buChar char="•"/>
+              <a:defRPr sz="1350" kern="1200">
+                <a:solidFill>
+                  <a:schemeClr val="tx1"/>
+                </a:solidFill>
+                <a:latin typeface="+mn-lt"/>
+                <a:ea typeface="+mn-ea"/>
+                <a:cs typeface="+mn-cs"/>
+              </a:defRPr>
+            </a:lvl9pPr>
+          </a:lstStyle>
+          <a:p>
+            <a:pPr marL="0" indent="0">
+              <a:buNone/>
+            </a:pPr>
+            <a:r>
+              <a:rPr lang="fr-FR" sz="2000" b="1" dirty="0">
+                <a:solidFill>
+                  <a:srgbClr val="FF0000"/>
+                </a:solidFill>
+                <a:latin typeface="Calibri (Corps)"/>
+                <a:sym typeface="Wingdings" panose="05000000000000000000" pitchFamily="2" charset="2"/>
+              </a:rPr>
+              <a:t>Comparer chaque objet standard avec un objet de référence</a:t>
+            </a:r>
+            <a:endParaRPr lang="fr-FR" sz="2000" b="1" dirty="0">
+              <a:solidFill>
+                <a:srgbClr val="FF0000"/>
+              </a:solidFill>
+              <a:latin typeface="Calibri (Corps)"/>
+            </a:endParaRPr>
+          </a:p>
+        </p:txBody>
+      </p:sp>
+      <p:sp>
+        <p:nvSpPr>
+          <p:cNvPr id="13" name="Flèche : droite 12"/>
+          <p:cNvSpPr/>
+          <p:nvPr/>
+        </p:nvSpPr>
+        <p:spPr>
+          <a:xfrm>
+            <a:off x="1064265" y="4839778"/>
+            <a:ext cx="680224" cy="320125"/>
+          </a:xfrm>
+          <a:prstGeom prst="rightArrow">
+            <a:avLst/>
+          </a:prstGeom>
+          <a:solidFill>
+            <a:srgbClr val="FF0000"/>
+          </a:solidFill>
+          <a:ln>
+            <a:solidFill>
+              <a:srgbClr val="FF0000"/>
+            </a:solidFill>
+          </a:ln>
+        </p:spPr>
+        <p:style>
+          <a:lnRef idx="2">
+            <a:schemeClr val="accent6"/>
+          </a:lnRef>
+          <a:fillRef idx="1">
+            <a:schemeClr val="lt1"/>
+          </a:fillRef>
+          <a:effectRef idx="0">
+            <a:schemeClr val="accent6"/>
+          </a:effectRef>
+          <a:fontRef idx="minor">
+            <a:schemeClr val="dk1"/>
+          </a:fontRef>
+        </p:style>
+        <p:txBody>
+          <a:bodyPr rtlCol="0" anchor="ctr"/>
+          <a:lstStyle/>
+          <a:p>
+            <a:pPr algn="ctr"/>
+            <a:endParaRPr lang="fr-FR" dirty="0">
+              <a:solidFill>
+                <a:srgbClr val="FF0000"/>
+              </a:solidFill>
+              <a:highlight>
+                <a:srgbClr val="FF0000"/>
+              </a:highlight>
+            </a:endParaRPr>
+          </a:p>
+        </p:txBody>
+      </p:sp>
+    </p:spTree>
+    <p:extLst>
+      <p:ext uri="{BB962C8B-B14F-4D97-AF65-F5344CB8AC3E}">
+        <p14:creationId xmlns:p14="http://schemas.microsoft.com/office/powerpoint/2010/main" val="2044015846"/>
+      </p:ext>
+    </p:extLst>
+  </p:cSld>
+  <p:clrMapOvr>
+    <a:masterClrMapping/>
+  </p:clrMapOvr>
+</p:sld>
+</file>
+
+<file path=ppt/slides/slide31.xml><?xml version="1.0" encoding="utf-8"?>
+<p:sld xmlns:a="http://schemas.openxmlformats.org/drawingml/2006/main" xmlns:r="http://schemas.openxmlformats.org/officeDocument/2006/relationships" xmlns:p="http://schemas.openxmlformats.org/presentationml/2006/main">
+  <p:cSld>
+    <p:spTree>
+      <p:nvGrpSpPr>
+        <p:cNvPr id="1" name=""/>
+        <p:cNvGrpSpPr/>
+        <p:nvPr/>
+      </p:nvGrpSpPr>
+      <p:grpSpPr>
+        <a:xfrm>
+          <a:off x="0" y="0"/>
+          <a:ext cx="0" cy="0"/>
+          <a:chOff x="0" y="0"/>
+          <a:chExt cx="0" cy="0"/>
+        </a:xfrm>
+      </p:grpSpPr>
+      <p:sp>
+        <p:nvSpPr>
+          <p:cNvPr id="2" name="Titre 1"/>
+          <p:cNvSpPr>
+            <a:spLocks noGrp="1"/>
+          </p:cNvSpPr>
+          <p:nvPr>
+            <p:ph type="title"/>
+          </p:nvPr>
+        </p:nvSpPr>
+        <p:spPr>
+          <a:xfrm>
+            <a:off x="245917" y="0"/>
+            <a:ext cx="6347713" cy="1320800"/>
+          </a:xfrm>
+        </p:spPr>
+        <p:txBody>
+          <a:bodyPr>
+            <a:normAutofit/>
+          </a:bodyPr>
+          <a:lstStyle/>
+          <a:p>
+            <a:r>
+              <a:rPr lang="fr-FR" sz="3500" dirty="0">
+                <a:solidFill>
+                  <a:schemeClr val="bg1"/>
+                </a:solidFill>
+                <a:latin typeface="Eurostile-Roman" pitchFamily="2" charset="0"/>
+              </a:rPr>
+              <a:t>Développement </a:t>
+            </a:r>
+            <a:br>
+              <a:rPr lang="fr-FR" sz="3500" dirty="0">
+                <a:solidFill>
+                  <a:schemeClr val="bg1"/>
+                </a:solidFill>
+                <a:latin typeface="Eurostile-Roman" pitchFamily="2" charset="0"/>
+              </a:rPr>
+            </a:br>
+            <a:r>
+              <a:rPr lang="fr-FR" sz="3500" dirty="0">
+                <a:solidFill>
+                  <a:schemeClr val="bg1"/>
+                </a:solidFill>
+                <a:latin typeface="Eurostile-Roman" pitchFamily="2" charset="0"/>
+              </a:rPr>
+              <a:t>de la solution</a:t>
+            </a:r>
+          </a:p>
+        </p:txBody>
+      </p:sp>
+      <p:sp>
+        <p:nvSpPr>
+          <p:cNvPr id="11" name="Espace réservé du numéro de diapositive 1"/>
+          <p:cNvSpPr>
+            <a:spLocks noGrp="1"/>
+          </p:cNvSpPr>
+          <p:nvPr>
+            <p:ph type="sldNum" sz="quarter" idx="12"/>
+          </p:nvPr>
+        </p:nvSpPr>
+        <p:spPr>
+          <a:xfrm>
+            <a:off x="6603423" y="6255991"/>
+            <a:ext cx="2057400" cy="365125"/>
+          </a:xfrm>
+        </p:spPr>
+        <p:txBody>
+          <a:bodyPr/>
+          <a:lstStyle/>
+          <a:p>
+            <a:r>
+              <a:rPr lang="fr-FR" sz="1800" dirty="0">
+                <a:latin typeface="Eurostile-Roman" pitchFamily="2" charset="0"/>
+              </a:rPr>
+              <a:t>Diapositive </a:t>
+            </a:r>
+            <a:fld id="{0A0AF257-D28F-495E-9E53-3BED59B8AA35}" type="slidenum">
+              <a:rPr lang="fr-FR" sz="1800" smtClean="0">
+                <a:latin typeface="Eurostile-Roman" pitchFamily="2" charset="0"/>
+              </a:rPr>
+              <a:t>31</a:t>
+            </a:fld>
+            <a:endParaRPr lang="fr-FR" sz="1800" dirty="0">
+              <a:latin typeface="Eurostile-Roman" pitchFamily="2" charset="0"/>
+            </a:endParaRPr>
+          </a:p>
+        </p:txBody>
+      </p:sp>
+      <p:sp>
+        <p:nvSpPr>
+          <p:cNvPr id="9" name="Espace réservé du contenu 30"/>
+          <p:cNvSpPr txBox="1">
+            <a:spLocks/>
+          </p:cNvSpPr>
+          <p:nvPr/>
+        </p:nvSpPr>
+        <p:spPr>
+          <a:xfrm>
+            <a:off x="2723009" y="1422914"/>
+            <a:ext cx="4569212" cy="1053962"/>
+          </a:xfrm>
+          <a:prstGeom prst="rect">
+            <a:avLst/>
+          </a:prstGeom>
+        </p:spPr>
+        <p:txBody>
+          <a:bodyPr vert="horz" lIns="91440" tIns="45720" rIns="91440" bIns="45720" rtlCol="0">
+            <a:normAutofit/>
+          </a:bodyPr>
+          <a:lstStyle>
+            <a:lvl1pPr marL="171450" indent="-171450" algn="l" defTabSz="685800" rtl="0" eaLnBrk="1" latinLnBrk="0" hangingPunct="1">
+              <a:lnSpc>
+                <a:spcPct val="90000"/>
+              </a:lnSpc>
+              <a:spcBef>
+                <a:spcPts val="750"/>
+              </a:spcBef>
+              <a:buFont typeface="Arial" panose="020B0604020202020204" pitchFamily="34" charset="0"/>
+              <a:buChar char="•"/>
+              <a:defRPr sz="2100" kern="1200">
+                <a:solidFill>
+                  <a:schemeClr val="tx1"/>
+                </a:solidFill>
+                <a:latin typeface="+mn-lt"/>
+                <a:ea typeface="+mn-ea"/>
+                <a:cs typeface="+mn-cs"/>
+              </a:defRPr>
+            </a:lvl1pPr>
+            <a:lvl2pPr marL="514350" indent="-171450" algn="l" defTabSz="685800" rtl="0" eaLnBrk="1" latinLnBrk="0" hangingPunct="1">
+              <a:lnSpc>
+                <a:spcPct val="90000"/>
+              </a:lnSpc>
+              <a:spcBef>
+                <a:spcPts val="375"/>
+              </a:spcBef>
+              <a:buFont typeface="Arial" panose="020B0604020202020204" pitchFamily="34" charset="0"/>
+              <a:buChar char="•"/>
+              <a:defRPr sz="1800" kern="1200">
+                <a:solidFill>
+                  <a:schemeClr val="tx1"/>
+                </a:solidFill>
+                <a:latin typeface="+mn-lt"/>
+                <a:ea typeface="+mn-ea"/>
+                <a:cs typeface="+mn-cs"/>
+              </a:defRPr>
+            </a:lvl2pPr>
+            <a:lvl3pPr marL="857250" indent="-171450" algn="l" defTabSz="685800" rtl="0" eaLnBrk="1" latinLnBrk="0" hangingPunct="1">
+              <a:lnSpc>
+                <a:spcPct val="90000"/>
+              </a:lnSpc>
+              <a:spcBef>
+                <a:spcPts val="375"/>
+              </a:spcBef>
+              <a:buFont typeface="Arial" panose="020B0604020202020204" pitchFamily="34" charset="0"/>
+              <a:buChar char="•"/>
+              <a:defRPr sz="1500" kern="1200">
+                <a:solidFill>
+                  <a:schemeClr val="tx1"/>
+                </a:solidFill>
+                <a:latin typeface="+mn-lt"/>
+                <a:ea typeface="+mn-ea"/>
+                <a:cs typeface="+mn-cs"/>
+              </a:defRPr>
+            </a:lvl3pPr>
+            <a:lvl4pPr marL="1200150" indent="-171450" algn="l" defTabSz="685800" rtl="0" eaLnBrk="1" latinLnBrk="0" hangingPunct="1">
+              <a:lnSpc>
+                <a:spcPct val="90000"/>
+              </a:lnSpc>
+              <a:spcBef>
+                <a:spcPts val="375"/>
+              </a:spcBef>
+              <a:buFont typeface="Arial" panose="020B0604020202020204" pitchFamily="34" charset="0"/>
+              <a:buChar char="•"/>
+              <a:defRPr sz="1350" kern="1200">
+                <a:solidFill>
+                  <a:schemeClr val="tx1"/>
+                </a:solidFill>
+                <a:latin typeface="+mn-lt"/>
+                <a:ea typeface="+mn-ea"/>
+                <a:cs typeface="+mn-cs"/>
+              </a:defRPr>
+            </a:lvl4pPr>
+            <a:lvl5pPr marL="1543050" indent="-171450" algn="l" defTabSz="685800" rtl="0" eaLnBrk="1" latinLnBrk="0" hangingPunct="1">
+              <a:lnSpc>
+                <a:spcPct val="90000"/>
+              </a:lnSpc>
+              <a:spcBef>
+                <a:spcPts val="375"/>
+              </a:spcBef>
+              <a:buFont typeface="Arial" panose="020B0604020202020204" pitchFamily="34" charset="0"/>
+              <a:buChar char="•"/>
+              <a:defRPr sz="1350" kern="1200">
+                <a:solidFill>
+                  <a:schemeClr val="tx1"/>
+                </a:solidFill>
+                <a:latin typeface="+mn-lt"/>
+                <a:ea typeface="+mn-ea"/>
+                <a:cs typeface="+mn-cs"/>
+              </a:defRPr>
+            </a:lvl5pPr>
+            <a:lvl6pPr marL="1885950" indent="-171450" algn="l" defTabSz="685800" rtl="0" eaLnBrk="1" latinLnBrk="0" hangingPunct="1">
+              <a:lnSpc>
+                <a:spcPct val="90000"/>
+              </a:lnSpc>
+              <a:spcBef>
+                <a:spcPts val="375"/>
+              </a:spcBef>
+              <a:buFont typeface="Arial" panose="020B0604020202020204" pitchFamily="34" charset="0"/>
+              <a:buChar char="•"/>
+              <a:defRPr sz="1350" kern="1200">
+                <a:solidFill>
+                  <a:schemeClr val="tx1"/>
+                </a:solidFill>
+                <a:latin typeface="+mn-lt"/>
+                <a:ea typeface="+mn-ea"/>
+                <a:cs typeface="+mn-cs"/>
+              </a:defRPr>
+            </a:lvl6pPr>
+            <a:lvl7pPr marL="2228850" indent="-171450" algn="l" defTabSz="685800" rtl="0" eaLnBrk="1" latinLnBrk="0" hangingPunct="1">
+              <a:lnSpc>
+                <a:spcPct val="90000"/>
+              </a:lnSpc>
+              <a:spcBef>
+                <a:spcPts val="375"/>
+              </a:spcBef>
+              <a:buFont typeface="Arial" panose="020B0604020202020204" pitchFamily="34" charset="0"/>
+              <a:buChar char="•"/>
+              <a:defRPr sz="1350" kern="1200">
+                <a:solidFill>
+                  <a:schemeClr val="tx1"/>
+                </a:solidFill>
+                <a:latin typeface="+mn-lt"/>
+                <a:ea typeface="+mn-ea"/>
+                <a:cs typeface="+mn-cs"/>
+              </a:defRPr>
+            </a:lvl7pPr>
+            <a:lvl8pPr marL="2571750" indent="-171450" algn="l" defTabSz="685800" rtl="0" eaLnBrk="1" latinLnBrk="0" hangingPunct="1">
+              <a:lnSpc>
+                <a:spcPct val="90000"/>
+              </a:lnSpc>
+              <a:spcBef>
+                <a:spcPts val="375"/>
+              </a:spcBef>
+              <a:buFont typeface="Arial" panose="020B0604020202020204" pitchFamily="34" charset="0"/>
+              <a:buChar char="•"/>
+              <a:defRPr sz="1350" kern="1200">
+                <a:solidFill>
+                  <a:schemeClr val="tx1"/>
+                </a:solidFill>
+                <a:latin typeface="+mn-lt"/>
+                <a:ea typeface="+mn-ea"/>
+                <a:cs typeface="+mn-cs"/>
+              </a:defRPr>
+            </a:lvl8pPr>
+            <a:lvl9pPr marL="2914650" indent="-171450" algn="l" defTabSz="685800" rtl="0" eaLnBrk="1" latinLnBrk="0" hangingPunct="1">
+              <a:lnSpc>
+                <a:spcPct val="90000"/>
+              </a:lnSpc>
+              <a:spcBef>
+                <a:spcPts val="375"/>
+              </a:spcBef>
+              <a:buFont typeface="Arial" panose="020B0604020202020204" pitchFamily="34" charset="0"/>
+              <a:buChar char="•"/>
+              <a:defRPr sz="1350" kern="1200">
+                <a:solidFill>
+                  <a:schemeClr val="tx1"/>
+                </a:solidFill>
+                <a:latin typeface="+mn-lt"/>
+                <a:ea typeface="+mn-ea"/>
+                <a:cs typeface="+mn-cs"/>
+              </a:defRPr>
+            </a:lvl9pPr>
+          </a:lstStyle>
+          <a:p>
+            <a:pPr marL="0" indent="0">
+              <a:lnSpc>
+                <a:spcPct val="150000"/>
+              </a:lnSpc>
+              <a:buNone/>
+            </a:pPr>
+            <a:r>
+              <a:rPr lang="fr-FR" sz="3000" b="1" dirty="0">
+                <a:solidFill>
+                  <a:srgbClr val="004492"/>
+                </a:solidFill>
+                <a:latin typeface="Calibri (Corps)"/>
+              </a:rPr>
+              <a:t>Travaux complémentaires</a:t>
+            </a:r>
+          </a:p>
+        </p:txBody>
+      </p:sp>
+      <p:sp>
+        <p:nvSpPr>
+          <p:cNvPr id="8" name="Espace réservé du contenu 30"/>
+          <p:cNvSpPr txBox="1">
+            <a:spLocks/>
+          </p:cNvSpPr>
+          <p:nvPr/>
+        </p:nvSpPr>
+        <p:spPr>
+          <a:xfrm>
+            <a:off x="1064265" y="2476876"/>
+            <a:ext cx="7886700" cy="1053962"/>
+          </a:xfrm>
+          <a:prstGeom prst="rect">
+            <a:avLst/>
+          </a:prstGeom>
+        </p:spPr>
+        <p:txBody>
+          <a:bodyPr vert="horz" lIns="91440" tIns="45720" rIns="91440" bIns="45720" rtlCol="0">
+            <a:normAutofit/>
+          </a:bodyPr>
+          <a:lstStyle>
+            <a:lvl1pPr marL="171450" indent="-171450" algn="l" defTabSz="685800" rtl="0" eaLnBrk="1" latinLnBrk="0" hangingPunct="1">
+              <a:lnSpc>
+                <a:spcPct val="90000"/>
+              </a:lnSpc>
+              <a:spcBef>
+                <a:spcPts val="750"/>
+              </a:spcBef>
+              <a:buFont typeface="Arial" panose="020B0604020202020204" pitchFamily="34" charset="0"/>
+              <a:buChar char="•"/>
+              <a:defRPr sz="2100" kern="1200">
+                <a:solidFill>
+                  <a:schemeClr val="tx1"/>
+                </a:solidFill>
+                <a:latin typeface="+mn-lt"/>
+                <a:ea typeface="+mn-ea"/>
+                <a:cs typeface="+mn-cs"/>
+              </a:defRPr>
+            </a:lvl1pPr>
+            <a:lvl2pPr marL="514350" indent="-171450" algn="l" defTabSz="685800" rtl="0" eaLnBrk="1" latinLnBrk="0" hangingPunct="1">
+              <a:lnSpc>
+                <a:spcPct val="90000"/>
+              </a:lnSpc>
+              <a:spcBef>
+                <a:spcPts val="375"/>
+              </a:spcBef>
+              <a:buFont typeface="Arial" panose="020B0604020202020204" pitchFamily="34" charset="0"/>
+              <a:buChar char="•"/>
+              <a:defRPr sz="1800" kern="1200">
+                <a:solidFill>
+                  <a:schemeClr val="tx1"/>
+                </a:solidFill>
+                <a:latin typeface="+mn-lt"/>
+                <a:ea typeface="+mn-ea"/>
+                <a:cs typeface="+mn-cs"/>
+              </a:defRPr>
+            </a:lvl2pPr>
+            <a:lvl3pPr marL="857250" indent="-171450" algn="l" defTabSz="685800" rtl="0" eaLnBrk="1" latinLnBrk="0" hangingPunct="1">
+              <a:lnSpc>
+                <a:spcPct val="90000"/>
+              </a:lnSpc>
+              <a:spcBef>
+                <a:spcPts val="375"/>
+              </a:spcBef>
+              <a:buFont typeface="Arial" panose="020B0604020202020204" pitchFamily="34" charset="0"/>
+              <a:buChar char="•"/>
+              <a:defRPr sz="1500" kern="1200">
+                <a:solidFill>
+                  <a:schemeClr val="tx1"/>
+                </a:solidFill>
+                <a:latin typeface="+mn-lt"/>
+                <a:ea typeface="+mn-ea"/>
+                <a:cs typeface="+mn-cs"/>
+              </a:defRPr>
+            </a:lvl3pPr>
+            <a:lvl4pPr marL="1200150" indent="-171450" algn="l" defTabSz="685800" rtl="0" eaLnBrk="1" latinLnBrk="0" hangingPunct="1">
+              <a:lnSpc>
+                <a:spcPct val="90000"/>
+              </a:lnSpc>
+              <a:spcBef>
+                <a:spcPts val="375"/>
+              </a:spcBef>
+              <a:buFont typeface="Arial" panose="020B0604020202020204" pitchFamily="34" charset="0"/>
+              <a:buChar char="•"/>
+              <a:defRPr sz="1350" kern="1200">
+                <a:solidFill>
+                  <a:schemeClr val="tx1"/>
+                </a:solidFill>
+                <a:latin typeface="+mn-lt"/>
+                <a:ea typeface="+mn-ea"/>
+                <a:cs typeface="+mn-cs"/>
+              </a:defRPr>
+            </a:lvl4pPr>
+            <a:lvl5pPr marL="1543050" indent="-171450" algn="l" defTabSz="685800" rtl="0" eaLnBrk="1" latinLnBrk="0" hangingPunct="1">
+              <a:lnSpc>
+                <a:spcPct val="90000"/>
+              </a:lnSpc>
+              <a:spcBef>
+                <a:spcPts val="375"/>
+              </a:spcBef>
+              <a:buFont typeface="Arial" panose="020B0604020202020204" pitchFamily="34" charset="0"/>
+              <a:buChar char="•"/>
+              <a:defRPr sz="1350" kern="1200">
+                <a:solidFill>
+                  <a:schemeClr val="tx1"/>
+                </a:solidFill>
+                <a:latin typeface="+mn-lt"/>
+                <a:ea typeface="+mn-ea"/>
+                <a:cs typeface="+mn-cs"/>
+              </a:defRPr>
+            </a:lvl5pPr>
+            <a:lvl6pPr marL="1885950" indent="-171450" algn="l" defTabSz="685800" rtl="0" eaLnBrk="1" latinLnBrk="0" hangingPunct="1">
+              <a:lnSpc>
+                <a:spcPct val="90000"/>
+              </a:lnSpc>
+              <a:spcBef>
+                <a:spcPts val="375"/>
+              </a:spcBef>
+              <a:buFont typeface="Arial" panose="020B0604020202020204" pitchFamily="34" charset="0"/>
+              <a:buChar char="•"/>
+              <a:defRPr sz="1350" kern="1200">
+                <a:solidFill>
+                  <a:schemeClr val="tx1"/>
+                </a:solidFill>
+                <a:latin typeface="+mn-lt"/>
+                <a:ea typeface="+mn-ea"/>
+                <a:cs typeface="+mn-cs"/>
+              </a:defRPr>
+            </a:lvl6pPr>
+            <a:lvl7pPr marL="2228850" indent="-171450" algn="l" defTabSz="685800" rtl="0" eaLnBrk="1" latinLnBrk="0" hangingPunct="1">
+              <a:lnSpc>
+                <a:spcPct val="90000"/>
+              </a:lnSpc>
+              <a:spcBef>
+                <a:spcPts val="375"/>
+              </a:spcBef>
+              <a:buFont typeface="Arial" panose="020B0604020202020204" pitchFamily="34" charset="0"/>
+              <a:buChar char="•"/>
+              <a:defRPr sz="1350" kern="1200">
+                <a:solidFill>
+                  <a:schemeClr val="tx1"/>
+                </a:solidFill>
+                <a:latin typeface="+mn-lt"/>
+                <a:ea typeface="+mn-ea"/>
+                <a:cs typeface="+mn-cs"/>
+              </a:defRPr>
+            </a:lvl7pPr>
+            <a:lvl8pPr marL="2571750" indent="-171450" algn="l" defTabSz="685800" rtl="0" eaLnBrk="1" latinLnBrk="0" hangingPunct="1">
+              <a:lnSpc>
+                <a:spcPct val="90000"/>
+              </a:lnSpc>
+              <a:spcBef>
+                <a:spcPts val="375"/>
+              </a:spcBef>
+              <a:buFont typeface="Arial" panose="020B0604020202020204" pitchFamily="34" charset="0"/>
+              <a:buChar char="•"/>
+              <a:defRPr sz="1350" kern="1200">
+                <a:solidFill>
+                  <a:schemeClr val="tx1"/>
+                </a:solidFill>
+                <a:latin typeface="+mn-lt"/>
+                <a:ea typeface="+mn-ea"/>
+                <a:cs typeface="+mn-cs"/>
+              </a:defRPr>
+            </a:lvl8pPr>
+            <a:lvl9pPr marL="2914650" indent="-171450" algn="l" defTabSz="685800" rtl="0" eaLnBrk="1" latinLnBrk="0" hangingPunct="1">
+              <a:lnSpc>
+                <a:spcPct val="90000"/>
+              </a:lnSpc>
+              <a:spcBef>
+                <a:spcPts val="375"/>
+              </a:spcBef>
+              <a:buFont typeface="Arial" panose="020B0604020202020204" pitchFamily="34" charset="0"/>
+              <a:buChar char="•"/>
+              <a:defRPr sz="1350" kern="1200">
+                <a:solidFill>
+                  <a:schemeClr val="tx1"/>
+                </a:solidFill>
+                <a:latin typeface="+mn-lt"/>
+                <a:ea typeface="+mn-ea"/>
+                <a:cs typeface="+mn-cs"/>
+              </a:defRPr>
+            </a:lvl9pPr>
+          </a:lstStyle>
+          <a:p>
+            <a:pPr>
+              <a:lnSpc>
+                <a:spcPct val="150000"/>
+              </a:lnSpc>
+            </a:pPr>
+            <a:r>
+              <a:rPr lang="fr-FR" sz="2200" dirty="0">
+                <a:solidFill>
+                  <a:srgbClr val="004492"/>
+                </a:solidFill>
+                <a:latin typeface="Calibri (Corps)"/>
+              </a:rPr>
+              <a:t>Outil de génération de documentation HTML :</a:t>
+            </a:r>
+          </a:p>
+        </p:txBody>
+      </p:sp>
+      <p:sp>
+        <p:nvSpPr>
+          <p:cNvPr id="14" name="Espace réservé du contenu 30"/>
+          <p:cNvSpPr txBox="1">
+            <a:spLocks/>
+          </p:cNvSpPr>
+          <p:nvPr/>
+        </p:nvSpPr>
+        <p:spPr>
+          <a:xfrm>
+            <a:off x="1084118" y="2987697"/>
+            <a:ext cx="8059882" cy="1840781"/>
+          </a:xfrm>
+          <a:prstGeom prst="rect">
+            <a:avLst/>
+          </a:prstGeom>
+        </p:spPr>
+        <p:txBody>
+          <a:bodyPr vert="horz" lIns="91440" tIns="45720" rIns="91440" bIns="45720" rtlCol="0">
+            <a:normAutofit/>
+          </a:bodyPr>
+          <a:lstStyle>
+            <a:lvl1pPr marL="171450" indent="-171450" algn="l" defTabSz="685800" rtl="0" eaLnBrk="1" latinLnBrk="0" hangingPunct="1">
+              <a:lnSpc>
+                <a:spcPct val="90000"/>
+              </a:lnSpc>
+              <a:spcBef>
+                <a:spcPts val="750"/>
+              </a:spcBef>
+              <a:buFont typeface="Arial" panose="020B0604020202020204" pitchFamily="34" charset="0"/>
+              <a:buChar char="•"/>
+              <a:defRPr sz="2100" kern="1200">
+                <a:solidFill>
+                  <a:schemeClr val="tx1"/>
+                </a:solidFill>
+                <a:latin typeface="+mn-lt"/>
+                <a:ea typeface="+mn-ea"/>
+                <a:cs typeface="+mn-cs"/>
+              </a:defRPr>
+            </a:lvl1pPr>
+            <a:lvl2pPr marL="514350" indent="-171450" algn="l" defTabSz="685800" rtl="0" eaLnBrk="1" latinLnBrk="0" hangingPunct="1">
+              <a:lnSpc>
+                <a:spcPct val="90000"/>
+              </a:lnSpc>
+              <a:spcBef>
+                <a:spcPts val="375"/>
+              </a:spcBef>
+              <a:buFont typeface="Arial" panose="020B0604020202020204" pitchFamily="34" charset="0"/>
+              <a:buChar char="•"/>
+              <a:defRPr sz="1800" kern="1200">
+                <a:solidFill>
+                  <a:schemeClr val="tx1"/>
+                </a:solidFill>
+                <a:latin typeface="+mn-lt"/>
+                <a:ea typeface="+mn-ea"/>
+                <a:cs typeface="+mn-cs"/>
+              </a:defRPr>
+            </a:lvl2pPr>
+            <a:lvl3pPr marL="857250" indent="-171450" algn="l" defTabSz="685800" rtl="0" eaLnBrk="1" latinLnBrk="0" hangingPunct="1">
+              <a:lnSpc>
+                <a:spcPct val="90000"/>
+              </a:lnSpc>
+              <a:spcBef>
+                <a:spcPts val="375"/>
+              </a:spcBef>
+              <a:buFont typeface="Arial" panose="020B0604020202020204" pitchFamily="34" charset="0"/>
+              <a:buChar char="•"/>
+              <a:defRPr sz="1500" kern="1200">
+                <a:solidFill>
+                  <a:schemeClr val="tx1"/>
+                </a:solidFill>
+                <a:latin typeface="+mn-lt"/>
+                <a:ea typeface="+mn-ea"/>
+                <a:cs typeface="+mn-cs"/>
+              </a:defRPr>
+            </a:lvl3pPr>
+            <a:lvl4pPr marL="1200150" indent="-171450" algn="l" defTabSz="685800" rtl="0" eaLnBrk="1" latinLnBrk="0" hangingPunct="1">
+              <a:lnSpc>
+                <a:spcPct val="90000"/>
+              </a:lnSpc>
+              <a:spcBef>
+                <a:spcPts val="375"/>
+              </a:spcBef>
+              <a:buFont typeface="Arial" panose="020B0604020202020204" pitchFamily="34" charset="0"/>
+              <a:buChar char="•"/>
+              <a:defRPr sz="1350" kern="1200">
+                <a:solidFill>
+                  <a:schemeClr val="tx1"/>
+                </a:solidFill>
+                <a:latin typeface="+mn-lt"/>
+                <a:ea typeface="+mn-ea"/>
+                <a:cs typeface="+mn-cs"/>
+              </a:defRPr>
+            </a:lvl4pPr>
+            <a:lvl5pPr marL="1543050" indent="-171450" algn="l" defTabSz="685800" rtl="0" eaLnBrk="1" latinLnBrk="0" hangingPunct="1">
+              <a:lnSpc>
+                <a:spcPct val="90000"/>
+              </a:lnSpc>
+              <a:spcBef>
+                <a:spcPts val="375"/>
+              </a:spcBef>
+              <a:buFont typeface="Arial" panose="020B0604020202020204" pitchFamily="34" charset="0"/>
+              <a:buChar char="•"/>
+              <a:defRPr sz="1350" kern="1200">
+                <a:solidFill>
+                  <a:schemeClr val="tx1"/>
+                </a:solidFill>
+                <a:latin typeface="+mn-lt"/>
+                <a:ea typeface="+mn-ea"/>
+                <a:cs typeface="+mn-cs"/>
+              </a:defRPr>
+            </a:lvl5pPr>
+            <a:lvl6pPr marL="1885950" indent="-171450" algn="l" defTabSz="685800" rtl="0" eaLnBrk="1" latinLnBrk="0" hangingPunct="1">
+              <a:lnSpc>
+                <a:spcPct val="90000"/>
+              </a:lnSpc>
+              <a:spcBef>
+                <a:spcPts val="375"/>
+              </a:spcBef>
+              <a:buFont typeface="Arial" panose="020B0604020202020204" pitchFamily="34" charset="0"/>
+              <a:buChar char="•"/>
+              <a:defRPr sz="1350" kern="1200">
+                <a:solidFill>
+                  <a:schemeClr val="tx1"/>
+                </a:solidFill>
+                <a:latin typeface="+mn-lt"/>
+                <a:ea typeface="+mn-ea"/>
+                <a:cs typeface="+mn-cs"/>
+              </a:defRPr>
+            </a:lvl6pPr>
+            <a:lvl7pPr marL="2228850" indent="-171450" algn="l" defTabSz="685800" rtl="0" eaLnBrk="1" latinLnBrk="0" hangingPunct="1">
+              <a:lnSpc>
+                <a:spcPct val="90000"/>
+              </a:lnSpc>
+              <a:spcBef>
+                <a:spcPts val="375"/>
+              </a:spcBef>
+              <a:buFont typeface="Arial" panose="020B0604020202020204" pitchFamily="34" charset="0"/>
+              <a:buChar char="•"/>
+              <a:defRPr sz="1350" kern="1200">
+                <a:solidFill>
+                  <a:schemeClr val="tx1"/>
+                </a:solidFill>
+                <a:latin typeface="+mn-lt"/>
+                <a:ea typeface="+mn-ea"/>
+                <a:cs typeface="+mn-cs"/>
+              </a:defRPr>
+            </a:lvl7pPr>
+            <a:lvl8pPr marL="2571750" indent="-171450" algn="l" defTabSz="685800" rtl="0" eaLnBrk="1" latinLnBrk="0" hangingPunct="1">
+              <a:lnSpc>
+                <a:spcPct val="90000"/>
+              </a:lnSpc>
+              <a:spcBef>
+                <a:spcPts val="375"/>
+              </a:spcBef>
+              <a:buFont typeface="Arial" panose="020B0604020202020204" pitchFamily="34" charset="0"/>
+              <a:buChar char="•"/>
+              <a:defRPr sz="1350" kern="1200">
+                <a:solidFill>
+                  <a:schemeClr val="tx1"/>
+                </a:solidFill>
+                <a:latin typeface="+mn-lt"/>
+                <a:ea typeface="+mn-ea"/>
+                <a:cs typeface="+mn-cs"/>
+              </a:defRPr>
+            </a:lvl8pPr>
+            <a:lvl9pPr marL="2914650" indent="-171450" algn="l" defTabSz="685800" rtl="0" eaLnBrk="1" latinLnBrk="0" hangingPunct="1">
+              <a:lnSpc>
+                <a:spcPct val="90000"/>
+              </a:lnSpc>
+              <a:spcBef>
+                <a:spcPts val="375"/>
+              </a:spcBef>
+              <a:buFont typeface="Arial" panose="020B0604020202020204" pitchFamily="34" charset="0"/>
+              <a:buChar char="•"/>
+              <a:defRPr sz="1350" kern="1200">
+                <a:solidFill>
+                  <a:schemeClr val="tx1"/>
+                </a:solidFill>
+                <a:latin typeface="+mn-lt"/>
+                <a:ea typeface="+mn-ea"/>
+                <a:cs typeface="+mn-cs"/>
+              </a:defRPr>
+            </a:lvl9pPr>
+          </a:lstStyle>
+          <a:p>
+            <a:pPr lvl="1">
+              <a:lnSpc>
+                <a:spcPct val="250000"/>
+              </a:lnSpc>
+              <a:buFont typeface="Wingdings" panose="05000000000000000000" pitchFamily="2" charset="2"/>
+              <a:buChar char="§"/>
+            </a:pPr>
+            <a:r>
+              <a:rPr lang="fr-FR" sz="2000" dirty="0">
+                <a:solidFill>
+                  <a:srgbClr val="004492"/>
+                </a:solidFill>
+                <a:latin typeface="Calibri (Corps)"/>
+              </a:rPr>
+              <a:t>Documentation des tables et champs ajoutés</a:t>
+            </a:r>
+          </a:p>
+          <a:p>
+            <a:pPr lvl="1">
+              <a:lnSpc>
+                <a:spcPct val="250000"/>
+              </a:lnSpc>
+              <a:buFont typeface="Wingdings" panose="05000000000000000000" pitchFamily="2" charset="2"/>
+              <a:buChar char="§"/>
+            </a:pPr>
+            <a:r>
+              <a:rPr lang="fr-FR" sz="2000" dirty="0">
+                <a:solidFill>
+                  <a:srgbClr val="004492"/>
+                </a:solidFill>
+                <a:latin typeface="Calibri (Corps)"/>
+              </a:rPr>
+              <a:t>NAV : serveur de documentation Web</a:t>
+            </a:r>
+          </a:p>
+        </p:txBody>
+      </p:sp>
+      <p:sp>
+        <p:nvSpPr>
+          <p:cNvPr id="17" name="Espace réservé du contenu 2"/>
+          <p:cNvSpPr txBox="1">
+            <a:spLocks/>
+          </p:cNvSpPr>
+          <p:nvPr/>
+        </p:nvSpPr>
+        <p:spPr>
+          <a:xfrm>
+            <a:off x="1972902" y="5062802"/>
+            <a:ext cx="7886700" cy="1948555"/>
+          </a:xfrm>
+          <a:prstGeom prst="rect">
+            <a:avLst/>
+          </a:prstGeom>
+        </p:spPr>
+        <p:txBody>
+          <a:bodyPr vert="horz" lIns="91440" tIns="45720" rIns="91440" bIns="45720" rtlCol="0">
+            <a:noAutofit/>
+          </a:bodyPr>
+          <a:lstStyle>
+            <a:lvl1pPr marL="171450" indent="-171450" algn="l" defTabSz="685800" rtl="0" eaLnBrk="1" latinLnBrk="0" hangingPunct="1">
+              <a:lnSpc>
+                <a:spcPct val="90000"/>
+              </a:lnSpc>
+              <a:spcBef>
+                <a:spcPts val="750"/>
+              </a:spcBef>
+              <a:buFont typeface="Arial" panose="020B0604020202020204" pitchFamily="34" charset="0"/>
+              <a:buChar char="•"/>
+              <a:defRPr sz="2100" kern="1200">
+                <a:solidFill>
+                  <a:schemeClr val="tx1"/>
+                </a:solidFill>
+                <a:latin typeface="+mn-lt"/>
+                <a:ea typeface="+mn-ea"/>
+                <a:cs typeface="+mn-cs"/>
+              </a:defRPr>
+            </a:lvl1pPr>
+            <a:lvl2pPr marL="514350" indent="-171450" algn="l" defTabSz="685800" rtl="0" eaLnBrk="1" latinLnBrk="0" hangingPunct="1">
+              <a:lnSpc>
+                <a:spcPct val="90000"/>
+              </a:lnSpc>
+              <a:spcBef>
+                <a:spcPts val="375"/>
+              </a:spcBef>
+              <a:buFont typeface="Arial" panose="020B0604020202020204" pitchFamily="34" charset="0"/>
+              <a:buChar char="•"/>
+              <a:defRPr sz="1800" kern="1200">
+                <a:solidFill>
+                  <a:schemeClr val="tx1"/>
+                </a:solidFill>
+                <a:latin typeface="+mn-lt"/>
+                <a:ea typeface="+mn-ea"/>
+                <a:cs typeface="+mn-cs"/>
+              </a:defRPr>
+            </a:lvl2pPr>
+            <a:lvl3pPr marL="857250" indent="-171450" algn="l" defTabSz="685800" rtl="0" eaLnBrk="1" latinLnBrk="0" hangingPunct="1">
+              <a:lnSpc>
+                <a:spcPct val="90000"/>
+              </a:lnSpc>
+              <a:spcBef>
+                <a:spcPts val="375"/>
+              </a:spcBef>
+              <a:buFont typeface="Arial" panose="020B0604020202020204" pitchFamily="34" charset="0"/>
+              <a:buChar char="•"/>
+              <a:defRPr sz="1500" kern="1200">
+                <a:solidFill>
+                  <a:schemeClr val="tx1"/>
+                </a:solidFill>
+                <a:latin typeface="+mn-lt"/>
+                <a:ea typeface="+mn-ea"/>
+                <a:cs typeface="+mn-cs"/>
+              </a:defRPr>
+            </a:lvl3pPr>
+            <a:lvl4pPr marL="1200150" indent="-171450" algn="l" defTabSz="685800" rtl="0" eaLnBrk="1" latinLnBrk="0" hangingPunct="1">
+              <a:lnSpc>
+                <a:spcPct val="90000"/>
+              </a:lnSpc>
+              <a:spcBef>
+                <a:spcPts val="375"/>
+              </a:spcBef>
+              <a:buFont typeface="Arial" panose="020B0604020202020204" pitchFamily="34" charset="0"/>
+              <a:buChar char="•"/>
+              <a:defRPr sz="1350" kern="1200">
+                <a:solidFill>
+                  <a:schemeClr val="tx1"/>
+                </a:solidFill>
+                <a:latin typeface="+mn-lt"/>
+                <a:ea typeface="+mn-ea"/>
+                <a:cs typeface="+mn-cs"/>
+              </a:defRPr>
+            </a:lvl4pPr>
+            <a:lvl5pPr marL="1543050" indent="-171450" algn="l" defTabSz="685800" rtl="0" eaLnBrk="1" latinLnBrk="0" hangingPunct="1">
+              <a:lnSpc>
+                <a:spcPct val="90000"/>
+              </a:lnSpc>
+              <a:spcBef>
+                <a:spcPts val="375"/>
+              </a:spcBef>
+              <a:buFont typeface="Arial" panose="020B0604020202020204" pitchFamily="34" charset="0"/>
+              <a:buChar char="•"/>
+              <a:defRPr sz="1350" kern="1200">
+                <a:solidFill>
+                  <a:schemeClr val="tx1"/>
+                </a:solidFill>
+                <a:latin typeface="+mn-lt"/>
+                <a:ea typeface="+mn-ea"/>
+                <a:cs typeface="+mn-cs"/>
+              </a:defRPr>
+            </a:lvl5pPr>
+            <a:lvl6pPr marL="1885950" indent="-171450" algn="l" defTabSz="685800" rtl="0" eaLnBrk="1" latinLnBrk="0" hangingPunct="1">
+              <a:lnSpc>
+                <a:spcPct val="90000"/>
+              </a:lnSpc>
+              <a:spcBef>
+                <a:spcPts val="375"/>
+              </a:spcBef>
+              <a:buFont typeface="Arial" panose="020B0604020202020204" pitchFamily="34" charset="0"/>
+              <a:buChar char="•"/>
+              <a:defRPr sz="1350" kern="1200">
+                <a:solidFill>
+                  <a:schemeClr val="tx1"/>
+                </a:solidFill>
+                <a:latin typeface="+mn-lt"/>
+                <a:ea typeface="+mn-ea"/>
+                <a:cs typeface="+mn-cs"/>
+              </a:defRPr>
+            </a:lvl6pPr>
+            <a:lvl7pPr marL="2228850" indent="-171450" algn="l" defTabSz="685800" rtl="0" eaLnBrk="1" latinLnBrk="0" hangingPunct="1">
+              <a:lnSpc>
+                <a:spcPct val="90000"/>
+              </a:lnSpc>
+              <a:spcBef>
+                <a:spcPts val="375"/>
+              </a:spcBef>
+              <a:buFont typeface="Arial" panose="020B0604020202020204" pitchFamily="34" charset="0"/>
+              <a:buChar char="•"/>
+              <a:defRPr sz="1350" kern="1200">
+                <a:solidFill>
+                  <a:schemeClr val="tx1"/>
+                </a:solidFill>
+                <a:latin typeface="+mn-lt"/>
+                <a:ea typeface="+mn-ea"/>
+                <a:cs typeface="+mn-cs"/>
+              </a:defRPr>
+            </a:lvl7pPr>
+            <a:lvl8pPr marL="2571750" indent="-171450" algn="l" defTabSz="685800" rtl="0" eaLnBrk="1" latinLnBrk="0" hangingPunct="1">
+              <a:lnSpc>
+                <a:spcPct val="90000"/>
+              </a:lnSpc>
+              <a:spcBef>
+                <a:spcPts val="375"/>
+              </a:spcBef>
+              <a:buFont typeface="Arial" panose="020B0604020202020204" pitchFamily="34" charset="0"/>
+              <a:buChar char="•"/>
+              <a:defRPr sz="1350" kern="1200">
+                <a:solidFill>
+                  <a:schemeClr val="tx1"/>
+                </a:solidFill>
+                <a:latin typeface="+mn-lt"/>
+                <a:ea typeface="+mn-ea"/>
+                <a:cs typeface="+mn-cs"/>
+              </a:defRPr>
+            </a:lvl8pPr>
+            <a:lvl9pPr marL="2914650" indent="-171450" algn="l" defTabSz="685800" rtl="0" eaLnBrk="1" latinLnBrk="0" hangingPunct="1">
+              <a:lnSpc>
+                <a:spcPct val="90000"/>
+              </a:lnSpc>
+              <a:spcBef>
+                <a:spcPts val="375"/>
+              </a:spcBef>
+              <a:buFont typeface="Arial" panose="020B0604020202020204" pitchFamily="34" charset="0"/>
+              <a:buChar char="•"/>
+              <a:defRPr sz="1350" kern="1200">
+                <a:solidFill>
+                  <a:schemeClr val="tx1"/>
+                </a:solidFill>
+                <a:latin typeface="+mn-lt"/>
+                <a:ea typeface="+mn-ea"/>
+                <a:cs typeface="+mn-cs"/>
+              </a:defRPr>
+            </a:lvl9pPr>
+          </a:lstStyle>
+          <a:p>
+            <a:pPr marL="0" indent="0">
+              <a:buNone/>
+            </a:pPr>
+            <a:r>
+              <a:rPr lang="fr-FR" sz="2000" b="1" dirty="0">
+                <a:solidFill>
+                  <a:srgbClr val="004492"/>
+                </a:solidFill>
+                <a:latin typeface="Calibri (Corps)"/>
+                <a:sym typeface="Wingdings" panose="05000000000000000000" pitchFamily="2" charset="2"/>
+              </a:rPr>
+              <a:t>Indispensable pour passer le test de certification</a:t>
+            </a:r>
+            <a:endParaRPr lang="fr-FR" sz="2000" b="1" dirty="0">
+              <a:solidFill>
+                <a:srgbClr val="004492"/>
+              </a:solidFill>
+              <a:latin typeface="Calibri (Corps)"/>
+            </a:endParaRPr>
+          </a:p>
+        </p:txBody>
+      </p:sp>
+      <p:sp>
+        <p:nvSpPr>
+          <p:cNvPr id="18" name="Flèche : droite 17"/>
+          <p:cNvSpPr/>
+          <p:nvPr/>
+        </p:nvSpPr>
+        <p:spPr>
+          <a:xfrm>
+            <a:off x="1064603" y="5062802"/>
+            <a:ext cx="680224" cy="320125"/>
+          </a:xfrm>
+          <a:prstGeom prst="rightArrow">
+            <a:avLst/>
+          </a:prstGeom>
+          <a:solidFill>
+            <a:srgbClr val="004492"/>
+          </a:solidFill>
+          <a:ln>
+            <a:solidFill>
+              <a:srgbClr val="004492"/>
+            </a:solidFill>
+          </a:ln>
+        </p:spPr>
+        <p:style>
+          <a:lnRef idx="2">
+            <a:schemeClr val="accent6"/>
+          </a:lnRef>
+          <a:fillRef idx="1">
+            <a:schemeClr val="lt1"/>
+          </a:fillRef>
+          <a:effectRef idx="0">
+            <a:schemeClr val="accent6"/>
+          </a:effectRef>
+          <a:fontRef idx="minor">
+            <a:schemeClr val="dk1"/>
+          </a:fontRef>
+        </p:style>
+        <p:txBody>
+          <a:bodyPr rtlCol="0" anchor="ctr"/>
+          <a:lstStyle/>
+          <a:p>
+            <a:pPr algn="ctr"/>
+            <a:endParaRPr lang="fr-FR">
+              <a:solidFill>
+                <a:srgbClr val="0070C0"/>
+              </a:solidFill>
+            </a:endParaRPr>
+          </a:p>
+        </p:txBody>
+      </p:sp>
+    </p:spTree>
+    <p:extLst>
+      <p:ext uri="{BB962C8B-B14F-4D97-AF65-F5344CB8AC3E}">
+        <p14:creationId xmlns:p14="http://schemas.microsoft.com/office/powerpoint/2010/main" val="1838172226"/>
+      </p:ext>
+    </p:extLst>
+  </p:cSld>
+  <p:clrMapOvr>
+    <a:masterClrMapping/>
+  </p:clrMapOvr>
+</p:sld>
+</file>
+
+<file path=ppt/slides/slide32.xml><?xml version="1.0" encoding="utf-8"?>
+<p:sld xmlns:a="http://schemas.openxmlformats.org/drawingml/2006/main" xmlns:r="http://schemas.openxmlformats.org/officeDocument/2006/relationships" xmlns:p="http://schemas.openxmlformats.org/presentationml/2006/main">
+  <p:cSld>
+    <p:spTree>
+      <p:nvGrpSpPr>
+        <p:cNvPr id="1" name=""/>
+        <p:cNvGrpSpPr/>
+        <p:nvPr/>
+      </p:nvGrpSpPr>
+      <p:grpSpPr>
+        <a:xfrm>
+          <a:off x="0" y="0"/>
+          <a:ext cx="0" cy="0"/>
+          <a:chOff x="0" y="0"/>
+          <a:chExt cx="0" cy="0"/>
+        </a:xfrm>
+      </p:grpSpPr>
+      <p:sp>
+        <p:nvSpPr>
+          <p:cNvPr id="2" name="Titre 1"/>
+          <p:cNvSpPr>
+            <a:spLocks noGrp="1"/>
+          </p:cNvSpPr>
+          <p:nvPr>
+            <p:ph type="title"/>
+          </p:nvPr>
+        </p:nvSpPr>
+        <p:spPr>
+          <a:xfrm>
+            <a:off x="245917" y="0"/>
+            <a:ext cx="6347713" cy="1320800"/>
+          </a:xfrm>
+        </p:spPr>
+        <p:txBody>
+          <a:bodyPr>
+            <a:normAutofit/>
+          </a:bodyPr>
+          <a:lstStyle/>
+          <a:p>
+            <a:r>
+              <a:rPr lang="fr-FR" sz="3500" dirty="0">
+                <a:solidFill>
+                  <a:schemeClr val="bg1"/>
+                </a:solidFill>
+                <a:latin typeface="Eurostile-Roman" pitchFamily="2" charset="0"/>
+              </a:rPr>
+              <a:t>Développement </a:t>
+            </a:r>
+            <a:br>
+              <a:rPr lang="fr-FR" sz="3500" dirty="0">
+                <a:solidFill>
+                  <a:schemeClr val="bg1"/>
+                </a:solidFill>
+                <a:latin typeface="Eurostile-Roman" pitchFamily="2" charset="0"/>
+              </a:rPr>
+            </a:br>
+            <a:r>
+              <a:rPr lang="fr-FR" sz="3500" dirty="0">
+                <a:solidFill>
+                  <a:schemeClr val="bg1"/>
+                </a:solidFill>
+                <a:latin typeface="Eurostile-Roman" pitchFamily="2" charset="0"/>
+              </a:rPr>
+              <a:t>de la solution</a:t>
+            </a:r>
+          </a:p>
+        </p:txBody>
+      </p:sp>
+      <p:sp>
+        <p:nvSpPr>
+          <p:cNvPr id="11" name="Espace réservé du numéro de diapositive 1"/>
+          <p:cNvSpPr>
+            <a:spLocks noGrp="1"/>
+          </p:cNvSpPr>
+          <p:nvPr>
+            <p:ph type="sldNum" sz="quarter" idx="12"/>
+          </p:nvPr>
+        </p:nvSpPr>
+        <p:spPr>
+          <a:xfrm>
+            <a:off x="6603423" y="6255991"/>
+            <a:ext cx="2057400" cy="365125"/>
+          </a:xfrm>
+        </p:spPr>
+        <p:txBody>
+          <a:bodyPr/>
+          <a:lstStyle/>
+          <a:p>
+            <a:r>
+              <a:rPr lang="fr-FR" sz="1800" dirty="0">
+                <a:latin typeface="Eurostile-Roman" pitchFamily="2" charset="0"/>
+              </a:rPr>
+              <a:t>Diapositive </a:t>
+            </a:r>
+            <a:fld id="{0A0AF257-D28F-495E-9E53-3BED59B8AA35}" type="slidenum">
+              <a:rPr lang="fr-FR" sz="1800" smtClean="0">
+                <a:latin typeface="Eurostile-Roman" pitchFamily="2" charset="0"/>
+              </a:rPr>
+              <a:t>32</a:t>
+            </a:fld>
+            <a:endParaRPr lang="fr-FR" sz="1800" dirty="0">
+              <a:latin typeface="Eurostile-Roman" pitchFamily="2" charset="0"/>
+            </a:endParaRPr>
+          </a:p>
+        </p:txBody>
+      </p:sp>
+      <p:sp>
+        <p:nvSpPr>
+          <p:cNvPr id="7" name="Espace réservé du contenu 30"/>
+          <p:cNvSpPr txBox="1">
+            <a:spLocks/>
+          </p:cNvSpPr>
+          <p:nvPr/>
+        </p:nvSpPr>
+        <p:spPr>
+          <a:xfrm>
             <a:off x="906036" y="2784963"/>
             <a:ext cx="8059882" cy="3258112"/>
           </a:xfrm>
@@ -16077,7 +18655,7 @@
 </p:sld>
 </file>
 
-<file path=ppt/slides/slide31.xml><?xml version="1.0" encoding="utf-8"?>
+<file path=ppt/slides/slide33.xml><?xml version="1.0" encoding="utf-8"?>
 <p:sld xmlns:a="http://schemas.openxmlformats.org/drawingml/2006/main" xmlns:r="http://schemas.openxmlformats.org/officeDocument/2006/relationships" xmlns:p="http://schemas.openxmlformats.org/presentationml/2006/main">
   <p:cSld>
     <p:spTree>
@@ -16436,7 +19014,7 @@
               <a:rPr lang="fr-FR" sz="1800" smtClean="0">
                 <a:latin typeface="Eurostile-Roman" pitchFamily="2" charset="0"/>
               </a:rPr>
-              <a:t>31</a:t>
+              <a:t>33</a:t>
             </a:fld>
             <a:endParaRPr lang="fr-FR" sz="1800" dirty="0">
               <a:latin typeface="Eurostile-Roman" pitchFamily="2" charset="0"/>
@@ -16457,7 +19035,7 @@
 </p:sld>
 </file>
 
-<file path=ppt/slides/slide32.xml><?xml version="1.0" encoding="utf-8"?>
+<file path=ppt/slides/slide34.xml><?xml version="1.0" encoding="utf-8"?>
 <p:sld xmlns:a="http://schemas.openxmlformats.org/drawingml/2006/main" xmlns:r="http://schemas.openxmlformats.org/officeDocument/2006/relationships" xmlns:p="http://schemas.openxmlformats.org/presentationml/2006/main">
   <p:cSld>
     <p:spTree>
@@ -16763,7 +19341,7 @@
               <a:rPr lang="fr-FR" sz="1800" smtClean="0">
                 <a:latin typeface="Eurostile-Roman" pitchFamily="2" charset="0"/>
               </a:rPr>
-              <a:t>32</a:t>
+              <a:t>34</a:t>
             </a:fld>
             <a:endParaRPr lang="fr-FR" sz="1800" dirty="0">
               <a:latin typeface="Eurostile-Roman" pitchFamily="2" charset="0"/>
@@ -16835,7 +19413,7 @@
 </p:sld>
 </file>
 
-<file path=ppt/slides/slide33.xml><?xml version="1.0" encoding="utf-8"?>
+<file path=ppt/slides/slide35.xml><?xml version="1.0" encoding="utf-8"?>
 <p:sld xmlns:a="http://schemas.openxmlformats.org/drawingml/2006/main" xmlns:r="http://schemas.openxmlformats.org/officeDocument/2006/relationships" xmlns:p="http://schemas.openxmlformats.org/presentationml/2006/main">
   <p:cSld>
     <p:spTree>
@@ -17065,7 +19643,7 @@
       </p:sp>
       <p:sp>
         <p:nvSpPr>
-          <p:cNvPr id="2" name="Espace réservé du numéro de diapositive 1"/>
+          <p:cNvPr id="4" name="Espace réservé du numéro de diapositive 1"/>
           <p:cNvSpPr>
             <a:spLocks noGrp="1"/>
           </p:cNvSpPr>
@@ -17073,16 +19651,31 @@
             <p:ph type="sldNum" sz="quarter" idx="12"/>
           </p:nvPr>
         </p:nvSpPr>
-        <p:spPr/>
+        <p:spPr>
+          <a:xfrm>
+            <a:off x="6603423" y="6255991"/>
+            <a:ext cx="2057400" cy="365125"/>
+          </a:xfrm>
+        </p:spPr>
         <p:txBody>
           <a:bodyPr/>
           <a:lstStyle/>
           <a:p>
+            <a:r>
+              <a:rPr lang="fr-FR" sz="1800" dirty="0">
+                <a:latin typeface="Eurostile-Roman" pitchFamily="2" charset="0"/>
+              </a:rPr>
+              <a:t>Diapositive </a:t>
+            </a:r>
             <a:fld id="{0A0AF257-D28F-495E-9E53-3BED59B8AA35}" type="slidenum">
-              <a:rPr lang="fr-FR" smtClean="0"/>
-              <a:t>33</a:t>
+              <a:rPr lang="fr-FR" sz="1800" smtClean="0">
+                <a:latin typeface="Eurostile-Roman" pitchFamily="2" charset="0"/>
+              </a:rPr>
+              <a:t>35</a:t>
             </a:fld>
-            <a:endParaRPr lang="fr-FR"/>
+            <a:endParaRPr lang="fr-FR" sz="1800" dirty="0">
+              <a:latin typeface="Eurostile-Roman" pitchFamily="2" charset="0"/>
+            </a:endParaRPr>
           </a:p>
         </p:txBody>
       </p:sp>

--- a/Soutenance_Stage.pptx
+++ b/Soutenance_Stage.pptx
@@ -231,7 +231,7 @@
           <a:p>
             <a:fld id="{6A6B8603-F168-4293-AE02-38B8D4407F2C}" type="datetimeFigureOut">
               <a:rPr lang="fr-FR" smtClean="0"/>
-              <a:t>29/05/2017</a:t>
+              <a:t>30/05/2017</a:t>
             </a:fld>
             <a:endParaRPr lang="fr-FR"/>
           </a:p>
@@ -627,7 +627,7 @@
           <a:p>
             <a:fld id="{C61A2356-E161-48C6-974A-E0A2B3A6E478}" type="datetime1">
               <a:rPr lang="fr-FR" smtClean="0"/>
-              <a:t>29/05/2017</a:t>
+              <a:t>30/05/2017</a:t>
             </a:fld>
             <a:endParaRPr lang="fr-FR"/>
           </a:p>
@@ -795,7 +795,7 @@
           <a:p>
             <a:fld id="{A48A7D4D-F8D9-43CD-9DB2-FDB2C5CB8AE3}" type="datetime1">
               <a:rPr lang="fr-FR" smtClean="0"/>
-              <a:t>29/05/2017</a:t>
+              <a:t>30/05/2017</a:t>
             </a:fld>
             <a:endParaRPr lang="fr-FR"/>
           </a:p>
@@ -973,7 +973,7 @@
           <a:p>
             <a:fld id="{82ABE3F5-26BA-4BFC-AFDC-3AC7FE105C9D}" type="datetime1">
               <a:rPr lang="fr-FR" smtClean="0"/>
-              <a:t>29/05/2017</a:t>
+              <a:t>30/05/2017</a:t>
             </a:fld>
             <a:endParaRPr lang="fr-FR"/>
           </a:p>
@@ -1141,7 +1141,7 @@
           <a:p>
             <a:fld id="{C711CD0E-760D-4202-B0C1-E7D5CF6BAA62}" type="datetime1">
               <a:rPr lang="fr-FR" smtClean="0"/>
-              <a:t>29/05/2017</a:t>
+              <a:t>30/05/2017</a:t>
             </a:fld>
             <a:endParaRPr lang="fr-FR"/>
           </a:p>
@@ -1386,7 +1386,7 @@
           <a:p>
             <a:fld id="{F704051D-05F2-4EFF-BAA5-5AA6BE41474E}" type="datetime1">
               <a:rPr lang="fr-FR" smtClean="0"/>
-              <a:t>29/05/2017</a:t>
+              <a:t>30/05/2017</a:t>
             </a:fld>
             <a:endParaRPr lang="fr-FR"/>
           </a:p>
@@ -1615,7 +1615,7 @@
           <a:p>
             <a:fld id="{5B1E51B9-3C08-47E2-B3DF-FAB5241977DC}" type="datetime1">
               <a:rPr lang="fr-FR" smtClean="0"/>
-              <a:t>29/05/2017</a:t>
+              <a:t>30/05/2017</a:t>
             </a:fld>
             <a:endParaRPr lang="fr-FR"/>
           </a:p>
@@ -1979,7 +1979,7 @@
           <a:p>
             <a:fld id="{A0C115EA-13E3-4C85-85DE-3CCFF6A9740B}" type="datetime1">
               <a:rPr lang="fr-FR" smtClean="0"/>
-              <a:t>29/05/2017</a:t>
+              <a:t>30/05/2017</a:t>
             </a:fld>
             <a:endParaRPr lang="fr-FR"/>
           </a:p>
@@ -2096,7 +2096,7 @@
           <a:p>
             <a:fld id="{68F67F48-8778-44AB-9E95-D19A6ABDAF43}" type="datetime1">
               <a:rPr lang="fr-FR" smtClean="0"/>
-              <a:t>29/05/2017</a:t>
+              <a:t>30/05/2017</a:t>
             </a:fld>
             <a:endParaRPr lang="fr-FR"/>
           </a:p>
@@ -2191,7 +2191,7 @@
           <a:p>
             <a:fld id="{663C7F81-61AA-4D25-8AB3-DE0D31697BD5}" type="datetime1">
               <a:rPr lang="fr-FR" smtClean="0"/>
-              <a:t>29/05/2017</a:t>
+              <a:t>30/05/2017</a:t>
             </a:fld>
             <a:endParaRPr lang="fr-FR"/>
           </a:p>
@@ -2466,7 +2466,7 @@
           <a:p>
             <a:fld id="{14CB0180-EC6F-44E5-B856-8B0D40ADA19F}" type="datetime1">
               <a:rPr lang="fr-FR" smtClean="0"/>
-              <a:t>29/05/2017</a:t>
+              <a:t>30/05/2017</a:t>
             </a:fld>
             <a:endParaRPr lang="fr-FR"/>
           </a:p>
@@ -2718,7 +2718,7 @@
           <a:p>
             <a:fld id="{BC5DA1EF-175C-4684-858C-4DA625CE5717}" type="datetime1">
               <a:rPr lang="fr-FR" smtClean="0"/>
-              <a:t>29/05/2017</a:t>
+              <a:t>30/05/2017</a:t>
             </a:fld>
             <a:endParaRPr lang="fr-FR"/>
           </a:p>
@@ -2938,7 +2938,7 @@
           <a:p>
             <a:fld id="{E7E6C54A-DA3B-4E4A-92D2-3E89B5E318E2}" type="datetime1">
               <a:rPr lang="fr-FR" smtClean="0"/>
-              <a:t>29/05/2017</a:t>
+              <a:t>30/05/2017</a:t>
             </a:fld>
             <a:endParaRPr lang="fr-FR"/>
           </a:p>
@@ -4073,24 +4073,14 @@
               <a:t> </a:t>
             </a:r>
             <a:r>
-              <a:rPr lang="fr-FR" sz="1900" b="1" dirty="0" err="1">
+              <a:rPr lang="fr-FR" sz="1900" b="1" dirty="0">
                 <a:solidFill>
                   <a:srgbClr val="004492"/>
                 </a:solidFill>
                 <a:latin typeface="Calibri (Corps)"/>
                 <a:sym typeface="Wingdings" panose="05000000000000000000" pitchFamily="2" charset="2"/>
               </a:rPr>
-              <a:t>CfMD</a:t>
-            </a:r>
-            <a:r>
-              <a:rPr lang="fr-FR" sz="1900" b="1" dirty="0">
-                <a:solidFill>
-                  <a:srgbClr val="004492"/>
-                </a:solidFill>
-                <a:latin typeface="Calibri (Corps)"/>
-                <a:sym typeface="Wingdings" panose="05000000000000000000" pitchFamily="2" charset="2"/>
-              </a:rPr>
-              <a:t> Guidelines</a:t>
+              <a:t>CFMD Guidelines</a:t>
             </a:r>
           </a:p>
           <a:p>

--- a/Soutenance_Stage.pptx
+++ b/Soutenance_Stage.pptx
@@ -8565,7 +8565,7 @@
       </p:sp>
       <p:sp>
         <p:nvSpPr>
-          <p:cNvPr id="3" name="Espace réservé du numéro de diapositive 2"/>
+          <p:cNvPr id="7" name="Espace réservé du numéro de diapositive 1"/>
           <p:cNvSpPr>
             <a:spLocks noGrp="1"/>
           </p:cNvSpPr>
@@ -8573,16 +8573,31 @@
             <p:ph type="sldNum" sz="quarter" idx="12"/>
           </p:nvPr>
         </p:nvSpPr>
-        <p:spPr/>
+        <p:spPr>
+          <a:xfrm>
+            <a:off x="6603423" y="6255991"/>
+            <a:ext cx="2057400" cy="365125"/>
+          </a:xfrm>
+        </p:spPr>
         <p:txBody>
           <a:bodyPr/>
           <a:lstStyle/>
           <a:p>
+            <a:r>
+              <a:rPr lang="fr-FR" sz="1800" dirty="0">
+                <a:latin typeface="Eurostile-Roman" pitchFamily="2" charset="0"/>
+              </a:rPr>
+              <a:t>Diapositive </a:t>
+            </a:r>
             <a:fld id="{0A0AF257-D28F-495E-9E53-3BED59B8AA35}" type="slidenum">
-              <a:rPr lang="fr-FR" smtClean="0"/>
+              <a:rPr lang="fr-FR" sz="1800" smtClean="0">
+                <a:latin typeface="Eurostile-Roman" pitchFamily="2" charset="0"/>
+              </a:rPr>
               <a:t>19</a:t>
             </a:fld>
-            <a:endParaRPr lang="fr-FR"/>
+            <a:endParaRPr lang="fr-FR" sz="1800" dirty="0">
+              <a:latin typeface="Eurostile-Roman" pitchFamily="2" charset="0"/>
+            </a:endParaRPr>
           </a:p>
         </p:txBody>
       </p:sp>
@@ -21572,7 +21587,7 @@
       </p:pic>
       <p:sp>
         <p:nvSpPr>
-          <p:cNvPr id="14" name="Espace réservé du numéro de diapositive 1"/>
+          <p:cNvPr id="5" name="Espace réservé du numéro de diapositive 1"/>
           <p:cNvSpPr>
             <a:spLocks noGrp="1"/>
           </p:cNvSpPr>
@@ -21580,7 +21595,12 @@
             <p:ph type="sldNum" sz="quarter" idx="12"/>
           </p:nvPr>
         </p:nvSpPr>
-        <p:spPr/>
+        <p:spPr>
+          <a:xfrm>
+            <a:off x="6603423" y="6255991"/>
+            <a:ext cx="2057400" cy="365125"/>
+          </a:xfrm>
+        </p:spPr>
         <p:txBody>
           <a:bodyPr/>
           <a:lstStyle/>
